--- a/Presentation van Emde Boas tree.pptx
+++ b/Presentation van Emde Boas tree.pptx
@@ -6,6 +6,17 @@
   </p:sldMasterIdLst>
   <p:sldIdLst>
     <p:sldId id="256" r:id="rId2"/>
+    <p:sldId id="267" r:id="rId3"/>
+    <p:sldId id="257" r:id="rId4"/>
+    <p:sldId id="268" r:id="rId5"/>
+    <p:sldId id="258" r:id="rId6"/>
+    <p:sldId id="259" r:id="rId7"/>
+    <p:sldId id="261" r:id="rId8"/>
+    <p:sldId id="262" r:id="rId9"/>
+    <p:sldId id="263" r:id="rId10"/>
+    <p:sldId id="264" r:id="rId11"/>
+    <p:sldId id="265" r:id="rId12"/>
+    <p:sldId id="266" r:id="rId13"/>
   </p:sldIdLst>
   <p:sldSz cx="12192000" cy="6858000"/>
   <p:notesSz cx="6858000" cy="9144000"/>
@@ -104,6 +115,11 @@
       </a:defRPr>
     </a:lvl9pPr>
   </p:defaultTextStyle>
+  <p:extLst>
+    <p:ext uri="{EFAFB233-063F-42B5-8137-9DF3F51BA10A}">
+      <p15:sldGuideLst xmlns:p15="http://schemas.microsoft.com/office/powerpoint/2012/main"/>
+    </p:ext>
+  </p:extLst>
 </p:presentation>
 </file>
 
@@ -254,7 +270,7 @@
           <a:p>
             <a:fld id="{50286413-5449-47E4-B1FF-6B5C4CB35255}" type="datetimeFigureOut">
               <a:rPr lang="ru-RU" smtClean="0"/>
-              <a:t>13.12.2022</a:t>
+              <a:t>10.01.2023</a:t>
             </a:fld>
             <a:endParaRPr lang="ru-RU"/>
           </a:p>
@@ -452,7 +468,7 @@
           <a:p>
             <a:fld id="{50286413-5449-47E4-B1FF-6B5C4CB35255}" type="datetimeFigureOut">
               <a:rPr lang="ru-RU" smtClean="0"/>
-              <a:t>13.12.2022</a:t>
+              <a:t>10.01.2023</a:t>
             </a:fld>
             <a:endParaRPr lang="ru-RU"/>
           </a:p>
@@ -660,7 +676,7 @@
           <a:p>
             <a:fld id="{50286413-5449-47E4-B1FF-6B5C4CB35255}" type="datetimeFigureOut">
               <a:rPr lang="ru-RU" smtClean="0"/>
-              <a:t>13.12.2022</a:t>
+              <a:t>10.01.2023</a:t>
             </a:fld>
             <a:endParaRPr lang="ru-RU"/>
           </a:p>
@@ -858,7 +874,7 @@
           <a:p>
             <a:fld id="{50286413-5449-47E4-B1FF-6B5C4CB35255}" type="datetimeFigureOut">
               <a:rPr lang="ru-RU" smtClean="0"/>
-              <a:t>13.12.2022</a:t>
+              <a:t>10.01.2023</a:t>
             </a:fld>
             <a:endParaRPr lang="ru-RU"/>
           </a:p>
@@ -1133,7 +1149,7 @@
           <a:p>
             <a:fld id="{50286413-5449-47E4-B1FF-6B5C4CB35255}" type="datetimeFigureOut">
               <a:rPr lang="ru-RU" smtClean="0"/>
-              <a:t>13.12.2022</a:t>
+              <a:t>10.01.2023</a:t>
             </a:fld>
             <a:endParaRPr lang="ru-RU"/>
           </a:p>
@@ -1398,7 +1414,7 @@
           <a:p>
             <a:fld id="{50286413-5449-47E4-B1FF-6B5C4CB35255}" type="datetimeFigureOut">
               <a:rPr lang="ru-RU" smtClean="0"/>
-              <a:t>13.12.2022</a:t>
+              <a:t>10.01.2023</a:t>
             </a:fld>
             <a:endParaRPr lang="ru-RU"/>
           </a:p>
@@ -1810,7 +1826,7 @@
           <a:p>
             <a:fld id="{50286413-5449-47E4-B1FF-6B5C4CB35255}" type="datetimeFigureOut">
               <a:rPr lang="ru-RU" smtClean="0"/>
-              <a:t>13.12.2022</a:t>
+              <a:t>10.01.2023</a:t>
             </a:fld>
             <a:endParaRPr lang="ru-RU"/>
           </a:p>
@@ -1951,7 +1967,7 @@
           <a:p>
             <a:fld id="{50286413-5449-47E4-B1FF-6B5C4CB35255}" type="datetimeFigureOut">
               <a:rPr lang="ru-RU" smtClean="0"/>
-              <a:t>13.12.2022</a:t>
+              <a:t>10.01.2023</a:t>
             </a:fld>
             <a:endParaRPr lang="ru-RU"/>
           </a:p>
@@ -2064,7 +2080,7 @@
           <a:p>
             <a:fld id="{50286413-5449-47E4-B1FF-6B5C4CB35255}" type="datetimeFigureOut">
               <a:rPr lang="ru-RU" smtClean="0"/>
-              <a:t>13.12.2022</a:t>
+              <a:t>10.01.2023</a:t>
             </a:fld>
             <a:endParaRPr lang="ru-RU"/>
           </a:p>
@@ -2375,7 +2391,7 @@
           <a:p>
             <a:fld id="{50286413-5449-47E4-B1FF-6B5C4CB35255}" type="datetimeFigureOut">
               <a:rPr lang="ru-RU" smtClean="0"/>
-              <a:t>13.12.2022</a:t>
+              <a:t>10.01.2023</a:t>
             </a:fld>
             <a:endParaRPr lang="ru-RU"/>
           </a:p>
@@ -2663,7 +2679,7 @@
           <a:p>
             <a:fld id="{50286413-5449-47E4-B1FF-6B5C4CB35255}" type="datetimeFigureOut">
               <a:rPr lang="ru-RU" smtClean="0"/>
-              <a:t>13.12.2022</a:t>
+              <a:t>10.01.2023</a:t>
             </a:fld>
             <a:endParaRPr lang="ru-RU"/>
           </a:p>
@@ -2904,7 +2920,7 @@
           <a:p>
             <a:fld id="{50286413-5449-47E4-B1FF-6B5C4CB35255}" type="datetimeFigureOut">
               <a:rPr lang="ru-RU" smtClean="0"/>
-              <a:t>13.12.2022</a:t>
+              <a:t>10.01.2023</a:t>
             </a:fld>
             <a:endParaRPr lang="ru-RU"/>
           </a:p>
@@ -3342,32 +3358,112 @@
           <a:bodyPr/>
           <a:lstStyle/>
           <a:p>
+            <a:r>
+              <a:rPr lang="ru-RU" dirty="0">
+                <a:latin typeface="Arial Black" panose="020B0A04020102020204" pitchFamily="34" charset="0"/>
+                <a:cs typeface="Arial" panose="020B0604020202020204" pitchFamily="34" charset="0"/>
+              </a:rPr>
+              <a:t>Дерево </a:t>
+            </a:r>
+            <a:r>
+              <a:rPr lang="en-US" dirty="0">
+                <a:latin typeface="Arial Black" panose="020B0A04020102020204" pitchFamily="34" charset="0"/>
+                <a:cs typeface="Arial" panose="020B0604020202020204" pitchFamily="34" charset="0"/>
+              </a:rPr>
+              <a:t>van </a:t>
+            </a:r>
+            <a:r>
+              <a:rPr lang="en-US" dirty="0" err="1">
+                <a:latin typeface="Arial Black" panose="020B0A04020102020204" pitchFamily="34" charset="0"/>
+                <a:cs typeface="Arial" panose="020B0604020202020204" pitchFamily="34" charset="0"/>
+              </a:rPr>
+              <a:t>Emde</a:t>
+            </a:r>
+            <a:r>
+              <a:rPr lang="en-US" dirty="0">
+                <a:latin typeface="Arial Black" panose="020B0A04020102020204" pitchFamily="34" charset="0"/>
+                <a:cs typeface="Arial" panose="020B0604020202020204" pitchFamily="34" charset="0"/>
+              </a:rPr>
+              <a:t> Boas</a:t>
+            </a:r>
+            <a:endParaRPr lang="ru-RU" dirty="0">
+              <a:latin typeface="Arial Black" panose="020B0A04020102020204" pitchFamily="34" charset="0"/>
+              <a:cs typeface="Arial" panose="020B0604020202020204" pitchFamily="34" charset="0"/>
+            </a:endParaRPr>
+          </a:p>
+        </p:txBody>
+      </p:sp>
+      <p:sp>
+        <p:nvSpPr>
+          <p:cNvPr id="3" name="Подзаголовок 2">
+            <a:extLst>
+              <a:ext uri="{FF2B5EF4-FFF2-40B4-BE49-F238E27FC236}">
+                <a16:creationId xmlns:a16="http://schemas.microsoft.com/office/drawing/2014/main" id="{E5230E77-7C3D-498C-A9F3-93DF7C108E53}"/>
+              </a:ext>
+            </a:extLst>
+          </p:cNvPr>
+          <p:cNvSpPr>
+            <a:spLocks noGrp="1"/>
+          </p:cNvSpPr>
+          <p:nvPr>
+            <p:ph type="subTitle" idx="1"/>
+          </p:nvPr>
+        </p:nvSpPr>
+        <p:spPr/>
+        <p:txBody>
+          <a:bodyPr>
+            <a:normAutofit lnSpcReduction="10000"/>
+          </a:bodyPr>
+          <a:lstStyle/>
+          <a:p>
+            <a:pPr algn="r"/>
+            <a:r>
+              <a:rPr lang="ru-RU" dirty="0">
+                <a:latin typeface="Arial" panose="020B0604020202020204" pitchFamily="34" charset="0"/>
+                <a:cs typeface="Arial" panose="020B0604020202020204" pitchFamily="34" charset="0"/>
+              </a:rPr>
+              <a:t>Выполнил</a:t>
+            </a:r>
+            <a:r>
+              <a:rPr lang="en-US" dirty="0">
+                <a:latin typeface="Arial" panose="020B0604020202020204" pitchFamily="34" charset="0"/>
+                <a:cs typeface="Arial" panose="020B0604020202020204" pitchFamily="34" charset="0"/>
+              </a:rPr>
+              <a:t>:</a:t>
+            </a:r>
+          </a:p>
+          <a:p>
+            <a:pPr algn="r"/>
+            <a:r>
+              <a:rPr lang="ru-RU" dirty="0">
+                <a:latin typeface="Arial" panose="020B0604020202020204" pitchFamily="34" charset="0"/>
+                <a:cs typeface="Arial" panose="020B0604020202020204" pitchFamily="34" charset="0"/>
+              </a:rPr>
+              <a:t>Студент группы</a:t>
+            </a:r>
+          </a:p>
+          <a:p>
+            <a:pPr algn="r"/>
+            <a:r>
+              <a:rPr lang="ru-RU" dirty="0">
+                <a:latin typeface="Arial" panose="020B0604020202020204" pitchFamily="34" charset="0"/>
+                <a:cs typeface="Arial" panose="020B0604020202020204" pitchFamily="34" charset="0"/>
+              </a:rPr>
+              <a:t>Б9121-09.03.03пикд</a:t>
+            </a:r>
+          </a:p>
+          <a:p>
+            <a:pPr algn="r"/>
+            <a:r>
+              <a:rPr lang="ru-RU" dirty="0">
+                <a:latin typeface="Arial" panose="020B0604020202020204" pitchFamily="34" charset="0"/>
+                <a:cs typeface="Arial" panose="020B0604020202020204" pitchFamily="34" charset="0"/>
+              </a:rPr>
+              <a:t>Борик Роман Дмитриевич</a:t>
+            </a:r>
+          </a:p>
+          <a:p>
             <a:endParaRPr lang="ru-RU" dirty="0"/>
-          </a:p>
-        </p:txBody>
-      </p:sp>
-      <p:sp>
-        <p:nvSpPr>
-          <p:cNvPr id="3" name="Подзаголовок 2">
-            <a:extLst>
-              <a:ext uri="{FF2B5EF4-FFF2-40B4-BE49-F238E27FC236}">
-                <a16:creationId xmlns:a16="http://schemas.microsoft.com/office/drawing/2014/main" id="{E5230E77-7C3D-498C-A9F3-93DF7C108E53}"/>
-              </a:ext>
-            </a:extLst>
-          </p:cNvPr>
-          <p:cNvSpPr>
-            <a:spLocks noGrp="1"/>
-          </p:cNvSpPr>
-          <p:nvPr>
-            <p:ph type="subTitle" idx="1"/>
-          </p:nvPr>
-        </p:nvSpPr>
-        <p:spPr/>
-        <p:txBody>
-          <a:bodyPr/>
-          <a:lstStyle/>
-          <a:p>
-            <a:endParaRPr lang="ru-RU"/>
           </a:p>
         </p:txBody>
       </p:sp>
@@ -3375,6 +3471,1324 @@
     <p:extLst>
       <p:ext uri="{BB962C8B-B14F-4D97-AF65-F5344CB8AC3E}">
         <p14:creationId xmlns:p14="http://schemas.microsoft.com/office/powerpoint/2010/main" val="1703043570"/>
+      </p:ext>
+    </p:extLst>
+  </p:cSld>
+  <p:clrMapOvr>
+    <a:masterClrMapping/>
+  </p:clrMapOvr>
+</p:sld>
+</file>
+
+<file path=ppt/slides/slide10.xml><?xml version="1.0" encoding="utf-8"?>
+<p:sld xmlns:a="http://schemas.openxmlformats.org/drawingml/2006/main" xmlns:r="http://schemas.openxmlformats.org/officeDocument/2006/relationships" xmlns:p="http://schemas.openxmlformats.org/presentationml/2006/main">
+  <p:cSld>
+    <p:spTree>
+      <p:nvGrpSpPr>
+        <p:cNvPr id="1" name=""/>
+        <p:cNvGrpSpPr/>
+        <p:nvPr/>
+      </p:nvGrpSpPr>
+      <p:grpSpPr>
+        <a:xfrm>
+          <a:off x="0" y="0"/>
+          <a:ext cx="0" cy="0"/>
+          <a:chOff x="0" y="0"/>
+          <a:chExt cx="0" cy="0"/>
+        </a:xfrm>
+      </p:grpSpPr>
+      <p:sp>
+        <p:nvSpPr>
+          <p:cNvPr id="2" name="Заголовок 1">
+            <a:extLst>
+              <a:ext uri="{FF2B5EF4-FFF2-40B4-BE49-F238E27FC236}">
+                <a16:creationId xmlns:a16="http://schemas.microsoft.com/office/drawing/2014/main" id="{55BD7F8A-1437-411C-9F55-68BDC56C8E9C}"/>
+              </a:ext>
+            </a:extLst>
+          </p:cNvPr>
+          <p:cNvSpPr>
+            <a:spLocks noGrp="1"/>
+          </p:cNvSpPr>
+          <p:nvPr>
+            <p:ph type="title"/>
+          </p:nvPr>
+        </p:nvSpPr>
+        <p:spPr/>
+        <p:txBody>
+          <a:bodyPr/>
+          <a:lstStyle/>
+          <a:p>
+            <a:r>
+              <a:rPr lang="en-US" dirty="0"/>
+              <a:t>Remove</a:t>
+            </a:r>
+            <a:endParaRPr lang="ru-RU" dirty="0"/>
+          </a:p>
+        </p:txBody>
+      </p:sp>
+      <p:sp>
+        <p:nvSpPr>
+          <p:cNvPr id="3" name="Объект 2">
+            <a:extLst>
+              <a:ext uri="{FF2B5EF4-FFF2-40B4-BE49-F238E27FC236}">
+                <a16:creationId xmlns:a16="http://schemas.microsoft.com/office/drawing/2014/main" id="{ACDD2A56-C598-4DAC-ACAD-FC11562E424E}"/>
+              </a:ext>
+            </a:extLst>
+          </p:cNvPr>
+          <p:cNvSpPr>
+            <a:spLocks noGrp="1"/>
+          </p:cNvSpPr>
+          <p:nvPr>
+            <p:ph idx="1"/>
+          </p:nvPr>
+        </p:nvSpPr>
+        <p:spPr/>
+        <p:txBody>
+          <a:bodyPr/>
+          <a:lstStyle/>
+          <a:p>
+            <a:endParaRPr lang="ru-RU"/>
+          </a:p>
+        </p:txBody>
+      </p:sp>
+    </p:spTree>
+    <p:extLst>
+      <p:ext uri="{BB962C8B-B14F-4D97-AF65-F5344CB8AC3E}">
+        <p14:creationId xmlns:p14="http://schemas.microsoft.com/office/powerpoint/2010/main" val="3192810081"/>
+      </p:ext>
+    </p:extLst>
+  </p:cSld>
+  <p:clrMapOvr>
+    <a:masterClrMapping/>
+  </p:clrMapOvr>
+</p:sld>
+</file>
+
+<file path=ppt/slides/slide11.xml><?xml version="1.0" encoding="utf-8"?>
+<p:sld xmlns:a="http://schemas.openxmlformats.org/drawingml/2006/main" xmlns:r="http://schemas.openxmlformats.org/officeDocument/2006/relationships" xmlns:p="http://schemas.openxmlformats.org/presentationml/2006/main">
+  <p:cSld>
+    <p:spTree>
+      <p:nvGrpSpPr>
+        <p:cNvPr id="1" name=""/>
+        <p:cNvGrpSpPr/>
+        <p:nvPr/>
+      </p:nvGrpSpPr>
+      <p:grpSpPr>
+        <a:xfrm>
+          <a:off x="0" y="0"/>
+          <a:ext cx="0" cy="0"/>
+          <a:chOff x="0" y="0"/>
+          <a:chExt cx="0" cy="0"/>
+        </a:xfrm>
+      </p:grpSpPr>
+      <p:sp>
+        <p:nvSpPr>
+          <p:cNvPr id="2" name="Заголовок 1">
+            <a:extLst>
+              <a:ext uri="{FF2B5EF4-FFF2-40B4-BE49-F238E27FC236}">
+                <a16:creationId xmlns:a16="http://schemas.microsoft.com/office/drawing/2014/main" id="{C6987F26-A561-46A7-A3EE-42313CC25430}"/>
+              </a:ext>
+            </a:extLst>
+          </p:cNvPr>
+          <p:cNvSpPr>
+            <a:spLocks noGrp="1"/>
+          </p:cNvSpPr>
+          <p:nvPr>
+            <p:ph type="title"/>
+          </p:nvPr>
+        </p:nvSpPr>
+        <p:spPr/>
+        <p:txBody>
+          <a:bodyPr/>
+          <a:lstStyle/>
+          <a:p>
+            <a:r>
+              <a:rPr lang="en-US" dirty="0" err="1"/>
+              <a:t>SuccessorVEB</a:t>
+            </a:r>
+            <a:endParaRPr lang="ru-RU" dirty="0"/>
+          </a:p>
+        </p:txBody>
+      </p:sp>
+      <p:sp>
+        <p:nvSpPr>
+          <p:cNvPr id="3" name="Объект 2">
+            <a:extLst>
+              <a:ext uri="{FF2B5EF4-FFF2-40B4-BE49-F238E27FC236}">
+                <a16:creationId xmlns:a16="http://schemas.microsoft.com/office/drawing/2014/main" id="{DB4B1FC0-79DB-4368-9C59-A84CE5249690}"/>
+              </a:ext>
+            </a:extLst>
+          </p:cNvPr>
+          <p:cNvSpPr>
+            <a:spLocks noGrp="1"/>
+          </p:cNvSpPr>
+          <p:nvPr>
+            <p:ph idx="1"/>
+          </p:nvPr>
+        </p:nvSpPr>
+        <p:spPr/>
+        <p:txBody>
+          <a:bodyPr/>
+          <a:lstStyle/>
+          <a:p>
+            <a:endParaRPr lang="ru-RU"/>
+          </a:p>
+        </p:txBody>
+      </p:sp>
+    </p:spTree>
+    <p:extLst>
+      <p:ext uri="{BB962C8B-B14F-4D97-AF65-F5344CB8AC3E}">
+        <p14:creationId xmlns:p14="http://schemas.microsoft.com/office/powerpoint/2010/main" val="3795284225"/>
+      </p:ext>
+    </p:extLst>
+  </p:cSld>
+  <p:clrMapOvr>
+    <a:masterClrMapping/>
+  </p:clrMapOvr>
+</p:sld>
+</file>
+
+<file path=ppt/slides/slide12.xml><?xml version="1.0" encoding="utf-8"?>
+<p:sld xmlns:a="http://schemas.openxmlformats.org/drawingml/2006/main" xmlns:r="http://schemas.openxmlformats.org/officeDocument/2006/relationships" xmlns:p="http://schemas.openxmlformats.org/presentationml/2006/main">
+  <p:cSld>
+    <p:spTree>
+      <p:nvGrpSpPr>
+        <p:cNvPr id="1" name=""/>
+        <p:cNvGrpSpPr/>
+        <p:nvPr/>
+      </p:nvGrpSpPr>
+      <p:grpSpPr>
+        <a:xfrm>
+          <a:off x="0" y="0"/>
+          <a:ext cx="0" cy="0"/>
+          <a:chOff x="0" y="0"/>
+          <a:chExt cx="0" cy="0"/>
+        </a:xfrm>
+      </p:grpSpPr>
+      <p:sp>
+        <p:nvSpPr>
+          <p:cNvPr id="2" name="Заголовок 1">
+            <a:extLst>
+              <a:ext uri="{FF2B5EF4-FFF2-40B4-BE49-F238E27FC236}">
+                <a16:creationId xmlns:a16="http://schemas.microsoft.com/office/drawing/2014/main" id="{A1948E5B-DE53-40FF-A096-99590B6B0871}"/>
+              </a:ext>
+            </a:extLst>
+          </p:cNvPr>
+          <p:cNvSpPr>
+            <a:spLocks noGrp="1"/>
+          </p:cNvSpPr>
+          <p:nvPr>
+            <p:ph type="title"/>
+          </p:nvPr>
+        </p:nvSpPr>
+        <p:spPr/>
+        <p:txBody>
+          <a:bodyPr/>
+          <a:lstStyle/>
+          <a:p>
+            <a:r>
+              <a:rPr lang="en-US" dirty="0" err="1"/>
+              <a:t>PredecessorVEB</a:t>
+            </a:r>
+            <a:endParaRPr lang="ru-RU" dirty="0"/>
+          </a:p>
+        </p:txBody>
+      </p:sp>
+      <p:sp>
+        <p:nvSpPr>
+          <p:cNvPr id="3" name="Объект 2">
+            <a:extLst>
+              <a:ext uri="{FF2B5EF4-FFF2-40B4-BE49-F238E27FC236}">
+                <a16:creationId xmlns:a16="http://schemas.microsoft.com/office/drawing/2014/main" id="{E8BE0739-A2BB-4612-84C9-EAF328B650E1}"/>
+              </a:ext>
+            </a:extLst>
+          </p:cNvPr>
+          <p:cNvSpPr>
+            <a:spLocks noGrp="1"/>
+          </p:cNvSpPr>
+          <p:nvPr>
+            <p:ph idx="1"/>
+          </p:nvPr>
+        </p:nvSpPr>
+        <p:spPr/>
+        <p:txBody>
+          <a:bodyPr/>
+          <a:lstStyle/>
+          <a:p>
+            <a:endParaRPr lang="ru-RU"/>
+          </a:p>
+        </p:txBody>
+      </p:sp>
+    </p:spTree>
+    <p:extLst>
+      <p:ext uri="{BB962C8B-B14F-4D97-AF65-F5344CB8AC3E}">
+        <p14:creationId xmlns:p14="http://schemas.microsoft.com/office/powerpoint/2010/main" val="3588413207"/>
+      </p:ext>
+    </p:extLst>
+  </p:cSld>
+  <p:clrMapOvr>
+    <a:masterClrMapping/>
+  </p:clrMapOvr>
+</p:sld>
+</file>
+
+<file path=ppt/slides/slide2.xml><?xml version="1.0" encoding="utf-8"?>
+<p:sld xmlns:a="http://schemas.openxmlformats.org/drawingml/2006/main" xmlns:r="http://schemas.openxmlformats.org/officeDocument/2006/relationships" xmlns:p="http://schemas.openxmlformats.org/presentationml/2006/main">
+  <p:cSld>
+    <p:spTree>
+      <p:nvGrpSpPr>
+        <p:cNvPr id="1" name=""/>
+        <p:cNvGrpSpPr/>
+        <p:nvPr/>
+      </p:nvGrpSpPr>
+      <p:grpSpPr>
+        <a:xfrm>
+          <a:off x="0" y="0"/>
+          <a:ext cx="0" cy="0"/>
+          <a:chOff x="0" y="0"/>
+          <a:chExt cx="0" cy="0"/>
+        </a:xfrm>
+      </p:grpSpPr>
+      <p:sp>
+        <p:nvSpPr>
+          <p:cNvPr id="2" name="Заголовок 1">
+            <a:extLst>
+              <a:ext uri="{FF2B5EF4-FFF2-40B4-BE49-F238E27FC236}">
+                <a16:creationId xmlns:a16="http://schemas.microsoft.com/office/drawing/2014/main" id="{4AA8A97E-339E-469F-A793-A393D5ACBFB6}"/>
+              </a:ext>
+            </a:extLst>
+          </p:cNvPr>
+          <p:cNvSpPr>
+            <a:spLocks noGrp="1"/>
+          </p:cNvSpPr>
+          <p:nvPr>
+            <p:ph type="title"/>
+          </p:nvPr>
+        </p:nvSpPr>
+        <p:spPr/>
+        <p:txBody>
+          <a:bodyPr/>
+          <a:lstStyle/>
+          <a:p>
+            <a:r>
+              <a:rPr lang="ru-RU" dirty="0">
+                <a:latin typeface="Arial Black" panose="020B0A04020102020204" pitchFamily="34" charset="0"/>
+              </a:rPr>
+              <a:t>Дерево </a:t>
+            </a:r>
+            <a:r>
+              <a:rPr lang="ru-RU" dirty="0" err="1">
+                <a:latin typeface="Arial Black" panose="020B0A04020102020204" pitchFamily="34" charset="0"/>
+              </a:rPr>
+              <a:t>ван</a:t>
+            </a:r>
+            <a:r>
+              <a:rPr lang="ru-RU" dirty="0">
+                <a:latin typeface="Arial Black" panose="020B0A04020102020204" pitchFamily="34" charset="0"/>
+              </a:rPr>
+              <a:t> </a:t>
+            </a:r>
+            <a:r>
+              <a:rPr lang="ru-RU" dirty="0" err="1">
+                <a:latin typeface="Arial Black" panose="020B0A04020102020204" pitchFamily="34" charset="0"/>
+              </a:rPr>
+              <a:t>Эмде</a:t>
+            </a:r>
+            <a:r>
+              <a:rPr lang="ru-RU" dirty="0">
+                <a:latin typeface="Arial Black" panose="020B0A04020102020204" pitchFamily="34" charset="0"/>
+              </a:rPr>
+              <a:t> </a:t>
+            </a:r>
+            <a:r>
+              <a:rPr lang="ru-RU" dirty="0" err="1">
+                <a:latin typeface="Arial Black" panose="020B0A04020102020204" pitchFamily="34" charset="0"/>
+              </a:rPr>
+              <a:t>Боасса</a:t>
+            </a:r>
+            <a:endParaRPr lang="ru-RU" dirty="0">
+              <a:latin typeface="Arial Black" panose="020B0A04020102020204" pitchFamily="34" charset="0"/>
+            </a:endParaRPr>
+          </a:p>
+        </p:txBody>
+      </p:sp>
+      <p:sp>
+        <p:nvSpPr>
+          <p:cNvPr id="3" name="Объект 2">
+            <a:extLst>
+              <a:ext uri="{FF2B5EF4-FFF2-40B4-BE49-F238E27FC236}">
+                <a16:creationId xmlns:a16="http://schemas.microsoft.com/office/drawing/2014/main" id="{CE5F15CC-3AD2-4E7C-BD6F-1194A1FB2F5C}"/>
+              </a:ext>
+            </a:extLst>
+          </p:cNvPr>
+          <p:cNvSpPr>
+            <a:spLocks noGrp="1"/>
+          </p:cNvSpPr>
+          <p:nvPr>
+            <p:ph idx="1"/>
+          </p:nvPr>
+        </p:nvSpPr>
+        <p:spPr/>
+        <p:txBody>
+          <a:bodyPr/>
+          <a:lstStyle/>
+          <a:p>
+            <a:r>
+              <a:rPr lang="ru-RU" dirty="0">
+                <a:latin typeface="Arial" panose="020B0604020202020204" pitchFamily="34" charset="0"/>
+                <a:cs typeface="Arial" panose="020B0604020202020204" pitchFamily="34" charset="0"/>
+              </a:rPr>
+              <a:t>Хранит числа в диапазоне </a:t>
+            </a:r>
+            <a:r>
+              <a:rPr lang="en-US" dirty="0">
+                <a:latin typeface="Arial" panose="020B0604020202020204" pitchFamily="34" charset="0"/>
+                <a:cs typeface="Arial" panose="020B0604020202020204" pitchFamily="34" charset="0"/>
+              </a:rPr>
+              <a:t>[0, U], </a:t>
+            </a:r>
+            <a:r>
+              <a:rPr lang="ru-RU" dirty="0">
+                <a:latin typeface="Arial" panose="020B0604020202020204" pitchFamily="34" charset="0"/>
+                <a:cs typeface="Arial" panose="020B0604020202020204" pitchFamily="34" charset="0"/>
+              </a:rPr>
+              <a:t>где </a:t>
+            </a:r>
+            <a:r>
+              <a:rPr lang="en-US" dirty="0">
+                <a:latin typeface="Arial" panose="020B0604020202020204" pitchFamily="34" charset="0"/>
+                <a:cs typeface="Arial" panose="020B0604020202020204" pitchFamily="34" charset="0"/>
+              </a:rPr>
+              <a:t>U – </a:t>
+            </a:r>
+            <a:r>
+              <a:rPr lang="ru-RU" dirty="0">
+                <a:latin typeface="Arial" panose="020B0604020202020204" pitchFamily="34" charset="0"/>
+                <a:cs typeface="Arial" panose="020B0604020202020204" pitchFamily="34" charset="0"/>
+              </a:rPr>
+              <a:t>число вида 2</a:t>
+            </a:r>
+            <a:r>
+              <a:rPr lang="en-US" dirty="0">
+                <a:latin typeface="Arial" panose="020B0604020202020204" pitchFamily="34" charset="0"/>
+                <a:cs typeface="Arial" panose="020B0604020202020204" pitchFamily="34" charset="0"/>
+              </a:rPr>
+              <a:t>^k, </a:t>
+            </a:r>
+            <a:r>
+              <a:rPr lang="ru-RU" dirty="0">
+                <a:latin typeface="Arial" panose="020B0604020202020204" pitchFamily="34" charset="0"/>
+                <a:cs typeface="Arial" panose="020B0604020202020204" pitchFamily="34" charset="0"/>
+              </a:rPr>
+              <a:t>где</a:t>
+            </a:r>
+            <a:r>
+              <a:rPr lang="en-US" dirty="0">
+                <a:latin typeface="Arial" panose="020B0604020202020204" pitchFamily="34" charset="0"/>
+                <a:cs typeface="Arial" panose="020B0604020202020204" pitchFamily="34" charset="0"/>
+              </a:rPr>
+              <a:t> k –</a:t>
+            </a:r>
+            <a:r>
+              <a:rPr lang="ru-RU" dirty="0">
+                <a:latin typeface="Arial" panose="020B0604020202020204" pitchFamily="34" charset="0"/>
+                <a:cs typeface="Arial" panose="020B0604020202020204" pitchFamily="34" charset="0"/>
+              </a:rPr>
+              <a:t> </a:t>
+            </a:r>
+            <a:r>
+              <a:rPr lang="ru-RU">
+                <a:latin typeface="Arial" panose="020B0604020202020204" pitchFamily="34" charset="0"/>
+                <a:cs typeface="Arial" panose="020B0604020202020204" pitchFamily="34" charset="0"/>
+              </a:rPr>
+              <a:t>количество бит</a:t>
+            </a:r>
+            <a:endParaRPr lang="ru-RU" dirty="0">
+              <a:latin typeface="Arial" panose="020B0604020202020204" pitchFamily="34" charset="0"/>
+              <a:cs typeface="Arial" panose="020B0604020202020204" pitchFamily="34" charset="0"/>
+            </a:endParaRPr>
+          </a:p>
+        </p:txBody>
+      </p:sp>
+    </p:spTree>
+    <p:extLst>
+      <p:ext uri="{BB962C8B-B14F-4D97-AF65-F5344CB8AC3E}">
+        <p14:creationId xmlns:p14="http://schemas.microsoft.com/office/powerpoint/2010/main" val="253432182"/>
+      </p:ext>
+    </p:extLst>
+  </p:cSld>
+  <p:clrMapOvr>
+    <a:masterClrMapping/>
+  </p:clrMapOvr>
+</p:sld>
+</file>
+
+<file path=ppt/slides/slide3.xml><?xml version="1.0" encoding="utf-8"?>
+<p:sld xmlns:a="http://schemas.openxmlformats.org/drawingml/2006/main" xmlns:r="http://schemas.openxmlformats.org/officeDocument/2006/relationships" xmlns:p="http://schemas.openxmlformats.org/presentationml/2006/main">
+  <p:cSld>
+    <p:spTree>
+      <p:nvGrpSpPr>
+        <p:cNvPr id="1" name=""/>
+        <p:cNvGrpSpPr/>
+        <p:nvPr/>
+      </p:nvGrpSpPr>
+      <p:grpSpPr>
+        <a:xfrm>
+          <a:off x="0" y="0"/>
+          <a:ext cx="0" cy="0"/>
+          <a:chOff x="0" y="0"/>
+          <a:chExt cx="0" cy="0"/>
+        </a:xfrm>
+      </p:grpSpPr>
+      <p:sp>
+        <p:nvSpPr>
+          <p:cNvPr id="2" name="Заголовок 1">
+            <a:extLst>
+              <a:ext uri="{FF2B5EF4-FFF2-40B4-BE49-F238E27FC236}">
+                <a16:creationId xmlns:a16="http://schemas.microsoft.com/office/drawing/2014/main" id="{20EC5C04-E2C2-422B-AC3E-D7FB6198F300}"/>
+              </a:ext>
+            </a:extLst>
+          </p:cNvPr>
+          <p:cNvSpPr>
+            <a:spLocks noGrp="1"/>
+          </p:cNvSpPr>
+          <p:nvPr>
+            <p:ph type="title"/>
+          </p:nvPr>
+        </p:nvSpPr>
+        <p:spPr/>
+        <p:txBody>
+          <a:bodyPr/>
+          <a:lstStyle/>
+          <a:p>
+            <a:r>
+              <a:rPr lang="ru-RU" dirty="0">
+                <a:latin typeface="Arial Black" panose="020B0A04020102020204" pitchFamily="34" charset="0"/>
+              </a:rPr>
+              <a:t>Использование</a:t>
+            </a:r>
+          </a:p>
+        </p:txBody>
+      </p:sp>
+      <p:sp>
+        <p:nvSpPr>
+          <p:cNvPr id="3" name="Объект 2">
+            <a:extLst>
+              <a:ext uri="{FF2B5EF4-FFF2-40B4-BE49-F238E27FC236}">
+                <a16:creationId xmlns:a16="http://schemas.microsoft.com/office/drawing/2014/main" id="{3C684CAC-CCAF-48B3-80CF-704D21189FA9}"/>
+              </a:ext>
+            </a:extLst>
+          </p:cNvPr>
+          <p:cNvSpPr>
+            <a:spLocks noGrp="1"/>
+          </p:cNvSpPr>
+          <p:nvPr>
+            <p:ph idx="1"/>
+          </p:nvPr>
+        </p:nvSpPr>
+        <p:spPr/>
+        <p:txBody>
+          <a:bodyPr/>
+          <a:lstStyle/>
+          <a:p>
+            <a:r>
+              <a:rPr lang="ru-RU" dirty="0">
+                <a:latin typeface="Arial" panose="020B0604020202020204" pitchFamily="34" charset="0"/>
+                <a:cs typeface="Arial" panose="020B0604020202020204" pitchFamily="34" charset="0"/>
+              </a:rPr>
+              <a:t>Там же где и двоичные деревья поиска</a:t>
+            </a:r>
+          </a:p>
+        </p:txBody>
+      </p:sp>
+    </p:spTree>
+    <p:extLst>
+      <p:ext uri="{BB962C8B-B14F-4D97-AF65-F5344CB8AC3E}">
+        <p14:creationId xmlns:p14="http://schemas.microsoft.com/office/powerpoint/2010/main" val="2278429103"/>
+      </p:ext>
+    </p:extLst>
+  </p:cSld>
+  <p:clrMapOvr>
+    <a:masterClrMapping/>
+  </p:clrMapOvr>
+</p:sld>
+</file>
+
+<file path=ppt/slides/slide4.xml><?xml version="1.0" encoding="utf-8"?>
+<p:sld xmlns:a="http://schemas.openxmlformats.org/drawingml/2006/main" xmlns:r="http://schemas.openxmlformats.org/officeDocument/2006/relationships" xmlns:p="http://schemas.openxmlformats.org/presentationml/2006/main">
+  <p:cSld>
+    <p:spTree>
+      <p:nvGrpSpPr>
+        <p:cNvPr id="1" name=""/>
+        <p:cNvGrpSpPr/>
+        <p:nvPr/>
+      </p:nvGrpSpPr>
+      <p:grpSpPr>
+        <a:xfrm>
+          <a:off x="0" y="0"/>
+          <a:ext cx="0" cy="0"/>
+          <a:chOff x="0" y="0"/>
+          <a:chExt cx="0" cy="0"/>
+        </a:xfrm>
+      </p:grpSpPr>
+      <p:sp>
+        <p:nvSpPr>
+          <p:cNvPr id="2" name="Заголовок 1">
+            <a:extLst>
+              <a:ext uri="{FF2B5EF4-FFF2-40B4-BE49-F238E27FC236}">
+                <a16:creationId xmlns:a16="http://schemas.microsoft.com/office/drawing/2014/main" id="{A0C4F38C-0AF6-4F03-8A5B-0435C6E6D28D}"/>
+              </a:ext>
+            </a:extLst>
+          </p:cNvPr>
+          <p:cNvSpPr>
+            <a:spLocks noGrp="1"/>
+          </p:cNvSpPr>
+          <p:nvPr>
+            <p:ph type="title"/>
+          </p:nvPr>
+        </p:nvSpPr>
+        <p:spPr/>
+        <p:txBody>
+          <a:bodyPr/>
+          <a:lstStyle/>
+          <a:p>
+            <a:r>
+              <a:rPr lang="ru-RU" dirty="0">
+                <a:latin typeface="Arial Black" panose="020B0A04020102020204" pitchFamily="34" charset="0"/>
+              </a:rPr>
+              <a:t>Недостатки</a:t>
+            </a:r>
+          </a:p>
+        </p:txBody>
+      </p:sp>
+      <p:sp>
+        <p:nvSpPr>
+          <p:cNvPr id="3" name="Объект 2">
+            <a:extLst>
+              <a:ext uri="{FF2B5EF4-FFF2-40B4-BE49-F238E27FC236}">
+                <a16:creationId xmlns:a16="http://schemas.microsoft.com/office/drawing/2014/main" id="{E591BEF2-9B23-47CD-8925-66FBB345DE7C}"/>
+              </a:ext>
+            </a:extLst>
+          </p:cNvPr>
+          <p:cNvSpPr>
+            <a:spLocks noGrp="1"/>
+          </p:cNvSpPr>
+          <p:nvPr>
+            <p:ph idx="1"/>
+          </p:nvPr>
+        </p:nvSpPr>
+        <p:spPr/>
+        <p:txBody>
+          <a:bodyPr/>
+          <a:lstStyle/>
+          <a:p>
+            <a:r>
+              <a:rPr lang="ru-RU" dirty="0">
+                <a:latin typeface="Arial" panose="020B0604020202020204" pitchFamily="34" charset="0"/>
+                <a:cs typeface="Arial" panose="020B0604020202020204" pitchFamily="34" charset="0"/>
+              </a:rPr>
+              <a:t>Используемая память – </a:t>
+            </a:r>
+            <a:r>
+              <a:rPr lang="en-US" dirty="0">
+                <a:latin typeface="Arial" panose="020B0604020202020204" pitchFamily="34" charset="0"/>
+                <a:cs typeface="Arial" panose="020B0604020202020204" pitchFamily="34" charset="0"/>
+              </a:rPr>
+              <a:t>O(U)</a:t>
+            </a:r>
+          </a:p>
+          <a:p>
+            <a:r>
+              <a:rPr lang="ru-RU" dirty="0">
+                <a:latin typeface="Arial" panose="020B0604020202020204" pitchFamily="34" charset="0"/>
+                <a:cs typeface="Arial" panose="020B0604020202020204" pitchFamily="34" charset="0"/>
+              </a:rPr>
+              <a:t>Хранит только положительные числа</a:t>
+            </a:r>
+          </a:p>
+        </p:txBody>
+      </p:sp>
+    </p:spTree>
+    <p:extLst>
+      <p:ext uri="{BB962C8B-B14F-4D97-AF65-F5344CB8AC3E}">
+        <p14:creationId xmlns:p14="http://schemas.microsoft.com/office/powerpoint/2010/main" val="2964491438"/>
+      </p:ext>
+    </p:extLst>
+  </p:cSld>
+  <p:clrMapOvr>
+    <a:masterClrMapping/>
+  </p:clrMapOvr>
+</p:sld>
+</file>
+
+<file path=ppt/slides/slide5.xml><?xml version="1.0" encoding="utf-8"?>
+<p:sld xmlns:a="http://schemas.openxmlformats.org/drawingml/2006/main" xmlns:r="http://schemas.openxmlformats.org/officeDocument/2006/relationships" xmlns:p="http://schemas.openxmlformats.org/presentationml/2006/main">
+  <p:cSld>
+    <p:spTree>
+      <p:nvGrpSpPr>
+        <p:cNvPr id="1" name=""/>
+        <p:cNvGrpSpPr/>
+        <p:nvPr/>
+      </p:nvGrpSpPr>
+      <p:grpSpPr>
+        <a:xfrm>
+          <a:off x="0" y="0"/>
+          <a:ext cx="0" cy="0"/>
+          <a:chOff x="0" y="0"/>
+          <a:chExt cx="0" cy="0"/>
+        </a:xfrm>
+      </p:grpSpPr>
+      <p:sp>
+        <p:nvSpPr>
+          <p:cNvPr id="2" name="Заголовок 1">
+            <a:extLst>
+              <a:ext uri="{FF2B5EF4-FFF2-40B4-BE49-F238E27FC236}">
+                <a16:creationId xmlns:a16="http://schemas.microsoft.com/office/drawing/2014/main" id="{35E038FD-5275-4690-9BE9-17EB235AB839}"/>
+              </a:ext>
+            </a:extLst>
+          </p:cNvPr>
+          <p:cNvSpPr>
+            <a:spLocks noGrp="1"/>
+          </p:cNvSpPr>
+          <p:nvPr>
+            <p:ph type="title"/>
+          </p:nvPr>
+        </p:nvSpPr>
+        <p:spPr/>
+        <p:txBody>
+          <a:bodyPr/>
+          <a:lstStyle/>
+          <a:p>
+            <a:r>
+              <a:rPr lang="ru-RU" dirty="0">
+                <a:latin typeface="Arial Black" panose="020B0A04020102020204" pitchFamily="34" charset="0"/>
+              </a:rPr>
+              <a:t>Операции</a:t>
+            </a:r>
+          </a:p>
+        </p:txBody>
+      </p:sp>
+      <p:sp>
+        <p:nvSpPr>
+          <p:cNvPr id="3" name="Объект 2">
+            <a:extLst>
+              <a:ext uri="{FF2B5EF4-FFF2-40B4-BE49-F238E27FC236}">
+                <a16:creationId xmlns:a16="http://schemas.microsoft.com/office/drawing/2014/main" id="{CCC227F0-EA12-4FA7-832B-28B31CA5F547}"/>
+              </a:ext>
+            </a:extLst>
+          </p:cNvPr>
+          <p:cNvSpPr>
+            <a:spLocks noGrp="1"/>
+          </p:cNvSpPr>
+          <p:nvPr>
+            <p:ph idx="1"/>
+          </p:nvPr>
+        </p:nvSpPr>
+        <p:spPr/>
+        <p:txBody>
+          <a:bodyPr/>
+          <a:lstStyle/>
+          <a:p>
+            <a:r>
+              <a:rPr lang="en-US" dirty="0">
+                <a:latin typeface="Arial" panose="020B0604020202020204" pitchFamily="34" charset="0"/>
+                <a:cs typeface="Arial" panose="020B0604020202020204" pitchFamily="34" charset="0"/>
+              </a:rPr>
+              <a:t>Minimum </a:t>
+            </a:r>
+            <a:r>
+              <a:rPr lang="ru-RU" dirty="0">
+                <a:latin typeface="Arial" panose="020B0604020202020204" pitchFamily="34" charset="0"/>
+                <a:cs typeface="Arial" panose="020B0604020202020204" pitchFamily="34" charset="0"/>
+              </a:rPr>
+              <a:t>и </a:t>
+            </a:r>
+            <a:r>
+              <a:rPr lang="en-US" dirty="0">
+                <a:latin typeface="Arial" panose="020B0604020202020204" pitchFamily="34" charset="0"/>
+                <a:cs typeface="Arial" panose="020B0604020202020204" pitchFamily="34" charset="0"/>
+              </a:rPr>
+              <a:t>maximum</a:t>
+            </a:r>
+            <a:r>
+              <a:rPr lang="ru-RU" dirty="0">
+                <a:latin typeface="Arial" panose="020B0604020202020204" pitchFamily="34" charset="0"/>
+                <a:cs typeface="Arial" panose="020B0604020202020204" pitchFamily="34" charset="0"/>
+              </a:rPr>
+              <a:t> – </a:t>
+            </a:r>
+            <a:r>
+              <a:rPr lang="en-US" dirty="0">
+                <a:latin typeface="Arial" panose="020B0604020202020204" pitchFamily="34" charset="0"/>
+                <a:cs typeface="Arial" panose="020B0604020202020204" pitchFamily="34" charset="0"/>
+              </a:rPr>
+              <a:t>O(</a:t>
+            </a:r>
+            <a:r>
+              <a:rPr lang="ru-RU" dirty="0">
+                <a:latin typeface="Arial" panose="020B0604020202020204" pitchFamily="34" charset="0"/>
+                <a:cs typeface="Arial" panose="020B0604020202020204" pitchFamily="34" charset="0"/>
+              </a:rPr>
+              <a:t>1)</a:t>
+            </a:r>
+          </a:p>
+          <a:p>
+            <a:r>
+              <a:rPr lang="en-US" dirty="0">
+                <a:latin typeface="Arial" panose="020B0604020202020204" pitchFamily="34" charset="0"/>
+                <a:cs typeface="Arial" panose="020B0604020202020204" pitchFamily="34" charset="0"/>
+              </a:rPr>
+              <a:t>Find</a:t>
+            </a:r>
+            <a:r>
+              <a:rPr lang="ru-RU" dirty="0">
+                <a:latin typeface="Arial" panose="020B0604020202020204" pitchFamily="34" charset="0"/>
+                <a:cs typeface="Arial" panose="020B0604020202020204" pitchFamily="34" charset="0"/>
+              </a:rPr>
+              <a:t> – </a:t>
+            </a:r>
+            <a:r>
+              <a:rPr lang="en-US" dirty="0">
+                <a:latin typeface="Arial" panose="020B0604020202020204" pitchFamily="34" charset="0"/>
+                <a:cs typeface="Arial" panose="020B0604020202020204" pitchFamily="34" charset="0"/>
+              </a:rPr>
+              <a:t>O(log(log(U)))</a:t>
+            </a:r>
+            <a:endParaRPr lang="ru-RU" dirty="0">
+              <a:latin typeface="Arial" panose="020B0604020202020204" pitchFamily="34" charset="0"/>
+              <a:cs typeface="Arial" panose="020B0604020202020204" pitchFamily="34" charset="0"/>
+            </a:endParaRPr>
+          </a:p>
+          <a:p>
+            <a:r>
+              <a:rPr lang="en-US" dirty="0">
+                <a:latin typeface="Arial" panose="020B0604020202020204" pitchFamily="34" charset="0"/>
+                <a:cs typeface="Arial" panose="020B0604020202020204" pitchFamily="34" charset="0"/>
+              </a:rPr>
+              <a:t>Insert </a:t>
+            </a:r>
+            <a:r>
+              <a:rPr lang="ru-RU" dirty="0">
+                <a:latin typeface="Arial" panose="020B0604020202020204" pitchFamily="34" charset="0"/>
+                <a:cs typeface="Arial" panose="020B0604020202020204" pitchFamily="34" charset="0"/>
+              </a:rPr>
+              <a:t>– </a:t>
+            </a:r>
+            <a:r>
+              <a:rPr lang="en-US" dirty="0">
+                <a:latin typeface="Arial" panose="020B0604020202020204" pitchFamily="34" charset="0"/>
+                <a:cs typeface="Arial" panose="020B0604020202020204" pitchFamily="34" charset="0"/>
+              </a:rPr>
+              <a:t>O(log(log(U)))</a:t>
+            </a:r>
+            <a:endParaRPr lang="ru-RU" dirty="0">
+              <a:latin typeface="Arial" panose="020B0604020202020204" pitchFamily="34" charset="0"/>
+              <a:cs typeface="Arial" panose="020B0604020202020204" pitchFamily="34" charset="0"/>
+            </a:endParaRPr>
+          </a:p>
+          <a:p>
+            <a:r>
+              <a:rPr lang="en-US" dirty="0">
+                <a:latin typeface="Arial" panose="020B0604020202020204" pitchFamily="34" charset="0"/>
+                <a:cs typeface="Arial" panose="020B0604020202020204" pitchFamily="34" charset="0"/>
+              </a:rPr>
+              <a:t>Remove</a:t>
+            </a:r>
+            <a:r>
+              <a:rPr lang="ru-RU" dirty="0">
+                <a:latin typeface="Arial" panose="020B0604020202020204" pitchFamily="34" charset="0"/>
+                <a:cs typeface="Arial" panose="020B0604020202020204" pitchFamily="34" charset="0"/>
+              </a:rPr>
+              <a:t>– </a:t>
+            </a:r>
+            <a:r>
+              <a:rPr lang="en-US" dirty="0">
+                <a:latin typeface="Arial" panose="020B0604020202020204" pitchFamily="34" charset="0"/>
+                <a:cs typeface="Arial" panose="020B0604020202020204" pitchFamily="34" charset="0"/>
+              </a:rPr>
+              <a:t>O(log(log(U)))</a:t>
+            </a:r>
+            <a:endParaRPr lang="ru-RU" dirty="0">
+              <a:latin typeface="Arial" panose="020B0604020202020204" pitchFamily="34" charset="0"/>
+              <a:cs typeface="Arial" panose="020B0604020202020204" pitchFamily="34" charset="0"/>
+            </a:endParaRPr>
+          </a:p>
+          <a:p>
+            <a:r>
+              <a:rPr lang="en-US" dirty="0" err="1">
+                <a:latin typeface="Arial" panose="020B0604020202020204" pitchFamily="34" charset="0"/>
+                <a:cs typeface="Arial" panose="020B0604020202020204" pitchFamily="34" charset="0"/>
+              </a:rPr>
+              <a:t>SuccessorVEB</a:t>
+            </a:r>
+            <a:r>
+              <a:rPr lang="en-US" dirty="0">
+                <a:latin typeface="Arial" panose="020B0604020202020204" pitchFamily="34" charset="0"/>
+                <a:cs typeface="Arial" panose="020B0604020202020204" pitchFamily="34" charset="0"/>
+              </a:rPr>
+              <a:t> </a:t>
+            </a:r>
+            <a:r>
+              <a:rPr lang="ru-RU" dirty="0">
+                <a:latin typeface="Arial" panose="020B0604020202020204" pitchFamily="34" charset="0"/>
+                <a:cs typeface="Arial" panose="020B0604020202020204" pitchFamily="34" charset="0"/>
+              </a:rPr>
+              <a:t>– </a:t>
+            </a:r>
+            <a:r>
+              <a:rPr lang="en-US" dirty="0">
+                <a:latin typeface="Arial" panose="020B0604020202020204" pitchFamily="34" charset="0"/>
+                <a:cs typeface="Arial" panose="020B0604020202020204" pitchFamily="34" charset="0"/>
+              </a:rPr>
+              <a:t>O(log(log(U)))</a:t>
+            </a:r>
+            <a:endParaRPr lang="ru-RU" dirty="0">
+              <a:latin typeface="Arial" panose="020B0604020202020204" pitchFamily="34" charset="0"/>
+              <a:cs typeface="Arial" panose="020B0604020202020204" pitchFamily="34" charset="0"/>
+            </a:endParaRPr>
+          </a:p>
+          <a:p>
+            <a:r>
+              <a:rPr lang="en-US" dirty="0" err="1">
+                <a:latin typeface="Arial" panose="020B0604020202020204" pitchFamily="34" charset="0"/>
+                <a:cs typeface="Arial" panose="020B0604020202020204" pitchFamily="34" charset="0"/>
+              </a:rPr>
+              <a:t>PredecessorVEB</a:t>
+            </a:r>
+            <a:r>
+              <a:rPr lang="ru-RU" dirty="0">
+                <a:latin typeface="Arial" panose="020B0604020202020204" pitchFamily="34" charset="0"/>
+                <a:cs typeface="Arial" panose="020B0604020202020204" pitchFamily="34" charset="0"/>
+              </a:rPr>
+              <a:t>– </a:t>
+            </a:r>
+            <a:r>
+              <a:rPr lang="en-US" dirty="0">
+                <a:latin typeface="Arial" panose="020B0604020202020204" pitchFamily="34" charset="0"/>
+                <a:cs typeface="Arial" panose="020B0604020202020204" pitchFamily="34" charset="0"/>
+              </a:rPr>
+              <a:t>O(log(log(U)))</a:t>
+            </a:r>
+            <a:endParaRPr lang="ru-RU" dirty="0">
+              <a:latin typeface="Arial" panose="020B0604020202020204" pitchFamily="34" charset="0"/>
+              <a:cs typeface="Arial" panose="020B0604020202020204" pitchFamily="34" charset="0"/>
+            </a:endParaRPr>
+          </a:p>
+          <a:p>
+            <a:endParaRPr lang="ru-RU" dirty="0"/>
+          </a:p>
+        </p:txBody>
+      </p:sp>
+    </p:spTree>
+    <p:extLst>
+      <p:ext uri="{BB962C8B-B14F-4D97-AF65-F5344CB8AC3E}">
+        <p14:creationId xmlns:p14="http://schemas.microsoft.com/office/powerpoint/2010/main" val="1526920276"/>
+      </p:ext>
+    </p:extLst>
+  </p:cSld>
+  <p:clrMapOvr>
+    <a:masterClrMapping/>
+  </p:clrMapOvr>
+</p:sld>
+</file>
+
+<file path=ppt/slides/slide6.xml><?xml version="1.0" encoding="utf-8"?>
+<p:sld xmlns:a="http://schemas.openxmlformats.org/drawingml/2006/main" xmlns:r="http://schemas.openxmlformats.org/officeDocument/2006/relationships" xmlns:p="http://schemas.openxmlformats.org/presentationml/2006/main">
+  <p:cSld>
+    <p:spTree>
+      <p:nvGrpSpPr>
+        <p:cNvPr id="1" name=""/>
+        <p:cNvGrpSpPr/>
+        <p:nvPr/>
+      </p:nvGrpSpPr>
+      <p:grpSpPr>
+        <a:xfrm>
+          <a:off x="0" y="0"/>
+          <a:ext cx="0" cy="0"/>
+          <a:chOff x="0" y="0"/>
+          <a:chExt cx="0" cy="0"/>
+        </a:xfrm>
+      </p:grpSpPr>
+      <p:sp>
+        <p:nvSpPr>
+          <p:cNvPr id="2" name="Заголовок 1">
+            <a:extLst>
+              <a:ext uri="{FF2B5EF4-FFF2-40B4-BE49-F238E27FC236}">
+                <a16:creationId xmlns:a16="http://schemas.microsoft.com/office/drawing/2014/main" id="{3C1E12A4-FE2A-42B8-B1A7-A26051D1AC29}"/>
+              </a:ext>
+            </a:extLst>
+          </p:cNvPr>
+          <p:cNvSpPr>
+            <a:spLocks noGrp="1"/>
+          </p:cNvSpPr>
+          <p:nvPr>
+            <p:ph type="title"/>
+          </p:nvPr>
+        </p:nvSpPr>
+        <p:spPr/>
+        <p:txBody>
+          <a:bodyPr/>
+          <a:lstStyle/>
+          <a:p>
+            <a:r>
+              <a:rPr lang="ru-RU" dirty="0">
+                <a:latin typeface="Arial Black" panose="020B0A04020102020204" pitchFamily="34" charset="0"/>
+              </a:rPr>
+              <a:t>Ограничения</a:t>
+            </a:r>
+          </a:p>
+        </p:txBody>
+      </p:sp>
+      <p:sp>
+        <p:nvSpPr>
+          <p:cNvPr id="3" name="Объект 2">
+            <a:extLst>
+              <a:ext uri="{FF2B5EF4-FFF2-40B4-BE49-F238E27FC236}">
+                <a16:creationId xmlns:a16="http://schemas.microsoft.com/office/drawing/2014/main" id="{EA13CC25-2EDB-44E2-8E66-77B94C8D1F97}"/>
+              </a:ext>
+            </a:extLst>
+          </p:cNvPr>
+          <p:cNvSpPr>
+            <a:spLocks noGrp="1"/>
+          </p:cNvSpPr>
+          <p:nvPr>
+            <p:ph idx="1"/>
+          </p:nvPr>
+        </p:nvSpPr>
+        <p:spPr/>
+        <p:txBody>
+          <a:bodyPr/>
+          <a:lstStyle/>
+          <a:p>
+            <a:r>
+              <a:rPr lang="ru-RU" dirty="0">
+                <a:latin typeface="Arial" panose="020B0604020202020204" pitchFamily="34" charset="0"/>
+                <a:cs typeface="Arial" panose="020B0604020202020204" pitchFamily="34" charset="0"/>
+              </a:rPr>
+              <a:t>Требуется корректность входных данных</a:t>
+            </a:r>
+          </a:p>
+          <a:p>
+            <a:r>
+              <a:rPr lang="ru-RU" dirty="0">
+                <a:latin typeface="Arial" panose="020B0604020202020204" pitchFamily="34" charset="0"/>
+                <a:cs typeface="Arial" panose="020B0604020202020204" pitchFamily="34" charset="0"/>
+              </a:rPr>
+              <a:t>Удаляемый элемент должен существовать</a:t>
+            </a:r>
+          </a:p>
+          <a:p>
+            <a:r>
+              <a:rPr lang="ru-RU" dirty="0">
+                <a:latin typeface="Arial" panose="020B0604020202020204" pitchFamily="34" charset="0"/>
+                <a:cs typeface="Arial" panose="020B0604020202020204" pitchFamily="34" charset="0"/>
+              </a:rPr>
+              <a:t>Размер дерева должен являться степенью двойки</a:t>
+            </a:r>
+          </a:p>
+        </p:txBody>
+      </p:sp>
+    </p:spTree>
+    <p:extLst>
+      <p:ext uri="{BB962C8B-B14F-4D97-AF65-F5344CB8AC3E}">
+        <p14:creationId xmlns:p14="http://schemas.microsoft.com/office/powerpoint/2010/main" val="4081147536"/>
+      </p:ext>
+    </p:extLst>
+  </p:cSld>
+  <p:clrMapOvr>
+    <a:masterClrMapping/>
+  </p:clrMapOvr>
+</p:sld>
+</file>
+
+<file path=ppt/slides/slide7.xml><?xml version="1.0" encoding="utf-8"?>
+<p:sld xmlns:a="http://schemas.openxmlformats.org/drawingml/2006/main" xmlns:r="http://schemas.openxmlformats.org/officeDocument/2006/relationships" xmlns:p="http://schemas.openxmlformats.org/presentationml/2006/main">
+  <p:cSld>
+    <p:spTree>
+      <p:nvGrpSpPr>
+        <p:cNvPr id="1" name=""/>
+        <p:cNvGrpSpPr/>
+        <p:nvPr/>
+      </p:nvGrpSpPr>
+      <p:grpSpPr>
+        <a:xfrm>
+          <a:off x="0" y="0"/>
+          <a:ext cx="0" cy="0"/>
+          <a:chOff x="0" y="0"/>
+          <a:chExt cx="0" cy="0"/>
+        </a:xfrm>
+      </p:grpSpPr>
+      <p:sp>
+        <p:nvSpPr>
+          <p:cNvPr id="2" name="Заголовок 1">
+            <a:extLst>
+              <a:ext uri="{FF2B5EF4-FFF2-40B4-BE49-F238E27FC236}">
+                <a16:creationId xmlns:a16="http://schemas.microsoft.com/office/drawing/2014/main" id="{6EEEA5D1-0226-4503-B2DA-E9659AE40609}"/>
+              </a:ext>
+            </a:extLst>
+          </p:cNvPr>
+          <p:cNvSpPr>
+            <a:spLocks noGrp="1"/>
+          </p:cNvSpPr>
+          <p:nvPr>
+            <p:ph type="title"/>
+          </p:nvPr>
+        </p:nvSpPr>
+        <p:spPr/>
+        <p:txBody>
+          <a:bodyPr/>
+          <a:lstStyle/>
+          <a:p>
+            <a:r>
+              <a:rPr lang="en-US" dirty="0">
+                <a:latin typeface="Arial Black" panose="020B0A04020102020204" pitchFamily="34" charset="0"/>
+              </a:rPr>
+              <a:t>Minimum</a:t>
+            </a:r>
+            <a:r>
+              <a:rPr lang="ru-RU" dirty="0">
+                <a:latin typeface="Arial Black" panose="020B0A04020102020204" pitchFamily="34" charset="0"/>
+              </a:rPr>
+              <a:t> и </a:t>
+            </a:r>
+            <a:r>
+              <a:rPr lang="en-US" dirty="0">
+                <a:latin typeface="Arial Black" panose="020B0A04020102020204" pitchFamily="34" charset="0"/>
+              </a:rPr>
+              <a:t>maximum</a:t>
+            </a:r>
+            <a:endParaRPr lang="ru-RU" dirty="0">
+              <a:latin typeface="Arial Black" panose="020B0A04020102020204" pitchFamily="34" charset="0"/>
+            </a:endParaRPr>
+          </a:p>
+        </p:txBody>
+      </p:sp>
+      <p:sp>
+        <p:nvSpPr>
+          <p:cNvPr id="3" name="Объект 2">
+            <a:extLst>
+              <a:ext uri="{FF2B5EF4-FFF2-40B4-BE49-F238E27FC236}">
+                <a16:creationId xmlns:a16="http://schemas.microsoft.com/office/drawing/2014/main" id="{A0ED103B-6041-4834-BA74-200D3824EF04}"/>
+              </a:ext>
+            </a:extLst>
+          </p:cNvPr>
+          <p:cNvSpPr>
+            <a:spLocks noGrp="1"/>
+          </p:cNvSpPr>
+          <p:nvPr>
+            <p:ph idx="1"/>
+          </p:nvPr>
+        </p:nvSpPr>
+        <p:spPr/>
+        <p:txBody>
+          <a:bodyPr/>
+          <a:lstStyle/>
+          <a:p>
+            <a:r>
+              <a:rPr lang="ru-RU" dirty="0">
+                <a:latin typeface="Arial" panose="020B0604020202020204" pitchFamily="34" charset="0"/>
+                <a:cs typeface="Arial" panose="020B0604020202020204" pitchFamily="34" charset="0"/>
+              </a:rPr>
+              <a:t>Хранятся в корне дерева</a:t>
+            </a:r>
+          </a:p>
+          <a:p>
+            <a:r>
+              <a:rPr lang="ru-RU" dirty="0">
+                <a:latin typeface="Arial" panose="020B0604020202020204" pitchFamily="34" charset="0"/>
+                <a:cs typeface="Arial" panose="020B0604020202020204" pitchFamily="34" charset="0"/>
+              </a:rPr>
+              <a:t>Запрос выполняется за</a:t>
+            </a:r>
+            <a:r>
+              <a:rPr lang="en-US" dirty="0">
+                <a:latin typeface="Arial" panose="020B0604020202020204" pitchFamily="34" charset="0"/>
+                <a:cs typeface="Arial" panose="020B0604020202020204" pitchFamily="34" charset="0"/>
+              </a:rPr>
+              <a:t> O(1)</a:t>
+            </a:r>
+            <a:r>
+              <a:rPr lang="ru-RU" dirty="0">
+                <a:latin typeface="Arial" panose="020B0604020202020204" pitchFamily="34" charset="0"/>
+                <a:cs typeface="Arial" panose="020B0604020202020204" pitchFamily="34" charset="0"/>
+              </a:rPr>
+              <a:t> </a:t>
+            </a:r>
+          </a:p>
+        </p:txBody>
+      </p:sp>
+    </p:spTree>
+    <p:extLst>
+      <p:ext uri="{BB962C8B-B14F-4D97-AF65-F5344CB8AC3E}">
+        <p14:creationId xmlns:p14="http://schemas.microsoft.com/office/powerpoint/2010/main" val="2060312068"/>
+      </p:ext>
+    </p:extLst>
+  </p:cSld>
+  <p:clrMapOvr>
+    <a:masterClrMapping/>
+  </p:clrMapOvr>
+</p:sld>
+</file>
+
+<file path=ppt/slides/slide8.xml><?xml version="1.0" encoding="utf-8"?>
+<p:sld xmlns:a="http://schemas.openxmlformats.org/drawingml/2006/main" xmlns:r="http://schemas.openxmlformats.org/officeDocument/2006/relationships" xmlns:p="http://schemas.openxmlformats.org/presentationml/2006/main">
+  <p:cSld>
+    <p:spTree>
+      <p:nvGrpSpPr>
+        <p:cNvPr id="1" name=""/>
+        <p:cNvGrpSpPr/>
+        <p:nvPr/>
+      </p:nvGrpSpPr>
+      <p:grpSpPr>
+        <a:xfrm>
+          <a:off x="0" y="0"/>
+          <a:ext cx="0" cy="0"/>
+          <a:chOff x="0" y="0"/>
+          <a:chExt cx="0" cy="0"/>
+        </a:xfrm>
+      </p:grpSpPr>
+      <p:sp>
+        <p:nvSpPr>
+          <p:cNvPr id="2" name="Заголовок 1">
+            <a:extLst>
+              <a:ext uri="{FF2B5EF4-FFF2-40B4-BE49-F238E27FC236}">
+                <a16:creationId xmlns:a16="http://schemas.microsoft.com/office/drawing/2014/main" id="{40F3F23E-6165-450A-B04F-A02EA7FE722D}"/>
+              </a:ext>
+            </a:extLst>
+          </p:cNvPr>
+          <p:cNvSpPr>
+            <a:spLocks noGrp="1"/>
+          </p:cNvSpPr>
+          <p:nvPr>
+            <p:ph type="title"/>
+          </p:nvPr>
+        </p:nvSpPr>
+        <p:spPr/>
+        <p:txBody>
+          <a:bodyPr/>
+          <a:lstStyle/>
+          <a:p>
+            <a:r>
+              <a:rPr lang="en-US" dirty="0"/>
+              <a:t>Find</a:t>
+            </a:r>
+            <a:endParaRPr lang="ru-RU" dirty="0"/>
+          </a:p>
+        </p:txBody>
+      </p:sp>
+      <p:sp>
+        <p:nvSpPr>
+          <p:cNvPr id="3" name="Объект 2">
+            <a:extLst>
+              <a:ext uri="{FF2B5EF4-FFF2-40B4-BE49-F238E27FC236}">
+                <a16:creationId xmlns:a16="http://schemas.microsoft.com/office/drawing/2014/main" id="{9FED0B63-1213-4FE2-A473-702593183CB8}"/>
+              </a:ext>
+            </a:extLst>
+          </p:cNvPr>
+          <p:cNvSpPr>
+            <a:spLocks noGrp="1"/>
+          </p:cNvSpPr>
+          <p:nvPr>
+            <p:ph idx="1"/>
+          </p:nvPr>
+        </p:nvSpPr>
+        <p:spPr/>
+        <p:txBody>
+          <a:bodyPr/>
+          <a:lstStyle/>
+          <a:p>
+            <a:endParaRPr lang="ru-RU"/>
+          </a:p>
+        </p:txBody>
+      </p:sp>
+    </p:spTree>
+    <p:extLst>
+      <p:ext uri="{BB962C8B-B14F-4D97-AF65-F5344CB8AC3E}">
+        <p14:creationId xmlns:p14="http://schemas.microsoft.com/office/powerpoint/2010/main" val="1082805085"/>
+      </p:ext>
+    </p:extLst>
+  </p:cSld>
+  <p:clrMapOvr>
+    <a:masterClrMapping/>
+  </p:clrMapOvr>
+</p:sld>
+</file>
+
+<file path=ppt/slides/slide9.xml><?xml version="1.0" encoding="utf-8"?>
+<p:sld xmlns:a="http://schemas.openxmlformats.org/drawingml/2006/main" xmlns:r="http://schemas.openxmlformats.org/officeDocument/2006/relationships" xmlns:p="http://schemas.openxmlformats.org/presentationml/2006/main">
+  <p:cSld>
+    <p:spTree>
+      <p:nvGrpSpPr>
+        <p:cNvPr id="1" name=""/>
+        <p:cNvGrpSpPr/>
+        <p:nvPr/>
+      </p:nvGrpSpPr>
+      <p:grpSpPr>
+        <a:xfrm>
+          <a:off x="0" y="0"/>
+          <a:ext cx="0" cy="0"/>
+          <a:chOff x="0" y="0"/>
+          <a:chExt cx="0" cy="0"/>
+        </a:xfrm>
+      </p:grpSpPr>
+      <p:sp>
+        <p:nvSpPr>
+          <p:cNvPr id="2" name="Заголовок 1">
+            <a:extLst>
+              <a:ext uri="{FF2B5EF4-FFF2-40B4-BE49-F238E27FC236}">
+                <a16:creationId xmlns:a16="http://schemas.microsoft.com/office/drawing/2014/main" id="{9504BDF3-E3AE-4539-BF8F-ABF74CF8CB71}"/>
+              </a:ext>
+            </a:extLst>
+          </p:cNvPr>
+          <p:cNvSpPr>
+            <a:spLocks noGrp="1"/>
+          </p:cNvSpPr>
+          <p:nvPr>
+            <p:ph type="title"/>
+          </p:nvPr>
+        </p:nvSpPr>
+        <p:spPr/>
+        <p:txBody>
+          <a:bodyPr/>
+          <a:lstStyle/>
+          <a:p>
+            <a:r>
+              <a:rPr lang="en-US" dirty="0"/>
+              <a:t>Insert</a:t>
+            </a:r>
+            <a:endParaRPr lang="ru-RU" dirty="0"/>
+          </a:p>
+        </p:txBody>
+      </p:sp>
+      <p:sp>
+        <p:nvSpPr>
+          <p:cNvPr id="3" name="Объект 2">
+            <a:extLst>
+              <a:ext uri="{FF2B5EF4-FFF2-40B4-BE49-F238E27FC236}">
+                <a16:creationId xmlns:a16="http://schemas.microsoft.com/office/drawing/2014/main" id="{7264D779-69CF-434B-B1D9-E87BCFF7D02E}"/>
+              </a:ext>
+            </a:extLst>
+          </p:cNvPr>
+          <p:cNvSpPr>
+            <a:spLocks noGrp="1"/>
+          </p:cNvSpPr>
+          <p:nvPr>
+            <p:ph idx="1"/>
+          </p:nvPr>
+        </p:nvSpPr>
+        <p:spPr/>
+        <p:txBody>
+          <a:bodyPr/>
+          <a:lstStyle/>
+          <a:p>
+            <a:endParaRPr lang="ru-RU"/>
+          </a:p>
+        </p:txBody>
+      </p:sp>
+    </p:spTree>
+    <p:extLst>
+      <p:ext uri="{BB962C8B-B14F-4D97-AF65-F5344CB8AC3E}">
+        <p14:creationId xmlns:p14="http://schemas.microsoft.com/office/powerpoint/2010/main" val="1750247297"/>
       </p:ext>
     </p:extLst>
   </p:cSld>

--- a/Presentation van Emde Boas tree.pptx
+++ b/Presentation van Emde Boas tree.pptx
@@ -7421,7 +7421,7 @@
                 <a:latin typeface="Arial" panose="020B0604020202020204" pitchFamily="34" charset="0"/>
                 <a:cs typeface="Arial" panose="020B0604020202020204" pitchFamily="34" charset="0"/>
               </a:rPr>
-              <a:t>min = none</a:t>
+              <a:t>min = null</a:t>
             </a:r>
             <a:br>
               <a:rPr lang="en-US" altLang="ru-RU" dirty="0">
@@ -7434,7 +7434,7 @@
                 <a:latin typeface="Arial" panose="020B0604020202020204" pitchFamily="34" charset="0"/>
                 <a:cs typeface="Arial" panose="020B0604020202020204" pitchFamily="34" charset="0"/>
               </a:rPr>
-              <a:t>    max = none</a:t>
+              <a:t>    max = null</a:t>
             </a:r>
             <a:br>
               <a:rPr lang="en-US" altLang="ru-RU" dirty="0">
@@ -8138,7 +8138,7 @@
                 <a:latin typeface="Arial" panose="020B0604020202020204" pitchFamily="34" charset="0"/>
                 <a:cs typeface="Arial" panose="020B0604020202020204" pitchFamily="34" charset="0"/>
               </a:rPr>
-              <a:t>USize</a:t>
+              <a:t>universeSize</a:t>
             </a:r>
             <a:r>
               <a:rPr lang="en-US" dirty="0">
@@ -8232,7 +8232,7 @@
                 <a:latin typeface="Arial" panose="020B0604020202020204" pitchFamily="34" charset="0"/>
                 <a:cs typeface="Arial" panose="020B0604020202020204" pitchFamily="34" charset="0"/>
               </a:rPr>
-              <a:t>none</a:t>
+              <a:t>null</a:t>
             </a:r>
             <a:br>
               <a:rPr lang="en-US" b="1" dirty="0">
@@ -8252,7 +8252,7 @@
                 <a:latin typeface="Arial" panose="020B0604020202020204" pitchFamily="34" charset="0"/>
                 <a:cs typeface="Arial" panose="020B0604020202020204" pitchFamily="34" charset="0"/>
               </a:rPr>
-              <a:t>min != none </a:t>
+              <a:t>min != null </a:t>
             </a:r>
             <a:r>
               <a:rPr lang="en-US" b="1" dirty="0">
@@ -8353,7 +8353,7 @@
                 <a:latin typeface="Arial" panose="020B0604020202020204" pitchFamily="34" charset="0"/>
                 <a:cs typeface="Arial" panose="020B0604020202020204" pitchFamily="34" charset="0"/>
               </a:rPr>
-              <a:t>max != none </a:t>
+              <a:t>max != null </a:t>
             </a:r>
             <a:r>
               <a:rPr lang="en-US" b="1" dirty="0">
@@ -8509,7 +8509,7 @@
                 <a:latin typeface="Arial" panose="020B0604020202020204" pitchFamily="34" charset="0"/>
                 <a:cs typeface="Arial" panose="020B0604020202020204" pitchFamily="34" charset="0"/>
               </a:rPr>
-              <a:t>temp == none</a:t>
+              <a:t>temp == null</a:t>
             </a:r>
             <a:br>
               <a:rPr lang="en-US" b="1" dirty="0">
@@ -8529,7 +8529,7 @@
                 <a:latin typeface="Arial" panose="020B0604020202020204" pitchFamily="34" charset="0"/>
                 <a:cs typeface="Arial" panose="020B0604020202020204" pitchFamily="34" charset="0"/>
               </a:rPr>
-              <a:t>none</a:t>
+              <a:t>null</a:t>
             </a:r>
             <a:br>
               <a:rPr lang="en-US" b="1" dirty="0">
@@ -8830,7 +8830,7 @@
                 <a:latin typeface="Arial" panose="020B0604020202020204" pitchFamily="34" charset="0"/>
                 <a:cs typeface="Arial" panose="020B0604020202020204" pitchFamily="34" charset="0"/>
               </a:rPr>
-              <a:t>USize</a:t>
+              <a:t>universeSize</a:t>
             </a:r>
             <a:r>
               <a:rPr lang="en-US" dirty="0">
@@ -8924,7 +8924,7 @@
                 <a:latin typeface="Arial" panose="020B0604020202020204" pitchFamily="34" charset="0"/>
                 <a:cs typeface="Arial" panose="020B0604020202020204" pitchFamily="34" charset="0"/>
               </a:rPr>
-              <a:t>none</a:t>
+              <a:t>null</a:t>
             </a:r>
             <a:br>
               <a:rPr lang="en-US" b="1" dirty="0">
@@ -8944,7 +8944,7 @@
                 <a:latin typeface="Arial" panose="020B0604020202020204" pitchFamily="34" charset="0"/>
                 <a:cs typeface="Arial" panose="020B0604020202020204" pitchFamily="34" charset="0"/>
               </a:rPr>
-              <a:t>max != none </a:t>
+              <a:t>max != null </a:t>
             </a:r>
             <a:r>
               <a:rPr lang="en-US" b="1" dirty="0">
@@ -9038,7 +9038,7 @@
                 <a:latin typeface="Arial" panose="020B0604020202020204" pitchFamily="34" charset="0"/>
                 <a:cs typeface="Arial" panose="020B0604020202020204" pitchFamily="34" charset="0"/>
               </a:rPr>
-              <a:t>max != none </a:t>
+              <a:t>max != null </a:t>
             </a:r>
             <a:r>
               <a:rPr lang="en-US" b="1" dirty="0">
@@ -9173,7 +9173,7 @@
                 <a:latin typeface="Arial" panose="020B0604020202020204" pitchFamily="34" charset="0"/>
                 <a:cs typeface="Arial" panose="020B0604020202020204" pitchFamily="34" charset="0"/>
               </a:rPr>
-              <a:t>temp == none</a:t>
+              <a:t>temp == null</a:t>
             </a:r>
             <a:br>
               <a:rPr lang="en-US" b="1" dirty="0">
@@ -9193,7 +9193,7 @@
                 <a:latin typeface="Arial" panose="020B0604020202020204" pitchFamily="34" charset="0"/>
                 <a:cs typeface="Arial" panose="020B0604020202020204" pitchFamily="34" charset="0"/>
               </a:rPr>
-              <a:t>min != none </a:t>
+              <a:t>min != null </a:t>
             </a:r>
             <a:r>
               <a:rPr lang="en-US" b="1" dirty="0">
@@ -9261,7 +9261,7 @@
                 <a:latin typeface="Arial" panose="020B0604020202020204" pitchFamily="34" charset="0"/>
                 <a:cs typeface="Arial" panose="020B0604020202020204" pitchFamily="34" charset="0"/>
               </a:rPr>
-              <a:t>none</a:t>
+              <a:t>null</a:t>
             </a:r>
             <a:br>
               <a:rPr lang="en-US" b="1" dirty="0">
@@ -13627,8 +13627,8 @@
         </p:nvSpPr>
         <p:spPr>
           <a:xfrm>
-            <a:off x="503853" y="1825625"/>
-            <a:ext cx="6092889" cy="4351338"/>
+            <a:off x="838200" y="1825625"/>
+            <a:ext cx="5758542" cy="4351338"/>
           </a:xfrm>
         </p:spPr>
         <p:txBody>
@@ -13685,7 +13685,7 @@
                 <a:latin typeface="Arial" panose="020B0604020202020204" pitchFamily="34" charset="0"/>
                 <a:cs typeface="Arial" panose="020B0604020202020204" pitchFamily="34" charset="0"/>
               </a:rPr>
-              <a:t>If </a:t>
+              <a:t>if </a:t>
             </a:r>
             <a:r>
               <a:rPr lang="en-US" dirty="0">
@@ -13746,7 +13746,7 @@
                 <a:latin typeface="Arial" panose="020B0604020202020204" pitchFamily="34" charset="0"/>
                 <a:cs typeface="Arial" panose="020B0604020202020204" pitchFamily="34" charset="0"/>
               </a:rPr>
-              <a:t>none</a:t>
+              <a:t>null</a:t>
             </a:r>
             <a:br>
               <a:rPr lang="en-US" dirty="0">
@@ -13759,7 +13759,7 @@
                 <a:latin typeface="Arial" panose="020B0604020202020204" pitchFamily="34" charset="0"/>
                 <a:cs typeface="Arial" panose="020B0604020202020204" pitchFamily="34" charset="0"/>
               </a:rPr>
-              <a:t>If </a:t>
+              <a:t>if </a:t>
             </a:r>
             <a:r>
               <a:rPr lang="en-US" dirty="0">
@@ -13799,14 +13799,14 @@
                 <a:latin typeface="Arial" panose="020B0604020202020204" pitchFamily="34" charset="0"/>
                 <a:cs typeface="Arial" panose="020B0604020202020204" pitchFamily="34" charset="0"/>
               </a:rPr>
-              <a:t>If </a:t>
+              <a:t>if </a:t>
             </a:r>
             <a:r>
               <a:rPr lang="en-US" dirty="0" err="1">
                 <a:latin typeface="Arial" panose="020B0604020202020204" pitchFamily="34" charset="0"/>
                 <a:cs typeface="Arial" panose="020B0604020202020204" pitchFamily="34" charset="0"/>
               </a:rPr>
-              <a:t>USize</a:t>
+              <a:t>universeSize</a:t>
             </a:r>
             <a:r>
               <a:rPr lang="en-US" dirty="0">
@@ -13826,7 +13826,7 @@
                 <a:latin typeface="Arial" panose="020B0604020202020204" pitchFamily="34" charset="0"/>
                 <a:cs typeface="Arial" panose="020B0604020202020204" pitchFamily="34" charset="0"/>
               </a:rPr>
-              <a:t>    If </a:t>
+              <a:t>    if </a:t>
             </a:r>
             <a:r>
               <a:rPr lang="en-US" dirty="0">
@@ -13886,7 +13886,7 @@
                 <a:latin typeface="Arial" panose="020B0604020202020204" pitchFamily="34" charset="0"/>
                 <a:cs typeface="Arial" panose="020B0604020202020204" pitchFamily="34" charset="0"/>
               </a:rPr>
-              <a:t>If </a:t>
+              <a:t>if </a:t>
             </a:r>
             <a:r>
               <a:rPr lang="en-US" dirty="0">

--- a/Presentation van Emde Boas tree.pptx
+++ b/Presentation van Emde Boas tree.pptx
@@ -6,7 +6,7 @@
     <p:sldMasterId id="2147483660" r:id="rId2"/>
   </p:sldMasterIdLst>
   <p:notesMasterIdLst>
-    <p:notesMasterId r:id="rId22"/>
+    <p:notesMasterId r:id="rId23"/>
   </p:notesMasterIdLst>
   <p:sldIdLst>
     <p:sldId id="256" r:id="rId3"/>
@@ -28,6 +28,7 @@
     <p:sldId id="285" r:id="rId19"/>
     <p:sldId id="286" r:id="rId20"/>
     <p:sldId id="287" r:id="rId21"/>
+    <p:sldId id="288" r:id="rId22"/>
   </p:sldIdLst>
   <p:sldSz cx="12192000" cy="6858000"/>
   <p:notesSz cx="6858000" cy="9144000"/>
@@ -216,7 +217,7 @@
           <a:p>
             <a:fld id="{66ED3ECA-416E-49FE-9396-0E4B0986212C}" type="datetimeFigureOut">
               <a:rPr lang="ru-RU" smtClean="0"/>
-              <a:t>25.01.2023</a:t>
+              <a:t>27.01.2023</a:t>
             </a:fld>
             <a:endParaRPr lang="ru-RU"/>
           </a:p>
@@ -7261,8 +7262,8 @@
         </p:nvSpPr>
         <p:spPr>
           <a:xfrm>
-            <a:off x="838199" y="1825625"/>
-            <a:ext cx="6402355" cy="4351338"/>
+            <a:off x="838200" y="1825625"/>
+            <a:ext cx="6225074" cy="4351338"/>
           </a:xfrm>
         </p:spPr>
         <p:txBody>
@@ -7506,14 +7507,14 @@
                 <a:latin typeface="Arial" panose="020B0604020202020204" pitchFamily="34" charset="0"/>
                 <a:cs typeface="Arial" panose="020B0604020202020204" pitchFamily="34" charset="0"/>
               </a:rPr>
-              <a:t>summary.Empty</a:t>
+              <a:t>summary.min</a:t>
             </a:r>
             <a:r>
               <a:rPr lang="en-US" altLang="ru-RU" dirty="0">
                 <a:latin typeface="Arial" panose="020B0604020202020204" pitchFamily="34" charset="0"/>
                 <a:cs typeface="Arial" panose="020B0604020202020204" pitchFamily="34" charset="0"/>
               </a:rPr>
-              <a:t>()</a:t>
+              <a:t> == null</a:t>
             </a:r>
             <a:br>
               <a:rPr lang="en-US" altLang="ru-RU" b="1" dirty="0">
@@ -7648,14 +7649,14 @@
                 <a:latin typeface="Arial" panose="020B0604020202020204" pitchFamily="34" charset="0"/>
                 <a:cs typeface="Arial" panose="020B0604020202020204" pitchFamily="34" charset="0"/>
               </a:rPr>
-              <a:t>summary.Empty</a:t>
+              <a:t>summary.min</a:t>
             </a:r>
             <a:r>
               <a:rPr lang="en-US" altLang="ru-RU" dirty="0">
                 <a:latin typeface="Arial" panose="020B0604020202020204" pitchFamily="34" charset="0"/>
                 <a:cs typeface="Arial" panose="020B0604020202020204" pitchFamily="34" charset="0"/>
               </a:rPr>
-              <a:t>()</a:t>
+              <a:t> == null</a:t>
             </a:r>
             <a:br>
               <a:rPr lang="en-US" altLang="ru-RU" b="1" dirty="0">
@@ -7701,7 +7702,7 @@
                 <a:latin typeface="Arial" panose="020B0604020202020204" pitchFamily="34" charset="0"/>
                 <a:cs typeface="Arial" panose="020B0604020202020204" pitchFamily="34" charset="0"/>
               </a:rPr>
-              <a:t>cluster[High(X)].Empty</a:t>
+              <a:t>cluster[High(X)]. min == null</a:t>
             </a:r>
             <a:br>
               <a:rPr lang="en-US" altLang="ru-RU" b="1" dirty="0">
@@ -7783,14 +7784,14 @@
                 <a:latin typeface="Arial" panose="020B0604020202020204" pitchFamily="34" charset="0"/>
                 <a:cs typeface="Arial" panose="020B0604020202020204" pitchFamily="34" charset="0"/>
               </a:rPr>
-              <a:t>summary.Empty</a:t>
+              <a:t>summary.min</a:t>
             </a:r>
             <a:r>
               <a:rPr lang="en-US" altLang="ru-RU" dirty="0">
                 <a:latin typeface="Arial" panose="020B0604020202020204" pitchFamily="34" charset="0"/>
                 <a:cs typeface="Arial" panose="020B0604020202020204" pitchFamily="34" charset="0"/>
               </a:rPr>
-              <a:t>()</a:t>
+              <a:t> == null</a:t>
             </a:r>
             <a:br>
               <a:rPr lang="en-US" altLang="ru-RU" b="1" dirty="0">
@@ -8091,7 +8092,7 @@
         </p:spPr>
         <p:txBody>
           <a:bodyPr>
-            <a:normAutofit fontScale="55000" lnSpcReduction="20000"/>
+            <a:normAutofit fontScale="62500" lnSpcReduction="20000"/>
           </a:bodyPr>
           <a:lstStyle/>
           <a:p>
@@ -8105,12 +8106,6 @@
               </a:rPr>
               <a:t>На вход подается число Х</a:t>
             </a:r>
-            <a:endParaRPr lang="en-US" dirty="0">
-              <a:latin typeface="Arial" panose="020B0604020202020204" pitchFamily="34" charset="0"/>
-              <a:cs typeface="Arial" panose="020B0604020202020204" pitchFamily="34" charset="0"/>
-            </a:endParaRPr>
-          </a:p>
-          <a:p>
             <a:endParaRPr lang="en-US" b="1" dirty="0">
               <a:latin typeface="Arial" panose="020B0604020202020204" pitchFamily="34" charset="0"/>
               <a:cs typeface="Arial" panose="020B0604020202020204" pitchFamily="34" charset="0"/>
@@ -8797,12 +8792,6 @@
               </a:rPr>
               <a:t>На вход подается число Х</a:t>
             </a:r>
-            <a:endParaRPr lang="en-US" dirty="0">
-              <a:latin typeface="Arial" panose="020B0604020202020204" pitchFamily="34" charset="0"/>
-              <a:cs typeface="Arial" panose="020B0604020202020204" pitchFamily="34" charset="0"/>
-            </a:endParaRPr>
-          </a:p>
-          <a:p>
             <a:endParaRPr lang="en-US" b="1" dirty="0">
               <a:latin typeface="Arial" panose="020B0604020202020204" pitchFamily="34" charset="0"/>
               <a:cs typeface="Arial" panose="020B0604020202020204" pitchFamily="34" charset="0"/>
@@ -9424,7 +9413,7 @@
               <a:rPr lang="ru-RU" dirty="0">
                 <a:latin typeface="Arial Black" panose="020B0A04020102020204" pitchFamily="34" charset="0"/>
               </a:rPr>
-              <a:t>Тестирование</a:t>
+              <a:t>Тестирование производительности</a:t>
             </a:r>
           </a:p>
         </p:txBody>
@@ -9534,7 +9523,11 @@
             </a:pPr>
             <a:r>
               <a:rPr lang="ru-RU" altLang="ru-RU" dirty="0"/>
-              <a:t>			и аналогичные </a:t>
+              <a:t>			и аналогичные функции</a:t>
+            </a:r>
+            <a:r>
+              <a:rPr lang="ru-RU" altLang="ru-RU" b="1" dirty="0"/>
+              <a:t> </a:t>
             </a:r>
             <a:r>
               <a:rPr lang="ru-RU" altLang="ru-RU" b="1" dirty="0" err="1"/>
@@ -9542,11 +9535,11 @@
             </a:r>
             <a:r>
               <a:rPr lang="ru-RU" altLang="ru-RU" b="1" dirty="0"/>
-              <a:t> дереву </a:t>
+              <a:t> дерева</a:t>
             </a:r>
             <a:r>
               <a:rPr lang="ru-RU" altLang="ru-RU" dirty="0"/>
-              <a:t>функции.</a:t>
+              <a:t>.</a:t>
             </a:r>
           </a:p>
           <a:p>
@@ -9696,7 +9689,9 @@
         </p:nvSpPr>
         <p:spPr/>
         <p:txBody>
-          <a:bodyPr/>
+          <a:bodyPr>
+            <a:normAutofit/>
+          </a:bodyPr>
           <a:lstStyle/>
           <a:p>
             <a:pPr marL="0" indent="0">
@@ -9738,25 +9733,74 @@
               <a:buNone/>
             </a:pPr>
             <a:r>
+              <a:rPr lang="en-US" b="1" dirty="0">
+                <a:latin typeface="Arial" panose="020B0604020202020204" pitchFamily="34" charset="0"/>
+                <a:cs typeface="Arial" panose="020B0604020202020204" pitchFamily="34" charset="0"/>
+              </a:rPr>
+              <a:t>VEB</a:t>
+            </a:r>
+            <a:r>
+              <a:rPr lang="ru-RU" b="1" dirty="0">
+                <a:latin typeface="Arial" panose="020B0604020202020204" pitchFamily="34" charset="0"/>
+                <a:cs typeface="Arial" panose="020B0604020202020204" pitchFamily="34" charset="0"/>
+              </a:rPr>
+              <a:t> дерево </a:t>
+            </a:r>
+            <a:r>
               <a:rPr lang="ru-RU" dirty="0">
                 <a:latin typeface="Arial" panose="020B0604020202020204" pitchFamily="34" charset="0"/>
                 <a:cs typeface="Arial" panose="020B0604020202020204" pitchFamily="34" charset="0"/>
               </a:rPr>
-              <a:t>Из графика видно, что </a:t>
-            </a:r>
-            <a:r>
-              <a:rPr lang="en-US" b="1" dirty="0" err="1">
-                <a:latin typeface="Arial" panose="020B0604020202020204" pitchFamily="34" charset="0"/>
-                <a:cs typeface="Arial" panose="020B0604020202020204" pitchFamily="34" charset="0"/>
-              </a:rPr>
-              <a:t>vEB</a:t>
+              <a:t>обгоняет</a:t>
             </a:r>
             <a:r>
               <a:rPr lang="ru-RU" b="1" dirty="0">
                 <a:latin typeface="Arial" panose="020B0604020202020204" pitchFamily="34" charset="0"/>
                 <a:cs typeface="Arial" panose="020B0604020202020204" pitchFamily="34" charset="0"/>
               </a:rPr>
-              <a:t> дерево </a:t>
+              <a:t> </a:t>
+            </a:r>
+            <a:r>
+              <a:rPr lang="ru-RU" altLang="ru-RU" b="1" dirty="0">
+                <a:latin typeface="Arial" panose="020B0604020202020204" pitchFamily="34" charset="0"/>
+                <a:cs typeface="Arial" panose="020B0604020202020204" pitchFamily="34" charset="0"/>
+              </a:rPr>
+              <a:t> </a:t>
+            </a:r>
+            <a:r>
+              <a:rPr lang="ru-RU" altLang="ru-RU" b="1" dirty="0" err="1">
+                <a:latin typeface="Arial" panose="020B0604020202020204" pitchFamily="34" charset="0"/>
+                <a:cs typeface="Arial" panose="020B0604020202020204" pitchFamily="34" charset="0"/>
+              </a:rPr>
+              <a:t>std</a:t>
+            </a:r>
+            <a:r>
+              <a:rPr lang="ru-RU" altLang="ru-RU" b="1" dirty="0">
+                <a:latin typeface="Arial" panose="020B0604020202020204" pitchFamily="34" charset="0"/>
+                <a:cs typeface="Arial" panose="020B0604020202020204" pitchFamily="34" charset="0"/>
+              </a:rPr>
+              <a:t>::</a:t>
+            </a:r>
+            <a:r>
+              <a:rPr lang="ru-RU" altLang="ru-RU" b="1" dirty="0" err="1">
+                <a:latin typeface="Arial" panose="020B0604020202020204" pitchFamily="34" charset="0"/>
+                <a:cs typeface="Arial" panose="020B0604020202020204" pitchFamily="34" charset="0"/>
+              </a:rPr>
+              <a:t>set</a:t>
+            </a:r>
+            <a:r>
+              <a:rPr lang="ru-RU" altLang="ru-RU" dirty="0">
+                <a:latin typeface="Arial" panose="020B0604020202020204" pitchFamily="34" charset="0"/>
+                <a:cs typeface="Arial" panose="020B0604020202020204" pitchFamily="34" charset="0"/>
+              </a:rPr>
+              <a:t>, но</a:t>
+            </a:r>
+            <a:r>
+              <a:rPr lang="en-US" dirty="0">
+                <a:latin typeface="Arial" panose="020B0604020202020204" pitchFamily="34" charset="0"/>
+                <a:cs typeface="Arial" panose="020B0604020202020204" pitchFamily="34" charset="0"/>
+              </a:rPr>
+              <a:t> </a:t>
             </a:r>
             <a:r>
               <a:rPr lang="ru-RU" dirty="0">
@@ -9981,7 +10025,7 @@
         <p:spPr/>
         <p:txBody>
           <a:bodyPr>
-            <a:normAutofit fontScale="92500"/>
+            <a:normAutofit/>
           </a:bodyPr>
           <a:lstStyle/>
           <a:p>
@@ -10024,46 +10068,74 @@
               <a:buNone/>
             </a:pPr>
             <a:r>
+              <a:rPr lang="en-US" b="1" dirty="0" err="1">
+                <a:latin typeface="Arial" panose="020B0604020202020204" pitchFamily="34" charset="0"/>
+                <a:cs typeface="Arial" panose="020B0604020202020204" pitchFamily="34" charset="0"/>
+              </a:rPr>
+              <a:t>vEB</a:t>
+            </a:r>
+            <a:r>
+              <a:rPr lang="ru-RU" b="1" dirty="0">
+                <a:latin typeface="Arial" panose="020B0604020202020204" pitchFamily="34" charset="0"/>
+                <a:cs typeface="Arial" panose="020B0604020202020204" pitchFamily="34" charset="0"/>
+              </a:rPr>
+              <a:t> дерево </a:t>
+            </a:r>
+            <a:r>
               <a:rPr lang="ru-RU" dirty="0">
                 <a:latin typeface="Arial" panose="020B0604020202020204" pitchFamily="34" charset="0"/>
                 <a:cs typeface="Arial" panose="020B0604020202020204" pitchFamily="34" charset="0"/>
               </a:rPr>
-              <a:t>Из графика видно, что ситуация аналогична операции </a:t>
-            </a:r>
-            <a:r>
-              <a:rPr lang="en-US" b="1" dirty="0">
-                <a:latin typeface="Arial" panose="020B0604020202020204" pitchFamily="34" charset="0"/>
-                <a:cs typeface="Arial" panose="020B0604020202020204" pitchFamily="34" charset="0"/>
-              </a:rPr>
-              <a:t>Find</a:t>
+              <a:t>обгоняет</a:t>
+            </a:r>
+            <a:r>
+              <a:rPr lang="ru-RU" b="1" dirty="0">
+                <a:latin typeface="Arial" panose="020B0604020202020204" pitchFamily="34" charset="0"/>
+                <a:cs typeface="Arial" panose="020B0604020202020204" pitchFamily="34" charset="0"/>
+              </a:rPr>
+              <a:t> </a:t>
+            </a:r>
+            <a:r>
+              <a:rPr lang="ru-RU" altLang="ru-RU" b="1" dirty="0">
+                <a:latin typeface="Arial" panose="020B0604020202020204" pitchFamily="34" charset="0"/>
+                <a:cs typeface="Arial" panose="020B0604020202020204" pitchFamily="34" charset="0"/>
+              </a:rPr>
+              <a:t> </a:t>
+            </a:r>
+            <a:r>
+              <a:rPr lang="ru-RU" altLang="ru-RU" b="1" dirty="0" err="1">
+                <a:latin typeface="Arial" panose="020B0604020202020204" pitchFamily="34" charset="0"/>
+                <a:cs typeface="Arial" panose="020B0604020202020204" pitchFamily="34" charset="0"/>
+              </a:rPr>
+              <a:t>std</a:t>
+            </a:r>
+            <a:r>
+              <a:rPr lang="ru-RU" altLang="ru-RU" b="1" dirty="0">
+                <a:latin typeface="Arial" panose="020B0604020202020204" pitchFamily="34" charset="0"/>
+                <a:cs typeface="Arial" panose="020B0604020202020204" pitchFamily="34" charset="0"/>
+              </a:rPr>
+              <a:t>::</a:t>
+            </a:r>
+            <a:r>
+              <a:rPr lang="ru-RU" altLang="ru-RU" b="1" dirty="0" err="1">
+                <a:latin typeface="Arial" panose="020B0604020202020204" pitchFamily="34" charset="0"/>
+                <a:cs typeface="Arial" panose="020B0604020202020204" pitchFamily="34" charset="0"/>
+              </a:rPr>
+              <a:t>set</a:t>
+            </a:r>
+            <a:r>
+              <a:rPr lang="ru-RU" altLang="ru-RU" dirty="0">
+                <a:latin typeface="Arial" panose="020B0604020202020204" pitchFamily="34" charset="0"/>
+                <a:cs typeface="Arial" panose="020B0604020202020204" pitchFamily="34" charset="0"/>
+              </a:rPr>
+              <a:t>, но</a:t>
             </a:r>
             <a:r>
               <a:rPr lang="en-US" dirty="0">
                 <a:latin typeface="Arial" panose="020B0604020202020204" pitchFamily="34" charset="0"/>
                 <a:cs typeface="Arial" panose="020B0604020202020204" pitchFamily="34" charset="0"/>
               </a:rPr>
-              <a:t>.</a:t>
-            </a:r>
-            <a:r>
-              <a:rPr lang="ru-RU" dirty="0">
-                <a:latin typeface="Arial" panose="020B0604020202020204" pitchFamily="34" charset="0"/>
-                <a:cs typeface="Arial" panose="020B0604020202020204" pitchFamily="34" charset="0"/>
-              </a:rPr>
               <a:t> </a:t>
-            </a:r>
-            <a:r>
-              <a:rPr lang="en-US" b="1" dirty="0">
-                <a:latin typeface="Arial" panose="020B0604020202020204" pitchFamily="34" charset="0"/>
-                <a:cs typeface="Arial" panose="020B0604020202020204" pitchFamily="34" charset="0"/>
-              </a:rPr>
-              <a:t>VEB</a:t>
-            </a:r>
-            <a:r>
-              <a:rPr lang="ru-RU" b="1" dirty="0">
-                <a:latin typeface="Arial" panose="020B0604020202020204" pitchFamily="34" charset="0"/>
-                <a:cs typeface="Arial" panose="020B0604020202020204" pitchFamily="34" charset="0"/>
-              </a:rPr>
-              <a:t> дерево </a:t>
             </a:r>
             <a:r>
               <a:rPr lang="ru-RU" dirty="0">
@@ -10329,25 +10401,74 @@
               <a:buNone/>
             </a:pPr>
             <a:r>
+              <a:rPr lang="en-US" b="1" dirty="0">
+                <a:latin typeface="Arial" panose="020B0604020202020204" pitchFamily="34" charset="0"/>
+                <a:cs typeface="Arial" panose="020B0604020202020204" pitchFamily="34" charset="0"/>
+              </a:rPr>
+              <a:t>VEB</a:t>
+            </a:r>
+            <a:r>
+              <a:rPr lang="ru-RU" b="1" dirty="0">
+                <a:latin typeface="Arial" panose="020B0604020202020204" pitchFamily="34" charset="0"/>
+                <a:cs typeface="Arial" panose="020B0604020202020204" pitchFamily="34" charset="0"/>
+              </a:rPr>
+              <a:t> дерево </a:t>
+            </a:r>
+            <a:r>
               <a:rPr lang="ru-RU" dirty="0">
                 <a:latin typeface="Arial" panose="020B0604020202020204" pitchFamily="34" charset="0"/>
                 <a:cs typeface="Arial" panose="020B0604020202020204" pitchFamily="34" charset="0"/>
               </a:rPr>
-              <a:t>Из графика видно, что </a:t>
-            </a:r>
-            <a:r>
-              <a:rPr lang="en-US" b="1" dirty="0" err="1">
-                <a:latin typeface="Arial" panose="020B0604020202020204" pitchFamily="34" charset="0"/>
-                <a:cs typeface="Arial" panose="020B0604020202020204" pitchFamily="34" charset="0"/>
-              </a:rPr>
-              <a:t>vEB</a:t>
+              <a:t>обгоняет</a:t>
             </a:r>
             <a:r>
               <a:rPr lang="ru-RU" b="1" dirty="0">
                 <a:latin typeface="Arial" panose="020B0604020202020204" pitchFamily="34" charset="0"/>
                 <a:cs typeface="Arial" panose="020B0604020202020204" pitchFamily="34" charset="0"/>
               </a:rPr>
-              <a:t> дерево </a:t>
+              <a:t> </a:t>
+            </a:r>
+            <a:r>
+              <a:rPr lang="ru-RU" altLang="ru-RU" b="1" dirty="0">
+                <a:latin typeface="Arial" panose="020B0604020202020204" pitchFamily="34" charset="0"/>
+                <a:cs typeface="Arial" panose="020B0604020202020204" pitchFamily="34" charset="0"/>
+              </a:rPr>
+              <a:t> </a:t>
+            </a:r>
+            <a:r>
+              <a:rPr lang="ru-RU" altLang="ru-RU" b="1" dirty="0" err="1">
+                <a:latin typeface="Arial" panose="020B0604020202020204" pitchFamily="34" charset="0"/>
+                <a:cs typeface="Arial" panose="020B0604020202020204" pitchFamily="34" charset="0"/>
+              </a:rPr>
+              <a:t>std</a:t>
+            </a:r>
+            <a:r>
+              <a:rPr lang="ru-RU" altLang="ru-RU" b="1" dirty="0">
+                <a:latin typeface="Arial" panose="020B0604020202020204" pitchFamily="34" charset="0"/>
+                <a:cs typeface="Arial" panose="020B0604020202020204" pitchFamily="34" charset="0"/>
+              </a:rPr>
+              <a:t>::</a:t>
+            </a:r>
+            <a:r>
+              <a:rPr lang="ru-RU" altLang="ru-RU" b="1" dirty="0" err="1">
+                <a:latin typeface="Arial" panose="020B0604020202020204" pitchFamily="34" charset="0"/>
+                <a:cs typeface="Arial" panose="020B0604020202020204" pitchFamily="34" charset="0"/>
+              </a:rPr>
+              <a:t>set</a:t>
+            </a:r>
+            <a:r>
+              <a:rPr lang="ru-RU" altLang="ru-RU" dirty="0">
+                <a:latin typeface="Arial" panose="020B0604020202020204" pitchFamily="34" charset="0"/>
+                <a:cs typeface="Arial" panose="020B0604020202020204" pitchFamily="34" charset="0"/>
+              </a:rPr>
+              <a:t>, но</a:t>
+            </a:r>
+            <a:r>
+              <a:rPr lang="en-US" dirty="0">
+                <a:latin typeface="Arial" panose="020B0604020202020204" pitchFamily="34" charset="0"/>
+                <a:cs typeface="Arial" panose="020B0604020202020204" pitchFamily="34" charset="0"/>
+              </a:rPr>
+              <a:t> </a:t>
             </a:r>
             <a:r>
               <a:rPr lang="ru-RU" dirty="0">
@@ -10378,18 +10499,11 @@
               <a:t>unordered_set</a:t>
             </a:r>
             <a:r>
-              <a:rPr lang="en-US" altLang="ru-RU" b="1" dirty="0">
-                <a:latin typeface="Arial" panose="020B0604020202020204" pitchFamily="34" charset="0"/>
-                <a:cs typeface="Arial" panose="020B0604020202020204" pitchFamily="34" charset="0"/>
-              </a:rPr>
-              <a:t> </a:t>
-            </a:r>
-            <a:r>
               <a:rPr lang="ru-RU" altLang="ru-RU" dirty="0">
                 <a:latin typeface="Arial" panose="020B0604020202020204" pitchFamily="34" charset="0"/>
                 <a:cs typeface="Arial" panose="020B0604020202020204" pitchFamily="34" charset="0"/>
               </a:rPr>
-              <a:t>почти во всех случаях.</a:t>
+              <a:t>.</a:t>
             </a:r>
             <a:endParaRPr lang="ru-RU" dirty="0">
               <a:latin typeface="Arial" panose="020B0604020202020204" pitchFamily="34" charset="0"/>
@@ -10617,25 +10731,25 @@
               <a:buNone/>
             </a:pPr>
             <a:r>
-              <a:rPr lang="ru-RU" dirty="0">
-                <a:latin typeface="Arial" panose="020B0604020202020204" pitchFamily="34" charset="0"/>
-                <a:cs typeface="Arial" panose="020B0604020202020204" pitchFamily="34" charset="0"/>
-              </a:rPr>
-              <a:t>Из графика видно, что </a:t>
-            </a:r>
-            <a:r>
-              <a:rPr lang="en-US" b="1" dirty="0" err="1">
-                <a:latin typeface="Arial" panose="020B0604020202020204" pitchFamily="34" charset="0"/>
-                <a:cs typeface="Arial" panose="020B0604020202020204" pitchFamily="34" charset="0"/>
-              </a:rPr>
-              <a:t>vEB</a:t>
+              <a:rPr lang="en-US" b="1" dirty="0">
+                <a:latin typeface="Arial" panose="020B0604020202020204" pitchFamily="34" charset="0"/>
+                <a:cs typeface="Arial" panose="020B0604020202020204" pitchFamily="34" charset="0"/>
+              </a:rPr>
+              <a:t>VEB</a:t>
+            </a:r>
+            <a:r>
+              <a:rPr lang="en-US" dirty="0">
+                <a:latin typeface="Arial" panose="020B0604020202020204" pitchFamily="34" charset="0"/>
+                <a:cs typeface="Arial" panose="020B0604020202020204" pitchFamily="34" charset="0"/>
+              </a:rPr>
+              <a:t> </a:t>
             </a:r>
             <a:r>
               <a:rPr lang="ru-RU" b="1" dirty="0">
                 <a:latin typeface="Arial" panose="020B0604020202020204" pitchFamily="34" charset="0"/>
                 <a:cs typeface="Arial" panose="020B0604020202020204" pitchFamily="34" charset="0"/>
               </a:rPr>
-              <a:t> дерево </a:t>
+              <a:t>дерево </a:t>
             </a:r>
             <a:r>
               <a:rPr lang="ru-RU" dirty="0">
@@ -10898,25 +11012,25 @@
               <a:buNone/>
             </a:pPr>
             <a:r>
-              <a:rPr lang="ru-RU" dirty="0">
-                <a:latin typeface="Arial" panose="020B0604020202020204" pitchFamily="34" charset="0"/>
-                <a:cs typeface="Arial" panose="020B0604020202020204" pitchFamily="34" charset="0"/>
-              </a:rPr>
-              <a:t>Из графика видно, что </a:t>
-            </a:r>
-            <a:r>
-              <a:rPr lang="en-US" b="1" dirty="0" err="1">
-                <a:latin typeface="Arial" panose="020B0604020202020204" pitchFamily="34" charset="0"/>
-                <a:cs typeface="Arial" panose="020B0604020202020204" pitchFamily="34" charset="0"/>
-              </a:rPr>
-              <a:t>vEB</a:t>
+              <a:rPr lang="en-US" b="1" dirty="0">
+                <a:latin typeface="Arial" panose="020B0604020202020204" pitchFamily="34" charset="0"/>
+                <a:cs typeface="Arial" panose="020B0604020202020204" pitchFamily="34" charset="0"/>
+              </a:rPr>
+              <a:t>VEB</a:t>
+            </a:r>
+            <a:r>
+              <a:rPr lang="en-US" dirty="0">
+                <a:latin typeface="Arial" panose="020B0604020202020204" pitchFamily="34" charset="0"/>
+                <a:cs typeface="Arial" panose="020B0604020202020204" pitchFamily="34" charset="0"/>
+              </a:rPr>
+              <a:t> </a:t>
             </a:r>
             <a:r>
               <a:rPr lang="ru-RU" b="1" dirty="0">
                 <a:latin typeface="Arial" panose="020B0604020202020204" pitchFamily="34" charset="0"/>
                 <a:cs typeface="Arial" panose="020B0604020202020204" pitchFamily="34" charset="0"/>
               </a:rPr>
-              <a:t> дерево </a:t>
+              <a:t>дерево </a:t>
             </a:r>
             <a:r>
               <a:rPr lang="ru-RU" dirty="0">
@@ -11667,6 +11781,252 @@
     <p:extLst>
       <p:ext uri="{BB962C8B-B14F-4D97-AF65-F5344CB8AC3E}">
         <p14:creationId xmlns:p14="http://schemas.microsoft.com/office/powerpoint/2010/main" val="991272767"/>
+      </p:ext>
+    </p:extLst>
+  </p:cSld>
+  <p:clrMapOvr>
+    <a:masterClrMapping/>
+  </p:clrMapOvr>
+</p:sld>
+</file>
+
+<file path=ppt/slides/slide20.xml><?xml version="1.0" encoding="utf-8"?>
+<p:sld xmlns:a="http://schemas.openxmlformats.org/drawingml/2006/main" xmlns:r="http://schemas.openxmlformats.org/officeDocument/2006/relationships" xmlns:p="http://schemas.openxmlformats.org/presentationml/2006/main">
+  <p:cSld>
+    <p:spTree>
+      <p:nvGrpSpPr>
+        <p:cNvPr id="1" name=""/>
+        <p:cNvGrpSpPr/>
+        <p:nvPr/>
+      </p:nvGrpSpPr>
+      <p:grpSpPr>
+        <a:xfrm>
+          <a:off x="0" y="0"/>
+          <a:ext cx="0" cy="0"/>
+          <a:chOff x="0" y="0"/>
+          <a:chExt cx="0" cy="0"/>
+        </a:xfrm>
+      </p:grpSpPr>
+      <p:sp>
+        <p:nvSpPr>
+          <p:cNvPr id="11" name="Заголовок 10">
+            <a:extLst>
+              <a:ext uri="{FF2B5EF4-FFF2-40B4-BE49-F238E27FC236}">
+                <a16:creationId xmlns:a16="http://schemas.microsoft.com/office/drawing/2014/main" id="{7445D3B5-035C-4CBB-96C0-4BD4F9FE8BAF}"/>
+              </a:ext>
+            </a:extLst>
+          </p:cNvPr>
+          <p:cNvSpPr>
+            <a:spLocks noGrp="1"/>
+          </p:cNvSpPr>
+          <p:nvPr>
+            <p:ph type="title"/>
+          </p:nvPr>
+        </p:nvSpPr>
+        <p:spPr/>
+        <p:txBody>
+          <a:bodyPr/>
+          <a:lstStyle/>
+          <a:p>
+            <a:r>
+              <a:rPr lang="ru-RU" dirty="0">
+                <a:latin typeface="Arial Black" panose="020B0A04020102020204" pitchFamily="34" charset="0"/>
+              </a:rPr>
+              <a:t>Репозиторий </a:t>
+            </a:r>
+            <a:r>
+              <a:rPr lang="en-US" dirty="0" err="1">
+                <a:latin typeface="Arial Black" panose="020B0A04020102020204" pitchFamily="34" charset="0"/>
+              </a:rPr>
+              <a:t>github</a:t>
+            </a:r>
+            <a:endParaRPr lang="ru-RU" dirty="0">
+              <a:latin typeface="Arial Black" panose="020B0A04020102020204" pitchFamily="34" charset="0"/>
+            </a:endParaRPr>
+          </a:p>
+        </p:txBody>
+      </p:sp>
+      <p:sp>
+        <p:nvSpPr>
+          <p:cNvPr id="12" name="Объект 11">
+            <a:extLst>
+              <a:ext uri="{FF2B5EF4-FFF2-40B4-BE49-F238E27FC236}">
+                <a16:creationId xmlns:a16="http://schemas.microsoft.com/office/drawing/2014/main" id="{CB954815-F1D9-492D-89D6-8081646FA811}"/>
+              </a:ext>
+            </a:extLst>
+          </p:cNvPr>
+          <p:cNvSpPr>
+            <a:spLocks noGrp="1"/>
+          </p:cNvSpPr>
+          <p:nvPr>
+            <p:ph sz="half" idx="1"/>
+          </p:nvPr>
+        </p:nvSpPr>
+        <p:spPr/>
+        <p:txBody>
+          <a:bodyPr/>
+          <a:lstStyle/>
+          <a:p>
+            <a:pPr marL="0" indent="0">
+              <a:lnSpc>
+                <a:spcPct val="150000"/>
+              </a:lnSpc>
+              <a:buNone/>
+            </a:pPr>
+            <a:r>
+              <a:rPr lang="ru-RU" dirty="0"/>
+              <a:t>Представлено по ссылке</a:t>
+            </a:r>
+            <a:r>
+              <a:rPr lang="en-US" dirty="0"/>
+              <a:t>:</a:t>
+            </a:r>
+          </a:p>
+          <a:p>
+            <a:r>
+              <a:rPr lang="ru-RU" dirty="0"/>
+              <a:t>Описание алгоритма</a:t>
+            </a:r>
+          </a:p>
+          <a:p>
+            <a:r>
+              <a:rPr lang="ru-RU" dirty="0"/>
+              <a:t>Реализация алгоритма на </a:t>
+            </a:r>
+            <a:r>
+              <a:rPr lang="en-US" dirty="0"/>
+              <a:t>C++</a:t>
+            </a:r>
+          </a:p>
+          <a:p>
+            <a:r>
+              <a:rPr lang="ru-RU" dirty="0"/>
+              <a:t>Презентация</a:t>
+            </a:r>
+          </a:p>
+          <a:p>
+            <a:r>
+              <a:rPr lang="ru-RU" dirty="0"/>
+              <a:t>Тестирующая система</a:t>
+            </a:r>
+          </a:p>
+          <a:p>
+            <a:r>
+              <a:rPr lang="ru-RU" dirty="0"/>
+              <a:t>Результаты анализа производительности</a:t>
+            </a:r>
+          </a:p>
+        </p:txBody>
+      </p:sp>
+      <p:sp>
+        <p:nvSpPr>
+          <p:cNvPr id="4" name="Дата 3">
+            <a:extLst>
+              <a:ext uri="{FF2B5EF4-FFF2-40B4-BE49-F238E27FC236}">
+                <a16:creationId xmlns:a16="http://schemas.microsoft.com/office/drawing/2014/main" id="{8BA701C6-DC52-45D9-8FB7-145760315121}"/>
+              </a:ext>
+            </a:extLst>
+          </p:cNvPr>
+          <p:cNvSpPr>
+            <a:spLocks noGrp="1"/>
+          </p:cNvSpPr>
+          <p:nvPr>
+            <p:ph type="dt" sz="half" idx="10"/>
+          </p:nvPr>
+        </p:nvSpPr>
+        <p:spPr/>
+        <p:txBody>
+          <a:bodyPr/>
+          <a:lstStyle/>
+          <a:p>
+            <a:r>
+              <a:rPr lang="ru-RU"/>
+              <a:t>2023</a:t>
+            </a:r>
+          </a:p>
+        </p:txBody>
+      </p:sp>
+      <p:sp>
+        <p:nvSpPr>
+          <p:cNvPr id="5" name="Нижний колонтитул 4">
+            <a:extLst>
+              <a:ext uri="{FF2B5EF4-FFF2-40B4-BE49-F238E27FC236}">
+                <a16:creationId xmlns:a16="http://schemas.microsoft.com/office/drawing/2014/main" id="{D66F3FF9-92A4-4AA1-A25F-FF71A8472B05}"/>
+              </a:ext>
+            </a:extLst>
+          </p:cNvPr>
+          <p:cNvSpPr>
+            <a:spLocks noGrp="1"/>
+          </p:cNvSpPr>
+          <p:nvPr>
+            <p:ph type="ftr" sz="quarter" idx="11"/>
+          </p:nvPr>
+        </p:nvSpPr>
+        <p:spPr/>
+        <p:txBody>
+          <a:bodyPr/>
+          <a:lstStyle/>
+          <a:p>
+            <a:r>
+              <a:rPr lang="ru-RU"/>
+              <a:t>Борик Р. Д</a:t>
+            </a:r>
+          </a:p>
+        </p:txBody>
+      </p:sp>
+      <p:pic>
+        <p:nvPicPr>
+          <p:cNvPr id="1026" name="Picture 2" descr="http://qrcoder.ru/code/?https%3A%2F%2Fgithub.com%2FRandomServant%2FVan-Emde-Boas-tree&amp;10&amp;0">
+            <a:extLst>
+              <a:ext uri="{FF2B5EF4-FFF2-40B4-BE49-F238E27FC236}">
+                <a16:creationId xmlns:a16="http://schemas.microsoft.com/office/drawing/2014/main" id="{9607B92C-2004-4DCD-82D4-C1A09E25F2F6}"/>
+              </a:ext>
+            </a:extLst>
+          </p:cNvPr>
+          <p:cNvPicPr>
+            <a:picLocks noGrp="1" noChangeAspect="1" noChangeArrowheads="1"/>
+          </p:cNvPicPr>
+          <p:nvPr>
+            <p:ph sz="half" idx="2"/>
+          </p:nvPr>
+        </p:nvPicPr>
+        <p:blipFill>
+          <a:blip r:embed="rId2">
+            <a:extLst>
+              <a:ext uri="{28A0092B-C50C-407E-A947-70E740481C1C}">
+                <a14:useLocalDpi xmlns:a14="http://schemas.microsoft.com/office/drawing/2010/main" val="0"/>
+              </a:ext>
+            </a:extLst>
+          </a:blip>
+          <a:srcRect/>
+          <a:stretch>
+            <a:fillRect/>
+          </a:stretch>
+        </p:blipFill>
+        <p:spPr bwMode="auto">
+          <a:xfrm>
+            <a:off x="6810375" y="2048669"/>
+            <a:ext cx="3905250" cy="3905250"/>
+          </a:xfrm>
+          <a:prstGeom prst="rect">
+            <a:avLst/>
+          </a:prstGeom>
+          <a:noFill/>
+          <a:extLst>
+            <a:ext uri="{909E8E84-426E-40DD-AFC4-6F175D3DCCD1}">
+              <a14:hiddenFill xmlns:a14="http://schemas.microsoft.com/office/drawing/2010/main">
+                <a:solidFill>
+                  <a:srgbClr val="FFFFFF"/>
+                </a:solidFill>
+              </a14:hiddenFill>
+            </a:ext>
+          </a:extLst>
+        </p:spPr>
+      </p:pic>
+    </p:spTree>
+    <p:extLst>
+      <p:ext uri="{BB962C8B-B14F-4D97-AF65-F5344CB8AC3E}">
+        <p14:creationId xmlns:p14="http://schemas.microsoft.com/office/powerpoint/2010/main" val="4126813725"/>
       </p:ext>
     </p:extLst>
   </p:cSld>
@@ -13268,15 +13628,6 @@
             <a:pPr marL="0" indent="0">
               <a:buNone/>
             </a:pPr>
-            <a:endParaRPr lang="en-US" dirty="0">
-              <a:latin typeface="Arial" panose="020B0604020202020204" pitchFamily="34" charset="0"/>
-              <a:cs typeface="Arial" panose="020B0604020202020204" pitchFamily="34" charset="0"/>
-            </a:endParaRPr>
-          </a:p>
-          <a:p>
-            <a:pPr marL="0" indent="0">
-              <a:buNone/>
-            </a:pPr>
             <a:br>
               <a:rPr lang="en-US" dirty="0">
                 <a:latin typeface="Arial" panose="020B0604020202020204" pitchFamily="34" charset="0"/>
@@ -13295,7 +13646,7 @@
                 <a:latin typeface="Arial" panose="020B0604020202020204" pitchFamily="34" charset="0"/>
                 <a:cs typeface="Arial" panose="020B0604020202020204" pitchFamily="34" charset="0"/>
               </a:rPr>
-              <a:t> Empty()</a:t>
+              <a:t> min == null</a:t>
             </a:r>
             <a:br>
               <a:rPr lang="en-US" dirty="0">
@@ -13633,7 +13984,7 @@
         </p:spPr>
         <p:txBody>
           <a:bodyPr>
-            <a:normAutofit fontScale="62500" lnSpcReduction="20000"/>
+            <a:normAutofit fontScale="70000" lnSpcReduction="20000"/>
           </a:bodyPr>
           <a:lstStyle/>
           <a:p>
@@ -13650,7 +14001,7 @@
               </a:rPr>
               <a:t>На вход подается число Х</a:t>
             </a:r>
-            <a:endParaRPr lang="en-US" dirty="0">
+            <a:endParaRPr lang="en-US" b="1" dirty="0">
               <a:latin typeface="Arial" panose="020B0604020202020204" pitchFamily="34" charset="0"/>
               <a:cs typeface="Arial" panose="020B0604020202020204" pitchFamily="34" charset="0"/>
             </a:endParaRPr>
@@ -13662,18 +14013,6 @@
               </a:lnSpc>
               <a:buNone/>
             </a:pPr>
-            <a:endParaRPr lang="en-US" b="1" dirty="0">
-              <a:latin typeface="Arial" panose="020B0604020202020204" pitchFamily="34" charset="0"/>
-              <a:cs typeface="Arial" panose="020B0604020202020204" pitchFamily="34" charset="0"/>
-            </a:endParaRPr>
-          </a:p>
-          <a:p>
-            <a:pPr marL="0" indent="0">
-              <a:lnSpc>
-                <a:spcPct val="120000"/>
-              </a:lnSpc>
-              <a:buNone/>
-            </a:pPr>
             <a:br>
               <a:rPr lang="en-US" b="1" dirty="0">
                 <a:latin typeface="Arial" panose="020B0604020202020204" pitchFamily="34" charset="0"/>
@@ -13692,7 +14031,7 @@
                 <a:latin typeface="Arial" panose="020B0604020202020204" pitchFamily="34" charset="0"/>
                 <a:cs typeface="Arial" panose="020B0604020202020204" pitchFamily="34" charset="0"/>
               </a:rPr>
-              <a:t>Empty()</a:t>
+              <a:t>min == null</a:t>
             </a:r>
             <a:br>
               <a:rPr lang="en-US" b="1" dirty="0">
@@ -13833,7 +14172,7 @@
                 <a:latin typeface="Arial" panose="020B0604020202020204" pitchFamily="34" charset="0"/>
                 <a:cs typeface="Arial" panose="020B0604020202020204" pitchFamily="34" charset="0"/>
               </a:rPr>
-              <a:t>cluster[High(X)].Empty()</a:t>
+              <a:t>cluster[High(X)].min == null</a:t>
             </a:r>
             <a:br>
               <a:rPr lang="en-US" b="1" dirty="0">

--- a/Presentation van Emde Boas tree.pptx
+++ b/Presentation van Emde Boas tree.pptx
@@ -2,33 +2,32 @@
 <file path=ppt/presentation.xml><?xml version="1.0" encoding="utf-8"?>
 <p:presentation xmlns:a="http://schemas.openxmlformats.org/drawingml/2006/main" xmlns:r="http://schemas.openxmlformats.org/officeDocument/2006/relationships" xmlns:p="http://schemas.openxmlformats.org/presentationml/2006/main" showSpecialPlsOnTitleSld="0" saveSubsetFonts="1">
   <p:sldMasterIdLst>
-    <p:sldMasterId id="2147483648" r:id="rId1"/>
-    <p:sldMasterId id="2147483660" r:id="rId2"/>
+    <p:sldMasterId id="2147483660" r:id="rId1"/>
   </p:sldMasterIdLst>
   <p:notesMasterIdLst>
-    <p:notesMasterId r:id="rId23"/>
+    <p:notesMasterId r:id="rId22"/>
   </p:notesMasterIdLst>
   <p:sldIdLst>
-    <p:sldId id="256" r:id="rId3"/>
-    <p:sldId id="272" r:id="rId4"/>
-    <p:sldId id="271" r:id="rId5"/>
-    <p:sldId id="273" r:id="rId6"/>
-    <p:sldId id="275" r:id="rId7"/>
-    <p:sldId id="274" r:id="rId8"/>
-    <p:sldId id="258" r:id="rId9"/>
-    <p:sldId id="278" r:id="rId10"/>
-    <p:sldId id="276" r:id="rId11"/>
-    <p:sldId id="277" r:id="rId12"/>
-    <p:sldId id="279" r:id="rId13"/>
-    <p:sldId id="280" r:id="rId14"/>
-    <p:sldId id="281" r:id="rId15"/>
-    <p:sldId id="282" r:id="rId16"/>
-    <p:sldId id="283" r:id="rId17"/>
-    <p:sldId id="284" r:id="rId18"/>
-    <p:sldId id="285" r:id="rId19"/>
-    <p:sldId id="286" r:id="rId20"/>
-    <p:sldId id="287" r:id="rId21"/>
-    <p:sldId id="288" r:id="rId22"/>
+    <p:sldId id="256" r:id="rId2"/>
+    <p:sldId id="272" r:id="rId3"/>
+    <p:sldId id="271" r:id="rId4"/>
+    <p:sldId id="273" r:id="rId5"/>
+    <p:sldId id="275" r:id="rId6"/>
+    <p:sldId id="274" r:id="rId7"/>
+    <p:sldId id="258" r:id="rId8"/>
+    <p:sldId id="278" r:id="rId9"/>
+    <p:sldId id="276" r:id="rId10"/>
+    <p:sldId id="277" r:id="rId11"/>
+    <p:sldId id="279" r:id="rId12"/>
+    <p:sldId id="280" r:id="rId13"/>
+    <p:sldId id="281" r:id="rId14"/>
+    <p:sldId id="282" r:id="rId15"/>
+    <p:sldId id="283" r:id="rId16"/>
+    <p:sldId id="284" r:id="rId17"/>
+    <p:sldId id="285" r:id="rId18"/>
+    <p:sldId id="286" r:id="rId19"/>
+    <p:sldId id="287" r:id="rId20"/>
+    <p:sldId id="288" r:id="rId21"/>
   </p:sldIdLst>
   <p:sldSz cx="12192000" cy="6858000"/>
   <p:notesSz cx="6858000" cy="9144000"/>
@@ -506,7 +505,7 @@
           <p:cNvPr id="2" name="Заголовок 1">
             <a:extLst>
               <a:ext uri="{FF2B5EF4-FFF2-40B4-BE49-F238E27FC236}">
-                <a16:creationId xmlns:a16="http://schemas.microsoft.com/office/drawing/2014/main" id="{0DD094EE-D22F-4080-9C73-029DAFD2AD67}"/>
+                <a16:creationId xmlns:a16="http://schemas.microsoft.com/office/drawing/2014/main" id="{27537B5A-FB38-475C-A6ED-FF7638035895}"/>
               </a:ext>
             </a:extLst>
           </p:cNvPr>
@@ -543,7 +542,7 @@
           <p:cNvPr id="3" name="Подзаголовок 2">
             <a:extLst>
               <a:ext uri="{FF2B5EF4-FFF2-40B4-BE49-F238E27FC236}">
-                <a16:creationId xmlns:a16="http://schemas.microsoft.com/office/drawing/2014/main" id="{D3127C4F-962A-41EC-98A4-28EF7635AF62}"/>
+                <a16:creationId xmlns:a16="http://schemas.microsoft.com/office/drawing/2014/main" id="{F1CE1A43-F905-435F-AD60-B2B3DCE6CE4F}"/>
               </a:ext>
             </a:extLst>
           </p:cNvPr>
@@ -613,7 +612,7 @@
           <p:cNvPr id="4" name="Дата 3">
             <a:extLst>
               <a:ext uri="{FF2B5EF4-FFF2-40B4-BE49-F238E27FC236}">
-                <a16:creationId xmlns:a16="http://schemas.microsoft.com/office/drawing/2014/main" id="{6592854E-00E2-4373-970D-A2ACE290A44E}"/>
+                <a16:creationId xmlns:a16="http://schemas.microsoft.com/office/drawing/2014/main" id="{9A51BAC4-A314-4596-9868-5CC19A32308C}"/>
               </a:ext>
             </a:extLst>
           </p:cNvPr>
@@ -641,7 +640,7 @@
           <p:cNvPr id="5" name="Нижний колонтитул 4">
             <a:extLst>
               <a:ext uri="{FF2B5EF4-FFF2-40B4-BE49-F238E27FC236}">
-                <a16:creationId xmlns:a16="http://schemas.microsoft.com/office/drawing/2014/main" id="{FB9A9FDD-AA17-4297-B9F5-20DB87992BB7}"/>
+                <a16:creationId xmlns:a16="http://schemas.microsoft.com/office/drawing/2014/main" id="{AC9962D9-610A-49DA-9222-AE61361055E9}"/>
               </a:ext>
             </a:extLst>
           </p:cNvPr>
@@ -669,7 +668,7 @@
           <p:cNvPr id="6" name="Номер слайда 5">
             <a:extLst>
               <a:ext uri="{FF2B5EF4-FFF2-40B4-BE49-F238E27FC236}">
-                <a16:creationId xmlns:a16="http://schemas.microsoft.com/office/drawing/2014/main" id="{987F6C33-E1EE-4E49-9F15-36AFC00418FE}"/>
+                <a16:creationId xmlns:a16="http://schemas.microsoft.com/office/drawing/2014/main" id="{651333C6-B98C-4BEB-A8BC-F3E78A770B8D}"/>
               </a:ext>
             </a:extLst>
           </p:cNvPr>
@@ -696,7 +695,7 @@
     </p:spTree>
     <p:extLst>
       <p:ext uri="{BB962C8B-B14F-4D97-AF65-F5344CB8AC3E}">
-        <p14:creationId xmlns:p14="http://schemas.microsoft.com/office/powerpoint/2010/main" val="1416293597"/>
+        <p14:creationId xmlns:p14="http://schemas.microsoft.com/office/powerpoint/2010/main" val="3604936089"/>
       </p:ext>
     </p:extLst>
   </p:cSld>
@@ -728,7 +727,7 @@
           <p:cNvPr id="2" name="Заголовок 1">
             <a:extLst>
               <a:ext uri="{FF2B5EF4-FFF2-40B4-BE49-F238E27FC236}">
-                <a16:creationId xmlns:a16="http://schemas.microsoft.com/office/drawing/2014/main" id="{B1869ECD-953C-4E35-93BA-135D8D13ED6C}"/>
+                <a16:creationId xmlns:a16="http://schemas.microsoft.com/office/drawing/2014/main" id="{586AE0F4-0784-4CA1-BB6F-0BF39B49E2CA}"/>
               </a:ext>
             </a:extLst>
           </p:cNvPr>
@@ -756,7 +755,7 @@
           <p:cNvPr id="3" name="Вертикальный текст 2">
             <a:extLst>
               <a:ext uri="{FF2B5EF4-FFF2-40B4-BE49-F238E27FC236}">
-                <a16:creationId xmlns:a16="http://schemas.microsoft.com/office/drawing/2014/main" id="{388F8EA0-A3F9-4D6C-A684-130E9C909C1A}"/>
+                <a16:creationId xmlns:a16="http://schemas.microsoft.com/office/drawing/2014/main" id="{5A39FF70-F0E5-4FD2-9A9C-1E2B5D06CA08}"/>
               </a:ext>
             </a:extLst>
           </p:cNvPr>
@@ -813,7 +812,7 @@
           <p:cNvPr id="4" name="Дата 3">
             <a:extLst>
               <a:ext uri="{FF2B5EF4-FFF2-40B4-BE49-F238E27FC236}">
-                <a16:creationId xmlns:a16="http://schemas.microsoft.com/office/drawing/2014/main" id="{FBCC90FC-B371-451A-8338-F49FFC5D4CD3}"/>
+                <a16:creationId xmlns:a16="http://schemas.microsoft.com/office/drawing/2014/main" id="{7C659C88-5904-44B4-8E15-4D1675926065}"/>
               </a:ext>
             </a:extLst>
           </p:cNvPr>
@@ -841,7 +840,7 @@
           <p:cNvPr id="5" name="Нижний колонтитул 4">
             <a:extLst>
               <a:ext uri="{FF2B5EF4-FFF2-40B4-BE49-F238E27FC236}">
-                <a16:creationId xmlns:a16="http://schemas.microsoft.com/office/drawing/2014/main" id="{3356795A-07B2-4C51-B9CD-227C104C7101}"/>
+                <a16:creationId xmlns:a16="http://schemas.microsoft.com/office/drawing/2014/main" id="{9113BDF4-1960-44DB-B8C2-FBEDD8922CC0}"/>
               </a:ext>
             </a:extLst>
           </p:cNvPr>
@@ -869,7 +868,7 @@
           <p:cNvPr id="6" name="Номер слайда 5">
             <a:extLst>
               <a:ext uri="{FF2B5EF4-FFF2-40B4-BE49-F238E27FC236}">
-                <a16:creationId xmlns:a16="http://schemas.microsoft.com/office/drawing/2014/main" id="{1E5E84C4-1A80-4E00-8800-B4235DBADD2C}"/>
+                <a16:creationId xmlns:a16="http://schemas.microsoft.com/office/drawing/2014/main" id="{34B01809-0ECC-46B0-94ED-BD1CAC4006C1}"/>
               </a:ext>
             </a:extLst>
           </p:cNvPr>
@@ -896,7 +895,7 @@
     </p:spTree>
     <p:extLst>
       <p:ext uri="{BB962C8B-B14F-4D97-AF65-F5344CB8AC3E}">
-        <p14:creationId xmlns:p14="http://schemas.microsoft.com/office/powerpoint/2010/main" val="684811983"/>
+        <p14:creationId xmlns:p14="http://schemas.microsoft.com/office/powerpoint/2010/main" val="1134654618"/>
       </p:ext>
     </p:extLst>
   </p:cSld>
@@ -928,7 +927,7 @@
           <p:cNvPr id="2" name="Вертикальный заголовок 1">
             <a:extLst>
               <a:ext uri="{FF2B5EF4-FFF2-40B4-BE49-F238E27FC236}">
-                <a16:creationId xmlns:a16="http://schemas.microsoft.com/office/drawing/2014/main" id="{9308937B-6950-4CF0-AF79-2EC9C5D09EAC}"/>
+                <a16:creationId xmlns:a16="http://schemas.microsoft.com/office/drawing/2014/main" id="{CF64325A-680F-4120-9156-ADFB7A75EDEF}"/>
               </a:ext>
             </a:extLst>
           </p:cNvPr>
@@ -961,7 +960,7 @@
           <p:cNvPr id="3" name="Вертикальный текст 2">
             <a:extLst>
               <a:ext uri="{FF2B5EF4-FFF2-40B4-BE49-F238E27FC236}">
-                <a16:creationId xmlns:a16="http://schemas.microsoft.com/office/drawing/2014/main" id="{5B90645C-F330-41C3-9360-BBD828B124C2}"/>
+                <a16:creationId xmlns:a16="http://schemas.microsoft.com/office/drawing/2014/main" id="{37CA6B67-B309-4958-9F59-6F0A3DD56DD3}"/>
               </a:ext>
             </a:extLst>
           </p:cNvPr>
@@ -1023,7 +1022,7 @@
           <p:cNvPr id="4" name="Дата 3">
             <a:extLst>
               <a:ext uri="{FF2B5EF4-FFF2-40B4-BE49-F238E27FC236}">
-                <a16:creationId xmlns:a16="http://schemas.microsoft.com/office/drawing/2014/main" id="{21500603-FE9C-4481-A429-8214B90B48D4}"/>
+                <a16:creationId xmlns:a16="http://schemas.microsoft.com/office/drawing/2014/main" id="{C641FBAC-A280-4276-A7F6-6EF561D835F7}"/>
               </a:ext>
             </a:extLst>
           </p:cNvPr>
@@ -1051,7 +1050,7 @@
           <p:cNvPr id="5" name="Нижний колонтитул 4">
             <a:extLst>
               <a:ext uri="{FF2B5EF4-FFF2-40B4-BE49-F238E27FC236}">
-                <a16:creationId xmlns:a16="http://schemas.microsoft.com/office/drawing/2014/main" id="{FE190239-EB9D-49CE-A88A-A7B11262BC13}"/>
+                <a16:creationId xmlns:a16="http://schemas.microsoft.com/office/drawing/2014/main" id="{AE0465BB-7703-4F61-8D4C-EDE2CBFA1B37}"/>
               </a:ext>
             </a:extLst>
           </p:cNvPr>
@@ -1079,7 +1078,7 @@
           <p:cNvPr id="6" name="Номер слайда 5">
             <a:extLst>
               <a:ext uri="{FF2B5EF4-FFF2-40B4-BE49-F238E27FC236}">
-                <a16:creationId xmlns:a16="http://schemas.microsoft.com/office/drawing/2014/main" id="{7258C90F-0C33-4540-9D31-0B69CF4ACEB1}"/>
+                <a16:creationId xmlns:a16="http://schemas.microsoft.com/office/drawing/2014/main" id="{2FDD78B2-BF3E-4E1D-BE70-D3514FFB7336}"/>
               </a:ext>
             </a:extLst>
           </p:cNvPr>
@@ -1106,7 +1105,7 @@
     </p:spTree>
     <p:extLst>
       <p:ext uri="{BB962C8B-B14F-4D97-AF65-F5344CB8AC3E}">
-        <p14:creationId xmlns:p14="http://schemas.microsoft.com/office/powerpoint/2010/main" val="3290513267"/>
+        <p14:creationId xmlns:p14="http://schemas.microsoft.com/office/powerpoint/2010/main" val="1008277752"/>
       </p:ext>
     </p:extLst>
   </p:cSld>
@@ -1116,229 +1115,7 @@
 </p:sldLayout>
 </file>
 
-<file path=ppt/slideLayouts/slideLayout12.xml><?xml version="1.0" encoding="utf-8"?>
-<p:sldLayout xmlns:a="http://schemas.openxmlformats.org/drawingml/2006/main" xmlns:r="http://schemas.openxmlformats.org/officeDocument/2006/relationships" xmlns:p="http://schemas.openxmlformats.org/presentationml/2006/main" type="title" preserve="1">
-  <p:cSld name="Титульный слайд">
-    <p:spTree>
-      <p:nvGrpSpPr>
-        <p:cNvPr id="1" name=""/>
-        <p:cNvGrpSpPr/>
-        <p:nvPr/>
-      </p:nvGrpSpPr>
-      <p:grpSpPr>
-        <a:xfrm>
-          <a:off x="0" y="0"/>
-          <a:ext cx="0" cy="0"/>
-          <a:chOff x="0" y="0"/>
-          <a:chExt cx="0" cy="0"/>
-        </a:xfrm>
-      </p:grpSpPr>
-      <p:sp>
-        <p:nvSpPr>
-          <p:cNvPr id="2" name="Заголовок 1">
-            <a:extLst>
-              <a:ext uri="{FF2B5EF4-FFF2-40B4-BE49-F238E27FC236}">
-                <a16:creationId xmlns:a16="http://schemas.microsoft.com/office/drawing/2014/main" id="{27537B5A-FB38-475C-A6ED-FF7638035895}"/>
-              </a:ext>
-            </a:extLst>
-          </p:cNvPr>
-          <p:cNvSpPr>
-            <a:spLocks noGrp="1"/>
-          </p:cNvSpPr>
-          <p:nvPr>
-            <p:ph type="ctrTitle"/>
-          </p:nvPr>
-        </p:nvSpPr>
-        <p:spPr>
-          <a:xfrm>
-            <a:off x="1524000" y="1122363"/>
-            <a:ext cx="9144000" cy="2387600"/>
-          </a:xfrm>
-        </p:spPr>
-        <p:txBody>
-          <a:bodyPr anchor="b"/>
-          <a:lstStyle>
-            <a:lvl1pPr algn="ctr">
-              <a:defRPr sz="6000"/>
-            </a:lvl1pPr>
-          </a:lstStyle>
-          <a:p>
-            <a:r>
-              <a:rPr lang="ru-RU"/>
-              <a:t>Образец заголовка</a:t>
-            </a:r>
-          </a:p>
-        </p:txBody>
-      </p:sp>
-      <p:sp>
-        <p:nvSpPr>
-          <p:cNvPr id="3" name="Подзаголовок 2">
-            <a:extLst>
-              <a:ext uri="{FF2B5EF4-FFF2-40B4-BE49-F238E27FC236}">
-                <a16:creationId xmlns:a16="http://schemas.microsoft.com/office/drawing/2014/main" id="{F1CE1A43-F905-435F-AD60-B2B3DCE6CE4F}"/>
-              </a:ext>
-            </a:extLst>
-          </p:cNvPr>
-          <p:cNvSpPr>
-            <a:spLocks noGrp="1"/>
-          </p:cNvSpPr>
-          <p:nvPr>
-            <p:ph type="subTitle" idx="1"/>
-          </p:nvPr>
-        </p:nvSpPr>
-        <p:spPr>
-          <a:xfrm>
-            <a:off x="1524000" y="3602038"/>
-            <a:ext cx="9144000" cy="1655762"/>
-          </a:xfrm>
-        </p:spPr>
-        <p:txBody>
-          <a:bodyPr/>
-          <a:lstStyle>
-            <a:lvl1pPr marL="0" indent="0" algn="ctr">
-              <a:buNone/>
-              <a:defRPr sz="2400"/>
-            </a:lvl1pPr>
-            <a:lvl2pPr marL="457200" indent="0" algn="ctr">
-              <a:buNone/>
-              <a:defRPr sz="2000"/>
-            </a:lvl2pPr>
-            <a:lvl3pPr marL="914400" indent="0" algn="ctr">
-              <a:buNone/>
-              <a:defRPr sz="1800"/>
-            </a:lvl3pPr>
-            <a:lvl4pPr marL="1371600" indent="0" algn="ctr">
-              <a:buNone/>
-              <a:defRPr sz="1600"/>
-            </a:lvl4pPr>
-            <a:lvl5pPr marL="1828800" indent="0" algn="ctr">
-              <a:buNone/>
-              <a:defRPr sz="1600"/>
-            </a:lvl5pPr>
-            <a:lvl6pPr marL="2286000" indent="0" algn="ctr">
-              <a:buNone/>
-              <a:defRPr sz="1600"/>
-            </a:lvl6pPr>
-            <a:lvl7pPr marL="2743200" indent="0" algn="ctr">
-              <a:buNone/>
-              <a:defRPr sz="1600"/>
-            </a:lvl7pPr>
-            <a:lvl8pPr marL="3200400" indent="0" algn="ctr">
-              <a:buNone/>
-              <a:defRPr sz="1600"/>
-            </a:lvl8pPr>
-            <a:lvl9pPr marL="3657600" indent="0" algn="ctr">
-              <a:buNone/>
-              <a:defRPr sz="1600"/>
-            </a:lvl9pPr>
-          </a:lstStyle>
-          <a:p>
-            <a:r>
-              <a:rPr lang="ru-RU"/>
-              <a:t>Образец подзаголовка</a:t>
-            </a:r>
-          </a:p>
-        </p:txBody>
-      </p:sp>
-      <p:sp>
-        <p:nvSpPr>
-          <p:cNvPr id="4" name="Дата 3">
-            <a:extLst>
-              <a:ext uri="{FF2B5EF4-FFF2-40B4-BE49-F238E27FC236}">
-                <a16:creationId xmlns:a16="http://schemas.microsoft.com/office/drawing/2014/main" id="{9A51BAC4-A314-4596-9868-5CC19A32308C}"/>
-              </a:ext>
-            </a:extLst>
-          </p:cNvPr>
-          <p:cNvSpPr>
-            <a:spLocks noGrp="1"/>
-          </p:cNvSpPr>
-          <p:nvPr>
-            <p:ph type="dt" sz="half" idx="10"/>
-          </p:nvPr>
-        </p:nvSpPr>
-        <p:spPr/>
-        <p:txBody>
-          <a:bodyPr/>
-          <a:lstStyle/>
-          <a:p>
-            <a:r>
-              <a:rPr lang="ru-RU"/>
-              <a:t>2023</a:t>
-            </a:r>
-          </a:p>
-        </p:txBody>
-      </p:sp>
-      <p:sp>
-        <p:nvSpPr>
-          <p:cNvPr id="5" name="Нижний колонтитул 4">
-            <a:extLst>
-              <a:ext uri="{FF2B5EF4-FFF2-40B4-BE49-F238E27FC236}">
-                <a16:creationId xmlns:a16="http://schemas.microsoft.com/office/drawing/2014/main" id="{AC9962D9-610A-49DA-9222-AE61361055E9}"/>
-              </a:ext>
-            </a:extLst>
-          </p:cNvPr>
-          <p:cNvSpPr>
-            <a:spLocks noGrp="1"/>
-          </p:cNvSpPr>
-          <p:nvPr>
-            <p:ph type="ftr" sz="quarter" idx="11"/>
-          </p:nvPr>
-        </p:nvSpPr>
-        <p:spPr/>
-        <p:txBody>
-          <a:bodyPr/>
-          <a:lstStyle/>
-          <a:p>
-            <a:r>
-              <a:rPr lang="ru-RU"/>
-              <a:t>Борик Р. Д</a:t>
-            </a:r>
-          </a:p>
-        </p:txBody>
-      </p:sp>
-      <p:sp>
-        <p:nvSpPr>
-          <p:cNvPr id="6" name="Номер слайда 5">
-            <a:extLst>
-              <a:ext uri="{FF2B5EF4-FFF2-40B4-BE49-F238E27FC236}">
-                <a16:creationId xmlns:a16="http://schemas.microsoft.com/office/drawing/2014/main" id="{651333C6-B98C-4BEB-A8BC-F3E78A770B8D}"/>
-              </a:ext>
-            </a:extLst>
-          </p:cNvPr>
-          <p:cNvSpPr>
-            <a:spLocks noGrp="1"/>
-          </p:cNvSpPr>
-          <p:nvPr>
-            <p:ph type="sldNum" sz="quarter" idx="12"/>
-          </p:nvPr>
-        </p:nvSpPr>
-        <p:spPr/>
-        <p:txBody>
-          <a:bodyPr/>
-          <a:lstStyle/>
-          <a:p>
-            <a:fld id="{F5F7BD9D-D9F0-4178-8503-A05219E63A73}" type="slidenum">
-              <a:rPr lang="ru-RU" smtClean="0"/>
-              <a:t>‹#›</a:t>
-            </a:fld>
-            <a:endParaRPr lang="ru-RU"/>
-          </a:p>
-        </p:txBody>
-      </p:sp>
-    </p:spTree>
-    <p:extLst>
-      <p:ext uri="{BB962C8B-B14F-4D97-AF65-F5344CB8AC3E}">
-        <p14:creationId xmlns:p14="http://schemas.microsoft.com/office/powerpoint/2010/main" val="3604936089"/>
-      </p:ext>
-    </p:extLst>
-  </p:cSld>
-  <p:clrMapOvr>
-    <a:masterClrMapping/>
-  </p:clrMapOvr>
-</p:sldLayout>
-</file>
-
-<file path=ppt/slideLayouts/slideLayout13.xml><?xml version="1.0" encoding="utf-8"?>
+<file path=ppt/slideLayouts/slideLayout2.xml><?xml version="1.0" encoding="utf-8"?>
 <p:sldLayout xmlns:a="http://schemas.openxmlformats.org/drawingml/2006/main" xmlns:r="http://schemas.openxmlformats.org/officeDocument/2006/relationships" xmlns:p="http://schemas.openxmlformats.org/presentationml/2006/main" type="obj" preserve="1">
   <p:cSld name="Заголовок и объект">
     <p:spTree>
@@ -1538,7 +1315,7 @@
 </p:sldLayout>
 </file>
 
-<file path=ppt/slideLayouts/slideLayout14.xml><?xml version="1.0" encoding="utf-8"?>
+<file path=ppt/slideLayouts/slideLayout3.xml><?xml version="1.0" encoding="utf-8"?>
 <p:sldLayout xmlns:a="http://schemas.openxmlformats.org/drawingml/2006/main" xmlns:r="http://schemas.openxmlformats.org/officeDocument/2006/relationships" xmlns:p="http://schemas.openxmlformats.org/presentationml/2006/main" type="secHead" preserve="1">
   <p:cSld name="Заголовок раздела">
     <p:spTree>
@@ -1815,7 +1592,7 @@
 </p:sldLayout>
 </file>
 
-<file path=ppt/slideLayouts/slideLayout15.xml><?xml version="1.0" encoding="utf-8"?>
+<file path=ppt/slideLayouts/slideLayout4.xml><?xml version="1.0" encoding="utf-8"?>
 <p:sldLayout xmlns:a="http://schemas.openxmlformats.org/drawingml/2006/main" xmlns:r="http://schemas.openxmlformats.org/officeDocument/2006/relationships" xmlns:p="http://schemas.openxmlformats.org/presentationml/2006/main" type="twoObj" preserve="1">
   <p:cSld name="Два объекта">
     <p:spTree>
@@ -2082,7 +1859,7 @@
 </p:sldLayout>
 </file>
 
-<file path=ppt/slideLayouts/slideLayout16.xml><?xml version="1.0" encoding="utf-8"?>
+<file path=ppt/slideLayouts/slideLayout5.xml><?xml version="1.0" encoding="utf-8"?>
 <p:sldLayout xmlns:a="http://schemas.openxmlformats.org/drawingml/2006/main" xmlns:r="http://schemas.openxmlformats.org/officeDocument/2006/relationships" xmlns:p="http://schemas.openxmlformats.org/presentationml/2006/main" type="twoTxTwoObj" preserve="1">
   <p:cSld name="Сравнение">
     <p:spTree>
@@ -2496,7 +2273,7 @@
 </p:sldLayout>
 </file>
 
-<file path=ppt/slideLayouts/slideLayout17.xml><?xml version="1.0" encoding="utf-8"?>
+<file path=ppt/slideLayouts/slideLayout6.xml><?xml version="1.0" encoding="utf-8"?>
 <p:sldLayout xmlns:a="http://schemas.openxmlformats.org/drawingml/2006/main" xmlns:r="http://schemas.openxmlformats.org/officeDocument/2006/relationships" xmlns:p="http://schemas.openxmlformats.org/presentationml/2006/main" type="titleOnly" preserve="1">
   <p:cSld name="Только заголовок">
     <p:spTree>
@@ -2639,7 +2416,7 @@
 </p:sldLayout>
 </file>
 
-<file path=ppt/slideLayouts/slideLayout18.xml><?xml version="1.0" encoding="utf-8"?>
+<file path=ppt/slideLayouts/slideLayout7.xml><?xml version="1.0" encoding="utf-8"?>
 <p:sldLayout xmlns:a="http://schemas.openxmlformats.org/drawingml/2006/main" xmlns:r="http://schemas.openxmlformats.org/officeDocument/2006/relationships" xmlns:p="http://schemas.openxmlformats.org/presentationml/2006/main" type="blank" preserve="1">
   <p:cSld name="Пустой слайд">
     <p:spTree>
@@ -2754,7 +2531,7 @@
 </p:sldLayout>
 </file>
 
-<file path=ppt/slideLayouts/slideLayout19.xml><?xml version="1.0" encoding="utf-8"?>
+<file path=ppt/slideLayouts/slideLayout8.xml><?xml version="1.0" encoding="utf-8"?>
 <p:sldLayout xmlns:a="http://schemas.openxmlformats.org/drawingml/2006/main" xmlns:r="http://schemas.openxmlformats.org/officeDocument/2006/relationships" xmlns:p="http://schemas.openxmlformats.org/presentationml/2006/main" type="objTx" preserve="1">
   <p:cSld name="Объект с подписью">
     <p:spTree>
@@ -3067,207 +2844,7 @@
 </p:sldLayout>
 </file>
 
-<file path=ppt/slideLayouts/slideLayout2.xml><?xml version="1.0" encoding="utf-8"?>
-<p:sldLayout xmlns:a="http://schemas.openxmlformats.org/drawingml/2006/main" xmlns:r="http://schemas.openxmlformats.org/officeDocument/2006/relationships" xmlns:p="http://schemas.openxmlformats.org/presentationml/2006/main" type="obj" preserve="1">
-  <p:cSld name="Заголовок и объект">
-    <p:spTree>
-      <p:nvGrpSpPr>
-        <p:cNvPr id="1" name=""/>
-        <p:cNvGrpSpPr/>
-        <p:nvPr/>
-      </p:nvGrpSpPr>
-      <p:grpSpPr>
-        <a:xfrm>
-          <a:off x="0" y="0"/>
-          <a:ext cx="0" cy="0"/>
-          <a:chOff x="0" y="0"/>
-          <a:chExt cx="0" cy="0"/>
-        </a:xfrm>
-      </p:grpSpPr>
-      <p:sp>
-        <p:nvSpPr>
-          <p:cNvPr id="2" name="Заголовок 1">
-            <a:extLst>
-              <a:ext uri="{FF2B5EF4-FFF2-40B4-BE49-F238E27FC236}">
-                <a16:creationId xmlns:a16="http://schemas.microsoft.com/office/drawing/2014/main" id="{28897B30-68AE-4A61-9AC5-56B7C78B3C57}"/>
-              </a:ext>
-            </a:extLst>
-          </p:cNvPr>
-          <p:cNvSpPr>
-            <a:spLocks noGrp="1"/>
-          </p:cNvSpPr>
-          <p:nvPr>
-            <p:ph type="title"/>
-          </p:nvPr>
-        </p:nvSpPr>
-        <p:spPr/>
-        <p:txBody>
-          <a:bodyPr/>
-          <a:lstStyle/>
-          <a:p>
-            <a:r>
-              <a:rPr lang="ru-RU"/>
-              <a:t>Образец заголовка</a:t>
-            </a:r>
-          </a:p>
-        </p:txBody>
-      </p:sp>
-      <p:sp>
-        <p:nvSpPr>
-          <p:cNvPr id="3" name="Объект 2">
-            <a:extLst>
-              <a:ext uri="{FF2B5EF4-FFF2-40B4-BE49-F238E27FC236}">
-                <a16:creationId xmlns:a16="http://schemas.microsoft.com/office/drawing/2014/main" id="{D6B41897-4C33-4581-834A-6F3AD048DDA8}"/>
-              </a:ext>
-            </a:extLst>
-          </p:cNvPr>
-          <p:cNvSpPr>
-            <a:spLocks noGrp="1"/>
-          </p:cNvSpPr>
-          <p:nvPr>
-            <p:ph idx="1"/>
-          </p:nvPr>
-        </p:nvSpPr>
-        <p:spPr/>
-        <p:txBody>
-          <a:bodyPr/>
-          <a:lstStyle/>
-          <a:p>
-            <a:pPr lvl="0"/>
-            <a:r>
-              <a:rPr lang="ru-RU"/>
-              <a:t>Образец текста</a:t>
-            </a:r>
-          </a:p>
-          <a:p>
-            <a:pPr lvl="1"/>
-            <a:r>
-              <a:rPr lang="ru-RU"/>
-              <a:t>Второй уровень</a:t>
-            </a:r>
-          </a:p>
-          <a:p>
-            <a:pPr lvl="2"/>
-            <a:r>
-              <a:rPr lang="ru-RU"/>
-              <a:t>Третий уровень</a:t>
-            </a:r>
-          </a:p>
-          <a:p>
-            <a:pPr lvl="3"/>
-            <a:r>
-              <a:rPr lang="ru-RU"/>
-              <a:t>Четвертый уровень</a:t>
-            </a:r>
-          </a:p>
-          <a:p>
-            <a:pPr lvl="4"/>
-            <a:r>
-              <a:rPr lang="ru-RU"/>
-              <a:t>Пятый уровень</a:t>
-            </a:r>
-          </a:p>
-        </p:txBody>
-      </p:sp>
-      <p:sp>
-        <p:nvSpPr>
-          <p:cNvPr id="4" name="Дата 3">
-            <a:extLst>
-              <a:ext uri="{FF2B5EF4-FFF2-40B4-BE49-F238E27FC236}">
-                <a16:creationId xmlns:a16="http://schemas.microsoft.com/office/drawing/2014/main" id="{4A76418D-5B14-48A2-AFC0-E1AE626A1466}"/>
-              </a:ext>
-            </a:extLst>
-          </p:cNvPr>
-          <p:cNvSpPr>
-            <a:spLocks noGrp="1"/>
-          </p:cNvSpPr>
-          <p:nvPr>
-            <p:ph type="dt" sz="half" idx="10"/>
-          </p:nvPr>
-        </p:nvSpPr>
-        <p:spPr/>
-        <p:txBody>
-          <a:bodyPr/>
-          <a:lstStyle/>
-          <a:p>
-            <a:r>
-              <a:rPr lang="ru-RU"/>
-              <a:t>2023</a:t>
-            </a:r>
-          </a:p>
-        </p:txBody>
-      </p:sp>
-      <p:sp>
-        <p:nvSpPr>
-          <p:cNvPr id="5" name="Нижний колонтитул 4">
-            <a:extLst>
-              <a:ext uri="{FF2B5EF4-FFF2-40B4-BE49-F238E27FC236}">
-                <a16:creationId xmlns:a16="http://schemas.microsoft.com/office/drawing/2014/main" id="{5E652D66-3D58-41C3-A8D6-50FC53D12F63}"/>
-              </a:ext>
-            </a:extLst>
-          </p:cNvPr>
-          <p:cNvSpPr>
-            <a:spLocks noGrp="1"/>
-          </p:cNvSpPr>
-          <p:nvPr>
-            <p:ph type="ftr" sz="quarter" idx="11"/>
-          </p:nvPr>
-        </p:nvSpPr>
-        <p:spPr/>
-        <p:txBody>
-          <a:bodyPr/>
-          <a:lstStyle/>
-          <a:p>
-            <a:r>
-              <a:rPr lang="ru-RU"/>
-              <a:t>Борик Р. Д</a:t>
-            </a:r>
-          </a:p>
-        </p:txBody>
-      </p:sp>
-      <p:sp>
-        <p:nvSpPr>
-          <p:cNvPr id="6" name="Номер слайда 5">
-            <a:extLst>
-              <a:ext uri="{FF2B5EF4-FFF2-40B4-BE49-F238E27FC236}">
-                <a16:creationId xmlns:a16="http://schemas.microsoft.com/office/drawing/2014/main" id="{D3D1F86A-1BA0-4D49-981A-5FD7E77C179A}"/>
-              </a:ext>
-            </a:extLst>
-          </p:cNvPr>
-          <p:cNvSpPr>
-            <a:spLocks noGrp="1"/>
-          </p:cNvSpPr>
-          <p:nvPr>
-            <p:ph type="sldNum" sz="quarter" idx="12"/>
-          </p:nvPr>
-        </p:nvSpPr>
-        <p:spPr/>
-        <p:txBody>
-          <a:bodyPr/>
-          <a:lstStyle/>
-          <a:p>
-            <a:fld id="{F5F7BD9D-D9F0-4178-8503-A05219E63A73}" type="slidenum">
-              <a:rPr lang="ru-RU" smtClean="0"/>
-              <a:t>‹#›</a:t>
-            </a:fld>
-            <a:endParaRPr lang="ru-RU"/>
-          </a:p>
-        </p:txBody>
-      </p:sp>
-    </p:spTree>
-    <p:extLst>
-      <p:ext uri="{BB962C8B-B14F-4D97-AF65-F5344CB8AC3E}">
-        <p14:creationId xmlns:p14="http://schemas.microsoft.com/office/powerpoint/2010/main" val="127910061"/>
-      </p:ext>
-    </p:extLst>
-  </p:cSld>
-  <p:clrMapOvr>
-    <a:masterClrMapping/>
-  </p:clrMapOvr>
-</p:sldLayout>
-</file>
-
-<file path=ppt/slideLayouts/slideLayout20.xml><?xml version="1.0" encoding="utf-8"?>
+<file path=ppt/slideLayouts/slideLayout9.xml><?xml version="1.0" encoding="utf-8"?>
 <p:sldLayout xmlns:a="http://schemas.openxmlformats.org/drawingml/2006/main" xmlns:r="http://schemas.openxmlformats.org/officeDocument/2006/relationships" xmlns:p="http://schemas.openxmlformats.org/presentationml/2006/main" type="picTx" preserve="1">
   <p:cSld name="Рисунок с подписью">
     <p:spTree>
@@ -3557,2816 +3134,7 @@
 </p:sldLayout>
 </file>
 
-<file path=ppt/slideLayouts/slideLayout21.xml><?xml version="1.0" encoding="utf-8"?>
-<p:sldLayout xmlns:a="http://schemas.openxmlformats.org/drawingml/2006/main" xmlns:r="http://schemas.openxmlformats.org/officeDocument/2006/relationships" xmlns:p="http://schemas.openxmlformats.org/presentationml/2006/main" type="vertTx" preserve="1">
-  <p:cSld name="Заголовок и вертикальный текст">
-    <p:spTree>
-      <p:nvGrpSpPr>
-        <p:cNvPr id="1" name=""/>
-        <p:cNvGrpSpPr/>
-        <p:nvPr/>
-      </p:nvGrpSpPr>
-      <p:grpSpPr>
-        <a:xfrm>
-          <a:off x="0" y="0"/>
-          <a:ext cx="0" cy="0"/>
-          <a:chOff x="0" y="0"/>
-          <a:chExt cx="0" cy="0"/>
-        </a:xfrm>
-      </p:grpSpPr>
-      <p:sp>
-        <p:nvSpPr>
-          <p:cNvPr id="2" name="Заголовок 1">
-            <a:extLst>
-              <a:ext uri="{FF2B5EF4-FFF2-40B4-BE49-F238E27FC236}">
-                <a16:creationId xmlns:a16="http://schemas.microsoft.com/office/drawing/2014/main" id="{586AE0F4-0784-4CA1-BB6F-0BF39B49E2CA}"/>
-              </a:ext>
-            </a:extLst>
-          </p:cNvPr>
-          <p:cNvSpPr>
-            <a:spLocks noGrp="1"/>
-          </p:cNvSpPr>
-          <p:nvPr>
-            <p:ph type="title"/>
-          </p:nvPr>
-        </p:nvSpPr>
-        <p:spPr/>
-        <p:txBody>
-          <a:bodyPr/>
-          <a:lstStyle/>
-          <a:p>
-            <a:r>
-              <a:rPr lang="ru-RU"/>
-              <a:t>Образец заголовка</a:t>
-            </a:r>
-          </a:p>
-        </p:txBody>
-      </p:sp>
-      <p:sp>
-        <p:nvSpPr>
-          <p:cNvPr id="3" name="Вертикальный текст 2">
-            <a:extLst>
-              <a:ext uri="{FF2B5EF4-FFF2-40B4-BE49-F238E27FC236}">
-                <a16:creationId xmlns:a16="http://schemas.microsoft.com/office/drawing/2014/main" id="{5A39FF70-F0E5-4FD2-9A9C-1E2B5D06CA08}"/>
-              </a:ext>
-            </a:extLst>
-          </p:cNvPr>
-          <p:cNvSpPr>
-            <a:spLocks noGrp="1"/>
-          </p:cNvSpPr>
-          <p:nvPr>
-            <p:ph type="body" orient="vert" idx="1"/>
-          </p:nvPr>
-        </p:nvSpPr>
-        <p:spPr/>
-        <p:txBody>
-          <a:bodyPr vert="eaVert"/>
-          <a:lstStyle/>
-          <a:p>
-            <a:pPr lvl="0"/>
-            <a:r>
-              <a:rPr lang="ru-RU"/>
-              <a:t>Образец текста</a:t>
-            </a:r>
-          </a:p>
-          <a:p>
-            <a:pPr lvl="1"/>
-            <a:r>
-              <a:rPr lang="ru-RU"/>
-              <a:t>Второй уровень</a:t>
-            </a:r>
-          </a:p>
-          <a:p>
-            <a:pPr lvl="2"/>
-            <a:r>
-              <a:rPr lang="ru-RU"/>
-              <a:t>Третий уровень</a:t>
-            </a:r>
-          </a:p>
-          <a:p>
-            <a:pPr lvl="3"/>
-            <a:r>
-              <a:rPr lang="ru-RU"/>
-              <a:t>Четвертый уровень</a:t>
-            </a:r>
-          </a:p>
-          <a:p>
-            <a:pPr lvl="4"/>
-            <a:r>
-              <a:rPr lang="ru-RU"/>
-              <a:t>Пятый уровень</a:t>
-            </a:r>
-          </a:p>
-        </p:txBody>
-      </p:sp>
-      <p:sp>
-        <p:nvSpPr>
-          <p:cNvPr id="4" name="Дата 3">
-            <a:extLst>
-              <a:ext uri="{FF2B5EF4-FFF2-40B4-BE49-F238E27FC236}">
-                <a16:creationId xmlns:a16="http://schemas.microsoft.com/office/drawing/2014/main" id="{7C659C88-5904-44B4-8E15-4D1675926065}"/>
-              </a:ext>
-            </a:extLst>
-          </p:cNvPr>
-          <p:cNvSpPr>
-            <a:spLocks noGrp="1"/>
-          </p:cNvSpPr>
-          <p:nvPr>
-            <p:ph type="dt" sz="half" idx="10"/>
-          </p:nvPr>
-        </p:nvSpPr>
-        <p:spPr/>
-        <p:txBody>
-          <a:bodyPr/>
-          <a:lstStyle/>
-          <a:p>
-            <a:r>
-              <a:rPr lang="ru-RU"/>
-              <a:t>2023</a:t>
-            </a:r>
-          </a:p>
-        </p:txBody>
-      </p:sp>
-      <p:sp>
-        <p:nvSpPr>
-          <p:cNvPr id="5" name="Нижний колонтитул 4">
-            <a:extLst>
-              <a:ext uri="{FF2B5EF4-FFF2-40B4-BE49-F238E27FC236}">
-                <a16:creationId xmlns:a16="http://schemas.microsoft.com/office/drawing/2014/main" id="{9113BDF4-1960-44DB-B8C2-FBEDD8922CC0}"/>
-              </a:ext>
-            </a:extLst>
-          </p:cNvPr>
-          <p:cNvSpPr>
-            <a:spLocks noGrp="1"/>
-          </p:cNvSpPr>
-          <p:nvPr>
-            <p:ph type="ftr" sz="quarter" idx="11"/>
-          </p:nvPr>
-        </p:nvSpPr>
-        <p:spPr/>
-        <p:txBody>
-          <a:bodyPr/>
-          <a:lstStyle/>
-          <a:p>
-            <a:r>
-              <a:rPr lang="ru-RU"/>
-              <a:t>Борик Р. Д</a:t>
-            </a:r>
-          </a:p>
-        </p:txBody>
-      </p:sp>
-      <p:sp>
-        <p:nvSpPr>
-          <p:cNvPr id="6" name="Номер слайда 5">
-            <a:extLst>
-              <a:ext uri="{FF2B5EF4-FFF2-40B4-BE49-F238E27FC236}">
-                <a16:creationId xmlns:a16="http://schemas.microsoft.com/office/drawing/2014/main" id="{34B01809-0ECC-46B0-94ED-BD1CAC4006C1}"/>
-              </a:ext>
-            </a:extLst>
-          </p:cNvPr>
-          <p:cNvSpPr>
-            <a:spLocks noGrp="1"/>
-          </p:cNvSpPr>
-          <p:nvPr>
-            <p:ph type="sldNum" sz="quarter" idx="12"/>
-          </p:nvPr>
-        </p:nvSpPr>
-        <p:spPr/>
-        <p:txBody>
-          <a:bodyPr/>
-          <a:lstStyle/>
-          <a:p>
-            <a:fld id="{F5F7BD9D-D9F0-4178-8503-A05219E63A73}" type="slidenum">
-              <a:rPr lang="ru-RU" smtClean="0"/>
-              <a:t>‹#›</a:t>
-            </a:fld>
-            <a:endParaRPr lang="ru-RU"/>
-          </a:p>
-        </p:txBody>
-      </p:sp>
-    </p:spTree>
-    <p:extLst>
-      <p:ext uri="{BB962C8B-B14F-4D97-AF65-F5344CB8AC3E}">
-        <p14:creationId xmlns:p14="http://schemas.microsoft.com/office/powerpoint/2010/main" val="1134654618"/>
-      </p:ext>
-    </p:extLst>
-  </p:cSld>
-  <p:clrMapOvr>
-    <a:masterClrMapping/>
-  </p:clrMapOvr>
-</p:sldLayout>
-</file>
-
-<file path=ppt/slideLayouts/slideLayout22.xml><?xml version="1.0" encoding="utf-8"?>
-<p:sldLayout xmlns:a="http://schemas.openxmlformats.org/drawingml/2006/main" xmlns:r="http://schemas.openxmlformats.org/officeDocument/2006/relationships" xmlns:p="http://schemas.openxmlformats.org/presentationml/2006/main" type="vertTitleAndTx" preserve="1">
-  <p:cSld name="Вертикальный заголовок и текст">
-    <p:spTree>
-      <p:nvGrpSpPr>
-        <p:cNvPr id="1" name=""/>
-        <p:cNvGrpSpPr/>
-        <p:nvPr/>
-      </p:nvGrpSpPr>
-      <p:grpSpPr>
-        <a:xfrm>
-          <a:off x="0" y="0"/>
-          <a:ext cx="0" cy="0"/>
-          <a:chOff x="0" y="0"/>
-          <a:chExt cx="0" cy="0"/>
-        </a:xfrm>
-      </p:grpSpPr>
-      <p:sp>
-        <p:nvSpPr>
-          <p:cNvPr id="2" name="Вертикальный заголовок 1">
-            <a:extLst>
-              <a:ext uri="{FF2B5EF4-FFF2-40B4-BE49-F238E27FC236}">
-                <a16:creationId xmlns:a16="http://schemas.microsoft.com/office/drawing/2014/main" id="{CF64325A-680F-4120-9156-ADFB7A75EDEF}"/>
-              </a:ext>
-            </a:extLst>
-          </p:cNvPr>
-          <p:cNvSpPr>
-            <a:spLocks noGrp="1"/>
-          </p:cNvSpPr>
-          <p:nvPr>
-            <p:ph type="title" orient="vert"/>
-          </p:nvPr>
-        </p:nvSpPr>
-        <p:spPr>
-          <a:xfrm>
-            <a:off x="8724900" y="365125"/>
-            <a:ext cx="2628900" cy="5811838"/>
-          </a:xfrm>
-        </p:spPr>
-        <p:txBody>
-          <a:bodyPr vert="eaVert"/>
-          <a:lstStyle/>
-          <a:p>
-            <a:r>
-              <a:rPr lang="ru-RU"/>
-              <a:t>Образец заголовка</a:t>
-            </a:r>
-          </a:p>
-        </p:txBody>
-      </p:sp>
-      <p:sp>
-        <p:nvSpPr>
-          <p:cNvPr id="3" name="Вертикальный текст 2">
-            <a:extLst>
-              <a:ext uri="{FF2B5EF4-FFF2-40B4-BE49-F238E27FC236}">
-                <a16:creationId xmlns:a16="http://schemas.microsoft.com/office/drawing/2014/main" id="{37CA6B67-B309-4958-9F59-6F0A3DD56DD3}"/>
-              </a:ext>
-            </a:extLst>
-          </p:cNvPr>
-          <p:cNvSpPr>
-            <a:spLocks noGrp="1"/>
-          </p:cNvSpPr>
-          <p:nvPr>
-            <p:ph type="body" orient="vert" idx="1"/>
-          </p:nvPr>
-        </p:nvSpPr>
-        <p:spPr>
-          <a:xfrm>
-            <a:off x="838200" y="365125"/>
-            <a:ext cx="7734300" cy="5811838"/>
-          </a:xfrm>
-        </p:spPr>
-        <p:txBody>
-          <a:bodyPr vert="eaVert"/>
-          <a:lstStyle/>
-          <a:p>
-            <a:pPr lvl="0"/>
-            <a:r>
-              <a:rPr lang="ru-RU"/>
-              <a:t>Образец текста</a:t>
-            </a:r>
-          </a:p>
-          <a:p>
-            <a:pPr lvl="1"/>
-            <a:r>
-              <a:rPr lang="ru-RU"/>
-              <a:t>Второй уровень</a:t>
-            </a:r>
-          </a:p>
-          <a:p>
-            <a:pPr lvl="2"/>
-            <a:r>
-              <a:rPr lang="ru-RU"/>
-              <a:t>Третий уровень</a:t>
-            </a:r>
-          </a:p>
-          <a:p>
-            <a:pPr lvl="3"/>
-            <a:r>
-              <a:rPr lang="ru-RU"/>
-              <a:t>Четвертый уровень</a:t>
-            </a:r>
-          </a:p>
-          <a:p>
-            <a:pPr lvl="4"/>
-            <a:r>
-              <a:rPr lang="ru-RU"/>
-              <a:t>Пятый уровень</a:t>
-            </a:r>
-          </a:p>
-        </p:txBody>
-      </p:sp>
-      <p:sp>
-        <p:nvSpPr>
-          <p:cNvPr id="4" name="Дата 3">
-            <a:extLst>
-              <a:ext uri="{FF2B5EF4-FFF2-40B4-BE49-F238E27FC236}">
-                <a16:creationId xmlns:a16="http://schemas.microsoft.com/office/drawing/2014/main" id="{C641FBAC-A280-4276-A7F6-6EF561D835F7}"/>
-              </a:ext>
-            </a:extLst>
-          </p:cNvPr>
-          <p:cNvSpPr>
-            <a:spLocks noGrp="1"/>
-          </p:cNvSpPr>
-          <p:nvPr>
-            <p:ph type="dt" sz="half" idx="10"/>
-          </p:nvPr>
-        </p:nvSpPr>
-        <p:spPr/>
-        <p:txBody>
-          <a:bodyPr/>
-          <a:lstStyle/>
-          <a:p>
-            <a:r>
-              <a:rPr lang="ru-RU"/>
-              <a:t>2023</a:t>
-            </a:r>
-          </a:p>
-        </p:txBody>
-      </p:sp>
-      <p:sp>
-        <p:nvSpPr>
-          <p:cNvPr id="5" name="Нижний колонтитул 4">
-            <a:extLst>
-              <a:ext uri="{FF2B5EF4-FFF2-40B4-BE49-F238E27FC236}">
-                <a16:creationId xmlns:a16="http://schemas.microsoft.com/office/drawing/2014/main" id="{AE0465BB-7703-4F61-8D4C-EDE2CBFA1B37}"/>
-              </a:ext>
-            </a:extLst>
-          </p:cNvPr>
-          <p:cNvSpPr>
-            <a:spLocks noGrp="1"/>
-          </p:cNvSpPr>
-          <p:nvPr>
-            <p:ph type="ftr" sz="quarter" idx="11"/>
-          </p:nvPr>
-        </p:nvSpPr>
-        <p:spPr/>
-        <p:txBody>
-          <a:bodyPr/>
-          <a:lstStyle/>
-          <a:p>
-            <a:r>
-              <a:rPr lang="ru-RU"/>
-              <a:t>Борик Р. Д</a:t>
-            </a:r>
-          </a:p>
-        </p:txBody>
-      </p:sp>
-      <p:sp>
-        <p:nvSpPr>
-          <p:cNvPr id="6" name="Номер слайда 5">
-            <a:extLst>
-              <a:ext uri="{FF2B5EF4-FFF2-40B4-BE49-F238E27FC236}">
-                <a16:creationId xmlns:a16="http://schemas.microsoft.com/office/drawing/2014/main" id="{2FDD78B2-BF3E-4E1D-BE70-D3514FFB7336}"/>
-              </a:ext>
-            </a:extLst>
-          </p:cNvPr>
-          <p:cNvSpPr>
-            <a:spLocks noGrp="1"/>
-          </p:cNvSpPr>
-          <p:nvPr>
-            <p:ph type="sldNum" sz="quarter" idx="12"/>
-          </p:nvPr>
-        </p:nvSpPr>
-        <p:spPr/>
-        <p:txBody>
-          <a:bodyPr/>
-          <a:lstStyle/>
-          <a:p>
-            <a:fld id="{F5F7BD9D-D9F0-4178-8503-A05219E63A73}" type="slidenum">
-              <a:rPr lang="ru-RU" smtClean="0"/>
-              <a:t>‹#›</a:t>
-            </a:fld>
-            <a:endParaRPr lang="ru-RU"/>
-          </a:p>
-        </p:txBody>
-      </p:sp>
-    </p:spTree>
-    <p:extLst>
-      <p:ext uri="{BB962C8B-B14F-4D97-AF65-F5344CB8AC3E}">
-        <p14:creationId xmlns:p14="http://schemas.microsoft.com/office/powerpoint/2010/main" val="1008277752"/>
-      </p:ext>
-    </p:extLst>
-  </p:cSld>
-  <p:clrMapOvr>
-    <a:masterClrMapping/>
-  </p:clrMapOvr>
-</p:sldLayout>
-</file>
-
-<file path=ppt/slideLayouts/slideLayout3.xml><?xml version="1.0" encoding="utf-8"?>
-<p:sldLayout xmlns:a="http://schemas.openxmlformats.org/drawingml/2006/main" xmlns:r="http://schemas.openxmlformats.org/officeDocument/2006/relationships" xmlns:p="http://schemas.openxmlformats.org/presentationml/2006/main" type="secHead" preserve="1">
-  <p:cSld name="Заголовок раздела">
-    <p:spTree>
-      <p:nvGrpSpPr>
-        <p:cNvPr id="1" name=""/>
-        <p:cNvGrpSpPr/>
-        <p:nvPr/>
-      </p:nvGrpSpPr>
-      <p:grpSpPr>
-        <a:xfrm>
-          <a:off x="0" y="0"/>
-          <a:ext cx="0" cy="0"/>
-          <a:chOff x="0" y="0"/>
-          <a:chExt cx="0" cy="0"/>
-        </a:xfrm>
-      </p:grpSpPr>
-      <p:sp>
-        <p:nvSpPr>
-          <p:cNvPr id="2" name="Заголовок 1">
-            <a:extLst>
-              <a:ext uri="{FF2B5EF4-FFF2-40B4-BE49-F238E27FC236}">
-                <a16:creationId xmlns:a16="http://schemas.microsoft.com/office/drawing/2014/main" id="{183A9E0A-C511-4CCF-B6EC-94B3CB3D4E16}"/>
-              </a:ext>
-            </a:extLst>
-          </p:cNvPr>
-          <p:cNvSpPr>
-            <a:spLocks noGrp="1"/>
-          </p:cNvSpPr>
-          <p:nvPr>
-            <p:ph type="title"/>
-          </p:nvPr>
-        </p:nvSpPr>
-        <p:spPr>
-          <a:xfrm>
-            <a:off x="831850" y="1709738"/>
-            <a:ext cx="10515600" cy="2852737"/>
-          </a:xfrm>
-        </p:spPr>
-        <p:txBody>
-          <a:bodyPr anchor="b"/>
-          <a:lstStyle>
-            <a:lvl1pPr>
-              <a:defRPr sz="6000"/>
-            </a:lvl1pPr>
-          </a:lstStyle>
-          <a:p>
-            <a:r>
-              <a:rPr lang="ru-RU"/>
-              <a:t>Образец заголовка</a:t>
-            </a:r>
-          </a:p>
-        </p:txBody>
-      </p:sp>
-      <p:sp>
-        <p:nvSpPr>
-          <p:cNvPr id="3" name="Текст 2">
-            <a:extLst>
-              <a:ext uri="{FF2B5EF4-FFF2-40B4-BE49-F238E27FC236}">
-                <a16:creationId xmlns:a16="http://schemas.microsoft.com/office/drawing/2014/main" id="{E40036EE-8C6B-4CC5-92D4-715CA3C9EEF7}"/>
-              </a:ext>
-            </a:extLst>
-          </p:cNvPr>
-          <p:cNvSpPr>
-            <a:spLocks noGrp="1"/>
-          </p:cNvSpPr>
-          <p:nvPr>
-            <p:ph type="body" idx="1"/>
-          </p:nvPr>
-        </p:nvSpPr>
-        <p:spPr>
-          <a:xfrm>
-            <a:off x="831850" y="4589463"/>
-            <a:ext cx="10515600" cy="1500187"/>
-          </a:xfrm>
-        </p:spPr>
-        <p:txBody>
-          <a:bodyPr/>
-          <a:lstStyle>
-            <a:lvl1pPr marL="0" indent="0">
-              <a:buNone/>
-              <a:defRPr sz="2400">
-                <a:solidFill>
-                  <a:schemeClr val="tx1">
-                    <a:tint val="75000"/>
-                  </a:schemeClr>
-                </a:solidFill>
-              </a:defRPr>
-            </a:lvl1pPr>
-            <a:lvl2pPr marL="457200" indent="0">
-              <a:buNone/>
-              <a:defRPr sz="2000">
-                <a:solidFill>
-                  <a:schemeClr val="tx1">
-                    <a:tint val="75000"/>
-                  </a:schemeClr>
-                </a:solidFill>
-              </a:defRPr>
-            </a:lvl2pPr>
-            <a:lvl3pPr marL="914400" indent="0">
-              <a:buNone/>
-              <a:defRPr sz="1800">
-                <a:solidFill>
-                  <a:schemeClr val="tx1">
-                    <a:tint val="75000"/>
-                  </a:schemeClr>
-                </a:solidFill>
-              </a:defRPr>
-            </a:lvl3pPr>
-            <a:lvl4pPr marL="1371600" indent="0">
-              <a:buNone/>
-              <a:defRPr sz="1600">
-                <a:solidFill>
-                  <a:schemeClr val="tx1">
-                    <a:tint val="75000"/>
-                  </a:schemeClr>
-                </a:solidFill>
-              </a:defRPr>
-            </a:lvl4pPr>
-            <a:lvl5pPr marL="1828800" indent="0">
-              <a:buNone/>
-              <a:defRPr sz="1600">
-                <a:solidFill>
-                  <a:schemeClr val="tx1">
-                    <a:tint val="75000"/>
-                  </a:schemeClr>
-                </a:solidFill>
-              </a:defRPr>
-            </a:lvl5pPr>
-            <a:lvl6pPr marL="2286000" indent="0">
-              <a:buNone/>
-              <a:defRPr sz="1600">
-                <a:solidFill>
-                  <a:schemeClr val="tx1">
-                    <a:tint val="75000"/>
-                  </a:schemeClr>
-                </a:solidFill>
-              </a:defRPr>
-            </a:lvl6pPr>
-            <a:lvl7pPr marL="2743200" indent="0">
-              <a:buNone/>
-              <a:defRPr sz="1600">
-                <a:solidFill>
-                  <a:schemeClr val="tx1">
-                    <a:tint val="75000"/>
-                  </a:schemeClr>
-                </a:solidFill>
-              </a:defRPr>
-            </a:lvl7pPr>
-            <a:lvl8pPr marL="3200400" indent="0">
-              <a:buNone/>
-              <a:defRPr sz="1600">
-                <a:solidFill>
-                  <a:schemeClr val="tx1">
-                    <a:tint val="75000"/>
-                  </a:schemeClr>
-                </a:solidFill>
-              </a:defRPr>
-            </a:lvl8pPr>
-            <a:lvl9pPr marL="3657600" indent="0">
-              <a:buNone/>
-              <a:defRPr sz="1600">
-                <a:solidFill>
-                  <a:schemeClr val="tx1">
-                    <a:tint val="75000"/>
-                  </a:schemeClr>
-                </a:solidFill>
-              </a:defRPr>
-            </a:lvl9pPr>
-          </a:lstStyle>
-          <a:p>
-            <a:pPr lvl="0"/>
-            <a:r>
-              <a:rPr lang="ru-RU"/>
-              <a:t>Образец текста</a:t>
-            </a:r>
-          </a:p>
-        </p:txBody>
-      </p:sp>
-      <p:sp>
-        <p:nvSpPr>
-          <p:cNvPr id="4" name="Дата 3">
-            <a:extLst>
-              <a:ext uri="{FF2B5EF4-FFF2-40B4-BE49-F238E27FC236}">
-                <a16:creationId xmlns:a16="http://schemas.microsoft.com/office/drawing/2014/main" id="{9AC31C7B-0BE8-45B7-A6CE-E53E1ABCC1FD}"/>
-              </a:ext>
-            </a:extLst>
-          </p:cNvPr>
-          <p:cNvSpPr>
-            <a:spLocks noGrp="1"/>
-          </p:cNvSpPr>
-          <p:nvPr>
-            <p:ph type="dt" sz="half" idx="10"/>
-          </p:nvPr>
-        </p:nvSpPr>
-        <p:spPr/>
-        <p:txBody>
-          <a:bodyPr/>
-          <a:lstStyle/>
-          <a:p>
-            <a:r>
-              <a:rPr lang="ru-RU"/>
-              <a:t>2023</a:t>
-            </a:r>
-          </a:p>
-        </p:txBody>
-      </p:sp>
-      <p:sp>
-        <p:nvSpPr>
-          <p:cNvPr id="5" name="Нижний колонтитул 4">
-            <a:extLst>
-              <a:ext uri="{FF2B5EF4-FFF2-40B4-BE49-F238E27FC236}">
-                <a16:creationId xmlns:a16="http://schemas.microsoft.com/office/drawing/2014/main" id="{F25FC5D7-9A16-4894-9691-F07A0D6FBF4A}"/>
-              </a:ext>
-            </a:extLst>
-          </p:cNvPr>
-          <p:cNvSpPr>
-            <a:spLocks noGrp="1"/>
-          </p:cNvSpPr>
-          <p:nvPr>
-            <p:ph type="ftr" sz="quarter" idx="11"/>
-          </p:nvPr>
-        </p:nvSpPr>
-        <p:spPr/>
-        <p:txBody>
-          <a:bodyPr/>
-          <a:lstStyle/>
-          <a:p>
-            <a:r>
-              <a:rPr lang="ru-RU"/>
-              <a:t>Борик Р. Д</a:t>
-            </a:r>
-          </a:p>
-        </p:txBody>
-      </p:sp>
-      <p:sp>
-        <p:nvSpPr>
-          <p:cNvPr id="6" name="Номер слайда 5">
-            <a:extLst>
-              <a:ext uri="{FF2B5EF4-FFF2-40B4-BE49-F238E27FC236}">
-                <a16:creationId xmlns:a16="http://schemas.microsoft.com/office/drawing/2014/main" id="{95B011A2-6600-4D26-B048-8BAD61BBF66D}"/>
-              </a:ext>
-            </a:extLst>
-          </p:cNvPr>
-          <p:cNvSpPr>
-            <a:spLocks noGrp="1"/>
-          </p:cNvSpPr>
-          <p:nvPr>
-            <p:ph type="sldNum" sz="quarter" idx="12"/>
-          </p:nvPr>
-        </p:nvSpPr>
-        <p:spPr/>
-        <p:txBody>
-          <a:bodyPr/>
-          <a:lstStyle/>
-          <a:p>
-            <a:fld id="{F5F7BD9D-D9F0-4178-8503-A05219E63A73}" type="slidenum">
-              <a:rPr lang="ru-RU" smtClean="0"/>
-              <a:t>‹#›</a:t>
-            </a:fld>
-            <a:endParaRPr lang="ru-RU"/>
-          </a:p>
-        </p:txBody>
-      </p:sp>
-    </p:spTree>
-    <p:extLst>
-      <p:ext uri="{BB962C8B-B14F-4D97-AF65-F5344CB8AC3E}">
-        <p14:creationId xmlns:p14="http://schemas.microsoft.com/office/powerpoint/2010/main" val="3581830343"/>
-      </p:ext>
-    </p:extLst>
-  </p:cSld>
-  <p:clrMapOvr>
-    <a:masterClrMapping/>
-  </p:clrMapOvr>
-</p:sldLayout>
-</file>
-
-<file path=ppt/slideLayouts/slideLayout4.xml><?xml version="1.0" encoding="utf-8"?>
-<p:sldLayout xmlns:a="http://schemas.openxmlformats.org/drawingml/2006/main" xmlns:r="http://schemas.openxmlformats.org/officeDocument/2006/relationships" xmlns:p="http://schemas.openxmlformats.org/presentationml/2006/main" type="twoObj" preserve="1">
-  <p:cSld name="Два объекта">
-    <p:spTree>
-      <p:nvGrpSpPr>
-        <p:cNvPr id="1" name=""/>
-        <p:cNvGrpSpPr/>
-        <p:nvPr/>
-      </p:nvGrpSpPr>
-      <p:grpSpPr>
-        <a:xfrm>
-          <a:off x="0" y="0"/>
-          <a:ext cx="0" cy="0"/>
-          <a:chOff x="0" y="0"/>
-          <a:chExt cx="0" cy="0"/>
-        </a:xfrm>
-      </p:grpSpPr>
-      <p:sp>
-        <p:nvSpPr>
-          <p:cNvPr id="2" name="Заголовок 1">
-            <a:extLst>
-              <a:ext uri="{FF2B5EF4-FFF2-40B4-BE49-F238E27FC236}">
-                <a16:creationId xmlns:a16="http://schemas.microsoft.com/office/drawing/2014/main" id="{7FFA5B84-8D6F-4B5C-B038-D423102DB008}"/>
-              </a:ext>
-            </a:extLst>
-          </p:cNvPr>
-          <p:cNvSpPr>
-            <a:spLocks noGrp="1"/>
-          </p:cNvSpPr>
-          <p:nvPr>
-            <p:ph type="title"/>
-          </p:nvPr>
-        </p:nvSpPr>
-        <p:spPr/>
-        <p:txBody>
-          <a:bodyPr/>
-          <a:lstStyle/>
-          <a:p>
-            <a:r>
-              <a:rPr lang="ru-RU"/>
-              <a:t>Образец заголовка</a:t>
-            </a:r>
-          </a:p>
-        </p:txBody>
-      </p:sp>
-      <p:sp>
-        <p:nvSpPr>
-          <p:cNvPr id="3" name="Объект 2">
-            <a:extLst>
-              <a:ext uri="{FF2B5EF4-FFF2-40B4-BE49-F238E27FC236}">
-                <a16:creationId xmlns:a16="http://schemas.microsoft.com/office/drawing/2014/main" id="{E655AAA7-1DE3-4ADE-8F27-B15051BFF317}"/>
-              </a:ext>
-            </a:extLst>
-          </p:cNvPr>
-          <p:cNvSpPr>
-            <a:spLocks noGrp="1"/>
-          </p:cNvSpPr>
-          <p:nvPr>
-            <p:ph sz="half" idx="1"/>
-          </p:nvPr>
-        </p:nvSpPr>
-        <p:spPr>
-          <a:xfrm>
-            <a:off x="838200" y="1825625"/>
-            <a:ext cx="5181600" cy="4351338"/>
-          </a:xfrm>
-        </p:spPr>
-        <p:txBody>
-          <a:bodyPr/>
-          <a:lstStyle/>
-          <a:p>
-            <a:pPr lvl="0"/>
-            <a:r>
-              <a:rPr lang="ru-RU"/>
-              <a:t>Образец текста</a:t>
-            </a:r>
-          </a:p>
-          <a:p>
-            <a:pPr lvl="1"/>
-            <a:r>
-              <a:rPr lang="ru-RU"/>
-              <a:t>Второй уровень</a:t>
-            </a:r>
-          </a:p>
-          <a:p>
-            <a:pPr lvl="2"/>
-            <a:r>
-              <a:rPr lang="ru-RU"/>
-              <a:t>Третий уровень</a:t>
-            </a:r>
-          </a:p>
-          <a:p>
-            <a:pPr lvl="3"/>
-            <a:r>
-              <a:rPr lang="ru-RU"/>
-              <a:t>Четвертый уровень</a:t>
-            </a:r>
-          </a:p>
-          <a:p>
-            <a:pPr lvl="4"/>
-            <a:r>
-              <a:rPr lang="ru-RU"/>
-              <a:t>Пятый уровень</a:t>
-            </a:r>
-          </a:p>
-        </p:txBody>
-      </p:sp>
-      <p:sp>
-        <p:nvSpPr>
-          <p:cNvPr id="4" name="Объект 3">
-            <a:extLst>
-              <a:ext uri="{FF2B5EF4-FFF2-40B4-BE49-F238E27FC236}">
-                <a16:creationId xmlns:a16="http://schemas.microsoft.com/office/drawing/2014/main" id="{1C7895A8-86F5-42E7-AEB9-64020A0DDAFF}"/>
-              </a:ext>
-            </a:extLst>
-          </p:cNvPr>
-          <p:cNvSpPr>
-            <a:spLocks noGrp="1"/>
-          </p:cNvSpPr>
-          <p:nvPr>
-            <p:ph sz="half" idx="2"/>
-          </p:nvPr>
-        </p:nvSpPr>
-        <p:spPr>
-          <a:xfrm>
-            <a:off x="6172200" y="1825625"/>
-            <a:ext cx="5181600" cy="4351338"/>
-          </a:xfrm>
-        </p:spPr>
-        <p:txBody>
-          <a:bodyPr/>
-          <a:lstStyle/>
-          <a:p>
-            <a:pPr lvl="0"/>
-            <a:r>
-              <a:rPr lang="ru-RU"/>
-              <a:t>Образец текста</a:t>
-            </a:r>
-          </a:p>
-          <a:p>
-            <a:pPr lvl="1"/>
-            <a:r>
-              <a:rPr lang="ru-RU"/>
-              <a:t>Второй уровень</a:t>
-            </a:r>
-          </a:p>
-          <a:p>
-            <a:pPr lvl="2"/>
-            <a:r>
-              <a:rPr lang="ru-RU"/>
-              <a:t>Третий уровень</a:t>
-            </a:r>
-          </a:p>
-          <a:p>
-            <a:pPr lvl="3"/>
-            <a:r>
-              <a:rPr lang="ru-RU"/>
-              <a:t>Четвертый уровень</a:t>
-            </a:r>
-          </a:p>
-          <a:p>
-            <a:pPr lvl="4"/>
-            <a:r>
-              <a:rPr lang="ru-RU"/>
-              <a:t>Пятый уровень</a:t>
-            </a:r>
-          </a:p>
-        </p:txBody>
-      </p:sp>
-      <p:sp>
-        <p:nvSpPr>
-          <p:cNvPr id="5" name="Дата 4">
-            <a:extLst>
-              <a:ext uri="{FF2B5EF4-FFF2-40B4-BE49-F238E27FC236}">
-                <a16:creationId xmlns:a16="http://schemas.microsoft.com/office/drawing/2014/main" id="{A469B91B-9A0A-480F-88B9-BB66C91E79D6}"/>
-              </a:ext>
-            </a:extLst>
-          </p:cNvPr>
-          <p:cNvSpPr>
-            <a:spLocks noGrp="1"/>
-          </p:cNvSpPr>
-          <p:nvPr>
-            <p:ph type="dt" sz="half" idx="10"/>
-          </p:nvPr>
-        </p:nvSpPr>
-        <p:spPr/>
-        <p:txBody>
-          <a:bodyPr/>
-          <a:lstStyle/>
-          <a:p>
-            <a:r>
-              <a:rPr lang="ru-RU"/>
-              <a:t>2023</a:t>
-            </a:r>
-          </a:p>
-        </p:txBody>
-      </p:sp>
-      <p:sp>
-        <p:nvSpPr>
-          <p:cNvPr id="6" name="Нижний колонтитул 5">
-            <a:extLst>
-              <a:ext uri="{FF2B5EF4-FFF2-40B4-BE49-F238E27FC236}">
-                <a16:creationId xmlns:a16="http://schemas.microsoft.com/office/drawing/2014/main" id="{DE16D1BA-9985-45AC-8059-89A33BEF5D41}"/>
-              </a:ext>
-            </a:extLst>
-          </p:cNvPr>
-          <p:cNvSpPr>
-            <a:spLocks noGrp="1"/>
-          </p:cNvSpPr>
-          <p:nvPr>
-            <p:ph type="ftr" sz="quarter" idx="11"/>
-          </p:nvPr>
-        </p:nvSpPr>
-        <p:spPr/>
-        <p:txBody>
-          <a:bodyPr/>
-          <a:lstStyle/>
-          <a:p>
-            <a:r>
-              <a:rPr lang="ru-RU"/>
-              <a:t>Борик Р. Д</a:t>
-            </a:r>
-          </a:p>
-        </p:txBody>
-      </p:sp>
-      <p:sp>
-        <p:nvSpPr>
-          <p:cNvPr id="7" name="Номер слайда 6">
-            <a:extLst>
-              <a:ext uri="{FF2B5EF4-FFF2-40B4-BE49-F238E27FC236}">
-                <a16:creationId xmlns:a16="http://schemas.microsoft.com/office/drawing/2014/main" id="{017A483A-664D-4184-87B3-7EC036A34435}"/>
-              </a:ext>
-            </a:extLst>
-          </p:cNvPr>
-          <p:cNvSpPr>
-            <a:spLocks noGrp="1"/>
-          </p:cNvSpPr>
-          <p:nvPr>
-            <p:ph type="sldNum" sz="quarter" idx="12"/>
-          </p:nvPr>
-        </p:nvSpPr>
-        <p:spPr/>
-        <p:txBody>
-          <a:bodyPr/>
-          <a:lstStyle/>
-          <a:p>
-            <a:fld id="{F5F7BD9D-D9F0-4178-8503-A05219E63A73}" type="slidenum">
-              <a:rPr lang="ru-RU" smtClean="0"/>
-              <a:t>‹#›</a:t>
-            </a:fld>
-            <a:endParaRPr lang="ru-RU"/>
-          </a:p>
-        </p:txBody>
-      </p:sp>
-    </p:spTree>
-    <p:extLst>
-      <p:ext uri="{BB962C8B-B14F-4D97-AF65-F5344CB8AC3E}">
-        <p14:creationId xmlns:p14="http://schemas.microsoft.com/office/powerpoint/2010/main" val="4071581047"/>
-      </p:ext>
-    </p:extLst>
-  </p:cSld>
-  <p:clrMapOvr>
-    <a:masterClrMapping/>
-  </p:clrMapOvr>
-</p:sldLayout>
-</file>
-
-<file path=ppt/slideLayouts/slideLayout5.xml><?xml version="1.0" encoding="utf-8"?>
-<p:sldLayout xmlns:a="http://schemas.openxmlformats.org/drawingml/2006/main" xmlns:r="http://schemas.openxmlformats.org/officeDocument/2006/relationships" xmlns:p="http://schemas.openxmlformats.org/presentationml/2006/main" type="twoTxTwoObj" preserve="1">
-  <p:cSld name="Сравнение">
-    <p:spTree>
-      <p:nvGrpSpPr>
-        <p:cNvPr id="1" name=""/>
-        <p:cNvGrpSpPr/>
-        <p:nvPr/>
-      </p:nvGrpSpPr>
-      <p:grpSpPr>
-        <a:xfrm>
-          <a:off x="0" y="0"/>
-          <a:ext cx="0" cy="0"/>
-          <a:chOff x="0" y="0"/>
-          <a:chExt cx="0" cy="0"/>
-        </a:xfrm>
-      </p:grpSpPr>
-      <p:sp>
-        <p:nvSpPr>
-          <p:cNvPr id="2" name="Заголовок 1">
-            <a:extLst>
-              <a:ext uri="{FF2B5EF4-FFF2-40B4-BE49-F238E27FC236}">
-                <a16:creationId xmlns:a16="http://schemas.microsoft.com/office/drawing/2014/main" id="{49F4DDDE-6510-4F62-AF7D-FE8C5B871517}"/>
-              </a:ext>
-            </a:extLst>
-          </p:cNvPr>
-          <p:cNvSpPr>
-            <a:spLocks noGrp="1"/>
-          </p:cNvSpPr>
-          <p:nvPr>
-            <p:ph type="title"/>
-          </p:nvPr>
-        </p:nvSpPr>
-        <p:spPr>
-          <a:xfrm>
-            <a:off x="839788" y="365125"/>
-            <a:ext cx="10515600" cy="1325563"/>
-          </a:xfrm>
-        </p:spPr>
-        <p:txBody>
-          <a:bodyPr/>
-          <a:lstStyle/>
-          <a:p>
-            <a:r>
-              <a:rPr lang="ru-RU"/>
-              <a:t>Образец заголовка</a:t>
-            </a:r>
-          </a:p>
-        </p:txBody>
-      </p:sp>
-      <p:sp>
-        <p:nvSpPr>
-          <p:cNvPr id="3" name="Текст 2">
-            <a:extLst>
-              <a:ext uri="{FF2B5EF4-FFF2-40B4-BE49-F238E27FC236}">
-                <a16:creationId xmlns:a16="http://schemas.microsoft.com/office/drawing/2014/main" id="{BB275759-ABA4-468D-B13B-EB0F8625A785}"/>
-              </a:ext>
-            </a:extLst>
-          </p:cNvPr>
-          <p:cNvSpPr>
-            <a:spLocks noGrp="1"/>
-          </p:cNvSpPr>
-          <p:nvPr>
-            <p:ph type="body" idx="1"/>
-          </p:nvPr>
-        </p:nvSpPr>
-        <p:spPr>
-          <a:xfrm>
-            <a:off x="839788" y="1681163"/>
-            <a:ext cx="5157787" cy="823912"/>
-          </a:xfrm>
-        </p:spPr>
-        <p:txBody>
-          <a:bodyPr anchor="b"/>
-          <a:lstStyle>
-            <a:lvl1pPr marL="0" indent="0">
-              <a:buNone/>
-              <a:defRPr sz="2400" b="1"/>
-            </a:lvl1pPr>
-            <a:lvl2pPr marL="457200" indent="0">
-              <a:buNone/>
-              <a:defRPr sz="2000" b="1"/>
-            </a:lvl2pPr>
-            <a:lvl3pPr marL="914400" indent="0">
-              <a:buNone/>
-              <a:defRPr sz="1800" b="1"/>
-            </a:lvl3pPr>
-            <a:lvl4pPr marL="1371600" indent="0">
-              <a:buNone/>
-              <a:defRPr sz="1600" b="1"/>
-            </a:lvl4pPr>
-            <a:lvl5pPr marL="1828800" indent="0">
-              <a:buNone/>
-              <a:defRPr sz="1600" b="1"/>
-            </a:lvl5pPr>
-            <a:lvl6pPr marL="2286000" indent="0">
-              <a:buNone/>
-              <a:defRPr sz="1600" b="1"/>
-            </a:lvl6pPr>
-            <a:lvl7pPr marL="2743200" indent="0">
-              <a:buNone/>
-              <a:defRPr sz="1600" b="1"/>
-            </a:lvl7pPr>
-            <a:lvl8pPr marL="3200400" indent="0">
-              <a:buNone/>
-              <a:defRPr sz="1600" b="1"/>
-            </a:lvl8pPr>
-            <a:lvl9pPr marL="3657600" indent="0">
-              <a:buNone/>
-              <a:defRPr sz="1600" b="1"/>
-            </a:lvl9pPr>
-          </a:lstStyle>
-          <a:p>
-            <a:pPr lvl="0"/>
-            <a:r>
-              <a:rPr lang="ru-RU"/>
-              <a:t>Образец текста</a:t>
-            </a:r>
-          </a:p>
-        </p:txBody>
-      </p:sp>
-      <p:sp>
-        <p:nvSpPr>
-          <p:cNvPr id="4" name="Объект 3">
-            <a:extLst>
-              <a:ext uri="{FF2B5EF4-FFF2-40B4-BE49-F238E27FC236}">
-                <a16:creationId xmlns:a16="http://schemas.microsoft.com/office/drawing/2014/main" id="{7E25D349-C728-49BC-80E4-6D19E97160FE}"/>
-              </a:ext>
-            </a:extLst>
-          </p:cNvPr>
-          <p:cNvSpPr>
-            <a:spLocks noGrp="1"/>
-          </p:cNvSpPr>
-          <p:nvPr>
-            <p:ph sz="half" idx="2"/>
-          </p:nvPr>
-        </p:nvSpPr>
-        <p:spPr>
-          <a:xfrm>
-            <a:off x="839788" y="2505075"/>
-            <a:ext cx="5157787" cy="3684588"/>
-          </a:xfrm>
-        </p:spPr>
-        <p:txBody>
-          <a:bodyPr/>
-          <a:lstStyle/>
-          <a:p>
-            <a:pPr lvl="0"/>
-            <a:r>
-              <a:rPr lang="ru-RU"/>
-              <a:t>Образец текста</a:t>
-            </a:r>
-          </a:p>
-          <a:p>
-            <a:pPr lvl="1"/>
-            <a:r>
-              <a:rPr lang="ru-RU"/>
-              <a:t>Второй уровень</a:t>
-            </a:r>
-          </a:p>
-          <a:p>
-            <a:pPr lvl="2"/>
-            <a:r>
-              <a:rPr lang="ru-RU"/>
-              <a:t>Третий уровень</a:t>
-            </a:r>
-          </a:p>
-          <a:p>
-            <a:pPr lvl="3"/>
-            <a:r>
-              <a:rPr lang="ru-RU"/>
-              <a:t>Четвертый уровень</a:t>
-            </a:r>
-          </a:p>
-          <a:p>
-            <a:pPr lvl="4"/>
-            <a:r>
-              <a:rPr lang="ru-RU"/>
-              <a:t>Пятый уровень</a:t>
-            </a:r>
-          </a:p>
-        </p:txBody>
-      </p:sp>
-      <p:sp>
-        <p:nvSpPr>
-          <p:cNvPr id="5" name="Текст 4">
-            <a:extLst>
-              <a:ext uri="{FF2B5EF4-FFF2-40B4-BE49-F238E27FC236}">
-                <a16:creationId xmlns:a16="http://schemas.microsoft.com/office/drawing/2014/main" id="{732B6CF7-A0A0-4C08-A714-F3DE557E903D}"/>
-              </a:ext>
-            </a:extLst>
-          </p:cNvPr>
-          <p:cNvSpPr>
-            <a:spLocks noGrp="1"/>
-          </p:cNvSpPr>
-          <p:nvPr>
-            <p:ph type="body" sz="quarter" idx="3"/>
-          </p:nvPr>
-        </p:nvSpPr>
-        <p:spPr>
-          <a:xfrm>
-            <a:off x="6172200" y="1681163"/>
-            <a:ext cx="5183188" cy="823912"/>
-          </a:xfrm>
-        </p:spPr>
-        <p:txBody>
-          <a:bodyPr anchor="b"/>
-          <a:lstStyle>
-            <a:lvl1pPr marL="0" indent="0">
-              <a:buNone/>
-              <a:defRPr sz="2400" b="1"/>
-            </a:lvl1pPr>
-            <a:lvl2pPr marL="457200" indent="0">
-              <a:buNone/>
-              <a:defRPr sz="2000" b="1"/>
-            </a:lvl2pPr>
-            <a:lvl3pPr marL="914400" indent="0">
-              <a:buNone/>
-              <a:defRPr sz="1800" b="1"/>
-            </a:lvl3pPr>
-            <a:lvl4pPr marL="1371600" indent="0">
-              <a:buNone/>
-              <a:defRPr sz="1600" b="1"/>
-            </a:lvl4pPr>
-            <a:lvl5pPr marL="1828800" indent="0">
-              <a:buNone/>
-              <a:defRPr sz="1600" b="1"/>
-            </a:lvl5pPr>
-            <a:lvl6pPr marL="2286000" indent="0">
-              <a:buNone/>
-              <a:defRPr sz="1600" b="1"/>
-            </a:lvl6pPr>
-            <a:lvl7pPr marL="2743200" indent="0">
-              <a:buNone/>
-              <a:defRPr sz="1600" b="1"/>
-            </a:lvl7pPr>
-            <a:lvl8pPr marL="3200400" indent="0">
-              <a:buNone/>
-              <a:defRPr sz="1600" b="1"/>
-            </a:lvl8pPr>
-            <a:lvl9pPr marL="3657600" indent="0">
-              <a:buNone/>
-              <a:defRPr sz="1600" b="1"/>
-            </a:lvl9pPr>
-          </a:lstStyle>
-          <a:p>
-            <a:pPr lvl="0"/>
-            <a:r>
-              <a:rPr lang="ru-RU"/>
-              <a:t>Образец текста</a:t>
-            </a:r>
-          </a:p>
-        </p:txBody>
-      </p:sp>
-      <p:sp>
-        <p:nvSpPr>
-          <p:cNvPr id="6" name="Объект 5">
-            <a:extLst>
-              <a:ext uri="{FF2B5EF4-FFF2-40B4-BE49-F238E27FC236}">
-                <a16:creationId xmlns:a16="http://schemas.microsoft.com/office/drawing/2014/main" id="{38F06BE0-D5DC-4D09-AFC4-6BB24D4252D4}"/>
-              </a:ext>
-            </a:extLst>
-          </p:cNvPr>
-          <p:cNvSpPr>
-            <a:spLocks noGrp="1"/>
-          </p:cNvSpPr>
-          <p:nvPr>
-            <p:ph sz="quarter" idx="4"/>
-          </p:nvPr>
-        </p:nvSpPr>
-        <p:spPr>
-          <a:xfrm>
-            <a:off x="6172200" y="2505075"/>
-            <a:ext cx="5183188" cy="3684588"/>
-          </a:xfrm>
-        </p:spPr>
-        <p:txBody>
-          <a:bodyPr/>
-          <a:lstStyle/>
-          <a:p>
-            <a:pPr lvl="0"/>
-            <a:r>
-              <a:rPr lang="ru-RU"/>
-              <a:t>Образец текста</a:t>
-            </a:r>
-          </a:p>
-          <a:p>
-            <a:pPr lvl="1"/>
-            <a:r>
-              <a:rPr lang="ru-RU"/>
-              <a:t>Второй уровень</a:t>
-            </a:r>
-          </a:p>
-          <a:p>
-            <a:pPr lvl="2"/>
-            <a:r>
-              <a:rPr lang="ru-RU"/>
-              <a:t>Третий уровень</a:t>
-            </a:r>
-          </a:p>
-          <a:p>
-            <a:pPr lvl="3"/>
-            <a:r>
-              <a:rPr lang="ru-RU"/>
-              <a:t>Четвертый уровень</a:t>
-            </a:r>
-          </a:p>
-          <a:p>
-            <a:pPr lvl="4"/>
-            <a:r>
-              <a:rPr lang="ru-RU"/>
-              <a:t>Пятый уровень</a:t>
-            </a:r>
-          </a:p>
-        </p:txBody>
-      </p:sp>
-      <p:sp>
-        <p:nvSpPr>
-          <p:cNvPr id="7" name="Дата 6">
-            <a:extLst>
-              <a:ext uri="{FF2B5EF4-FFF2-40B4-BE49-F238E27FC236}">
-                <a16:creationId xmlns:a16="http://schemas.microsoft.com/office/drawing/2014/main" id="{6C7D7479-BC49-44E8-86D3-5CD6C444D557}"/>
-              </a:ext>
-            </a:extLst>
-          </p:cNvPr>
-          <p:cNvSpPr>
-            <a:spLocks noGrp="1"/>
-          </p:cNvSpPr>
-          <p:nvPr>
-            <p:ph type="dt" sz="half" idx="10"/>
-          </p:nvPr>
-        </p:nvSpPr>
-        <p:spPr/>
-        <p:txBody>
-          <a:bodyPr/>
-          <a:lstStyle/>
-          <a:p>
-            <a:r>
-              <a:rPr lang="ru-RU"/>
-              <a:t>2023</a:t>
-            </a:r>
-          </a:p>
-        </p:txBody>
-      </p:sp>
-      <p:sp>
-        <p:nvSpPr>
-          <p:cNvPr id="8" name="Нижний колонтитул 7">
-            <a:extLst>
-              <a:ext uri="{FF2B5EF4-FFF2-40B4-BE49-F238E27FC236}">
-                <a16:creationId xmlns:a16="http://schemas.microsoft.com/office/drawing/2014/main" id="{FAF29729-8754-430B-8082-0B3B599E5EFF}"/>
-              </a:ext>
-            </a:extLst>
-          </p:cNvPr>
-          <p:cNvSpPr>
-            <a:spLocks noGrp="1"/>
-          </p:cNvSpPr>
-          <p:nvPr>
-            <p:ph type="ftr" sz="quarter" idx="11"/>
-          </p:nvPr>
-        </p:nvSpPr>
-        <p:spPr/>
-        <p:txBody>
-          <a:bodyPr/>
-          <a:lstStyle/>
-          <a:p>
-            <a:r>
-              <a:rPr lang="ru-RU"/>
-              <a:t>Борик Р. Д</a:t>
-            </a:r>
-          </a:p>
-        </p:txBody>
-      </p:sp>
-      <p:sp>
-        <p:nvSpPr>
-          <p:cNvPr id="9" name="Номер слайда 8">
-            <a:extLst>
-              <a:ext uri="{FF2B5EF4-FFF2-40B4-BE49-F238E27FC236}">
-                <a16:creationId xmlns:a16="http://schemas.microsoft.com/office/drawing/2014/main" id="{257E0A1B-7BF3-44E0-9049-03DD8D6DB927}"/>
-              </a:ext>
-            </a:extLst>
-          </p:cNvPr>
-          <p:cNvSpPr>
-            <a:spLocks noGrp="1"/>
-          </p:cNvSpPr>
-          <p:nvPr>
-            <p:ph type="sldNum" sz="quarter" idx="12"/>
-          </p:nvPr>
-        </p:nvSpPr>
-        <p:spPr/>
-        <p:txBody>
-          <a:bodyPr/>
-          <a:lstStyle/>
-          <a:p>
-            <a:fld id="{F5F7BD9D-D9F0-4178-8503-A05219E63A73}" type="slidenum">
-              <a:rPr lang="ru-RU" smtClean="0"/>
-              <a:t>‹#›</a:t>
-            </a:fld>
-            <a:endParaRPr lang="ru-RU"/>
-          </a:p>
-        </p:txBody>
-      </p:sp>
-    </p:spTree>
-    <p:extLst>
-      <p:ext uri="{BB962C8B-B14F-4D97-AF65-F5344CB8AC3E}">
-        <p14:creationId xmlns:p14="http://schemas.microsoft.com/office/powerpoint/2010/main" val="583586527"/>
-      </p:ext>
-    </p:extLst>
-  </p:cSld>
-  <p:clrMapOvr>
-    <a:masterClrMapping/>
-  </p:clrMapOvr>
-</p:sldLayout>
-</file>
-
-<file path=ppt/slideLayouts/slideLayout6.xml><?xml version="1.0" encoding="utf-8"?>
-<p:sldLayout xmlns:a="http://schemas.openxmlformats.org/drawingml/2006/main" xmlns:r="http://schemas.openxmlformats.org/officeDocument/2006/relationships" xmlns:p="http://schemas.openxmlformats.org/presentationml/2006/main" type="titleOnly" preserve="1">
-  <p:cSld name="Только заголовок">
-    <p:spTree>
-      <p:nvGrpSpPr>
-        <p:cNvPr id="1" name=""/>
-        <p:cNvGrpSpPr/>
-        <p:nvPr/>
-      </p:nvGrpSpPr>
-      <p:grpSpPr>
-        <a:xfrm>
-          <a:off x="0" y="0"/>
-          <a:ext cx="0" cy="0"/>
-          <a:chOff x="0" y="0"/>
-          <a:chExt cx="0" cy="0"/>
-        </a:xfrm>
-      </p:grpSpPr>
-      <p:sp>
-        <p:nvSpPr>
-          <p:cNvPr id="2" name="Заголовок 1">
-            <a:extLst>
-              <a:ext uri="{FF2B5EF4-FFF2-40B4-BE49-F238E27FC236}">
-                <a16:creationId xmlns:a16="http://schemas.microsoft.com/office/drawing/2014/main" id="{A18507A8-A65B-43FC-9119-455534122751}"/>
-              </a:ext>
-            </a:extLst>
-          </p:cNvPr>
-          <p:cNvSpPr>
-            <a:spLocks noGrp="1"/>
-          </p:cNvSpPr>
-          <p:nvPr>
-            <p:ph type="title"/>
-          </p:nvPr>
-        </p:nvSpPr>
-        <p:spPr/>
-        <p:txBody>
-          <a:bodyPr/>
-          <a:lstStyle/>
-          <a:p>
-            <a:r>
-              <a:rPr lang="ru-RU"/>
-              <a:t>Образец заголовка</a:t>
-            </a:r>
-          </a:p>
-        </p:txBody>
-      </p:sp>
-      <p:sp>
-        <p:nvSpPr>
-          <p:cNvPr id="3" name="Дата 2">
-            <a:extLst>
-              <a:ext uri="{FF2B5EF4-FFF2-40B4-BE49-F238E27FC236}">
-                <a16:creationId xmlns:a16="http://schemas.microsoft.com/office/drawing/2014/main" id="{4146C9F5-D330-47B3-99EC-F423F08C2CEF}"/>
-              </a:ext>
-            </a:extLst>
-          </p:cNvPr>
-          <p:cNvSpPr>
-            <a:spLocks noGrp="1"/>
-          </p:cNvSpPr>
-          <p:nvPr>
-            <p:ph type="dt" sz="half" idx="10"/>
-          </p:nvPr>
-        </p:nvSpPr>
-        <p:spPr/>
-        <p:txBody>
-          <a:bodyPr/>
-          <a:lstStyle/>
-          <a:p>
-            <a:r>
-              <a:rPr lang="ru-RU"/>
-              <a:t>2023</a:t>
-            </a:r>
-          </a:p>
-        </p:txBody>
-      </p:sp>
-      <p:sp>
-        <p:nvSpPr>
-          <p:cNvPr id="4" name="Нижний колонтитул 3">
-            <a:extLst>
-              <a:ext uri="{FF2B5EF4-FFF2-40B4-BE49-F238E27FC236}">
-                <a16:creationId xmlns:a16="http://schemas.microsoft.com/office/drawing/2014/main" id="{C742B1F2-D3CA-4DD6-B99D-7D9771096355}"/>
-              </a:ext>
-            </a:extLst>
-          </p:cNvPr>
-          <p:cNvSpPr>
-            <a:spLocks noGrp="1"/>
-          </p:cNvSpPr>
-          <p:nvPr>
-            <p:ph type="ftr" sz="quarter" idx="11"/>
-          </p:nvPr>
-        </p:nvSpPr>
-        <p:spPr/>
-        <p:txBody>
-          <a:bodyPr/>
-          <a:lstStyle/>
-          <a:p>
-            <a:r>
-              <a:rPr lang="ru-RU"/>
-              <a:t>Борик Р. Д</a:t>
-            </a:r>
-          </a:p>
-        </p:txBody>
-      </p:sp>
-      <p:sp>
-        <p:nvSpPr>
-          <p:cNvPr id="5" name="Номер слайда 4">
-            <a:extLst>
-              <a:ext uri="{FF2B5EF4-FFF2-40B4-BE49-F238E27FC236}">
-                <a16:creationId xmlns:a16="http://schemas.microsoft.com/office/drawing/2014/main" id="{03FEFB78-32D9-49E2-BE5F-7F593E964B99}"/>
-              </a:ext>
-            </a:extLst>
-          </p:cNvPr>
-          <p:cNvSpPr>
-            <a:spLocks noGrp="1"/>
-          </p:cNvSpPr>
-          <p:nvPr>
-            <p:ph type="sldNum" sz="quarter" idx="12"/>
-          </p:nvPr>
-        </p:nvSpPr>
-        <p:spPr/>
-        <p:txBody>
-          <a:bodyPr/>
-          <a:lstStyle/>
-          <a:p>
-            <a:fld id="{F5F7BD9D-D9F0-4178-8503-A05219E63A73}" type="slidenum">
-              <a:rPr lang="ru-RU" smtClean="0"/>
-              <a:t>‹#›</a:t>
-            </a:fld>
-            <a:endParaRPr lang="ru-RU"/>
-          </a:p>
-        </p:txBody>
-      </p:sp>
-    </p:spTree>
-    <p:extLst>
-      <p:ext uri="{BB962C8B-B14F-4D97-AF65-F5344CB8AC3E}">
-        <p14:creationId xmlns:p14="http://schemas.microsoft.com/office/powerpoint/2010/main" val="2171667060"/>
-      </p:ext>
-    </p:extLst>
-  </p:cSld>
-  <p:clrMapOvr>
-    <a:masterClrMapping/>
-  </p:clrMapOvr>
-</p:sldLayout>
-</file>
-
-<file path=ppt/slideLayouts/slideLayout7.xml><?xml version="1.0" encoding="utf-8"?>
-<p:sldLayout xmlns:a="http://schemas.openxmlformats.org/drawingml/2006/main" xmlns:r="http://schemas.openxmlformats.org/officeDocument/2006/relationships" xmlns:p="http://schemas.openxmlformats.org/presentationml/2006/main" type="blank" preserve="1">
-  <p:cSld name="Пустой слайд">
-    <p:spTree>
-      <p:nvGrpSpPr>
-        <p:cNvPr id="1" name=""/>
-        <p:cNvGrpSpPr/>
-        <p:nvPr/>
-      </p:nvGrpSpPr>
-      <p:grpSpPr>
-        <a:xfrm>
-          <a:off x="0" y="0"/>
-          <a:ext cx="0" cy="0"/>
-          <a:chOff x="0" y="0"/>
-          <a:chExt cx="0" cy="0"/>
-        </a:xfrm>
-      </p:grpSpPr>
-      <p:sp>
-        <p:nvSpPr>
-          <p:cNvPr id="2" name="Дата 1">
-            <a:extLst>
-              <a:ext uri="{FF2B5EF4-FFF2-40B4-BE49-F238E27FC236}">
-                <a16:creationId xmlns:a16="http://schemas.microsoft.com/office/drawing/2014/main" id="{03EDAC57-2257-4261-A544-364BD8B994E6}"/>
-              </a:ext>
-            </a:extLst>
-          </p:cNvPr>
-          <p:cNvSpPr>
-            <a:spLocks noGrp="1"/>
-          </p:cNvSpPr>
-          <p:nvPr>
-            <p:ph type="dt" sz="half" idx="10"/>
-          </p:nvPr>
-        </p:nvSpPr>
-        <p:spPr/>
-        <p:txBody>
-          <a:bodyPr/>
-          <a:lstStyle/>
-          <a:p>
-            <a:r>
-              <a:rPr lang="ru-RU"/>
-              <a:t>2023</a:t>
-            </a:r>
-          </a:p>
-        </p:txBody>
-      </p:sp>
-      <p:sp>
-        <p:nvSpPr>
-          <p:cNvPr id="3" name="Нижний колонтитул 2">
-            <a:extLst>
-              <a:ext uri="{FF2B5EF4-FFF2-40B4-BE49-F238E27FC236}">
-                <a16:creationId xmlns:a16="http://schemas.microsoft.com/office/drawing/2014/main" id="{36EDAB39-CC11-4AF6-9C9B-2D75D1FE3AB6}"/>
-              </a:ext>
-            </a:extLst>
-          </p:cNvPr>
-          <p:cNvSpPr>
-            <a:spLocks noGrp="1"/>
-          </p:cNvSpPr>
-          <p:nvPr>
-            <p:ph type="ftr" sz="quarter" idx="11"/>
-          </p:nvPr>
-        </p:nvSpPr>
-        <p:spPr/>
-        <p:txBody>
-          <a:bodyPr/>
-          <a:lstStyle/>
-          <a:p>
-            <a:r>
-              <a:rPr lang="ru-RU"/>
-              <a:t>Борик Р. Д</a:t>
-            </a:r>
-          </a:p>
-        </p:txBody>
-      </p:sp>
-      <p:sp>
-        <p:nvSpPr>
-          <p:cNvPr id="4" name="Номер слайда 3">
-            <a:extLst>
-              <a:ext uri="{FF2B5EF4-FFF2-40B4-BE49-F238E27FC236}">
-                <a16:creationId xmlns:a16="http://schemas.microsoft.com/office/drawing/2014/main" id="{5AD5DB52-43E0-48A8-B981-A84047FE8B7A}"/>
-              </a:ext>
-            </a:extLst>
-          </p:cNvPr>
-          <p:cNvSpPr>
-            <a:spLocks noGrp="1"/>
-          </p:cNvSpPr>
-          <p:nvPr>
-            <p:ph type="sldNum" sz="quarter" idx="12"/>
-          </p:nvPr>
-        </p:nvSpPr>
-        <p:spPr/>
-        <p:txBody>
-          <a:bodyPr/>
-          <a:lstStyle/>
-          <a:p>
-            <a:fld id="{F5F7BD9D-D9F0-4178-8503-A05219E63A73}" type="slidenum">
-              <a:rPr lang="ru-RU" smtClean="0"/>
-              <a:t>‹#›</a:t>
-            </a:fld>
-            <a:endParaRPr lang="ru-RU"/>
-          </a:p>
-        </p:txBody>
-      </p:sp>
-    </p:spTree>
-    <p:extLst>
-      <p:ext uri="{BB962C8B-B14F-4D97-AF65-F5344CB8AC3E}">
-        <p14:creationId xmlns:p14="http://schemas.microsoft.com/office/powerpoint/2010/main" val="1361980744"/>
-      </p:ext>
-    </p:extLst>
-  </p:cSld>
-  <p:clrMapOvr>
-    <a:masterClrMapping/>
-  </p:clrMapOvr>
-</p:sldLayout>
-</file>
-
-<file path=ppt/slideLayouts/slideLayout8.xml><?xml version="1.0" encoding="utf-8"?>
-<p:sldLayout xmlns:a="http://schemas.openxmlformats.org/drawingml/2006/main" xmlns:r="http://schemas.openxmlformats.org/officeDocument/2006/relationships" xmlns:p="http://schemas.openxmlformats.org/presentationml/2006/main" type="objTx" preserve="1">
-  <p:cSld name="Объект с подписью">
-    <p:spTree>
-      <p:nvGrpSpPr>
-        <p:cNvPr id="1" name=""/>
-        <p:cNvGrpSpPr/>
-        <p:nvPr/>
-      </p:nvGrpSpPr>
-      <p:grpSpPr>
-        <a:xfrm>
-          <a:off x="0" y="0"/>
-          <a:ext cx="0" cy="0"/>
-          <a:chOff x="0" y="0"/>
-          <a:chExt cx="0" cy="0"/>
-        </a:xfrm>
-      </p:grpSpPr>
-      <p:sp>
-        <p:nvSpPr>
-          <p:cNvPr id="2" name="Заголовок 1">
-            <a:extLst>
-              <a:ext uri="{FF2B5EF4-FFF2-40B4-BE49-F238E27FC236}">
-                <a16:creationId xmlns:a16="http://schemas.microsoft.com/office/drawing/2014/main" id="{F4121FB2-5F9D-476D-BA19-2BFEBAAC2B80}"/>
-              </a:ext>
-            </a:extLst>
-          </p:cNvPr>
-          <p:cNvSpPr>
-            <a:spLocks noGrp="1"/>
-          </p:cNvSpPr>
-          <p:nvPr>
-            <p:ph type="title"/>
-          </p:nvPr>
-        </p:nvSpPr>
-        <p:spPr>
-          <a:xfrm>
-            <a:off x="839788" y="457200"/>
-            <a:ext cx="3932237" cy="1600200"/>
-          </a:xfrm>
-        </p:spPr>
-        <p:txBody>
-          <a:bodyPr anchor="b"/>
-          <a:lstStyle>
-            <a:lvl1pPr>
-              <a:defRPr sz="3200"/>
-            </a:lvl1pPr>
-          </a:lstStyle>
-          <a:p>
-            <a:r>
-              <a:rPr lang="ru-RU"/>
-              <a:t>Образец заголовка</a:t>
-            </a:r>
-          </a:p>
-        </p:txBody>
-      </p:sp>
-      <p:sp>
-        <p:nvSpPr>
-          <p:cNvPr id="3" name="Объект 2">
-            <a:extLst>
-              <a:ext uri="{FF2B5EF4-FFF2-40B4-BE49-F238E27FC236}">
-                <a16:creationId xmlns:a16="http://schemas.microsoft.com/office/drawing/2014/main" id="{BB068380-BD14-437F-8FCB-F6673F7C4D82}"/>
-              </a:ext>
-            </a:extLst>
-          </p:cNvPr>
-          <p:cNvSpPr>
-            <a:spLocks noGrp="1"/>
-          </p:cNvSpPr>
-          <p:nvPr>
-            <p:ph idx="1"/>
-          </p:nvPr>
-        </p:nvSpPr>
-        <p:spPr>
-          <a:xfrm>
-            <a:off x="5183188" y="987425"/>
-            <a:ext cx="6172200" cy="4873625"/>
-          </a:xfrm>
-        </p:spPr>
-        <p:txBody>
-          <a:bodyPr/>
-          <a:lstStyle>
-            <a:lvl1pPr>
-              <a:defRPr sz="3200"/>
-            </a:lvl1pPr>
-            <a:lvl2pPr>
-              <a:defRPr sz="2800"/>
-            </a:lvl2pPr>
-            <a:lvl3pPr>
-              <a:defRPr sz="2400"/>
-            </a:lvl3pPr>
-            <a:lvl4pPr>
-              <a:defRPr sz="2000"/>
-            </a:lvl4pPr>
-            <a:lvl5pPr>
-              <a:defRPr sz="2000"/>
-            </a:lvl5pPr>
-            <a:lvl6pPr>
-              <a:defRPr sz="2000"/>
-            </a:lvl6pPr>
-            <a:lvl7pPr>
-              <a:defRPr sz="2000"/>
-            </a:lvl7pPr>
-            <a:lvl8pPr>
-              <a:defRPr sz="2000"/>
-            </a:lvl8pPr>
-            <a:lvl9pPr>
-              <a:defRPr sz="2000"/>
-            </a:lvl9pPr>
-          </a:lstStyle>
-          <a:p>
-            <a:pPr lvl="0"/>
-            <a:r>
-              <a:rPr lang="ru-RU"/>
-              <a:t>Образец текста</a:t>
-            </a:r>
-          </a:p>
-          <a:p>
-            <a:pPr lvl="1"/>
-            <a:r>
-              <a:rPr lang="ru-RU"/>
-              <a:t>Второй уровень</a:t>
-            </a:r>
-          </a:p>
-          <a:p>
-            <a:pPr lvl="2"/>
-            <a:r>
-              <a:rPr lang="ru-RU"/>
-              <a:t>Третий уровень</a:t>
-            </a:r>
-          </a:p>
-          <a:p>
-            <a:pPr lvl="3"/>
-            <a:r>
-              <a:rPr lang="ru-RU"/>
-              <a:t>Четвертый уровень</a:t>
-            </a:r>
-          </a:p>
-          <a:p>
-            <a:pPr lvl="4"/>
-            <a:r>
-              <a:rPr lang="ru-RU"/>
-              <a:t>Пятый уровень</a:t>
-            </a:r>
-          </a:p>
-        </p:txBody>
-      </p:sp>
-      <p:sp>
-        <p:nvSpPr>
-          <p:cNvPr id="4" name="Текст 3">
-            <a:extLst>
-              <a:ext uri="{FF2B5EF4-FFF2-40B4-BE49-F238E27FC236}">
-                <a16:creationId xmlns:a16="http://schemas.microsoft.com/office/drawing/2014/main" id="{0FEFC224-ACFD-476E-884F-9F5B8B37BAA1}"/>
-              </a:ext>
-            </a:extLst>
-          </p:cNvPr>
-          <p:cNvSpPr>
-            <a:spLocks noGrp="1"/>
-          </p:cNvSpPr>
-          <p:nvPr>
-            <p:ph type="body" sz="half" idx="2"/>
-          </p:nvPr>
-        </p:nvSpPr>
-        <p:spPr>
-          <a:xfrm>
-            <a:off x="839788" y="2057400"/>
-            <a:ext cx="3932237" cy="3811588"/>
-          </a:xfrm>
-        </p:spPr>
-        <p:txBody>
-          <a:bodyPr/>
-          <a:lstStyle>
-            <a:lvl1pPr marL="0" indent="0">
-              <a:buNone/>
-              <a:defRPr sz="1600"/>
-            </a:lvl1pPr>
-            <a:lvl2pPr marL="457200" indent="0">
-              <a:buNone/>
-              <a:defRPr sz="1400"/>
-            </a:lvl2pPr>
-            <a:lvl3pPr marL="914400" indent="0">
-              <a:buNone/>
-              <a:defRPr sz="1200"/>
-            </a:lvl3pPr>
-            <a:lvl4pPr marL="1371600" indent="0">
-              <a:buNone/>
-              <a:defRPr sz="1000"/>
-            </a:lvl4pPr>
-            <a:lvl5pPr marL="1828800" indent="0">
-              <a:buNone/>
-              <a:defRPr sz="1000"/>
-            </a:lvl5pPr>
-            <a:lvl6pPr marL="2286000" indent="0">
-              <a:buNone/>
-              <a:defRPr sz="1000"/>
-            </a:lvl6pPr>
-            <a:lvl7pPr marL="2743200" indent="0">
-              <a:buNone/>
-              <a:defRPr sz="1000"/>
-            </a:lvl7pPr>
-            <a:lvl8pPr marL="3200400" indent="0">
-              <a:buNone/>
-              <a:defRPr sz="1000"/>
-            </a:lvl8pPr>
-            <a:lvl9pPr marL="3657600" indent="0">
-              <a:buNone/>
-              <a:defRPr sz="1000"/>
-            </a:lvl9pPr>
-          </a:lstStyle>
-          <a:p>
-            <a:pPr lvl="0"/>
-            <a:r>
-              <a:rPr lang="ru-RU"/>
-              <a:t>Образец текста</a:t>
-            </a:r>
-          </a:p>
-        </p:txBody>
-      </p:sp>
-      <p:sp>
-        <p:nvSpPr>
-          <p:cNvPr id="5" name="Дата 4">
-            <a:extLst>
-              <a:ext uri="{FF2B5EF4-FFF2-40B4-BE49-F238E27FC236}">
-                <a16:creationId xmlns:a16="http://schemas.microsoft.com/office/drawing/2014/main" id="{09279EFB-96D4-421A-ADF8-819AB4BA06DD}"/>
-              </a:ext>
-            </a:extLst>
-          </p:cNvPr>
-          <p:cNvSpPr>
-            <a:spLocks noGrp="1"/>
-          </p:cNvSpPr>
-          <p:nvPr>
-            <p:ph type="dt" sz="half" idx="10"/>
-          </p:nvPr>
-        </p:nvSpPr>
-        <p:spPr/>
-        <p:txBody>
-          <a:bodyPr/>
-          <a:lstStyle/>
-          <a:p>
-            <a:r>
-              <a:rPr lang="ru-RU"/>
-              <a:t>2023</a:t>
-            </a:r>
-          </a:p>
-        </p:txBody>
-      </p:sp>
-      <p:sp>
-        <p:nvSpPr>
-          <p:cNvPr id="6" name="Нижний колонтитул 5">
-            <a:extLst>
-              <a:ext uri="{FF2B5EF4-FFF2-40B4-BE49-F238E27FC236}">
-                <a16:creationId xmlns:a16="http://schemas.microsoft.com/office/drawing/2014/main" id="{52E8A211-46B4-4BCE-9F60-E3596CD2BB84}"/>
-              </a:ext>
-            </a:extLst>
-          </p:cNvPr>
-          <p:cNvSpPr>
-            <a:spLocks noGrp="1"/>
-          </p:cNvSpPr>
-          <p:nvPr>
-            <p:ph type="ftr" sz="quarter" idx="11"/>
-          </p:nvPr>
-        </p:nvSpPr>
-        <p:spPr/>
-        <p:txBody>
-          <a:bodyPr/>
-          <a:lstStyle/>
-          <a:p>
-            <a:r>
-              <a:rPr lang="ru-RU"/>
-              <a:t>Борик Р. Д</a:t>
-            </a:r>
-          </a:p>
-        </p:txBody>
-      </p:sp>
-      <p:sp>
-        <p:nvSpPr>
-          <p:cNvPr id="7" name="Номер слайда 6">
-            <a:extLst>
-              <a:ext uri="{FF2B5EF4-FFF2-40B4-BE49-F238E27FC236}">
-                <a16:creationId xmlns:a16="http://schemas.microsoft.com/office/drawing/2014/main" id="{B66822F5-61B2-471C-A933-C0E2F34E06E5}"/>
-              </a:ext>
-            </a:extLst>
-          </p:cNvPr>
-          <p:cNvSpPr>
-            <a:spLocks noGrp="1"/>
-          </p:cNvSpPr>
-          <p:nvPr>
-            <p:ph type="sldNum" sz="quarter" idx="12"/>
-          </p:nvPr>
-        </p:nvSpPr>
-        <p:spPr/>
-        <p:txBody>
-          <a:bodyPr/>
-          <a:lstStyle/>
-          <a:p>
-            <a:fld id="{F5F7BD9D-D9F0-4178-8503-A05219E63A73}" type="slidenum">
-              <a:rPr lang="ru-RU" smtClean="0"/>
-              <a:t>‹#›</a:t>
-            </a:fld>
-            <a:endParaRPr lang="ru-RU"/>
-          </a:p>
-        </p:txBody>
-      </p:sp>
-    </p:spTree>
-    <p:extLst>
-      <p:ext uri="{BB962C8B-B14F-4D97-AF65-F5344CB8AC3E}">
-        <p14:creationId xmlns:p14="http://schemas.microsoft.com/office/powerpoint/2010/main" val="977540640"/>
-      </p:ext>
-    </p:extLst>
-  </p:cSld>
-  <p:clrMapOvr>
-    <a:masterClrMapping/>
-  </p:clrMapOvr>
-</p:sldLayout>
-</file>
-
-<file path=ppt/slideLayouts/slideLayout9.xml><?xml version="1.0" encoding="utf-8"?>
-<p:sldLayout xmlns:a="http://schemas.openxmlformats.org/drawingml/2006/main" xmlns:r="http://schemas.openxmlformats.org/officeDocument/2006/relationships" xmlns:p="http://schemas.openxmlformats.org/presentationml/2006/main" type="picTx" preserve="1">
-  <p:cSld name="Рисунок с подписью">
-    <p:spTree>
-      <p:nvGrpSpPr>
-        <p:cNvPr id="1" name=""/>
-        <p:cNvGrpSpPr/>
-        <p:nvPr/>
-      </p:nvGrpSpPr>
-      <p:grpSpPr>
-        <a:xfrm>
-          <a:off x="0" y="0"/>
-          <a:ext cx="0" cy="0"/>
-          <a:chOff x="0" y="0"/>
-          <a:chExt cx="0" cy="0"/>
-        </a:xfrm>
-      </p:grpSpPr>
-      <p:sp>
-        <p:nvSpPr>
-          <p:cNvPr id="2" name="Заголовок 1">
-            <a:extLst>
-              <a:ext uri="{FF2B5EF4-FFF2-40B4-BE49-F238E27FC236}">
-                <a16:creationId xmlns:a16="http://schemas.microsoft.com/office/drawing/2014/main" id="{9D167F43-575E-46CB-80B4-1B17884556BD}"/>
-              </a:ext>
-            </a:extLst>
-          </p:cNvPr>
-          <p:cNvSpPr>
-            <a:spLocks noGrp="1"/>
-          </p:cNvSpPr>
-          <p:nvPr>
-            <p:ph type="title"/>
-          </p:nvPr>
-        </p:nvSpPr>
-        <p:spPr>
-          <a:xfrm>
-            <a:off x="839788" y="457200"/>
-            <a:ext cx="3932237" cy="1600200"/>
-          </a:xfrm>
-        </p:spPr>
-        <p:txBody>
-          <a:bodyPr anchor="b"/>
-          <a:lstStyle>
-            <a:lvl1pPr>
-              <a:defRPr sz="3200"/>
-            </a:lvl1pPr>
-          </a:lstStyle>
-          <a:p>
-            <a:r>
-              <a:rPr lang="ru-RU"/>
-              <a:t>Образец заголовка</a:t>
-            </a:r>
-          </a:p>
-        </p:txBody>
-      </p:sp>
-      <p:sp>
-        <p:nvSpPr>
-          <p:cNvPr id="3" name="Рисунок 2">
-            <a:extLst>
-              <a:ext uri="{FF2B5EF4-FFF2-40B4-BE49-F238E27FC236}">
-                <a16:creationId xmlns:a16="http://schemas.microsoft.com/office/drawing/2014/main" id="{E227AF19-1703-4833-9B6D-949055CAD2FD}"/>
-              </a:ext>
-            </a:extLst>
-          </p:cNvPr>
-          <p:cNvSpPr>
-            <a:spLocks noGrp="1"/>
-          </p:cNvSpPr>
-          <p:nvPr>
-            <p:ph type="pic" idx="1"/>
-          </p:nvPr>
-        </p:nvSpPr>
-        <p:spPr>
-          <a:xfrm>
-            <a:off x="5183188" y="987425"/>
-            <a:ext cx="6172200" cy="4873625"/>
-          </a:xfrm>
-        </p:spPr>
-        <p:txBody>
-          <a:bodyPr/>
-          <a:lstStyle>
-            <a:lvl1pPr marL="0" indent="0">
-              <a:buNone/>
-              <a:defRPr sz="3200"/>
-            </a:lvl1pPr>
-            <a:lvl2pPr marL="457200" indent="0">
-              <a:buNone/>
-              <a:defRPr sz="2800"/>
-            </a:lvl2pPr>
-            <a:lvl3pPr marL="914400" indent="0">
-              <a:buNone/>
-              <a:defRPr sz="2400"/>
-            </a:lvl3pPr>
-            <a:lvl4pPr marL="1371600" indent="0">
-              <a:buNone/>
-              <a:defRPr sz="2000"/>
-            </a:lvl4pPr>
-            <a:lvl5pPr marL="1828800" indent="0">
-              <a:buNone/>
-              <a:defRPr sz="2000"/>
-            </a:lvl5pPr>
-            <a:lvl6pPr marL="2286000" indent="0">
-              <a:buNone/>
-              <a:defRPr sz="2000"/>
-            </a:lvl6pPr>
-            <a:lvl7pPr marL="2743200" indent="0">
-              <a:buNone/>
-              <a:defRPr sz="2000"/>
-            </a:lvl7pPr>
-            <a:lvl8pPr marL="3200400" indent="0">
-              <a:buNone/>
-              <a:defRPr sz="2000"/>
-            </a:lvl8pPr>
-            <a:lvl9pPr marL="3657600" indent="0">
-              <a:buNone/>
-              <a:defRPr sz="2000"/>
-            </a:lvl9pPr>
-          </a:lstStyle>
-          <a:p>
-            <a:endParaRPr lang="ru-RU"/>
-          </a:p>
-        </p:txBody>
-      </p:sp>
-      <p:sp>
-        <p:nvSpPr>
-          <p:cNvPr id="4" name="Текст 3">
-            <a:extLst>
-              <a:ext uri="{FF2B5EF4-FFF2-40B4-BE49-F238E27FC236}">
-                <a16:creationId xmlns:a16="http://schemas.microsoft.com/office/drawing/2014/main" id="{78D9558E-5281-49BD-B261-7885D2CC4D51}"/>
-              </a:ext>
-            </a:extLst>
-          </p:cNvPr>
-          <p:cNvSpPr>
-            <a:spLocks noGrp="1"/>
-          </p:cNvSpPr>
-          <p:nvPr>
-            <p:ph type="body" sz="half" idx="2"/>
-          </p:nvPr>
-        </p:nvSpPr>
-        <p:spPr>
-          <a:xfrm>
-            <a:off x="839788" y="2057400"/>
-            <a:ext cx="3932237" cy="3811588"/>
-          </a:xfrm>
-        </p:spPr>
-        <p:txBody>
-          <a:bodyPr/>
-          <a:lstStyle>
-            <a:lvl1pPr marL="0" indent="0">
-              <a:buNone/>
-              <a:defRPr sz="1600"/>
-            </a:lvl1pPr>
-            <a:lvl2pPr marL="457200" indent="0">
-              <a:buNone/>
-              <a:defRPr sz="1400"/>
-            </a:lvl2pPr>
-            <a:lvl3pPr marL="914400" indent="0">
-              <a:buNone/>
-              <a:defRPr sz="1200"/>
-            </a:lvl3pPr>
-            <a:lvl4pPr marL="1371600" indent="0">
-              <a:buNone/>
-              <a:defRPr sz="1000"/>
-            </a:lvl4pPr>
-            <a:lvl5pPr marL="1828800" indent="0">
-              <a:buNone/>
-              <a:defRPr sz="1000"/>
-            </a:lvl5pPr>
-            <a:lvl6pPr marL="2286000" indent="0">
-              <a:buNone/>
-              <a:defRPr sz="1000"/>
-            </a:lvl6pPr>
-            <a:lvl7pPr marL="2743200" indent="0">
-              <a:buNone/>
-              <a:defRPr sz="1000"/>
-            </a:lvl7pPr>
-            <a:lvl8pPr marL="3200400" indent="0">
-              <a:buNone/>
-              <a:defRPr sz="1000"/>
-            </a:lvl8pPr>
-            <a:lvl9pPr marL="3657600" indent="0">
-              <a:buNone/>
-              <a:defRPr sz="1000"/>
-            </a:lvl9pPr>
-          </a:lstStyle>
-          <a:p>
-            <a:pPr lvl="0"/>
-            <a:r>
-              <a:rPr lang="ru-RU"/>
-              <a:t>Образец текста</a:t>
-            </a:r>
-          </a:p>
-        </p:txBody>
-      </p:sp>
-      <p:sp>
-        <p:nvSpPr>
-          <p:cNvPr id="5" name="Дата 4">
-            <a:extLst>
-              <a:ext uri="{FF2B5EF4-FFF2-40B4-BE49-F238E27FC236}">
-                <a16:creationId xmlns:a16="http://schemas.microsoft.com/office/drawing/2014/main" id="{1545E675-40D3-4A71-879C-3EED4B077210}"/>
-              </a:ext>
-            </a:extLst>
-          </p:cNvPr>
-          <p:cNvSpPr>
-            <a:spLocks noGrp="1"/>
-          </p:cNvSpPr>
-          <p:nvPr>
-            <p:ph type="dt" sz="half" idx="10"/>
-          </p:nvPr>
-        </p:nvSpPr>
-        <p:spPr/>
-        <p:txBody>
-          <a:bodyPr/>
-          <a:lstStyle/>
-          <a:p>
-            <a:r>
-              <a:rPr lang="ru-RU"/>
-              <a:t>2023</a:t>
-            </a:r>
-          </a:p>
-        </p:txBody>
-      </p:sp>
-      <p:sp>
-        <p:nvSpPr>
-          <p:cNvPr id="6" name="Нижний колонтитул 5">
-            <a:extLst>
-              <a:ext uri="{FF2B5EF4-FFF2-40B4-BE49-F238E27FC236}">
-                <a16:creationId xmlns:a16="http://schemas.microsoft.com/office/drawing/2014/main" id="{5A5EBF0D-4974-4DBF-9FA3-F2ED27DAE2BC}"/>
-              </a:ext>
-            </a:extLst>
-          </p:cNvPr>
-          <p:cNvSpPr>
-            <a:spLocks noGrp="1"/>
-          </p:cNvSpPr>
-          <p:nvPr>
-            <p:ph type="ftr" sz="quarter" idx="11"/>
-          </p:nvPr>
-        </p:nvSpPr>
-        <p:spPr/>
-        <p:txBody>
-          <a:bodyPr/>
-          <a:lstStyle/>
-          <a:p>
-            <a:r>
-              <a:rPr lang="ru-RU"/>
-              <a:t>Борик Р. Д</a:t>
-            </a:r>
-          </a:p>
-        </p:txBody>
-      </p:sp>
-      <p:sp>
-        <p:nvSpPr>
-          <p:cNvPr id="7" name="Номер слайда 6">
-            <a:extLst>
-              <a:ext uri="{FF2B5EF4-FFF2-40B4-BE49-F238E27FC236}">
-                <a16:creationId xmlns:a16="http://schemas.microsoft.com/office/drawing/2014/main" id="{5BC3EB43-C43B-4A3A-9BA8-EE4CA54C1A72}"/>
-              </a:ext>
-            </a:extLst>
-          </p:cNvPr>
-          <p:cNvSpPr>
-            <a:spLocks noGrp="1"/>
-          </p:cNvSpPr>
-          <p:nvPr>
-            <p:ph type="sldNum" sz="quarter" idx="12"/>
-          </p:nvPr>
-        </p:nvSpPr>
-        <p:spPr/>
-        <p:txBody>
-          <a:bodyPr/>
-          <a:lstStyle/>
-          <a:p>
-            <a:fld id="{F5F7BD9D-D9F0-4178-8503-A05219E63A73}" type="slidenum">
-              <a:rPr lang="ru-RU" smtClean="0"/>
-              <a:t>‹#›</a:t>
-            </a:fld>
-            <a:endParaRPr lang="ru-RU"/>
-          </a:p>
-        </p:txBody>
-      </p:sp>
-    </p:spTree>
-    <p:extLst>
-      <p:ext uri="{BB962C8B-B14F-4D97-AF65-F5344CB8AC3E}">
-        <p14:creationId xmlns:p14="http://schemas.microsoft.com/office/powerpoint/2010/main" val="202099892"/>
-      </p:ext>
-    </p:extLst>
-  </p:cSld>
-  <p:clrMapOvr>
-    <a:masterClrMapping/>
-  </p:clrMapOvr>
-</p:sldLayout>
-</file>
-
 <file path=ppt/slideMasters/slideMaster1.xml><?xml version="1.0" encoding="utf-8"?>
-<p:sldMaster xmlns:a="http://schemas.openxmlformats.org/drawingml/2006/main" xmlns:r="http://schemas.openxmlformats.org/officeDocument/2006/relationships" xmlns:p="http://schemas.openxmlformats.org/presentationml/2006/main">
-  <p:cSld>
-    <p:bg>
-      <p:bgPr>
-        <a:blipFill dpi="0" rotWithShape="1">
-          <a:blip r:embed="rId13">
-            <a:lum/>
-          </a:blip>
-          <a:srcRect/>
-          <a:stretch>
-            <a:fillRect l="2000" t="77000" r="92000" b="2000"/>
-          </a:stretch>
-        </a:blipFill>
-        <a:effectLst/>
-      </p:bgPr>
-    </p:bg>
-    <p:spTree>
-      <p:nvGrpSpPr>
-        <p:cNvPr id="1" name=""/>
-        <p:cNvGrpSpPr/>
-        <p:nvPr/>
-      </p:nvGrpSpPr>
-      <p:grpSpPr>
-        <a:xfrm>
-          <a:off x="0" y="0"/>
-          <a:ext cx="0" cy="0"/>
-          <a:chOff x="0" y="0"/>
-          <a:chExt cx="0" cy="0"/>
-        </a:xfrm>
-      </p:grpSpPr>
-      <p:sp>
-        <p:nvSpPr>
-          <p:cNvPr id="2" name="Заголовок 1">
-            <a:extLst>
-              <a:ext uri="{FF2B5EF4-FFF2-40B4-BE49-F238E27FC236}">
-                <a16:creationId xmlns:a16="http://schemas.microsoft.com/office/drawing/2014/main" id="{68B0C46D-BE07-49AC-8198-707E027DEC55}"/>
-              </a:ext>
-            </a:extLst>
-          </p:cNvPr>
-          <p:cNvSpPr>
-            <a:spLocks noGrp="1"/>
-          </p:cNvSpPr>
-          <p:nvPr>
-            <p:ph type="title"/>
-          </p:nvPr>
-        </p:nvSpPr>
-        <p:spPr>
-          <a:xfrm>
-            <a:off x="838200" y="365125"/>
-            <a:ext cx="10515600" cy="1325563"/>
-          </a:xfrm>
-          <a:prstGeom prst="rect">
-            <a:avLst/>
-          </a:prstGeom>
-        </p:spPr>
-        <p:txBody>
-          <a:bodyPr vert="horz" lIns="91440" tIns="45720" rIns="91440" bIns="45720" rtlCol="0" anchor="ctr">
-            <a:normAutofit/>
-          </a:bodyPr>
-          <a:lstStyle/>
-          <a:p>
-            <a:r>
-              <a:rPr lang="ru-RU"/>
-              <a:t>Образец заголовка</a:t>
-            </a:r>
-          </a:p>
-        </p:txBody>
-      </p:sp>
-      <p:sp>
-        <p:nvSpPr>
-          <p:cNvPr id="3" name="Текст 2">
-            <a:extLst>
-              <a:ext uri="{FF2B5EF4-FFF2-40B4-BE49-F238E27FC236}">
-                <a16:creationId xmlns:a16="http://schemas.microsoft.com/office/drawing/2014/main" id="{BA4D3DFA-3EAB-4823-BBA8-17227065CB9D}"/>
-              </a:ext>
-            </a:extLst>
-          </p:cNvPr>
-          <p:cNvSpPr>
-            <a:spLocks noGrp="1"/>
-          </p:cNvSpPr>
-          <p:nvPr>
-            <p:ph type="body" idx="1"/>
-          </p:nvPr>
-        </p:nvSpPr>
-        <p:spPr>
-          <a:xfrm>
-            <a:off x="838200" y="1825625"/>
-            <a:ext cx="10515600" cy="4351338"/>
-          </a:xfrm>
-          <a:prstGeom prst="rect">
-            <a:avLst/>
-          </a:prstGeom>
-        </p:spPr>
-        <p:txBody>
-          <a:bodyPr vert="horz" lIns="91440" tIns="45720" rIns="91440" bIns="45720" rtlCol="0">
-            <a:normAutofit/>
-          </a:bodyPr>
-          <a:lstStyle/>
-          <a:p>
-            <a:pPr lvl="0"/>
-            <a:r>
-              <a:rPr lang="ru-RU"/>
-              <a:t>Образец текста</a:t>
-            </a:r>
-          </a:p>
-          <a:p>
-            <a:pPr lvl="1"/>
-            <a:r>
-              <a:rPr lang="ru-RU"/>
-              <a:t>Второй уровень</a:t>
-            </a:r>
-          </a:p>
-          <a:p>
-            <a:pPr lvl="2"/>
-            <a:r>
-              <a:rPr lang="ru-RU"/>
-              <a:t>Третий уровень</a:t>
-            </a:r>
-          </a:p>
-          <a:p>
-            <a:pPr lvl="3"/>
-            <a:r>
-              <a:rPr lang="ru-RU"/>
-              <a:t>Четвертый уровень</a:t>
-            </a:r>
-          </a:p>
-          <a:p>
-            <a:pPr lvl="4"/>
-            <a:r>
-              <a:rPr lang="ru-RU"/>
-              <a:t>Пятый уровень</a:t>
-            </a:r>
-          </a:p>
-        </p:txBody>
-      </p:sp>
-      <p:sp>
-        <p:nvSpPr>
-          <p:cNvPr id="4" name="Дата 3">
-            <a:extLst>
-              <a:ext uri="{FF2B5EF4-FFF2-40B4-BE49-F238E27FC236}">
-                <a16:creationId xmlns:a16="http://schemas.microsoft.com/office/drawing/2014/main" id="{AA4A8A12-0459-4FB5-9911-CB110E24659C}"/>
-              </a:ext>
-            </a:extLst>
-          </p:cNvPr>
-          <p:cNvSpPr>
-            <a:spLocks noGrp="1"/>
-          </p:cNvSpPr>
-          <p:nvPr>
-            <p:ph type="dt" sz="half" idx="2"/>
-          </p:nvPr>
-        </p:nvSpPr>
-        <p:spPr>
-          <a:xfrm>
-            <a:off x="838200" y="6356350"/>
-            <a:ext cx="2743200" cy="365125"/>
-          </a:xfrm>
-          <a:prstGeom prst="rect">
-            <a:avLst/>
-          </a:prstGeom>
-        </p:spPr>
-        <p:txBody>
-          <a:bodyPr vert="horz" lIns="91440" tIns="45720" rIns="91440" bIns="45720" rtlCol="0" anchor="ctr"/>
-          <a:lstStyle>
-            <a:lvl1pPr algn="l">
-              <a:defRPr sz="1200">
-                <a:solidFill>
-                  <a:schemeClr val="tx1">
-                    <a:tint val="75000"/>
-                  </a:schemeClr>
-                </a:solidFill>
-              </a:defRPr>
-            </a:lvl1pPr>
-          </a:lstStyle>
-          <a:p>
-            <a:r>
-              <a:rPr lang="ru-RU"/>
-              <a:t>2023</a:t>
-            </a:r>
-          </a:p>
-        </p:txBody>
-      </p:sp>
-      <p:sp>
-        <p:nvSpPr>
-          <p:cNvPr id="5" name="Нижний колонтитул 4">
-            <a:extLst>
-              <a:ext uri="{FF2B5EF4-FFF2-40B4-BE49-F238E27FC236}">
-                <a16:creationId xmlns:a16="http://schemas.microsoft.com/office/drawing/2014/main" id="{155F0072-D555-48A7-A503-01122F85AD34}"/>
-              </a:ext>
-            </a:extLst>
-          </p:cNvPr>
-          <p:cNvSpPr>
-            <a:spLocks noGrp="1"/>
-          </p:cNvSpPr>
-          <p:nvPr>
-            <p:ph type="ftr" sz="quarter" idx="3"/>
-          </p:nvPr>
-        </p:nvSpPr>
-        <p:spPr>
-          <a:xfrm>
-            <a:off x="4038600" y="6356350"/>
-            <a:ext cx="4114800" cy="365125"/>
-          </a:xfrm>
-          <a:prstGeom prst="rect">
-            <a:avLst/>
-          </a:prstGeom>
-        </p:spPr>
-        <p:txBody>
-          <a:bodyPr vert="horz" lIns="91440" tIns="45720" rIns="91440" bIns="45720" rtlCol="0" anchor="ctr"/>
-          <a:lstStyle>
-            <a:lvl1pPr algn="ctr">
-              <a:defRPr sz="1200">
-                <a:solidFill>
-                  <a:schemeClr val="tx1">
-                    <a:tint val="75000"/>
-                  </a:schemeClr>
-                </a:solidFill>
-              </a:defRPr>
-            </a:lvl1pPr>
-          </a:lstStyle>
-          <a:p>
-            <a:r>
-              <a:rPr lang="ru-RU"/>
-              <a:t>Борик Р. Д</a:t>
-            </a:r>
-          </a:p>
-        </p:txBody>
-      </p:sp>
-      <p:sp>
-        <p:nvSpPr>
-          <p:cNvPr id="6" name="Номер слайда 5">
-            <a:extLst>
-              <a:ext uri="{FF2B5EF4-FFF2-40B4-BE49-F238E27FC236}">
-                <a16:creationId xmlns:a16="http://schemas.microsoft.com/office/drawing/2014/main" id="{23041593-89E5-4ECF-BBA3-73DBE9339789}"/>
-              </a:ext>
-            </a:extLst>
-          </p:cNvPr>
-          <p:cNvSpPr>
-            <a:spLocks noGrp="1"/>
-          </p:cNvSpPr>
-          <p:nvPr>
-            <p:ph type="sldNum" sz="quarter" idx="4"/>
-          </p:nvPr>
-        </p:nvSpPr>
-        <p:spPr>
-          <a:xfrm>
-            <a:off x="8610600" y="6356350"/>
-            <a:ext cx="2743200" cy="365125"/>
-          </a:xfrm>
-          <a:prstGeom prst="rect">
-            <a:avLst/>
-          </a:prstGeom>
-        </p:spPr>
-        <p:txBody>
-          <a:bodyPr vert="horz" lIns="91440" tIns="45720" rIns="91440" bIns="45720" rtlCol="0" anchor="ctr"/>
-          <a:lstStyle>
-            <a:lvl1pPr algn="r">
-              <a:defRPr sz="1200">
-                <a:solidFill>
-                  <a:schemeClr val="tx1">
-                    <a:tint val="75000"/>
-                  </a:schemeClr>
-                </a:solidFill>
-              </a:defRPr>
-            </a:lvl1pPr>
-          </a:lstStyle>
-          <a:p>
-            <a:fld id="{F5F7BD9D-D9F0-4178-8503-A05219E63A73}" type="slidenum">
-              <a:rPr lang="ru-RU" smtClean="0"/>
-              <a:t>‹#›</a:t>
-            </a:fld>
-            <a:endParaRPr lang="ru-RU"/>
-          </a:p>
-        </p:txBody>
-      </p:sp>
-    </p:spTree>
-    <p:extLst>
-      <p:ext uri="{BB962C8B-B14F-4D97-AF65-F5344CB8AC3E}">
-        <p14:creationId xmlns:p14="http://schemas.microsoft.com/office/powerpoint/2010/main" val="326782186"/>
-      </p:ext>
-    </p:extLst>
-  </p:cSld>
-  <p:clrMap bg1="lt1" tx1="dk1" bg2="lt2" tx2="dk2" accent1="accent1" accent2="accent2" accent3="accent3" accent4="accent4" accent5="accent5" accent6="accent6" hlink="hlink" folHlink="folHlink"/>
-  <p:sldLayoutIdLst>
-    <p:sldLayoutId id="2147483649" r:id="rId1"/>
-    <p:sldLayoutId id="2147483650" r:id="rId2"/>
-    <p:sldLayoutId id="2147483651" r:id="rId3"/>
-    <p:sldLayoutId id="2147483652" r:id="rId4"/>
-    <p:sldLayoutId id="2147483653" r:id="rId5"/>
-    <p:sldLayoutId id="2147483654" r:id="rId6"/>
-    <p:sldLayoutId id="2147483655" r:id="rId7"/>
-    <p:sldLayoutId id="2147483656" r:id="rId8"/>
-    <p:sldLayoutId id="2147483657" r:id="rId9"/>
-    <p:sldLayoutId id="2147483658" r:id="rId10"/>
-    <p:sldLayoutId id="2147483659" r:id="rId11"/>
-  </p:sldLayoutIdLst>
-  <p:hf sldNum="0" hdr="0"/>
-  <p:txStyles>
-    <p:titleStyle>
-      <a:lvl1pPr algn="l" defTabSz="914400" rtl="0" eaLnBrk="1" latinLnBrk="0" hangingPunct="1">
-        <a:lnSpc>
-          <a:spcPct val="90000"/>
-        </a:lnSpc>
-        <a:spcBef>
-          <a:spcPct val="0"/>
-        </a:spcBef>
-        <a:buNone/>
-        <a:defRPr sz="4400" kern="1200">
-          <a:solidFill>
-            <a:schemeClr val="tx1"/>
-          </a:solidFill>
-          <a:latin typeface="+mj-lt"/>
-          <a:ea typeface="+mj-ea"/>
-          <a:cs typeface="+mj-cs"/>
-        </a:defRPr>
-      </a:lvl1pPr>
-    </p:titleStyle>
-    <p:bodyStyle>
-      <a:lvl1pPr marL="228600" indent="-228600" algn="l" defTabSz="914400" rtl="0" eaLnBrk="1" latinLnBrk="0" hangingPunct="1">
-        <a:lnSpc>
-          <a:spcPct val="90000"/>
-        </a:lnSpc>
-        <a:spcBef>
-          <a:spcPts val="1000"/>
-        </a:spcBef>
-        <a:buFont typeface="Arial" panose="020B0604020202020204" pitchFamily="34" charset="0"/>
-        <a:buChar char="•"/>
-        <a:defRPr sz="2800" kern="1200">
-          <a:solidFill>
-            <a:schemeClr val="tx1"/>
-          </a:solidFill>
-          <a:latin typeface="+mn-lt"/>
-          <a:ea typeface="+mn-ea"/>
-          <a:cs typeface="+mn-cs"/>
-        </a:defRPr>
-      </a:lvl1pPr>
-      <a:lvl2pPr marL="685800" indent="-228600" algn="l" defTabSz="914400" rtl="0" eaLnBrk="1" latinLnBrk="0" hangingPunct="1">
-        <a:lnSpc>
-          <a:spcPct val="90000"/>
-        </a:lnSpc>
-        <a:spcBef>
-          <a:spcPts val="500"/>
-        </a:spcBef>
-        <a:buFont typeface="Arial" panose="020B0604020202020204" pitchFamily="34" charset="0"/>
-        <a:buChar char="•"/>
-        <a:defRPr sz="2400" kern="1200">
-          <a:solidFill>
-            <a:schemeClr val="tx1"/>
-          </a:solidFill>
-          <a:latin typeface="+mn-lt"/>
-          <a:ea typeface="+mn-ea"/>
-          <a:cs typeface="+mn-cs"/>
-        </a:defRPr>
-      </a:lvl2pPr>
-      <a:lvl3pPr marL="1143000" indent="-228600" algn="l" defTabSz="914400" rtl="0" eaLnBrk="1" latinLnBrk="0" hangingPunct="1">
-        <a:lnSpc>
-          <a:spcPct val="90000"/>
-        </a:lnSpc>
-        <a:spcBef>
-          <a:spcPts val="500"/>
-        </a:spcBef>
-        <a:buFont typeface="Arial" panose="020B0604020202020204" pitchFamily="34" charset="0"/>
-        <a:buChar char="•"/>
-        <a:defRPr sz="2000" kern="1200">
-          <a:solidFill>
-            <a:schemeClr val="tx1"/>
-          </a:solidFill>
-          <a:latin typeface="+mn-lt"/>
-          <a:ea typeface="+mn-ea"/>
-          <a:cs typeface="+mn-cs"/>
-        </a:defRPr>
-      </a:lvl3pPr>
-      <a:lvl4pPr marL="1600200" indent="-228600" algn="l" defTabSz="914400" rtl="0" eaLnBrk="1" latinLnBrk="0" hangingPunct="1">
-        <a:lnSpc>
-          <a:spcPct val="90000"/>
-        </a:lnSpc>
-        <a:spcBef>
-          <a:spcPts val="500"/>
-        </a:spcBef>
-        <a:buFont typeface="Arial" panose="020B0604020202020204" pitchFamily="34" charset="0"/>
-        <a:buChar char="•"/>
-        <a:defRPr sz="1800" kern="1200">
-          <a:solidFill>
-            <a:schemeClr val="tx1"/>
-          </a:solidFill>
-          <a:latin typeface="+mn-lt"/>
-          <a:ea typeface="+mn-ea"/>
-          <a:cs typeface="+mn-cs"/>
-        </a:defRPr>
-      </a:lvl4pPr>
-      <a:lvl5pPr marL="2057400" indent="-228600" algn="l" defTabSz="914400" rtl="0" eaLnBrk="1" latinLnBrk="0" hangingPunct="1">
-        <a:lnSpc>
-          <a:spcPct val="90000"/>
-        </a:lnSpc>
-        <a:spcBef>
-          <a:spcPts val="500"/>
-        </a:spcBef>
-        <a:buFont typeface="Arial" panose="020B0604020202020204" pitchFamily="34" charset="0"/>
-        <a:buChar char="•"/>
-        <a:defRPr sz="1800" kern="1200">
-          <a:solidFill>
-            <a:schemeClr val="tx1"/>
-          </a:solidFill>
-          <a:latin typeface="+mn-lt"/>
-          <a:ea typeface="+mn-ea"/>
-          <a:cs typeface="+mn-cs"/>
-        </a:defRPr>
-      </a:lvl5pPr>
-      <a:lvl6pPr marL="2514600" indent="-228600" algn="l" defTabSz="914400" rtl="0" eaLnBrk="1" latinLnBrk="0" hangingPunct="1">
-        <a:lnSpc>
-          <a:spcPct val="90000"/>
-        </a:lnSpc>
-        <a:spcBef>
-          <a:spcPts val="500"/>
-        </a:spcBef>
-        <a:buFont typeface="Arial" panose="020B0604020202020204" pitchFamily="34" charset="0"/>
-        <a:buChar char="•"/>
-        <a:defRPr sz="1800" kern="1200">
-          <a:solidFill>
-            <a:schemeClr val="tx1"/>
-          </a:solidFill>
-          <a:latin typeface="+mn-lt"/>
-          <a:ea typeface="+mn-ea"/>
-          <a:cs typeface="+mn-cs"/>
-        </a:defRPr>
-      </a:lvl6pPr>
-      <a:lvl7pPr marL="2971800" indent="-228600" algn="l" defTabSz="914400" rtl="0" eaLnBrk="1" latinLnBrk="0" hangingPunct="1">
-        <a:lnSpc>
-          <a:spcPct val="90000"/>
-        </a:lnSpc>
-        <a:spcBef>
-          <a:spcPts val="500"/>
-        </a:spcBef>
-        <a:buFont typeface="Arial" panose="020B0604020202020204" pitchFamily="34" charset="0"/>
-        <a:buChar char="•"/>
-        <a:defRPr sz="1800" kern="1200">
-          <a:solidFill>
-            <a:schemeClr val="tx1"/>
-          </a:solidFill>
-          <a:latin typeface="+mn-lt"/>
-          <a:ea typeface="+mn-ea"/>
-          <a:cs typeface="+mn-cs"/>
-        </a:defRPr>
-      </a:lvl7pPr>
-      <a:lvl8pPr marL="3429000" indent="-228600" algn="l" defTabSz="914400" rtl="0" eaLnBrk="1" latinLnBrk="0" hangingPunct="1">
-        <a:lnSpc>
-          <a:spcPct val="90000"/>
-        </a:lnSpc>
-        <a:spcBef>
-          <a:spcPts val="500"/>
-        </a:spcBef>
-        <a:buFont typeface="Arial" panose="020B0604020202020204" pitchFamily="34" charset="0"/>
-        <a:buChar char="•"/>
-        <a:defRPr sz="1800" kern="1200">
-          <a:solidFill>
-            <a:schemeClr val="tx1"/>
-          </a:solidFill>
-          <a:latin typeface="+mn-lt"/>
-          <a:ea typeface="+mn-ea"/>
-          <a:cs typeface="+mn-cs"/>
-        </a:defRPr>
-      </a:lvl8pPr>
-      <a:lvl9pPr marL="3886200" indent="-228600" algn="l" defTabSz="914400" rtl="0" eaLnBrk="1" latinLnBrk="0" hangingPunct="1">
-        <a:lnSpc>
-          <a:spcPct val="90000"/>
-        </a:lnSpc>
-        <a:spcBef>
-          <a:spcPts val="500"/>
-        </a:spcBef>
-        <a:buFont typeface="Arial" panose="020B0604020202020204" pitchFamily="34" charset="0"/>
-        <a:buChar char="•"/>
-        <a:defRPr sz="1800" kern="1200">
-          <a:solidFill>
-            <a:schemeClr val="tx1"/>
-          </a:solidFill>
-          <a:latin typeface="+mn-lt"/>
-          <a:ea typeface="+mn-ea"/>
-          <a:cs typeface="+mn-cs"/>
-        </a:defRPr>
-      </a:lvl9pPr>
-    </p:bodyStyle>
-    <p:otherStyle>
-      <a:defPPr>
-        <a:defRPr lang="ru-RU"/>
-      </a:defPPr>
-      <a:lvl1pPr marL="0" algn="l" defTabSz="914400" rtl="0" eaLnBrk="1" latinLnBrk="0" hangingPunct="1">
-        <a:defRPr sz="1800" kern="1200">
-          <a:solidFill>
-            <a:schemeClr val="tx1"/>
-          </a:solidFill>
-          <a:latin typeface="+mn-lt"/>
-          <a:ea typeface="+mn-ea"/>
-          <a:cs typeface="+mn-cs"/>
-        </a:defRPr>
-      </a:lvl1pPr>
-      <a:lvl2pPr marL="457200" algn="l" defTabSz="914400" rtl="0" eaLnBrk="1" latinLnBrk="0" hangingPunct="1">
-        <a:defRPr sz="1800" kern="1200">
-          <a:solidFill>
-            <a:schemeClr val="tx1"/>
-          </a:solidFill>
-          <a:latin typeface="+mn-lt"/>
-          <a:ea typeface="+mn-ea"/>
-          <a:cs typeface="+mn-cs"/>
-        </a:defRPr>
-      </a:lvl2pPr>
-      <a:lvl3pPr marL="914400" algn="l" defTabSz="914400" rtl="0" eaLnBrk="1" latinLnBrk="0" hangingPunct="1">
-        <a:defRPr sz="1800" kern="1200">
-          <a:solidFill>
-            <a:schemeClr val="tx1"/>
-          </a:solidFill>
-          <a:latin typeface="+mn-lt"/>
-          <a:ea typeface="+mn-ea"/>
-          <a:cs typeface="+mn-cs"/>
-        </a:defRPr>
-      </a:lvl3pPr>
-      <a:lvl4pPr marL="1371600" algn="l" defTabSz="914400" rtl="0" eaLnBrk="1" latinLnBrk="0" hangingPunct="1">
-        <a:defRPr sz="1800" kern="1200">
-          <a:solidFill>
-            <a:schemeClr val="tx1"/>
-          </a:solidFill>
-          <a:latin typeface="+mn-lt"/>
-          <a:ea typeface="+mn-ea"/>
-          <a:cs typeface="+mn-cs"/>
-        </a:defRPr>
-      </a:lvl4pPr>
-      <a:lvl5pPr marL="1828800" algn="l" defTabSz="914400" rtl="0" eaLnBrk="1" latinLnBrk="0" hangingPunct="1">
-        <a:defRPr sz="1800" kern="1200">
-          <a:solidFill>
-            <a:schemeClr val="tx1"/>
-          </a:solidFill>
-          <a:latin typeface="+mn-lt"/>
-          <a:ea typeface="+mn-ea"/>
-          <a:cs typeface="+mn-cs"/>
-        </a:defRPr>
-      </a:lvl5pPr>
-      <a:lvl6pPr marL="2286000" algn="l" defTabSz="914400" rtl="0" eaLnBrk="1" latinLnBrk="0" hangingPunct="1">
-        <a:defRPr sz="1800" kern="1200">
-          <a:solidFill>
-            <a:schemeClr val="tx1"/>
-          </a:solidFill>
-          <a:latin typeface="+mn-lt"/>
-          <a:ea typeface="+mn-ea"/>
-          <a:cs typeface="+mn-cs"/>
-        </a:defRPr>
-      </a:lvl6pPr>
-      <a:lvl7pPr marL="2743200" algn="l" defTabSz="914400" rtl="0" eaLnBrk="1" latinLnBrk="0" hangingPunct="1">
-        <a:defRPr sz="1800" kern="1200">
-          <a:solidFill>
-            <a:schemeClr val="tx1"/>
-          </a:solidFill>
-          <a:latin typeface="+mn-lt"/>
-          <a:ea typeface="+mn-ea"/>
-          <a:cs typeface="+mn-cs"/>
-        </a:defRPr>
-      </a:lvl7pPr>
-      <a:lvl8pPr marL="3200400" algn="l" defTabSz="914400" rtl="0" eaLnBrk="1" latinLnBrk="0" hangingPunct="1">
-        <a:defRPr sz="1800" kern="1200">
-          <a:solidFill>
-            <a:schemeClr val="tx1"/>
-          </a:solidFill>
-          <a:latin typeface="+mn-lt"/>
-          <a:ea typeface="+mn-ea"/>
-          <a:cs typeface="+mn-cs"/>
-        </a:defRPr>
-      </a:lvl8pPr>
-      <a:lvl9pPr marL="3657600" algn="l" defTabSz="914400" rtl="0" eaLnBrk="1" latinLnBrk="0" hangingPunct="1">
-        <a:defRPr sz="1800" kern="1200">
-          <a:solidFill>
-            <a:schemeClr val="tx1"/>
-          </a:solidFill>
-          <a:latin typeface="+mn-lt"/>
-          <a:ea typeface="+mn-ea"/>
-          <a:cs typeface="+mn-cs"/>
-        </a:defRPr>
-      </a:lvl9pPr>
-    </p:otherStyle>
-  </p:txStyles>
-</p:sldMaster>
-</file>
-
-<file path=ppt/slideMasters/slideMaster2.xml><?xml version="1.0" encoding="utf-8"?>
 <p:sldMaster xmlns:a="http://schemas.openxmlformats.org/drawingml/2006/main" xmlns:r="http://schemas.openxmlformats.org/officeDocument/2006/relationships" xmlns:p="http://schemas.openxmlformats.org/presentationml/2006/main">
   <p:cSld>
     <p:bg>
@@ -6940,6 +3708,14 @@
 <file path=ppt/slides/slide1.xml><?xml version="1.0" encoding="utf-8"?>
 <p:sld xmlns:a="http://schemas.openxmlformats.org/drawingml/2006/main" xmlns:r="http://schemas.openxmlformats.org/officeDocument/2006/relationships" xmlns:p="http://schemas.openxmlformats.org/presentationml/2006/main">
   <p:cSld>
+    <p:bg>
+      <p:bgPr>
+        <a:solidFill>
+          <a:schemeClr val="bg1"/>
+        </a:solidFill>
+        <a:effectLst/>
+      </p:bgPr>
+    </p:bg>
     <p:spTree>
       <p:nvGrpSpPr>
         <p:cNvPr id="1" name=""/>
@@ -6954,6 +3730,42 @@
           <a:chExt cx="0" cy="0"/>
         </a:xfrm>
       </p:grpSpPr>
+      <p:pic>
+        <p:nvPicPr>
+          <p:cNvPr id="9" name="Рисунок 8">
+            <a:extLst>
+              <a:ext uri="{FF2B5EF4-FFF2-40B4-BE49-F238E27FC236}">
+                <a16:creationId xmlns:a16="http://schemas.microsoft.com/office/drawing/2014/main" id="{8DE12EC7-E20F-4BE7-8069-C50EE7018237}"/>
+              </a:ext>
+            </a:extLst>
+          </p:cNvPr>
+          <p:cNvPicPr>
+            <a:picLocks noChangeAspect="1"/>
+          </p:cNvPicPr>
+          <p:nvPr/>
+        </p:nvPicPr>
+        <p:blipFill>
+          <a:blip r:embed="rId2">
+            <a:extLst>
+              <a:ext uri="{28A0092B-C50C-407E-A947-70E740481C1C}">
+                <a14:useLocalDpi xmlns:a14="http://schemas.microsoft.com/office/drawing/2010/main" val="0"/>
+              </a:ext>
+            </a:extLst>
+          </a:blip>
+          <a:stretch>
+            <a:fillRect/>
+          </a:stretch>
+        </p:blipFill>
+        <p:spPr>
+          <a:xfrm>
+            <a:off x="249670" y="4879059"/>
+            <a:ext cx="2920914" cy="1776982"/>
+          </a:xfrm>
+          <a:prstGeom prst="rect">
+            <a:avLst/>
+          </a:prstGeom>
+        </p:spPr>
+      </p:pic>
       <p:sp>
         <p:nvSpPr>
           <p:cNvPr id="2" name="Заголовок 1">
@@ -7034,7 +3846,7 @@
         <p:spPr>
           <a:xfrm>
             <a:off x="1524000" y="3015441"/>
-            <a:ext cx="9144000" cy="2752109"/>
+            <a:ext cx="9144000" cy="3640600"/>
           </a:xfrm>
         </p:spPr>
         <p:txBody>
@@ -11909,6 +8721,18 @@
               <a:rPr lang="ru-RU" dirty="0"/>
               <a:t>Тестирующая система</a:t>
             </a:r>
+          </a:p>
+          <a:p>
+            <a:pPr lvl="1"/>
+            <a:r>
+              <a:rPr lang="ru-RU" dirty="0"/>
+              <a:t>Набор тестов </a:t>
+            </a:r>
+            <a:r>
+              <a:rPr lang="ru-RU"/>
+              <a:t>на корректность</a:t>
+            </a:r>
+            <a:endParaRPr lang="ru-RU" dirty="0"/>
           </a:p>
           <a:p>
             <a:r>
@@ -14320,7 +11144,7 @@
 </file>
 
 <file path=ppt/theme/theme1.xml><?xml version="1.0" encoding="utf-8"?>
-<a:theme xmlns:a="http://schemas.openxmlformats.org/drawingml/2006/main" name="Тема Office">
+<a:theme xmlns:a="http://schemas.openxmlformats.org/drawingml/2006/main" name="1_Тема Office">
   <a:themeElements>
     <a:clrScheme name="Стандартная">
       <a:dk1>
@@ -14615,301 +11439,6 @@
 </file>
 
 <file path=ppt/theme/theme2.xml><?xml version="1.0" encoding="utf-8"?>
-<a:theme xmlns:a="http://schemas.openxmlformats.org/drawingml/2006/main" name="1_Тема Office">
-  <a:themeElements>
-    <a:clrScheme name="Стандартная">
-      <a:dk1>
-        <a:sysClr val="windowText" lastClr="000000"/>
-      </a:dk1>
-      <a:lt1>
-        <a:sysClr val="window" lastClr="FFFFFF"/>
-      </a:lt1>
-      <a:dk2>
-        <a:srgbClr val="44546A"/>
-      </a:dk2>
-      <a:lt2>
-        <a:srgbClr val="E7E6E6"/>
-      </a:lt2>
-      <a:accent1>
-        <a:srgbClr val="4472C4"/>
-      </a:accent1>
-      <a:accent2>
-        <a:srgbClr val="ED7D31"/>
-      </a:accent2>
-      <a:accent3>
-        <a:srgbClr val="A5A5A5"/>
-      </a:accent3>
-      <a:accent4>
-        <a:srgbClr val="FFC000"/>
-      </a:accent4>
-      <a:accent5>
-        <a:srgbClr val="5B9BD5"/>
-      </a:accent5>
-      <a:accent6>
-        <a:srgbClr val="70AD47"/>
-      </a:accent6>
-      <a:hlink>
-        <a:srgbClr val="0563C1"/>
-      </a:hlink>
-      <a:folHlink>
-        <a:srgbClr val="954F72"/>
-      </a:folHlink>
-    </a:clrScheme>
-    <a:fontScheme name="Стандартная">
-      <a:majorFont>
-        <a:latin typeface="Calibri Light" panose="020F0302020204030204"/>
-        <a:ea typeface=""/>
-        <a:cs typeface=""/>
-        <a:font script="Jpan" typeface="游ゴシック Light"/>
-        <a:font script="Hang" typeface="맑은 고딕"/>
-        <a:font script="Hans" typeface="等线 Light"/>
-        <a:font script="Hant" typeface="新細明體"/>
-        <a:font script="Arab" typeface="Times New Roman"/>
-        <a:font script="Hebr" typeface="Times New Roman"/>
-        <a:font script="Thai" typeface="Angsana New"/>
-        <a:font script="Ethi" typeface="Nyala"/>
-        <a:font script="Beng" typeface="Vrinda"/>
-        <a:font script="Gujr" typeface="Shruti"/>
-        <a:font script="Khmr" typeface="MoolBoran"/>
-        <a:font script="Knda" typeface="Tunga"/>
-        <a:font script="Guru" typeface="Raavi"/>
-        <a:font script="Cans" typeface="Euphemia"/>
-        <a:font script="Cher" typeface="Plantagenet Cherokee"/>
-        <a:font script="Yiii" typeface="Microsoft Yi Baiti"/>
-        <a:font script="Tibt" typeface="Microsoft Himalaya"/>
-        <a:font script="Thaa" typeface="MV Boli"/>
-        <a:font script="Deva" typeface="Mangal"/>
-        <a:font script="Telu" typeface="Gautami"/>
-        <a:font script="Taml" typeface="Latha"/>
-        <a:font script="Syrc" typeface="Estrangelo Edessa"/>
-        <a:font script="Orya" typeface="Kalinga"/>
-        <a:font script="Mlym" typeface="Kartika"/>
-        <a:font script="Laoo" typeface="DokChampa"/>
-        <a:font script="Sinh" typeface="Iskoola Pota"/>
-        <a:font script="Mong" typeface="Mongolian Baiti"/>
-        <a:font script="Viet" typeface="Times New Roman"/>
-        <a:font script="Uigh" typeface="Microsoft Uighur"/>
-        <a:font script="Geor" typeface="Sylfaen"/>
-        <a:font script="Armn" typeface="Arial"/>
-        <a:font script="Bugi" typeface="Leelawadee UI"/>
-        <a:font script="Bopo" typeface="Microsoft JhengHei"/>
-        <a:font script="Java" typeface="Javanese Text"/>
-        <a:font script="Lisu" typeface="Segoe UI"/>
-        <a:font script="Mymr" typeface="Myanmar Text"/>
-        <a:font script="Nkoo" typeface="Ebrima"/>
-        <a:font script="Olck" typeface="Nirmala UI"/>
-        <a:font script="Osma" typeface="Ebrima"/>
-        <a:font script="Phag" typeface="Phagspa"/>
-        <a:font script="Syrn" typeface="Estrangelo Edessa"/>
-        <a:font script="Syrj" typeface="Estrangelo Edessa"/>
-        <a:font script="Syre" typeface="Estrangelo Edessa"/>
-        <a:font script="Sora" typeface="Nirmala UI"/>
-        <a:font script="Tale" typeface="Microsoft Tai Le"/>
-        <a:font script="Talu" typeface="Microsoft New Tai Lue"/>
-        <a:font script="Tfng" typeface="Ebrima"/>
-      </a:majorFont>
-      <a:minorFont>
-        <a:latin typeface="Calibri" panose="020F0502020204030204"/>
-        <a:ea typeface=""/>
-        <a:cs typeface=""/>
-        <a:font script="Jpan" typeface="游ゴシック"/>
-        <a:font script="Hang" typeface="맑은 고딕"/>
-        <a:font script="Hans" typeface="等线"/>
-        <a:font script="Hant" typeface="新細明體"/>
-        <a:font script="Arab" typeface="Arial"/>
-        <a:font script="Hebr" typeface="Arial"/>
-        <a:font script="Thai" typeface="Cordia New"/>
-        <a:font script="Ethi" typeface="Nyala"/>
-        <a:font script="Beng" typeface="Vrinda"/>
-        <a:font script="Gujr" typeface="Shruti"/>
-        <a:font script="Khmr" typeface="DaunPenh"/>
-        <a:font script="Knda" typeface="Tunga"/>
-        <a:font script="Guru" typeface="Raavi"/>
-        <a:font script="Cans" typeface="Euphemia"/>
-        <a:font script="Cher" typeface="Plantagenet Cherokee"/>
-        <a:font script="Yiii" typeface="Microsoft Yi Baiti"/>
-        <a:font script="Tibt" typeface="Microsoft Himalaya"/>
-        <a:font script="Thaa" typeface="MV Boli"/>
-        <a:font script="Deva" typeface="Mangal"/>
-        <a:font script="Telu" typeface="Gautami"/>
-        <a:font script="Taml" typeface="Latha"/>
-        <a:font script="Syrc" typeface="Estrangelo Edessa"/>
-        <a:font script="Orya" typeface="Kalinga"/>
-        <a:font script="Mlym" typeface="Kartika"/>
-        <a:font script="Laoo" typeface="DokChampa"/>
-        <a:font script="Sinh" typeface="Iskoola Pota"/>
-        <a:font script="Mong" typeface="Mongolian Baiti"/>
-        <a:font script="Viet" typeface="Arial"/>
-        <a:font script="Uigh" typeface="Microsoft Uighur"/>
-        <a:font script="Geor" typeface="Sylfaen"/>
-        <a:font script="Armn" typeface="Arial"/>
-        <a:font script="Bugi" typeface="Leelawadee UI"/>
-        <a:font script="Bopo" typeface="Microsoft JhengHei"/>
-        <a:font script="Java" typeface="Javanese Text"/>
-        <a:font script="Lisu" typeface="Segoe UI"/>
-        <a:font script="Mymr" typeface="Myanmar Text"/>
-        <a:font script="Nkoo" typeface="Ebrima"/>
-        <a:font script="Olck" typeface="Nirmala UI"/>
-        <a:font script="Osma" typeface="Ebrima"/>
-        <a:font script="Phag" typeface="Phagspa"/>
-        <a:font script="Syrn" typeface="Estrangelo Edessa"/>
-        <a:font script="Syrj" typeface="Estrangelo Edessa"/>
-        <a:font script="Syre" typeface="Estrangelo Edessa"/>
-        <a:font script="Sora" typeface="Nirmala UI"/>
-        <a:font script="Tale" typeface="Microsoft Tai Le"/>
-        <a:font script="Talu" typeface="Microsoft New Tai Lue"/>
-        <a:font script="Tfng" typeface="Ebrima"/>
-      </a:minorFont>
-    </a:fontScheme>
-    <a:fmtScheme name="Стандартная">
-      <a:fillStyleLst>
-        <a:solidFill>
-          <a:schemeClr val="phClr"/>
-        </a:solidFill>
-        <a:gradFill rotWithShape="1">
-          <a:gsLst>
-            <a:gs pos="0">
-              <a:schemeClr val="phClr">
-                <a:lumMod val="110000"/>
-                <a:satMod val="105000"/>
-                <a:tint val="67000"/>
-              </a:schemeClr>
-            </a:gs>
-            <a:gs pos="50000">
-              <a:schemeClr val="phClr">
-                <a:lumMod val="105000"/>
-                <a:satMod val="103000"/>
-                <a:tint val="73000"/>
-              </a:schemeClr>
-            </a:gs>
-            <a:gs pos="100000">
-              <a:schemeClr val="phClr">
-                <a:lumMod val="105000"/>
-                <a:satMod val="109000"/>
-                <a:tint val="81000"/>
-              </a:schemeClr>
-            </a:gs>
-          </a:gsLst>
-          <a:lin ang="5400000" scaled="0"/>
-        </a:gradFill>
-        <a:gradFill rotWithShape="1">
-          <a:gsLst>
-            <a:gs pos="0">
-              <a:schemeClr val="phClr">
-                <a:satMod val="103000"/>
-                <a:lumMod val="102000"/>
-                <a:tint val="94000"/>
-              </a:schemeClr>
-            </a:gs>
-            <a:gs pos="50000">
-              <a:schemeClr val="phClr">
-                <a:satMod val="110000"/>
-                <a:lumMod val="100000"/>
-                <a:shade val="100000"/>
-              </a:schemeClr>
-            </a:gs>
-            <a:gs pos="100000">
-              <a:schemeClr val="phClr">
-                <a:lumMod val="99000"/>
-                <a:satMod val="120000"/>
-                <a:shade val="78000"/>
-              </a:schemeClr>
-            </a:gs>
-          </a:gsLst>
-          <a:lin ang="5400000" scaled="0"/>
-        </a:gradFill>
-      </a:fillStyleLst>
-      <a:lnStyleLst>
-        <a:ln w="6350" cap="flat" cmpd="sng" algn="ctr">
-          <a:solidFill>
-            <a:schemeClr val="phClr"/>
-          </a:solidFill>
-          <a:prstDash val="solid"/>
-          <a:miter lim="800000"/>
-        </a:ln>
-        <a:ln w="12700" cap="flat" cmpd="sng" algn="ctr">
-          <a:solidFill>
-            <a:schemeClr val="phClr"/>
-          </a:solidFill>
-          <a:prstDash val="solid"/>
-          <a:miter lim="800000"/>
-        </a:ln>
-        <a:ln w="19050" cap="flat" cmpd="sng" algn="ctr">
-          <a:solidFill>
-            <a:schemeClr val="phClr"/>
-          </a:solidFill>
-          <a:prstDash val="solid"/>
-          <a:miter lim="800000"/>
-        </a:ln>
-      </a:lnStyleLst>
-      <a:effectStyleLst>
-        <a:effectStyle>
-          <a:effectLst/>
-        </a:effectStyle>
-        <a:effectStyle>
-          <a:effectLst/>
-        </a:effectStyle>
-        <a:effectStyle>
-          <a:effectLst>
-            <a:outerShdw blurRad="57150" dist="19050" dir="5400000" algn="ctr" rotWithShape="0">
-              <a:srgbClr val="000000">
-                <a:alpha val="63000"/>
-              </a:srgbClr>
-            </a:outerShdw>
-          </a:effectLst>
-        </a:effectStyle>
-      </a:effectStyleLst>
-      <a:bgFillStyleLst>
-        <a:solidFill>
-          <a:schemeClr val="phClr"/>
-        </a:solidFill>
-        <a:solidFill>
-          <a:schemeClr val="phClr">
-            <a:tint val="95000"/>
-            <a:satMod val="170000"/>
-          </a:schemeClr>
-        </a:solidFill>
-        <a:gradFill rotWithShape="1">
-          <a:gsLst>
-            <a:gs pos="0">
-              <a:schemeClr val="phClr">
-                <a:tint val="93000"/>
-                <a:satMod val="150000"/>
-                <a:shade val="98000"/>
-                <a:lumMod val="102000"/>
-              </a:schemeClr>
-            </a:gs>
-            <a:gs pos="50000">
-              <a:schemeClr val="phClr">
-                <a:tint val="98000"/>
-                <a:satMod val="130000"/>
-                <a:shade val="90000"/>
-                <a:lumMod val="103000"/>
-              </a:schemeClr>
-            </a:gs>
-            <a:gs pos="100000">
-              <a:schemeClr val="phClr">
-                <a:shade val="63000"/>
-                <a:satMod val="120000"/>
-              </a:schemeClr>
-            </a:gs>
-          </a:gsLst>
-          <a:lin ang="5400000" scaled="0"/>
-        </a:gradFill>
-      </a:bgFillStyleLst>
-    </a:fmtScheme>
-  </a:themeElements>
-  <a:objectDefaults/>
-  <a:extraClrSchemeLst/>
-  <a:extLst>
-    <a:ext uri="{05A4C25C-085E-4340-85A3-A5531E510DB2}">
-      <thm15:themeFamily xmlns:thm15="http://schemas.microsoft.com/office/thememl/2012/main" name="Office Theme" id="{62F939B6-93AF-4DB8-9C6B-D6C7DFDC589F}" vid="{4A3C46E8-61CC-4603-A589-7422A47A8E4A}"/>
-    </a:ext>
-  </a:extLst>
-</a:theme>
-</file>
-
-<file path=ppt/theme/theme3.xml><?xml version="1.0" encoding="utf-8"?>
 <a:theme xmlns:a="http://schemas.openxmlformats.org/drawingml/2006/main" name="Тема Office">
   <a:themeElements>
     <a:clrScheme name="Стандартная">

--- a/Presentation van Emde Boas tree.pptx
+++ b/Presentation van Emde Boas tree.pptx
@@ -5,7 +5,7 @@
     <p:sldMasterId id="2147483660" r:id="rId1"/>
   </p:sldMasterIdLst>
   <p:notesMasterIdLst>
-    <p:notesMasterId r:id="rId22"/>
+    <p:notesMasterId r:id="rId23"/>
   </p:notesMasterIdLst>
   <p:sldIdLst>
     <p:sldId id="256" r:id="rId2"/>
@@ -14,20 +14,21 @@
     <p:sldId id="273" r:id="rId5"/>
     <p:sldId id="275" r:id="rId6"/>
     <p:sldId id="274" r:id="rId7"/>
-    <p:sldId id="258" r:id="rId8"/>
-    <p:sldId id="278" r:id="rId9"/>
-    <p:sldId id="276" r:id="rId10"/>
-    <p:sldId id="277" r:id="rId11"/>
-    <p:sldId id="279" r:id="rId12"/>
-    <p:sldId id="280" r:id="rId13"/>
-    <p:sldId id="281" r:id="rId14"/>
-    <p:sldId id="282" r:id="rId15"/>
-    <p:sldId id="283" r:id="rId16"/>
-    <p:sldId id="284" r:id="rId17"/>
-    <p:sldId id="285" r:id="rId18"/>
-    <p:sldId id="286" r:id="rId19"/>
-    <p:sldId id="287" r:id="rId20"/>
-    <p:sldId id="288" r:id="rId21"/>
+    <p:sldId id="289" r:id="rId8"/>
+    <p:sldId id="258" r:id="rId9"/>
+    <p:sldId id="278" r:id="rId10"/>
+    <p:sldId id="276" r:id="rId11"/>
+    <p:sldId id="277" r:id="rId12"/>
+    <p:sldId id="279" r:id="rId13"/>
+    <p:sldId id="280" r:id="rId14"/>
+    <p:sldId id="281" r:id="rId15"/>
+    <p:sldId id="282" r:id="rId16"/>
+    <p:sldId id="283" r:id="rId17"/>
+    <p:sldId id="284" r:id="rId18"/>
+    <p:sldId id="285" r:id="rId19"/>
+    <p:sldId id="286" r:id="rId20"/>
+    <p:sldId id="287" r:id="rId21"/>
+    <p:sldId id="288" r:id="rId22"/>
   </p:sldIdLst>
   <p:sldSz cx="12192000" cy="6858000"/>
   <p:notesSz cx="6858000" cy="9144000"/>
@@ -3916,7 +3917,7 @@
                 <a:latin typeface="Arial" panose="020B0604020202020204" pitchFamily="34" charset="0"/>
                 <a:cs typeface="Arial" panose="020B0604020202020204" pitchFamily="34" charset="0"/>
               </a:rPr>
-              <a:t> доцент ИМКТ</a:t>
+              <a:t> ст. преподаватель ИМКТ</a:t>
             </a:r>
           </a:p>
           <a:p>
@@ -4038,13 +4039,13 @@
               <a:rPr lang="en-US" dirty="0">
                 <a:latin typeface="Arial Black" panose="020B0A04020102020204" pitchFamily="34" charset="0"/>
               </a:rPr>
-              <a:t>Remove (</a:t>
+              <a:t>Insert (</a:t>
             </a:r>
             <a:r>
               <a:rPr lang="ru-RU" dirty="0">
                 <a:latin typeface="Arial Black" panose="020B0A04020102020204" pitchFamily="34" charset="0"/>
               </a:rPr>
-              <a:t>удаление</a:t>
+              <a:t>вставка</a:t>
             </a:r>
             <a:r>
               <a:rPr lang="en-US" dirty="0">
@@ -4075,644 +4076,274 @@
         <p:spPr>
           <a:xfrm>
             <a:off x="838200" y="1825625"/>
-            <a:ext cx="6225074" cy="4351338"/>
+            <a:ext cx="5758542" cy="4351338"/>
           </a:xfrm>
         </p:spPr>
         <p:txBody>
           <a:bodyPr>
-            <a:normAutofit fontScale="55000" lnSpcReduction="20000"/>
+            <a:normAutofit fontScale="70000" lnSpcReduction="20000"/>
           </a:bodyPr>
           <a:lstStyle/>
           <a:p>
-            <a:pPr marL="0" lvl="0" indent="0" eaLnBrk="0" fontAlgn="base" hangingPunct="0">
+            <a:pPr marL="0" indent="0">
               <a:lnSpc>
-                <a:spcPct val="100000"/>
+                <a:spcPct val="120000"/>
               </a:lnSpc>
-              <a:spcBef>
-                <a:spcPct val="0"/>
-              </a:spcBef>
-              <a:spcAft>
-                <a:spcPct val="0"/>
-              </a:spcAft>
               <a:buNone/>
             </a:pPr>
             <a:r>
-              <a:rPr lang="ru-RU" altLang="ru-RU" dirty="0">
-                <a:latin typeface="Arial" panose="020B0604020202020204" pitchFamily="34" charset="0"/>
-                <a:cs typeface="Arial" panose="020B0604020202020204" pitchFamily="34" charset="0"/>
-              </a:rPr>
-              <a:t>На вход подается число </a:t>
-            </a:r>
-            <a:r>
-              <a:rPr lang="en-US" altLang="ru-RU" dirty="0">
-                <a:latin typeface="Arial" panose="020B0604020202020204" pitchFamily="34" charset="0"/>
-                <a:cs typeface="Arial" panose="020B0604020202020204" pitchFamily="34" charset="0"/>
-              </a:rPr>
-              <a:t>X</a:t>
-            </a:r>
-          </a:p>
-          <a:p>
-            <a:pPr marL="0" lvl="0" indent="0" eaLnBrk="0" fontAlgn="base" hangingPunct="0">
-              <a:lnSpc>
-                <a:spcPct val="100000"/>
-              </a:lnSpc>
-              <a:spcBef>
-                <a:spcPct val="0"/>
-              </a:spcBef>
-              <a:spcAft>
-                <a:spcPct val="0"/>
-              </a:spcAft>
-              <a:buNone/>
-            </a:pPr>
-            <a:endParaRPr lang="en-US" altLang="ru-RU" dirty="0">
+              <a:rPr lang="ru-RU" dirty="0">
+                <a:latin typeface="Arial" panose="020B0604020202020204" pitchFamily="34" charset="0"/>
+                <a:cs typeface="Arial" panose="020B0604020202020204" pitchFamily="34" charset="0"/>
+              </a:rPr>
+              <a:t>На вход подается число Х</a:t>
+            </a:r>
+            <a:endParaRPr lang="en-US" b="1" dirty="0">
               <a:latin typeface="Arial" panose="020B0604020202020204" pitchFamily="34" charset="0"/>
               <a:cs typeface="Arial" panose="020B0604020202020204" pitchFamily="34" charset="0"/>
             </a:endParaRPr>
           </a:p>
           <a:p>
-            <a:pPr marL="0" lvl="0" indent="0" eaLnBrk="0" fontAlgn="base" hangingPunct="0">
+            <a:pPr marL="0" indent="0">
               <a:lnSpc>
-                <a:spcPct val="100000"/>
+                <a:spcPct val="120000"/>
               </a:lnSpc>
-              <a:spcBef>
-                <a:spcPct val="0"/>
-              </a:spcBef>
-              <a:spcAft>
-                <a:spcPct val="0"/>
-              </a:spcAft>
               <a:buNone/>
             </a:pPr>
-            <a:endParaRPr lang="en-US" altLang="ru-RU" dirty="0">
-              <a:latin typeface="Arial" panose="020B0604020202020204" pitchFamily="34" charset="0"/>
-              <a:cs typeface="Arial" panose="020B0604020202020204" pitchFamily="34" charset="0"/>
-            </a:endParaRPr>
-          </a:p>
-          <a:p>
-            <a:pPr marL="0" lvl="0" indent="0" eaLnBrk="0" fontAlgn="base" hangingPunct="0">
-              <a:lnSpc>
-                <a:spcPct val="100000"/>
-              </a:lnSpc>
-              <a:spcBef>
-                <a:spcPct val="0"/>
-              </a:spcBef>
-              <a:spcAft>
-                <a:spcPct val="0"/>
-              </a:spcAft>
-              <a:buNone/>
-            </a:pPr>
-            <a:r>
-              <a:rPr lang="en-US" altLang="ru-RU" b="1" dirty="0">
+            <a:br>
+              <a:rPr lang="en-US" b="1" dirty="0">
+                <a:latin typeface="Arial" panose="020B0604020202020204" pitchFamily="34" charset="0"/>
+                <a:cs typeface="Arial" panose="020B0604020202020204" pitchFamily="34" charset="0"/>
+              </a:rPr>
+            </a:br>
+            <a:r>
+              <a:rPr lang="en-US" b="1" dirty="0">
                 <a:latin typeface="Arial" panose="020B0604020202020204" pitchFamily="34" charset="0"/>
                 <a:cs typeface="Arial" panose="020B0604020202020204" pitchFamily="34" charset="0"/>
               </a:rPr>
               <a:t>if </a:t>
             </a:r>
             <a:r>
+              <a:rPr lang="en-US" dirty="0">
+                <a:latin typeface="Arial" panose="020B0604020202020204" pitchFamily="34" charset="0"/>
+                <a:cs typeface="Arial" panose="020B0604020202020204" pitchFamily="34" charset="0"/>
+              </a:rPr>
+              <a:t>min == null</a:t>
+            </a:r>
+            <a:br>
+              <a:rPr lang="en-US" b="1" dirty="0">
+                <a:latin typeface="Arial" panose="020B0604020202020204" pitchFamily="34" charset="0"/>
+                <a:cs typeface="Arial" panose="020B0604020202020204" pitchFamily="34" charset="0"/>
+              </a:rPr>
+            </a:br>
+            <a:r>
+              <a:rPr lang="en-US" dirty="0">
+                <a:latin typeface="Arial" panose="020B0604020202020204" pitchFamily="34" charset="0"/>
+                <a:cs typeface="Arial" panose="020B0604020202020204" pitchFamily="34" charset="0"/>
+              </a:rPr>
+              <a:t>    min = </a:t>
+            </a:r>
+            <a:r>
+              <a:rPr lang="ru-RU" dirty="0">
+                <a:latin typeface="Arial" panose="020B0604020202020204" pitchFamily="34" charset="0"/>
+                <a:cs typeface="Arial" panose="020B0604020202020204" pitchFamily="34" charset="0"/>
+              </a:rPr>
+              <a:t>Х</a:t>
+            </a:r>
+            <a:r>
+              <a:rPr lang="en-US" dirty="0">
+                <a:latin typeface="Arial" panose="020B0604020202020204" pitchFamily="34" charset="0"/>
+                <a:cs typeface="Arial" panose="020B0604020202020204" pitchFamily="34" charset="0"/>
+              </a:rPr>
+              <a:t>, max =  X</a:t>
+            </a:r>
+            <a:br>
+              <a:rPr lang="en-US" dirty="0">
+                <a:latin typeface="Arial" panose="020B0604020202020204" pitchFamily="34" charset="0"/>
+                <a:cs typeface="Arial" panose="020B0604020202020204" pitchFamily="34" charset="0"/>
+              </a:rPr>
+            </a:br>
+            <a:r>
+              <a:rPr lang="en-US" dirty="0">
+                <a:latin typeface="Arial" panose="020B0604020202020204" pitchFamily="34" charset="0"/>
+                <a:cs typeface="Arial" panose="020B0604020202020204" pitchFamily="34" charset="0"/>
+              </a:rPr>
+              <a:t>    </a:t>
+            </a:r>
+            <a:r>
+              <a:rPr lang="en-US" b="1" dirty="0">
+                <a:latin typeface="Arial" panose="020B0604020202020204" pitchFamily="34" charset="0"/>
+                <a:cs typeface="Arial" panose="020B0604020202020204" pitchFamily="34" charset="0"/>
+              </a:rPr>
+              <a:t>return </a:t>
+            </a:r>
+            <a:r>
               <a:rPr lang="en-US" altLang="ru-RU" dirty="0">
                 <a:latin typeface="Arial" panose="020B0604020202020204" pitchFamily="34" charset="0"/>
                 <a:cs typeface="Arial" panose="020B0604020202020204" pitchFamily="34" charset="0"/>
               </a:rPr>
-              <a:t>min == </a:t>
-            </a:r>
-            <a:r>
-              <a:rPr lang="ru-RU" altLang="ru-RU" dirty="0">
-                <a:latin typeface="Arial" panose="020B0604020202020204" pitchFamily="34" charset="0"/>
-                <a:cs typeface="Arial" panose="020B0604020202020204" pitchFamily="34" charset="0"/>
-              </a:rPr>
-              <a:t>Х</a:t>
-            </a:r>
-            <a:r>
-              <a:rPr lang="en-US" altLang="ru-RU" dirty="0">
-                <a:latin typeface="Arial" panose="020B0604020202020204" pitchFamily="34" charset="0"/>
-                <a:cs typeface="Arial" panose="020B0604020202020204" pitchFamily="34" charset="0"/>
-              </a:rPr>
-              <a:t> </a:t>
-            </a:r>
-            <a:r>
-              <a:rPr lang="en-US" altLang="ru-RU" b="1" dirty="0">
-                <a:latin typeface="Arial" panose="020B0604020202020204" pitchFamily="34" charset="0"/>
-                <a:cs typeface="Arial" panose="020B0604020202020204" pitchFamily="34" charset="0"/>
-              </a:rPr>
-              <a:t>and</a:t>
-            </a:r>
-            <a:r>
-              <a:rPr lang="en-US" altLang="ru-RU" dirty="0">
-                <a:latin typeface="Arial" panose="020B0604020202020204" pitchFamily="34" charset="0"/>
-                <a:cs typeface="Arial" panose="020B0604020202020204" pitchFamily="34" charset="0"/>
-              </a:rPr>
-              <a:t> max == </a:t>
-            </a:r>
-            <a:r>
-              <a:rPr lang="ru-RU" altLang="ru-RU" dirty="0">
-                <a:latin typeface="Arial" panose="020B0604020202020204" pitchFamily="34" charset="0"/>
-                <a:cs typeface="Arial" panose="020B0604020202020204" pitchFamily="34" charset="0"/>
-              </a:rPr>
-              <a:t>Х</a:t>
-            </a:r>
-            <a:r>
-              <a:rPr lang="en-US" altLang="ru-RU" b="1" dirty="0">
-                <a:latin typeface="Arial" panose="020B0604020202020204" pitchFamily="34" charset="0"/>
-                <a:cs typeface="Arial" panose="020B0604020202020204" pitchFamily="34" charset="0"/>
-              </a:rPr>
-              <a:t> </a:t>
+              <a:t>null</a:t>
             </a:r>
             <a:br>
-              <a:rPr lang="en-US" altLang="ru-RU" b="1" dirty="0">
+              <a:rPr lang="en-US" dirty="0">
                 <a:latin typeface="Arial" panose="020B0604020202020204" pitchFamily="34" charset="0"/>
                 <a:cs typeface="Arial" panose="020B0604020202020204" pitchFamily="34" charset="0"/>
               </a:rPr>
             </a:br>
             <a:r>
-              <a:rPr lang="en-US" altLang="ru-RU" b="1" dirty="0">
+              <a:rPr lang="en-US" b="1" dirty="0">
+                <a:latin typeface="Arial" panose="020B0604020202020204" pitchFamily="34" charset="0"/>
+                <a:cs typeface="Arial" panose="020B0604020202020204" pitchFamily="34" charset="0"/>
+              </a:rPr>
+              <a:t>if </a:t>
+            </a:r>
+            <a:r>
+              <a:rPr lang="en-US" dirty="0">
+                <a:latin typeface="Arial" panose="020B0604020202020204" pitchFamily="34" charset="0"/>
+                <a:cs typeface="Arial" panose="020B0604020202020204" pitchFamily="34" charset="0"/>
+              </a:rPr>
+              <a:t>X &gt; min</a:t>
+            </a:r>
+            <a:br>
+              <a:rPr lang="en-US" b="1" dirty="0">
+                <a:latin typeface="Arial" panose="020B0604020202020204" pitchFamily="34" charset="0"/>
+                <a:cs typeface="Arial" panose="020B0604020202020204" pitchFamily="34" charset="0"/>
+              </a:rPr>
+            </a:br>
+            <a:r>
+              <a:rPr lang="en-US" b="1" dirty="0">
                 <a:latin typeface="Arial" panose="020B0604020202020204" pitchFamily="34" charset="0"/>
                 <a:cs typeface="Arial" panose="020B0604020202020204" pitchFamily="34" charset="0"/>
               </a:rPr>
               <a:t>    </a:t>
             </a:r>
             <a:r>
-              <a:rPr lang="en-US" altLang="ru-RU" dirty="0">
-                <a:latin typeface="Arial" panose="020B0604020202020204" pitchFamily="34" charset="0"/>
-                <a:cs typeface="Arial" panose="020B0604020202020204" pitchFamily="34" charset="0"/>
-              </a:rPr>
-              <a:t>min = null</a:t>
+              <a:rPr lang="en-US" dirty="0">
+                <a:latin typeface="Arial" panose="020B0604020202020204" pitchFamily="34" charset="0"/>
+                <a:cs typeface="Arial" panose="020B0604020202020204" pitchFamily="34" charset="0"/>
+              </a:rPr>
+              <a:t>swap(X, min)</a:t>
             </a:r>
             <a:br>
-              <a:rPr lang="en-US" altLang="ru-RU" dirty="0">
+              <a:rPr lang="en-US" b="1" dirty="0">
                 <a:latin typeface="Arial" panose="020B0604020202020204" pitchFamily="34" charset="0"/>
                 <a:cs typeface="Arial" panose="020B0604020202020204" pitchFamily="34" charset="0"/>
               </a:rPr>
             </a:br>
             <a:r>
-              <a:rPr lang="en-US" altLang="ru-RU" dirty="0">
-                <a:latin typeface="Arial" panose="020B0604020202020204" pitchFamily="34" charset="0"/>
-                <a:cs typeface="Arial" panose="020B0604020202020204" pitchFamily="34" charset="0"/>
-              </a:rPr>
-              <a:t>    max = null</a:t>
+              <a:rPr lang="en-US" b="1" dirty="0">
+                <a:latin typeface="Arial" panose="020B0604020202020204" pitchFamily="34" charset="0"/>
+                <a:cs typeface="Arial" panose="020B0604020202020204" pitchFamily="34" charset="0"/>
+              </a:rPr>
+              <a:t>if </a:t>
+            </a:r>
+            <a:r>
+              <a:rPr lang="en-US" dirty="0" err="1">
+                <a:latin typeface="Arial" panose="020B0604020202020204" pitchFamily="34" charset="0"/>
+                <a:cs typeface="Arial" panose="020B0604020202020204" pitchFamily="34" charset="0"/>
+              </a:rPr>
+              <a:t>universeSize</a:t>
+            </a:r>
+            <a:r>
+              <a:rPr lang="en-US" dirty="0">
+                <a:latin typeface="Arial" panose="020B0604020202020204" pitchFamily="34" charset="0"/>
+                <a:cs typeface="Arial" panose="020B0604020202020204" pitchFamily="34" charset="0"/>
+              </a:rPr>
+              <a:t> &gt; 2</a:t>
             </a:r>
             <a:br>
-              <a:rPr lang="en-US" altLang="ru-RU" dirty="0">
+              <a:rPr lang="en-US" b="1" dirty="0">
                 <a:latin typeface="Arial" panose="020B0604020202020204" pitchFamily="34" charset="0"/>
                 <a:cs typeface="Arial" panose="020B0604020202020204" pitchFamily="34" charset="0"/>
               </a:rPr>
             </a:br>
             <a:r>
-              <a:rPr lang="en-US" altLang="ru-RU" dirty="0">
-                <a:latin typeface="Arial" panose="020B0604020202020204" pitchFamily="34" charset="0"/>
-                <a:cs typeface="Arial" panose="020B0604020202020204" pitchFamily="34" charset="0"/>
-              </a:rPr>
-              <a:t>    </a:t>
-            </a:r>
-            <a:r>
-              <a:rPr lang="en-US" altLang="ru-RU" b="1" dirty="0">
-                <a:latin typeface="Arial" panose="020B0604020202020204" pitchFamily="34" charset="0"/>
-                <a:cs typeface="Arial" panose="020B0604020202020204" pitchFamily="34" charset="0"/>
-              </a:rPr>
-              <a:t>return</a:t>
+              <a:rPr lang="en-US" b="1" dirty="0">
+                <a:latin typeface="Arial" panose="020B0604020202020204" pitchFamily="34" charset="0"/>
+                <a:cs typeface="Arial" panose="020B0604020202020204" pitchFamily="34" charset="0"/>
+              </a:rPr>
+              <a:t>    if </a:t>
+            </a:r>
+            <a:r>
+              <a:rPr lang="en-US" dirty="0">
+                <a:latin typeface="Arial" panose="020B0604020202020204" pitchFamily="34" charset="0"/>
+                <a:cs typeface="Arial" panose="020B0604020202020204" pitchFamily="34" charset="0"/>
+              </a:rPr>
+              <a:t>cluster[High(X)].min == null</a:t>
             </a:r>
             <a:br>
-              <a:rPr lang="en-US" altLang="ru-RU" dirty="0">
+              <a:rPr lang="en-US" b="1" dirty="0">
                 <a:latin typeface="Arial" panose="020B0604020202020204" pitchFamily="34" charset="0"/>
                 <a:cs typeface="Arial" panose="020B0604020202020204" pitchFamily="34" charset="0"/>
               </a:rPr>
             </a:br>
             <a:r>
-              <a:rPr lang="en-US" altLang="ru-RU" b="1" dirty="0">
+              <a:rPr lang="en-US" b="1" dirty="0">
+                <a:latin typeface="Arial" panose="020B0604020202020204" pitchFamily="34" charset="0"/>
+                <a:cs typeface="Arial" panose="020B0604020202020204" pitchFamily="34" charset="0"/>
+              </a:rPr>
+              <a:t>        </a:t>
+            </a:r>
+            <a:r>
+              <a:rPr lang="en-US" dirty="0" err="1">
+                <a:latin typeface="Arial" panose="020B0604020202020204" pitchFamily="34" charset="0"/>
+                <a:cs typeface="Arial" panose="020B0604020202020204" pitchFamily="34" charset="0"/>
+              </a:rPr>
+              <a:t>summary.Insert</a:t>
+            </a:r>
+            <a:r>
+              <a:rPr lang="en-US" dirty="0">
+                <a:latin typeface="Arial" panose="020B0604020202020204" pitchFamily="34" charset="0"/>
+                <a:cs typeface="Arial" panose="020B0604020202020204" pitchFamily="34" charset="0"/>
+              </a:rPr>
+              <a:t>(High(X))</a:t>
+            </a:r>
+            <a:br>
+              <a:rPr lang="en-US" dirty="0">
+                <a:latin typeface="Arial" panose="020B0604020202020204" pitchFamily="34" charset="0"/>
+                <a:cs typeface="Arial" panose="020B0604020202020204" pitchFamily="34" charset="0"/>
+              </a:rPr>
+            </a:br>
+            <a:r>
+              <a:rPr lang="en-US" dirty="0">
+                <a:latin typeface="Arial" panose="020B0604020202020204" pitchFamily="34" charset="0"/>
+                <a:cs typeface="Arial" panose="020B0604020202020204" pitchFamily="34" charset="0"/>
+              </a:rPr>
+              <a:t>    cluster[High(X)].Insert(Low(X))</a:t>
+            </a:r>
+            <a:br>
+              <a:rPr lang="en-US" dirty="0">
+                <a:latin typeface="Arial" panose="020B0604020202020204" pitchFamily="34" charset="0"/>
+                <a:cs typeface="Arial" panose="020B0604020202020204" pitchFamily="34" charset="0"/>
+              </a:rPr>
+            </a:br>
+            <a:r>
+              <a:rPr lang="en-US" b="1" dirty="0">
                 <a:latin typeface="Arial" panose="020B0604020202020204" pitchFamily="34" charset="0"/>
                 <a:cs typeface="Arial" panose="020B0604020202020204" pitchFamily="34" charset="0"/>
               </a:rPr>
               <a:t>if </a:t>
             </a:r>
             <a:r>
-              <a:rPr lang="en-US" altLang="ru-RU" dirty="0">
-                <a:latin typeface="Arial" panose="020B0604020202020204" pitchFamily="34" charset="0"/>
-                <a:cs typeface="Arial" panose="020B0604020202020204" pitchFamily="34" charset="0"/>
-              </a:rPr>
-              <a:t>min == X</a:t>
-            </a:r>
-            <a:endParaRPr lang="en-US" altLang="ru-RU" b="1" dirty="0">
-              <a:latin typeface="Arial" panose="020B0604020202020204" pitchFamily="34" charset="0"/>
-              <a:cs typeface="Arial" panose="020B0604020202020204" pitchFamily="34" charset="0"/>
-            </a:endParaRPr>
-          </a:p>
-          <a:p>
-            <a:pPr marL="0" lvl="0" indent="0" eaLnBrk="0" fontAlgn="base" hangingPunct="0">
-              <a:lnSpc>
-                <a:spcPct val="100000"/>
-              </a:lnSpc>
-              <a:spcBef>
-                <a:spcPct val="0"/>
-              </a:spcBef>
-              <a:spcAft>
-                <a:spcPct val="0"/>
-              </a:spcAft>
-              <a:buNone/>
-            </a:pPr>
-            <a:r>
-              <a:rPr lang="en-US" altLang="ru-RU" b="1" dirty="0">
-                <a:latin typeface="Arial" panose="020B0604020202020204" pitchFamily="34" charset="0"/>
-                <a:cs typeface="Arial" panose="020B0604020202020204" pitchFamily="34" charset="0"/>
-              </a:rPr>
-              <a:t>    if </a:t>
-            </a:r>
-            <a:r>
-              <a:rPr lang="en-US" altLang="ru-RU" dirty="0" err="1">
-                <a:latin typeface="Arial" panose="020B0604020202020204" pitchFamily="34" charset="0"/>
-                <a:cs typeface="Arial" panose="020B0604020202020204" pitchFamily="34" charset="0"/>
-              </a:rPr>
-              <a:t>summary.min</a:t>
-            </a:r>
-            <a:r>
-              <a:rPr lang="en-US" altLang="ru-RU" dirty="0">
-                <a:latin typeface="Arial" panose="020B0604020202020204" pitchFamily="34" charset="0"/>
-                <a:cs typeface="Arial" panose="020B0604020202020204" pitchFamily="34" charset="0"/>
-              </a:rPr>
-              <a:t> == null</a:t>
+              <a:rPr lang="en-US" dirty="0">
+                <a:latin typeface="Arial" panose="020B0604020202020204" pitchFamily="34" charset="0"/>
+                <a:cs typeface="Arial" panose="020B0604020202020204" pitchFamily="34" charset="0"/>
+              </a:rPr>
+              <a:t>X &gt; max</a:t>
             </a:r>
             <a:br>
-              <a:rPr lang="en-US" altLang="ru-RU" b="1" dirty="0">
+              <a:rPr lang="en-US" b="1" dirty="0">
                 <a:latin typeface="Arial" panose="020B0604020202020204" pitchFamily="34" charset="0"/>
                 <a:cs typeface="Arial" panose="020B0604020202020204" pitchFamily="34" charset="0"/>
               </a:rPr>
             </a:br>
             <a:r>
-              <a:rPr lang="en-US" altLang="ru-RU" b="1" dirty="0">
-                <a:latin typeface="Arial" panose="020B0604020202020204" pitchFamily="34" charset="0"/>
-                <a:cs typeface="Arial" panose="020B0604020202020204" pitchFamily="34" charset="0"/>
-              </a:rPr>
-              <a:t>        </a:t>
-            </a:r>
-            <a:r>
-              <a:rPr lang="en-US" altLang="ru-RU" dirty="0">
-                <a:latin typeface="Arial" panose="020B0604020202020204" pitchFamily="34" charset="0"/>
-                <a:cs typeface="Arial" panose="020B0604020202020204" pitchFamily="34" charset="0"/>
-              </a:rPr>
-              <a:t>min = max</a:t>
-            </a:r>
-            <a:br>
-              <a:rPr lang="en-US" altLang="ru-RU" dirty="0">
-                <a:latin typeface="Arial" panose="020B0604020202020204" pitchFamily="34" charset="0"/>
-                <a:cs typeface="Arial" panose="020B0604020202020204" pitchFamily="34" charset="0"/>
-              </a:rPr>
-            </a:br>
-            <a:r>
-              <a:rPr lang="en-US" altLang="ru-RU" dirty="0">
-                <a:latin typeface="Arial" panose="020B0604020202020204" pitchFamily="34" charset="0"/>
-                <a:cs typeface="Arial" panose="020B0604020202020204" pitchFamily="34" charset="0"/>
-              </a:rPr>
-              <a:t>        </a:t>
-            </a:r>
-            <a:r>
-              <a:rPr lang="en-US" altLang="ru-RU" b="1" dirty="0">
-                <a:latin typeface="Arial" panose="020B0604020202020204" pitchFamily="34" charset="0"/>
-                <a:cs typeface="Arial" panose="020B0604020202020204" pitchFamily="34" charset="0"/>
-              </a:rPr>
-              <a:t>return</a:t>
-            </a:r>
-            <a:br>
-              <a:rPr lang="en-US" altLang="ru-RU" b="1" dirty="0">
-                <a:latin typeface="Arial" panose="020B0604020202020204" pitchFamily="34" charset="0"/>
-                <a:cs typeface="Arial" panose="020B0604020202020204" pitchFamily="34" charset="0"/>
-              </a:rPr>
-            </a:br>
-            <a:r>
-              <a:rPr lang="en-US" altLang="ru-RU" b="1" dirty="0">
-                <a:latin typeface="Arial" panose="020B0604020202020204" pitchFamily="34" charset="0"/>
-                <a:cs typeface="Arial" panose="020B0604020202020204" pitchFamily="34" charset="0"/>
-              </a:rPr>
-              <a:t>    </a:t>
-            </a:r>
-            <a:r>
-              <a:rPr lang="en-US" altLang="ru-RU" dirty="0">
-                <a:latin typeface="Arial" panose="020B0604020202020204" pitchFamily="34" charset="0"/>
-                <a:cs typeface="Arial" panose="020B0604020202020204" pitchFamily="34" charset="0"/>
-              </a:rPr>
-              <a:t>X = </a:t>
-            </a:r>
-            <a:r>
-              <a:rPr lang="en-US" altLang="ru-RU" dirty="0" err="1">
-                <a:latin typeface="Arial" panose="020B0604020202020204" pitchFamily="34" charset="0"/>
-                <a:cs typeface="Arial" panose="020B0604020202020204" pitchFamily="34" charset="0"/>
-              </a:rPr>
-              <a:t>GenerateIndex</a:t>
-            </a:r>
-            <a:r>
-              <a:rPr lang="en-US" altLang="ru-RU" dirty="0">
-                <a:latin typeface="Arial" panose="020B0604020202020204" pitchFamily="34" charset="0"/>
-                <a:cs typeface="Arial" panose="020B0604020202020204" pitchFamily="34" charset="0"/>
-              </a:rPr>
-              <a:t>(</a:t>
-            </a:r>
-            <a:r>
-              <a:rPr lang="en-US" altLang="ru-RU" dirty="0" err="1">
-                <a:latin typeface="Arial" panose="020B0604020202020204" pitchFamily="34" charset="0"/>
-                <a:cs typeface="Arial" panose="020B0604020202020204" pitchFamily="34" charset="0"/>
-              </a:rPr>
-              <a:t>summary.min</a:t>
-            </a:r>
-            <a:r>
-              <a:rPr lang="en-US" altLang="ru-RU" dirty="0">
-                <a:latin typeface="Arial" panose="020B0604020202020204" pitchFamily="34" charset="0"/>
-                <a:cs typeface="Arial" panose="020B0604020202020204" pitchFamily="34" charset="0"/>
-              </a:rPr>
-              <a:t>, cluster[</a:t>
-            </a:r>
-            <a:r>
-              <a:rPr lang="en-US" altLang="ru-RU" dirty="0" err="1">
-                <a:latin typeface="Arial" panose="020B0604020202020204" pitchFamily="34" charset="0"/>
-                <a:cs typeface="Arial" panose="020B0604020202020204" pitchFamily="34" charset="0"/>
-              </a:rPr>
-              <a:t>summary.min</a:t>
-            </a:r>
-            <a:r>
-              <a:rPr lang="en-US" altLang="ru-RU" dirty="0">
-                <a:latin typeface="Arial" panose="020B0604020202020204" pitchFamily="34" charset="0"/>
-                <a:cs typeface="Arial" panose="020B0604020202020204" pitchFamily="34" charset="0"/>
-              </a:rPr>
-              <a:t>].min)</a:t>
-            </a:r>
-            <a:br>
-              <a:rPr lang="en-US" altLang="ru-RU" dirty="0">
-                <a:latin typeface="Arial" panose="020B0604020202020204" pitchFamily="34" charset="0"/>
-                <a:cs typeface="Arial" panose="020B0604020202020204" pitchFamily="34" charset="0"/>
-              </a:rPr>
-            </a:br>
-            <a:r>
-              <a:rPr lang="en-US" altLang="ru-RU" dirty="0">
-                <a:latin typeface="Arial" panose="020B0604020202020204" pitchFamily="34" charset="0"/>
-                <a:cs typeface="Arial" panose="020B0604020202020204" pitchFamily="34" charset="0"/>
-              </a:rPr>
-              <a:t>    min = X</a:t>
-            </a:r>
-            <a:br>
-              <a:rPr lang="en-US" altLang="ru-RU" dirty="0">
-                <a:latin typeface="Arial" panose="020B0604020202020204" pitchFamily="34" charset="0"/>
-                <a:cs typeface="Arial" panose="020B0604020202020204" pitchFamily="34" charset="0"/>
-              </a:rPr>
-            </a:br>
-            <a:r>
-              <a:rPr lang="en-US" altLang="ru-RU" b="1" dirty="0">
-                <a:latin typeface="Arial" panose="020B0604020202020204" pitchFamily="34" charset="0"/>
-                <a:cs typeface="Arial" panose="020B0604020202020204" pitchFamily="34" charset="0"/>
-              </a:rPr>
-              <a:t>if </a:t>
-            </a:r>
-            <a:r>
-              <a:rPr lang="en-US" altLang="ru-RU" dirty="0" err="1">
-                <a:latin typeface="Arial" panose="020B0604020202020204" pitchFamily="34" charset="0"/>
-                <a:cs typeface="Arial" panose="020B0604020202020204" pitchFamily="34" charset="0"/>
-              </a:rPr>
-              <a:t>summary.min</a:t>
-            </a:r>
-            <a:r>
-              <a:rPr lang="en-US" altLang="ru-RU" dirty="0">
-                <a:latin typeface="Arial" panose="020B0604020202020204" pitchFamily="34" charset="0"/>
-                <a:cs typeface="Arial" panose="020B0604020202020204" pitchFamily="34" charset="0"/>
-              </a:rPr>
-              <a:t> == null</a:t>
-            </a:r>
-            <a:br>
-              <a:rPr lang="en-US" altLang="ru-RU" b="1" dirty="0">
-                <a:latin typeface="Arial" panose="020B0604020202020204" pitchFamily="34" charset="0"/>
-                <a:cs typeface="Arial" panose="020B0604020202020204" pitchFamily="34" charset="0"/>
-              </a:rPr>
-            </a:br>
-            <a:r>
-              <a:rPr lang="en-US" altLang="ru-RU" b="1" dirty="0">
-                <a:latin typeface="Arial" panose="020B0604020202020204" pitchFamily="34" charset="0"/>
-                <a:cs typeface="Arial" panose="020B0604020202020204" pitchFamily="34" charset="0"/>
-              </a:rPr>
-              <a:t>    return</a:t>
-            </a:r>
-            <a:br>
-              <a:rPr lang="en-US" altLang="ru-RU" b="1" dirty="0">
-                <a:latin typeface="Arial" panose="020B0604020202020204" pitchFamily="34" charset="0"/>
-                <a:cs typeface="Arial" panose="020B0604020202020204" pitchFamily="34" charset="0"/>
-              </a:rPr>
-            </a:br>
-            <a:r>
-              <a:rPr lang="en-US" altLang="ru-RU" dirty="0">
-                <a:latin typeface="Arial" panose="020B0604020202020204" pitchFamily="34" charset="0"/>
-                <a:cs typeface="Arial" panose="020B0604020202020204" pitchFamily="34" charset="0"/>
-              </a:rPr>
-              <a:t>cluster[High(X)].Remove(Low(x))</a:t>
-            </a:r>
-            <a:br>
-              <a:rPr lang="en-US" altLang="ru-RU" b="1" dirty="0">
-                <a:latin typeface="Arial" panose="020B0604020202020204" pitchFamily="34" charset="0"/>
-                <a:cs typeface="Arial" panose="020B0604020202020204" pitchFamily="34" charset="0"/>
-              </a:rPr>
-            </a:br>
-            <a:r>
-              <a:rPr lang="en-US" altLang="ru-RU" b="1" dirty="0">
-                <a:latin typeface="Arial" panose="020B0604020202020204" pitchFamily="34" charset="0"/>
-                <a:cs typeface="Arial" panose="020B0604020202020204" pitchFamily="34" charset="0"/>
-              </a:rPr>
-              <a:t>if </a:t>
-            </a:r>
-            <a:r>
-              <a:rPr lang="en-US" altLang="ru-RU" dirty="0">
-                <a:latin typeface="Arial" panose="020B0604020202020204" pitchFamily="34" charset="0"/>
-                <a:cs typeface="Arial" panose="020B0604020202020204" pitchFamily="34" charset="0"/>
-              </a:rPr>
-              <a:t>cluster[High(X)]. min == null</a:t>
-            </a:r>
-            <a:br>
-              <a:rPr lang="en-US" altLang="ru-RU" b="1" dirty="0">
-                <a:latin typeface="Arial" panose="020B0604020202020204" pitchFamily="34" charset="0"/>
-                <a:cs typeface="Arial" panose="020B0604020202020204" pitchFamily="34" charset="0"/>
-              </a:rPr>
-            </a:br>
-            <a:r>
-              <a:rPr lang="en-US" altLang="ru-RU" b="1" dirty="0">
-                <a:latin typeface="Arial" panose="020B0604020202020204" pitchFamily="34" charset="0"/>
-                <a:cs typeface="Arial" panose="020B0604020202020204" pitchFamily="34" charset="0"/>
-              </a:rPr>
-              <a:t> </a:t>
-            </a:r>
-            <a:r>
-              <a:rPr lang="en-US" altLang="ru-RU" dirty="0" err="1">
-                <a:latin typeface="Arial" panose="020B0604020202020204" pitchFamily="34" charset="0"/>
-                <a:cs typeface="Arial" panose="020B0604020202020204" pitchFamily="34" charset="0"/>
-              </a:rPr>
-              <a:t>summary.Remove</a:t>
-            </a:r>
-            <a:r>
-              <a:rPr lang="en-US" altLang="ru-RU" dirty="0">
-                <a:latin typeface="Arial" panose="020B0604020202020204" pitchFamily="34" charset="0"/>
-                <a:cs typeface="Arial" panose="020B0604020202020204" pitchFamily="34" charset="0"/>
-              </a:rPr>
-              <a:t>(High(x))</a:t>
-            </a:r>
-            <a:br>
-              <a:rPr lang="en-US" altLang="ru-RU" dirty="0">
-                <a:latin typeface="Arial" panose="020B0604020202020204" pitchFamily="34" charset="0"/>
-                <a:cs typeface="Arial" panose="020B0604020202020204" pitchFamily="34" charset="0"/>
-              </a:rPr>
-            </a:br>
-            <a:r>
-              <a:rPr lang="en-US" altLang="ru-RU" b="1" dirty="0">
-                <a:latin typeface="Arial" panose="020B0604020202020204" pitchFamily="34" charset="0"/>
-                <a:cs typeface="Arial" panose="020B0604020202020204" pitchFamily="34" charset="0"/>
-              </a:rPr>
-              <a:t>if </a:t>
-            </a:r>
-            <a:r>
-              <a:rPr lang="en-US" altLang="ru-RU" dirty="0">
-                <a:latin typeface="Arial" panose="020B0604020202020204" pitchFamily="34" charset="0"/>
-                <a:cs typeface="Arial" panose="020B0604020202020204" pitchFamily="34" charset="0"/>
-              </a:rPr>
-              <a:t>max == X </a:t>
-            </a:r>
-            <a:r>
-              <a:rPr lang="en-US" altLang="ru-RU" b="1" dirty="0">
-                <a:latin typeface="Arial" panose="020B0604020202020204" pitchFamily="34" charset="0"/>
-                <a:cs typeface="Arial" panose="020B0604020202020204" pitchFamily="34" charset="0"/>
-              </a:rPr>
-              <a:t>then</a:t>
-            </a:r>
-          </a:p>
-          <a:p>
-            <a:pPr marL="0" lvl="0" indent="0" eaLnBrk="0" fontAlgn="base" hangingPunct="0">
-              <a:lnSpc>
-                <a:spcPct val="100000"/>
-              </a:lnSpc>
-              <a:spcBef>
-                <a:spcPct val="0"/>
-              </a:spcBef>
-              <a:spcAft>
-                <a:spcPct val="0"/>
-              </a:spcAft>
-              <a:buNone/>
-            </a:pPr>
-            <a:r>
-              <a:rPr lang="en-US" altLang="ru-RU" b="1" dirty="0">
-                <a:latin typeface="Arial" panose="020B0604020202020204" pitchFamily="34" charset="0"/>
-                <a:cs typeface="Arial" panose="020B0604020202020204" pitchFamily="34" charset="0"/>
-              </a:rPr>
-              <a:t>    if </a:t>
-            </a:r>
-            <a:r>
-              <a:rPr lang="en-US" altLang="ru-RU" dirty="0" err="1">
-                <a:latin typeface="Arial" panose="020B0604020202020204" pitchFamily="34" charset="0"/>
-                <a:cs typeface="Arial" panose="020B0604020202020204" pitchFamily="34" charset="0"/>
-              </a:rPr>
-              <a:t>summary.min</a:t>
-            </a:r>
-            <a:r>
-              <a:rPr lang="en-US" altLang="ru-RU" dirty="0">
-                <a:latin typeface="Arial" panose="020B0604020202020204" pitchFamily="34" charset="0"/>
-                <a:cs typeface="Arial" panose="020B0604020202020204" pitchFamily="34" charset="0"/>
-              </a:rPr>
-              <a:t> == null</a:t>
-            </a:r>
-            <a:br>
-              <a:rPr lang="en-US" altLang="ru-RU" b="1" dirty="0">
-                <a:latin typeface="Arial" panose="020B0604020202020204" pitchFamily="34" charset="0"/>
-                <a:cs typeface="Arial" panose="020B0604020202020204" pitchFamily="34" charset="0"/>
-              </a:rPr>
-            </a:br>
-            <a:r>
-              <a:rPr lang="en-US" altLang="ru-RU" b="1" dirty="0">
-                <a:latin typeface="Arial" panose="020B0604020202020204" pitchFamily="34" charset="0"/>
-                <a:cs typeface="Arial" panose="020B0604020202020204" pitchFamily="34" charset="0"/>
-              </a:rPr>
-              <a:t>        </a:t>
-            </a:r>
-            <a:r>
-              <a:rPr lang="en-US" altLang="ru-RU" dirty="0">
-                <a:latin typeface="Arial" panose="020B0604020202020204" pitchFamily="34" charset="0"/>
-                <a:cs typeface="Arial" panose="020B0604020202020204" pitchFamily="34" charset="0"/>
-              </a:rPr>
-              <a:t>max = min</a:t>
-            </a:r>
-            <a:br>
-              <a:rPr lang="en-US" altLang="ru-RU" dirty="0">
-                <a:latin typeface="Arial" panose="020B0604020202020204" pitchFamily="34" charset="0"/>
-                <a:cs typeface="Arial" panose="020B0604020202020204" pitchFamily="34" charset="0"/>
-              </a:rPr>
-            </a:br>
-            <a:r>
-              <a:rPr lang="en-US" altLang="ru-RU" dirty="0">
-                <a:latin typeface="Arial" panose="020B0604020202020204" pitchFamily="34" charset="0"/>
-                <a:cs typeface="Arial" panose="020B0604020202020204" pitchFamily="34" charset="0"/>
-              </a:rPr>
-              <a:t>        </a:t>
-            </a:r>
-            <a:r>
-              <a:rPr lang="en-US" altLang="ru-RU" b="1" dirty="0">
-                <a:latin typeface="Arial" panose="020B0604020202020204" pitchFamily="34" charset="0"/>
-                <a:cs typeface="Arial" panose="020B0604020202020204" pitchFamily="34" charset="0"/>
-              </a:rPr>
-              <a:t>return</a:t>
-            </a:r>
-            <a:br>
-              <a:rPr lang="en-US" altLang="ru-RU" b="1" dirty="0">
-                <a:latin typeface="Arial" panose="020B0604020202020204" pitchFamily="34" charset="0"/>
-                <a:cs typeface="Arial" panose="020B0604020202020204" pitchFamily="34" charset="0"/>
-              </a:rPr>
-            </a:br>
-            <a:r>
-              <a:rPr lang="en-US" altLang="ru-RU" b="1" dirty="0">
-                <a:latin typeface="Arial" panose="020B0604020202020204" pitchFamily="34" charset="0"/>
-                <a:cs typeface="Arial" panose="020B0604020202020204" pitchFamily="34" charset="0"/>
-              </a:rPr>
-              <a:t>    </a:t>
-            </a:r>
-            <a:r>
-              <a:rPr lang="en-US" altLang="ru-RU" dirty="0">
-                <a:latin typeface="Arial" panose="020B0604020202020204" pitchFamily="34" charset="0"/>
-                <a:cs typeface="Arial" panose="020B0604020202020204" pitchFamily="34" charset="0"/>
-              </a:rPr>
-              <a:t>max = </a:t>
-            </a:r>
-            <a:r>
-              <a:rPr lang="en-US" altLang="ru-RU" dirty="0" err="1">
-                <a:latin typeface="Arial" panose="020B0604020202020204" pitchFamily="34" charset="0"/>
-                <a:cs typeface="Arial" panose="020B0604020202020204" pitchFamily="34" charset="0"/>
-              </a:rPr>
-              <a:t>GenerateIndex</a:t>
-            </a:r>
-            <a:r>
-              <a:rPr lang="en-US" altLang="ru-RU" dirty="0">
-                <a:latin typeface="Arial" panose="020B0604020202020204" pitchFamily="34" charset="0"/>
-                <a:cs typeface="Arial" panose="020B0604020202020204" pitchFamily="34" charset="0"/>
-              </a:rPr>
-              <a:t>(</a:t>
-            </a:r>
-            <a:r>
-              <a:rPr lang="en-US" altLang="ru-RU" dirty="0" err="1">
-                <a:latin typeface="Arial" panose="020B0604020202020204" pitchFamily="34" charset="0"/>
-                <a:cs typeface="Arial" panose="020B0604020202020204" pitchFamily="34" charset="0"/>
-              </a:rPr>
-              <a:t>summary.max</a:t>
-            </a:r>
-            <a:r>
-              <a:rPr lang="en-US" altLang="ru-RU" dirty="0">
-                <a:latin typeface="Arial" panose="020B0604020202020204" pitchFamily="34" charset="0"/>
-                <a:cs typeface="Arial" panose="020B0604020202020204" pitchFamily="34" charset="0"/>
-              </a:rPr>
-              <a:t>, cluster[</a:t>
-            </a:r>
-            <a:r>
-              <a:rPr lang="en-US" altLang="ru-RU" dirty="0" err="1">
-                <a:latin typeface="Arial" panose="020B0604020202020204" pitchFamily="34" charset="0"/>
-                <a:cs typeface="Arial" panose="020B0604020202020204" pitchFamily="34" charset="0"/>
-              </a:rPr>
-              <a:t>summary.max</a:t>
-            </a:r>
-            <a:r>
-              <a:rPr lang="en-US" altLang="ru-RU" dirty="0">
-                <a:latin typeface="Arial" panose="020B0604020202020204" pitchFamily="34" charset="0"/>
-                <a:cs typeface="Arial" panose="020B0604020202020204" pitchFamily="34" charset="0"/>
-              </a:rPr>
-              <a:t>].max)</a:t>
-            </a:r>
-          </a:p>
-          <a:p>
-            <a:pPr marL="0" indent="0">
-              <a:buNone/>
-            </a:pPr>
-            <a:endParaRPr lang="ru-RU" dirty="0"/>
+              <a:rPr lang="en-US" dirty="0">
+                <a:latin typeface="Arial" panose="020B0604020202020204" pitchFamily="34" charset="0"/>
+                <a:cs typeface="Arial" panose="020B0604020202020204" pitchFamily="34" charset="0"/>
+              </a:rPr>
+              <a:t>    max = x</a:t>
+            </a:r>
           </a:p>
         </p:txBody>
       </p:sp>
@@ -4738,7 +4369,7 @@
           <a:lstStyle/>
           <a:p>
             <a:r>
-              <a:rPr lang="ru-RU"/>
+              <a:rPr lang="ru-RU" dirty="0"/>
               <a:t>2023</a:t>
             </a:r>
           </a:p>
@@ -4775,13 +4406,16 @@
     </p:spTree>
     <p:extLst>
       <p:ext uri="{BB962C8B-B14F-4D97-AF65-F5344CB8AC3E}">
-        <p14:creationId xmlns:p14="http://schemas.microsoft.com/office/powerpoint/2010/main" val="2469588927"/>
+        <p14:creationId xmlns:p14="http://schemas.microsoft.com/office/powerpoint/2010/main" val="4097209880"/>
       </p:ext>
     </p:extLst>
   </p:cSld>
   <p:clrMapOvr>
     <a:masterClrMapping/>
   </p:clrMapOvr>
+  <p:transition spd="slow">
+    <p:push dir="u"/>
+  </p:transition>
 </p:sld>
 </file>
 
@@ -4862,13 +4496,13 @@
               <a:rPr lang="en-US" dirty="0">
                 <a:latin typeface="Arial Black" panose="020B0A04020102020204" pitchFamily="34" charset="0"/>
               </a:rPr>
-              <a:t>Successor (</a:t>
+              <a:t>Remove (</a:t>
             </a:r>
             <a:r>
               <a:rPr lang="ru-RU" dirty="0">
                 <a:latin typeface="Arial Black" panose="020B0A04020102020204" pitchFamily="34" charset="0"/>
               </a:rPr>
-              <a:t>преемник</a:t>
+              <a:t>удаление</a:t>
             </a:r>
             <a:r>
               <a:rPr lang="en-US" dirty="0">
@@ -4899,505 +4533,643 @@
         <p:spPr>
           <a:xfrm>
             <a:off x="838200" y="1825625"/>
-            <a:ext cx="5189376" cy="4351338"/>
+            <a:ext cx="6225074" cy="4351338"/>
           </a:xfrm>
         </p:spPr>
         <p:txBody>
           <a:bodyPr>
-            <a:normAutofit fontScale="62500" lnSpcReduction="20000"/>
+            <a:normAutofit fontScale="55000" lnSpcReduction="20000"/>
           </a:bodyPr>
           <a:lstStyle/>
+          <a:p>
+            <a:pPr marL="0" lvl="0" indent="0" eaLnBrk="0" fontAlgn="base" hangingPunct="0">
+              <a:lnSpc>
+                <a:spcPct val="100000"/>
+              </a:lnSpc>
+              <a:spcBef>
+                <a:spcPct val="0"/>
+              </a:spcBef>
+              <a:spcAft>
+                <a:spcPct val="0"/>
+              </a:spcAft>
+              <a:buNone/>
+            </a:pPr>
+            <a:r>
+              <a:rPr lang="ru-RU" altLang="ru-RU" dirty="0">
+                <a:latin typeface="Arial" panose="020B0604020202020204" pitchFamily="34" charset="0"/>
+                <a:cs typeface="Arial" panose="020B0604020202020204" pitchFamily="34" charset="0"/>
+              </a:rPr>
+              <a:t>На вход подается число </a:t>
+            </a:r>
+            <a:r>
+              <a:rPr lang="en-US" altLang="ru-RU" dirty="0">
+                <a:latin typeface="Arial" panose="020B0604020202020204" pitchFamily="34" charset="0"/>
+                <a:cs typeface="Arial" panose="020B0604020202020204" pitchFamily="34" charset="0"/>
+              </a:rPr>
+              <a:t>X</a:t>
+            </a:r>
+          </a:p>
+          <a:p>
+            <a:pPr marL="0" lvl="0" indent="0" eaLnBrk="0" fontAlgn="base" hangingPunct="0">
+              <a:lnSpc>
+                <a:spcPct val="100000"/>
+              </a:lnSpc>
+              <a:spcBef>
+                <a:spcPct val="0"/>
+              </a:spcBef>
+              <a:spcAft>
+                <a:spcPct val="0"/>
+              </a:spcAft>
+              <a:buNone/>
+            </a:pPr>
+            <a:endParaRPr lang="en-US" altLang="ru-RU" dirty="0">
+              <a:latin typeface="Arial" panose="020B0604020202020204" pitchFamily="34" charset="0"/>
+              <a:cs typeface="Arial" panose="020B0604020202020204" pitchFamily="34" charset="0"/>
+            </a:endParaRPr>
+          </a:p>
+          <a:p>
+            <a:pPr marL="0" lvl="0" indent="0" eaLnBrk="0" fontAlgn="base" hangingPunct="0">
+              <a:lnSpc>
+                <a:spcPct val="100000"/>
+              </a:lnSpc>
+              <a:spcBef>
+                <a:spcPct val="0"/>
+              </a:spcBef>
+              <a:spcAft>
+                <a:spcPct val="0"/>
+              </a:spcAft>
+              <a:buNone/>
+            </a:pPr>
+            <a:endParaRPr lang="en-US" altLang="ru-RU" dirty="0">
+              <a:latin typeface="Arial" panose="020B0604020202020204" pitchFamily="34" charset="0"/>
+              <a:cs typeface="Arial" panose="020B0604020202020204" pitchFamily="34" charset="0"/>
+            </a:endParaRPr>
+          </a:p>
+          <a:p>
+            <a:pPr marL="0" lvl="0" indent="0" eaLnBrk="0" fontAlgn="base" hangingPunct="0">
+              <a:lnSpc>
+                <a:spcPct val="100000"/>
+              </a:lnSpc>
+              <a:spcBef>
+                <a:spcPct val="0"/>
+              </a:spcBef>
+              <a:spcAft>
+                <a:spcPct val="0"/>
+              </a:spcAft>
+              <a:buNone/>
+            </a:pPr>
+            <a:r>
+              <a:rPr lang="en-US" altLang="ru-RU" b="1" dirty="0">
+                <a:latin typeface="Arial" panose="020B0604020202020204" pitchFamily="34" charset="0"/>
+                <a:cs typeface="Arial" panose="020B0604020202020204" pitchFamily="34" charset="0"/>
+              </a:rPr>
+              <a:t>if </a:t>
+            </a:r>
+            <a:r>
+              <a:rPr lang="en-US" altLang="ru-RU" dirty="0">
+                <a:latin typeface="Arial" panose="020B0604020202020204" pitchFamily="34" charset="0"/>
+                <a:cs typeface="Arial" panose="020B0604020202020204" pitchFamily="34" charset="0"/>
+              </a:rPr>
+              <a:t>min == </a:t>
+            </a:r>
+            <a:r>
+              <a:rPr lang="ru-RU" altLang="ru-RU" dirty="0">
+                <a:latin typeface="Arial" panose="020B0604020202020204" pitchFamily="34" charset="0"/>
+                <a:cs typeface="Arial" panose="020B0604020202020204" pitchFamily="34" charset="0"/>
+              </a:rPr>
+              <a:t>Х</a:t>
+            </a:r>
+            <a:r>
+              <a:rPr lang="en-US" altLang="ru-RU" dirty="0">
+                <a:latin typeface="Arial" panose="020B0604020202020204" pitchFamily="34" charset="0"/>
+                <a:cs typeface="Arial" panose="020B0604020202020204" pitchFamily="34" charset="0"/>
+              </a:rPr>
+              <a:t> </a:t>
+            </a:r>
+            <a:r>
+              <a:rPr lang="en-US" altLang="ru-RU" b="1" dirty="0">
+                <a:latin typeface="Arial" panose="020B0604020202020204" pitchFamily="34" charset="0"/>
+                <a:cs typeface="Arial" panose="020B0604020202020204" pitchFamily="34" charset="0"/>
+              </a:rPr>
+              <a:t>and</a:t>
+            </a:r>
+            <a:r>
+              <a:rPr lang="en-US" altLang="ru-RU" dirty="0">
+                <a:latin typeface="Arial" panose="020B0604020202020204" pitchFamily="34" charset="0"/>
+                <a:cs typeface="Arial" panose="020B0604020202020204" pitchFamily="34" charset="0"/>
+              </a:rPr>
+              <a:t> max == </a:t>
+            </a:r>
+            <a:r>
+              <a:rPr lang="ru-RU" altLang="ru-RU" dirty="0">
+                <a:latin typeface="Arial" panose="020B0604020202020204" pitchFamily="34" charset="0"/>
+                <a:cs typeface="Arial" panose="020B0604020202020204" pitchFamily="34" charset="0"/>
+              </a:rPr>
+              <a:t>Х</a:t>
+            </a:r>
+            <a:r>
+              <a:rPr lang="en-US" altLang="ru-RU" b="1" dirty="0">
+                <a:latin typeface="Arial" panose="020B0604020202020204" pitchFamily="34" charset="0"/>
+                <a:cs typeface="Arial" panose="020B0604020202020204" pitchFamily="34" charset="0"/>
+              </a:rPr>
+              <a:t> </a:t>
+            </a:r>
+            <a:br>
+              <a:rPr lang="en-US" altLang="ru-RU" b="1" dirty="0">
+                <a:latin typeface="Arial" panose="020B0604020202020204" pitchFamily="34" charset="0"/>
+                <a:cs typeface="Arial" panose="020B0604020202020204" pitchFamily="34" charset="0"/>
+              </a:rPr>
+            </a:br>
+            <a:r>
+              <a:rPr lang="en-US" altLang="ru-RU" b="1" dirty="0">
+                <a:latin typeface="Arial" panose="020B0604020202020204" pitchFamily="34" charset="0"/>
+                <a:cs typeface="Arial" panose="020B0604020202020204" pitchFamily="34" charset="0"/>
+              </a:rPr>
+              <a:t>    </a:t>
+            </a:r>
+            <a:r>
+              <a:rPr lang="en-US" altLang="ru-RU" dirty="0">
+                <a:latin typeface="Arial" panose="020B0604020202020204" pitchFamily="34" charset="0"/>
+                <a:cs typeface="Arial" panose="020B0604020202020204" pitchFamily="34" charset="0"/>
+              </a:rPr>
+              <a:t>min = null</a:t>
+            </a:r>
+            <a:br>
+              <a:rPr lang="en-US" altLang="ru-RU" dirty="0">
+                <a:latin typeface="Arial" panose="020B0604020202020204" pitchFamily="34" charset="0"/>
+                <a:cs typeface="Arial" panose="020B0604020202020204" pitchFamily="34" charset="0"/>
+              </a:rPr>
+            </a:br>
+            <a:r>
+              <a:rPr lang="en-US" altLang="ru-RU" dirty="0">
+                <a:latin typeface="Arial" panose="020B0604020202020204" pitchFamily="34" charset="0"/>
+                <a:cs typeface="Arial" panose="020B0604020202020204" pitchFamily="34" charset="0"/>
+              </a:rPr>
+              <a:t>    max = null</a:t>
+            </a:r>
+            <a:br>
+              <a:rPr lang="en-US" altLang="ru-RU" dirty="0">
+                <a:latin typeface="Arial" panose="020B0604020202020204" pitchFamily="34" charset="0"/>
+                <a:cs typeface="Arial" panose="020B0604020202020204" pitchFamily="34" charset="0"/>
+              </a:rPr>
+            </a:br>
+            <a:r>
+              <a:rPr lang="en-US" altLang="ru-RU" dirty="0">
+                <a:latin typeface="Arial" panose="020B0604020202020204" pitchFamily="34" charset="0"/>
+                <a:cs typeface="Arial" panose="020B0604020202020204" pitchFamily="34" charset="0"/>
+              </a:rPr>
+              <a:t>    </a:t>
+            </a:r>
+            <a:r>
+              <a:rPr lang="en-US" altLang="ru-RU" b="1" dirty="0">
+                <a:latin typeface="Arial" panose="020B0604020202020204" pitchFamily="34" charset="0"/>
+                <a:cs typeface="Arial" panose="020B0604020202020204" pitchFamily="34" charset="0"/>
+              </a:rPr>
+              <a:t>return</a:t>
+            </a:r>
+            <a:br>
+              <a:rPr lang="en-US" altLang="ru-RU" dirty="0">
+                <a:latin typeface="Arial" panose="020B0604020202020204" pitchFamily="34" charset="0"/>
+                <a:cs typeface="Arial" panose="020B0604020202020204" pitchFamily="34" charset="0"/>
+              </a:rPr>
+            </a:br>
+            <a:r>
+              <a:rPr lang="en-US" altLang="ru-RU" b="1" dirty="0">
+                <a:latin typeface="Arial" panose="020B0604020202020204" pitchFamily="34" charset="0"/>
+                <a:cs typeface="Arial" panose="020B0604020202020204" pitchFamily="34" charset="0"/>
+              </a:rPr>
+              <a:t>if </a:t>
+            </a:r>
+            <a:r>
+              <a:rPr lang="en-US" altLang="ru-RU" dirty="0">
+                <a:latin typeface="Arial" panose="020B0604020202020204" pitchFamily="34" charset="0"/>
+                <a:cs typeface="Arial" panose="020B0604020202020204" pitchFamily="34" charset="0"/>
+              </a:rPr>
+              <a:t>min == X</a:t>
+            </a:r>
+            <a:endParaRPr lang="en-US" altLang="ru-RU" b="1" dirty="0">
+              <a:latin typeface="Arial" panose="020B0604020202020204" pitchFamily="34" charset="0"/>
+              <a:cs typeface="Arial" panose="020B0604020202020204" pitchFamily="34" charset="0"/>
+            </a:endParaRPr>
+          </a:p>
+          <a:p>
+            <a:pPr marL="0" lvl="0" indent="0" eaLnBrk="0" fontAlgn="base" hangingPunct="0">
+              <a:lnSpc>
+                <a:spcPct val="100000"/>
+              </a:lnSpc>
+              <a:spcBef>
+                <a:spcPct val="0"/>
+              </a:spcBef>
+              <a:spcAft>
+                <a:spcPct val="0"/>
+              </a:spcAft>
+              <a:buNone/>
+            </a:pPr>
+            <a:r>
+              <a:rPr lang="en-US" altLang="ru-RU" b="1" dirty="0">
+                <a:latin typeface="Arial" panose="020B0604020202020204" pitchFamily="34" charset="0"/>
+                <a:cs typeface="Arial" panose="020B0604020202020204" pitchFamily="34" charset="0"/>
+              </a:rPr>
+              <a:t>    if </a:t>
+            </a:r>
+            <a:r>
+              <a:rPr lang="en-US" altLang="ru-RU" dirty="0" err="1">
+                <a:latin typeface="Arial" panose="020B0604020202020204" pitchFamily="34" charset="0"/>
+                <a:cs typeface="Arial" panose="020B0604020202020204" pitchFamily="34" charset="0"/>
+              </a:rPr>
+              <a:t>summary.min</a:t>
+            </a:r>
+            <a:r>
+              <a:rPr lang="en-US" altLang="ru-RU" dirty="0">
+                <a:latin typeface="Arial" panose="020B0604020202020204" pitchFamily="34" charset="0"/>
+                <a:cs typeface="Arial" panose="020B0604020202020204" pitchFamily="34" charset="0"/>
+              </a:rPr>
+              <a:t> == null</a:t>
+            </a:r>
+            <a:br>
+              <a:rPr lang="en-US" altLang="ru-RU" b="1" dirty="0">
+                <a:latin typeface="Arial" panose="020B0604020202020204" pitchFamily="34" charset="0"/>
+                <a:cs typeface="Arial" panose="020B0604020202020204" pitchFamily="34" charset="0"/>
+              </a:rPr>
+            </a:br>
+            <a:r>
+              <a:rPr lang="en-US" altLang="ru-RU" b="1" dirty="0">
+                <a:latin typeface="Arial" panose="020B0604020202020204" pitchFamily="34" charset="0"/>
+                <a:cs typeface="Arial" panose="020B0604020202020204" pitchFamily="34" charset="0"/>
+              </a:rPr>
+              <a:t>        </a:t>
+            </a:r>
+            <a:r>
+              <a:rPr lang="en-US" altLang="ru-RU" dirty="0">
+                <a:latin typeface="Arial" panose="020B0604020202020204" pitchFamily="34" charset="0"/>
+                <a:cs typeface="Arial" panose="020B0604020202020204" pitchFamily="34" charset="0"/>
+              </a:rPr>
+              <a:t>min = max</a:t>
+            </a:r>
+            <a:br>
+              <a:rPr lang="en-US" altLang="ru-RU" dirty="0">
+                <a:latin typeface="Arial" panose="020B0604020202020204" pitchFamily="34" charset="0"/>
+                <a:cs typeface="Arial" panose="020B0604020202020204" pitchFamily="34" charset="0"/>
+              </a:rPr>
+            </a:br>
+            <a:r>
+              <a:rPr lang="en-US" altLang="ru-RU" dirty="0">
+                <a:latin typeface="Arial" panose="020B0604020202020204" pitchFamily="34" charset="0"/>
+                <a:cs typeface="Arial" panose="020B0604020202020204" pitchFamily="34" charset="0"/>
+              </a:rPr>
+              <a:t>        </a:t>
+            </a:r>
+            <a:r>
+              <a:rPr lang="en-US" altLang="ru-RU" b="1" dirty="0">
+                <a:latin typeface="Arial" panose="020B0604020202020204" pitchFamily="34" charset="0"/>
+                <a:cs typeface="Arial" panose="020B0604020202020204" pitchFamily="34" charset="0"/>
+              </a:rPr>
+              <a:t>return</a:t>
+            </a:r>
+            <a:br>
+              <a:rPr lang="en-US" altLang="ru-RU" b="1" dirty="0">
+                <a:latin typeface="Arial" panose="020B0604020202020204" pitchFamily="34" charset="0"/>
+                <a:cs typeface="Arial" panose="020B0604020202020204" pitchFamily="34" charset="0"/>
+              </a:rPr>
+            </a:br>
+            <a:r>
+              <a:rPr lang="en-US" altLang="ru-RU" b="1" dirty="0">
+                <a:latin typeface="Arial" panose="020B0604020202020204" pitchFamily="34" charset="0"/>
+                <a:cs typeface="Arial" panose="020B0604020202020204" pitchFamily="34" charset="0"/>
+              </a:rPr>
+              <a:t>    </a:t>
+            </a:r>
+            <a:r>
+              <a:rPr lang="en-US" altLang="ru-RU" dirty="0">
+                <a:latin typeface="Arial" panose="020B0604020202020204" pitchFamily="34" charset="0"/>
+                <a:cs typeface="Arial" panose="020B0604020202020204" pitchFamily="34" charset="0"/>
+              </a:rPr>
+              <a:t>X = </a:t>
+            </a:r>
+            <a:r>
+              <a:rPr lang="en-US" altLang="ru-RU" dirty="0" err="1">
+                <a:latin typeface="Arial" panose="020B0604020202020204" pitchFamily="34" charset="0"/>
+                <a:cs typeface="Arial" panose="020B0604020202020204" pitchFamily="34" charset="0"/>
+              </a:rPr>
+              <a:t>GenerateIndex</a:t>
+            </a:r>
+            <a:r>
+              <a:rPr lang="en-US" altLang="ru-RU" dirty="0">
+                <a:latin typeface="Arial" panose="020B0604020202020204" pitchFamily="34" charset="0"/>
+                <a:cs typeface="Arial" panose="020B0604020202020204" pitchFamily="34" charset="0"/>
+              </a:rPr>
+              <a:t>(</a:t>
+            </a:r>
+            <a:r>
+              <a:rPr lang="en-US" altLang="ru-RU" dirty="0" err="1">
+                <a:latin typeface="Arial" panose="020B0604020202020204" pitchFamily="34" charset="0"/>
+                <a:cs typeface="Arial" panose="020B0604020202020204" pitchFamily="34" charset="0"/>
+              </a:rPr>
+              <a:t>summary.min</a:t>
+            </a:r>
+            <a:r>
+              <a:rPr lang="en-US" altLang="ru-RU" dirty="0">
+                <a:latin typeface="Arial" panose="020B0604020202020204" pitchFamily="34" charset="0"/>
+                <a:cs typeface="Arial" panose="020B0604020202020204" pitchFamily="34" charset="0"/>
+              </a:rPr>
+              <a:t>, cluster[</a:t>
+            </a:r>
+            <a:r>
+              <a:rPr lang="en-US" altLang="ru-RU" dirty="0" err="1">
+                <a:latin typeface="Arial" panose="020B0604020202020204" pitchFamily="34" charset="0"/>
+                <a:cs typeface="Arial" panose="020B0604020202020204" pitchFamily="34" charset="0"/>
+              </a:rPr>
+              <a:t>summary.min</a:t>
+            </a:r>
+            <a:r>
+              <a:rPr lang="en-US" altLang="ru-RU" dirty="0">
+                <a:latin typeface="Arial" panose="020B0604020202020204" pitchFamily="34" charset="0"/>
+                <a:cs typeface="Arial" panose="020B0604020202020204" pitchFamily="34" charset="0"/>
+              </a:rPr>
+              <a:t>].min)</a:t>
+            </a:r>
+            <a:br>
+              <a:rPr lang="en-US" altLang="ru-RU" dirty="0">
+                <a:latin typeface="Arial" panose="020B0604020202020204" pitchFamily="34" charset="0"/>
+                <a:cs typeface="Arial" panose="020B0604020202020204" pitchFamily="34" charset="0"/>
+              </a:rPr>
+            </a:br>
+            <a:r>
+              <a:rPr lang="en-US" altLang="ru-RU" dirty="0">
+                <a:latin typeface="Arial" panose="020B0604020202020204" pitchFamily="34" charset="0"/>
+                <a:cs typeface="Arial" panose="020B0604020202020204" pitchFamily="34" charset="0"/>
+              </a:rPr>
+              <a:t>    min = X</a:t>
+            </a:r>
+            <a:br>
+              <a:rPr lang="en-US" altLang="ru-RU" dirty="0">
+                <a:latin typeface="Arial" panose="020B0604020202020204" pitchFamily="34" charset="0"/>
+                <a:cs typeface="Arial" panose="020B0604020202020204" pitchFamily="34" charset="0"/>
+              </a:rPr>
+            </a:br>
+            <a:r>
+              <a:rPr lang="en-US" altLang="ru-RU" b="1" dirty="0">
+                <a:latin typeface="Arial" panose="020B0604020202020204" pitchFamily="34" charset="0"/>
+                <a:cs typeface="Arial" panose="020B0604020202020204" pitchFamily="34" charset="0"/>
+              </a:rPr>
+              <a:t>if </a:t>
+            </a:r>
+            <a:r>
+              <a:rPr lang="en-US" altLang="ru-RU" dirty="0" err="1">
+                <a:latin typeface="Arial" panose="020B0604020202020204" pitchFamily="34" charset="0"/>
+                <a:cs typeface="Arial" panose="020B0604020202020204" pitchFamily="34" charset="0"/>
+              </a:rPr>
+              <a:t>summary.min</a:t>
+            </a:r>
+            <a:r>
+              <a:rPr lang="en-US" altLang="ru-RU" dirty="0">
+                <a:latin typeface="Arial" panose="020B0604020202020204" pitchFamily="34" charset="0"/>
+                <a:cs typeface="Arial" panose="020B0604020202020204" pitchFamily="34" charset="0"/>
+              </a:rPr>
+              <a:t> == null</a:t>
+            </a:r>
+            <a:br>
+              <a:rPr lang="en-US" altLang="ru-RU" b="1" dirty="0">
+                <a:latin typeface="Arial" panose="020B0604020202020204" pitchFamily="34" charset="0"/>
+                <a:cs typeface="Arial" panose="020B0604020202020204" pitchFamily="34" charset="0"/>
+              </a:rPr>
+            </a:br>
+            <a:r>
+              <a:rPr lang="en-US" altLang="ru-RU" b="1" dirty="0">
+                <a:latin typeface="Arial" panose="020B0604020202020204" pitchFamily="34" charset="0"/>
+                <a:cs typeface="Arial" panose="020B0604020202020204" pitchFamily="34" charset="0"/>
+              </a:rPr>
+              <a:t>    return</a:t>
+            </a:r>
+            <a:br>
+              <a:rPr lang="en-US" altLang="ru-RU" b="1" dirty="0">
+                <a:latin typeface="Arial" panose="020B0604020202020204" pitchFamily="34" charset="0"/>
+                <a:cs typeface="Arial" panose="020B0604020202020204" pitchFamily="34" charset="0"/>
+              </a:rPr>
+            </a:br>
+            <a:r>
+              <a:rPr lang="en-US" altLang="ru-RU" dirty="0">
+                <a:latin typeface="Arial" panose="020B0604020202020204" pitchFamily="34" charset="0"/>
+                <a:cs typeface="Arial" panose="020B0604020202020204" pitchFamily="34" charset="0"/>
+              </a:rPr>
+              <a:t>cluster[High(X)].Remove(Low(x))</a:t>
+            </a:r>
+            <a:br>
+              <a:rPr lang="en-US" altLang="ru-RU" b="1" dirty="0">
+                <a:latin typeface="Arial" panose="020B0604020202020204" pitchFamily="34" charset="0"/>
+                <a:cs typeface="Arial" panose="020B0604020202020204" pitchFamily="34" charset="0"/>
+              </a:rPr>
+            </a:br>
+            <a:r>
+              <a:rPr lang="en-US" altLang="ru-RU" b="1" dirty="0">
+                <a:latin typeface="Arial" panose="020B0604020202020204" pitchFamily="34" charset="0"/>
+                <a:cs typeface="Arial" panose="020B0604020202020204" pitchFamily="34" charset="0"/>
+              </a:rPr>
+              <a:t>if </a:t>
+            </a:r>
+            <a:r>
+              <a:rPr lang="en-US" altLang="ru-RU" dirty="0">
+                <a:latin typeface="Arial" panose="020B0604020202020204" pitchFamily="34" charset="0"/>
+                <a:cs typeface="Arial" panose="020B0604020202020204" pitchFamily="34" charset="0"/>
+              </a:rPr>
+              <a:t>cluster[High(X)]. min == null</a:t>
+            </a:r>
+            <a:br>
+              <a:rPr lang="en-US" altLang="ru-RU" b="1" dirty="0">
+                <a:latin typeface="Arial" panose="020B0604020202020204" pitchFamily="34" charset="0"/>
+                <a:cs typeface="Arial" panose="020B0604020202020204" pitchFamily="34" charset="0"/>
+              </a:rPr>
+            </a:br>
+            <a:r>
+              <a:rPr lang="en-US" altLang="ru-RU" b="1" dirty="0">
+                <a:latin typeface="Arial" panose="020B0604020202020204" pitchFamily="34" charset="0"/>
+                <a:cs typeface="Arial" panose="020B0604020202020204" pitchFamily="34" charset="0"/>
+              </a:rPr>
+              <a:t> </a:t>
+            </a:r>
+            <a:r>
+              <a:rPr lang="en-US" altLang="ru-RU" dirty="0" err="1">
+                <a:latin typeface="Arial" panose="020B0604020202020204" pitchFamily="34" charset="0"/>
+                <a:cs typeface="Arial" panose="020B0604020202020204" pitchFamily="34" charset="0"/>
+              </a:rPr>
+              <a:t>summary.Remove</a:t>
+            </a:r>
+            <a:r>
+              <a:rPr lang="en-US" altLang="ru-RU" dirty="0">
+                <a:latin typeface="Arial" panose="020B0604020202020204" pitchFamily="34" charset="0"/>
+                <a:cs typeface="Arial" panose="020B0604020202020204" pitchFamily="34" charset="0"/>
+              </a:rPr>
+              <a:t>(High(x))</a:t>
+            </a:r>
+            <a:br>
+              <a:rPr lang="en-US" altLang="ru-RU" dirty="0">
+                <a:latin typeface="Arial" panose="020B0604020202020204" pitchFamily="34" charset="0"/>
+                <a:cs typeface="Arial" panose="020B0604020202020204" pitchFamily="34" charset="0"/>
+              </a:rPr>
+            </a:br>
+            <a:r>
+              <a:rPr lang="en-US" altLang="ru-RU" b="1" dirty="0">
+                <a:latin typeface="Arial" panose="020B0604020202020204" pitchFamily="34" charset="0"/>
+                <a:cs typeface="Arial" panose="020B0604020202020204" pitchFamily="34" charset="0"/>
+              </a:rPr>
+              <a:t>if </a:t>
+            </a:r>
+            <a:r>
+              <a:rPr lang="en-US" altLang="ru-RU" dirty="0">
+                <a:latin typeface="Arial" panose="020B0604020202020204" pitchFamily="34" charset="0"/>
+                <a:cs typeface="Arial" panose="020B0604020202020204" pitchFamily="34" charset="0"/>
+              </a:rPr>
+              <a:t>max == X </a:t>
+            </a:r>
+            <a:r>
+              <a:rPr lang="en-US" altLang="ru-RU" b="1" dirty="0">
+                <a:latin typeface="Arial" panose="020B0604020202020204" pitchFamily="34" charset="0"/>
+                <a:cs typeface="Arial" panose="020B0604020202020204" pitchFamily="34" charset="0"/>
+              </a:rPr>
+              <a:t>then</a:t>
+            </a:r>
+          </a:p>
+          <a:p>
+            <a:pPr marL="0" lvl="0" indent="0" eaLnBrk="0" fontAlgn="base" hangingPunct="0">
+              <a:lnSpc>
+                <a:spcPct val="100000"/>
+              </a:lnSpc>
+              <a:spcBef>
+                <a:spcPct val="0"/>
+              </a:spcBef>
+              <a:spcAft>
+                <a:spcPct val="0"/>
+              </a:spcAft>
+              <a:buNone/>
+            </a:pPr>
+            <a:r>
+              <a:rPr lang="en-US" altLang="ru-RU" b="1" dirty="0">
+                <a:latin typeface="Arial" panose="020B0604020202020204" pitchFamily="34" charset="0"/>
+                <a:cs typeface="Arial" panose="020B0604020202020204" pitchFamily="34" charset="0"/>
+              </a:rPr>
+              <a:t>    if </a:t>
+            </a:r>
+            <a:r>
+              <a:rPr lang="en-US" altLang="ru-RU" dirty="0" err="1">
+                <a:latin typeface="Arial" panose="020B0604020202020204" pitchFamily="34" charset="0"/>
+                <a:cs typeface="Arial" panose="020B0604020202020204" pitchFamily="34" charset="0"/>
+              </a:rPr>
+              <a:t>summary.min</a:t>
+            </a:r>
+            <a:r>
+              <a:rPr lang="en-US" altLang="ru-RU" dirty="0">
+                <a:latin typeface="Arial" panose="020B0604020202020204" pitchFamily="34" charset="0"/>
+                <a:cs typeface="Arial" panose="020B0604020202020204" pitchFamily="34" charset="0"/>
+              </a:rPr>
+              <a:t> == null</a:t>
+            </a:r>
+            <a:br>
+              <a:rPr lang="en-US" altLang="ru-RU" b="1" dirty="0">
+                <a:latin typeface="Arial" panose="020B0604020202020204" pitchFamily="34" charset="0"/>
+                <a:cs typeface="Arial" panose="020B0604020202020204" pitchFamily="34" charset="0"/>
+              </a:rPr>
+            </a:br>
+            <a:r>
+              <a:rPr lang="en-US" altLang="ru-RU" b="1" dirty="0">
+                <a:latin typeface="Arial" panose="020B0604020202020204" pitchFamily="34" charset="0"/>
+                <a:cs typeface="Arial" panose="020B0604020202020204" pitchFamily="34" charset="0"/>
+              </a:rPr>
+              <a:t>        </a:t>
+            </a:r>
+            <a:r>
+              <a:rPr lang="en-US" altLang="ru-RU" dirty="0">
+                <a:latin typeface="Arial" panose="020B0604020202020204" pitchFamily="34" charset="0"/>
+                <a:cs typeface="Arial" panose="020B0604020202020204" pitchFamily="34" charset="0"/>
+              </a:rPr>
+              <a:t>max = min</a:t>
+            </a:r>
+            <a:br>
+              <a:rPr lang="en-US" altLang="ru-RU" dirty="0">
+                <a:latin typeface="Arial" panose="020B0604020202020204" pitchFamily="34" charset="0"/>
+                <a:cs typeface="Arial" panose="020B0604020202020204" pitchFamily="34" charset="0"/>
+              </a:rPr>
+            </a:br>
+            <a:r>
+              <a:rPr lang="en-US" altLang="ru-RU" dirty="0">
+                <a:latin typeface="Arial" panose="020B0604020202020204" pitchFamily="34" charset="0"/>
+                <a:cs typeface="Arial" panose="020B0604020202020204" pitchFamily="34" charset="0"/>
+              </a:rPr>
+              <a:t>        </a:t>
+            </a:r>
+            <a:r>
+              <a:rPr lang="en-US" altLang="ru-RU" b="1" dirty="0">
+                <a:latin typeface="Arial" panose="020B0604020202020204" pitchFamily="34" charset="0"/>
+                <a:cs typeface="Arial" panose="020B0604020202020204" pitchFamily="34" charset="0"/>
+              </a:rPr>
+              <a:t>return</a:t>
+            </a:r>
+            <a:br>
+              <a:rPr lang="en-US" altLang="ru-RU" b="1" dirty="0">
+                <a:latin typeface="Arial" panose="020B0604020202020204" pitchFamily="34" charset="0"/>
+                <a:cs typeface="Arial" panose="020B0604020202020204" pitchFamily="34" charset="0"/>
+              </a:rPr>
+            </a:br>
+            <a:r>
+              <a:rPr lang="en-US" altLang="ru-RU" b="1" dirty="0">
+                <a:latin typeface="Arial" panose="020B0604020202020204" pitchFamily="34" charset="0"/>
+                <a:cs typeface="Arial" panose="020B0604020202020204" pitchFamily="34" charset="0"/>
+              </a:rPr>
+              <a:t>    </a:t>
+            </a:r>
+            <a:r>
+              <a:rPr lang="en-US" altLang="ru-RU" dirty="0">
+                <a:latin typeface="Arial" panose="020B0604020202020204" pitchFamily="34" charset="0"/>
+                <a:cs typeface="Arial" panose="020B0604020202020204" pitchFamily="34" charset="0"/>
+              </a:rPr>
+              <a:t>max = </a:t>
+            </a:r>
+            <a:r>
+              <a:rPr lang="en-US" altLang="ru-RU" dirty="0" err="1">
+                <a:latin typeface="Arial" panose="020B0604020202020204" pitchFamily="34" charset="0"/>
+                <a:cs typeface="Arial" panose="020B0604020202020204" pitchFamily="34" charset="0"/>
+              </a:rPr>
+              <a:t>GenerateIndex</a:t>
+            </a:r>
+            <a:r>
+              <a:rPr lang="en-US" altLang="ru-RU" dirty="0">
+                <a:latin typeface="Arial" panose="020B0604020202020204" pitchFamily="34" charset="0"/>
+                <a:cs typeface="Arial" panose="020B0604020202020204" pitchFamily="34" charset="0"/>
+              </a:rPr>
+              <a:t>(</a:t>
+            </a:r>
+            <a:r>
+              <a:rPr lang="en-US" altLang="ru-RU" dirty="0" err="1">
+                <a:latin typeface="Arial" panose="020B0604020202020204" pitchFamily="34" charset="0"/>
+                <a:cs typeface="Arial" panose="020B0604020202020204" pitchFamily="34" charset="0"/>
+              </a:rPr>
+              <a:t>summary.max</a:t>
+            </a:r>
+            <a:r>
+              <a:rPr lang="en-US" altLang="ru-RU" dirty="0">
+                <a:latin typeface="Arial" panose="020B0604020202020204" pitchFamily="34" charset="0"/>
+                <a:cs typeface="Arial" panose="020B0604020202020204" pitchFamily="34" charset="0"/>
+              </a:rPr>
+              <a:t>, cluster[</a:t>
+            </a:r>
+            <a:r>
+              <a:rPr lang="en-US" altLang="ru-RU" dirty="0" err="1">
+                <a:latin typeface="Arial" panose="020B0604020202020204" pitchFamily="34" charset="0"/>
+                <a:cs typeface="Arial" panose="020B0604020202020204" pitchFamily="34" charset="0"/>
+              </a:rPr>
+              <a:t>summary.max</a:t>
+            </a:r>
+            <a:r>
+              <a:rPr lang="en-US" altLang="ru-RU" dirty="0">
+                <a:latin typeface="Arial" panose="020B0604020202020204" pitchFamily="34" charset="0"/>
+                <a:cs typeface="Arial" panose="020B0604020202020204" pitchFamily="34" charset="0"/>
+              </a:rPr>
+              <a:t>].max)</a:t>
+            </a:r>
+          </a:p>
           <a:p>
             <a:pPr marL="0" indent="0">
               <a:buNone/>
             </a:pPr>
-            <a:r>
-              <a:rPr lang="ru-RU" dirty="0">
-                <a:latin typeface="Arial" panose="020B0604020202020204" pitchFamily="34" charset="0"/>
-                <a:cs typeface="Arial" panose="020B0604020202020204" pitchFamily="34" charset="0"/>
-              </a:rPr>
-              <a:t>На вход подается число Х</a:t>
-            </a:r>
-            <a:endParaRPr lang="en-US" b="1" dirty="0">
-              <a:latin typeface="Arial" panose="020B0604020202020204" pitchFamily="34" charset="0"/>
-              <a:cs typeface="Arial" panose="020B0604020202020204" pitchFamily="34" charset="0"/>
-            </a:endParaRPr>
-          </a:p>
-          <a:p>
-            <a:pPr marL="0" indent="0">
-              <a:buNone/>
-            </a:pPr>
-            <a:br>
-              <a:rPr lang="ru-RU" b="1" dirty="0">
-                <a:latin typeface="Arial" panose="020B0604020202020204" pitchFamily="34" charset="0"/>
-                <a:cs typeface="Arial" panose="020B0604020202020204" pitchFamily="34" charset="0"/>
-              </a:rPr>
-            </a:br>
-            <a:r>
-              <a:rPr lang="en-US" b="1" dirty="0">
-                <a:latin typeface="Arial" panose="020B0604020202020204" pitchFamily="34" charset="0"/>
-                <a:cs typeface="Arial" panose="020B0604020202020204" pitchFamily="34" charset="0"/>
-              </a:rPr>
-              <a:t>if </a:t>
-            </a:r>
-            <a:r>
-              <a:rPr lang="en-US" dirty="0" err="1">
-                <a:latin typeface="Arial" panose="020B0604020202020204" pitchFamily="34" charset="0"/>
-                <a:cs typeface="Arial" panose="020B0604020202020204" pitchFamily="34" charset="0"/>
-              </a:rPr>
-              <a:t>universeSize</a:t>
-            </a:r>
-            <a:r>
-              <a:rPr lang="en-US" dirty="0">
-                <a:latin typeface="Arial" panose="020B0604020202020204" pitchFamily="34" charset="0"/>
-                <a:cs typeface="Arial" panose="020B0604020202020204" pitchFamily="34" charset="0"/>
-              </a:rPr>
-              <a:t> = 2</a:t>
-            </a:r>
-            <a:br>
-              <a:rPr lang="en-US" b="1" dirty="0">
-                <a:latin typeface="Arial" panose="020B0604020202020204" pitchFamily="34" charset="0"/>
-                <a:cs typeface="Arial" panose="020B0604020202020204" pitchFamily="34" charset="0"/>
-              </a:rPr>
-            </a:br>
-            <a:r>
-              <a:rPr lang="en-US" b="1" dirty="0">
-                <a:latin typeface="Arial" panose="020B0604020202020204" pitchFamily="34" charset="0"/>
-                <a:cs typeface="Arial" panose="020B0604020202020204" pitchFamily="34" charset="0"/>
-              </a:rPr>
-              <a:t>    if </a:t>
-            </a:r>
-            <a:r>
-              <a:rPr lang="en-US" dirty="0">
-                <a:latin typeface="Arial" panose="020B0604020202020204" pitchFamily="34" charset="0"/>
-                <a:cs typeface="Arial" panose="020B0604020202020204" pitchFamily="34" charset="0"/>
-              </a:rPr>
-              <a:t>X == 0 </a:t>
-            </a:r>
-            <a:r>
-              <a:rPr lang="en-US" b="1" dirty="0">
-                <a:latin typeface="Arial" panose="020B0604020202020204" pitchFamily="34" charset="0"/>
-                <a:cs typeface="Arial" panose="020B0604020202020204" pitchFamily="34" charset="0"/>
-              </a:rPr>
-              <a:t>and </a:t>
-            </a:r>
-            <a:r>
-              <a:rPr lang="en-US" dirty="0">
-                <a:latin typeface="Arial" panose="020B0604020202020204" pitchFamily="34" charset="0"/>
-                <a:cs typeface="Arial" panose="020B0604020202020204" pitchFamily="34" charset="0"/>
-              </a:rPr>
-              <a:t>max == 1</a:t>
-            </a:r>
-            <a:br>
-              <a:rPr lang="en-US" b="1" dirty="0">
-                <a:latin typeface="Arial" panose="020B0604020202020204" pitchFamily="34" charset="0"/>
-                <a:cs typeface="Arial" panose="020B0604020202020204" pitchFamily="34" charset="0"/>
-              </a:rPr>
-            </a:br>
-            <a:r>
-              <a:rPr lang="en-US" b="1" dirty="0">
-                <a:latin typeface="Arial" panose="020B0604020202020204" pitchFamily="34" charset="0"/>
-                <a:cs typeface="Arial" panose="020B0604020202020204" pitchFamily="34" charset="0"/>
-              </a:rPr>
-              <a:t>        return </a:t>
-            </a:r>
-            <a:r>
-              <a:rPr lang="en-US" dirty="0">
-                <a:latin typeface="Arial" panose="020B0604020202020204" pitchFamily="34" charset="0"/>
-                <a:cs typeface="Arial" panose="020B0604020202020204" pitchFamily="34" charset="0"/>
-              </a:rPr>
-              <a:t>1</a:t>
-            </a:r>
-            <a:br>
-              <a:rPr lang="en-US" b="1" dirty="0">
-                <a:latin typeface="Arial" panose="020B0604020202020204" pitchFamily="34" charset="0"/>
-                <a:cs typeface="Arial" panose="020B0604020202020204" pitchFamily="34" charset="0"/>
-              </a:rPr>
-            </a:br>
-            <a:r>
-              <a:rPr lang="en-US" b="1" dirty="0">
-                <a:latin typeface="Arial" panose="020B0604020202020204" pitchFamily="34" charset="0"/>
-                <a:cs typeface="Arial" panose="020B0604020202020204" pitchFamily="34" charset="0"/>
-              </a:rPr>
-              <a:t>    else</a:t>
-            </a:r>
-            <a:br>
-              <a:rPr lang="en-US" b="1" dirty="0">
-                <a:latin typeface="Arial" panose="020B0604020202020204" pitchFamily="34" charset="0"/>
-                <a:cs typeface="Arial" panose="020B0604020202020204" pitchFamily="34" charset="0"/>
-              </a:rPr>
-            </a:br>
-            <a:r>
-              <a:rPr lang="en-US" b="1" dirty="0">
-                <a:latin typeface="Arial" panose="020B0604020202020204" pitchFamily="34" charset="0"/>
-                <a:cs typeface="Arial" panose="020B0604020202020204" pitchFamily="34" charset="0"/>
-              </a:rPr>
-              <a:t>        return </a:t>
-            </a:r>
-            <a:r>
-              <a:rPr lang="en-US" dirty="0">
-                <a:latin typeface="Arial" panose="020B0604020202020204" pitchFamily="34" charset="0"/>
-                <a:cs typeface="Arial" panose="020B0604020202020204" pitchFamily="34" charset="0"/>
-              </a:rPr>
-              <a:t>null</a:t>
-            </a:r>
-            <a:br>
-              <a:rPr lang="en-US" b="1" dirty="0">
-                <a:latin typeface="Arial" panose="020B0604020202020204" pitchFamily="34" charset="0"/>
-                <a:cs typeface="Arial" panose="020B0604020202020204" pitchFamily="34" charset="0"/>
-              </a:rPr>
-            </a:br>
-            <a:r>
-              <a:rPr lang="en-US" b="1" dirty="0">
-                <a:latin typeface="Arial" panose="020B0604020202020204" pitchFamily="34" charset="0"/>
-                <a:cs typeface="Arial" panose="020B0604020202020204" pitchFamily="34" charset="0"/>
-              </a:rPr>
-              <a:t>if </a:t>
-            </a:r>
-            <a:r>
-              <a:rPr lang="en-US" dirty="0">
-                <a:latin typeface="Arial" panose="020B0604020202020204" pitchFamily="34" charset="0"/>
-                <a:cs typeface="Arial" panose="020B0604020202020204" pitchFamily="34" charset="0"/>
-              </a:rPr>
-              <a:t>min != null </a:t>
-            </a:r>
-            <a:r>
-              <a:rPr lang="en-US" b="1" dirty="0">
-                <a:latin typeface="Arial" panose="020B0604020202020204" pitchFamily="34" charset="0"/>
-                <a:cs typeface="Arial" panose="020B0604020202020204" pitchFamily="34" charset="0"/>
-              </a:rPr>
-              <a:t>and </a:t>
-            </a:r>
-            <a:r>
-              <a:rPr lang="en-US" dirty="0">
-                <a:latin typeface="Arial" panose="020B0604020202020204" pitchFamily="34" charset="0"/>
-                <a:cs typeface="Arial" panose="020B0604020202020204" pitchFamily="34" charset="0"/>
-              </a:rPr>
-              <a:t>x &lt; min</a:t>
-            </a:r>
-            <a:br>
-              <a:rPr lang="en-US" b="1" dirty="0">
-                <a:latin typeface="Arial" panose="020B0604020202020204" pitchFamily="34" charset="0"/>
-                <a:cs typeface="Arial" panose="020B0604020202020204" pitchFamily="34" charset="0"/>
-              </a:rPr>
-            </a:br>
-            <a:r>
-              <a:rPr lang="en-US" b="1" dirty="0">
-                <a:latin typeface="Arial" panose="020B0604020202020204" pitchFamily="34" charset="0"/>
-                <a:cs typeface="Arial" panose="020B0604020202020204" pitchFamily="34" charset="0"/>
-              </a:rPr>
-              <a:t>    return </a:t>
-            </a:r>
-            <a:r>
-              <a:rPr lang="en-US" dirty="0">
-                <a:latin typeface="Arial" panose="020B0604020202020204" pitchFamily="34" charset="0"/>
-                <a:cs typeface="Arial" panose="020B0604020202020204" pitchFamily="34" charset="0"/>
-              </a:rPr>
-              <a:t>min</a:t>
-            </a:r>
-            <a:br>
-              <a:rPr lang="en-US" dirty="0">
-                <a:latin typeface="Arial" panose="020B0604020202020204" pitchFamily="34" charset="0"/>
-                <a:cs typeface="Arial" panose="020B0604020202020204" pitchFamily="34" charset="0"/>
-              </a:rPr>
-            </a:br>
-            <a:r>
-              <a:rPr lang="en-US" b="1" dirty="0">
-                <a:latin typeface="Arial" panose="020B0604020202020204" pitchFamily="34" charset="0"/>
-                <a:cs typeface="Arial" panose="020B0604020202020204" pitchFamily="34" charset="0"/>
-              </a:rPr>
-              <a:t>else</a:t>
-            </a:r>
-            <a:br>
-              <a:rPr lang="en-US" b="1" dirty="0">
-                <a:latin typeface="Arial" panose="020B0604020202020204" pitchFamily="34" charset="0"/>
-                <a:cs typeface="Arial" panose="020B0604020202020204" pitchFamily="34" charset="0"/>
-              </a:rPr>
-            </a:br>
-            <a:r>
-              <a:rPr lang="en-US" b="1" dirty="0">
-                <a:latin typeface="Arial" panose="020B0604020202020204" pitchFamily="34" charset="0"/>
-                <a:cs typeface="Arial" panose="020B0604020202020204" pitchFamily="34" charset="0"/>
-              </a:rPr>
-              <a:t>    </a:t>
-            </a:r>
-            <a:r>
-              <a:rPr lang="en-US" dirty="0">
-                <a:latin typeface="Arial" panose="020B0604020202020204" pitchFamily="34" charset="0"/>
-                <a:cs typeface="Arial" panose="020B0604020202020204" pitchFamily="34" charset="0"/>
-              </a:rPr>
-              <a:t>temp = </a:t>
-            </a:r>
-            <a:r>
-              <a:rPr lang="en-US" altLang="ru-RU" dirty="0">
-                <a:latin typeface="Arial" panose="020B0604020202020204" pitchFamily="34" charset="0"/>
-                <a:cs typeface="Arial" panose="020B0604020202020204" pitchFamily="34" charset="0"/>
-              </a:rPr>
-              <a:t>cluster</a:t>
-            </a:r>
-            <a:r>
-              <a:rPr lang="en-US" dirty="0">
-                <a:latin typeface="Arial" panose="020B0604020202020204" pitchFamily="34" charset="0"/>
-                <a:cs typeface="Arial" panose="020B0604020202020204" pitchFamily="34" charset="0"/>
-              </a:rPr>
-              <a:t>[High(X)].max</a:t>
-            </a:r>
-            <a:br>
-              <a:rPr lang="en-US" b="1" dirty="0">
-                <a:latin typeface="Arial" panose="020B0604020202020204" pitchFamily="34" charset="0"/>
-                <a:cs typeface="Arial" panose="020B0604020202020204" pitchFamily="34" charset="0"/>
-              </a:rPr>
-            </a:br>
-            <a:r>
-              <a:rPr lang="en-US" b="1" dirty="0">
-                <a:latin typeface="Arial" panose="020B0604020202020204" pitchFamily="34" charset="0"/>
-                <a:cs typeface="Arial" panose="020B0604020202020204" pitchFamily="34" charset="0"/>
-              </a:rPr>
-              <a:t>    if </a:t>
-            </a:r>
-            <a:r>
-              <a:rPr lang="en-US" dirty="0">
-                <a:latin typeface="Arial" panose="020B0604020202020204" pitchFamily="34" charset="0"/>
-                <a:cs typeface="Arial" panose="020B0604020202020204" pitchFamily="34" charset="0"/>
-              </a:rPr>
-              <a:t>max != null </a:t>
-            </a:r>
-            <a:r>
-              <a:rPr lang="en-US" b="1" dirty="0">
-                <a:latin typeface="Arial" panose="020B0604020202020204" pitchFamily="34" charset="0"/>
-                <a:cs typeface="Arial" panose="020B0604020202020204" pitchFamily="34" charset="0"/>
-              </a:rPr>
-              <a:t>and </a:t>
-            </a:r>
-            <a:r>
-              <a:rPr lang="en-US" dirty="0">
-                <a:latin typeface="Arial" panose="020B0604020202020204" pitchFamily="34" charset="0"/>
-                <a:cs typeface="Arial" panose="020B0604020202020204" pitchFamily="34" charset="0"/>
-              </a:rPr>
-              <a:t>Low(X) &lt; temp</a:t>
-            </a:r>
-            <a:br>
-              <a:rPr lang="en-US" b="1" dirty="0">
-                <a:latin typeface="Arial" panose="020B0604020202020204" pitchFamily="34" charset="0"/>
-                <a:cs typeface="Arial" panose="020B0604020202020204" pitchFamily="34" charset="0"/>
-              </a:rPr>
-            </a:br>
-            <a:r>
-              <a:rPr lang="en-US" b="1" dirty="0">
-                <a:latin typeface="Arial" panose="020B0604020202020204" pitchFamily="34" charset="0"/>
-                <a:cs typeface="Arial" panose="020B0604020202020204" pitchFamily="34" charset="0"/>
-              </a:rPr>
-              <a:t>        </a:t>
-            </a:r>
-            <a:r>
-              <a:rPr lang="en-US" dirty="0">
-                <a:latin typeface="Arial" panose="020B0604020202020204" pitchFamily="34" charset="0"/>
-                <a:cs typeface="Arial" panose="020B0604020202020204" pitchFamily="34" charset="0"/>
-              </a:rPr>
-              <a:t>temp = </a:t>
-            </a:r>
-            <a:r>
-              <a:rPr lang="en-US" altLang="ru-RU" dirty="0">
-                <a:latin typeface="Arial" panose="020B0604020202020204" pitchFamily="34" charset="0"/>
-                <a:cs typeface="Arial" panose="020B0604020202020204" pitchFamily="34" charset="0"/>
-              </a:rPr>
-              <a:t>cluster</a:t>
-            </a:r>
-            <a:r>
-              <a:rPr lang="en-US" dirty="0">
-                <a:latin typeface="Arial" panose="020B0604020202020204" pitchFamily="34" charset="0"/>
-                <a:cs typeface="Arial" panose="020B0604020202020204" pitchFamily="34" charset="0"/>
-              </a:rPr>
-              <a:t>[High(X)].Successor(Low(X))</a:t>
-            </a:r>
-            <a:br>
-              <a:rPr lang="en-US" dirty="0">
-                <a:latin typeface="Arial" panose="020B0604020202020204" pitchFamily="34" charset="0"/>
-                <a:cs typeface="Arial" panose="020B0604020202020204" pitchFamily="34" charset="0"/>
-              </a:rPr>
-            </a:br>
-            <a:r>
-              <a:rPr lang="en-US" dirty="0">
-                <a:latin typeface="Arial" panose="020B0604020202020204" pitchFamily="34" charset="0"/>
-                <a:cs typeface="Arial" panose="020B0604020202020204" pitchFamily="34" charset="0"/>
-              </a:rPr>
-              <a:t>        </a:t>
-            </a:r>
-            <a:r>
-              <a:rPr lang="en-US" dirty="0" err="1">
-                <a:latin typeface="Arial" panose="020B0604020202020204" pitchFamily="34" charset="0"/>
-                <a:cs typeface="Arial" panose="020B0604020202020204" pitchFamily="34" charset="0"/>
-              </a:rPr>
-              <a:t>GenerateIndex</a:t>
-            </a:r>
-            <a:r>
-              <a:rPr lang="en-US" dirty="0">
-                <a:latin typeface="Arial" panose="020B0604020202020204" pitchFamily="34" charset="0"/>
-                <a:cs typeface="Arial" panose="020B0604020202020204" pitchFamily="34" charset="0"/>
-              </a:rPr>
-              <a:t>(High(X), temp)</a:t>
-            </a:r>
-            <a:br>
-              <a:rPr lang="en-US" dirty="0">
-                <a:latin typeface="Arial" panose="020B0604020202020204" pitchFamily="34" charset="0"/>
-                <a:cs typeface="Arial" panose="020B0604020202020204" pitchFamily="34" charset="0"/>
-              </a:rPr>
-            </a:br>
-            <a:r>
-              <a:rPr lang="en-US" dirty="0">
-                <a:latin typeface="Arial" panose="020B0604020202020204" pitchFamily="34" charset="0"/>
-                <a:cs typeface="Arial" panose="020B0604020202020204" pitchFamily="34" charset="0"/>
-              </a:rPr>
-              <a:t>    </a:t>
-            </a:r>
-            <a:r>
-              <a:rPr lang="en-US" b="1" dirty="0">
-                <a:latin typeface="Arial" panose="020B0604020202020204" pitchFamily="34" charset="0"/>
-                <a:cs typeface="Arial" panose="020B0604020202020204" pitchFamily="34" charset="0"/>
-              </a:rPr>
-              <a:t>else</a:t>
-            </a:r>
-            <a:br>
-              <a:rPr lang="en-US" b="1" dirty="0">
-                <a:latin typeface="Arial" panose="020B0604020202020204" pitchFamily="34" charset="0"/>
-                <a:cs typeface="Arial" panose="020B0604020202020204" pitchFamily="34" charset="0"/>
-              </a:rPr>
-            </a:br>
-            <a:r>
-              <a:rPr lang="en-US" dirty="0">
-                <a:latin typeface="Arial" panose="020B0604020202020204" pitchFamily="34" charset="0"/>
-                <a:cs typeface="Arial" panose="020B0604020202020204" pitchFamily="34" charset="0"/>
-              </a:rPr>
-              <a:t>        temp = </a:t>
-            </a:r>
-            <a:r>
-              <a:rPr lang="en-US" altLang="ru-RU" dirty="0" err="1">
-                <a:latin typeface="Arial" panose="020B0604020202020204" pitchFamily="34" charset="0"/>
-                <a:cs typeface="Arial" panose="020B0604020202020204" pitchFamily="34" charset="0"/>
-              </a:rPr>
-              <a:t>summary</a:t>
-            </a:r>
-            <a:r>
-              <a:rPr lang="en-US" dirty="0" err="1">
-                <a:latin typeface="Arial" panose="020B0604020202020204" pitchFamily="34" charset="0"/>
-                <a:cs typeface="Arial" panose="020B0604020202020204" pitchFamily="34" charset="0"/>
-              </a:rPr>
-              <a:t>.Successor</a:t>
-            </a:r>
-            <a:r>
-              <a:rPr lang="en-US" dirty="0">
-                <a:latin typeface="Arial" panose="020B0604020202020204" pitchFamily="34" charset="0"/>
-                <a:cs typeface="Arial" panose="020B0604020202020204" pitchFamily="34" charset="0"/>
-              </a:rPr>
-              <a:t>(High(X))</a:t>
-            </a:r>
-            <a:br>
-              <a:rPr lang="en-US" dirty="0">
-                <a:latin typeface="Arial" panose="020B0604020202020204" pitchFamily="34" charset="0"/>
-                <a:cs typeface="Arial" panose="020B0604020202020204" pitchFamily="34" charset="0"/>
-              </a:rPr>
-            </a:br>
-            <a:r>
-              <a:rPr lang="en-US" dirty="0">
-                <a:latin typeface="Arial" panose="020B0604020202020204" pitchFamily="34" charset="0"/>
-                <a:cs typeface="Arial" panose="020B0604020202020204" pitchFamily="34" charset="0"/>
-              </a:rPr>
-              <a:t>        </a:t>
-            </a:r>
-            <a:r>
-              <a:rPr lang="en-US" b="1" dirty="0">
-                <a:latin typeface="Arial" panose="020B0604020202020204" pitchFamily="34" charset="0"/>
-                <a:cs typeface="Arial" panose="020B0604020202020204" pitchFamily="34" charset="0"/>
-              </a:rPr>
-              <a:t>If </a:t>
-            </a:r>
-            <a:r>
-              <a:rPr lang="en-US" dirty="0">
-                <a:latin typeface="Arial" panose="020B0604020202020204" pitchFamily="34" charset="0"/>
-                <a:cs typeface="Arial" panose="020B0604020202020204" pitchFamily="34" charset="0"/>
-              </a:rPr>
-              <a:t>temp == null</a:t>
-            </a:r>
-            <a:br>
-              <a:rPr lang="en-US" b="1" dirty="0">
-                <a:latin typeface="Arial" panose="020B0604020202020204" pitchFamily="34" charset="0"/>
-                <a:cs typeface="Arial" panose="020B0604020202020204" pitchFamily="34" charset="0"/>
-              </a:rPr>
-            </a:br>
-            <a:r>
-              <a:rPr lang="en-US" b="1" dirty="0">
-                <a:latin typeface="Arial" panose="020B0604020202020204" pitchFamily="34" charset="0"/>
-                <a:cs typeface="Arial" panose="020B0604020202020204" pitchFamily="34" charset="0"/>
-              </a:rPr>
-              <a:t>            return </a:t>
-            </a:r>
-            <a:r>
-              <a:rPr lang="en-US" dirty="0">
-                <a:latin typeface="Arial" panose="020B0604020202020204" pitchFamily="34" charset="0"/>
-                <a:cs typeface="Arial" panose="020B0604020202020204" pitchFamily="34" charset="0"/>
-              </a:rPr>
-              <a:t>null</a:t>
-            </a:r>
-            <a:br>
-              <a:rPr lang="en-US" b="1" dirty="0">
-                <a:latin typeface="Arial" panose="020B0604020202020204" pitchFamily="34" charset="0"/>
-                <a:cs typeface="Arial" panose="020B0604020202020204" pitchFamily="34" charset="0"/>
-              </a:rPr>
-            </a:br>
-            <a:r>
-              <a:rPr lang="en-US" b="1" dirty="0">
-                <a:latin typeface="Arial" panose="020B0604020202020204" pitchFamily="34" charset="0"/>
-                <a:cs typeface="Arial" panose="020B0604020202020204" pitchFamily="34" charset="0"/>
-              </a:rPr>
-              <a:t>        else</a:t>
-            </a:r>
-            <a:br>
-              <a:rPr lang="en-US" b="1" dirty="0">
-                <a:latin typeface="Arial" panose="020B0604020202020204" pitchFamily="34" charset="0"/>
-                <a:cs typeface="Arial" panose="020B0604020202020204" pitchFamily="34" charset="0"/>
-              </a:rPr>
-            </a:br>
-            <a:r>
-              <a:rPr lang="en-US" dirty="0">
-                <a:latin typeface="Arial" panose="020B0604020202020204" pitchFamily="34" charset="0"/>
-                <a:cs typeface="Arial" panose="020B0604020202020204" pitchFamily="34" charset="0"/>
-              </a:rPr>
-              <a:t>            </a:t>
-            </a:r>
-            <a:r>
-              <a:rPr lang="en-US" dirty="0" err="1">
-                <a:latin typeface="Arial" panose="020B0604020202020204" pitchFamily="34" charset="0"/>
-                <a:cs typeface="Arial" panose="020B0604020202020204" pitchFamily="34" charset="0"/>
-              </a:rPr>
-              <a:t>GenerateIndex</a:t>
-            </a:r>
-            <a:r>
-              <a:rPr lang="en-US" dirty="0">
-                <a:latin typeface="Arial" panose="020B0604020202020204" pitchFamily="34" charset="0"/>
-                <a:cs typeface="Arial" panose="020B0604020202020204" pitchFamily="34" charset="0"/>
-              </a:rPr>
-              <a:t>(temp,</a:t>
-            </a:r>
-            <a:r>
-              <a:rPr lang="en-US" altLang="ru-RU" dirty="0">
-                <a:latin typeface="Arial" panose="020B0604020202020204" pitchFamily="34" charset="0"/>
-                <a:cs typeface="Arial" panose="020B0604020202020204" pitchFamily="34" charset="0"/>
-              </a:rPr>
-              <a:t> cluster</a:t>
-            </a:r>
-            <a:r>
-              <a:rPr lang="en-US" dirty="0">
-                <a:latin typeface="Arial" panose="020B0604020202020204" pitchFamily="34" charset="0"/>
-                <a:cs typeface="Arial" panose="020B0604020202020204" pitchFamily="34" charset="0"/>
-              </a:rPr>
-              <a:t>[temp].min)</a:t>
-            </a:r>
-            <a:endParaRPr lang="ru-RU" dirty="0">
-              <a:latin typeface="Arial" panose="020B0604020202020204" pitchFamily="34" charset="0"/>
-              <a:cs typeface="Arial" panose="020B0604020202020204" pitchFamily="34" charset="0"/>
-            </a:endParaRPr>
-          </a:p>
-          <a:p>
             <a:endParaRPr lang="ru-RU" dirty="0"/>
           </a:p>
         </p:txBody>
@@ -5461,13 +5233,16 @@
     </p:spTree>
     <p:extLst>
       <p:ext uri="{BB962C8B-B14F-4D97-AF65-F5344CB8AC3E}">
-        <p14:creationId xmlns:p14="http://schemas.microsoft.com/office/powerpoint/2010/main" val="143499985"/>
+        <p14:creationId xmlns:p14="http://schemas.microsoft.com/office/powerpoint/2010/main" val="2469588927"/>
       </p:ext>
     </p:extLst>
   </p:cSld>
   <p:clrMapOvr>
     <a:masterClrMapping/>
   </p:clrMapOvr>
+  <p:transition spd="slow">
+    <p:push dir="u"/>
+  </p:transition>
 </p:sld>
 </file>
 
@@ -5548,13 +5323,13 @@
               <a:rPr lang="en-US" dirty="0">
                 <a:latin typeface="Arial Black" panose="020B0A04020102020204" pitchFamily="34" charset="0"/>
               </a:rPr>
-              <a:t>Predecessor (</a:t>
+              <a:t>Successor (</a:t>
             </a:r>
             <a:r>
               <a:rPr lang="ru-RU" dirty="0">
                 <a:latin typeface="Arial Black" panose="020B0A04020102020204" pitchFamily="34" charset="0"/>
               </a:rPr>
-              <a:t>предок</a:t>
+              <a:t>преемник</a:t>
             </a:r>
             <a:r>
               <a:rPr lang="en-US" dirty="0">
@@ -5585,12 +5360,12 @@
         <p:spPr>
           <a:xfrm>
             <a:off x="838200" y="1825625"/>
-            <a:ext cx="5637245" cy="4351338"/>
+            <a:ext cx="5189376" cy="4351338"/>
           </a:xfrm>
         </p:spPr>
         <p:txBody>
           <a:bodyPr>
-            <a:normAutofit fontScale="55000" lnSpcReduction="20000"/>
+            <a:normAutofit fontScale="62500" lnSpcReduction="20000"/>
           </a:bodyPr>
           <a:lstStyle/>
           <a:p>
@@ -5658,7 +5433,7 @@
                 <a:latin typeface="Arial" panose="020B0604020202020204" pitchFamily="34" charset="0"/>
                 <a:cs typeface="Arial" panose="020B0604020202020204" pitchFamily="34" charset="0"/>
               </a:rPr>
-              <a:t>X == 1 </a:t>
+              <a:t>X == 0 </a:t>
             </a:r>
             <a:r>
               <a:rPr lang="en-US" b="1" dirty="0">
@@ -5672,7 +5447,7 @@
                 <a:latin typeface="Arial" panose="020B0604020202020204" pitchFamily="34" charset="0"/>
                 <a:cs typeface="Arial" panose="020B0604020202020204" pitchFamily="34" charset="0"/>
               </a:rPr>
-              <a:t>min == 0</a:t>
+              <a:t>max == 1</a:t>
             </a:r>
             <a:br>
               <a:rPr lang="en-US" b="1" dirty="0">
@@ -5692,7 +5467,7 @@
                 <a:latin typeface="Arial" panose="020B0604020202020204" pitchFamily="34" charset="0"/>
                 <a:cs typeface="Arial" panose="020B0604020202020204" pitchFamily="34" charset="0"/>
               </a:rPr>
-              <a:t>0</a:t>
+              <a:t>1</a:t>
             </a:r>
             <a:br>
               <a:rPr lang="en-US" b="1" dirty="0">
@@ -5745,7 +5520,7 @@
                 <a:latin typeface="Arial" panose="020B0604020202020204" pitchFamily="34" charset="0"/>
                 <a:cs typeface="Arial" panose="020B0604020202020204" pitchFamily="34" charset="0"/>
               </a:rPr>
-              <a:t>max != null </a:t>
+              <a:t>min != null </a:t>
             </a:r>
             <a:r>
               <a:rPr lang="en-US" b="1" dirty="0">
@@ -5755,18 +5530,11 @@
               <a:t>and </a:t>
             </a:r>
             <a:r>
-              <a:rPr lang="ru-RU" dirty="0">
-                <a:latin typeface="Arial" panose="020B0604020202020204" pitchFamily="34" charset="0"/>
-                <a:cs typeface="Arial" panose="020B0604020202020204" pitchFamily="34" charset="0"/>
-              </a:rPr>
-              <a:t>Х</a:t>
-            </a:r>
-            <a:r>
-              <a:rPr lang="en-US" dirty="0">
-                <a:latin typeface="Arial" panose="020B0604020202020204" pitchFamily="34" charset="0"/>
-                <a:cs typeface="Arial" panose="020B0604020202020204" pitchFamily="34" charset="0"/>
-              </a:rPr>
-              <a:t> &gt; max</a:t>
+              <a:rPr lang="en-US" dirty="0">
+                <a:latin typeface="Arial" panose="020B0604020202020204" pitchFamily="34" charset="0"/>
+                <a:cs typeface="Arial" panose="020B0604020202020204" pitchFamily="34" charset="0"/>
+              </a:rPr>
+              <a:t>x &lt; min</a:t>
             </a:r>
             <a:br>
               <a:rPr lang="en-US" b="1" dirty="0">
@@ -5786,7 +5554,7 @@
                 <a:latin typeface="Arial" panose="020B0604020202020204" pitchFamily="34" charset="0"/>
                 <a:cs typeface="Arial" panose="020B0604020202020204" pitchFamily="34" charset="0"/>
               </a:rPr>
-              <a:t>max</a:t>
+              <a:t>min</a:t>
             </a:r>
             <a:br>
               <a:rPr lang="en-US" dirty="0">
@@ -5819,7 +5587,21 @@
                 <a:latin typeface="Arial" panose="020B0604020202020204" pitchFamily="34" charset="0"/>
                 <a:cs typeface="Arial" panose="020B0604020202020204" pitchFamily="34" charset="0"/>
               </a:rPr>
-              <a:t>temp = cluster[High(X)].min</a:t>
+              <a:t>temp = </a:t>
+            </a:r>
+            <a:r>
+              <a:rPr lang="en-US" altLang="ru-RU" dirty="0">
+                <a:latin typeface="Arial" panose="020B0604020202020204" pitchFamily="34" charset="0"/>
+                <a:cs typeface="Arial" panose="020B0604020202020204" pitchFamily="34" charset="0"/>
+              </a:rPr>
+              <a:t>cluster</a:t>
+            </a:r>
+            <a:r>
+              <a:rPr lang="en-US" dirty="0">
+                <a:latin typeface="Arial" panose="020B0604020202020204" pitchFamily="34" charset="0"/>
+                <a:cs typeface="Arial" panose="020B0604020202020204" pitchFamily="34" charset="0"/>
+              </a:rPr>
+              <a:t>[High(X)].max</a:t>
             </a:r>
             <a:br>
               <a:rPr lang="en-US" b="1" dirty="0">
@@ -5853,7 +5635,7 @@
                 <a:latin typeface="Arial" panose="020B0604020202020204" pitchFamily="34" charset="0"/>
                 <a:cs typeface="Arial" panose="020B0604020202020204" pitchFamily="34" charset="0"/>
               </a:rPr>
-              <a:t>Low(X) &gt; temp</a:t>
+              <a:t>Low(X) &lt; temp</a:t>
             </a:r>
             <a:br>
               <a:rPr lang="en-US" b="1" dirty="0">
@@ -5873,7 +5655,21 @@
                 <a:latin typeface="Arial" panose="020B0604020202020204" pitchFamily="34" charset="0"/>
                 <a:cs typeface="Arial" panose="020B0604020202020204" pitchFamily="34" charset="0"/>
               </a:rPr>
-              <a:t>temp = cluster[High(X)].Predecessor(Low(X))</a:t>
+              <a:t>temp = </a:t>
+            </a:r>
+            <a:r>
+              <a:rPr lang="en-US" altLang="ru-RU" dirty="0">
+                <a:latin typeface="Arial" panose="020B0604020202020204" pitchFamily="34" charset="0"/>
+                <a:cs typeface="Arial" panose="020B0604020202020204" pitchFamily="34" charset="0"/>
+              </a:rPr>
+              <a:t>cluster</a:t>
+            </a:r>
+            <a:r>
+              <a:rPr lang="en-US" dirty="0">
+                <a:latin typeface="Arial" panose="020B0604020202020204" pitchFamily="34" charset="0"/>
+                <a:cs typeface="Arial" panose="020B0604020202020204" pitchFamily="34" charset="0"/>
+              </a:rPr>
+              <a:t>[High(X)].Successor(Low(X))</a:t>
             </a:r>
             <a:br>
               <a:rPr lang="en-US" dirty="0">
@@ -5936,11 +5732,18 @@
               <a:t>        temp = </a:t>
             </a:r>
             <a:r>
+              <a:rPr lang="en-US" altLang="ru-RU" dirty="0" err="1">
+                <a:latin typeface="Arial" panose="020B0604020202020204" pitchFamily="34" charset="0"/>
+                <a:cs typeface="Arial" panose="020B0604020202020204" pitchFamily="34" charset="0"/>
+              </a:rPr>
+              <a:t>summary</a:t>
+            </a:r>
+            <a:r>
               <a:rPr lang="en-US" dirty="0" err="1">
                 <a:latin typeface="Arial" panose="020B0604020202020204" pitchFamily="34" charset="0"/>
                 <a:cs typeface="Arial" panose="020B0604020202020204" pitchFamily="34" charset="0"/>
               </a:rPr>
-              <a:t>summary.Predecessor</a:t>
+              <a:t>.Successor</a:t>
             </a:r>
             <a:r>
               <a:rPr lang="en-US" dirty="0">
@@ -5987,35 +5790,14 @@
                 <a:latin typeface="Arial" panose="020B0604020202020204" pitchFamily="34" charset="0"/>
                 <a:cs typeface="Arial" panose="020B0604020202020204" pitchFamily="34" charset="0"/>
               </a:rPr>
-              <a:t>            if </a:t>
-            </a:r>
-            <a:r>
-              <a:rPr lang="en-US" dirty="0">
-                <a:latin typeface="Arial" panose="020B0604020202020204" pitchFamily="34" charset="0"/>
-                <a:cs typeface="Arial" panose="020B0604020202020204" pitchFamily="34" charset="0"/>
-              </a:rPr>
-              <a:t>min != null </a:t>
-            </a:r>
-            <a:r>
-              <a:rPr lang="en-US" b="1" dirty="0">
-                <a:latin typeface="Arial" panose="020B0604020202020204" pitchFamily="34" charset="0"/>
-                <a:cs typeface="Arial" panose="020B0604020202020204" pitchFamily="34" charset="0"/>
-              </a:rPr>
-              <a:t>and </a:t>
-            </a:r>
-            <a:r>
-              <a:rPr lang="ru-RU" dirty="0">
-                <a:latin typeface="Arial" panose="020B0604020202020204" pitchFamily="34" charset="0"/>
-                <a:cs typeface="Arial" panose="020B0604020202020204" pitchFamily="34" charset="0"/>
-              </a:rPr>
-              <a:t>Х</a:t>
-            </a:r>
-            <a:r>
-              <a:rPr lang="en-US" dirty="0">
-                <a:latin typeface="Arial" panose="020B0604020202020204" pitchFamily="34" charset="0"/>
-                <a:cs typeface="Arial" panose="020B0604020202020204" pitchFamily="34" charset="0"/>
-              </a:rPr>
-              <a:t> &gt; min</a:t>
+              <a:t>            return </a:t>
+            </a:r>
+            <a:r>
+              <a:rPr lang="en-US" dirty="0">
+                <a:latin typeface="Arial" panose="020B0604020202020204" pitchFamily="34" charset="0"/>
+                <a:cs typeface="Arial" panose="020B0604020202020204" pitchFamily="34" charset="0"/>
+              </a:rPr>
+              <a:t>null</a:t>
             </a:r>
             <a:br>
               <a:rPr lang="en-US" b="1" dirty="0">
@@ -6028,21 +5810,7 @@
                 <a:latin typeface="Arial" panose="020B0604020202020204" pitchFamily="34" charset="0"/>
                 <a:cs typeface="Arial" panose="020B0604020202020204" pitchFamily="34" charset="0"/>
               </a:rPr>
-              <a:t>                return </a:t>
-            </a:r>
-            <a:r>
-              <a:rPr lang="en-US" dirty="0">
-                <a:latin typeface="Arial" panose="020B0604020202020204" pitchFamily="34" charset="0"/>
-                <a:cs typeface="Arial" panose="020B0604020202020204" pitchFamily="34" charset="0"/>
-              </a:rPr>
-              <a:t>min</a:t>
-            </a:r>
-            <a:r>
-              <a:rPr lang="en-US" b="1" dirty="0">
-                <a:latin typeface="Arial" panose="020B0604020202020204" pitchFamily="34" charset="0"/>
-                <a:cs typeface="Arial" panose="020B0604020202020204" pitchFamily="34" charset="0"/>
-              </a:rPr>
-              <a:t>            </a:t>
+              <a:t>        else</a:t>
             </a:r>
             <a:br>
               <a:rPr lang="en-US" b="1" dirty="0">
@@ -6051,39 +5819,6 @@
               </a:rPr>
             </a:br>
             <a:r>
-              <a:rPr lang="en-US" b="1" dirty="0">
-                <a:latin typeface="Arial" panose="020B0604020202020204" pitchFamily="34" charset="0"/>
-                <a:cs typeface="Arial" panose="020B0604020202020204" pitchFamily="34" charset="0"/>
-              </a:rPr>
-              <a:t>            return </a:t>
-            </a:r>
-            <a:r>
-              <a:rPr lang="en-US" dirty="0">
-                <a:latin typeface="Arial" panose="020B0604020202020204" pitchFamily="34" charset="0"/>
-                <a:cs typeface="Arial" panose="020B0604020202020204" pitchFamily="34" charset="0"/>
-              </a:rPr>
-              <a:t>null</a:t>
-            </a:r>
-            <a:br>
-              <a:rPr lang="en-US" b="1" dirty="0">
-                <a:latin typeface="Arial" panose="020B0604020202020204" pitchFamily="34" charset="0"/>
-                <a:cs typeface="Arial" panose="020B0604020202020204" pitchFamily="34" charset="0"/>
-              </a:rPr>
-            </a:br>
-            <a:r>
-              <a:rPr lang="en-US" b="1" dirty="0">
-                <a:latin typeface="Arial" panose="020B0604020202020204" pitchFamily="34" charset="0"/>
-                <a:cs typeface="Arial" panose="020B0604020202020204" pitchFamily="34" charset="0"/>
-              </a:rPr>
-              <a:t>        else</a:t>
-            </a:r>
-            <a:br>
-              <a:rPr lang="en-US" b="1" dirty="0">
-                <a:latin typeface="Arial" panose="020B0604020202020204" pitchFamily="34" charset="0"/>
-                <a:cs typeface="Arial" panose="020B0604020202020204" pitchFamily="34" charset="0"/>
-              </a:rPr>
-            </a:br>
-            <a:r>
               <a:rPr lang="en-US" dirty="0">
                 <a:latin typeface="Arial" panose="020B0604020202020204" pitchFamily="34" charset="0"/>
                 <a:cs typeface="Arial" panose="020B0604020202020204" pitchFamily="34" charset="0"/>
@@ -6102,7 +5837,21 @@
                 <a:latin typeface="Arial" panose="020B0604020202020204" pitchFamily="34" charset="0"/>
                 <a:cs typeface="Arial" panose="020B0604020202020204" pitchFamily="34" charset="0"/>
               </a:rPr>
-              <a:t>(temp, cluster[temp].max)</a:t>
+              <a:t>(temp,</a:t>
+            </a:r>
+            <a:r>
+              <a:rPr lang="en-US" altLang="ru-RU" dirty="0">
+                <a:latin typeface="Arial" panose="020B0604020202020204" pitchFamily="34" charset="0"/>
+                <a:cs typeface="Arial" panose="020B0604020202020204" pitchFamily="34" charset="0"/>
+              </a:rPr>
+              <a:t> cluster</a:t>
+            </a:r>
+            <a:r>
+              <a:rPr lang="en-US" dirty="0">
+                <a:latin typeface="Arial" panose="020B0604020202020204" pitchFamily="34" charset="0"/>
+                <a:cs typeface="Arial" panose="020B0604020202020204" pitchFamily="34" charset="0"/>
+              </a:rPr>
+              <a:t>[temp].min)</a:t>
             </a:r>
             <a:endParaRPr lang="ru-RU" dirty="0">
               <a:latin typeface="Arial" panose="020B0604020202020204" pitchFamily="34" charset="0"/>
@@ -6173,13 +5922,16 @@
     </p:spTree>
     <p:extLst>
       <p:ext uri="{BB962C8B-B14F-4D97-AF65-F5344CB8AC3E}">
-        <p14:creationId xmlns:p14="http://schemas.microsoft.com/office/powerpoint/2010/main" val="703508920"/>
+        <p14:creationId xmlns:p14="http://schemas.microsoft.com/office/powerpoint/2010/main" val="143499985"/>
       </p:ext>
     </p:extLst>
   </p:cSld>
   <p:clrMapOvr>
     <a:masterClrMapping/>
   </p:clrMapOvr>
+  <p:transition spd="slow">
+    <p:push dir="u"/>
+  </p:transition>
 </p:sld>
 </file>
 
@@ -6200,6 +5952,721 @@
           <a:chExt cx="0" cy="0"/>
         </a:xfrm>
       </p:grpSpPr>
+      <p:pic>
+        <p:nvPicPr>
+          <p:cNvPr id="13" name="Объект 12">
+            <a:extLst>
+              <a:ext uri="{FF2B5EF4-FFF2-40B4-BE49-F238E27FC236}">
+                <a16:creationId xmlns:a16="http://schemas.microsoft.com/office/drawing/2014/main" id="{35C254AD-988B-459B-AADD-A114F9C3811F}"/>
+              </a:ext>
+            </a:extLst>
+          </p:cNvPr>
+          <p:cNvPicPr>
+            <a:picLocks noGrp="1" noChangeAspect="1"/>
+          </p:cNvPicPr>
+          <p:nvPr>
+            <p:ph sz="half" idx="2"/>
+          </p:nvPr>
+        </p:nvPicPr>
+        <p:blipFill>
+          <a:blip r:embed="rId2">
+            <a:extLst>
+              <a:ext uri="{28A0092B-C50C-407E-A947-70E740481C1C}">
+                <a14:useLocalDpi xmlns:a14="http://schemas.microsoft.com/office/drawing/2010/main" val="0"/>
+              </a:ext>
+            </a:extLst>
+          </a:blip>
+          <a:stretch>
+            <a:fillRect/>
+          </a:stretch>
+        </p:blipFill>
+        <p:spPr>
+          <a:xfrm>
+            <a:off x="5355771" y="533857"/>
+            <a:ext cx="6680719" cy="5889132"/>
+          </a:xfrm>
+        </p:spPr>
+      </p:pic>
+      <p:sp>
+        <p:nvSpPr>
+          <p:cNvPr id="2" name="Заголовок 1">
+            <a:extLst>
+              <a:ext uri="{FF2B5EF4-FFF2-40B4-BE49-F238E27FC236}">
+                <a16:creationId xmlns:a16="http://schemas.microsoft.com/office/drawing/2014/main" id="{0135C256-3003-4F17-80D3-FDD39BD72DE4}"/>
+              </a:ext>
+            </a:extLst>
+          </p:cNvPr>
+          <p:cNvSpPr>
+            <a:spLocks noGrp="1"/>
+          </p:cNvSpPr>
+          <p:nvPr>
+            <p:ph type="title"/>
+          </p:nvPr>
+        </p:nvSpPr>
+        <p:spPr/>
+        <p:txBody>
+          <a:bodyPr/>
+          <a:lstStyle/>
+          <a:p>
+            <a:r>
+              <a:rPr lang="en-US" dirty="0">
+                <a:latin typeface="Arial Black" panose="020B0A04020102020204" pitchFamily="34" charset="0"/>
+              </a:rPr>
+              <a:t>Predecessor (</a:t>
+            </a:r>
+            <a:r>
+              <a:rPr lang="ru-RU" dirty="0">
+                <a:latin typeface="Arial Black" panose="020B0A04020102020204" pitchFamily="34" charset="0"/>
+              </a:rPr>
+              <a:t>предок</a:t>
+            </a:r>
+            <a:r>
+              <a:rPr lang="en-US" dirty="0">
+                <a:latin typeface="Arial Black" panose="020B0A04020102020204" pitchFamily="34" charset="0"/>
+              </a:rPr>
+              <a:t>)</a:t>
+            </a:r>
+            <a:endParaRPr lang="ru-RU" dirty="0"/>
+          </a:p>
+        </p:txBody>
+      </p:sp>
+      <p:sp>
+        <p:nvSpPr>
+          <p:cNvPr id="10" name="Объект 9">
+            <a:extLst>
+              <a:ext uri="{FF2B5EF4-FFF2-40B4-BE49-F238E27FC236}">
+                <a16:creationId xmlns:a16="http://schemas.microsoft.com/office/drawing/2014/main" id="{836C02EF-1BDF-403B-96E5-7CA5A5D48122}"/>
+              </a:ext>
+            </a:extLst>
+          </p:cNvPr>
+          <p:cNvSpPr>
+            <a:spLocks noGrp="1"/>
+          </p:cNvSpPr>
+          <p:nvPr>
+            <p:ph sz="half" idx="1"/>
+          </p:nvPr>
+        </p:nvSpPr>
+        <p:spPr>
+          <a:xfrm>
+            <a:off x="838200" y="1825625"/>
+            <a:ext cx="5637245" cy="4351338"/>
+          </a:xfrm>
+        </p:spPr>
+        <p:txBody>
+          <a:bodyPr>
+            <a:normAutofit fontScale="55000" lnSpcReduction="20000"/>
+          </a:bodyPr>
+          <a:lstStyle/>
+          <a:p>
+            <a:pPr marL="0" indent="0">
+              <a:buNone/>
+            </a:pPr>
+            <a:r>
+              <a:rPr lang="ru-RU" dirty="0">
+                <a:latin typeface="Arial" panose="020B0604020202020204" pitchFamily="34" charset="0"/>
+                <a:cs typeface="Arial" panose="020B0604020202020204" pitchFamily="34" charset="0"/>
+              </a:rPr>
+              <a:t>На вход подается число Х</a:t>
+            </a:r>
+            <a:endParaRPr lang="en-US" b="1" dirty="0">
+              <a:latin typeface="Arial" panose="020B0604020202020204" pitchFamily="34" charset="0"/>
+              <a:cs typeface="Arial" panose="020B0604020202020204" pitchFamily="34" charset="0"/>
+            </a:endParaRPr>
+          </a:p>
+          <a:p>
+            <a:pPr marL="0" indent="0">
+              <a:buNone/>
+            </a:pPr>
+            <a:br>
+              <a:rPr lang="ru-RU" b="1" dirty="0">
+                <a:latin typeface="Arial" panose="020B0604020202020204" pitchFamily="34" charset="0"/>
+                <a:cs typeface="Arial" panose="020B0604020202020204" pitchFamily="34" charset="0"/>
+              </a:rPr>
+            </a:br>
+            <a:r>
+              <a:rPr lang="en-US" b="1" dirty="0">
+                <a:latin typeface="Arial" panose="020B0604020202020204" pitchFamily="34" charset="0"/>
+                <a:cs typeface="Arial" panose="020B0604020202020204" pitchFamily="34" charset="0"/>
+              </a:rPr>
+              <a:t>if </a:t>
+            </a:r>
+            <a:r>
+              <a:rPr lang="en-US" dirty="0" err="1">
+                <a:latin typeface="Arial" panose="020B0604020202020204" pitchFamily="34" charset="0"/>
+                <a:cs typeface="Arial" panose="020B0604020202020204" pitchFamily="34" charset="0"/>
+              </a:rPr>
+              <a:t>universeSize</a:t>
+            </a:r>
+            <a:r>
+              <a:rPr lang="en-US" dirty="0">
+                <a:latin typeface="Arial" panose="020B0604020202020204" pitchFamily="34" charset="0"/>
+                <a:cs typeface="Arial" panose="020B0604020202020204" pitchFamily="34" charset="0"/>
+              </a:rPr>
+              <a:t> = 2</a:t>
+            </a:r>
+            <a:br>
+              <a:rPr lang="en-US" b="1" dirty="0">
+                <a:latin typeface="Arial" panose="020B0604020202020204" pitchFamily="34" charset="0"/>
+                <a:cs typeface="Arial" panose="020B0604020202020204" pitchFamily="34" charset="0"/>
+              </a:rPr>
+            </a:br>
+            <a:r>
+              <a:rPr lang="en-US" b="1" dirty="0">
+                <a:latin typeface="Arial" panose="020B0604020202020204" pitchFamily="34" charset="0"/>
+                <a:cs typeface="Arial" panose="020B0604020202020204" pitchFamily="34" charset="0"/>
+              </a:rPr>
+              <a:t>    if </a:t>
+            </a:r>
+            <a:r>
+              <a:rPr lang="en-US" dirty="0">
+                <a:latin typeface="Arial" panose="020B0604020202020204" pitchFamily="34" charset="0"/>
+                <a:cs typeface="Arial" panose="020B0604020202020204" pitchFamily="34" charset="0"/>
+              </a:rPr>
+              <a:t>X == 1 </a:t>
+            </a:r>
+            <a:r>
+              <a:rPr lang="en-US" b="1" dirty="0">
+                <a:latin typeface="Arial" panose="020B0604020202020204" pitchFamily="34" charset="0"/>
+                <a:cs typeface="Arial" panose="020B0604020202020204" pitchFamily="34" charset="0"/>
+              </a:rPr>
+              <a:t>and </a:t>
+            </a:r>
+            <a:r>
+              <a:rPr lang="en-US" dirty="0">
+                <a:latin typeface="Arial" panose="020B0604020202020204" pitchFamily="34" charset="0"/>
+                <a:cs typeface="Arial" panose="020B0604020202020204" pitchFamily="34" charset="0"/>
+              </a:rPr>
+              <a:t>min == 0</a:t>
+            </a:r>
+            <a:br>
+              <a:rPr lang="en-US" b="1" dirty="0">
+                <a:latin typeface="Arial" panose="020B0604020202020204" pitchFamily="34" charset="0"/>
+                <a:cs typeface="Arial" panose="020B0604020202020204" pitchFamily="34" charset="0"/>
+              </a:rPr>
+            </a:br>
+            <a:r>
+              <a:rPr lang="en-US" b="1" dirty="0">
+                <a:latin typeface="Arial" panose="020B0604020202020204" pitchFamily="34" charset="0"/>
+                <a:cs typeface="Arial" panose="020B0604020202020204" pitchFamily="34" charset="0"/>
+              </a:rPr>
+              <a:t>        return </a:t>
+            </a:r>
+            <a:r>
+              <a:rPr lang="en-US" dirty="0">
+                <a:latin typeface="Arial" panose="020B0604020202020204" pitchFamily="34" charset="0"/>
+                <a:cs typeface="Arial" panose="020B0604020202020204" pitchFamily="34" charset="0"/>
+              </a:rPr>
+              <a:t>0</a:t>
+            </a:r>
+            <a:br>
+              <a:rPr lang="en-US" b="1" dirty="0">
+                <a:latin typeface="Arial" panose="020B0604020202020204" pitchFamily="34" charset="0"/>
+                <a:cs typeface="Arial" panose="020B0604020202020204" pitchFamily="34" charset="0"/>
+              </a:rPr>
+            </a:br>
+            <a:r>
+              <a:rPr lang="en-US" b="1" dirty="0">
+                <a:latin typeface="Arial" panose="020B0604020202020204" pitchFamily="34" charset="0"/>
+                <a:cs typeface="Arial" panose="020B0604020202020204" pitchFamily="34" charset="0"/>
+              </a:rPr>
+              <a:t>    else</a:t>
+            </a:r>
+            <a:br>
+              <a:rPr lang="en-US" b="1" dirty="0">
+                <a:latin typeface="Arial" panose="020B0604020202020204" pitchFamily="34" charset="0"/>
+                <a:cs typeface="Arial" panose="020B0604020202020204" pitchFamily="34" charset="0"/>
+              </a:rPr>
+            </a:br>
+            <a:r>
+              <a:rPr lang="en-US" b="1" dirty="0">
+                <a:latin typeface="Arial" panose="020B0604020202020204" pitchFamily="34" charset="0"/>
+                <a:cs typeface="Arial" panose="020B0604020202020204" pitchFamily="34" charset="0"/>
+              </a:rPr>
+              <a:t>        return </a:t>
+            </a:r>
+            <a:r>
+              <a:rPr lang="en-US" dirty="0">
+                <a:latin typeface="Arial" panose="020B0604020202020204" pitchFamily="34" charset="0"/>
+                <a:cs typeface="Arial" panose="020B0604020202020204" pitchFamily="34" charset="0"/>
+              </a:rPr>
+              <a:t>null</a:t>
+            </a:r>
+            <a:br>
+              <a:rPr lang="en-US" b="1" dirty="0">
+                <a:latin typeface="Arial" panose="020B0604020202020204" pitchFamily="34" charset="0"/>
+                <a:cs typeface="Arial" panose="020B0604020202020204" pitchFamily="34" charset="0"/>
+              </a:rPr>
+            </a:br>
+            <a:r>
+              <a:rPr lang="en-US" b="1" dirty="0">
+                <a:latin typeface="Arial" panose="020B0604020202020204" pitchFamily="34" charset="0"/>
+                <a:cs typeface="Arial" panose="020B0604020202020204" pitchFamily="34" charset="0"/>
+              </a:rPr>
+              <a:t>if </a:t>
+            </a:r>
+            <a:r>
+              <a:rPr lang="en-US" dirty="0">
+                <a:latin typeface="Arial" panose="020B0604020202020204" pitchFamily="34" charset="0"/>
+                <a:cs typeface="Arial" panose="020B0604020202020204" pitchFamily="34" charset="0"/>
+              </a:rPr>
+              <a:t>max != null </a:t>
+            </a:r>
+            <a:r>
+              <a:rPr lang="en-US" b="1" dirty="0">
+                <a:latin typeface="Arial" panose="020B0604020202020204" pitchFamily="34" charset="0"/>
+                <a:cs typeface="Arial" panose="020B0604020202020204" pitchFamily="34" charset="0"/>
+              </a:rPr>
+              <a:t>and </a:t>
+            </a:r>
+            <a:r>
+              <a:rPr lang="ru-RU" dirty="0">
+                <a:latin typeface="Arial" panose="020B0604020202020204" pitchFamily="34" charset="0"/>
+                <a:cs typeface="Arial" panose="020B0604020202020204" pitchFamily="34" charset="0"/>
+              </a:rPr>
+              <a:t>Х</a:t>
+            </a:r>
+            <a:r>
+              <a:rPr lang="en-US" dirty="0">
+                <a:latin typeface="Arial" panose="020B0604020202020204" pitchFamily="34" charset="0"/>
+                <a:cs typeface="Arial" panose="020B0604020202020204" pitchFamily="34" charset="0"/>
+              </a:rPr>
+              <a:t> &gt; max</a:t>
+            </a:r>
+            <a:br>
+              <a:rPr lang="en-US" b="1" dirty="0">
+                <a:latin typeface="Arial" panose="020B0604020202020204" pitchFamily="34" charset="0"/>
+                <a:cs typeface="Arial" panose="020B0604020202020204" pitchFamily="34" charset="0"/>
+              </a:rPr>
+            </a:br>
+            <a:r>
+              <a:rPr lang="en-US" b="1" dirty="0">
+                <a:latin typeface="Arial" panose="020B0604020202020204" pitchFamily="34" charset="0"/>
+                <a:cs typeface="Arial" panose="020B0604020202020204" pitchFamily="34" charset="0"/>
+              </a:rPr>
+              <a:t>    return </a:t>
+            </a:r>
+            <a:r>
+              <a:rPr lang="en-US" dirty="0">
+                <a:latin typeface="Arial" panose="020B0604020202020204" pitchFamily="34" charset="0"/>
+                <a:cs typeface="Arial" panose="020B0604020202020204" pitchFamily="34" charset="0"/>
+              </a:rPr>
+              <a:t>max</a:t>
+            </a:r>
+            <a:br>
+              <a:rPr lang="en-US" dirty="0">
+                <a:latin typeface="Arial" panose="020B0604020202020204" pitchFamily="34" charset="0"/>
+                <a:cs typeface="Arial" panose="020B0604020202020204" pitchFamily="34" charset="0"/>
+              </a:rPr>
+            </a:br>
+            <a:r>
+              <a:rPr lang="en-US" b="1" dirty="0">
+                <a:latin typeface="Arial" panose="020B0604020202020204" pitchFamily="34" charset="0"/>
+                <a:cs typeface="Arial" panose="020B0604020202020204" pitchFamily="34" charset="0"/>
+              </a:rPr>
+              <a:t>else</a:t>
+            </a:r>
+            <a:br>
+              <a:rPr lang="en-US" b="1" dirty="0">
+                <a:latin typeface="Arial" panose="020B0604020202020204" pitchFamily="34" charset="0"/>
+                <a:cs typeface="Arial" panose="020B0604020202020204" pitchFamily="34" charset="0"/>
+              </a:rPr>
+            </a:br>
+            <a:r>
+              <a:rPr lang="en-US" b="1" dirty="0">
+                <a:latin typeface="Arial" panose="020B0604020202020204" pitchFamily="34" charset="0"/>
+                <a:cs typeface="Arial" panose="020B0604020202020204" pitchFamily="34" charset="0"/>
+              </a:rPr>
+              <a:t>    </a:t>
+            </a:r>
+            <a:r>
+              <a:rPr lang="en-US" dirty="0">
+                <a:latin typeface="Arial" panose="020B0604020202020204" pitchFamily="34" charset="0"/>
+                <a:cs typeface="Arial" panose="020B0604020202020204" pitchFamily="34" charset="0"/>
+              </a:rPr>
+              <a:t>temp = cluster[High(X)].min</a:t>
+            </a:r>
+            <a:br>
+              <a:rPr lang="en-US" b="1" dirty="0">
+                <a:latin typeface="Arial" panose="020B0604020202020204" pitchFamily="34" charset="0"/>
+                <a:cs typeface="Arial" panose="020B0604020202020204" pitchFamily="34" charset="0"/>
+              </a:rPr>
+            </a:br>
+            <a:r>
+              <a:rPr lang="en-US" b="1" dirty="0">
+                <a:latin typeface="Arial" panose="020B0604020202020204" pitchFamily="34" charset="0"/>
+                <a:cs typeface="Arial" panose="020B0604020202020204" pitchFamily="34" charset="0"/>
+              </a:rPr>
+              <a:t>    if </a:t>
+            </a:r>
+            <a:r>
+              <a:rPr lang="en-US" dirty="0">
+                <a:latin typeface="Arial" panose="020B0604020202020204" pitchFamily="34" charset="0"/>
+                <a:cs typeface="Arial" panose="020B0604020202020204" pitchFamily="34" charset="0"/>
+              </a:rPr>
+              <a:t>max != null </a:t>
+            </a:r>
+            <a:r>
+              <a:rPr lang="en-US" b="1" dirty="0">
+                <a:latin typeface="Arial" panose="020B0604020202020204" pitchFamily="34" charset="0"/>
+                <a:cs typeface="Arial" panose="020B0604020202020204" pitchFamily="34" charset="0"/>
+              </a:rPr>
+              <a:t>and </a:t>
+            </a:r>
+            <a:r>
+              <a:rPr lang="en-US" dirty="0">
+                <a:latin typeface="Arial" panose="020B0604020202020204" pitchFamily="34" charset="0"/>
+                <a:cs typeface="Arial" panose="020B0604020202020204" pitchFamily="34" charset="0"/>
+              </a:rPr>
+              <a:t>Low(X) &gt; temp</a:t>
+            </a:r>
+            <a:br>
+              <a:rPr lang="en-US" b="1" dirty="0">
+                <a:latin typeface="Arial" panose="020B0604020202020204" pitchFamily="34" charset="0"/>
+                <a:cs typeface="Arial" panose="020B0604020202020204" pitchFamily="34" charset="0"/>
+              </a:rPr>
+            </a:br>
+            <a:r>
+              <a:rPr lang="en-US" b="1" dirty="0">
+                <a:latin typeface="Arial" panose="020B0604020202020204" pitchFamily="34" charset="0"/>
+                <a:cs typeface="Arial" panose="020B0604020202020204" pitchFamily="34" charset="0"/>
+              </a:rPr>
+              <a:t>        </a:t>
+            </a:r>
+            <a:r>
+              <a:rPr lang="en-US" dirty="0">
+                <a:latin typeface="Arial" panose="020B0604020202020204" pitchFamily="34" charset="0"/>
+                <a:cs typeface="Arial" panose="020B0604020202020204" pitchFamily="34" charset="0"/>
+              </a:rPr>
+              <a:t>temp = cluster[High(X)].Predecessor(Low(X))</a:t>
+            </a:r>
+            <a:br>
+              <a:rPr lang="en-US" dirty="0">
+                <a:latin typeface="Arial" panose="020B0604020202020204" pitchFamily="34" charset="0"/>
+                <a:cs typeface="Arial" panose="020B0604020202020204" pitchFamily="34" charset="0"/>
+              </a:rPr>
+            </a:br>
+            <a:r>
+              <a:rPr lang="en-US" dirty="0">
+                <a:latin typeface="Arial" panose="020B0604020202020204" pitchFamily="34" charset="0"/>
+                <a:cs typeface="Arial" panose="020B0604020202020204" pitchFamily="34" charset="0"/>
+              </a:rPr>
+              <a:t>        </a:t>
+            </a:r>
+            <a:r>
+              <a:rPr lang="en-US" dirty="0" err="1">
+                <a:latin typeface="Arial" panose="020B0604020202020204" pitchFamily="34" charset="0"/>
+                <a:cs typeface="Arial" panose="020B0604020202020204" pitchFamily="34" charset="0"/>
+              </a:rPr>
+              <a:t>GenerateIndex</a:t>
+            </a:r>
+            <a:r>
+              <a:rPr lang="en-US" dirty="0">
+                <a:latin typeface="Arial" panose="020B0604020202020204" pitchFamily="34" charset="0"/>
+                <a:cs typeface="Arial" panose="020B0604020202020204" pitchFamily="34" charset="0"/>
+              </a:rPr>
+              <a:t>(High(X), temp)</a:t>
+            </a:r>
+            <a:br>
+              <a:rPr lang="en-US" dirty="0">
+                <a:latin typeface="Arial" panose="020B0604020202020204" pitchFamily="34" charset="0"/>
+                <a:cs typeface="Arial" panose="020B0604020202020204" pitchFamily="34" charset="0"/>
+              </a:rPr>
+            </a:br>
+            <a:r>
+              <a:rPr lang="en-US" dirty="0">
+                <a:latin typeface="Arial" panose="020B0604020202020204" pitchFamily="34" charset="0"/>
+                <a:cs typeface="Arial" panose="020B0604020202020204" pitchFamily="34" charset="0"/>
+              </a:rPr>
+              <a:t>    </a:t>
+            </a:r>
+            <a:r>
+              <a:rPr lang="en-US" b="1" dirty="0">
+                <a:latin typeface="Arial" panose="020B0604020202020204" pitchFamily="34" charset="0"/>
+                <a:cs typeface="Arial" panose="020B0604020202020204" pitchFamily="34" charset="0"/>
+              </a:rPr>
+              <a:t>else</a:t>
+            </a:r>
+            <a:br>
+              <a:rPr lang="en-US" b="1" dirty="0">
+                <a:latin typeface="Arial" panose="020B0604020202020204" pitchFamily="34" charset="0"/>
+                <a:cs typeface="Arial" panose="020B0604020202020204" pitchFamily="34" charset="0"/>
+              </a:rPr>
+            </a:br>
+            <a:r>
+              <a:rPr lang="en-US" dirty="0">
+                <a:latin typeface="Arial" panose="020B0604020202020204" pitchFamily="34" charset="0"/>
+                <a:cs typeface="Arial" panose="020B0604020202020204" pitchFamily="34" charset="0"/>
+              </a:rPr>
+              <a:t>        temp = </a:t>
+            </a:r>
+            <a:r>
+              <a:rPr lang="en-US" dirty="0" err="1">
+                <a:latin typeface="Arial" panose="020B0604020202020204" pitchFamily="34" charset="0"/>
+                <a:cs typeface="Arial" panose="020B0604020202020204" pitchFamily="34" charset="0"/>
+              </a:rPr>
+              <a:t>summary.Predecessor</a:t>
+            </a:r>
+            <a:r>
+              <a:rPr lang="en-US" dirty="0">
+                <a:latin typeface="Arial" panose="020B0604020202020204" pitchFamily="34" charset="0"/>
+                <a:cs typeface="Arial" panose="020B0604020202020204" pitchFamily="34" charset="0"/>
+              </a:rPr>
+              <a:t>(High(X))</a:t>
+            </a:r>
+            <a:br>
+              <a:rPr lang="en-US" dirty="0">
+                <a:latin typeface="Arial" panose="020B0604020202020204" pitchFamily="34" charset="0"/>
+                <a:cs typeface="Arial" panose="020B0604020202020204" pitchFamily="34" charset="0"/>
+              </a:rPr>
+            </a:br>
+            <a:r>
+              <a:rPr lang="en-US" dirty="0">
+                <a:latin typeface="Arial" panose="020B0604020202020204" pitchFamily="34" charset="0"/>
+                <a:cs typeface="Arial" panose="020B0604020202020204" pitchFamily="34" charset="0"/>
+              </a:rPr>
+              <a:t>        </a:t>
+            </a:r>
+            <a:r>
+              <a:rPr lang="en-US" b="1" dirty="0">
+                <a:latin typeface="Arial" panose="020B0604020202020204" pitchFamily="34" charset="0"/>
+                <a:cs typeface="Arial" panose="020B0604020202020204" pitchFamily="34" charset="0"/>
+              </a:rPr>
+              <a:t>If </a:t>
+            </a:r>
+            <a:r>
+              <a:rPr lang="en-US" dirty="0">
+                <a:latin typeface="Arial" panose="020B0604020202020204" pitchFamily="34" charset="0"/>
+                <a:cs typeface="Arial" panose="020B0604020202020204" pitchFamily="34" charset="0"/>
+              </a:rPr>
+              <a:t>temp == null</a:t>
+            </a:r>
+            <a:br>
+              <a:rPr lang="en-US" b="1" dirty="0">
+                <a:latin typeface="Arial" panose="020B0604020202020204" pitchFamily="34" charset="0"/>
+                <a:cs typeface="Arial" panose="020B0604020202020204" pitchFamily="34" charset="0"/>
+              </a:rPr>
+            </a:br>
+            <a:r>
+              <a:rPr lang="en-US" b="1" dirty="0">
+                <a:latin typeface="Arial" panose="020B0604020202020204" pitchFamily="34" charset="0"/>
+                <a:cs typeface="Arial" panose="020B0604020202020204" pitchFamily="34" charset="0"/>
+              </a:rPr>
+              <a:t>            if </a:t>
+            </a:r>
+            <a:r>
+              <a:rPr lang="en-US" dirty="0">
+                <a:latin typeface="Arial" panose="020B0604020202020204" pitchFamily="34" charset="0"/>
+                <a:cs typeface="Arial" panose="020B0604020202020204" pitchFamily="34" charset="0"/>
+              </a:rPr>
+              <a:t>min != null </a:t>
+            </a:r>
+            <a:r>
+              <a:rPr lang="en-US" b="1" dirty="0">
+                <a:latin typeface="Arial" panose="020B0604020202020204" pitchFamily="34" charset="0"/>
+                <a:cs typeface="Arial" panose="020B0604020202020204" pitchFamily="34" charset="0"/>
+              </a:rPr>
+              <a:t>and </a:t>
+            </a:r>
+            <a:r>
+              <a:rPr lang="ru-RU" dirty="0">
+                <a:latin typeface="Arial" panose="020B0604020202020204" pitchFamily="34" charset="0"/>
+                <a:cs typeface="Arial" panose="020B0604020202020204" pitchFamily="34" charset="0"/>
+              </a:rPr>
+              <a:t>Х</a:t>
+            </a:r>
+            <a:r>
+              <a:rPr lang="en-US" dirty="0">
+                <a:latin typeface="Arial" panose="020B0604020202020204" pitchFamily="34" charset="0"/>
+                <a:cs typeface="Arial" panose="020B0604020202020204" pitchFamily="34" charset="0"/>
+              </a:rPr>
+              <a:t> &gt; min</a:t>
+            </a:r>
+            <a:br>
+              <a:rPr lang="en-US" b="1" dirty="0">
+                <a:latin typeface="Arial" panose="020B0604020202020204" pitchFamily="34" charset="0"/>
+                <a:cs typeface="Arial" panose="020B0604020202020204" pitchFamily="34" charset="0"/>
+              </a:rPr>
+            </a:br>
+            <a:r>
+              <a:rPr lang="en-US" b="1" dirty="0">
+                <a:latin typeface="Arial" panose="020B0604020202020204" pitchFamily="34" charset="0"/>
+                <a:cs typeface="Arial" panose="020B0604020202020204" pitchFamily="34" charset="0"/>
+              </a:rPr>
+              <a:t>                return </a:t>
+            </a:r>
+            <a:r>
+              <a:rPr lang="en-US" dirty="0">
+                <a:latin typeface="Arial" panose="020B0604020202020204" pitchFamily="34" charset="0"/>
+                <a:cs typeface="Arial" panose="020B0604020202020204" pitchFamily="34" charset="0"/>
+              </a:rPr>
+              <a:t>min</a:t>
+            </a:r>
+            <a:r>
+              <a:rPr lang="en-US" b="1" dirty="0">
+                <a:latin typeface="Arial" panose="020B0604020202020204" pitchFamily="34" charset="0"/>
+                <a:cs typeface="Arial" panose="020B0604020202020204" pitchFamily="34" charset="0"/>
+              </a:rPr>
+              <a:t>            </a:t>
+            </a:r>
+            <a:br>
+              <a:rPr lang="en-US" b="1" dirty="0">
+                <a:latin typeface="Arial" panose="020B0604020202020204" pitchFamily="34" charset="0"/>
+                <a:cs typeface="Arial" panose="020B0604020202020204" pitchFamily="34" charset="0"/>
+              </a:rPr>
+            </a:br>
+            <a:r>
+              <a:rPr lang="en-US" b="1" dirty="0">
+                <a:latin typeface="Arial" panose="020B0604020202020204" pitchFamily="34" charset="0"/>
+                <a:cs typeface="Arial" panose="020B0604020202020204" pitchFamily="34" charset="0"/>
+              </a:rPr>
+              <a:t>            return </a:t>
+            </a:r>
+            <a:r>
+              <a:rPr lang="en-US" dirty="0">
+                <a:latin typeface="Arial" panose="020B0604020202020204" pitchFamily="34" charset="0"/>
+                <a:cs typeface="Arial" panose="020B0604020202020204" pitchFamily="34" charset="0"/>
+              </a:rPr>
+              <a:t>null</a:t>
+            </a:r>
+            <a:br>
+              <a:rPr lang="en-US" b="1" dirty="0">
+                <a:latin typeface="Arial" panose="020B0604020202020204" pitchFamily="34" charset="0"/>
+                <a:cs typeface="Arial" panose="020B0604020202020204" pitchFamily="34" charset="0"/>
+              </a:rPr>
+            </a:br>
+            <a:r>
+              <a:rPr lang="en-US" b="1" dirty="0">
+                <a:latin typeface="Arial" panose="020B0604020202020204" pitchFamily="34" charset="0"/>
+                <a:cs typeface="Arial" panose="020B0604020202020204" pitchFamily="34" charset="0"/>
+              </a:rPr>
+              <a:t>        else</a:t>
+            </a:r>
+            <a:br>
+              <a:rPr lang="en-US" b="1" dirty="0">
+                <a:latin typeface="Arial" panose="020B0604020202020204" pitchFamily="34" charset="0"/>
+                <a:cs typeface="Arial" panose="020B0604020202020204" pitchFamily="34" charset="0"/>
+              </a:rPr>
+            </a:br>
+            <a:r>
+              <a:rPr lang="en-US" dirty="0">
+                <a:latin typeface="Arial" panose="020B0604020202020204" pitchFamily="34" charset="0"/>
+                <a:cs typeface="Arial" panose="020B0604020202020204" pitchFamily="34" charset="0"/>
+              </a:rPr>
+              <a:t>            </a:t>
+            </a:r>
+            <a:r>
+              <a:rPr lang="en-US" dirty="0" err="1">
+                <a:latin typeface="Arial" panose="020B0604020202020204" pitchFamily="34" charset="0"/>
+                <a:cs typeface="Arial" panose="020B0604020202020204" pitchFamily="34" charset="0"/>
+              </a:rPr>
+              <a:t>GenerateIndex</a:t>
+            </a:r>
+            <a:r>
+              <a:rPr lang="en-US" dirty="0">
+                <a:latin typeface="Arial" panose="020B0604020202020204" pitchFamily="34" charset="0"/>
+                <a:cs typeface="Arial" panose="020B0604020202020204" pitchFamily="34" charset="0"/>
+              </a:rPr>
+              <a:t>(temp, cluster[temp].max)</a:t>
+            </a:r>
+            <a:endParaRPr lang="ru-RU" dirty="0">
+              <a:latin typeface="Arial" panose="020B0604020202020204" pitchFamily="34" charset="0"/>
+              <a:cs typeface="Arial" panose="020B0604020202020204" pitchFamily="34" charset="0"/>
+            </a:endParaRPr>
+          </a:p>
+          <a:p>
+            <a:endParaRPr lang="ru-RU" dirty="0"/>
+          </a:p>
+        </p:txBody>
+      </p:sp>
+      <p:sp>
+        <p:nvSpPr>
+          <p:cNvPr id="4" name="Дата 3">
+            <a:extLst>
+              <a:ext uri="{FF2B5EF4-FFF2-40B4-BE49-F238E27FC236}">
+                <a16:creationId xmlns:a16="http://schemas.microsoft.com/office/drawing/2014/main" id="{DAEB77EF-BADA-4F40-BC5B-07FBEFEC79B1}"/>
+              </a:ext>
+            </a:extLst>
+          </p:cNvPr>
+          <p:cNvSpPr>
+            <a:spLocks noGrp="1"/>
+          </p:cNvSpPr>
+          <p:nvPr>
+            <p:ph type="dt" sz="half" idx="10"/>
+          </p:nvPr>
+        </p:nvSpPr>
+        <p:spPr/>
+        <p:txBody>
+          <a:bodyPr/>
+          <a:lstStyle/>
+          <a:p>
+            <a:r>
+              <a:rPr lang="ru-RU"/>
+              <a:t>2023</a:t>
+            </a:r>
+          </a:p>
+        </p:txBody>
+      </p:sp>
+      <p:sp>
+        <p:nvSpPr>
+          <p:cNvPr id="5" name="Нижний колонтитул 4">
+            <a:extLst>
+              <a:ext uri="{FF2B5EF4-FFF2-40B4-BE49-F238E27FC236}">
+                <a16:creationId xmlns:a16="http://schemas.microsoft.com/office/drawing/2014/main" id="{0968CC94-DE6C-4B47-A3E5-57861D1EDE1D}"/>
+              </a:ext>
+            </a:extLst>
+          </p:cNvPr>
+          <p:cNvSpPr>
+            <a:spLocks noGrp="1"/>
+          </p:cNvSpPr>
+          <p:nvPr>
+            <p:ph type="ftr" sz="quarter" idx="11"/>
+          </p:nvPr>
+        </p:nvSpPr>
+        <p:spPr/>
+        <p:txBody>
+          <a:bodyPr/>
+          <a:lstStyle/>
+          <a:p>
+            <a:r>
+              <a:rPr lang="ru-RU"/>
+              <a:t>Борик Р. Д</a:t>
+            </a:r>
+          </a:p>
+        </p:txBody>
+      </p:sp>
+    </p:spTree>
+    <p:extLst>
+      <p:ext uri="{BB962C8B-B14F-4D97-AF65-F5344CB8AC3E}">
+        <p14:creationId xmlns:p14="http://schemas.microsoft.com/office/powerpoint/2010/main" val="703508920"/>
+      </p:ext>
+    </p:extLst>
+  </p:cSld>
+  <p:clrMapOvr>
+    <a:masterClrMapping/>
+  </p:clrMapOvr>
+  <p:transition spd="slow">
+    <p:push dir="u"/>
+  </p:transition>
+</p:sld>
+</file>
+
+<file path=ppt/slides/slide14.xml><?xml version="1.0" encoding="utf-8"?>
+<p:sld xmlns:a="http://schemas.openxmlformats.org/drawingml/2006/main" xmlns:r="http://schemas.openxmlformats.org/officeDocument/2006/relationships" xmlns:p="http://schemas.openxmlformats.org/presentationml/2006/main">
+  <p:cSld>
+    <p:spTree>
+      <p:nvGrpSpPr>
+        <p:cNvPr id="1" name=""/>
+        <p:cNvGrpSpPr/>
+        <p:nvPr/>
+      </p:nvGrpSpPr>
+      <p:grpSpPr>
+        <a:xfrm>
+          <a:off x="0" y="0"/>
+          <a:ext cx="0" cy="0"/>
+          <a:chOff x="0" y="0"/>
+          <a:chExt cx="0" cy="0"/>
+        </a:xfrm>
+      </p:grpSpPr>
       <p:sp>
         <p:nvSpPr>
           <p:cNvPr id="2" name="Заголовок 1">
@@ -6425,10 +6892,13 @@
   <p:clrMapOvr>
     <a:masterClrMapping/>
   </p:clrMapOvr>
+  <p:transition spd="slow">
+    <p:push dir="u"/>
+  </p:transition>
 </p:sld>
 </file>
 
-<file path=ppt/slides/slide14.xml><?xml version="1.0" encoding="utf-8"?>
+<file path=ppt/slides/slide15.xml><?xml version="1.0" encoding="utf-8"?>
 <p:sld xmlns:a="http://schemas.openxmlformats.org/drawingml/2006/main" xmlns:r="http://schemas.openxmlformats.org/officeDocument/2006/relationships" xmlns:p="http://schemas.openxmlformats.org/presentationml/2006/main">
   <p:cSld>
     <p:spTree>
@@ -6760,10 +7230,13 @@
   <p:clrMapOvr>
     <a:masterClrMapping/>
   </p:clrMapOvr>
+  <p:transition spd="slow">
+    <p:push dir="u"/>
+  </p:transition>
 </p:sld>
 </file>
 
-<file path=ppt/slides/slide15.xml><?xml version="1.0" encoding="utf-8"?>
+<file path=ppt/slides/slide16.xml><?xml version="1.0" encoding="utf-8"?>
 <p:sld xmlns:a="http://schemas.openxmlformats.org/drawingml/2006/main" xmlns:r="http://schemas.openxmlformats.org/officeDocument/2006/relationships" xmlns:p="http://schemas.openxmlformats.org/presentationml/2006/main">
   <p:cSld>
     <p:spTree>
@@ -7095,10 +7568,13 @@
   <p:clrMapOvr>
     <a:masterClrMapping/>
   </p:clrMapOvr>
+  <p:transition spd="slow">
+    <p:push dir="u"/>
+  </p:transition>
 </p:sld>
 </file>
 
-<file path=ppt/slides/slide16.xml><?xml version="1.0" encoding="utf-8"?>
+<file path=ppt/slides/slide17.xml><?xml version="1.0" encoding="utf-8"?>
 <p:sld xmlns:a="http://schemas.openxmlformats.org/drawingml/2006/main" xmlns:r="http://schemas.openxmlformats.org/officeDocument/2006/relationships" xmlns:p="http://schemas.openxmlformats.org/presentationml/2006/main">
   <p:cSld>
     <p:spTree>
@@ -7425,10 +7901,13 @@
   <p:clrMapOvr>
     <a:masterClrMapping/>
   </p:clrMapOvr>
+  <p:transition spd="slow">
+    <p:push dir="u"/>
+  </p:transition>
 </p:sld>
 </file>
 
-<file path=ppt/slides/slide17.xml><?xml version="1.0" encoding="utf-8"?>
+<file path=ppt/slides/slide18.xml><?xml version="1.0" encoding="utf-8"?>
 <p:sld xmlns:a="http://schemas.openxmlformats.org/drawingml/2006/main" xmlns:r="http://schemas.openxmlformats.org/officeDocument/2006/relationships" xmlns:p="http://schemas.openxmlformats.org/presentationml/2006/main">
   <p:cSld>
     <p:spTree>
@@ -7706,10 +8185,13 @@
   <p:clrMapOvr>
     <a:masterClrMapping/>
   </p:clrMapOvr>
+  <p:transition spd="slow">
+    <p:push dir="u"/>
+  </p:transition>
 </p:sld>
 </file>
 
-<file path=ppt/slides/slide18.xml><?xml version="1.0" encoding="utf-8"?>
+<file path=ppt/slides/slide19.xml><?xml version="1.0" encoding="utf-8"?>
 <p:sld xmlns:a="http://schemas.openxmlformats.org/drawingml/2006/main" xmlns:r="http://schemas.openxmlformats.org/officeDocument/2006/relationships" xmlns:p="http://schemas.openxmlformats.org/presentationml/2006/main">
   <p:cSld>
     <p:spTree>
@@ -7987,308 +8469,9 @@
   <p:clrMapOvr>
     <a:masterClrMapping/>
   </p:clrMapOvr>
-</p:sld>
-</file>
-
-<file path=ppt/slides/slide19.xml><?xml version="1.0" encoding="utf-8"?>
-<p:sld xmlns:a="http://schemas.openxmlformats.org/drawingml/2006/main" xmlns:r="http://schemas.openxmlformats.org/officeDocument/2006/relationships" xmlns:p="http://schemas.openxmlformats.org/presentationml/2006/main">
-  <p:cSld>
-    <p:spTree>
-      <p:nvGrpSpPr>
-        <p:cNvPr id="1" name=""/>
-        <p:cNvGrpSpPr/>
-        <p:nvPr/>
-      </p:nvGrpSpPr>
-      <p:grpSpPr>
-        <a:xfrm>
-          <a:off x="0" y="0"/>
-          <a:ext cx="0" cy="0"/>
-          <a:chOff x="0" y="0"/>
-          <a:chExt cx="0" cy="0"/>
-        </a:xfrm>
-      </p:grpSpPr>
-      <p:sp>
-        <p:nvSpPr>
-          <p:cNvPr id="7" name="Заголовок 6">
-            <a:extLst>
-              <a:ext uri="{FF2B5EF4-FFF2-40B4-BE49-F238E27FC236}">
-                <a16:creationId xmlns:a16="http://schemas.microsoft.com/office/drawing/2014/main" id="{F985232A-2BD8-48D7-BC8C-0550B33E9BF1}"/>
-              </a:ext>
-            </a:extLst>
-          </p:cNvPr>
-          <p:cNvSpPr>
-            <a:spLocks noGrp="1"/>
-          </p:cNvSpPr>
-          <p:nvPr>
-            <p:ph type="title"/>
-          </p:nvPr>
-        </p:nvSpPr>
-        <p:spPr/>
-        <p:txBody>
-          <a:bodyPr/>
-          <a:lstStyle/>
-          <a:p>
-            <a:r>
-              <a:rPr lang="ru-RU" dirty="0">
-                <a:latin typeface="Arial Black" panose="020B0A04020102020204" pitchFamily="34" charset="0"/>
-              </a:rPr>
-              <a:t>Итоги тестирования</a:t>
-            </a:r>
-          </a:p>
-        </p:txBody>
-      </p:sp>
-      <p:sp>
-        <p:nvSpPr>
-          <p:cNvPr id="8" name="Объект 7">
-            <a:extLst>
-              <a:ext uri="{FF2B5EF4-FFF2-40B4-BE49-F238E27FC236}">
-                <a16:creationId xmlns:a16="http://schemas.microsoft.com/office/drawing/2014/main" id="{1D9BCEA8-01F9-4B24-A3AB-F37F8DCF0E51}"/>
-              </a:ext>
-            </a:extLst>
-          </p:cNvPr>
-          <p:cNvSpPr>
-            <a:spLocks noGrp="1"/>
-          </p:cNvSpPr>
-          <p:nvPr>
-            <p:ph idx="1"/>
-          </p:nvPr>
-        </p:nvSpPr>
-        <p:spPr/>
-        <p:txBody>
-          <a:bodyPr/>
-          <a:lstStyle/>
-          <a:p>
-            <a:pPr marL="0" indent="0">
-              <a:buNone/>
-            </a:pPr>
-            <a:r>
-              <a:rPr lang="ru-RU" dirty="0"/>
-              <a:t>Алгоритм дерево </a:t>
-            </a:r>
-            <a:r>
-              <a:rPr lang="ru-RU" dirty="0" err="1"/>
-              <a:t>ван</a:t>
-            </a:r>
-            <a:r>
-              <a:rPr lang="ru-RU" dirty="0"/>
-              <a:t> </a:t>
-            </a:r>
-            <a:r>
-              <a:rPr lang="ru-RU" dirty="0" err="1"/>
-              <a:t>Эмде</a:t>
-            </a:r>
-            <a:r>
-              <a:rPr lang="ru-RU" dirty="0"/>
-              <a:t> </a:t>
-            </a:r>
-            <a:r>
-              <a:rPr lang="ru-RU" dirty="0" err="1"/>
-              <a:t>Боаса</a:t>
-            </a:r>
-            <a:r>
-              <a:rPr lang="ru-RU" dirty="0"/>
-              <a:t> показывает отличные результаты.</a:t>
-            </a:r>
-          </a:p>
-          <a:p>
-            <a:pPr marL="0" indent="0">
-              <a:buNone/>
-            </a:pPr>
-            <a:r>
-              <a:rPr lang="ru-RU" dirty="0"/>
-              <a:t>Он обгоняет контейнер </a:t>
-            </a:r>
-            <a:r>
-              <a:rPr lang="ru-RU" altLang="ru-RU" b="1" dirty="0" err="1">
-                <a:latin typeface="Arial" panose="020B0604020202020204" pitchFamily="34" charset="0"/>
-                <a:cs typeface="Arial" panose="020B0604020202020204" pitchFamily="34" charset="0"/>
-              </a:rPr>
-              <a:t>std</a:t>
-            </a:r>
-            <a:r>
-              <a:rPr lang="ru-RU" altLang="ru-RU" b="1" dirty="0">
-                <a:latin typeface="Arial" panose="020B0604020202020204" pitchFamily="34" charset="0"/>
-                <a:cs typeface="Arial" panose="020B0604020202020204" pitchFamily="34" charset="0"/>
-              </a:rPr>
-              <a:t>::</a:t>
-            </a:r>
-            <a:r>
-              <a:rPr lang="ru-RU" altLang="ru-RU" b="1" dirty="0" err="1">
-                <a:latin typeface="Arial" panose="020B0604020202020204" pitchFamily="34" charset="0"/>
-                <a:cs typeface="Arial" panose="020B0604020202020204" pitchFamily="34" charset="0"/>
-              </a:rPr>
-              <a:t>set</a:t>
-            </a:r>
-            <a:r>
-              <a:rPr lang="ru-RU" altLang="ru-RU" dirty="0">
-                <a:latin typeface="Arial" panose="020B0604020202020204" pitchFamily="34" charset="0"/>
-                <a:cs typeface="Arial" panose="020B0604020202020204" pitchFamily="34" charset="0"/>
-              </a:rPr>
-              <a:t>, который является деревом поиска во всех операциях, кроме </a:t>
-            </a:r>
-            <a:r>
-              <a:rPr lang="en-US" altLang="ru-RU" b="1" dirty="0">
-                <a:latin typeface="Arial" panose="020B0604020202020204" pitchFamily="34" charset="0"/>
-                <a:cs typeface="Arial" panose="020B0604020202020204" pitchFamily="34" charset="0"/>
-              </a:rPr>
-              <a:t>Successor</a:t>
-            </a:r>
-            <a:r>
-              <a:rPr lang="en-US" altLang="ru-RU" dirty="0">
-                <a:latin typeface="Arial" panose="020B0604020202020204" pitchFamily="34" charset="0"/>
-                <a:cs typeface="Arial" panose="020B0604020202020204" pitchFamily="34" charset="0"/>
-              </a:rPr>
-              <a:t> </a:t>
-            </a:r>
-            <a:r>
-              <a:rPr lang="ru-RU" altLang="ru-RU" dirty="0">
-                <a:latin typeface="Arial" panose="020B0604020202020204" pitchFamily="34" charset="0"/>
-                <a:cs typeface="Arial" panose="020B0604020202020204" pitchFamily="34" charset="0"/>
-              </a:rPr>
-              <a:t>и</a:t>
-            </a:r>
-            <a:r>
-              <a:rPr lang="en-US" altLang="ru-RU" dirty="0">
-                <a:latin typeface="Arial" panose="020B0604020202020204" pitchFamily="34" charset="0"/>
-                <a:cs typeface="Arial" panose="020B0604020202020204" pitchFamily="34" charset="0"/>
-              </a:rPr>
-              <a:t> </a:t>
-            </a:r>
-            <a:r>
-              <a:rPr lang="en-US" altLang="ru-RU" b="1" dirty="0">
-                <a:latin typeface="Arial" panose="020B0604020202020204" pitchFamily="34" charset="0"/>
-                <a:cs typeface="Arial" panose="020B0604020202020204" pitchFamily="34" charset="0"/>
-              </a:rPr>
-              <a:t>Predecessor</a:t>
-            </a:r>
-            <a:r>
-              <a:rPr lang="ru-RU" altLang="ru-RU" dirty="0">
-                <a:latin typeface="Arial" panose="020B0604020202020204" pitchFamily="34" charset="0"/>
-                <a:cs typeface="Arial" panose="020B0604020202020204" pitchFamily="34" charset="0"/>
-              </a:rPr>
-              <a:t>.</a:t>
-            </a:r>
-          </a:p>
-          <a:p>
-            <a:pPr marL="0" indent="0">
-              <a:buNone/>
-            </a:pPr>
-            <a:r>
-              <a:rPr lang="ru-RU" dirty="0">
-                <a:latin typeface="Arial" panose="020B0604020202020204" pitchFamily="34" charset="0"/>
-                <a:cs typeface="Arial" panose="020B0604020202020204" pitchFamily="34" charset="0"/>
-              </a:rPr>
-              <a:t>И в некоторых случаях обгоняет </a:t>
-            </a:r>
-            <a:r>
-              <a:rPr lang="ru-RU" dirty="0"/>
-              <a:t>контейнер</a:t>
-            </a:r>
-            <a:r>
-              <a:rPr lang="ru-RU" dirty="0">
-                <a:latin typeface="Arial" panose="020B0604020202020204" pitchFamily="34" charset="0"/>
-                <a:cs typeface="Arial" panose="020B0604020202020204" pitchFamily="34" charset="0"/>
-              </a:rPr>
-              <a:t> </a:t>
-            </a:r>
-            <a:r>
-              <a:rPr lang="ru-RU" altLang="ru-RU" b="1" dirty="0" err="1">
-                <a:latin typeface="Arial" panose="020B0604020202020204" pitchFamily="34" charset="0"/>
-                <a:cs typeface="Arial" panose="020B0604020202020204" pitchFamily="34" charset="0"/>
-              </a:rPr>
-              <a:t>std</a:t>
-            </a:r>
-            <a:r>
-              <a:rPr lang="ru-RU" altLang="ru-RU" b="1" dirty="0">
-                <a:latin typeface="Arial" panose="020B0604020202020204" pitchFamily="34" charset="0"/>
-                <a:cs typeface="Arial" panose="020B0604020202020204" pitchFamily="34" charset="0"/>
-              </a:rPr>
-              <a:t>::</a:t>
-            </a:r>
-            <a:r>
-              <a:rPr lang="ru-RU" altLang="ru-RU" b="1" dirty="0" err="1">
-                <a:latin typeface="Arial" panose="020B0604020202020204" pitchFamily="34" charset="0"/>
-                <a:cs typeface="Arial" panose="020B0604020202020204" pitchFamily="34" charset="0"/>
-              </a:rPr>
-              <a:t>unordered_set</a:t>
-            </a:r>
-            <a:r>
-              <a:rPr lang="ru-RU" altLang="ru-RU" dirty="0">
-                <a:latin typeface="Arial" panose="020B0604020202020204" pitchFamily="34" charset="0"/>
-                <a:cs typeface="Arial" panose="020B0604020202020204" pitchFamily="34" charset="0"/>
-              </a:rPr>
-              <a:t>, который является хэш-таблицей.</a:t>
-            </a:r>
-            <a:endParaRPr lang="ru-RU" dirty="0"/>
-          </a:p>
-        </p:txBody>
-      </p:sp>
-      <p:sp>
-        <p:nvSpPr>
-          <p:cNvPr id="5" name="Дата 4">
-            <a:extLst>
-              <a:ext uri="{FF2B5EF4-FFF2-40B4-BE49-F238E27FC236}">
-                <a16:creationId xmlns:a16="http://schemas.microsoft.com/office/drawing/2014/main" id="{B6BEA351-9B9B-49E0-94B6-6F0ED09FD281}"/>
-              </a:ext>
-            </a:extLst>
-          </p:cNvPr>
-          <p:cNvSpPr>
-            <a:spLocks noGrp="1"/>
-          </p:cNvSpPr>
-          <p:nvPr>
-            <p:ph type="dt" sz="half" idx="10"/>
-          </p:nvPr>
-        </p:nvSpPr>
-        <p:spPr/>
-        <p:txBody>
-          <a:bodyPr/>
-          <a:lstStyle/>
-          <a:p>
-            <a:r>
-              <a:rPr lang="ru-RU"/>
-              <a:t>2023</a:t>
-            </a:r>
-          </a:p>
-        </p:txBody>
-      </p:sp>
-      <p:sp>
-        <p:nvSpPr>
-          <p:cNvPr id="6" name="Нижний колонтитул 5">
-            <a:extLst>
-              <a:ext uri="{FF2B5EF4-FFF2-40B4-BE49-F238E27FC236}">
-                <a16:creationId xmlns:a16="http://schemas.microsoft.com/office/drawing/2014/main" id="{64570A44-08BD-428E-BB47-77F79515BBAC}"/>
-              </a:ext>
-            </a:extLst>
-          </p:cNvPr>
-          <p:cNvSpPr>
-            <a:spLocks noGrp="1"/>
-          </p:cNvSpPr>
-          <p:nvPr>
-            <p:ph type="ftr" sz="quarter" idx="11"/>
-          </p:nvPr>
-        </p:nvSpPr>
-        <p:spPr/>
-        <p:txBody>
-          <a:bodyPr/>
-          <a:lstStyle/>
-          <a:p>
-            <a:r>
-              <a:rPr lang="ru-RU"/>
-              <a:t>Борик Р. Д</a:t>
-            </a:r>
-          </a:p>
-        </p:txBody>
-      </p:sp>
-    </p:spTree>
-    <p:extLst>
-      <p:ext uri="{BB962C8B-B14F-4D97-AF65-F5344CB8AC3E}">
-        <p14:creationId xmlns:p14="http://schemas.microsoft.com/office/powerpoint/2010/main" val="3069485588"/>
-      </p:ext>
-    </p:extLst>
-  </p:cSld>
-  <p:clrMapOvr>
-    <a:masterClrMapping/>
-  </p:clrMapOvr>
+  <p:transition spd="slow">
+    <p:push dir="u"/>
+  </p:transition>
 </p:sld>
 </file>
 
@@ -8599,10 +8782,318 @@
   <p:clrMapOvr>
     <a:masterClrMapping/>
   </p:clrMapOvr>
+  <p:transition spd="slow">
+    <p:push dir="u"/>
+  </p:transition>
 </p:sld>
 </file>
 
 <file path=ppt/slides/slide20.xml><?xml version="1.0" encoding="utf-8"?>
+<p:sld xmlns:a="http://schemas.openxmlformats.org/drawingml/2006/main" xmlns:r="http://schemas.openxmlformats.org/officeDocument/2006/relationships" xmlns:p="http://schemas.openxmlformats.org/presentationml/2006/main">
+  <p:cSld>
+    <p:spTree>
+      <p:nvGrpSpPr>
+        <p:cNvPr id="1" name=""/>
+        <p:cNvGrpSpPr/>
+        <p:nvPr/>
+      </p:nvGrpSpPr>
+      <p:grpSpPr>
+        <a:xfrm>
+          <a:off x="0" y="0"/>
+          <a:ext cx="0" cy="0"/>
+          <a:chOff x="0" y="0"/>
+          <a:chExt cx="0" cy="0"/>
+        </a:xfrm>
+      </p:grpSpPr>
+      <p:sp>
+        <p:nvSpPr>
+          <p:cNvPr id="7" name="Заголовок 6">
+            <a:extLst>
+              <a:ext uri="{FF2B5EF4-FFF2-40B4-BE49-F238E27FC236}">
+                <a16:creationId xmlns:a16="http://schemas.microsoft.com/office/drawing/2014/main" id="{F985232A-2BD8-48D7-BC8C-0550B33E9BF1}"/>
+              </a:ext>
+            </a:extLst>
+          </p:cNvPr>
+          <p:cNvSpPr>
+            <a:spLocks noGrp="1"/>
+          </p:cNvSpPr>
+          <p:nvPr>
+            <p:ph type="title"/>
+          </p:nvPr>
+        </p:nvSpPr>
+        <p:spPr/>
+        <p:txBody>
+          <a:bodyPr/>
+          <a:lstStyle/>
+          <a:p>
+            <a:r>
+              <a:rPr lang="ru-RU" dirty="0">
+                <a:latin typeface="Arial Black" panose="020B0A04020102020204" pitchFamily="34" charset="0"/>
+              </a:rPr>
+              <a:t>Итоги тестирования</a:t>
+            </a:r>
+          </a:p>
+        </p:txBody>
+      </p:sp>
+      <p:sp>
+        <p:nvSpPr>
+          <p:cNvPr id="8" name="Объект 7">
+            <a:extLst>
+              <a:ext uri="{FF2B5EF4-FFF2-40B4-BE49-F238E27FC236}">
+                <a16:creationId xmlns:a16="http://schemas.microsoft.com/office/drawing/2014/main" id="{1D9BCEA8-01F9-4B24-A3AB-F37F8DCF0E51}"/>
+              </a:ext>
+            </a:extLst>
+          </p:cNvPr>
+          <p:cNvSpPr>
+            <a:spLocks noGrp="1"/>
+          </p:cNvSpPr>
+          <p:nvPr>
+            <p:ph idx="1"/>
+          </p:nvPr>
+        </p:nvSpPr>
+        <p:spPr/>
+        <p:txBody>
+          <a:bodyPr/>
+          <a:lstStyle/>
+          <a:p>
+            <a:pPr marL="0" indent="0">
+              <a:buNone/>
+            </a:pPr>
+            <a:r>
+              <a:rPr lang="ru-RU" dirty="0"/>
+              <a:t>Алгоритм дерево </a:t>
+            </a:r>
+            <a:r>
+              <a:rPr lang="ru-RU" dirty="0" err="1"/>
+              <a:t>ван</a:t>
+            </a:r>
+            <a:r>
+              <a:rPr lang="ru-RU" dirty="0"/>
+              <a:t> </a:t>
+            </a:r>
+            <a:r>
+              <a:rPr lang="ru-RU" dirty="0" err="1"/>
+              <a:t>Эмде</a:t>
+            </a:r>
+            <a:r>
+              <a:rPr lang="ru-RU" dirty="0"/>
+              <a:t> </a:t>
+            </a:r>
+            <a:r>
+              <a:rPr lang="ru-RU" dirty="0" err="1"/>
+              <a:t>Боаса</a:t>
+            </a:r>
+            <a:r>
+              <a:rPr lang="ru-RU" dirty="0"/>
+              <a:t> показывает отличные результаты.</a:t>
+            </a:r>
+          </a:p>
+          <a:p>
+            <a:pPr marL="0" indent="0">
+              <a:buNone/>
+            </a:pPr>
+            <a:r>
+              <a:rPr lang="ru-RU" dirty="0"/>
+              <a:t>Он обгоняет контейнер </a:t>
+            </a:r>
+            <a:r>
+              <a:rPr lang="ru-RU" altLang="ru-RU" b="1" dirty="0" err="1">
+                <a:latin typeface="Arial" panose="020B0604020202020204" pitchFamily="34" charset="0"/>
+                <a:cs typeface="Arial" panose="020B0604020202020204" pitchFamily="34" charset="0"/>
+              </a:rPr>
+              <a:t>std</a:t>
+            </a:r>
+            <a:r>
+              <a:rPr lang="ru-RU" altLang="ru-RU" b="1" dirty="0">
+                <a:latin typeface="Arial" panose="020B0604020202020204" pitchFamily="34" charset="0"/>
+                <a:cs typeface="Arial" panose="020B0604020202020204" pitchFamily="34" charset="0"/>
+              </a:rPr>
+              <a:t>::</a:t>
+            </a:r>
+            <a:r>
+              <a:rPr lang="ru-RU" altLang="ru-RU" b="1" dirty="0" err="1">
+                <a:latin typeface="Arial" panose="020B0604020202020204" pitchFamily="34" charset="0"/>
+                <a:cs typeface="Arial" panose="020B0604020202020204" pitchFamily="34" charset="0"/>
+              </a:rPr>
+              <a:t>set</a:t>
+            </a:r>
+            <a:r>
+              <a:rPr lang="ru-RU" altLang="ru-RU" dirty="0">
+                <a:latin typeface="Arial" panose="020B0604020202020204" pitchFamily="34" charset="0"/>
+                <a:cs typeface="Arial" panose="020B0604020202020204" pitchFamily="34" charset="0"/>
+              </a:rPr>
+              <a:t>, который является деревом поиска во всех операциях, кроме </a:t>
+            </a:r>
+            <a:r>
+              <a:rPr lang="en-US" altLang="ru-RU" b="1" dirty="0">
+                <a:latin typeface="Arial" panose="020B0604020202020204" pitchFamily="34" charset="0"/>
+                <a:cs typeface="Arial" panose="020B0604020202020204" pitchFamily="34" charset="0"/>
+              </a:rPr>
+              <a:t>Successor</a:t>
+            </a:r>
+            <a:r>
+              <a:rPr lang="en-US" altLang="ru-RU" dirty="0">
+                <a:latin typeface="Arial" panose="020B0604020202020204" pitchFamily="34" charset="0"/>
+                <a:cs typeface="Arial" panose="020B0604020202020204" pitchFamily="34" charset="0"/>
+              </a:rPr>
+              <a:t> </a:t>
+            </a:r>
+            <a:r>
+              <a:rPr lang="ru-RU" altLang="ru-RU" dirty="0">
+                <a:latin typeface="Arial" panose="020B0604020202020204" pitchFamily="34" charset="0"/>
+                <a:cs typeface="Arial" panose="020B0604020202020204" pitchFamily="34" charset="0"/>
+              </a:rPr>
+              <a:t>и</a:t>
+            </a:r>
+            <a:r>
+              <a:rPr lang="en-US" altLang="ru-RU" dirty="0">
+                <a:latin typeface="Arial" panose="020B0604020202020204" pitchFamily="34" charset="0"/>
+                <a:cs typeface="Arial" panose="020B0604020202020204" pitchFamily="34" charset="0"/>
+              </a:rPr>
+              <a:t> </a:t>
+            </a:r>
+            <a:r>
+              <a:rPr lang="en-US" altLang="ru-RU" b="1" dirty="0">
+                <a:latin typeface="Arial" panose="020B0604020202020204" pitchFamily="34" charset="0"/>
+                <a:cs typeface="Arial" panose="020B0604020202020204" pitchFamily="34" charset="0"/>
+              </a:rPr>
+              <a:t>Predecessor</a:t>
+            </a:r>
+            <a:r>
+              <a:rPr lang="ru-RU" altLang="ru-RU" dirty="0">
+                <a:latin typeface="Arial" panose="020B0604020202020204" pitchFamily="34" charset="0"/>
+                <a:cs typeface="Arial" panose="020B0604020202020204" pitchFamily="34" charset="0"/>
+              </a:rPr>
+              <a:t>.</a:t>
+            </a:r>
+          </a:p>
+          <a:p>
+            <a:pPr marL="0" indent="0">
+              <a:buNone/>
+            </a:pPr>
+            <a:r>
+              <a:rPr lang="ru-RU" dirty="0">
+                <a:latin typeface="Arial" panose="020B0604020202020204" pitchFamily="34" charset="0"/>
+                <a:cs typeface="Arial" panose="020B0604020202020204" pitchFamily="34" charset="0"/>
+              </a:rPr>
+              <a:t>И в некоторых случаях обгоняет </a:t>
+            </a:r>
+            <a:r>
+              <a:rPr lang="ru-RU" dirty="0"/>
+              <a:t>контейнер</a:t>
+            </a:r>
+            <a:r>
+              <a:rPr lang="ru-RU" dirty="0">
+                <a:latin typeface="Arial" panose="020B0604020202020204" pitchFamily="34" charset="0"/>
+                <a:cs typeface="Arial" panose="020B0604020202020204" pitchFamily="34" charset="0"/>
+              </a:rPr>
+              <a:t> </a:t>
+            </a:r>
+            <a:r>
+              <a:rPr lang="ru-RU" altLang="ru-RU" b="1" dirty="0" err="1">
+                <a:latin typeface="Arial" panose="020B0604020202020204" pitchFamily="34" charset="0"/>
+                <a:cs typeface="Arial" panose="020B0604020202020204" pitchFamily="34" charset="0"/>
+              </a:rPr>
+              <a:t>std</a:t>
+            </a:r>
+            <a:r>
+              <a:rPr lang="ru-RU" altLang="ru-RU" b="1" dirty="0">
+                <a:latin typeface="Arial" panose="020B0604020202020204" pitchFamily="34" charset="0"/>
+                <a:cs typeface="Arial" panose="020B0604020202020204" pitchFamily="34" charset="0"/>
+              </a:rPr>
+              <a:t>::</a:t>
+            </a:r>
+            <a:r>
+              <a:rPr lang="ru-RU" altLang="ru-RU" b="1" dirty="0" err="1">
+                <a:latin typeface="Arial" panose="020B0604020202020204" pitchFamily="34" charset="0"/>
+                <a:cs typeface="Arial" panose="020B0604020202020204" pitchFamily="34" charset="0"/>
+              </a:rPr>
+              <a:t>unordered_set</a:t>
+            </a:r>
+            <a:r>
+              <a:rPr lang="ru-RU" altLang="ru-RU" dirty="0">
+                <a:latin typeface="Arial" panose="020B0604020202020204" pitchFamily="34" charset="0"/>
+                <a:cs typeface="Arial" panose="020B0604020202020204" pitchFamily="34" charset="0"/>
+              </a:rPr>
+              <a:t>, который является хэш-таблицей.</a:t>
+            </a:r>
+            <a:endParaRPr lang="ru-RU" dirty="0"/>
+          </a:p>
+        </p:txBody>
+      </p:sp>
+      <p:sp>
+        <p:nvSpPr>
+          <p:cNvPr id="5" name="Дата 4">
+            <a:extLst>
+              <a:ext uri="{FF2B5EF4-FFF2-40B4-BE49-F238E27FC236}">
+                <a16:creationId xmlns:a16="http://schemas.microsoft.com/office/drawing/2014/main" id="{B6BEA351-9B9B-49E0-94B6-6F0ED09FD281}"/>
+              </a:ext>
+            </a:extLst>
+          </p:cNvPr>
+          <p:cNvSpPr>
+            <a:spLocks noGrp="1"/>
+          </p:cNvSpPr>
+          <p:nvPr>
+            <p:ph type="dt" sz="half" idx="10"/>
+          </p:nvPr>
+        </p:nvSpPr>
+        <p:spPr/>
+        <p:txBody>
+          <a:bodyPr/>
+          <a:lstStyle/>
+          <a:p>
+            <a:r>
+              <a:rPr lang="ru-RU"/>
+              <a:t>2023</a:t>
+            </a:r>
+          </a:p>
+        </p:txBody>
+      </p:sp>
+      <p:sp>
+        <p:nvSpPr>
+          <p:cNvPr id="6" name="Нижний колонтитул 5">
+            <a:extLst>
+              <a:ext uri="{FF2B5EF4-FFF2-40B4-BE49-F238E27FC236}">
+                <a16:creationId xmlns:a16="http://schemas.microsoft.com/office/drawing/2014/main" id="{64570A44-08BD-428E-BB47-77F79515BBAC}"/>
+              </a:ext>
+            </a:extLst>
+          </p:cNvPr>
+          <p:cNvSpPr>
+            <a:spLocks noGrp="1"/>
+          </p:cNvSpPr>
+          <p:nvPr>
+            <p:ph type="ftr" sz="quarter" idx="11"/>
+          </p:nvPr>
+        </p:nvSpPr>
+        <p:spPr/>
+        <p:txBody>
+          <a:bodyPr/>
+          <a:lstStyle/>
+          <a:p>
+            <a:r>
+              <a:rPr lang="ru-RU"/>
+              <a:t>Борик Р. Д</a:t>
+            </a:r>
+          </a:p>
+        </p:txBody>
+      </p:sp>
+    </p:spTree>
+    <p:extLst>
+      <p:ext uri="{BB962C8B-B14F-4D97-AF65-F5344CB8AC3E}">
+        <p14:creationId xmlns:p14="http://schemas.microsoft.com/office/powerpoint/2010/main" val="3069485588"/>
+      </p:ext>
+    </p:extLst>
+  </p:cSld>
+  <p:clrMapOvr>
+    <a:masterClrMapping/>
+  </p:clrMapOvr>
+  <p:transition spd="slow">
+    <p:push dir="u"/>
+  </p:transition>
+</p:sld>
+</file>
+
+<file path=ppt/slides/slide21.xml><?xml version="1.0" encoding="utf-8"?>
 <p:sld xmlns:a="http://schemas.openxmlformats.org/drawingml/2006/main" xmlns:r="http://schemas.openxmlformats.org/officeDocument/2006/relationships" xmlns:p="http://schemas.openxmlformats.org/presentationml/2006/main">
   <p:cSld>
     <p:spTree>
@@ -8857,6 +9348,9 @@
   <p:clrMapOvr>
     <a:masterClrMapping/>
   </p:clrMapOvr>
+  <p:transition spd="slow">
+    <p:push dir="u"/>
+  </p:transition>
 </p:sld>
 </file>
 
@@ -9136,6 +9630,9 @@
   <p:clrMapOvr>
     <a:masterClrMapping/>
   </p:clrMapOvr>
+  <p:transition spd="slow">
+    <p:push dir="u"/>
+  </p:transition>
 </p:sld>
 </file>
 
@@ -9528,6 +10025,9 @@
   <p:clrMapOvr>
     <a:masterClrMapping/>
   </p:clrMapOvr>
+  <p:transition spd="slow">
+    <p:push dir="u"/>
+  </p:transition>
 </p:sld>
 </file>
 
@@ -9823,6 +10323,9 @@
   <p:clrMapOvr>
     <a:masterClrMapping/>
   </p:clrMapOvr>
+  <p:transition spd="slow">
+    <p:push dir="u"/>
+  </p:transition>
 </p:sld>
 </file>
 
@@ -10068,6 +10571,9 @@
   <p:clrMapOvr>
     <a:masterClrMapping/>
   </p:clrMapOvr>
+  <p:transition spd="slow">
+    <p:push dir="u"/>
+  </p:transition>
 </p:sld>
 </file>
 
@@ -10090,10 +10596,10 @@
       </p:grpSpPr>
       <p:sp>
         <p:nvSpPr>
-          <p:cNvPr id="2" name="Заголовок 1">
-            <a:extLst>
-              <a:ext uri="{FF2B5EF4-FFF2-40B4-BE49-F238E27FC236}">
-                <a16:creationId xmlns:a16="http://schemas.microsoft.com/office/drawing/2014/main" id="{35E038FD-5275-4690-9BE9-17EB235AB839}"/>
+          <p:cNvPr id="9" name="Заголовок 8">
+            <a:extLst>
+              <a:ext uri="{FF2B5EF4-FFF2-40B4-BE49-F238E27FC236}">
+                <a16:creationId xmlns:a16="http://schemas.microsoft.com/office/drawing/2014/main" id="{F2A3FA5F-840A-42DE-98C6-4ED8F47233D3}"/>
               </a:ext>
             </a:extLst>
           </p:cNvPr>
@@ -10113,17 +10619,17 @@
               <a:rPr lang="ru-RU" dirty="0">
                 <a:latin typeface="Arial Black" panose="020B0A04020102020204" pitchFamily="34" charset="0"/>
               </a:rPr>
-              <a:t>Операции</a:t>
-            </a:r>
-          </a:p>
-        </p:txBody>
-      </p:sp>
-      <p:sp>
-        <p:nvSpPr>
-          <p:cNvPr id="3" name="Объект 2">
-            <a:extLst>
-              <a:ext uri="{FF2B5EF4-FFF2-40B4-BE49-F238E27FC236}">
-                <a16:creationId xmlns:a16="http://schemas.microsoft.com/office/drawing/2014/main" id="{CCC227F0-EA12-4FA7-832B-28B31CA5F547}"/>
+              <a:t>Вспомогательные функции</a:t>
+            </a:r>
+          </a:p>
+        </p:txBody>
+      </p:sp>
+      <p:sp>
+        <p:nvSpPr>
+          <p:cNvPr id="10" name="Объект 9">
+            <a:extLst>
+              <a:ext uri="{FF2B5EF4-FFF2-40B4-BE49-F238E27FC236}">
+                <a16:creationId xmlns:a16="http://schemas.microsoft.com/office/drawing/2014/main" id="{1CFFB348-F5B4-445B-9C6A-32A2C1B12CAC}"/>
               </a:ext>
             </a:extLst>
           </p:cNvPr>
@@ -10139,111 +10645,219 @@
           <a:bodyPr/>
           <a:lstStyle/>
           <a:p>
-            <a:r>
-              <a:rPr lang="en-US" dirty="0">
-                <a:latin typeface="Arial" panose="020B0604020202020204" pitchFamily="34" charset="0"/>
-                <a:cs typeface="Arial" panose="020B0604020202020204" pitchFamily="34" charset="0"/>
-              </a:rPr>
-              <a:t>Minimum </a:t>
+            <a:pPr marL="0" lvl="0" indent="0" eaLnBrk="0" fontAlgn="base" hangingPunct="0">
+              <a:lnSpc>
+                <a:spcPct val="200000"/>
+              </a:lnSpc>
+              <a:spcBef>
+                <a:spcPct val="0"/>
+              </a:spcBef>
+              <a:spcAft>
+                <a:spcPct val="0"/>
+              </a:spcAft>
+              <a:buFontTx/>
+              <a:buChar char="•"/>
+            </a:pPr>
+            <a:r>
+              <a:rPr lang="ru-RU" altLang="ru-RU" b="1" dirty="0" err="1">
+                <a:latin typeface="Arial" panose="020B0604020202020204" pitchFamily="34" charset="0"/>
+                <a:cs typeface="Arial" panose="020B0604020202020204" pitchFamily="34" charset="0"/>
+              </a:rPr>
+              <a:t>High</a:t>
+            </a:r>
+            <a:r>
+              <a:rPr lang="ru-RU" altLang="ru-RU" b="1" dirty="0">
+                <a:latin typeface="Arial" panose="020B0604020202020204" pitchFamily="34" charset="0"/>
+                <a:cs typeface="Arial" panose="020B0604020202020204" pitchFamily="34" charset="0"/>
+              </a:rPr>
+              <a:t>(x)</a:t>
+            </a:r>
+            <a:r>
+              <a:rPr lang="ru-RU" altLang="ru-RU" dirty="0">
+                <a:latin typeface="Arial" panose="020B0604020202020204" pitchFamily="34" charset="0"/>
+                <a:cs typeface="Arial" panose="020B0604020202020204" pitchFamily="34" charset="0"/>
+              </a:rPr>
+              <a:t> — число, указывающее номер кластера ключа </a:t>
+            </a:r>
+            <a:r>
+              <a:rPr lang="ru-RU" altLang="ru-RU" b="1" dirty="0">
+                <a:latin typeface="Arial" panose="020B0604020202020204" pitchFamily="34" charset="0"/>
+                <a:cs typeface="Arial" panose="020B0604020202020204" pitchFamily="34" charset="0"/>
+              </a:rPr>
+              <a:t>х</a:t>
+            </a:r>
+          </a:p>
+          <a:p>
+            <a:pPr marL="0" lvl="0" indent="0" eaLnBrk="0" fontAlgn="base" hangingPunct="0">
+              <a:lnSpc>
+                <a:spcPct val="200000"/>
+              </a:lnSpc>
+              <a:spcBef>
+                <a:spcPct val="0"/>
+              </a:spcBef>
+              <a:spcAft>
+                <a:spcPct val="0"/>
+              </a:spcAft>
+              <a:buFontTx/>
+              <a:buChar char="•"/>
+            </a:pPr>
+            <a:r>
+              <a:rPr lang="ru-RU" altLang="ru-RU" b="1" dirty="0" err="1">
+                <a:latin typeface="Arial" panose="020B0604020202020204" pitchFamily="34" charset="0"/>
+                <a:cs typeface="Arial" panose="020B0604020202020204" pitchFamily="34" charset="0"/>
+              </a:rPr>
+              <a:t>Low</a:t>
+            </a:r>
+            <a:r>
+              <a:rPr lang="ru-RU" altLang="ru-RU" b="1" dirty="0">
+                <a:latin typeface="Arial" panose="020B0604020202020204" pitchFamily="34" charset="0"/>
+                <a:cs typeface="Arial" panose="020B0604020202020204" pitchFamily="34" charset="0"/>
+              </a:rPr>
+              <a:t>(x)</a:t>
+            </a:r>
+            <a:r>
+              <a:rPr lang="ru-RU" altLang="ru-RU" dirty="0">
+                <a:latin typeface="Arial" panose="020B0604020202020204" pitchFamily="34" charset="0"/>
+                <a:cs typeface="Arial" panose="020B0604020202020204" pitchFamily="34" charset="0"/>
+              </a:rPr>
+              <a:t> — число, указывающее позицию </a:t>
+            </a:r>
+            <a:r>
+              <a:rPr lang="ru-RU" altLang="ru-RU" b="1" dirty="0">
+                <a:latin typeface="Arial" panose="020B0604020202020204" pitchFamily="34" charset="0"/>
+                <a:cs typeface="Arial" panose="020B0604020202020204" pitchFamily="34" charset="0"/>
+              </a:rPr>
+              <a:t>х</a:t>
+            </a:r>
+            <a:r>
+              <a:rPr lang="ru-RU" altLang="ru-RU" dirty="0">
+                <a:latin typeface="Arial" panose="020B0604020202020204" pitchFamily="34" charset="0"/>
+                <a:cs typeface="Arial" panose="020B0604020202020204" pitchFamily="34" charset="0"/>
+              </a:rPr>
+              <a:t> в его кластере</a:t>
+            </a:r>
+          </a:p>
+          <a:p>
+            <a:pPr marL="0" lvl="0" indent="0" eaLnBrk="0" fontAlgn="base" hangingPunct="0">
+              <a:lnSpc>
+                <a:spcPct val="200000"/>
+              </a:lnSpc>
+              <a:spcBef>
+                <a:spcPct val="0"/>
+              </a:spcBef>
+              <a:spcAft>
+                <a:spcPct val="0"/>
+              </a:spcAft>
+              <a:buFontTx/>
+              <a:buChar char="•"/>
+            </a:pPr>
+            <a:r>
+              <a:rPr lang="ru-RU" altLang="ru-RU" b="1" dirty="0" err="1">
+                <a:latin typeface="Arial" panose="020B0604020202020204" pitchFamily="34" charset="0"/>
+                <a:cs typeface="Arial" panose="020B0604020202020204" pitchFamily="34" charset="0"/>
+              </a:rPr>
+              <a:t>GenerateIndex</a:t>
+            </a:r>
+            <a:r>
+              <a:rPr lang="ru-RU" altLang="ru-RU" b="1" dirty="0">
+                <a:latin typeface="Arial" panose="020B0604020202020204" pitchFamily="34" charset="0"/>
+                <a:cs typeface="Arial" panose="020B0604020202020204" pitchFamily="34" charset="0"/>
+              </a:rPr>
+              <a:t>(x, y)</a:t>
+            </a:r>
+            <a:r>
+              <a:rPr lang="ru-RU" altLang="ru-RU" dirty="0">
+                <a:latin typeface="Arial" panose="020B0604020202020204" pitchFamily="34" charset="0"/>
+                <a:cs typeface="Arial" panose="020B0604020202020204" pitchFamily="34" charset="0"/>
+              </a:rPr>
+              <a:t> —</a:t>
+            </a:r>
+            <a:r>
+              <a:rPr lang="en-US" altLang="ru-RU" dirty="0">
+                <a:latin typeface="Arial" panose="020B0604020202020204" pitchFamily="34" charset="0"/>
+                <a:cs typeface="Arial" panose="020B0604020202020204" pitchFamily="34" charset="0"/>
+              </a:rPr>
+              <a:t> </a:t>
+            </a:r>
+            <a:r>
+              <a:rPr lang="ru-RU">
+                <a:latin typeface="Arial" panose="020B0604020202020204" pitchFamily="34" charset="0"/>
+                <a:cs typeface="Arial" panose="020B0604020202020204" pitchFamily="34" charset="0"/>
+              </a:rPr>
+              <a:t>позиция </a:t>
             </a:r>
             <a:r>
               <a:rPr lang="ru-RU" dirty="0">
                 <a:latin typeface="Arial" panose="020B0604020202020204" pitchFamily="34" charset="0"/>
                 <a:cs typeface="Arial" panose="020B0604020202020204" pitchFamily="34" charset="0"/>
               </a:rPr>
-              <a:t>и </a:t>
-            </a:r>
-            <a:r>
-              <a:rPr lang="en-US" dirty="0">
-                <a:latin typeface="Arial" panose="020B0604020202020204" pitchFamily="34" charset="0"/>
-                <a:cs typeface="Arial" panose="020B0604020202020204" pitchFamily="34" charset="0"/>
-              </a:rPr>
-              <a:t>maximum</a:t>
-            </a:r>
-            <a:endParaRPr lang="ru-RU" dirty="0">
-              <a:latin typeface="Arial" panose="020B0604020202020204" pitchFamily="34" charset="0"/>
-              <a:cs typeface="Arial" panose="020B0604020202020204" pitchFamily="34" charset="0"/>
-            </a:endParaRPr>
-          </a:p>
-          <a:p>
-            <a:r>
-              <a:rPr lang="en-US" dirty="0">
-                <a:latin typeface="Arial" panose="020B0604020202020204" pitchFamily="34" charset="0"/>
-                <a:cs typeface="Arial" panose="020B0604020202020204" pitchFamily="34" charset="0"/>
-              </a:rPr>
-              <a:t>Find</a:t>
+              <a:t>ключа из его позиции в кластере </a:t>
+            </a:r>
+            <a:r>
+              <a:rPr lang="en-US" b="1" dirty="0">
+                <a:latin typeface="Arial" panose="020B0604020202020204" pitchFamily="34" charset="0"/>
+                <a:cs typeface="Arial" panose="020B0604020202020204" pitchFamily="34" charset="0"/>
+              </a:rPr>
+              <a:t>y</a:t>
             </a:r>
             <a:r>
               <a:rPr lang="ru-RU" dirty="0">
                 <a:latin typeface="Arial" panose="020B0604020202020204" pitchFamily="34" charset="0"/>
                 <a:cs typeface="Arial" panose="020B0604020202020204" pitchFamily="34" charset="0"/>
               </a:rPr>
-              <a:t> </a:t>
-            </a:r>
-          </a:p>
-          <a:p>
-            <a:r>
-              <a:rPr lang="en-US" dirty="0">
-                <a:latin typeface="Arial" panose="020B0604020202020204" pitchFamily="34" charset="0"/>
-                <a:cs typeface="Arial" panose="020B0604020202020204" pitchFamily="34" charset="0"/>
-              </a:rPr>
-              <a:t>Insert </a:t>
-            </a:r>
-            <a:endParaRPr lang="ru-RU" dirty="0">
-              <a:latin typeface="Arial" panose="020B0604020202020204" pitchFamily="34" charset="0"/>
-              <a:cs typeface="Arial" panose="020B0604020202020204" pitchFamily="34" charset="0"/>
-            </a:endParaRPr>
-          </a:p>
-          <a:p>
-            <a:r>
-              <a:rPr lang="en-US" dirty="0">
-                <a:latin typeface="Arial" panose="020B0604020202020204" pitchFamily="34" charset="0"/>
-                <a:cs typeface="Arial" panose="020B0604020202020204" pitchFamily="34" charset="0"/>
-              </a:rPr>
-              <a:t>Remove</a:t>
+              <a:t> и его индекса кластера </a:t>
+            </a:r>
+            <a:r>
+              <a:rPr lang="en-US" b="1" dirty="0">
+                <a:latin typeface="Arial" panose="020B0604020202020204" pitchFamily="34" charset="0"/>
+                <a:cs typeface="Arial" panose="020B0604020202020204" pitchFamily="34" charset="0"/>
+              </a:rPr>
+              <a:t>x</a:t>
             </a:r>
             <a:r>
               <a:rPr lang="ru-RU" dirty="0">
                 <a:latin typeface="Arial" panose="020B0604020202020204" pitchFamily="34" charset="0"/>
                 <a:cs typeface="Arial" panose="020B0604020202020204" pitchFamily="34" charset="0"/>
               </a:rPr>
-              <a:t> </a:t>
-            </a:r>
-          </a:p>
-          <a:p>
-            <a:r>
-              <a:rPr lang="en-US" dirty="0" err="1">
-                <a:latin typeface="Arial" panose="020B0604020202020204" pitchFamily="34" charset="0"/>
-                <a:cs typeface="Arial" panose="020B0604020202020204" pitchFamily="34" charset="0"/>
-              </a:rPr>
-              <a:t>SuccessorVEB</a:t>
-            </a:r>
-            <a:endParaRPr lang="ru-RU" dirty="0">
-              <a:latin typeface="Arial" panose="020B0604020202020204" pitchFamily="34" charset="0"/>
-              <a:cs typeface="Arial" panose="020B0604020202020204" pitchFamily="34" charset="0"/>
-            </a:endParaRPr>
-          </a:p>
-          <a:p>
-            <a:r>
-              <a:rPr lang="en-US" dirty="0" err="1">
-                <a:latin typeface="Arial" panose="020B0604020202020204" pitchFamily="34" charset="0"/>
-                <a:cs typeface="Arial" panose="020B0604020202020204" pitchFamily="34" charset="0"/>
-              </a:rPr>
-              <a:t>PredecessorVEB</a:t>
-            </a:r>
-            <a:endParaRPr lang="en-US" dirty="0">
-              <a:latin typeface="Arial" panose="020B0604020202020204" pitchFamily="34" charset="0"/>
-              <a:cs typeface="Arial" panose="020B0604020202020204" pitchFamily="34" charset="0"/>
-            </a:endParaRPr>
-          </a:p>
-        </p:txBody>
-      </p:sp>
-      <p:sp>
-        <p:nvSpPr>
-          <p:cNvPr id="4" name="Нижний колонтитул 3">
-            <a:extLst>
-              <a:ext uri="{FF2B5EF4-FFF2-40B4-BE49-F238E27FC236}">
-                <a16:creationId xmlns:a16="http://schemas.microsoft.com/office/drawing/2014/main" id="{9774CE6E-39CE-41E3-9818-90433F8CC3EC}"/>
+              <a:t>.</a:t>
+            </a:r>
+          </a:p>
+        </p:txBody>
+      </p:sp>
+      <p:sp>
+        <p:nvSpPr>
+          <p:cNvPr id="7" name="Дата 6">
+            <a:extLst>
+              <a:ext uri="{FF2B5EF4-FFF2-40B4-BE49-F238E27FC236}">
+                <a16:creationId xmlns:a16="http://schemas.microsoft.com/office/drawing/2014/main" id="{07703519-C569-416D-8BF7-F426F71A603A}"/>
+              </a:ext>
+            </a:extLst>
+          </p:cNvPr>
+          <p:cNvSpPr>
+            <a:spLocks noGrp="1"/>
+          </p:cNvSpPr>
+          <p:nvPr>
+            <p:ph type="dt" sz="half" idx="10"/>
+          </p:nvPr>
+        </p:nvSpPr>
+        <p:spPr/>
+        <p:txBody>
+          <a:bodyPr/>
+          <a:lstStyle/>
+          <a:p>
+            <a:r>
+              <a:rPr lang="ru-RU"/>
+              <a:t>2023</a:t>
+            </a:r>
+          </a:p>
+        </p:txBody>
+      </p:sp>
+      <p:sp>
+        <p:nvSpPr>
+          <p:cNvPr id="8" name="Нижний колонтитул 7">
+            <a:extLst>
+              <a:ext uri="{FF2B5EF4-FFF2-40B4-BE49-F238E27FC236}">
+                <a16:creationId xmlns:a16="http://schemas.microsoft.com/office/drawing/2014/main" id="{D7AB6CB6-AB7A-44E2-84DB-53C99B2C8C93}"/>
               </a:ext>
             </a:extLst>
           </p:cNvPr>
@@ -10262,34 +10876,6 @@
             <a:r>
               <a:rPr lang="ru-RU"/>
               <a:t>Борик Р. Д</a:t>
-            </a:r>
-          </a:p>
-        </p:txBody>
-      </p:sp>
-      <p:sp>
-        <p:nvSpPr>
-          <p:cNvPr id="5" name="Дата 4">
-            <a:extLst>
-              <a:ext uri="{FF2B5EF4-FFF2-40B4-BE49-F238E27FC236}">
-                <a16:creationId xmlns:a16="http://schemas.microsoft.com/office/drawing/2014/main" id="{008854C8-AF99-4F14-B2E0-CE97C68A7A9B}"/>
-              </a:ext>
-            </a:extLst>
-          </p:cNvPr>
-          <p:cNvSpPr>
-            <a:spLocks noGrp="1"/>
-          </p:cNvSpPr>
-          <p:nvPr>
-            <p:ph type="dt" sz="half" idx="10"/>
-          </p:nvPr>
-        </p:nvSpPr>
-        <p:spPr/>
-        <p:txBody>
-          <a:bodyPr/>
-          <a:lstStyle/>
-          <a:p>
-            <a:r>
-              <a:rPr lang="ru-RU"/>
-              <a:t>2023</a:t>
             </a:r>
           </a:p>
         </p:txBody>
@@ -10297,7 +10883,7 @@
     </p:spTree>
     <p:extLst>
       <p:ext uri="{BB962C8B-B14F-4D97-AF65-F5344CB8AC3E}">
-        <p14:creationId xmlns:p14="http://schemas.microsoft.com/office/powerpoint/2010/main" val="1526920276"/>
+        <p14:creationId xmlns:p14="http://schemas.microsoft.com/office/powerpoint/2010/main" val="275840016"/>
       </p:ext>
     </p:extLst>
   </p:cSld>
@@ -10324,47 +10910,12 @@
           <a:chExt cx="0" cy="0"/>
         </a:xfrm>
       </p:grpSpPr>
-      <p:pic>
-        <p:nvPicPr>
-          <p:cNvPr id="13" name="Объект 12">
-            <a:extLst>
-              <a:ext uri="{FF2B5EF4-FFF2-40B4-BE49-F238E27FC236}">
-                <a16:creationId xmlns:a16="http://schemas.microsoft.com/office/drawing/2014/main" id="{35C254AD-988B-459B-AADD-A114F9C3811F}"/>
-              </a:ext>
-            </a:extLst>
-          </p:cNvPr>
-          <p:cNvPicPr>
-            <a:picLocks noGrp="1" noChangeAspect="1"/>
-          </p:cNvPicPr>
-          <p:nvPr>
-            <p:ph sz="half" idx="2"/>
-          </p:nvPr>
-        </p:nvPicPr>
-        <p:blipFill>
-          <a:blip r:embed="rId2">
-            <a:extLst>
-              <a:ext uri="{28A0092B-C50C-407E-A947-70E740481C1C}">
-                <a14:useLocalDpi xmlns:a14="http://schemas.microsoft.com/office/drawing/2010/main" val="0"/>
-              </a:ext>
-            </a:extLst>
-          </a:blip>
-          <a:stretch>
-            <a:fillRect/>
-          </a:stretch>
-        </p:blipFill>
-        <p:spPr>
-          <a:xfrm>
-            <a:off x="5355771" y="533857"/>
-            <a:ext cx="6680719" cy="5889132"/>
-          </a:xfrm>
-        </p:spPr>
-      </p:pic>
       <p:sp>
         <p:nvSpPr>
           <p:cNvPr id="2" name="Заголовок 1">
             <a:extLst>
               <a:ext uri="{FF2B5EF4-FFF2-40B4-BE49-F238E27FC236}">
-                <a16:creationId xmlns:a16="http://schemas.microsoft.com/office/drawing/2014/main" id="{0135C256-3003-4F17-80D3-FDD39BD72DE4}"/>
+                <a16:creationId xmlns:a16="http://schemas.microsoft.com/office/drawing/2014/main" id="{35E038FD-5275-4690-9BE9-17EB235AB839}"/>
               </a:ext>
             </a:extLst>
           </p:cNvPr>
@@ -10380,226 +10931,56 @@
           <a:bodyPr/>
           <a:lstStyle/>
           <a:p>
-            <a:r>
-              <a:rPr lang="en-US" dirty="0">
-                <a:latin typeface="Arial Black" panose="020B0A04020102020204" pitchFamily="34" charset="0"/>
-              </a:rPr>
-              <a:t>Find (</a:t>
-            </a:r>
             <a:r>
               <a:rPr lang="ru-RU" dirty="0">
                 <a:latin typeface="Arial Black" panose="020B0A04020102020204" pitchFamily="34" charset="0"/>
               </a:rPr>
-              <a:t>поиск</a:t>
-            </a:r>
-            <a:r>
-              <a:rPr lang="en-US" dirty="0">
-                <a:latin typeface="Arial Black" panose="020B0A04020102020204" pitchFamily="34" charset="0"/>
-              </a:rPr>
-              <a:t>)</a:t>
-            </a:r>
-            <a:endParaRPr lang="ru-RU" dirty="0"/>
-          </a:p>
-        </p:txBody>
-      </p:sp>
-      <p:sp>
-        <p:nvSpPr>
-          <p:cNvPr id="10" name="Объект 9">
-            <a:extLst>
-              <a:ext uri="{FF2B5EF4-FFF2-40B4-BE49-F238E27FC236}">
-                <a16:creationId xmlns:a16="http://schemas.microsoft.com/office/drawing/2014/main" id="{836C02EF-1BDF-403B-96E5-7CA5A5D48122}"/>
-              </a:ext>
-            </a:extLst>
-          </p:cNvPr>
-          <p:cNvSpPr>
-            <a:spLocks noGrp="1"/>
-          </p:cNvSpPr>
-          <p:nvPr>
-            <p:ph sz="half" idx="1"/>
-          </p:nvPr>
-        </p:nvSpPr>
-        <p:spPr>
-          <a:xfrm>
-            <a:off x="838200" y="1825625"/>
-            <a:ext cx="6075784" cy="4351338"/>
-          </a:xfrm>
-        </p:spPr>
-        <p:txBody>
-          <a:bodyPr>
-            <a:normAutofit/>
-          </a:bodyPr>
-          <a:lstStyle/>
-          <a:p>
-            <a:pPr marL="0" indent="0">
-              <a:buNone/>
-            </a:pPr>
+              <a:t>Операции</a:t>
+            </a:r>
+          </a:p>
+        </p:txBody>
+      </p:sp>
+      <p:sp>
+        <p:nvSpPr>
+          <p:cNvPr id="3" name="Объект 2">
+            <a:extLst>
+              <a:ext uri="{FF2B5EF4-FFF2-40B4-BE49-F238E27FC236}">
+                <a16:creationId xmlns:a16="http://schemas.microsoft.com/office/drawing/2014/main" id="{CCC227F0-EA12-4FA7-832B-28B31CA5F547}"/>
+              </a:ext>
+            </a:extLst>
+          </p:cNvPr>
+          <p:cNvSpPr>
+            <a:spLocks noGrp="1"/>
+          </p:cNvSpPr>
+          <p:nvPr>
+            <p:ph idx="1"/>
+          </p:nvPr>
+        </p:nvSpPr>
+        <p:spPr/>
+        <p:txBody>
+          <a:bodyPr/>
+          <a:lstStyle/>
+          <a:p>
+            <a:r>
+              <a:rPr lang="en-US" dirty="0">
+                <a:latin typeface="Arial" panose="020B0604020202020204" pitchFamily="34" charset="0"/>
+                <a:cs typeface="Arial" panose="020B0604020202020204" pitchFamily="34" charset="0"/>
+              </a:rPr>
+              <a:t>Minimum </a:t>
+            </a:r>
             <a:r>
               <a:rPr lang="ru-RU" dirty="0">
                 <a:latin typeface="Arial" panose="020B0604020202020204" pitchFamily="34" charset="0"/>
                 <a:cs typeface="Arial" panose="020B0604020202020204" pitchFamily="34" charset="0"/>
               </a:rPr>
-              <a:t>На вход подается число </a:t>
-            </a:r>
-            <a:r>
-              <a:rPr lang="en-US" dirty="0">
-                <a:latin typeface="Arial" panose="020B0604020202020204" pitchFamily="34" charset="0"/>
-                <a:cs typeface="Arial" panose="020B0604020202020204" pitchFamily="34" charset="0"/>
-              </a:rPr>
-              <a:t>X</a:t>
-            </a:r>
-          </a:p>
-          <a:p>
-            <a:pPr marL="0" indent="0">
-              <a:buNone/>
-            </a:pPr>
-            <a:br>
-              <a:rPr lang="en-US" dirty="0">
-                <a:latin typeface="Arial" panose="020B0604020202020204" pitchFamily="34" charset="0"/>
-                <a:cs typeface="Arial" panose="020B0604020202020204" pitchFamily="34" charset="0"/>
-              </a:rPr>
-            </a:br>
-            <a:r>
-              <a:rPr lang="en-US" b="1" dirty="0">
-                <a:latin typeface="Arial" panose="020B0604020202020204" pitchFamily="34" charset="0"/>
-                <a:cs typeface="Arial" panose="020B0604020202020204" pitchFamily="34" charset="0"/>
-              </a:rPr>
-              <a:t>If</a:t>
-            </a:r>
-            <a:r>
-              <a:rPr lang="en-US" dirty="0">
-                <a:latin typeface="Arial" panose="020B0604020202020204" pitchFamily="34" charset="0"/>
-                <a:cs typeface="Arial" panose="020B0604020202020204" pitchFamily="34" charset="0"/>
-              </a:rPr>
-              <a:t> min == null</a:t>
-            </a:r>
-            <a:br>
-              <a:rPr lang="en-US" dirty="0">
-                <a:latin typeface="Arial" panose="020B0604020202020204" pitchFamily="34" charset="0"/>
-                <a:cs typeface="Arial" panose="020B0604020202020204" pitchFamily="34" charset="0"/>
-              </a:rPr>
-            </a:br>
-            <a:r>
-              <a:rPr lang="en-US" dirty="0">
-                <a:latin typeface="Arial" panose="020B0604020202020204" pitchFamily="34" charset="0"/>
-                <a:cs typeface="Arial" panose="020B0604020202020204" pitchFamily="34" charset="0"/>
-              </a:rPr>
-              <a:t>    </a:t>
-            </a:r>
-            <a:r>
-              <a:rPr lang="en-US" b="1" dirty="0">
-                <a:latin typeface="Arial" panose="020B0604020202020204" pitchFamily="34" charset="0"/>
-                <a:cs typeface="Arial" panose="020B0604020202020204" pitchFamily="34" charset="0"/>
-              </a:rPr>
-              <a:t>return</a:t>
-            </a:r>
-            <a:r>
-              <a:rPr lang="en-US" dirty="0">
-                <a:latin typeface="Arial" panose="020B0604020202020204" pitchFamily="34" charset="0"/>
-                <a:cs typeface="Arial" panose="020B0604020202020204" pitchFamily="34" charset="0"/>
-              </a:rPr>
-              <a:t> false</a:t>
-            </a:r>
-            <a:br>
-              <a:rPr lang="en-US" dirty="0">
-                <a:latin typeface="Arial" panose="020B0604020202020204" pitchFamily="34" charset="0"/>
-                <a:cs typeface="Arial" panose="020B0604020202020204" pitchFamily="34" charset="0"/>
-              </a:rPr>
-            </a:br>
-            <a:r>
-              <a:rPr lang="en-US" b="1" dirty="0">
-                <a:latin typeface="Arial" panose="020B0604020202020204" pitchFamily="34" charset="0"/>
-                <a:cs typeface="Arial" panose="020B0604020202020204" pitchFamily="34" charset="0"/>
-              </a:rPr>
-              <a:t>If</a:t>
-            </a:r>
-            <a:r>
-              <a:rPr lang="en-US" dirty="0">
-                <a:latin typeface="Arial" panose="020B0604020202020204" pitchFamily="34" charset="0"/>
-                <a:cs typeface="Arial" panose="020B0604020202020204" pitchFamily="34" charset="0"/>
-              </a:rPr>
-              <a:t> </a:t>
-            </a:r>
-            <a:r>
-              <a:rPr lang="ru-RU" dirty="0">
-                <a:latin typeface="Arial" panose="020B0604020202020204" pitchFamily="34" charset="0"/>
-                <a:cs typeface="Arial" panose="020B0604020202020204" pitchFamily="34" charset="0"/>
-              </a:rPr>
-              <a:t>Х</a:t>
-            </a:r>
-            <a:r>
-              <a:rPr lang="en-US" dirty="0">
-                <a:latin typeface="Arial" panose="020B0604020202020204" pitchFamily="34" charset="0"/>
-                <a:cs typeface="Arial" panose="020B0604020202020204" pitchFamily="34" charset="0"/>
-              </a:rPr>
-              <a:t> == min </a:t>
-            </a:r>
-            <a:r>
-              <a:rPr lang="en-US" b="1" dirty="0">
-                <a:latin typeface="Arial" panose="020B0604020202020204" pitchFamily="34" charset="0"/>
-                <a:cs typeface="Arial" panose="020B0604020202020204" pitchFamily="34" charset="0"/>
-              </a:rPr>
-              <a:t>or</a:t>
-            </a:r>
-            <a:r>
-              <a:rPr lang="en-US" dirty="0">
-                <a:latin typeface="Arial" panose="020B0604020202020204" pitchFamily="34" charset="0"/>
-                <a:cs typeface="Arial" panose="020B0604020202020204" pitchFamily="34" charset="0"/>
-              </a:rPr>
-              <a:t> </a:t>
-            </a:r>
-            <a:r>
-              <a:rPr lang="ru-RU" dirty="0">
-                <a:latin typeface="Arial" panose="020B0604020202020204" pitchFamily="34" charset="0"/>
-                <a:cs typeface="Arial" panose="020B0604020202020204" pitchFamily="34" charset="0"/>
-              </a:rPr>
-              <a:t>Х</a:t>
-            </a:r>
-            <a:r>
-              <a:rPr lang="en-US" dirty="0">
-                <a:latin typeface="Arial" panose="020B0604020202020204" pitchFamily="34" charset="0"/>
-                <a:cs typeface="Arial" panose="020B0604020202020204" pitchFamily="34" charset="0"/>
-              </a:rPr>
-              <a:t> == max</a:t>
-            </a:r>
-            <a:br>
-              <a:rPr lang="en-US" b="1" dirty="0">
-                <a:latin typeface="Arial" panose="020B0604020202020204" pitchFamily="34" charset="0"/>
-                <a:cs typeface="Arial" panose="020B0604020202020204" pitchFamily="34" charset="0"/>
-              </a:rPr>
-            </a:br>
-            <a:r>
-              <a:rPr lang="en-US" b="1" dirty="0">
-                <a:latin typeface="Arial" panose="020B0604020202020204" pitchFamily="34" charset="0"/>
-                <a:cs typeface="Arial" panose="020B0604020202020204" pitchFamily="34" charset="0"/>
-              </a:rPr>
-              <a:t>    return </a:t>
-            </a:r>
-            <a:r>
-              <a:rPr lang="en-US" dirty="0">
-                <a:latin typeface="Arial" panose="020B0604020202020204" pitchFamily="34" charset="0"/>
-                <a:cs typeface="Arial" panose="020B0604020202020204" pitchFamily="34" charset="0"/>
-              </a:rPr>
-              <a:t>true</a:t>
-            </a:r>
-            <a:br>
-              <a:rPr lang="en-US" dirty="0">
-                <a:latin typeface="Arial" panose="020B0604020202020204" pitchFamily="34" charset="0"/>
-                <a:cs typeface="Arial" panose="020B0604020202020204" pitchFamily="34" charset="0"/>
-              </a:rPr>
-            </a:br>
-            <a:r>
-              <a:rPr lang="en-US" b="1" dirty="0">
-                <a:latin typeface="Arial" panose="020B0604020202020204" pitchFamily="34" charset="0"/>
-                <a:cs typeface="Arial" panose="020B0604020202020204" pitchFamily="34" charset="0"/>
-              </a:rPr>
-              <a:t>return </a:t>
-            </a:r>
-            <a:r>
-              <a:rPr lang="en-US" dirty="0">
-                <a:latin typeface="Arial" panose="020B0604020202020204" pitchFamily="34" charset="0"/>
-                <a:cs typeface="Arial" panose="020B0604020202020204" pitchFamily="34" charset="0"/>
-              </a:rPr>
-              <a:t>cluster[High(X)].Find(Low(X))</a:t>
+              <a:t>и </a:t>
+            </a:r>
+            <a:r>
+              <a:rPr lang="en-US" dirty="0">
+                <a:latin typeface="Arial" panose="020B0604020202020204" pitchFamily="34" charset="0"/>
+                <a:cs typeface="Arial" panose="020B0604020202020204" pitchFamily="34" charset="0"/>
+              </a:rPr>
+              <a:t>maximum</a:t>
             </a:r>
             <a:endParaRPr lang="ru-RU" dirty="0">
               <a:latin typeface="Arial" panose="020B0604020202020204" pitchFamily="34" charset="0"/>
@@ -10607,25 +10988,112 @@
             </a:endParaRPr>
           </a:p>
           <a:p>
-            <a:pPr marL="0" indent="0">
-              <a:buNone/>
-            </a:pPr>
-            <a:endParaRPr lang="en-US" dirty="0"/>
-          </a:p>
-          <a:p>
-            <a:pPr marL="0" indent="0">
-              <a:buNone/>
-            </a:pPr>
-            <a:endParaRPr lang="ru-RU" dirty="0"/>
-          </a:p>
-        </p:txBody>
-      </p:sp>
-      <p:sp>
-        <p:nvSpPr>
-          <p:cNvPr id="4" name="Дата 3">
-            <a:extLst>
-              <a:ext uri="{FF2B5EF4-FFF2-40B4-BE49-F238E27FC236}">
-                <a16:creationId xmlns:a16="http://schemas.microsoft.com/office/drawing/2014/main" id="{DAEB77EF-BADA-4F40-BC5B-07FBEFEC79B1}"/>
+            <a:r>
+              <a:rPr lang="en-US" dirty="0">
+                <a:latin typeface="Arial" panose="020B0604020202020204" pitchFamily="34" charset="0"/>
+                <a:cs typeface="Arial" panose="020B0604020202020204" pitchFamily="34" charset="0"/>
+              </a:rPr>
+              <a:t>Find</a:t>
+            </a:r>
+            <a:r>
+              <a:rPr lang="ru-RU" dirty="0">
+                <a:latin typeface="Arial" panose="020B0604020202020204" pitchFamily="34" charset="0"/>
+                <a:cs typeface="Arial" panose="020B0604020202020204" pitchFamily="34" charset="0"/>
+              </a:rPr>
+              <a:t> </a:t>
+            </a:r>
+          </a:p>
+          <a:p>
+            <a:r>
+              <a:rPr lang="en-US" dirty="0">
+                <a:latin typeface="Arial" panose="020B0604020202020204" pitchFamily="34" charset="0"/>
+                <a:cs typeface="Arial" panose="020B0604020202020204" pitchFamily="34" charset="0"/>
+              </a:rPr>
+              <a:t>Insert </a:t>
+            </a:r>
+            <a:endParaRPr lang="ru-RU" dirty="0">
+              <a:latin typeface="Arial" panose="020B0604020202020204" pitchFamily="34" charset="0"/>
+              <a:cs typeface="Arial" panose="020B0604020202020204" pitchFamily="34" charset="0"/>
+            </a:endParaRPr>
+          </a:p>
+          <a:p>
+            <a:r>
+              <a:rPr lang="en-US" dirty="0">
+                <a:latin typeface="Arial" panose="020B0604020202020204" pitchFamily="34" charset="0"/>
+                <a:cs typeface="Arial" panose="020B0604020202020204" pitchFamily="34" charset="0"/>
+              </a:rPr>
+              <a:t>Remove</a:t>
+            </a:r>
+            <a:r>
+              <a:rPr lang="ru-RU" dirty="0">
+                <a:latin typeface="Arial" panose="020B0604020202020204" pitchFamily="34" charset="0"/>
+                <a:cs typeface="Arial" panose="020B0604020202020204" pitchFamily="34" charset="0"/>
+              </a:rPr>
+              <a:t> </a:t>
+            </a:r>
+          </a:p>
+          <a:p>
+            <a:r>
+              <a:rPr lang="en-US" dirty="0" err="1">
+                <a:latin typeface="Arial" panose="020B0604020202020204" pitchFamily="34" charset="0"/>
+                <a:cs typeface="Arial" panose="020B0604020202020204" pitchFamily="34" charset="0"/>
+              </a:rPr>
+              <a:t>SuccessorVEB</a:t>
+            </a:r>
+            <a:endParaRPr lang="ru-RU" dirty="0">
+              <a:latin typeface="Arial" panose="020B0604020202020204" pitchFamily="34" charset="0"/>
+              <a:cs typeface="Arial" panose="020B0604020202020204" pitchFamily="34" charset="0"/>
+            </a:endParaRPr>
+          </a:p>
+          <a:p>
+            <a:r>
+              <a:rPr lang="en-US" dirty="0" err="1">
+                <a:latin typeface="Arial" panose="020B0604020202020204" pitchFamily="34" charset="0"/>
+                <a:cs typeface="Arial" panose="020B0604020202020204" pitchFamily="34" charset="0"/>
+              </a:rPr>
+              <a:t>PredecessorVEB</a:t>
+            </a:r>
+            <a:endParaRPr lang="en-US" dirty="0">
+              <a:latin typeface="Arial" panose="020B0604020202020204" pitchFamily="34" charset="0"/>
+              <a:cs typeface="Arial" panose="020B0604020202020204" pitchFamily="34" charset="0"/>
+            </a:endParaRPr>
+          </a:p>
+        </p:txBody>
+      </p:sp>
+      <p:sp>
+        <p:nvSpPr>
+          <p:cNvPr id="4" name="Нижний колонтитул 3">
+            <a:extLst>
+              <a:ext uri="{FF2B5EF4-FFF2-40B4-BE49-F238E27FC236}">
+                <a16:creationId xmlns:a16="http://schemas.microsoft.com/office/drawing/2014/main" id="{9774CE6E-39CE-41E3-9818-90433F8CC3EC}"/>
+              </a:ext>
+            </a:extLst>
+          </p:cNvPr>
+          <p:cNvSpPr>
+            <a:spLocks noGrp="1"/>
+          </p:cNvSpPr>
+          <p:nvPr>
+            <p:ph type="ftr" sz="quarter" idx="11"/>
+          </p:nvPr>
+        </p:nvSpPr>
+        <p:spPr/>
+        <p:txBody>
+          <a:bodyPr/>
+          <a:lstStyle/>
+          <a:p>
+            <a:r>
+              <a:rPr lang="ru-RU"/>
+              <a:t>Борик Р. Д</a:t>
+            </a:r>
+          </a:p>
+        </p:txBody>
+      </p:sp>
+      <p:sp>
+        <p:nvSpPr>
+          <p:cNvPr id="5" name="Дата 4">
+            <a:extLst>
+              <a:ext uri="{FF2B5EF4-FFF2-40B4-BE49-F238E27FC236}">
+                <a16:creationId xmlns:a16="http://schemas.microsoft.com/office/drawing/2014/main" id="{008854C8-AF99-4F14-B2E0-CE97C68A7A9B}"/>
               </a:ext>
             </a:extLst>
           </p:cNvPr>
@@ -10644,34 +11112,6 @@
             <a:r>
               <a:rPr lang="ru-RU"/>
               <a:t>2023</a:t>
-            </a:r>
-          </a:p>
-        </p:txBody>
-      </p:sp>
-      <p:sp>
-        <p:nvSpPr>
-          <p:cNvPr id="5" name="Нижний колонтитул 4">
-            <a:extLst>
-              <a:ext uri="{FF2B5EF4-FFF2-40B4-BE49-F238E27FC236}">
-                <a16:creationId xmlns:a16="http://schemas.microsoft.com/office/drawing/2014/main" id="{0968CC94-DE6C-4B47-A3E5-57861D1EDE1D}"/>
-              </a:ext>
-            </a:extLst>
-          </p:cNvPr>
-          <p:cNvSpPr>
-            <a:spLocks noGrp="1"/>
-          </p:cNvSpPr>
-          <p:nvPr>
-            <p:ph type="ftr" sz="quarter" idx="11"/>
-          </p:nvPr>
-        </p:nvSpPr>
-        <p:spPr/>
-        <p:txBody>
-          <a:bodyPr/>
-          <a:lstStyle/>
-          <a:p>
-            <a:r>
-              <a:rPr lang="ru-RU"/>
-              <a:t>Борик Р. Д</a:t>
             </a:r>
           </a:p>
         </p:txBody>
@@ -10679,13 +11119,16 @@
     </p:spTree>
     <p:extLst>
       <p:ext uri="{BB962C8B-B14F-4D97-AF65-F5344CB8AC3E}">
-        <p14:creationId xmlns:p14="http://schemas.microsoft.com/office/powerpoint/2010/main" val="2694888960"/>
+        <p14:creationId xmlns:p14="http://schemas.microsoft.com/office/powerpoint/2010/main" val="1526920276"/>
       </p:ext>
     </p:extLst>
   </p:cSld>
   <p:clrMapOvr>
     <a:masterClrMapping/>
   </p:clrMapOvr>
+  <p:transition spd="slow">
+    <p:push dir="u"/>
+  </p:transition>
 </p:sld>
 </file>
 
@@ -10766,13 +11209,13 @@
               <a:rPr lang="en-US" dirty="0">
                 <a:latin typeface="Arial Black" panose="020B0A04020102020204" pitchFamily="34" charset="0"/>
               </a:rPr>
-              <a:t>Insert (</a:t>
+              <a:t>Find (</a:t>
             </a:r>
             <a:r>
               <a:rPr lang="ru-RU" dirty="0">
                 <a:latin typeface="Arial Black" panose="020B0A04020102020204" pitchFamily="34" charset="0"/>
               </a:rPr>
-              <a:t>вставка</a:t>
+              <a:t>поиск</a:t>
             </a:r>
             <a:r>
               <a:rPr lang="en-US" dirty="0">
@@ -10803,19 +11246,16 @@
         <p:spPr>
           <a:xfrm>
             <a:off x="838200" y="1825625"/>
-            <a:ext cx="5758542" cy="4351338"/>
+            <a:ext cx="6075784" cy="4351338"/>
           </a:xfrm>
         </p:spPr>
         <p:txBody>
           <a:bodyPr>
-            <a:normAutofit fontScale="70000" lnSpcReduction="20000"/>
+            <a:normAutofit/>
           </a:bodyPr>
           <a:lstStyle/>
           <a:p>
             <a:pPr marL="0" indent="0">
-              <a:lnSpc>
-                <a:spcPct val="120000"/>
-              </a:lnSpc>
               <a:buNone/>
             </a:pPr>
             <a:r>
@@ -10823,254 +11263,185 @@
                 <a:latin typeface="Arial" panose="020B0604020202020204" pitchFamily="34" charset="0"/>
                 <a:cs typeface="Arial" panose="020B0604020202020204" pitchFamily="34" charset="0"/>
               </a:rPr>
-              <a:t>На вход подается число Х</a:t>
-            </a:r>
-            <a:endParaRPr lang="en-US" b="1" dirty="0">
+              <a:t>На вход подается число </a:t>
+            </a:r>
+            <a:r>
+              <a:rPr lang="en-US" dirty="0">
+                <a:latin typeface="Arial" panose="020B0604020202020204" pitchFamily="34" charset="0"/>
+                <a:cs typeface="Arial" panose="020B0604020202020204" pitchFamily="34" charset="0"/>
+              </a:rPr>
+              <a:t>X</a:t>
+            </a:r>
+          </a:p>
+          <a:p>
+            <a:pPr marL="0" indent="0">
+              <a:buNone/>
+            </a:pPr>
+            <a:br>
+              <a:rPr lang="en-US" dirty="0">
+                <a:latin typeface="Arial" panose="020B0604020202020204" pitchFamily="34" charset="0"/>
+                <a:cs typeface="Arial" panose="020B0604020202020204" pitchFamily="34" charset="0"/>
+              </a:rPr>
+            </a:br>
+            <a:r>
+              <a:rPr lang="en-US" b="1" dirty="0">
+                <a:latin typeface="Arial" panose="020B0604020202020204" pitchFamily="34" charset="0"/>
+                <a:cs typeface="Arial" panose="020B0604020202020204" pitchFamily="34" charset="0"/>
+              </a:rPr>
+              <a:t>If</a:t>
+            </a:r>
+            <a:r>
+              <a:rPr lang="en-US" dirty="0">
+                <a:latin typeface="Arial" panose="020B0604020202020204" pitchFamily="34" charset="0"/>
+                <a:cs typeface="Arial" panose="020B0604020202020204" pitchFamily="34" charset="0"/>
+              </a:rPr>
+              <a:t> min == null</a:t>
+            </a:r>
+            <a:br>
+              <a:rPr lang="en-US" dirty="0">
+                <a:latin typeface="Arial" panose="020B0604020202020204" pitchFamily="34" charset="0"/>
+                <a:cs typeface="Arial" panose="020B0604020202020204" pitchFamily="34" charset="0"/>
+              </a:rPr>
+            </a:br>
+            <a:r>
+              <a:rPr lang="en-US" dirty="0">
+                <a:latin typeface="Arial" panose="020B0604020202020204" pitchFamily="34" charset="0"/>
+                <a:cs typeface="Arial" panose="020B0604020202020204" pitchFamily="34" charset="0"/>
+              </a:rPr>
+              <a:t>    </a:t>
+            </a:r>
+            <a:r>
+              <a:rPr lang="en-US" b="1" dirty="0">
+                <a:latin typeface="Arial" panose="020B0604020202020204" pitchFamily="34" charset="0"/>
+                <a:cs typeface="Arial" panose="020B0604020202020204" pitchFamily="34" charset="0"/>
+              </a:rPr>
+              <a:t>return</a:t>
+            </a:r>
+            <a:r>
+              <a:rPr lang="en-US" dirty="0">
+                <a:latin typeface="Arial" panose="020B0604020202020204" pitchFamily="34" charset="0"/>
+                <a:cs typeface="Arial" panose="020B0604020202020204" pitchFamily="34" charset="0"/>
+              </a:rPr>
+              <a:t> false</a:t>
+            </a:r>
+            <a:br>
+              <a:rPr lang="en-US" dirty="0">
+                <a:latin typeface="Arial" panose="020B0604020202020204" pitchFamily="34" charset="0"/>
+                <a:cs typeface="Arial" panose="020B0604020202020204" pitchFamily="34" charset="0"/>
+              </a:rPr>
+            </a:br>
+            <a:r>
+              <a:rPr lang="en-US" b="1" dirty="0">
+                <a:latin typeface="Arial" panose="020B0604020202020204" pitchFamily="34" charset="0"/>
+                <a:cs typeface="Arial" panose="020B0604020202020204" pitchFamily="34" charset="0"/>
+              </a:rPr>
+              <a:t>If</a:t>
+            </a:r>
+            <a:r>
+              <a:rPr lang="en-US" dirty="0">
+                <a:latin typeface="Arial" panose="020B0604020202020204" pitchFamily="34" charset="0"/>
+                <a:cs typeface="Arial" panose="020B0604020202020204" pitchFamily="34" charset="0"/>
+              </a:rPr>
+              <a:t> </a:t>
+            </a:r>
+            <a:r>
+              <a:rPr lang="ru-RU" dirty="0">
+                <a:latin typeface="Arial" panose="020B0604020202020204" pitchFamily="34" charset="0"/>
+                <a:cs typeface="Arial" panose="020B0604020202020204" pitchFamily="34" charset="0"/>
+              </a:rPr>
+              <a:t>Х</a:t>
+            </a:r>
+            <a:r>
+              <a:rPr lang="en-US" dirty="0">
+                <a:latin typeface="Arial" panose="020B0604020202020204" pitchFamily="34" charset="0"/>
+                <a:cs typeface="Arial" panose="020B0604020202020204" pitchFamily="34" charset="0"/>
+              </a:rPr>
+              <a:t> == min </a:t>
+            </a:r>
+            <a:r>
+              <a:rPr lang="en-US" b="1" dirty="0">
+                <a:latin typeface="Arial" panose="020B0604020202020204" pitchFamily="34" charset="0"/>
+                <a:cs typeface="Arial" panose="020B0604020202020204" pitchFamily="34" charset="0"/>
+              </a:rPr>
+              <a:t>or</a:t>
+            </a:r>
+            <a:r>
+              <a:rPr lang="en-US" dirty="0">
+                <a:latin typeface="Arial" panose="020B0604020202020204" pitchFamily="34" charset="0"/>
+                <a:cs typeface="Arial" panose="020B0604020202020204" pitchFamily="34" charset="0"/>
+              </a:rPr>
+              <a:t> </a:t>
+            </a:r>
+            <a:r>
+              <a:rPr lang="ru-RU" dirty="0">
+                <a:latin typeface="Arial" panose="020B0604020202020204" pitchFamily="34" charset="0"/>
+                <a:cs typeface="Arial" panose="020B0604020202020204" pitchFamily="34" charset="0"/>
+              </a:rPr>
+              <a:t>Х</a:t>
+            </a:r>
+            <a:r>
+              <a:rPr lang="en-US" dirty="0">
+                <a:latin typeface="Arial" panose="020B0604020202020204" pitchFamily="34" charset="0"/>
+                <a:cs typeface="Arial" panose="020B0604020202020204" pitchFamily="34" charset="0"/>
+              </a:rPr>
+              <a:t> == max</a:t>
+            </a:r>
+            <a:br>
+              <a:rPr lang="en-US" b="1" dirty="0">
+                <a:latin typeface="Arial" panose="020B0604020202020204" pitchFamily="34" charset="0"/>
+                <a:cs typeface="Arial" panose="020B0604020202020204" pitchFamily="34" charset="0"/>
+              </a:rPr>
+            </a:br>
+            <a:r>
+              <a:rPr lang="en-US" b="1" dirty="0">
+                <a:latin typeface="Arial" panose="020B0604020202020204" pitchFamily="34" charset="0"/>
+                <a:cs typeface="Arial" panose="020B0604020202020204" pitchFamily="34" charset="0"/>
+              </a:rPr>
+              <a:t>    return </a:t>
+            </a:r>
+            <a:r>
+              <a:rPr lang="en-US" dirty="0">
+                <a:latin typeface="Arial" panose="020B0604020202020204" pitchFamily="34" charset="0"/>
+                <a:cs typeface="Arial" panose="020B0604020202020204" pitchFamily="34" charset="0"/>
+              </a:rPr>
+              <a:t>true</a:t>
+            </a:r>
+            <a:br>
+              <a:rPr lang="en-US" dirty="0">
+                <a:latin typeface="Arial" panose="020B0604020202020204" pitchFamily="34" charset="0"/>
+                <a:cs typeface="Arial" panose="020B0604020202020204" pitchFamily="34" charset="0"/>
+              </a:rPr>
+            </a:br>
+            <a:r>
+              <a:rPr lang="en-US" b="1" dirty="0">
+                <a:latin typeface="Arial" panose="020B0604020202020204" pitchFamily="34" charset="0"/>
+                <a:cs typeface="Arial" panose="020B0604020202020204" pitchFamily="34" charset="0"/>
+              </a:rPr>
+              <a:t>return </a:t>
+            </a:r>
+            <a:r>
+              <a:rPr lang="en-US" dirty="0">
+                <a:latin typeface="Arial" panose="020B0604020202020204" pitchFamily="34" charset="0"/>
+                <a:cs typeface="Arial" panose="020B0604020202020204" pitchFamily="34" charset="0"/>
+              </a:rPr>
+              <a:t>cluster[High(X)].Find(Low(X))</a:t>
+            </a:r>
+            <a:endParaRPr lang="ru-RU" dirty="0">
               <a:latin typeface="Arial" panose="020B0604020202020204" pitchFamily="34" charset="0"/>
               <a:cs typeface="Arial" panose="020B0604020202020204" pitchFamily="34" charset="0"/>
             </a:endParaRPr>
           </a:p>
           <a:p>
             <a:pPr marL="0" indent="0">
-              <a:lnSpc>
-                <a:spcPct val="120000"/>
-              </a:lnSpc>
               <a:buNone/>
             </a:pPr>
-            <a:br>
-              <a:rPr lang="en-US" b="1" dirty="0">
-                <a:latin typeface="Arial" panose="020B0604020202020204" pitchFamily="34" charset="0"/>
-                <a:cs typeface="Arial" panose="020B0604020202020204" pitchFamily="34" charset="0"/>
-              </a:rPr>
-            </a:br>
-            <a:r>
-              <a:rPr lang="en-US" b="1" dirty="0">
-                <a:latin typeface="Arial" panose="020B0604020202020204" pitchFamily="34" charset="0"/>
-                <a:cs typeface="Arial" panose="020B0604020202020204" pitchFamily="34" charset="0"/>
-              </a:rPr>
-              <a:t>if </a:t>
-            </a:r>
-            <a:r>
-              <a:rPr lang="en-US" dirty="0">
-                <a:latin typeface="Arial" panose="020B0604020202020204" pitchFamily="34" charset="0"/>
-                <a:cs typeface="Arial" panose="020B0604020202020204" pitchFamily="34" charset="0"/>
-              </a:rPr>
-              <a:t>min == null</a:t>
-            </a:r>
-            <a:br>
-              <a:rPr lang="en-US" b="1" dirty="0">
-                <a:latin typeface="Arial" panose="020B0604020202020204" pitchFamily="34" charset="0"/>
-                <a:cs typeface="Arial" panose="020B0604020202020204" pitchFamily="34" charset="0"/>
-              </a:rPr>
-            </a:br>
-            <a:r>
-              <a:rPr lang="en-US" dirty="0">
-                <a:latin typeface="Arial" panose="020B0604020202020204" pitchFamily="34" charset="0"/>
-                <a:cs typeface="Arial" panose="020B0604020202020204" pitchFamily="34" charset="0"/>
-              </a:rPr>
-              <a:t>    min = </a:t>
-            </a:r>
-            <a:r>
-              <a:rPr lang="ru-RU" dirty="0">
-                <a:latin typeface="Arial" panose="020B0604020202020204" pitchFamily="34" charset="0"/>
-                <a:cs typeface="Arial" panose="020B0604020202020204" pitchFamily="34" charset="0"/>
-              </a:rPr>
-              <a:t>Х</a:t>
-            </a:r>
-            <a:r>
-              <a:rPr lang="en-US" dirty="0">
-                <a:latin typeface="Arial" panose="020B0604020202020204" pitchFamily="34" charset="0"/>
-                <a:cs typeface="Arial" panose="020B0604020202020204" pitchFamily="34" charset="0"/>
-              </a:rPr>
-              <a:t>, max =  X</a:t>
-            </a:r>
-            <a:br>
-              <a:rPr lang="en-US" dirty="0">
-                <a:latin typeface="Arial" panose="020B0604020202020204" pitchFamily="34" charset="0"/>
-                <a:cs typeface="Arial" panose="020B0604020202020204" pitchFamily="34" charset="0"/>
-              </a:rPr>
-            </a:br>
-            <a:r>
-              <a:rPr lang="en-US" dirty="0">
-                <a:latin typeface="Arial" panose="020B0604020202020204" pitchFamily="34" charset="0"/>
-                <a:cs typeface="Arial" panose="020B0604020202020204" pitchFamily="34" charset="0"/>
-              </a:rPr>
-              <a:t>    </a:t>
-            </a:r>
-            <a:r>
-              <a:rPr lang="en-US" b="1" dirty="0">
-                <a:latin typeface="Arial" panose="020B0604020202020204" pitchFamily="34" charset="0"/>
-                <a:cs typeface="Arial" panose="020B0604020202020204" pitchFamily="34" charset="0"/>
-              </a:rPr>
-              <a:t>return </a:t>
-            </a:r>
-            <a:r>
-              <a:rPr lang="en-US" altLang="ru-RU" dirty="0">
-                <a:latin typeface="Arial" panose="020B0604020202020204" pitchFamily="34" charset="0"/>
-                <a:cs typeface="Arial" panose="020B0604020202020204" pitchFamily="34" charset="0"/>
-              </a:rPr>
-              <a:t>null</a:t>
-            </a:r>
-            <a:br>
-              <a:rPr lang="en-US" dirty="0">
-                <a:latin typeface="Arial" panose="020B0604020202020204" pitchFamily="34" charset="0"/>
-                <a:cs typeface="Arial" panose="020B0604020202020204" pitchFamily="34" charset="0"/>
-              </a:rPr>
-            </a:br>
-            <a:r>
-              <a:rPr lang="en-US" b="1" dirty="0">
-                <a:latin typeface="Arial" panose="020B0604020202020204" pitchFamily="34" charset="0"/>
-                <a:cs typeface="Arial" panose="020B0604020202020204" pitchFamily="34" charset="0"/>
-              </a:rPr>
-              <a:t>if </a:t>
-            </a:r>
-            <a:r>
-              <a:rPr lang="en-US" dirty="0">
-                <a:latin typeface="Arial" panose="020B0604020202020204" pitchFamily="34" charset="0"/>
-                <a:cs typeface="Arial" panose="020B0604020202020204" pitchFamily="34" charset="0"/>
-              </a:rPr>
-              <a:t>X &gt; min</a:t>
-            </a:r>
-            <a:br>
-              <a:rPr lang="en-US" b="1" dirty="0">
-                <a:latin typeface="Arial" panose="020B0604020202020204" pitchFamily="34" charset="0"/>
-                <a:cs typeface="Arial" panose="020B0604020202020204" pitchFamily="34" charset="0"/>
-              </a:rPr>
-            </a:br>
-            <a:r>
-              <a:rPr lang="en-US" b="1" dirty="0">
-                <a:latin typeface="Arial" panose="020B0604020202020204" pitchFamily="34" charset="0"/>
-                <a:cs typeface="Arial" panose="020B0604020202020204" pitchFamily="34" charset="0"/>
-              </a:rPr>
-              <a:t>    </a:t>
-            </a:r>
-            <a:r>
-              <a:rPr lang="en-US" dirty="0">
-                <a:latin typeface="Arial" panose="020B0604020202020204" pitchFamily="34" charset="0"/>
-                <a:cs typeface="Arial" panose="020B0604020202020204" pitchFamily="34" charset="0"/>
-              </a:rPr>
-              <a:t>swap(X, min)</a:t>
-            </a:r>
-            <a:br>
-              <a:rPr lang="en-US" b="1" dirty="0">
-                <a:latin typeface="Arial" panose="020B0604020202020204" pitchFamily="34" charset="0"/>
-                <a:cs typeface="Arial" panose="020B0604020202020204" pitchFamily="34" charset="0"/>
-              </a:rPr>
-            </a:br>
-            <a:r>
-              <a:rPr lang="en-US" b="1" dirty="0">
-                <a:latin typeface="Arial" panose="020B0604020202020204" pitchFamily="34" charset="0"/>
-                <a:cs typeface="Arial" panose="020B0604020202020204" pitchFamily="34" charset="0"/>
-              </a:rPr>
-              <a:t>if </a:t>
-            </a:r>
-            <a:r>
-              <a:rPr lang="en-US" dirty="0" err="1">
-                <a:latin typeface="Arial" panose="020B0604020202020204" pitchFamily="34" charset="0"/>
-                <a:cs typeface="Arial" panose="020B0604020202020204" pitchFamily="34" charset="0"/>
-              </a:rPr>
-              <a:t>universeSize</a:t>
-            </a:r>
-            <a:r>
-              <a:rPr lang="en-US" dirty="0">
-                <a:latin typeface="Arial" panose="020B0604020202020204" pitchFamily="34" charset="0"/>
-                <a:cs typeface="Arial" panose="020B0604020202020204" pitchFamily="34" charset="0"/>
-              </a:rPr>
-              <a:t> &gt; 2</a:t>
-            </a:r>
-            <a:br>
-              <a:rPr lang="en-US" b="1" dirty="0">
-                <a:latin typeface="Arial" panose="020B0604020202020204" pitchFamily="34" charset="0"/>
-                <a:cs typeface="Arial" panose="020B0604020202020204" pitchFamily="34" charset="0"/>
-              </a:rPr>
-            </a:br>
-            <a:r>
-              <a:rPr lang="en-US" b="1" dirty="0">
-                <a:latin typeface="Arial" panose="020B0604020202020204" pitchFamily="34" charset="0"/>
-                <a:cs typeface="Arial" panose="020B0604020202020204" pitchFamily="34" charset="0"/>
-              </a:rPr>
-              <a:t>    if </a:t>
-            </a:r>
-            <a:r>
-              <a:rPr lang="en-US" dirty="0">
-                <a:latin typeface="Arial" panose="020B0604020202020204" pitchFamily="34" charset="0"/>
-                <a:cs typeface="Arial" panose="020B0604020202020204" pitchFamily="34" charset="0"/>
-              </a:rPr>
-              <a:t>cluster[High(X)].min == null</a:t>
-            </a:r>
-            <a:br>
-              <a:rPr lang="en-US" b="1" dirty="0">
-                <a:latin typeface="Arial" panose="020B0604020202020204" pitchFamily="34" charset="0"/>
-                <a:cs typeface="Arial" panose="020B0604020202020204" pitchFamily="34" charset="0"/>
-              </a:rPr>
-            </a:br>
-            <a:r>
-              <a:rPr lang="en-US" b="1" dirty="0">
-                <a:latin typeface="Arial" panose="020B0604020202020204" pitchFamily="34" charset="0"/>
-                <a:cs typeface="Arial" panose="020B0604020202020204" pitchFamily="34" charset="0"/>
-              </a:rPr>
-              <a:t>        </a:t>
-            </a:r>
-            <a:r>
-              <a:rPr lang="en-US" dirty="0" err="1">
-                <a:latin typeface="Arial" panose="020B0604020202020204" pitchFamily="34" charset="0"/>
-                <a:cs typeface="Arial" panose="020B0604020202020204" pitchFamily="34" charset="0"/>
-              </a:rPr>
-              <a:t>summary.Insert</a:t>
-            </a:r>
-            <a:r>
-              <a:rPr lang="en-US" dirty="0">
-                <a:latin typeface="Arial" panose="020B0604020202020204" pitchFamily="34" charset="0"/>
-                <a:cs typeface="Arial" panose="020B0604020202020204" pitchFamily="34" charset="0"/>
-              </a:rPr>
-              <a:t>(High(X))</a:t>
-            </a:r>
-            <a:br>
-              <a:rPr lang="en-US" dirty="0">
-                <a:latin typeface="Arial" panose="020B0604020202020204" pitchFamily="34" charset="0"/>
-                <a:cs typeface="Arial" panose="020B0604020202020204" pitchFamily="34" charset="0"/>
-              </a:rPr>
-            </a:br>
-            <a:r>
-              <a:rPr lang="en-US" dirty="0">
-                <a:latin typeface="Arial" panose="020B0604020202020204" pitchFamily="34" charset="0"/>
-                <a:cs typeface="Arial" panose="020B0604020202020204" pitchFamily="34" charset="0"/>
-              </a:rPr>
-              <a:t>    cluster[High(X)].Insert(Low(X))</a:t>
-            </a:r>
-            <a:br>
-              <a:rPr lang="en-US" dirty="0">
-                <a:latin typeface="Arial" panose="020B0604020202020204" pitchFamily="34" charset="0"/>
-                <a:cs typeface="Arial" panose="020B0604020202020204" pitchFamily="34" charset="0"/>
-              </a:rPr>
-            </a:br>
-            <a:r>
-              <a:rPr lang="en-US" b="1" dirty="0">
-                <a:latin typeface="Arial" panose="020B0604020202020204" pitchFamily="34" charset="0"/>
-                <a:cs typeface="Arial" panose="020B0604020202020204" pitchFamily="34" charset="0"/>
-              </a:rPr>
-              <a:t>if </a:t>
-            </a:r>
-            <a:r>
-              <a:rPr lang="en-US" dirty="0">
-                <a:latin typeface="Arial" panose="020B0604020202020204" pitchFamily="34" charset="0"/>
-                <a:cs typeface="Arial" panose="020B0604020202020204" pitchFamily="34" charset="0"/>
-              </a:rPr>
-              <a:t>X &gt; max</a:t>
-            </a:r>
-            <a:br>
-              <a:rPr lang="en-US" b="1" dirty="0">
-                <a:latin typeface="Arial" panose="020B0604020202020204" pitchFamily="34" charset="0"/>
-                <a:cs typeface="Arial" panose="020B0604020202020204" pitchFamily="34" charset="0"/>
-              </a:rPr>
-            </a:br>
-            <a:r>
-              <a:rPr lang="en-US" dirty="0">
-                <a:latin typeface="Arial" panose="020B0604020202020204" pitchFamily="34" charset="0"/>
-                <a:cs typeface="Arial" panose="020B0604020202020204" pitchFamily="34" charset="0"/>
-              </a:rPr>
-              <a:t>    max = x</a:t>
-            </a:r>
+            <a:endParaRPr lang="en-US" dirty="0"/>
+          </a:p>
+          <a:p>
+            <a:pPr marL="0" indent="0">
+              <a:buNone/>
+            </a:pPr>
+            <a:endParaRPr lang="ru-RU" dirty="0"/>
           </a:p>
         </p:txBody>
       </p:sp>
@@ -11096,7 +11467,7 @@
           <a:lstStyle/>
           <a:p>
             <a:r>
-              <a:rPr lang="ru-RU" dirty="0"/>
+              <a:rPr lang="ru-RU"/>
               <a:t>2023</a:t>
             </a:r>
           </a:p>
@@ -11133,13 +11504,16 @@
     </p:spTree>
     <p:extLst>
       <p:ext uri="{BB962C8B-B14F-4D97-AF65-F5344CB8AC3E}">
-        <p14:creationId xmlns:p14="http://schemas.microsoft.com/office/powerpoint/2010/main" val="4097209880"/>
+        <p14:creationId xmlns:p14="http://schemas.microsoft.com/office/powerpoint/2010/main" val="2694888960"/>
       </p:ext>
     </p:extLst>
   </p:cSld>
   <p:clrMapOvr>
     <a:masterClrMapping/>
   </p:clrMapOvr>
+  <p:transition spd="slow">
+    <p:push dir="u"/>
+  </p:transition>
 </p:sld>
 </file>
 

--- a/Presentation van Emde Boas tree.pptx
+++ b/Presentation van Emde Boas tree.pptx
@@ -5,7 +5,7 @@
     <p:sldMasterId id="2147483660" r:id="rId1"/>
   </p:sldMasterIdLst>
   <p:notesMasterIdLst>
-    <p:notesMasterId r:id="rId23"/>
+    <p:notesMasterId r:id="rId19"/>
   </p:notesMasterIdLst>
   <p:sldIdLst>
     <p:sldId id="256" r:id="rId2"/>
@@ -16,19 +16,15 @@
     <p:sldId id="274" r:id="rId7"/>
     <p:sldId id="289" r:id="rId8"/>
     <p:sldId id="258" r:id="rId9"/>
-    <p:sldId id="278" r:id="rId10"/>
-    <p:sldId id="276" r:id="rId11"/>
-    <p:sldId id="277" r:id="rId12"/>
-    <p:sldId id="279" r:id="rId13"/>
-    <p:sldId id="280" r:id="rId14"/>
-    <p:sldId id="281" r:id="rId15"/>
-    <p:sldId id="282" r:id="rId16"/>
-    <p:sldId id="283" r:id="rId17"/>
-    <p:sldId id="284" r:id="rId18"/>
-    <p:sldId id="285" r:id="rId19"/>
-    <p:sldId id="286" r:id="rId20"/>
-    <p:sldId id="287" r:id="rId21"/>
-    <p:sldId id="288" r:id="rId22"/>
+    <p:sldId id="281" r:id="rId10"/>
+    <p:sldId id="290" r:id="rId11"/>
+    <p:sldId id="282" r:id="rId12"/>
+    <p:sldId id="283" r:id="rId13"/>
+    <p:sldId id="284" r:id="rId14"/>
+    <p:sldId id="285" r:id="rId15"/>
+    <p:sldId id="286" r:id="rId16"/>
+    <p:sldId id="287" r:id="rId17"/>
+    <p:sldId id="288" r:id="rId18"/>
   </p:sldIdLst>
   <p:sldSz cx="12192000" cy="6858000"/>
   <p:notesSz cx="6858000" cy="9144000"/>
@@ -217,7 +213,7 @@
           <a:p>
             <a:fld id="{66ED3ECA-416E-49FE-9396-0E4B0986212C}" type="datetimeFigureOut">
               <a:rPr lang="ru-RU" smtClean="0"/>
-              <a:t>27.01.2023</a:t>
+              <a:t>28.01.2023</a:t>
             </a:fld>
             <a:endParaRPr lang="ru-RU"/>
           </a:p>
@@ -3422,7 +3418,7 @@
     <p:sldLayoutId id="2147483670" r:id="rId10"/>
     <p:sldLayoutId id="2147483671" r:id="rId11"/>
   </p:sldLayoutIdLst>
-  <p:hf sldNum="0" hdr="0"/>
+  <p:hf hdr="0"/>
   <p:txStyles>
     <p:titleStyle>
       <a:lvl1pPr algn="l" defTabSz="914400" rtl="0" eaLnBrk="1" latinLnBrk="0" hangingPunct="1">
@@ -3786,7 +3782,7 @@
         <p:spPr>
           <a:xfrm>
             <a:off x="1524000" y="627841"/>
-            <a:ext cx="9144000" cy="2387600"/>
+            <a:ext cx="9144000" cy="2031383"/>
           </a:xfrm>
         </p:spPr>
         <p:txBody>
@@ -3800,26 +3796,69 @@
               </a:rPr>
               <a:t>Дерево </a:t>
             </a:r>
-            <a:r>
+            <a:br>
               <a:rPr lang="en-US" dirty="0">
                 <a:latin typeface="Arial Black" panose="020B0A04020102020204" pitchFamily="34" charset="0"/>
                 <a:cs typeface="Arial" panose="020B0604020202020204" pitchFamily="34" charset="0"/>
               </a:rPr>
-              <a:t>van </a:t>
+            </a:br>
+            <a:r>
+              <a:rPr lang="en-US" dirty="0">
+                <a:solidFill>
+                  <a:srgbClr val="006CB5"/>
+                </a:solidFill>
+                <a:latin typeface="Arial Black" panose="020B0A04020102020204" pitchFamily="34" charset="0"/>
+                <a:cs typeface="Arial" panose="020B0604020202020204" pitchFamily="34" charset="0"/>
+              </a:rPr>
+              <a:t>V</a:t>
+            </a:r>
+            <a:r>
+              <a:rPr lang="en-US" dirty="0">
+                <a:latin typeface="Arial Black" panose="020B0A04020102020204" pitchFamily="34" charset="0"/>
+                <a:cs typeface="Arial" panose="020B0604020202020204" pitchFamily="34" charset="0"/>
+              </a:rPr>
+              <a:t>an </a:t>
+            </a:r>
+            <a:r>
+              <a:rPr lang="en-US" dirty="0" err="1">
+                <a:solidFill>
+                  <a:srgbClr val="006CB5"/>
+                </a:solidFill>
+                <a:latin typeface="Arial Black" panose="020B0A04020102020204" pitchFamily="34" charset="0"/>
+                <a:cs typeface="Arial" panose="020B0604020202020204" pitchFamily="34" charset="0"/>
+              </a:rPr>
+              <a:t>E</a:t>
             </a:r>
             <a:r>
               <a:rPr lang="en-US" dirty="0" err="1">
                 <a:latin typeface="Arial Black" panose="020B0A04020102020204" pitchFamily="34" charset="0"/>
                 <a:cs typeface="Arial" panose="020B0604020202020204" pitchFamily="34" charset="0"/>
               </a:rPr>
-              <a:t>Emde</a:t>
+              <a:t>mde</a:t>
             </a:r>
             <a:r>
               <a:rPr lang="en-US" dirty="0">
                 <a:latin typeface="Arial Black" panose="020B0A04020102020204" pitchFamily="34" charset="0"/>
                 <a:cs typeface="Arial" panose="020B0604020202020204" pitchFamily="34" charset="0"/>
               </a:rPr>
-              <a:t> Boas</a:t>
+              <a:t> </a:t>
+            </a:r>
+            <a:r>
+              <a:rPr lang="en-US" dirty="0">
+                <a:solidFill>
+                  <a:srgbClr val="006CB5"/>
+                </a:solidFill>
+                <a:latin typeface="Arial Black" panose="020B0A04020102020204" pitchFamily="34" charset="0"/>
+                <a:cs typeface="Arial" panose="020B0604020202020204" pitchFamily="34" charset="0"/>
+              </a:rPr>
+              <a:t>B</a:t>
+            </a:r>
+            <a:r>
+              <a:rPr lang="en-US" dirty="0">
+                <a:latin typeface="Arial Black" panose="020B0A04020102020204" pitchFamily="34" charset="0"/>
+                <a:cs typeface="Arial" panose="020B0604020202020204" pitchFamily="34" charset="0"/>
+              </a:rPr>
+              <a:t>oas</a:t>
             </a:r>
             <a:endParaRPr lang="ru-RU" dirty="0">
               <a:latin typeface="Arial Black" panose="020B0A04020102020204" pitchFamily="34" charset="0"/>
@@ -3979,47 +4018,12 @@
           <a:chExt cx="0" cy="0"/>
         </a:xfrm>
       </p:grpSpPr>
-      <p:pic>
-        <p:nvPicPr>
-          <p:cNvPr id="13" name="Объект 12">
-            <a:extLst>
-              <a:ext uri="{FF2B5EF4-FFF2-40B4-BE49-F238E27FC236}">
-                <a16:creationId xmlns:a16="http://schemas.microsoft.com/office/drawing/2014/main" id="{35C254AD-988B-459B-AADD-A114F9C3811F}"/>
-              </a:ext>
-            </a:extLst>
-          </p:cNvPr>
-          <p:cNvPicPr>
-            <a:picLocks noGrp="1" noChangeAspect="1"/>
-          </p:cNvPicPr>
-          <p:nvPr>
-            <p:ph sz="half" idx="2"/>
-          </p:nvPr>
-        </p:nvPicPr>
-        <p:blipFill>
-          <a:blip r:embed="rId2">
-            <a:extLst>
-              <a:ext uri="{28A0092B-C50C-407E-A947-70E740481C1C}">
-                <a14:useLocalDpi xmlns:a14="http://schemas.microsoft.com/office/drawing/2010/main" val="0"/>
-              </a:ext>
-            </a:extLst>
-          </a:blip>
-          <a:stretch>
-            <a:fillRect/>
-          </a:stretch>
-        </p:blipFill>
-        <p:spPr>
-          <a:xfrm>
-            <a:off x="5355771" y="533857"/>
-            <a:ext cx="6680719" cy="5889132"/>
-          </a:xfrm>
-        </p:spPr>
-      </p:pic>
       <p:sp>
         <p:nvSpPr>
           <p:cNvPr id="2" name="Заголовок 1">
             <a:extLst>
               <a:ext uri="{FF2B5EF4-FFF2-40B4-BE49-F238E27FC236}">
-                <a16:creationId xmlns:a16="http://schemas.microsoft.com/office/drawing/2014/main" id="{0135C256-3003-4F17-80D3-FDD39BD72DE4}"/>
+                <a16:creationId xmlns:a16="http://schemas.microsoft.com/office/drawing/2014/main" id="{7C8F37CA-CCCE-47B2-B58C-F1B1AA2BAD7A}"/>
               </a:ext>
             </a:extLst>
           </p:cNvPr>
@@ -4035,23 +4039,11 @@
           <a:bodyPr/>
           <a:lstStyle/>
           <a:p>
-            <a:r>
-              <a:rPr lang="en-US" dirty="0">
-                <a:latin typeface="Arial Black" panose="020B0A04020102020204" pitchFamily="34" charset="0"/>
-              </a:rPr>
-              <a:t>Insert (</a:t>
-            </a:r>
             <a:r>
               <a:rPr lang="ru-RU" dirty="0">
                 <a:latin typeface="Arial Black" panose="020B0A04020102020204" pitchFamily="34" charset="0"/>
               </a:rPr>
-              <a:t>вставка</a:t>
-            </a:r>
-            <a:r>
-              <a:rPr lang="en-US" dirty="0">
-                <a:latin typeface="Arial Black" panose="020B0A04020102020204" pitchFamily="34" charset="0"/>
-              </a:rPr>
-              <a:t>)</a:t>
+              <a:t>Тестирование производительности</a:t>
             </a:r>
             <a:endParaRPr lang="ru-RU" dirty="0"/>
           </a:p>
@@ -4059,35 +4051,28 @@
       </p:sp>
       <p:sp>
         <p:nvSpPr>
-          <p:cNvPr id="10" name="Объект 9">
-            <a:extLst>
-              <a:ext uri="{FF2B5EF4-FFF2-40B4-BE49-F238E27FC236}">
-                <a16:creationId xmlns:a16="http://schemas.microsoft.com/office/drawing/2014/main" id="{836C02EF-1BDF-403B-96E5-7CA5A5D48122}"/>
-              </a:ext>
-            </a:extLst>
-          </p:cNvPr>
-          <p:cNvSpPr>
-            <a:spLocks noGrp="1"/>
-          </p:cNvSpPr>
-          <p:nvPr>
-            <p:ph sz="half" idx="1"/>
-          </p:nvPr>
-        </p:nvSpPr>
-        <p:spPr>
-          <a:xfrm>
-            <a:off x="838200" y="1825625"/>
-            <a:ext cx="5758542" cy="4351338"/>
-          </a:xfrm>
-        </p:spPr>
-        <p:txBody>
-          <a:bodyPr>
-            <a:normAutofit fontScale="70000" lnSpcReduction="20000"/>
-          </a:bodyPr>
+          <p:cNvPr id="3" name="Объект 2">
+            <a:extLst>
+              <a:ext uri="{FF2B5EF4-FFF2-40B4-BE49-F238E27FC236}">
+                <a16:creationId xmlns:a16="http://schemas.microsoft.com/office/drawing/2014/main" id="{DD47C4E9-E426-482C-8E0A-A777B2F73560}"/>
+              </a:ext>
+            </a:extLst>
+          </p:cNvPr>
+          <p:cNvSpPr>
+            <a:spLocks noGrp="1"/>
+          </p:cNvSpPr>
+          <p:nvPr>
+            <p:ph idx="1"/>
+          </p:nvPr>
+        </p:nvSpPr>
+        <p:spPr/>
+        <p:txBody>
+          <a:bodyPr/>
           <a:lstStyle/>
           <a:p>
             <a:pPr marL="0" indent="0">
               <a:lnSpc>
-                <a:spcPct val="120000"/>
+                <a:spcPct val="150000"/>
               </a:lnSpc>
               <a:buNone/>
             </a:pPr>
@@ -4096,254 +4081,63 @@
                 <a:latin typeface="Arial" panose="020B0604020202020204" pitchFamily="34" charset="0"/>
                 <a:cs typeface="Arial" panose="020B0604020202020204" pitchFamily="34" charset="0"/>
               </a:rPr>
-              <a:t>На вход подается число Х</a:t>
-            </a:r>
-            <a:endParaRPr lang="en-US" b="1" dirty="0">
-              <a:latin typeface="Arial" panose="020B0604020202020204" pitchFamily="34" charset="0"/>
-              <a:cs typeface="Arial" panose="020B0604020202020204" pitchFamily="34" charset="0"/>
-            </a:endParaRPr>
+              <a:t>На вход подаётся набор значений</a:t>
+            </a:r>
           </a:p>
           <a:p>
             <a:pPr marL="0" indent="0">
               <a:lnSpc>
-                <a:spcPct val="120000"/>
+                <a:spcPct val="150000"/>
               </a:lnSpc>
               <a:buNone/>
             </a:pPr>
-            <a:br>
-              <a:rPr lang="en-US" b="1" dirty="0">
-                <a:latin typeface="Arial" panose="020B0604020202020204" pitchFamily="34" charset="0"/>
-                <a:cs typeface="Arial" panose="020B0604020202020204" pitchFamily="34" charset="0"/>
-              </a:rPr>
-            </a:br>
-            <a:r>
-              <a:rPr lang="en-US" b="1" dirty="0">
-                <a:latin typeface="Arial" panose="020B0604020202020204" pitchFamily="34" charset="0"/>
-                <a:cs typeface="Arial" panose="020B0604020202020204" pitchFamily="34" charset="0"/>
-              </a:rPr>
-              <a:t>if </a:t>
-            </a:r>
-            <a:r>
-              <a:rPr lang="en-US" dirty="0">
-                <a:latin typeface="Arial" panose="020B0604020202020204" pitchFamily="34" charset="0"/>
-                <a:cs typeface="Arial" panose="020B0604020202020204" pitchFamily="34" charset="0"/>
-              </a:rPr>
-              <a:t>min == null</a:t>
-            </a:r>
-            <a:br>
-              <a:rPr lang="en-US" b="1" dirty="0">
-                <a:latin typeface="Arial" panose="020B0604020202020204" pitchFamily="34" charset="0"/>
-                <a:cs typeface="Arial" panose="020B0604020202020204" pitchFamily="34" charset="0"/>
-              </a:rPr>
-            </a:br>
-            <a:r>
-              <a:rPr lang="en-US" dirty="0">
-                <a:latin typeface="Arial" panose="020B0604020202020204" pitchFamily="34" charset="0"/>
-                <a:cs typeface="Arial" panose="020B0604020202020204" pitchFamily="34" charset="0"/>
-              </a:rPr>
-              <a:t>    min = </a:t>
-            </a:r>
             <a:r>
               <a:rPr lang="ru-RU" dirty="0">
                 <a:latin typeface="Arial" panose="020B0604020202020204" pitchFamily="34" charset="0"/>
                 <a:cs typeface="Arial" panose="020B0604020202020204" pitchFamily="34" charset="0"/>
               </a:rPr>
-              <a:t>Х</a:t>
-            </a:r>
-            <a:r>
-              <a:rPr lang="en-US" dirty="0">
-                <a:latin typeface="Arial" panose="020B0604020202020204" pitchFamily="34" charset="0"/>
-                <a:cs typeface="Arial" panose="020B0604020202020204" pitchFamily="34" charset="0"/>
-              </a:rPr>
-              <a:t>, max =  X</a:t>
-            </a:r>
-            <a:br>
-              <a:rPr lang="en-US" dirty="0">
-                <a:latin typeface="Arial" panose="020B0604020202020204" pitchFamily="34" charset="0"/>
-                <a:cs typeface="Arial" panose="020B0604020202020204" pitchFamily="34" charset="0"/>
-              </a:rPr>
-            </a:br>
-            <a:r>
-              <a:rPr lang="en-US" dirty="0">
-                <a:latin typeface="Arial" panose="020B0604020202020204" pitchFamily="34" charset="0"/>
-                <a:cs typeface="Arial" panose="020B0604020202020204" pitchFamily="34" charset="0"/>
-              </a:rPr>
-              <a:t>    </a:t>
-            </a:r>
-            <a:r>
-              <a:rPr lang="en-US" b="1" dirty="0">
-                <a:latin typeface="Arial" panose="020B0604020202020204" pitchFamily="34" charset="0"/>
-                <a:cs typeface="Arial" panose="020B0604020202020204" pitchFamily="34" charset="0"/>
-              </a:rPr>
-              <a:t>return </a:t>
-            </a:r>
-            <a:r>
-              <a:rPr lang="en-US" altLang="ru-RU" dirty="0">
-                <a:latin typeface="Arial" panose="020B0604020202020204" pitchFamily="34" charset="0"/>
-                <a:cs typeface="Arial" panose="020B0604020202020204" pitchFamily="34" charset="0"/>
-              </a:rPr>
-              <a:t>null</a:t>
-            </a:r>
-            <a:br>
-              <a:rPr lang="en-US" dirty="0">
-                <a:latin typeface="Arial" panose="020B0604020202020204" pitchFamily="34" charset="0"/>
-                <a:cs typeface="Arial" panose="020B0604020202020204" pitchFamily="34" charset="0"/>
-              </a:rPr>
-            </a:br>
-            <a:r>
-              <a:rPr lang="en-US" b="1" dirty="0">
-                <a:latin typeface="Arial" panose="020B0604020202020204" pitchFamily="34" charset="0"/>
-                <a:cs typeface="Arial" panose="020B0604020202020204" pitchFamily="34" charset="0"/>
-              </a:rPr>
-              <a:t>if </a:t>
-            </a:r>
-            <a:r>
-              <a:rPr lang="en-US" dirty="0">
-                <a:latin typeface="Arial" panose="020B0604020202020204" pitchFamily="34" charset="0"/>
-                <a:cs typeface="Arial" panose="020B0604020202020204" pitchFamily="34" charset="0"/>
-              </a:rPr>
-              <a:t>X &gt; min</a:t>
-            </a:r>
-            <a:br>
-              <a:rPr lang="en-US" b="1" dirty="0">
-                <a:latin typeface="Arial" panose="020B0604020202020204" pitchFamily="34" charset="0"/>
-                <a:cs typeface="Arial" panose="020B0604020202020204" pitchFamily="34" charset="0"/>
-              </a:rPr>
-            </a:br>
-            <a:r>
-              <a:rPr lang="en-US" b="1" dirty="0">
-                <a:latin typeface="Arial" panose="020B0604020202020204" pitchFamily="34" charset="0"/>
-                <a:cs typeface="Arial" panose="020B0604020202020204" pitchFamily="34" charset="0"/>
-              </a:rPr>
-              <a:t>    </a:t>
-            </a:r>
-            <a:r>
-              <a:rPr lang="en-US" dirty="0">
-                <a:latin typeface="Arial" panose="020B0604020202020204" pitchFamily="34" charset="0"/>
-                <a:cs typeface="Arial" panose="020B0604020202020204" pitchFamily="34" charset="0"/>
-              </a:rPr>
-              <a:t>swap(X, min)</a:t>
-            </a:r>
-            <a:br>
-              <a:rPr lang="en-US" b="1" dirty="0">
-                <a:latin typeface="Arial" panose="020B0604020202020204" pitchFamily="34" charset="0"/>
-                <a:cs typeface="Arial" panose="020B0604020202020204" pitchFamily="34" charset="0"/>
-              </a:rPr>
-            </a:br>
-            <a:r>
-              <a:rPr lang="en-US" b="1" dirty="0">
-                <a:latin typeface="Arial" panose="020B0604020202020204" pitchFamily="34" charset="0"/>
-                <a:cs typeface="Arial" panose="020B0604020202020204" pitchFamily="34" charset="0"/>
-              </a:rPr>
-              <a:t>if </a:t>
-            </a:r>
-            <a:r>
-              <a:rPr lang="en-US" dirty="0" err="1">
-                <a:latin typeface="Arial" panose="020B0604020202020204" pitchFamily="34" charset="0"/>
-                <a:cs typeface="Arial" panose="020B0604020202020204" pitchFamily="34" charset="0"/>
-              </a:rPr>
-              <a:t>universeSize</a:t>
-            </a:r>
-            <a:r>
-              <a:rPr lang="en-US" dirty="0">
-                <a:latin typeface="Arial" panose="020B0604020202020204" pitchFamily="34" charset="0"/>
-                <a:cs typeface="Arial" panose="020B0604020202020204" pitchFamily="34" charset="0"/>
-              </a:rPr>
-              <a:t> &gt; 2</a:t>
-            </a:r>
-            <a:br>
-              <a:rPr lang="en-US" b="1" dirty="0">
-                <a:latin typeface="Arial" panose="020B0604020202020204" pitchFamily="34" charset="0"/>
-                <a:cs typeface="Arial" panose="020B0604020202020204" pitchFamily="34" charset="0"/>
-              </a:rPr>
-            </a:br>
-            <a:r>
-              <a:rPr lang="en-US" b="1" dirty="0">
-                <a:latin typeface="Arial" panose="020B0604020202020204" pitchFamily="34" charset="0"/>
-                <a:cs typeface="Arial" panose="020B0604020202020204" pitchFamily="34" charset="0"/>
-              </a:rPr>
-              <a:t>    if </a:t>
-            </a:r>
-            <a:r>
-              <a:rPr lang="en-US" dirty="0">
-                <a:latin typeface="Arial" panose="020B0604020202020204" pitchFamily="34" charset="0"/>
-                <a:cs typeface="Arial" panose="020B0604020202020204" pitchFamily="34" charset="0"/>
-              </a:rPr>
-              <a:t>cluster[High(X)].min == null</a:t>
-            </a:r>
-            <a:br>
-              <a:rPr lang="en-US" b="1" dirty="0">
-                <a:latin typeface="Arial" panose="020B0604020202020204" pitchFamily="34" charset="0"/>
-                <a:cs typeface="Arial" panose="020B0604020202020204" pitchFamily="34" charset="0"/>
-              </a:rPr>
-            </a:br>
-            <a:r>
-              <a:rPr lang="en-US" b="1" dirty="0">
-                <a:latin typeface="Arial" panose="020B0604020202020204" pitchFamily="34" charset="0"/>
-                <a:cs typeface="Arial" panose="020B0604020202020204" pitchFamily="34" charset="0"/>
-              </a:rPr>
-              <a:t>        </a:t>
-            </a:r>
-            <a:r>
-              <a:rPr lang="en-US" dirty="0" err="1">
-                <a:latin typeface="Arial" panose="020B0604020202020204" pitchFamily="34" charset="0"/>
-                <a:cs typeface="Arial" panose="020B0604020202020204" pitchFamily="34" charset="0"/>
-              </a:rPr>
-              <a:t>summary.Insert</a:t>
-            </a:r>
-            <a:r>
-              <a:rPr lang="en-US" dirty="0">
-                <a:latin typeface="Arial" panose="020B0604020202020204" pitchFamily="34" charset="0"/>
-                <a:cs typeface="Arial" panose="020B0604020202020204" pitchFamily="34" charset="0"/>
-              </a:rPr>
-              <a:t>(High(X))</a:t>
-            </a:r>
-            <a:br>
-              <a:rPr lang="en-US" dirty="0">
-                <a:latin typeface="Arial" panose="020B0604020202020204" pitchFamily="34" charset="0"/>
-                <a:cs typeface="Arial" panose="020B0604020202020204" pitchFamily="34" charset="0"/>
-              </a:rPr>
-            </a:br>
-            <a:r>
-              <a:rPr lang="en-US" dirty="0">
-                <a:latin typeface="Arial" panose="020B0604020202020204" pitchFamily="34" charset="0"/>
-                <a:cs typeface="Arial" panose="020B0604020202020204" pitchFamily="34" charset="0"/>
-              </a:rPr>
-              <a:t>    cluster[High(X)].Insert(Low(X))</a:t>
-            </a:r>
-            <a:br>
-              <a:rPr lang="en-US" dirty="0">
-                <a:latin typeface="Arial" panose="020B0604020202020204" pitchFamily="34" charset="0"/>
-                <a:cs typeface="Arial" panose="020B0604020202020204" pitchFamily="34" charset="0"/>
-              </a:rPr>
-            </a:br>
-            <a:r>
-              <a:rPr lang="en-US" b="1" dirty="0">
-                <a:latin typeface="Arial" panose="020B0604020202020204" pitchFamily="34" charset="0"/>
-                <a:cs typeface="Arial" panose="020B0604020202020204" pitchFamily="34" charset="0"/>
-              </a:rPr>
-              <a:t>if </a:t>
-            </a:r>
-            <a:r>
-              <a:rPr lang="en-US" dirty="0">
-                <a:latin typeface="Arial" panose="020B0604020202020204" pitchFamily="34" charset="0"/>
-                <a:cs typeface="Arial" panose="020B0604020202020204" pitchFamily="34" charset="0"/>
-              </a:rPr>
-              <a:t>X &gt; max</a:t>
-            </a:r>
-            <a:br>
-              <a:rPr lang="en-US" b="1" dirty="0">
-                <a:latin typeface="Arial" panose="020B0604020202020204" pitchFamily="34" charset="0"/>
-                <a:cs typeface="Arial" panose="020B0604020202020204" pitchFamily="34" charset="0"/>
-              </a:rPr>
-            </a:br>
-            <a:r>
-              <a:rPr lang="en-US" dirty="0">
-                <a:latin typeface="Arial" panose="020B0604020202020204" pitchFamily="34" charset="0"/>
-                <a:cs typeface="Arial" panose="020B0604020202020204" pitchFamily="34" charset="0"/>
-              </a:rPr>
-              <a:t>    max = x</a:t>
-            </a:r>
+              <a:t>	в случайном порядке </a:t>
+            </a:r>
+          </a:p>
+          <a:p>
+            <a:pPr marL="0" indent="0">
+              <a:lnSpc>
+                <a:spcPct val="150000"/>
+              </a:lnSpc>
+              <a:buNone/>
+            </a:pPr>
+            <a:r>
+              <a:rPr lang="ru-RU" dirty="0">
+                <a:latin typeface="Arial" panose="020B0604020202020204" pitchFamily="34" charset="0"/>
+                <a:cs typeface="Arial" panose="020B0604020202020204" pitchFamily="34" charset="0"/>
+              </a:rPr>
+              <a:t>		сгенерированный с помощью </a:t>
+            </a:r>
+          </a:p>
+          <a:p>
+            <a:pPr marL="0" indent="0">
+              <a:lnSpc>
+                <a:spcPct val="150000"/>
+              </a:lnSpc>
+              <a:buNone/>
+            </a:pPr>
+            <a:r>
+              <a:rPr lang="ru-RU" b="1" dirty="0">
+                <a:latin typeface="Arial" panose="020B0604020202020204" pitchFamily="34" charset="0"/>
+                <a:cs typeface="Arial" panose="020B0604020202020204" pitchFamily="34" charset="0"/>
+              </a:rPr>
+              <a:t>			алгоритма Фишера-Йетса</a:t>
+            </a:r>
+            <a:r>
+              <a:rPr lang="ru-RU" dirty="0">
+                <a:latin typeface="Arial" panose="020B0604020202020204" pitchFamily="34" charset="0"/>
+                <a:cs typeface="Arial" panose="020B0604020202020204" pitchFamily="34" charset="0"/>
+              </a:rPr>
+              <a:t>.</a:t>
+            </a:r>
+          </a:p>
+          <a:p>
+            <a:endParaRPr lang="ru-RU" dirty="0"/>
           </a:p>
         </p:txBody>
       </p:sp>
@@ -4352,7 +4146,7 @@
           <p:cNvPr id="4" name="Дата 3">
             <a:extLst>
               <a:ext uri="{FF2B5EF4-FFF2-40B4-BE49-F238E27FC236}">
-                <a16:creationId xmlns:a16="http://schemas.microsoft.com/office/drawing/2014/main" id="{DAEB77EF-BADA-4F40-BC5B-07FBEFEC79B1}"/>
+                <a16:creationId xmlns:a16="http://schemas.microsoft.com/office/drawing/2014/main" id="{DFDD5095-2372-4C21-8368-6724F4D530AA}"/>
               </a:ext>
             </a:extLst>
           </p:cNvPr>
@@ -4369,7 +4163,7 @@
           <a:lstStyle/>
           <a:p>
             <a:r>
-              <a:rPr lang="ru-RU" dirty="0"/>
+              <a:rPr lang="ru-RU"/>
               <a:t>2023</a:t>
             </a:r>
           </a:p>
@@ -4380,7 +4174,7 @@
           <p:cNvPr id="5" name="Нижний колонтитул 4">
             <a:extLst>
               <a:ext uri="{FF2B5EF4-FFF2-40B4-BE49-F238E27FC236}">
-                <a16:creationId xmlns:a16="http://schemas.microsoft.com/office/drawing/2014/main" id="{0968CC94-DE6C-4B47-A3E5-57861D1EDE1D}"/>
+                <a16:creationId xmlns:a16="http://schemas.microsoft.com/office/drawing/2014/main" id="{F31FAC33-13E0-4B83-94D0-1F2D5E57DD83}"/>
               </a:ext>
             </a:extLst>
           </p:cNvPr>
@@ -4400,22 +4194,48 @@
               <a:rPr lang="ru-RU"/>
               <a:t>Борик Р. Д</a:t>
             </a:r>
+          </a:p>
+        </p:txBody>
+      </p:sp>
+      <p:sp>
+        <p:nvSpPr>
+          <p:cNvPr id="6" name="Номер слайда 5">
+            <a:extLst>
+              <a:ext uri="{FF2B5EF4-FFF2-40B4-BE49-F238E27FC236}">
+                <a16:creationId xmlns:a16="http://schemas.microsoft.com/office/drawing/2014/main" id="{2D006D21-AF2E-4AE2-8B6C-0B34FDF9F8AD}"/>
+              </a:ext>
+            </a:extLst>
+          </p:cNvPr>
+          <p:cNvSpPr>
+            <a:spLocks noGrp="1"/>
+          </p:cNvSpPr>
+          <p:nvPr>
+            <p:ph type="sldNum" sz="quarter" idx="12"/>
+          </p:nvPr>
+        </p:nvSpPr>
+        <p:spPr/>
+        <p:txBody>
+          <a:bodyPr/>
+          <a:lstStyle/>
+          <a:p>
+            <a:fld id="{F5F7BD9D-D9F0-4178-8503-A05219E63A73}" type="slidenum">
+              <a:rPr lang="ru-RU" smtClean="0"/>
+              <a:t>10</a:t>
+            </a:fld>
+            <a:endParaRPr lang="ru-RU"/>
           </a:p>
         </p:txBody>
       </p:sp>
     </p:spTree>
     <p:extLst>
       <p:ext uri="{BB962C8B-B14F-4D97-AF65-F5344CB8AC3E}">
-        <p14:creationId xmlns:p14="http://schemas.microsoft.com/office/powerpoint/2010/main" val="4097209880"/>
+        <p14:creationId xmlns:p14="http://schemas.microsoft.com/office/powerpoint/2010/main" val="3722427308"/>
       </p:ext>
     </p:extLst>
   </p:cSld>
   <p:clrMapOvr>
     <a:masterClrMapping/>
   </p:clrMapOvr>
-  <p:transition spd="slow">
-    <p:push dir="u"/>
-  </p:transition>
 </p:sld>
 </file>
 
@@ -4436,12 +4256,255 @@
           <a:chExt cx="0" cy="0"/>
         </a:xfrm>
       </p:grpSpPr>
+      <p:sp>
+        <p:nvSpPr>
+          <p:cNvPr id="2" name="Заголовок 1">
+            <a:extLst>
+              <a:ext uri="{FF2B5EF4-FFF2-40B4-BE49-F238E27FC236}">
+                <a16:creationId xmlns:a16="http://schemas.microsoft.com/office/drawing/2014/main" id="{B05F751F-40AA-4812-A0F8-C26BAD1CE54D}"/>
+              </a:ext>
+            </a:extLst>
+          </p:cNvPr>
+          <p:cNvSpPr>
+            <a:spLocks noGrp="1"/>
+          </p:cNvSpPr>
+          <p:nvPr>
+            <p:ph type="title"/>
+          </p:nvPr>
+        </p:nvSpPr>
+        <p:spPr>
+          <a:xfrm>
+            <a:off x="838200" y="365125"/>
+            <a:ext cx="10588691" cy="1325563"/>
+          </a:xfrm>
+        </p:spPr>
+        <p:txBody>
+          <a:bodyPr/>
+          <a:lstStyle/>
+          <a:p>
+            <a:r>
+              <a:rPr lang="en-US" dirty="0">
+                <a:latin typeface="Arial Black" panose="020B0A04020102020204" pitchFamily="34" charset="0"/>
+              </a:rPr>
+              <a:t>Find</a:t>
+            </a:r>
+            <a:endParaRPr lang="ru-RU" dirty="0">
+              <a:latin typeface="Arial Black" panose="020B0A04020102020204" pitchFamily="34" charset="0"/>
+            </a:endParaRPr>
+          </a:p>
+        </p:txBody>
+      </p:sp>
+      <p:sp>
+        <p:nvSpPr>
+          <p:cNvPr id="3" name="Объект 2">
+            <a:extLst>
+              <a:ext uri="{FF2B5EF4-FFF2-40B4-BE49-F238E27FC236}">
+                <a16:creationId xmlns:a16="http://schemas.microsoft.com/office/drawing/2014/main" id="{02E7EC0C-6B15-49F9-9F93-DB24A3CE0A58}"/>
+              </a:ext>
+            </a:extLst>
+          </p:cNvPr>
+          <p:cNvSpPr>
+            <a:spLocks noGrp="1"/>
+          </p:cNvSpPr>
+          <p:nvPr>
+            <p:ph sz="half" idx="1"/>
+          </p:nvPr>
+        </p:nvSpPr>
+        <p:spPr>
+          <a:xfrm>
+            <a:off x="838200" y="2444619"/>
+            <a:ext cx="5181600" cy="3732343"/>
+          </a:xfrm>
+        </p:spPr>
+        <p:txBody>
+          <a:bodyPr>
+            <a:normAutofit/>
+          </a:bodyPr>
+          <a:lstStyle/>
+          <a:p>
+            <a:pPr marL="0" indent="0">
+              <a:buNone/>
+            </a:pPr>
+            <a:r>
+              <a:rPr lang="en-US" b="1" dirty="0">
+                <a:solidFill>
+                  <a:srgbClr val="006CB5"/>
+                </a:solidFill>
+                <a:latin typeface="Arial" panose="020B0604020202020204" pitchFamily="34" charset="0"/>
+                <a:cs typeface="Arial" panose="020B0604020202020204" pitchFamily="34" charset="0"/>
+              </a:rPr>
+              <a:t>VEB</a:t>
+            </a:r>
+            <a:r>
+              <a:rPr lang="ru-RU" b="1" dirty="0">
+                <a:latin typeface="Arial" panose="020B0604020202020204" pitchFamily="34" charset="0"/>
+                <a:cs typeface="Arial" panose="020B0604020202020204" pitchFamily="34" charset="0"/>
+              </a:rPr>
+              <a:t> дерево </a:t>
+            </a:r>
+            <a:r>
+              <a:rPr lang="ru-RU" dirty="0">
+                <a:latin typeface="Arial" panose="020B0604020202020204" pitchFamily="34" charset="0"/>
+                <a:cs typeface="Arial" panose="020B0604020202020204" pitchFamily="34" charset="0"/>
+              </a:rPr>
+              <a:t>обгоняет</a:t>
+            </a:r>
+            <a:r>
+              <a:rPr lang="ru-RU" b="1" dirty="0">
+                <a:latin typeface="Arial" panose="020B0604020202020204" pitchFamily="34" charset="0"/>
+                <a:cs typeface="Arial" panose="020B0604020202020204" pitchFamily="34" charset="0"/>
+              </a:rPr>
+              <a:t> </a:t>
+            </a:r>
+            <a:r>
+              <a:rPr lang="ru-RU" altLang="ru-RU" b="1" dirty="0">
+                <a:latin typeface="Arial" panose="020B0604020202020204" pitchFamily="34" charset="0"/>
+                <a:cs typeface="Arial" panose="020B0604020202020204" pitchFamily="34" charset="0"/>
+              </a:rPr>
+              <a:t> </a:t>
+            </a:r>
+            <a:r>
+              <a:rPr lang="ru-RU" altLang="ru-RU" b="1" dirty="0" err="1">
+                <a:latin typeface="Arial" panose="020B0604020202020204" pitchFamily="34" charset="0"/>
+                <a:cs typeface="Arial" panose="020B0604020202020204" pitchFamily="34" charset="0"/>
+              </a:rPr>
+              <a:t>std</a:t>
+            </a:r>
+            <a:r>
+              <a:rPr lang="ru-RU" altLang="ru-RU" b="1" dirty="0">
+                <a:latin typeface="Arial" panose="020B0604020202020204" pitchFamily="34" charset="0"/>
+                <a:cs typeface="Arial" panose="020B0604020202020204" pitchFamily="34" charset="0"/>
+              </a:rPr>
+              <a:t>::</a:t>
+            </a:r>
+            <a:r>
+              <a:rPr lang="ru-RU" altLang="ru-RU" b="1" dirty="0" err="1">
+                <a:latin typeface="Arial" panose="020B0604020202020204" pitchFamily="34" charset="0"/>
+                <a:cs typeface="Arial" panose="020B0604020202020204" pitchFamily="34" charset="0"/>
+              </a:rPr>
+              <a:t>set</a:t>
+            </a:r>
+            <a:r>
+              <a:rPr lang="ru-RU" altLang="ru-RU" dirty="0">
+                <a:latin typeface="Arial" panose="020B0604020202020204" pitchFamily="34" charset="0"/>
+                <a:cs typeface="Arial" panose="020B0604020202020204" pitchFamily="34" charset="0"/>
+              </a:rPr>
+              <a:t>, но</a:t>
+            </a:r>
+            <a:r>
+              <a:rPr lang="en-US" dirty="0">
+                <a:latin typeface="Arial" panose="020B0604020202020204" pitchFamily="34" charset="0"/>
+                <a:cs typeface="Arial" panose="020B0604020202020204" pitchFamily="34" charset="0"/>
+              </a:rPr>
+              <a:t> </a:t>
+            </a:r>
+            <a:r>
+              <a:rPr lang="ru-RU" dirty="0">
+                <a:latin typeface="Arial" panose="020B0604020202020204" pitchFamily="34" charset="0"/>
+                <a:cs typeface="Arial" panose="020B0604020202020204" pitchFamily="34" charset="0"/>
+              </a:rPr>
+              <a:t>проигрывает в скорости </a:t>
+            </a:r>
+            <a:r>
+              <a:rPr lang="ru-RU" altLang="ru-RU" b="1" dirty="0" err="1">
+                <a:latin typeface="Arial" panose="020B0604020202020204" pitchFamily="34" charset="0"/>
+                <a:cs typeface="Arial" panose="020B0604020202020204" pitchFamily="34" charset="0"/>
+              </a:rPr>
+              <a:t>std</a:t>
+            </a:r>
+            <a:r>
+              <a:rPr lang="ru-RU" altLang="ru-RU" b="1" dirty="0">
+                <a:latin typeface="Arial" panose="020B0604020202020204" pitchFamily="34" charset="0"/>
+                <a:cs typeface="Arial" panose="020B0604020202020204" pitchFamily="34" charset="0"/>
+              </a:rPr>
+              <a:t>::</a:t>
+            </a:r>
+            <a:r>
+              <a:rPr lang="ru-RU" altLang="ru-RU" b="1" dirty="0" err="1">
+                <a:latin typeface="Arial" panose="020B0604020202020204" pitchFamily="34" charset="0"/>
+                <a:cs typeface="Arial" panose="020B0604020202020204" pitchFamily="34" charset="0"/>
+              </a:rPr>
+              <a:t>unordered_set</a:t>
+            </a:r>
+            <a:r>
+              <a:rPr lang="en-US" dirty="0">
+                <a:latin typeface="Arial" panose="020B0604020202020204" pitchFamily="34" charset="0"/>
+                <a:cs typeface="Arial" panose="020B0604020202020204" pitchFamily="34" charset="0"/>
+              </a:rPr>
+              <a:t> </a:t>
+            </a:r>
+            <a:r>
+              <a:rPr lang="ru-RU" dirty="0">
+                <a:latin typeface="Arial" panose="020B0604020202020204" pitchFamily="34" charset="0"/>
+                <a:cs typeface="Arial" panose="020B0604020202020204" pitchFamily="34" charset="0"/>
+              </a:rPr>
+              <a:t>при больших значениях.</a:t>
+            </a:r>
+          </a:p>
+        </p:txBody>
+      </p:sp>
+      <p:sp>
+        <p:nvSpPr>
+          <p:cNvPr id="5" name="Дата 4">
+            <a:extLst>
+              <a:ext uri="{FF2B5EF4-FFF2-40B4-BE49-F238E27FC236}">
+                <a16:creationId xmlns:a16="http://schemas.microsoft.com/office/drawing/2014/main" id="{9A25CD09-B261-46CD-BDC6-98290B43E2B0}"/>
+              </a:ext>
+            </a:extLst>
+          </p:cNvPr>
+          <p:cNvSpPr>
+            <a:spLocks noGrp="1"/>
+          </p:cNvSpPr>
+          <p:nvPr>
+            <p:ph type="dt" sz="half" idx="10"/>
+          </p:nvPr>
+        </p:nvSpPr>
+        <p:spPr/>
+        <p:txBody>
+          <a:bodyPr/>
+          <a:lstStyle/>
+          <a:p>
+            <a:r>
+              <a:rPr lang="ru-RU"/>
+              <a:t>2023</a:t>
+            </a:r>
+          </a:p>
+        </p:txBody>
+      </p:sp>
+      <p:sp>
+        <p:nvSpPr>
+          <p:cNvPr id="6" name="Нижний колонтитул 5">
+            <a:extLst>
+              <a:ext uri="{FF2B5EF4-FFF2-40B4-BE49-F238E27FC236}">
+                <a16:creationId xmlns:a16="http://schemas.microsoft.com/office/drawing/2014/main" id="{17E3D693-E049-45BF-9486-C3F2622EEFF4}"/>
+              </a:ext>
+            </a:extLst>
+          </p:cNvPr>
+          <p:cNvSpPr>
+            <a:spLocks noGrp="1"/>
+          </p:cNvSpPr>
+          <p:nvPr>
+            <p:ph type="ftr" sz="quarter" idx="11"/>
+          </p:nvPr>
+        </p:nvSpPr>
+        <p:spPr/>
+        <p:txBody>
+          <a:bodyPr/>
+          <a:lstStyle/>
+          <a:p>
+            <a:r>
+              <a:rPr lang="ru-RU"/>
+              <a:t>Борик Р. Д</a:t>
+            </a:r>
+          </a:p>
+        </p:txBody>
+      </p:sp>
       <p:pic>
         <p:nvPicPr>
-          <p:cNvPr id="13" name="Объект 12">
-            <a:extLst>
-              <a:ext uri="{FF2B5EF4-FFF2-40B4-BE49-F238E27FC236}">
-                <a16:creationId xmlns:a16="http://schemas.microsoft.com/office/drawing/2014/main" id="{35C254AD-988B-459B-AADD-A114F9C3811F}"/>
+          <p:cNvPr id="10" name="Объект 9">
+            <a:extLst>
+              <a:ext uri="{FF2B5EF4-FFF2-40B4-BE49-F238E27FC236}">
+                <a16:creationId xmlns:a16="http://schemas.microsoft.com/office/drawing/2014/main" id="{5D092FBB-5E42-47C4-B14B-122BA7C05056}"/>
               </a:ext>
             </a:extLst>
           </p:cNvPr>
@@ -4466,774 +4529,44 @@
         </p:blipFill>
         <p:spPr>
           <a:xfrm>
-            <a:off x="5355771" y="533857"/>
-            <a:ext cx="6680719" cy="5889132"/>
+            <a:off x="6172200" y="2058194"/>
+            <a:ext cx="5181600" cy="3886200"/>
           </a:xfrm>
         </p:spPr>
       </p:pic>
       <p:sp>
         <p:nvSpPr>
-          <p:cNvPr id="2" name="Заголовок 1">
-            <a:extLst>
-              <a:ext uri="{FF2B5EF4-FFF2-40B4-BE49-F238E27FC236}">
-                <a16:creationId xmlns:a16="http://schemas.microsoft.com/office/drawing/2014/main" id="{0135C256-3003-4F17-80D3-FDD39BD72DE4}"/>
-              </a:ext>
-            </a:extLst>
-          </p:cNvPr>
-          <p:cNvSpPr>
-            <a:spLocks noGrp="1"/>
-          </p:cNvSpPr>
-          <p:nvPr>
-            <p:ph type="title"/>
-          </p:nvPr>
-        </p:nvSpPr>
-        <p:spPr/>
-        <p:txBody>
-          <a:bodyPr/>
-          <a:lstStyle/>
-          <a:p>
-            <a:r>
-              <a:rPr lang="en-US" dirty="0">
-                <a:latin typeface="Arial Black" panose="020B0A04020102020204" pitchFamily="34" charset="0"/>
-              </a:rPr>
-              <a:t>Remove (</a:t>
-            </a:r>
-            <a:r>
-              <a:rPr lang="ru-RU" dirty="0">
-                <a:latin typeface="Arial Black" panose="020B0A04020102020204" pitchFamily="34" charset="0"/>
-              </a:rPr>
-              <a:t>удаление</a:t>
-            </a:r>
-            <a:r>
-              <a:rPr lang="en-US" dirty="0">
-                <a:latin typeface="Arial Black" panose="020B0A04020102020204" pitchFamily="34" charset="0"/>
-              </a:rPr>
-              <a:t>)</a:t>
-            </a:r>
-            <a:endParaRPr lang="ru-RU" dirty="0"/>
-          </a:p>
-        </p:txBody>
-      </p:sp>
-      <p:sp>
-        <p:nvSpPr>
-          <p:cNvPr id="10" name="Объект 9">
-            <a:extLst>
-              <a:ext uri="{FF2B5EF4-FFF2-40B4-BE49-F238E27FC236}">
-                <a16:creationId xmlns:a16="http://schemas.microsoft.com/office/drawing/2014/main" id="{836C02EF-1BDF-403B-96E5-7CA5A5D48122}"/>
-              </a:ext>
-            </a:extLst>
-          </p:cNvPr>
-          <p:cNvSpPr>
-            <a:spLocks noGrp="1"/>
-          </p:cNvSpPr>
-          <p:nvPr>
-            <p:ph sz="half" idx="1"/>
-          </p:nvPr>
-        </p:nvSpPr>
-        <p:spPr>
-          <a:xfrm>
-            <a:off x="838200" y="1825625"/>
-            <a:ext cx="6225074" cy="4351338"/>
-          </a:xfrm>
-        </p:spPr>
-        <p:txBody>
-          <a:bodyPr>
-            <a:normAutofit fontScale="55000" lnSpcReduction="20000"/>
-          </a:bodyPr>
-          <a:lstStyle/>
-          <a:p>
-            <a:pPr marL="0" lvl="0" indent="0" eaLnBrk="0" fontAlgn="base" hangingPunct="0">
-              <a:lnSpc>
-                <a:spcPct val="100000"/>
-              </a:lnSpc>
-              <a:spcBef>
-                <a:spcPct val="0"/>
-              </a:spcBef>
-              <a:spcAft>
-                <a:spcPct val="0"/>
-              </a:spcAft>
-              <a:buNone/>
-            </a:pPr>
-            <a:r>
-              <a:rPr lang="ru-RU" altLang="ru-RU" dirty="0">
-                <a:latin typeface="Arial" panose="020B0604020202020204" pitchFamily="34" charset="0"/>
-                <a:cs typeface="Arial" panose="020B0604020202020204" pitchFamily="34" charset="0"/>
-              </a:rPr>
-              <a:t>На вход подается число </a:t>
-            </a:r>
-            <a:r>
-              <a:rPr lang="en-US" altLang="ru-RU" dirty="0">
-                <a:latin typeface="Arial" panose="020B0604020202020204" pitchFamily="34" charset="0"/>
-                <a:cs typeface="Arial" panose="020B0604020202020204" pitchFamily="34" charset="0"/>
-              </a:rPr>
-              <a:t>X</a:t>
-            </a:r>
-          </a:p>
-          <a:p>
-            <a:pPr marL="0" lvl="0" indent="0" eaLnBrk="0" fontAlgn="base" hangingPunct="0">
-              <a:lnSpc>
-                <a:spcPct val="100000"/>
-              </a:lnSpc>
-              <a:spcBef>
-                <a:spcPct val="0"/>
-              </a:spcBef>
-              <a:spcAft>
-                <a:spcPct val="0"/>
-              </a:spcAft>
-              <a:buNone/>
-            </a:pPr>
-            <a:endParaRPr lang="en-US" altLang="ru-RU" dirty="0">
-              <a:latin typeface="Arial" panose="020B0604020202020204" pitchFamily="34" charset="0"/>
-              <a:cs typeface="Arial" panose="020B0604020202020204" pitchFamily="34" charset="0"/>
-            </a:endParaRPr>
-          </a:p>
-          <a:p>
-            <a:pPr marL="0" lvl="0" indent="0" eaLnBrk="0" fontAlgn="base" hangingPunct="0">
-              <a:lnSpc>
-                <a:spcPct val="100000"/>
-              </a:lnSpc>
-              <a:spcBef>
-                <a:spcPct val="0"/>
-              </a:spcBef>
-              <a:spcAft>
-                <a:spcPct val="0"/>
-              </a:spcAft>
-              <a:buNone/>
-            </a:pPr>
-            <a:endParaRPr lang="en-US" altLang="ru-RU" dirty="0">
-              <a:latin typeface="Arial" panose="020B0604020202020204" pitchFamily="34" charset="0"/>
-              <a:cs typeface="Arial" panose="020B0604020202020204" pitchFamily="34" charset="0"/>
-            </a:endParaRPr>
-          </a:p>
-          <a:p>
-            <a:pPr marL="0" lvl="0" indent="0" eaLnBrk="0" fontAlgn="base" hangingPunct="0">
-              <a:lnSpc>
-                <a:spcPct val="100000"/>
-              </a:lnSpc>
-              <a:spcBef>
-                <a:spcPct val="0"/>
-              </a:spcBef>
-              <a:spcAft>
-                <a:spcPct val="0"/>
-              </a:spcAft>
-              <a:buNone/>
-            </a:pPr>
-            <a:r>
-              <a:rPr lang="en-US" altLang="ru-RU" b="1" dirty="0">
-                <a:latin typeface="Arial" panose="020B0604020202020204" pitchFamily="34" charset="0"/>
-                <a:cs typeface="Arial" panose="020B0604020202020204" pitchFamily="34" charset="0"/>
-              </a:rPr>
-              <a:t>if </a:t>
-            </a:r>
-            <a:r>
-              <a:rPr lang="en-US" altLang="ru-RU" dirty="0">
-                <a:latin typeface="Arial" panose="020B0604020202020204" pitchFamily="34" charset="0"/>
-                <a:cs typeface="Arial" panose="020B0604020202020204" pitchFamily="34" charset="0"/>
-              </a:rPr>
-              <a:t>min == </a:t>
-            </a:r>
-            <a:r>
-              <a:rPr lang="ru-RU" altLang="ru-RU" dirty="0">
-                <a:latin typeface="Arial" panose="020B0604020202020204" pitchFamily="34" charset="0"/>
-                <a:cs typeface="Arial" panose="020B0604020202020204" pitchFamily="34" charset="0"/>
-              </a:rPr>
-              <a:t>Х</a:t>
-            </a:r>
-            <a:r>
-              <a:rPr lang="en-US" altLang="ru-RU" dirty="0">
-                <a:latin typeface="Arial" panose="020B0604020202020204" pitchFamily="34" charset="0"/>
-                <a:cs typeface="Arial" panose="020B0604020202020204" pitchFamily="34" charset="0"/>
-              </a:rPr>
-              <a:t> </a:t>
-            </a:r>
-            <a:r>
-              <a:rPr lang="en-US" altLang="ru-RU" b="1" dirty="0">
-                <a:latin typeface="Arial" panose="020B0604020202020204" pitchFamily="34" charset="0"/>
-                <a:cs typeface="Arial" panose="020B0604020202020204" pitchFamily="34" charset="0"/>
-              </a:rPr>
-              <a:t>and</a:t>
-            </a:r>
-            <a:r>
-              <a:rPr lang="en-US" altLang="ru-RU" dirty="0">
-                <a:latin typeface="Arial" panose="020B0604020202020204" pitchFamily="34" charset="0"/>
-                <a:cs typeface="Arial" panose="020B0604020202020204" pitchFamily="34" charset="0"/>
-              </a:rPr>
-              <a:t> max == </a:t>
-            </a:r>
-            <a:r>
-              <a:rPr lang="ru-RU" altLang="ru-RU" dirty="0">
-                <a:latin typeface="Arial" panose="020B0604020202020204" pitchFamily="34" charset="0"/>
-                <a:cs typeface="Arial" panose="020B0604020202020204" pitchFamily="34" charset="0"/>
-              </a:rPr>
-              <a:t>Х</a:t>
-            </a:r>
-            <a:r>
-              <a:rPr lang="en-US" altLang="ru-RU" b="1" dirty="0">
-                <a:latin typeface="Arial" panose="020B0604020202020204" pitchFamily="34" charset="0"/>
-                <a:cs typeface="Arial" panose="020B0604020202020204" pitchFamily="34" charset="0"/>
-              </a:rPr>
-              <a:t> </a:t>
-            </a:r>
-            <a:br>
-              <a:rPr lang="en-US" altLang="ru-RU" b="1" dirty="0">
-                <a:latin typeface="Arial" panose="020B0604020202020204" pitchFamily="34" charset="0"/>
-                <a:cs typeface="Arial" panose="020B0604020202020204" pitchFamily="34" charset="0"/>
-              </a:rPr>
-            </a:br>
-            <a:r>
-              <a:rPr lang="en-US" altLang="ru-RU" b="1" dirty="0">
-                <a:latin typeface="Arial" panose="020B0604020202020204" pitchFamily="34" charset="0"/>
-                <a:cs typeface="Arial" panose="020B0604020202020204" pitchFamily="34" charset="0"/>
-              </a:rPr>
-              <a:t>    </a:t>
-            </a:r>
-            <a:r>
-              <a:rPr lang="en-US" altLang="ru-RU" dirty="0">
-                <a:latin typeface="Arial" panose="020B0604020202020204" pitchFamily="34" charset="0"/>
-                <a:cs typeface="Arial" panose="020B0604020202020204" pitchFamily="34" charset="0"/>
-              </a:rPr>
-              <a:t>min = null</a:t>
-            </a:r>
-            <a:br>
-              <a:rPr lang="en-US" altLang="ru-RU" dirty="0">
-                <a:latin typeface="Arial" panose="020B0604020202020204" pitchFamily="34" charset="0"/>
-                <a:cs typeface="Arial" panose="020B0604020202020204" pitchFamily="34" charset="0"/>
-              </a:rPr>
-            </a:br>
-            <a:r>
-              <a:rPr lang="en-US" altLang="ru-RU" dirty="0">
-                <a:latin typeface="Arial" panose="020B0604020202020204" pitchFamily="34" charset="0"/>
-                <a:cs typeface="Arial" panose="020B0604020202020204" pitchFamily="34" charset="0"/>
-              </a:rPr>
-              <a:t>    max = null</a:t>
-            </a:r>
-            <a:br>
-              <a:rPr lang="en-US" altLang="ru-RU" dirty="0">
-                <a:latin typeface="Arial" panose="020B0604020202020204" pitchFamily="34" charset="0"/>
-                <a:cs typeface="Arial" panose="020B0604020202020204" pitchFamily="34" charset="0"/>
-              </a:rPr>
-            </a:br>
-            <a:r>
-              <a:rPr lang="en-US" altLang="ru-RU" dirty="0">
-                <a:latin typeface="Arial" panose="020B0604020202020204" pitchFamily="34" charset="0"/>
-                <a:cs typeface="Arial" panose="020B0604020202020204" pitchFamily="34" charset="0"/>
-              </a:rPr>
-              <a:t>    </a:t>
-            </a:r>
-            <a:r>
-              <a:rPr lang="en-US" altLang="ru-RU" b="1" dirty="0">
-                <a:latin typeface="Arial" panose="020B0604020202020204" pitchFamily="34" charset="0"/>
-                <a:cs typeface="Arial" panose="020B0604020202020204" pitchFamily="34" charset="0"/>
-              </a:rPr>
-              <a:t>return</a:t>
-            </a:r>
-            <a:br>
-              <a:rPr lang="en-US" altLang="ru-RU" dirty="0">
-                <a:latin typeface="Arial" panose="020B0604020202020204" pitchFamily="34" charset="0"/>
-                <a:cs typeface="Arial" panose="020B0604020202020204" pitchFamily="34" charset="0"/>
-              </a:rPr>
-            </a:br>
-            <a:r>
-              <a:rPr lang="en-US" altLang="ru-RU" b="1" dirty="0">
-                <a:latin typeface="Arial" panose="020B0604020202020204" pitchFamily="34" charset="0"/>
-                <a:cs typeface="Arial" panose="020B0604020202020204" pitchFamily="34" charset="0"/>
-              </a:rPr>
-              <a:t>if </a:t>
-            </a:r>
-            <a:r>
-              <a:rPr lang="en-US" altLang="ru-RU" dirty="0">
-                <a:latin typeface="Arial" panose="020B0604020202020204" pitchFamily="34" charset="0"/>
-                <a:cs typeface="Arial" panose="020B0604020202020204" pitchFamily="34" charset="0"/>
-              </a:rPr>
-              <a:t>min == X</a:t>
-            </a:r>
-            <a:endParaRPr lang="en-US" altLang="ru-RU" b="1" dirty="0">
-              <a:latin typeface="Arial" panose="020B0604020202020204" pitchFamily="34" charset="0"/>
-              <a:cs typeface="Arial" panose="020B0604020202020204" pitchFamily="34" charset="0"/>
-            </a:endParaRPr>
-          </a:p>
-          <a:p>
-            <a:pPr marL="0" lvl="0" indent="0" eaLnBrk="0" fontAlgn="base" hangingPunct="0">
-              <a:lnSpc>
-                <a:spcPct val="100000"/>
-              </a:lnSpc>
-              <a:spcBef>
-                <a:spcPct val="0"/>
-              </a:spcBef>
-              <a:spcAft>
-                <a:spcPct val="0"/>
-              </a:spcAft>
-              <a:buNone/>
-            </a:pPr>
-            <a:r>
-              <a:rPr lang="en-US" altLang="ru-RU" b="1" dirty="0">
-                <a:latin typeface="Arial" panose="020B0604020202020204" pitchFamily="34" charset="0"/>
-                <a:cs typeface="Arial" panose="020B0604020202020204" pitchFamily="34" charset="0"/>
-              </a:rPr>
-              <a:t>    if </a:t>
-            </a:r>
-            <a:r>
-              <a:rPr lang="en-US" altLang="ru-RU" dirty="0" err="1">
-                <a:latin typeface="Arial" panose="020B0604020202020204" pitchFamily="34" charset="0"/>
-                <a:cs typeface="Arial" panose="020B0604020202020204" pitchFamily="34" charset="0"/>
-              </a:rPr>
-              <a:t>summary.min</a:t>
-            </a:r>
-            <a:r>
-              <a:rPr lang="en-US" altLang="ru-RU" dirty="0">
-                <a:latin typeface="Arial" panose="020B0604020202020204" pitchFamily="34" charset="0"/>
-                <a:cs typeface="Arial" panose="020B0604020202020204" pitchFamily="34" charset="0"/>
-              </a:rPr>
-              <a:t> == null</a:t>
-            </a:r>
-            <a:br>
-              <a:rPr lang="en-US" altLang="ru-RU" b="1" dirty="0">
-                <a:latin typeface="Arial" panose="020B0604020202020204" pitchFamily="34" charset="0"/>
-                <a:cs typeface="Arial" panose="020B0604020202020204" pitchFamily="34" charset="0"/>
-              </a:rPr>
-            </a:br>
-            <a:r>
-              <a:rPr lang="en-US" altLang="ru-RU" b="1" dirty="0">
-                <a:latin typeface="Arial" panose="020B0604020202020204" pitchFamily="34" charset="0"/>
-                <a:cs typeface="Arial" panose="020B0604020202020204" pitchFamily="34" charset="0"/>
-              </a:rPr>
-              <a:t>        </a:t>
-            </a:r>
-            <a:r>
-              <a:rPr lang="en-US" altLang="ru-RU" dirty="0">
-                <a:latin typeface="Arial" panose="020B0604020202020204" pitchFamily="34" charset="0"/>
-                <a:cs typeface="Arial" panose="020B0604020202020204" pitchFamily="34" charset="0"/>
-              </a:rPr>
-              <a:t>min = max</a:t>
-            </a:r>
-            <a:br>
-              <a:rPr lang="en-US" altLang="ru-RU" dirty="0">
-                <a:latin typeface="Arial" panose="020B0604020202020204" pitchFamily="34" charset="0"/>
-                <a:cs typeface="Arial" panose="020B0604020202020204" pitchFamily="34" charset="0"/>
-              </a:rPr>
-            </a:br>
-            <a:r>
-              <a:rPr lang="en-US" altLang="ru-RU" dirty="0">
-                <a:latin typeface="Arial" panose="020B0604020202020204" pitchFamily="34" charset="0"/>
-                <a:cs typeface="Arial" panose="020B0604020202020204" pitchFamily="34" charset="0"/>
-              </a:rPr>
-              <a:t>        </a:t>
-            </a:r>
-            <a:r>
-              <a:rPr lang="en-US" altLang="ru-RU" b="1" dirty="0">
-                <a:latin typeface="Arial" panose="020B0604020202020204" pitchFamily="34" charset="0"/>
-                <a:cs typeface="Arial" panose="020B0604020202020204" pitchFamily="34" charset="0"/>
-              </a:rPr>
-              <a:t>return</a:t>
-            </a:r>
-            <a:br>
-              <a:rPr lang="en-US" altLang="ru-RU" b="1" dirty="0">
-                <a:latin typeface="Arial" panose="020B0604020202020204" pitchFamily="34" charset="0"/>
-                <a:cs typeface="Arial" panose="020B0604020202020204" pitchFamily="34" charset="0"/>
-              </a:rPr>
-            </a:br>
-            <a:r>
-              <a:rPr lang="en-US" altLang="ru-RU" b="1" dirty="0">
-                <a:latin typeface="Arial" panose="020B0604020202020204" pitchFamily="34" charset="0"/>
-                <a:cs typeface="Arial" panose="020B0604020202020204" pitchFamily="34" charset="0"/>
-              </a:rPr>
-              <a:t>    </a:t>
-            </a:r>
-            <a:r>
-              <a:rPr lang="en-US" altLang="ru-RU" dirty="0">
-                <a:latin typeface="Arial" panose="020B0604020202020204" pitchFamily="34" charset="0"/>
-                <a:cs typeface="Arial" panose="020B0604020202020204" pitchFamily="34" charset="0"/>
-              </a:rPr>
-              <a:t>X = </a:t>
-            </a:r>
-            <a:r>
-              <a:rPr lang="en-US" altLang="ru-RU" dirty="0" err="1">
-                <a:latin typeface="Arial" panose="020B0604020202020204" pitchFamily="34" charset="0"/>
-                <a:cs typeface="Arial" panose="020B0604020202020204" pitchFamily="34" charset="0"/>
-              </a:rPr>
-              <a:t>GenerateIndex</a:t>
-            </a:r>
-            <a:r>
-              <a:rPr lang="en-US" altLang="ru-RU" dirty="0">
-                <a:latin typeface="Arial" panose="020B0604020202020204" pitchFamily="34" charset="0"/>
-                <a:cs typeface="Arial" panose="020B0604020202020204" pitchFamily="34" charset="0"/>
-              </a:rPr>
-              <a:t>(</a:t>
-            </a:r>
-            <a:r>
-              <a:rPr lang="en-US" altLang="ru-RU" dirty="0" err="1">
-                <a:latin typeface="Arial" panose="020B0604020202020204" pitchFamily="34" charset="0"/>
-                <a:cs typeface="Arial" panose="020B0604020202020204" pitchFamily="34" charset="0"/>
-              </a:rPr>
-              <a:t>summary.min</a:t>
-            </a:r>
-            <a:r>
-              <a:rPr lang="en-US" altLang="ru-RU" dirty="0">
-                <a:latin typeface="Arial" panose="020B0604020202020204" pitchFamily="34" charset="0"/>
-                <a:cs typeface="Arial" panose="020B0604020202020204" pitchFamily="34" charset="0"/>
-              </a:rPr>
-              <a:t>, cluster[</a:t>
-            </a:r>
-            <a:r>
-              <a:rPr lang="en-US" altLang="ru-RU" dirty="0" err="1">
-                <a:latin typeface="Arial" panose="020B0604020202020204" pitchFamily="34" charset="0"/>
-                <a:cs typeface="Arial" panose="020B0604020202020204" pitchFamily="34" charset="0"/>
-              </a:rPr>
-              <a:t>summary.min</a:t>
-            </a:r>
-            <a:r>
-              <a:rPr lang="en-US" altLang="ru-RU" dirty="0">
-                <a:latin typeface="Arial" panose="020B0604020202020204" pitchFamily="34" charset="0"/>
-                <a:cs typeface="Arial" panose="020B0604020202020204" pitchFamily="34" charset="0"/>
-              </a:rPr>
-              <a:t>].min)</a:t>
-            </a:r>
-            <a:br>
-              <a:rPr lang="en-US" altLang="ru-RU" dirty="0">
-                <a:latin typeface="Arial" panose="020B0604020202020204" pitchFamily="34" charset="0"/>
-                <a:cs typeface="Arial" panose="020B0604020202020204" pitchFamily="34" charset="0"/>
-              </a:rPr>
-            </a:br>
-            <a:r>
-              <a:rPr lang="en-US" altLang="ru-RU" dirty="0">
-                <a:latin typeface="Arial" panose="020B0604020202020204" pitchFamily="34" charset="0"/>
-                <a:cs typeface="Arial" panose="020B0604020202020204" pitchFamily="34" charset="0"/>
-              </a:rPr>
-              <a:t>    min = X</a:t>
-            </a:r>
-            <a:br>
-              <a:rPr lang="en-US" altLang="ru-RU" dirty="0">
-                <a:latin typeface="Arial" panose="020B0604020202020204" pitchFamily="34" charset="0"/>
-                <a:cs typeface="Arial" panose="020B0604020202020204" pitchFamily="34" charset="0"/>
-              </a:rPr>
-            </a:br>
-            <a:r>
-              <a:rPr lang="en-US" altLang="ru-RU" b="1" dirty="0">
-                <a:latin typeface="Arial" panose="020B0604020202020204" pitchFamily="34" charset="0"/>
-                <a:cs typeface="Arial" panose="020B0604020202020204" pitchFamily="34" charset="0"/>
-              </a:rPr>
-              <a:t>if </a:t>
-            </a:r>
-            <a:r>
-              <a:rPr lang="en-US" altLang="ru-RU" dirty="0" err="1">
-                <a:latin typeface="Arial" panose="020B0604020202020204" pitchFamily="34" charset="0"/>
-                <a:cs typeface="Arial" panose="020B0604020202020204" pitchFamily="34" charset="0"/>
-              </a:rPr>
-              <a:t>summary.min</a:t>
-            </a:r>
-            <a:r>
-              <a:rPr lang="en-US" altLang="ru-RU" dirty="0">
-                <a:latin typeface="Arial" panose="020B0604020202020204" pitchFamily="34" charset="0"/>
-                <a:cs typeface="Arial" panose="020B0604020202020204" pitchFamily="34" charset="0"/>
-              </a:rPr>
-              <a:t> == null</a:t>
-            </a:r>
-            <a:br>
-              <a:rPr lang="en-US" altLang="ru-RU" b="1" dirty="0">
-                <a:latin typeface="Arial" panose="020B0604020202020204" pitchFamily="34" charset="0"/>
-                <a:cs typeface="Arial" panose="020B0604020202020204" pitchFamily="34" charset="0"/>
-              </a:rPr>
-            </a:br>
-            <a:r>
-              <a:rPr lang="en-US" altLang="ru-RU" b="1" dirty="0">
-                <a:latin typeface="Arial" panose="020B0604020202020204" pitchFamily="34" charset="0"/>
-                <a:cs typeface="Arial" panose="020B0604020202020204" pitchFamily="34" charset="0"/>
-              </a:rPr>
-              <a:t>    return</a:t>
-            </a:r>
-            <a:br>
-              <a:rPr lang="en-US" altLang="ru-RU" b="1" dirty="0">
-                <a:latin typeface="Arial" panose="020B0604020202020204" pitchFamily="34" charset="0"/>
-                <a:cs typeface="Arial" panose="020B0604020202020204" pitchFamily="34" charset="0"/>
-              </a:rPr>
-            </a:br>
-            <a:r>
-              <a:rPr lang="en-US" altLang="ru-RU" dirty="0">
-                <a:latin typeface="Arial" panose="020B0604020202020204" pitchFamily="34" charset="0"/>
-                <a:cs typeface="Arial" panose="020B0604020202020204" pitchFamily="34" charset="0"/>
-              </a:rPr>
-              <a:t>cluster[High(X)].Remove(Low(x))</a:t>
-            </a:r>
-            <a:br>
-              <a:rPr lang="en-US" altLang="ru-RU" b="1" dirty="0">
-                <a:latin typeface="Arial" panose="020B0604020202020204" pitchFamily="34" charset="0"/>
-                <a:cs typeface="Arial" panose="020B0604020202020204" pitchFamily="34" charset="0"/>
-              </a:rPr>
-            </a:br>
-            <a:r>
-              <a:rPr lang="en-US" altLang="ru-RU" b="1" dirty="0">
-                <a:latin typeface="Arial" panose="020B0604020202020204" pitchFamily="34" charset="0"/>
-                <a:cs typeface="Arial" panose="020B0604020202020204" pitchFamily="34" charset="0"/>
-              </a:rPr>
-              <a:t>if </a:t>
-            </a:r>
-            <a:r>
-              <a:rPr lang="en-US" altLang="ru-RU" dirty="0">
-                <a:latin typeface="Arial" panose="020B0604020202020204" pitchFamily="34" charset="0"/>
-                <a:cs typeface="Arial" panose="020B0604020202020204" pitchFamily="34" charset="0"/>
-              </a:rPr>
-              <a:t>cluster[High(X)]. min == null</a:t>
-            </a:r>
-            <a:br>
-              <a:rPr lang="en-US" altLang="ru-RU" b="1" dirty="0">
-                <a:latin typeface="Arial" panose="020B0604020202020204" pitchFamily="34" charset="0"/>
-                <a:cs typeface="Arial" panose="020B0604020202020204" pitchFamily="34" charset="0"/>
-              </a:rPr>
-            </a:br>
-            <a:r>
-              <a:rPr lang="en-US" altLang="ru-RU" b="1" dirty="0">
-                <a:latin typeface="Arial" panose="020B0604020202020204" pitchFamily="34" charset="0"/>
-                <a:cs typeface="Arial" panose="020B0604020202020204" pitchFamily="34" charset="0"/>
-              </a:rPr>
-              <a:t> </a:t>
-            </a:r>
-            <a:r>
-              <a:rPr lang="en-US" altLang="ru-RU" dirty="0" err="1">
-                <a:latin typeface="Arial" panose="020B0604020202020204" pitchFamily="34" charset="0"/>
-                <a:cs typeface="Arial" panose="020B0604020202020204" pitchFamily="34" charset="0"/>
-              </a:rPr>
-              <a:t>summary.Remove</a:t>
-            </a:r>
-            <a:r>
-              <a:rPr lang="en-US" altLang="ru-RU" dirty="0">
-                <a:latin typeface="Arial" panose="020B0604020202020204" pitchFamily="34" charset="0"/>
-                <a:cs typeface="Arial" panose="020B0604020202020204" pitchFamily="34" charset="0"/>
-              </a:rPr>
-              <a:t>(High(x))</a:t>
-            </a:r>
-            <a:br>
-              <a:rPr lang="en-US" altLang="ru-RU" dirty="0">
-                <a:latin typeface="Arial" panose="020B0604020202020204" pitchFamily="34" charset="0"/>
-                <a:cs typeface="Arial" panose="020B0604020202020204" pitchFamily="34" charset="0"/>
-              </a:rPr>
-            </a:br>
-            <a:r>
-              <a:rPr lang="en-US" altLang="ru-RU" b="1" dirty="0">
-                <a:latin typeface="Arial" panose="020B0604020202020204" pitchFamily="34" charset="0"/>
-                <a:cs typeface="Arial" panose="020B0604020202020204" pitchFamily="34" charset="0"/>
-              </a:rPr>
-              <a:t>if </a:t>
-            </a:r>
-            <a:r>
-              <a:rPr lang="en-US" altLang="ru-RU" dirty="0">
-                <a:latin typeface="Arial" panose="020B0604020202020204" pitchFamily="34" charset="0"/>
-                <a:cs typeface="Arial" panose="020B0604020202020204" pitchFamily="34" charset="0"/>
-              </a:rPr>
-              <a:t>max == X </a:t>
-            </a:r>
-            <a:r>
-              <a:rPr lang="en-US" altLang="ru-RU" b="1" dirty="0">
-                <a:latin typeface="Arial" panose="020B0604020202020204" pitchFamily="34" charset="0"/>
-                <a:cs typeface="Arial" panose="020B0604020202020204" pitchFamily="34" charset="0"/>
-              </a:rPr>
-              <a:t>then</a:t>
-            </a:r>
-          </a:p>
-          <a:p>
-            <a:pPr marL="0" lvl="0" indent="0" eaLnBrk="0" fontAlgn="base" hangingPunct="0">
-              <a:lnSpc>
-                <a:spcPct val="100000"/>
-              </a:lnSpc>
-              <a:spcBef>
-                <a:spcPct val="0"/>
-              </a:spcBef>
-              <a:spcAft>
-                <a:spcPct val="0"/>
-              </a:spcAft>
-              <a:buNone/>
-            </a:pPr>
-            <a:r>
-              <a:rPr lang="en-US" altLang="ru-RU" b="1" dirty="0">
-                <a:latin typeface="Arial" panose="020B0604020202020204" pitchFamily="34" charset="0"/>
-                <a:cs typeface="Arial" panose="020B0604020202020204" pitchFamily="34" charset="0"/>
-              </a:rPr>
-              <a:t>    if </a:t>
-            </a:r>
-            <a:r>
-              <a:rPr lang="en-US" altLang="ru-RU" dirty="0" err="1">
-                <a:latin typeface="Arial" panose="020B0604020202020204" pitchFamily="34" charset="0"/>
-                <a:cs typeface="Arial" panose="020B0604020202020204" pitchFamily="34" charset="0"/>
-              </a:rPr>
-              <a:t>summary.min</a:t>
-            </a:r>
-            <a:r>
-              <a:rPr lang="en-US" altLang="ru-RU" dirty="0">
-                <a:latin typeface="Arial" panose="020B0604020202020204" pitchFamily="34" charset="0"/>
-                <a:cs typeface="Arial" panose="020B0604020202020204" pitchFamily="34" charset="0"/>
-              </a:rPr>
-              <a:t> == null</a:t>
-            </a:r>
-            <a:br>
-              <a:rPr lang="en-US" altLang="ru-RU" b="1" dirty="0">
-                <a:latin typeface="Arial" panose="020B0604020202020204" pitchFamily="34" charset="0"/>
-                <a:cs typeface="Arial" panose="020B0604020202020204" pitchFamily="34" charset="0"/>
-              </a:rPr>
-            </a:br>
-            <a:r>
-              <a:rPr lang="en-US" altLang="ru-RU" b="1" dirty="0">
-                <a:latin typeface="Arial" panose="020B0604020202020204" pitchFamily="34" charset="0"/>
-                <a:cs typeface="Arial" panose="020B0604020202020204" pitchFamily="34" charset="0"/>
-              </a:rPr>
-              <a:t>        </a:t>
-            </a:r>
-            <a:r>
-              <a:rPr lang="en-US" altLang="ru-RU" dirty="0">
-                <a:latin typeface="Arial" panose="020B0604020202020204" pitchFamily="34" charset="0"/>
-                <a:cs typeface="Arial" panose="020B0604020202020204" pitchFamily="34" charset="0"/>
-              </a:rPr>
-              <a:t>max = min</a:t>
-            </a:r>
-            <a:br>
-              <a:rPr lang="en-US" altLang="ru-RU" dirty="0">
-                <a:latin typeface="Arial" panose="020B0604020202020204" pitchFamily="34" charset="0"/>
-                <a:cs typeface="Arial" panose="020B0604020202020204" pitchFamily="34" charset="0"/>
-              </a:rPr>
-            </a:br>
-            <a:r>
-              <a:rPr lang="en-US" altLang="ru-RU" dirty="0">
-                <a:latin typeface="Arial" panose="020B0604020202020204" pitchFamily="34" charset="0"/>
-                <a:cs typeface="Arial" panose="020B0604020202020204" pitchFamily="34" charset="0"/>
-              </a:rPr>
-              <a:t>        </a:t>
-            </a:r>
-            <a:r>
-              <a:rPr lang="en-US" altLang="ru-RU" b="1" dirty="0">
-                <a:latin typeface="Arial" panose="020B0604020202020204" pitchFamily="34" charset="0"/>
-                <a:cs typeface="Arial" panose="020B0604020202020204" pitchFamily="34" charset="0"/>
-              </a:rPr>
-              <a:t>return</a:t>
-            </a:r>
-            <a:br>
-              <a:rPr lang="en-US" altLang="ru-RU" b="1" dirty="0">
-                <a:latin typeface="Arial" panose="020B0604020202020204" pitchFamily="34" charset="0"/>
-                <a:cs typeface="Arial" panose="020B0604020202020204" pitchFamily="34" charset="0"/>
-              </a:rPr>
-            </a:br>
-            <a:r>
-              <a:rPr lang="en-US" altLang="ru-RU" b="1" dirty="0">
-                <a:latin typeface="Arial" panose="020B0604020202020204" pitchFamily="34" charset="0"/>
-                <a:cs typeface="Arial" panose="020B0604020202020204" pitchFamily="34" charset="0"/>
-              </a:rPr>
-              <a:t>    </a:t>
-            </a:r>
-            <a:r>
-              <a:rPr lang="en-US" altLang="ru-RU" dirty="0">
-                <a:latin typeface="Arial" panose="020B0604020202020204" pitchFamily="34" charset="0"/>
-                <a:cs typeface="Arial" panose="020B0604020202020204" pitchFamily="34" charset="0"/>
-              </a:rPr>
-              <a:t>max = </a:t>
-            </a:r>
-            <a:r>
-              <a:rPr lang="en-US" altLang="ru-RU" dirty="0" err="1">
-                <a:latin typeface="Arial" panose="020B0604020202020204" pitchFamily="34" charset="0"/>
-                <a:cs typeface="Arial" panose="020B0604020202020204" pitchFamily="34" charset="0"/>
-              </a:rPr>
-              <a:t>GenerateIndex</a:t>
-            </a:r>
-            <a:r>
-              <a:rPr lang="en-US" altLang="ru-RU" dirty="0">
-                <a:latin typeface="Arial" panose="020B0604020202020204" pitchFamily="34" charset="0"/>
-                <a:cs typeface="Arial" panose="020B0604020202020204" pitchFamily="34" charset="0"/>
-              </a:rPr>
-              <a:t>(</a:t>
-            </a:r>
-            <a:r>
-              <a:rPr lang="en-US" altLang="ru-RU" dirty="0" err="1">
-                <a:latin typeface="Arial" panose="020B0604020202020204" pitchFamily="34" charset="0"/>
-                <a:cs typeface="Arial" panose="020B0604020202020204" pitchFamily="34" charset="0"/>
-              </a:rPr>
-              <a:t>summary.max</a:t>
-            </a:r>
-            <a:r>
-              <a:rPr lang="en-US" altLang="ru-RU" dirty="0">
-                <a:latin typeface="Arial" panose="020B0604020202020204" pitchFamily="34" charset="0"/>
-                <a:cs typeface="Arial" panose="020B0604020202020204" pitchFamily="34" charset="0"/>
-              </a:rPr>
-              <a:t>, cluster[</a:t>
-            </a:r>
-            <a:r>
-              <a:rPr lang="en-US" altLang="ru-RU" dirty="0" err="1">
-                <a:latin typeface="Arial" panose="020B0604020202020204" pitchFamily="34" charset="0"/>
-                <a:cs typeface="Arial" panose="020B0604020202020204" pitchFamily="34" charset="0"/>
-              </a:rPr>
-              <a:t>summary.max</a:t>
-            </a:r>
-            <a:r>
-              <a:rPr lang="en-US" altLang="ru-RU" dirty="0">
-                <a:latin typeface="Arial" panose="020B0604020202020204" pitchFamily="34" charset="0"/>
-                <a:cs typeface="Arial" panose="020B0604020202020204" pitchFamily="34" charset="0"/>
-              </a:rPr>
-              <a:t>].max)</a:t>
-            </a:r>
-          </a:p>
-          <a:p>
-            <a:pPr marL="0" indent="0">
-              <a:buNone/>
-            </a:pPr>
-            <a:endParaRPr lang="ru-RU" dirty="0"/>
-          </a:p>
-        </p:txBody>
-      </p:sp>
-      <p:sp>
-        <p:nvSpPr>
-          <p:cNvPr id="4" name="Дата 3">
-            <a:extLst>
-              <a:ext uri="{FF2B5EF4-FFF2-40B4-BE49-F238E27FC236}">
-                <a16:creationId xmlns:a16="http://schemas.microsoft.com/office/drawing/2014/main" id="{DAEB77EF-BADA-4F40-BC5B-07FBEFEC79B1}"/>
-              </a:ext>
-            </a:extLst>
-          </p:cNvPr>
-          <p:cNvSpPr>
-            <a:spLocks noGrp="1"/>
-          </p:cNvSpPr>
-          <p:nvPr>
-            <p:ph type="dt" sz="half" idx="10"/>
-          </p:nvPr>
-        </p:nvSpPr>
-        <p:spPr/>
-        <p:txBody>
-          <a:bodyPr/>
-          <a:lstStyle/>
-          <a:p>
-            <a:r>
-              <a:rPr lang="ru-RU"/>
-              <a:t>2023</a:t>
-            </a:r>
-          </a:p>
-        </p:txBody>
-      </p:sp>
-      <p:sp>
-        <p:nvSpPr>
-          <p:cNvPr id="5" name="Нижний колонтитул 4">
-            <a:extLst>
-              <a:ext uri="{FF2B5EF4-FFF2-40B4-BE49-F238E27FC236}">
-                <a16:creationId xmlns:a16="http://schemas.microsoft.com/office/drawing/2014/main" id="{0968CC94-DE6C-4B47-A3E5-57861D1EDE1D}"/>
-              </a:ext>
-            </a:extLst>
-          </p:cNvPr>
-          <p:cNvSpPr>
-            <a:spLocks noGrp="1"/>
-          </p:cNvSpPr>
-          <p:nvPr>
-            <p:ph type="ftr" sz="quarter" idx="11"/>
-          </p:nvPr>
-        </p:nvSpPr>
-        <p:spPr/>
-        <p:txBody>
-          <a:bodyPr/>
-          <a:lstStyle/>
-          <a:p>
-            <a:r>
-              <a:rPr lang="ru-RU"/>
-              <a:t>Борик Р. Д</a:t>
-            </a:r>
+          <p:cNvPr id="7" name="Номер слайда 6">
+            <a:extLst>
+              <a:ext uri="{FF2B5EF4-FFF2-40B4-BE49-F238E27FC236}">
+                <a16:creationId xmlns:a16="http://schemas.microsoft.com/office/drawing/2014/main" id="{A4DA99A3-0BC6-45BF-A96A-0DA28F58CA54}"/>
+              </a:ext>
+            </a:extLst>
+          </p:cNvPr>
+          <p:cNvSpPr>
+            <a:spLocks noGrp="1"/>
+          </p:cNvSpPr>
+          <p:nvPr>
+            <p:ph type="sldNum" sz="quarter" idx="12"/>
+          </p:nvPr>
+        </p:nvSpPr>
+        <p:spPr/>
+        <p:txBody>
+          <a:bodyPr/>
+          <a:lstStyle/>
+          <a:p>
+            <a:fld id="{F5F7BD9D-D9F0-4178-8503-A05219E63A73}" type="slidenum">
+              <a:rPr lang="ru-RU" sz="4400" smtClean="0"/>
+              <a:t>11</a:t>
+            </a:fld>
+            <a:endParaRPr lang="ru-RU" sz="4400" dirty="0"/>
           </a:p>
         </p:txBody>
       </p:sp>
     </p:spTree>
     <p:extLst>
       <p:ext uri="{BB962C8B-B14F-4D97-AF65-F5344CB8AC3E}">
-        <p14:creationId xmlns:p14="http://schemas.microsoft.com/office/powerpoint/2010/main" val="2469588927"/>
+        <p14:creationId xmlns:p14="http://schemas.microsoft.com/office/powerpoint/2010/main" val="920721266"/>
       </p:ext>
     </p:extLst>
   </p:cSld>
@@ -5263,12 +4596,255 @@
           <a:chExt cx="0" cy="0"/>
         </a:xfrm>
       </p:grpSpPr>
+      <p:sp>
+        <p:nvSpPr>
+          <p:cNvPr id="2" name="Заголовок 1">
+            <a:extLst>
+              <a:ext uri="{FF2B5EF4-FFF2-40B4-BE49-F238E27FC236}">
+                <a16:creationId xmlns:a16="http://schemas.microsoft.com/office/drawing/2014/main" id="{B05F751F-40AA-4812-A0F8-C26BAD1CE54D}"/>
+              </a:ext>
+            </a:extLst>
+          </p:cNvPr>
+          <p:cNvSpPr>
+            <a:spLocks noGrp="1"/>
+          </p:cNvSpPr>
+          <p:nvPr>
+            <p:ph type="title"/>
+          </p:nvPr>
+        </p:nvSpPr>
+        <p:spPr>
+          <a:xfrm>
+            <a:off x="838200" y="365125"/>
+            <a:ext cx="10588691" cy="1325563"/>
+          </a:xfrm>
+        </p:spPr>
+        <p:txBody>
+          <a:bodyPr/>
+          <a:lstStyle/>
+          <a:p>
+            <a:r>
+              <a:rPr lang="en-US" dirty="0">
+                <a:latin typeface="Arial Black" panose="020B0A04020102020204" pitchFamily="34" charset="0"/>
+              </a:rPr>
+              <a:t>Insert</a:t>
+            </a:r>
+            <a:endParaRPr lang="ru-RU" dirty="0">
+              <a:latin typeface="Arial Black" panose="020B0A04020102020204" pitchFamily="34" charset="0"/>
+            </a:endParaRPr>
+          </a:p>
+        </p:txBody>
+      </p:sp>
+      <p:sp>
+        <p:nvSpPr>
+          <p:cNvPr id="3" name="Объект 2">
+            <a:extLst>
+              <a:ext uri="{FF2B5EF4-FFF2-40B4-BE49-F238E27FC236}">
+                <a16:creationId xmlns:a16="http://schemas.microsoft.com/office/drawing/2014/main" id="{02E7EC0C-6B15-49F9-9F93-DB24A3CE0A58}"/>
+              </a:ext>
+            </a:extLst>
+          </p:cNvPr>
+          <p:cNvSpPr>
+            <a:spLocks noGrp="1"/>
+          </p:cNvSpPr>
+          <p:nvPr>
+            <p:ph sz="half" idx="1"/>
+          </p:nvPr>
+        </p:nvSpPr>
+        <p:spPr>
+          <a:xfrm>
+            <a:off x="838200" y="2290763"/>
+            <a:ext cx="5181600" cy="3886200"/>
+          </a:xfrm>
+        </p:spPr>
+        <p:txBody>
+          <a:bodyPr>
+            <a:normAutofit/>
+          </a:bodyPr>
+          <a:lstStyle/>
+          <a:p>
+            <a:pPr marL="0" indent="0">
+              <a:buNone/>
+            </a:pPr>
+            <a:r>
+              <a:rPr lang="en-US" b="1" dirty="0">
+                <a:solidFill>
+                  <a:srgbClr val="006CB5"/>
+                </a:solidFill>
+                <a:latin typeface="Arial" panose="020B0604020202020204" pitchFamily="34" charset="0"/>
+                <a:cs typeface="Arial" panose="020B0604020202020204" pitchFamily="34" charset="0"/>
+              </a:rPr>
+              <a:t>VEB</a:t>
+            </a:r>
+            <a:r>
+              <a:rPr lang="ru-RU" b="1" dirty="0">
+                <a:latin typeface="Arial" panose="020B0604020202020204" pitchFamily="34" charset="0"/>
+                <a:cs typeface="Arial" panose="020B0604020202020204" pitchFamily="34" charset="0"/>
+              </a:rPr>
+              <a:t> дерево </a:t>
+            </a:r>
+            <a:r>
+              <a:rPr lang="ru-RU" dirty="0">
+                <a:latin typeface="Arial" panose="020B0604020202020204" pitchFamily="34" charset="0"/>
+                <a:cs typeface="Arial" panose="020B0604020202020204" pitchFamily="34" charset="0"/>
+              </a:rPr>
+              <a:t>обгоняет</a:t>
+            </a:r>
+            <a:r>
+              <a:rPr lang="ru-RU" b="1" dirty="0">
+                <a:latin typeface="Arial" panose="020B0604020202020204" pitchFamily="34" charset="0"/>
+                <a:cs typeface="Arial" panose="020B0604020202020204" pitchFamily="34" charset="0"/>
+              </a:rPr>
+              <a:t> </a:t>
+            </a:r>
+            <a:r>
+              <a:rPr lang="ru-RU" altLang="ru-RU" b="1" dirty="0">
+                <a:latin typeface="Arial" panose="020B0604020202020204" pitchFamily="34" charset="0"/>
+                <a:cs typeface="Arial" panose="020B0604020202020204" pitchFamily="34" charset="0"/>
+              </a:rPr>
+              <a:t> </a:t>
+            </a:r>
+            <a:r>
+              <a:rPr lang="ru-RU" altLang="ru-RU" b="1" dirty="0" err="1">
+                <a:latin typeface="Arial" panose="020B0604020202020204" pitchFamily="34" charset="0"/>
+                <a:cs typeface="Arial" panose="020B0604020202020204" pitchFamily="34" charset="0"/>
+              </a:rPr>
+              <a:t>std</a:t>
+            </a:r>
+            <a:r>
+              <a:rPr lang="ru-RU" altLang="ru-RU" b="1" dirty="0">
+                <a:latin typeface="Arial" panose="020B0604020202020204" pitchFamily="34" charset="0"/>
+                <a:cs typeface="Arial" panose="020B0604020202020204" pitchFamily="34" charset="0"/>
+              </a:rPr>
+              <a:t>::</a:t>
+            </a:r>
+            <a:r>
+              <a:rPr lang="ru-RU" altLang="ru-RU" b="1" dirty="0" err="1">
+                <a:latin typeface="Arial" panose="020B0604020202020204" pitchFamily="34" charset="0"/>
+                <a:cs typeface="Arial" panose="020B0604020202020204" pitchFamily="34" charset="0"/>
+              </a:rPr>
+              <a:t>set</a:t>
+            </a:r>
+            <a:r>
+              <a:rPr lang="ru-RU" altLang="ru-RU" dirty="0">
+                <a:latin typeface="Arial" panose="020B0604020202020204" pitchFamily="34" charset="0"/>
+                <a:cs typeface="Arial" panose="020B0604020202020204" pitchFamily="34" charset="0"/>
+              </a:rPr>
+              <a:t>, но</a:t>
+            </a:r>
+            <a:r>
+              <a:rPr lang="en-US" dirty="0">
+                <a:latin typeface="Arial" panose="020B0604020202020204" pitchFamily="34" charset="0"/>
+                <a:cs typeface="Arial" panose="020B0604020202020204" pitchFamily="34" charset="0"/>
+              </a:rPr>
+              <a:t> </a:t>
+            </a:r>
+            <a:r>
+              <a:rPr lang="ru-RU" dirty="0">
+                <a:latin typeface="Arial" panose="020B0604020202020204" pitchFamily="34" charset="0"/>
+                <a:cs typeface="Arial" panose="020B0604020202020204" pitchFamily="34" charset="0"/>
+              </a:rPr>
+              <a:t>проигрывает в скорости </a:t>
+            </a:r>
+            <a:r>
+              <a:rPr lang="ru-RU" altLang="ru-RU" b="1" dirty="0" err="1">
+                <a:latin typeface="Arial" panose="020B0604020202020204" pitchFamily="34" charset="0"/>
+                <a:cs typeface="Arial" panose="020B0604020202020204" pitchFamily="34" charset="0"/>
+              </a:rPr>
+              <a:t>std</a:t>
+            </a:r>
+            <a:r>
+              <a:rPr lang="ru-RU" altLang="ru-RU" b="1" dirty="0">
+                <a:latin typeface="Arial" panose="020B0604020202020204" pitchFamily="34" charset="0"/>
+                <a:cs typeface="Arial" panose="020B0604020202020204" pitchFamily="34" charset="0"/>
+              </a:rPr>
+              <a:t>::</a:t>
+            </a:r>
+            <a:r>
+              <a:rPr lang="ru-RU" altLang="ru-RU" b="1" dirty="0" err="1">
+                <a:latin typeface="Arial" panose="020B0604020202020204" pitchFamily="34" charset="0"/>
+                <a:cs typeface="Arial" panose="020B0604020202020204" pitchFamily="34" charset="0"/>
+              </a:rPr>
+              <a:t>unordered_set</a:t>
+            </a:r>
+            <a:r>
+              <a:rPr lang="en-US" dirty="0">
+                <a:latin typeface="Arial" panose="020B0604020202020204" pitchFamily="34" charset="0"/>
+                <a:cs typeface="Arial" panose="020B0604020202020204" pitchFamily="34" charset="0"/>
+              </a:rPr>
+              <a:t> </a:t>
+            </a:r>
+            <a:r>
+              <a:rPr lang="ru-RU" dirty="0">
+                <a:latin typeface="Arial" panose="020B0604020202020204" pitchFamily="34" charset="0"/>
+                <a:cs typeface="Arial" panose="020B0604020202020204" pitchFamily="34" charset="0"/>
+              </a:rPr>
+              <a:t>при больших значениях.</a:t>
+            </a:r>
+          </a:p>
+        </p:txBody>
+      </p:sp>
+      <p:sp>
+        <p:nvSpPr>
+          <p:cNvPr id="5" name="Дата 4">
+            <a:extLst>
+              <a:ext uri="{FF2B5EF4-FFF2-40B4-BE49-F238E27FC236}">
+                <a16:creationId xmlns:a16="http://schemas.microsoft.com/office/drawing/2014/main" id="{9A25CD09-B261-46CD-BDC6-98290B43E2B0}"/>
+              </a:ext>
+            </a:extLst>
+          </p:cNvPr>
+          <p:cNvSpPr>
+            <a:spLocks noGrp="1"/>
+          </p:cNvSpPr>
+          <p:nvPr>
+            <p:ph type="dt" sz="half" idx="10"/>
+          </p:nvPr>
+        </p:nvSpPr>
+        <p:spPr/>
+        <p:txBody>
+          <a:bodyPr/>
+          <a:lstStyle/>
+          <a:p>
+            <a:r>
+              <a:rPr lang="ru-RU"/>
+              <a:t>2023</a:t>
+            </a:r>
+          </a:p>
+        </p:txBody>
+      </p:sp>
+      <p:sp>
+        <p:nvSpPr>
+          <p:cNvPr id="6" name="Нижний колонтитул 5">
+            <a:extLst>
+              <a:ext uri="{FF2B5EF4-FFF2-40B4-BE49-F238E27FC236}">
+                <a16:creationId xmlns:a16="http://schemas.microsoft.com/office/drawing/2014/main" id="{17E3D693-E049-45BF-9486-C3F2622EEFF4}"/>
+              </a:ext>
+            </a:extLst>
+          </p:cNvPr>
+          <p:cNvSpPr>
+            <a:spLocks noGrp="1"/>
+          </p:cNvSpPr>
+          <p:nvPr>
+            <p:ph type="ftr" sz="quarter" idx="11"/>
+          </p:nvPr>
+        </p:nvSpPr>
+        <p:spPr/>
+        <p:txBody>
+          <a:bodyPr/>
+          <a:lstStyle/>
+          <a:p>
+            <a:r>
+              <a:rPr lang="ru-RU"/>
+              <a:t>Борик Р. Д</a:t>
+            </a:r>
+          </a:p>
+        </p:txBody>
+      </p:sp>
       <p:pic>
         <p:nvPicPr>
-          <p:cNvPr id="13" name="Объект 12">
-            <a:extLst>
-              <a:ext uri="{FF2B5EF4-FFF2-40B4-BE49-F238E27FC236}">
-                <a16:creationId xmlns:a16="http://schemas.microsoft.com/office/drawing/2014/main" id="{35C254AD-988B-459B-AADD-A114F9C3811F}"/>
+          <p:cNvPr id="10" name="Объект 9">
+            <a:extLst>
+              <a:ext uri="{FF2B5EF4-FFF2-40B4-BE49-F238E27FC236}">
+                <a16:creationId xmlns:a16="http://schemas.microsoft.com/office/drawing/2014/main" id="{E4ABA10B-F95A-4925-885C-82E4CD03708C}"/>
               </a:ext>
             </a:extLst>
           </p:cNvPr>
@@ -5293,636 +4869,44 @@
         </p:blipFill>
         <p:spPr>
           <a:xfrm>
-            <a:off x="5355771" y="533857"/>
-            <a:ext cx="6680719" cy="5889132"/>
+            <a:off x="6172200" y="2058194"/>
+            <a:ext cx="5181600" cy="3886200"/>
           </a:xfrm>
         </p:spPr>
       </p:pic>
       <p:sp>
         <p:nvSpPr>
-          <p:cNvPr id="2" name="Заголовок 1">
-            <a:extLst>
-              <a:ext uri="{FF2B5EF4-FFF2-40B4-BE49-F238E27FC236}">
-                <a16:creationId xmlns:a16="http://schemas.microsoft.com/office/drawing/2014/main" id="{0135C256-3003-4F17-80D3-FDD39BD72DE4}"/>
-              </a:ext>
-            </a:extLst>
-          </p:cNvPr>
-          <p:cNvSpPr>
-            <a:spLocks noGrp="1"/>
-          </p:cNvSpPr>
-          <p:nvPr>
-            <p:ph type="title"/>
-          </p:nvPr>
-        </p:nvSpPr>
-        <p:spPr/>
-        <p:txBody>
-          <a:bodyPr/>
-          <a:lstStyle/>
-          <a:p>
-            <a:r>
-              <a:rPr lang="en-US" dirty="0">
-                <a:latin typeface="Arial Black" panose="020B0A04020102020204" pitchFamily="34" charset="0"/>
-              </a:rPr>
-              <a:t>Successor (</a:t>
-            </a:r>
-            <a:r>
-              <a:rPr lang="ru-RU" dirty="0">
-                <a:latin typeface="Arial Black" panose="020B0A04020102020204" pitchFamily="34" charset="0"/>
-              </a:rPr>
-              <a:t>преемник</a:t>
-            </a:r>
-            <a:r>
-              <a:rPr lang="en-US" dirty="0">
-                <a:latin typeface="Arial Black" panose="020B0A04020102020204" pitchFamily="34" charset="0"/>
-              </a:rPr>
-              <a:t>)</a:t>
-            </a:r>
-            <a:endParaRPr lang="ru-RU" dirty="0"/>
-          </a:p>
-        </p:txBody>
-      </p:sp>
-      <p:sp>
-        <p:nvSpPr>
-          <p:cNvPr id="10" name="Объект 9">
-            <a:extLst>
-              <a:ext uri="{FF2B5EF4-FFF2-40B4-BE49-F238E27FC236}">
-                <a16:creationId xmlns:a16="http://schemas.microsoft.com/office/drawing/2014/main" id="{836C02EF-1BDF-403B-96E5-7CA5A5D48122}"/>
-              </a:ext>
-            </a:extLst>
-          </p:cNvPr>
-          <p:cNvSpPr>
-            <a:spLocks noGrp="1"/>
-          </p:cNvSpPr>
-          <p:nvPr>
-            <p:ph sz="half" idx="1"/>
-          </p:nvPr>
-        </p:nvSpPr>
-        <p:spPr>
-          <a:xfrm>
-            <a:off x="838200" y="1825625"/>
-            <a:ext cx="5189376" cy="4351338"/>
-          </a:xfrm>
-        </p:spPr>
-        <p:txBody>
-          <a:bodyPr>
-            <a:normAutofit fontScale="62500" lnSpcReduction="20000"/>
-          </a:bodyPr>
-          <a:lstStyle/>
-          <a:p>
-            <a:pPr marL="0" indent="0">
-              <a:buNone/>
-            </a:pPr>
-            <a:r>
-              <a:rPr lang="ru-RU" dirty="0">
-                <a:latin typeface="Arial" panose="020B0604020202020204" pitchFamily="34" charset="0"/>
-                <a:cs typeface="Arial" panose="020B0604020202020204" pitchFamily="34" charset="0"/>
-              </a:rPr>
-              <a:t>На вход подается число Х</a:t>
-            </a:r>
-            <a:endParaRPr lang="en-US" b="1" dirty="0">
-              <a:latin typeface="Arial" panose="020B0604020202020204" pitchFamily="34" charset="0"/>
-              <a:cs typeface="Arial" panose="020B0604020202020204" pitchFamily="34" charset="0"/>
-            </a:endParaRPr>
-          </a:p>
-          <a:p>
-            <a:pPr marL="0" indent="0">
-              <a:buNone/>
-            </a:pPr>
-            <a:br>
-              <a:rPr lang="ru-RU" b="1" dirty="0">
-                <a:latin typeface="Arial" panose="020B0604020202020204" pitchFamily="34" charset="0"/>
-                <a:cs typeface="Arial" panose="020B0604020202020204" pitchFamily="34" charset="0"/>
-              </a:rPr>
-            </a:br>
-            <a:r>
-              <a:rPr lang="en-US" b="1" dirty="0">
-                <a:latin typeface="Arial" panose="020B0604020202020204" pitchFamily="34" charset="0"/>
-                <a:cs typeface="Arial" panose="020B0604020202020204" pitchFamily="34" charset="0"/>
-              </a:rPr>
-              <a:t>if </a:t>
-            </a:r>
-            <a:r>
-              <a:rPr lang="en-US" dirty="0" err="1">
-                <a:latin typeface="Arial" panose="020B0604020202020204" pitchFamily="34" charset="0"/>
-                <a:cs typeface="Arial" panose="020B0604020202020204" pitchFamily="34" charset="0"/>
-              </a:rPr>
-              <a:t>universeSize</a:t>
-            </a:r>
-            <a:r>
-              <a:rPr lang="en-US" dirty="0">
-                <a:latin typeface="Arial" panose="020B0604020202020204" pitchFamily="34" charset="0"/>
-                <a:cs typeface="Arial" panose="020B0604020202020204" pitchFamily="34" charset="0"/>
-              </a:rPr>
-              <a:t> = 2</a:t>
-            </a:r>
-            <a:br>
-              <a:rPr lang="en-US" b="1" dirty="0">
-                <a:latin typeface="Arial" panose="020B0604020202020204" pitchFamily="34" charset="0"/>
-                <a:cs typeface="Arial" panose="020B0604020202020204" pitchFamily="34" charset="0"/>
-              </a:rPr>
-            </a:br>
-            <a:r>
-              <a:rPr lang="en-US" b="1" dirty="0">
-                <a:latin typeface="Arial" panose="020B0604020202020204" pitchFamily="34" charset="0"/>
-                <a:cs typeface="Arial" panose="020B0604020202020204" pitchFamily="34" charset="0"/>
-              </a:rPr>
-              <a:t>    if </a:t>
-            </a:r>
-            <a:r>
-              <a:rPr lang="en-US" dirty="0">
-                <a:latin typeface="Arial" panose="020B0604020202020204" pitchFamily="34" charset="0"/>
-                <a:cs typeface="Arial" panose="020B0604020202020204" pitchFamily="34" charset="0"/>
-              </a:rPr>
-              <a:t>X == 0 </a:t>
-            </a:r>
-            <a:r>
-              <a:rPr lang="en-US" b="1" dirty="0">
-                <a:latin typeface="Arial" panose="020B0604020202020204" pitchFamily="34" charset="0"/>
-                <a:cs typeface="Arial" panose="020B0604020202020204" pitchFamily="34" charset="0"/>
-              </a:rPr>
-              <a:t>and </a:t>
-            </a:r>
-            <a:r>
-              <a:rPr lang="en-US" dirty="0">
-                <a:latin typeface="Arial" panose="020B0604020202020204" pitchFamily="34" charset="0"/>
-                <a:cs typeface="Arial" panose="020B0604020202020204" pitchFamily="34" charset="0"/>
-              </a:rPr>
-              <a:t>max == 1</a:t>
-            </a:r>
-            <a:br>
-              <a:rPr lang="en-US" b="1" dirty="0">
-                <a:latin typeface="Arial" panose="020B0604020202020204" pitchFamily="34" charset="0"/>
-                <a:cs typeface="Arial" panose="020B0604020202020204" pitchFamily="34" charset="0"/>
-              </a:rPr>
-            </a:br>
-            <a:r>
-              <a:rPr lang="en-US" b="1" dirty="0">
-                <a:latin typeface="Arial" panose="020B0604020202020204" pitchFamily="34" charset="0"/>
-                <a:cs typeface="Arial" panose="020B0604020202020204" pitchFamily="34" charset="0"/>
-              </a:rPr>
-              <a:t>        return </a:t>
-            </a:r>
-            <a:r>
-              <a:rPr lang="en-US" dirty="0">
-                <a:latin typeface="Arial" panose="020B0604020202020204" pitchFamily="34" charset="0"/>
-                <a:cs typeface="Arial" panose="020B0604020202020204" pitchFamily="34" charset="0"/>
-              </a:rPr>
-              <a:t>1</a:t>
-            </a:r>
-            <a:br>
-              <a:rPr lang="en-US" b="1" dirty="0">
-                <a:latin typeface="Arial" panose="020B0604020202020204" pitchFamily="34" charset="0"/>
-                <a:cs typeface="Arial" panose="020B0604020202020204" pitchFamily="34" charset="0"/>
-              </a:rPr>
-            </a:br>
-            <a:r>
-              <a:rPr lang="en-US" b="1" dirty="0">
-                <a:latin typeface="Arial" panose="020B0604020202020204" pitchFamily="34" charset="0"/>
-                <a:cs typeface="Arial" panose="020B0604020202020204" pitchFamily="34" charset="0"/>
-              </a:rPr>
-              <a:t>    else</a:t>
-            </a:r>
-            <a:br>
-              <a:rPr lang="en-US" b="1" dirty="0">
-                <a:latin typeface="Arial" panose="020B0604020202020204" pitchFamily="34" charset="0"/>
-                <a:cs typeface="Arial" panose="020B0604020202020204" pitchFamily="34" charset="0"/>
-              </a:rPr>
-            </a:br>
-            <a:r>
-              <a:rPr lang="en-US" b="1" dirty="0">
-                <a:latin typeface="Arial" panose="020B0604020202020204" pitchFamily="34" charset="0"/>
-                <a:cs typeface="Arial" panose="020B0604020202020204" pitchFamily="34" charset="0"/>
-              </a:rPr>
-              <a:t>        return </a:t>
-            </a:r>
-            <a:r>
-              <a:rPr lang="en-US" dirty="0">
-                <a:latin typeface="Arial" panose="020B0604020202020204" pitchFamily="34" charset="0"/>
-                <a:cs typeface="Arial" panose="020B0604020202020204" pitchFamily="34" charset="0"/>
-              </a:rPr>
-              <a:t>null</a:t>
-            </a:r>
-            <a:br>
-              <a:rPr lang="en-US" b="1" dirty="0">
-                <a:latin typeface="Arial" panose="020B0604020202020204" pitchFamily="34" charset="0"/>
-                <a:cs typeface="Arial" panose="020B0604020202020204" pitchFamily="34" charset="0"/>
-              </a:rPr>
-            </a:br>
-            <a:r>
-              <a:rPr lang="en-US" b="1" dirty="0">
-                <a:latin typeface="Arial" panose="020B0604020202020204" pitchFamily="34" charset="0"/>
-                <a:cs typeface="Arial" panose="020B0604020202020204" pitchFamily="34" charset="0"/>
-              </a:rPr>
-              <a:t>if </a:t>
-            </a:r>
-            <a:r>
-              <a:rPr lang="en-US" dirty="0">
-                <a:latin typeface="Arial" panose="020B0604020202020204" pitchFamily="34" charset="0"/>
-                <a:cs typeface="Arial" panose="020B0604020202020204" pitchFamily="34" charset="0"/>
-              </a:rPr>
-              <a:t>min != null </a:t>
-            </a:r>
-            <a:r>
-              <a:rPr lang="en-US" b="1" dirty="0">
-                <a:latin typeface="Arial" panose="020B0604020202020204" pitchFamily="34" charset="0"/>
-                <a:cs typeface="Arial" panose="020B0604020202020204" pitchFamily="34" charset="0"/>
-              </a:rPr>
-              <a:t>and </a:t>
-            </a:r>
-            <a:r>
-              <a:rPr lang="en-US" dirty="0">
-                <a:latin typeface="Arial" panose="020B0604020202020204" pitchFamily="34" charset="0"/>
-                <a:cs typeface="Arial" panose="020B0604020202020204" pitchFamily="34" charset="0"/>
-              </a:rPr>
-              <a:t>x &lt; min</a:t>
-            </a:r>
-            <a:br>
-              <a:rPr lang="en-US" b="1" dirty="0">
-                <a:latin typeface="Arial" panose="020B0604020202020204" pitchFamily="34" charset="0"/>
-                <a:cs typeface="Arial" panose="020B0604020202020204" pitchFamily="34" charset="0"/>
-              </a:rPr>
-            </a:br>
-            <a:r>
-              <a:rPr lang="en-US" b="1" dirty="0">
-                <a:latin typeface="Arial" panose="020B0604020202020204" pitchFamily="34" charset="0"/>
-                <a:cs typeface="Arial" panose="020B0604020202020204" pitchFamily="34" charset="0"/>
-              </a:rPr>
-              <a:t>    return </a:t>
-            </a:r>
-            <a:r>
-              <a:rPr lang="en-US" dirty="0">
-                <a:latin typeface="Arial" panose="020B0604020202020204" pitchFamily="34" charset="0"/>
-                <a:cs typeface="Arial" panose="020B0604020202020204" pitchFamily="34" charset="0"/>
-              </a:rPr>
-              <a:t>min</a:t>
-            </a:r>
-            <a:br>
-              <a:rPr lang="en-US" dirty="0">
-                <a:latin typeface="Arial" panose="020B0604020202020204" pitchFamily="34" charset="0"/>
-                <a:cs typeface="Arial" panose="020B0604020202020204" pitchFamily="34" charset="0"/>
-              </a:rPr>
-            </a:br>
-            <a:r>
-              <a:rPr lang="en-US" b="1" dirty="0">
-                <a:latin typeface="Arial" panose="020B0604020202020204" pitchFamily="34" charset="0"/>
-                <a:cs typeface="Arial" panose="020B0604020202020204" pitchFamily="34" charset="0"/>
-              </a:rPr>
-              <a:t>else</a:t>
-            </a:r>
-            <a:br>
-              <a:rPr lang="en-US" b="1" dirty="0">
-                <a:latin typeface="Arial" panose="020B0604020202020204" pitchFamily="34" charset="0"/>
-                <a:cs typeface="Arial" panose="020B0604020202020204" pitchFamily="34" charset="0"/>
-              </a:rPr>
-            </a:br>
-            <a:r>
-              <a:rPr lang="en-US" b="1" dirty="0">
-                <a:latin typeface="Arial" panose="020B0604020202020204" pitchFamily="34" charset="0"/>
-                <a:cs typeface="Arial" panose="020B0604020202020204" pitchFamily="34" charset="0"/>
-              </a:rPr>
-              <a:t>    </a:t>
-            </a:r>
-            <a:r>
-              <a:rPr lang="en-US" dirty="0">
-                <a:latin typeface="Arial" panose="020B0604020202020204" pitchFamily="34" charset="0"/>
-                <a:cs typeface="Arial" panose="020B0604020202020204" pitchFamily="34" charset="0"/>
-              </a:rPr>
-              <a:t>temp = </a:t>
-            </a:r>
-            <a:r>
-              <a:rPr lang="en-US" altLang="ru-RU" dirty="0">
-                <a:latin typeface="Arial" panose="020B0604020202020204" pitchFamily="34" charset="0"/>
-                <a:cs typeface="Arial" panose="020B0604020202020204" pitchFamily="34" charset="0"/>
-              </a:rPr>
-              <a:t>cluster</a:t>
-            </a:r>
-            <a:r>
-              <a:rPr lang="en-US" dirty="0">
-                <a:latin typeface="Arial" panose="020B0604020202020204" pitchFamily="34" charset="0"/>
-                <a:cs typeface="Arial" panose="020B0604020202020204" pitchFamily="34" charset="0"/>
-              </a:rPr>
-              <a:t>[High(X)].max</a:t>
-            </a:r>
-            <a:br>
-              <a:rPr lang="en-US" b="1" dirty="0">
-                <a:latin typeface="Arial" panose="020B0604020202020204" pitchFamily="34" charset="0"/>
-                <a:cs typeface="Arial" panose="020B0604020202020204" pitchFamily="34" charset="0"/>
-              </a:rPr>
-            </a:br>
-            <a:r>
-              <a:rPr lang="en-US" b="1" dirty="0">
-                <a:latin typeface="Arial" panose="020B0604020202020204" pitchFamily="34" charset="0"/>
-                <a:cs typeface="Arial" panose="020B0604020202020204" pitchFamily="34" charset="0"/>
-              </a:rPr>
-              <a:t>    if </a:t>
-            </a:r>
-            <a:r>
-              <a:rPr lang="en-US" dirty="0">
-                <a:latin typeface="Arial" panose="020B0604020202020204" pitchFamily="34" charset="0"/>
-                <a:cs typeface="Arial" panose="020B0604020202020204" pitchFamily="34" charset="0"/>
-              </a:rPr>
-              <a:t>max != null </a:t>
-            </a:r>
-            <a:r>
-              <a:rPr lang="en-US" b="1" dirty="0">
-                <a:latin typeface="Arial" panose="020B0604020202020204" pitchFamily="34" charset="0"/>
-                <a:cs typeface="Arial" panose="020B0604020202020204" pitchFamily="34" charset="0"/>
-              </a:rPr>
-              <a:t>and </a:t>
-            </a:r>
-            <a:r>
-              <a:rPr lang="en-US" dirty="0">
-                <a:latin typeface="Arial" panose="020B0604020202020204" pitchFamily="34" charset="0"/>
-                <a:cs typeface="Arial" panose="020B0604020202020204" pitchFamily="34" charset="0"/>
-              </a:rPr>
-              <a:t>Low(X) &lt; temp</a:t>
-            </a:r>
-            <a:br>
-              <a:rPr lang="en-US" b="1" dirty="0">
-                <a:latin typeface="Arial" panose="020B0604020202020204" pitchFamily="34" charset="0"/>
-                <a:cs typeface="Arial" panose="020B0604020202020204" pitchFamily="34" charset="0"/>
-              </a:rPr>
-            </a:br>
-            <a:r>
-              <a:rPr lang="en-US" b="1" dirty="0">
-                <a:latin typeface="Arial" panose="020B0604020202020204" pitchFamily="34" charset="0"/>
-                <a:cs typeface="Arial" panose="020B0604020202020204" pitchFamily="34" charset="0"/>
-              </a:rPr>
-              <a:t>        </a:t>
-            </a:r>
-            <a:r>
-              <a:rPr lang="en-US" dirty="0">
-                <a:latin typeface="Arial" panose="020B0604020202020204" pitchFamily="34" charset="0"/>
-                <a:cs typeface="Arial" panose="020B0604020202020204" pitchFamily="34" charset="0"/>
-              </a:rPr>
-              <a:t>temp = </a:t>
-            </a:r>
-            <a:r>
-              <a:rPr lang="en-US" altLang="ru-RU" dirty="0">
-                <a:latin typeface="Arial" panose="020B0604020202020204" pitchFamily="34" charset="0"/>
-                <a:cs typeface="Arial" panose="020B0604020202020204" pitchFamily="34" charset="0"/>
-              </a:rPr>
-              <a:t>cluster</a:t>
-            </a:r>
-            <a:r>
-              <a:rPr lang="en-US" dirty="0">
-                <a:latin typeface="Arial" panose="020B0604020202020204" pitchFamily="34" charset="0"/>
-                <a:cs typeface="Arial" panose="020B0604020202020204" pitchFamily="34" charset="0"/>
-              </a:rPr>
-              <a:t>[High(X)].Successor(Low(X))</a:t>
-            </a:r>
-            <a:br>
-              <a:rPr lang="en-US" dirty="0">
-                <a:latin typeface="Arial" panose="020B0604020202020204" pitchFamily="34" charset="0"/>
-                <a:cs typeface="Arial" panose="020B0604020202020204" pitchFamily="34" charset="0"/>
-              </a:rPr>
-            </a:br>
-            <a:r>
-              <a:rPr lang="en-US" dirty="0">
-                <a:latin typeface="Arial" panose="020B0604020202020204" pitchFamily="34" charset="0"/>
-                <a:cs typeface="Arial" panose="020B0604020202020204" pitchFamily="34" charset="0"/>
-              </a:rPr>
-              <a:t>        </a:t>
-            </a:r>
-            <a:r>
-              <a:rPr lang="en-US" dirty="0" err="1">
-                <a:latin typeface="Arial" panose="020B0604020202020204" pitchFamily="34" charset="0"/>
-                <a:cs typeface="Arial" panose="020B0604020202020204" pitchFamily="34" charset="0"/>
-              </a:rPr>
-              <a:t>GenerateIndex</a:t>
-            </a:r>
-            <a:r>
-              <a:rPr lang="en-US" dirty="0">
-                <a:latin typeface="Arial" panose="020B0604020202020204" pitchFamily="34" charset="0"/>
-                <a:cs typeface="Arial" panose="020B0604020202020204" pitchFamily="34" charset="0"/>
-              </a:rPr>
-              <a:t>(High(X), temp)</a:t>
-            </a:r>
-            <a:br>
-              <a:rPr lang="en-US" dirty="0">
-                <a:latin typeface="Arial" panose="020B0604020202020204" pitchFamily="34" charset="0"/>
-                <a:cs typeface="Arial" panose="020B0604020202020204" pitchFamily="34" charset="0"/>
-              </a:rPr>
-            </a:br>
-            <a:r>
-              <a:rPr lang="en-US" dirty="0">
-                <a:latin typeface="Arial" panose="020B0604020202020204" pitchFamily="34" charset="0"/>
-                <a:cs typeface="Arial" panose="020B0604020202020204" pitchFamily="34" charset="0"/>
-              </a:rPr>
-              <a:t>    </a:t>
-            </a:r>
-            <a:r>
-              <a:rPr lang="en-US" b="1" dirty="0">
-                <a:latin typeface="Arial" panose="020B0604020202020204" pitchFamily="34" charset="0"/>
-                <a:cs typeface="Arial" panose="020B0604020202020204" pitchFamily="34" charset="0"/>
-              </a:rPr>
-              <a:t>else</a:t>
-            </a:r>
-            <a:br>
-              <a:rPr lang="en-US" b="1" dirty="0">
-                <a:latin typeface="Arial" panose="020B0604020202020204" pitchFamily="34" charset="0"/>
-                <a:cs typeface="Arial" panose="020B0604020202020204" pitchFamily="34" charset="0"/>
-              </a:rPr>
-            </a:br>
-            <a:r>
-              <a:rPr lang="en-US" dirty="0">
-                <a:latin typeface="Arial" panose="020B0604020202020204" pitchFamily="34" charset="0"/>
-                <a:cs typeface="Arial" panose="020B0604020202020204" pitchFamily="34" charset="0"/>
-              </a:rPr>
-              <a:t>        temp = </a:t>
-            </a:r>
-            <a:r>
-              <a:rPr lang="en-US" altLang="ru-RU" dirty="0" err="1">
-                <a:latin typeface="Arial" panose="020B0604020202020204" pitchFamily="34" charset="0"/>
-                <a:cs typeface="Arial" panose="020B0604020202020204" pitchFamily="34" charset="0"/>
-              </a:rPr>
-              <a:t>summary</a:t>
-            </a:r>
-            <a:r>
-              <a:rPr lang="en-US" dirty="0" err="1">
-                <a:latin typeface="Arial" panose="020B0604020202020204" pitchFamily="34" charset="0"/>
-                <a:cs typeface="Arial" panose="020B0604020202020204" pitchFamily="34" charset="0"/>
-              </a:rPr>
-              <a:t>.Successor</a:t>
-            </a:r>
-            <a:r>
-              <a:rPr lang="en-US" dirty="0">
-                <a:latin typeface="Arial" panose="020B0604020202020204" pitchFamily="34" charset="0"/>
-                <a:cs typeface="Arial" panose="020B0604020202020204" pitchFamily="34" charset="0"/>
-              </a:rPr>
-              <a:t>(High(X))</a:t>
-            </a:r>
-            <a:br>
-              <a:rPr lang="en-US" dirty="0">
-                <a:latin typeface="Arial" panose="020B0604020202020204" pitchFamily="34" charset="0"/>
-                <a:cs typeface="Arial" panose="020B0604020202020204" pitchFamily="34" charset="0"/>
-              </a:rPr>
-            </a:br>
-            <a:r>
-              <a:rPr lang="en-US" dirty="0">
-                <a:latin typeface="Arial" panose="020B0604020202020204" pitchFamily="34" charset="0"/>
-                <a:cs typeface="Arial" panose="020B0604020202020204" pitchFamily="34" charset="0"/>
-              </a:rPr>
-              <a:t>        </a:t>
-            </a:r>
-            <a:r>
-              <a:rPr lang="en-US" b="1" dirty="0">
-                <a:latin typeface="Arial" panose="020B0604020202020204" pitchFamily="34" charset="0"/>
-                <a:cs typeface="Arial" panose="020B0604020202020204" pitchFamily="34" charset="0"/>
-              </a:rPr>
-              <a:t>If </a:t>
-            </a:r>
-            <a:r>
-              <a:rPr lang="en-US" dirty="0">
-                <a:latin typeface="Arial" panose="020B0604020202020204" pitchFamily="34" charset="0"/>
-                <a:cs typeface="Arial" panose="020B0604020202020204" pitchFamily="34" charset="0"/>
-              </a:rPr>
-              <a:t>temp == null</a:t>
-            </a:r>
-            <a:br>
-              <a:rPr lang="en-US" b="1" dirty="0">
-                <a:latin typeface="Arial" panose="020B0604020202020204" pitchFamily="34" charset="0"/>
-                <a:cs typeface="Arial" panose="020B0604020202020204" pitchFamily="34" charset="0"/>
-              </a:rPr>
-            </a:br>
-            <a:r>
-              <a:rPr lang="en-US" b="1" dirty="0">
-                <a:latin typeface="Arial" panose="020B0604020202020204" pitchFamily="34" charset="0"/>
-                <a:cs typeface="Arial" panose="020B0604020202020204" pitchFamily="34" charset="0"/>
-              </a:rPr>
-              <a:t>            return </a:t>
-            </a:r>
-            <a:r>
-              <a:rPr lang="en-US" dirty="0">
-                <a:latin typeface="Arial" panose="020B0604020202020204" pitchFamily="34" charset="0"/>
-                <a:cs typeface="Arial" panose="020B0604020202020204" pitchFamily="34" charset="0"/>
-              </a:rPr>
-              <a:t>null</a:t>
-            </a:r>
-            <a:br>
-              <a:rPr lang="en-US" b="1" dirty="0">
-                <a:latin typeface="Arial" panose="020B0604020202020204" pitchFamily="34" charset="0"/>
-                <a:cs typeface="Arial" panose="020B0604020202020204" pitchFamily="34" charset="0"/>
-              </a:rPr>
-            </a:br>
-            <a:r>
-              <a:rPr lang="en-US" b="1" dirty="0">
-                <a:latin typeface="Arial" panose="020B0604020202020204" pitchFamily="34" charset="0"/>
-                <a:cs typeface="Arial" panose="020B0604020202020204" pitchFamily="34" charset="0"/>
-              </a:rPr>
-              <a:t>        else</a:t>
-            </a:r>
-            <a:br>
-              <a:rPr lang="en-US" b="1" dirty="0">
-                <a:latin typeface="Arial" panose="020B0604020202020204" pitchFamily="34" charset="0"/>
-                <a:cs typeface="Arial" panose="020B0604020202020204" pitchFamily="34" charset="0"/>
-              </a:rPr>
-            </a:br>
-            <a:r>
-              <a:rPr lang="en-US" dirty="0">
-                <a:latin typeface="Arial" panose="020B0604020202020204" pitchFamily="34" charset="0"/>
-                <a:cs typeface="Arial" panose="020B0604020202020204" pitchFamily="34" charset="0"/>
-              </a:rPr>
-              <a:t>            </a:t>
-            </a:r>
-            <a:r>
-              <a:rPr lang="en-US" dirty="0" err="1">
-                <a:latin typeface="Arial" panose="020B0604020202020204" pitchFamily="34" charset="0"/>
-                <a:cs typeface="Arial" panose="020B0604020202020204" pitchFamily="34" charset="0"/>
-              </a:rPr>
-              <a:t>GenerateIndex</a:t>
-            </a:r>
-            <a:r>
-              <a:rPr lang="en-US" dirty="0">
-                <a:latin typeface="Arial" panose="020B0604020202020204" pitchFamily="34" charset="0"/>
-                <a:cs typeface="Arial" panose="020B0604020202020204" pitchFamily="34" charset="0"/>
-              </a:rPr>
-              <a:t>(temp,</a:t>
-            </a:r>
-            <a:r>
-              <a:rPr lang="en-US" altLang="ru-RU" dirty="0">
-                <a:latin typeface="Arial" panose="020B0604020202020204" pitchFamily="34" charset="0"/>
-                <a:cs typeface="Arial" panose="020B0604020202020204" pitchFamily="34" charset="0"/>
-              </a:rPr>
-              <a:t> cluster</a:t>
-            </a:r>
-            <a:r>
-              <a:rPr lang="en-US" dirty="0">
-                <a:latin typeface="Arial" panose="020B0604020202020204" pitchFamily="34" charset="0"/>
-                <a:cs typeface="Arial" panose="020B0604020202020204" pitchFamily="34" charset="0"/>
-              </a:rPr>
-              <a:t>[temp].min)</a:t>
-            </a:r>
-            <a:endParaRPr lang="ru-RU" dirty="0">
-              <a:latin typeface="Arial" panose="020B0604020202020204" pitchFamily="34" charset="0"/>
-              <a:cs typeface="Arial" panose="020B0604020202020204" pitchFamily="34" charset="0"/>
-            </a:endParaRPr>
-          </a:p>
-          <a:p>
-            <a:endParaRPr lang="ru-RU" dirty="0"/>
-          </a:p>
-        </p:txBody>
-      </p:sp>
-      <p:sp>
-        <p:nvSpPr>
-          <p:cNvPr id="4" name="Дата 3">
-            <a:extLst>
-              <a:ext uri="{FF2B5EF4-FFF2-40B4-BE49-F238E27FC236}">
-                <a16:creationId xmlns:a16="http://schemas.microsoft.com/office/drawing/2014/main" id="{DAEB77EF-BADA-4F40-BC5B-07FBEFEC79B1}"/>
-              </a:ext>
-            </a:extLst>
-          </p:cNvPr>
-          <p:cNvSpPr>
-            <a:spLocks noGrp="1"/>
-          </p:cNvSpPr>
-          <p:nvPr>
-            <p:ph type="dt" sz="half" idx="10"/>
-          </p:nvPr>
-        </p:nvSpPr>
-        <p:spPr/>
-        <p:txBody>
-          <a:bodyPr/>
-          <a:lstStyle/>
-          <a:p>
-            <a:r>
-              <a:rPr lang="ru-RU"/>
-              <a:t>2023</a:t>
-            </a:r>
-          </a:p>
-        </p:txBody>
-      </p:sp>
-      <p:sp>
-        <p:nvSpPr>
-          <p:cNvPr id="5" name="Нижний колонтитул 4">
-            <a:extLst>
-              <a:ext uri="{FF2B5EF4-FFF2-40B4-BE49-F238E27FC236}">
-                <a16:creationId xmlns:a16="http://schemas.microsoft.com/office/drawing/2014/main" id="{0968CC94-DE6C-4B47-A3E5-57861D1EDE1D}"/>
-              </a:ext>
-            </a:extLst>
-          </p:cNvPr>
-          <p:cNvSpPr>
-            <a:spLocks noGrp="1"/>
-          </p:cNvSpPr>
-          <p:nvPr>
-            <p:ph type="ftr" sz="quarter" idx="11"/>
-          </p:nvPr>
-        </p:nvSpPr>
-        <p:spPr/>
-        <p:txBody>
-          <a:bodyPr/>
-          <a:lstStyle/>
-          <a:p>
-            <a:r>
-              <a:rPr lang="ru-RU"/>
-              <a:t>Борик Р. Д</a:t>
-            </a:r>
+          <p:cNvPr id="7" name="Номер слайда 6">
+            <a:extLst>
+              <a:ext uri="{FF2B5EF4-FFF2-40B4-BE49-F238E27FC236}">
+                <a16:creationId xmlns:a16="http://schemas.microsoft.com/office/drawing/2014/main" id="{CB0417BB-3CC7-4502-B5F0-A38794B39E39}"/>
+              </a:ext>
+            </a:extLst>
+          </p:cNvPr>
+          <p:cNvSpPr>
+            <a:spLocks noGrp="1"/>
+          </p:cNvSpPr>
+          <p:nvPr>
+            <p:ph type="sldNum" sz="quarter" idx="12"/>
+          </p:nvPr>
+        </p:nvSpPr>
+        <p:spPr/>
+        <p:txBody>
+          <a:bodyPr/>
+          <a:lstStyle/>
+          <a:p>
+            <a:fld id="{F5F7BD9D-D9F0-4178-8503-A05219E63A73}" type="slidenum">
+              <a:rPr lang="ru-RU" sz="4400" smtClean="0"/>
+              <a:t>12</a:t>
+            </a:fld>
+            <a:endParaRPr lang="ru-RU" sz="4400" dirty="0"/>
           </a:p>
         </p:txBody>
       </p:sp>
     </p:spTree>
     <p:extLst>
       <p:ext uri="{BB962C8B-B14F-4D97-AF65-F5344CB8AC3E}">
-        <p14:creationId xmlns:p14="http://schemas.microsoft.com/office/powerpoint/2010/main" val="143499985"/>
+        <p14:creationId xmlns:p14="http://schemas.microsoft.com/office/powerpoint/2010/main" val="2086087306"/>
       </p:ext>
     </p:extLst>
   </p:cSld>
@@ -5952,12 +4936,250 @@
           <a:chExt cx="0" cy="0"/>
         </a:xfrm>
       </p:grpSpPr>
+      <p:sp>
+        <p:nvSpPr>
+          <p:cNvPr id="2" name="Заголовок 1">
+            <a:extLst>
+              <a:ext uri="{FF2B5EF4-FFF2-40B4-BE49-F238E27FC236}">
+                <a16:creationId xmlns:a16="http://schemas.microsoft.com/office/drawing/2014/main" id="{B05F751F-40AA-4812-A0F8-C26BAD1CE54D}"/>
+              </a:ext>
+            </a:extLst>
+          </p:cNvPr>
+          <p:cNvSpPr>
+            <a:spLocks noGrp="1"/>
+          </p:cNvSpPr>
+          <p:nvPr>
+            <p:ph type="title"/>
+          </p:nvPr>
+        </p:nvSpPr>
+        <p:spPr>
+          <a:xfrm>
+            <a:off x="838200" y="365125"/>
+            <a:ext cx="10588691" cy="1325563"/>
+          </a:xfrm>
+        </p:spPr>
+        <p:txBody>
+          <a:bodyPr/>
+          <a:lstStyle/>
+          <a:p>
+            <a:r>
+              <a:rPr lang="en-US" dirty="0">
+                <a:latin typeface="Arial Black" panose="020B0A04020102020204" pitchFamily="34" charset="0"/>
+              </a:rPr>
+              <a:t>Remove</a:t>
+            </a:r>
+            <a:endParaRPr lang="ru-RU" dirty="0">
+              <a:latin typeface="Arial Black" panose="020B0A04020102020204" pitchFamily="34" charset="0"/>
+            </a:endParaRPr>
+          </a:p>
+        </p:txBody>
+      </p:sp>
+      <p:sp>
+        <p:nvSpPr>
+          <p:cNvPr id="3" name="Объект 2">
+            <a:extLst>
+              <a:ext uri="{FF2B5EF4-FFF2-40B4-BE49-F238E27FC236}">
+                <a16:creationId xmlns:a16="http://schemas.microsoft.com/office/drawing/2014/main" id="{02E7EC0C-6B15-49F9-9F93-DB24A3CE0A58}"/>
+              </a:ext>
+            </a:extLst>
+          </p:cNvPr>
+          <p:cNvSpPr>
+            <a:spLocks noGrp="1"/>
+          </p:cNvSpPr>
+          <p:nvPr>
+            <p:ph sz="half" idx="1"/>
+          </p:nvPr>
+        </p:nvSpPr>
+        <p:spPr>
+          <a:xfrm>
+            <a:off x="838200" y="2290763"/>
+            <a:ext cx="5181600" cy="3886200"/>
+          </a:xfrm>
+        </p:spPr>
+        <p:txBody>
+          <a:bodyPr/>
+          <a:lstStyle/>
+          <a:p>
+            <a:pPr marL="0" indent="0">
+              <a:buNone/>
+            </a:pPr>
+            <a:r>
+              <a:rPr lang="en-US" b="1" dirty="0">
+                <a:solidFill>
+                  <a:srgbClr val="006CB5"/>
+                </a:solidFill>
+                <a:latin typeface="Arial" panose="020B0604020202020204" pitchFamily="34" charset="0"/>
+                <a:cs typeface="Arial" panose="020B0604020202020204" pitchFamily="34" charset="0"/>
+              </a:rPr>
+              <a:t>VEB</a:t>
+            </a:r>
+            <a:r>
+              <a:rPr lang="ru-RU" b="1" dirty="0">
+                <a:latin typeface="Arial" panose="020B0604020202020204" pitchFamily="34" charset="0"/>
+                <a:cs typeface="Arial" panose="020B0604020202020204" pitchFamily="34" charset="0"/>
+              </a:rPr>
+              <a:t> дерево </a:t>
+            </a:r>
+            <a:r>
+              <a:rPr lang="ru-RU" dirty="0">
+                <a:latin typeface="Arial" panose="020B0604020202020204" pitchFamily="34" charset="0"/>
+                <a:cs typeface="Arial" panose="020B0604020202020204" pitchFamily="34" charset="0"/>
+              </a:rPr>
+              <a:t>обгоняет</a:t>
+            </a:r>
+            <a:r>
+              <a:rPr lang="ru-RU" b="1" dirty="0">
+                <a:latin typeface="Arial" panose="020B0604020202020204" pitchFamily="34" charset="0"/>
+                <a:cs typeface="Arial" panose="020B0604020202020204" pitchFamily="34" charset="0"/>
+              </a:rPr>
+              <a:t> </a:t>
+            </a:r>
+            <a:r>
+              <a:rPr lang="ru-RU" altLang="ru-RU" b="1" dirty="0">
+                <a:latin typeface="Arial" panose="020B0604020202020204" pitchFamily="34" charset="0"/>
+                <a:cs typeface="Arial" panose="020B0604020202020204" pitchFamily="34" charset="0"/>
+              </a:rPr>
+              <a:t> </a:t>
+            </a:r>
+            <a:r>
+              <a:rPr lang="ru-RU" altLang="ru-RU" b="1" dirty="0" err="1">
+                <a:latin typeface="Arial" panose="020B0604020202020204" pitchFamily="34" charset="0"/>
+                <a:cs typeface="Arial" panose="020B0604020202020204" pitchFamily="34" charset="0"/>
+              </a:rPr>
+              <a:t>std</a:t>
+            </a:r>
+            <a:r>
+              <a:rPr lang="ru-RU" altLang="ru-RU" b="1" dirty="0">
+                <a:latin typeface="Arial" panose="020B0604020202020204" pitchFamily="34" charset="0"/>
+                <a:cs typeface="Arial" panose="020B0604020202020204" pitchFamily="34" charset="0"/>
+              </a:rPr>
+              <a:t>::</a:t>
+            </a:r>
+            <a:r>
+              <a:rPr lang="ru-RU" altLang="ru-RU" b="1" dirty="0" err="1">
+                <a:latin typeface="Arial" panose="020B0604020202020204" pitchFamily="34" charset="0"/>
+                <a:cs typeface="Arial" panose="020B0604020202020204" pitchFamily="34" charset="0"/>
+              </a:rPr>
+              <a:t>set</a:t>
+            </a:r>
+            <a:r>
+              <a:rPr lang="ru-RU" altLang="ru-RU" dirty="0">
+                <a:latin typeface="Arial" panose="020B0604020202020204" pitchFamily="34" charset="0"/>
+                <a:cs typeface="Arial" panose="020B0604020202020204" pitchFamily="34" charset="0"/>
+              </a:rPr>
+              <a:t>, но</a:t>
+            </a:r>
+            <a:r>
+              <a:rPr lang="en-US" dirty="0">
+                <a:latin typeface="Arial" panose="020B0604020202020204" pitchFamily="34" charset="0"/>
+                <a:cs typeface="Arial" panose="020B0604020202020204" pitchFamily="34" charset="0"/>
+              </a:rPr>
+              <a:t> </a:t>
+            </a:r>
+            <a:r>
+              <a:rPr lang="ru-RU" dirty="0">
+                <a:latin typeface="Arial" panose="020B0604020202020204" pitchFamily="34" charset="0"/>
+                <a:cs typeface="Arial" panose="020B0604020202020204" pitchFamily="34" charset="0"/>
+              </a:rPr>
+              <a:t>проигрывает в скорости </a:t>
+            </a:r>
+            <a:r>
+              <a:rPr lang="ru-RU" altLang="ru-RU" b="1" dirty="0" err="1">
+                <a:latin typeface="Arial" panose="020B0604020202020204" pitchFamily="34" charset="0"/>
+                <a:cs typeface="Arial" panose="020B0604020202020204" pitchFamily="34" charset="0"/>
+              </a:rPr>
+              <a:t>std</a:t>
+            </a:r>
+            <a:r>
+              <a:rPr lang="ru-RU" altLang="ru-RU" b="1" dirty="0">
+                <a:latin typeface="Arial" panose="020B0604020202020204" pitchFamily="34" charset="0"/>
+                <a:cs typeface="Arial" panose="020B0604020202020204" pitchFamily="34" charset="0"/>
+              </a:rPr>
+              <a:t>::</a:t>
+            </a:r>
+            <a:r>
+              <a:rPr lang="ru-RU" altLang="ru-RU" b="1" dirty="0" err="1">
+                <a:latin typeface="Arial" panose="020B0604020202020204" pitchFamily="34" charset="0"/>
+                <a:cs typeface="Arial" panose="020B0604020202020204" pitchFamily="34" charset="0"/>
+              </a:rPr>
+              <a:t>unordered_set</a:t>
+            </a:r>
+            <a:r>
+              <a:rPr lang="ru-RU" altLang="ru-RU" dirty="0">
+                <a:latin typeface="Arial" panose="020B0604020202020204" pitchFamily="34" charset="0"/>
+                <a:cs typeface="Arial" panose="020B0604020202020204" pitchFamily="34" charset="0"/>
+              </a:rPr>
+              <a:t>.</a:t>
+            </a:r>
+            <a:endParaRPr lang="ru-RU" dirty="0">
+              <a:latin typeface="Arial" panose="020B0604020202020204" pitchFamily="34" charset="0"/>
+              <a:cs typeface="Arial" panose="020B0604020202020204" pitchFamily="34" charset="0"/>
+            </a:endParaRPr>
+          </a:p>
+        </p:txBody>
+      </p:sp>
+      <p:sp>
+        <p:nvSpPr>
+          <p:cNvPr id="5" name="Дата 4">
+            <a:extLst>
+              <a:ext uri="{FF2B5EF4-FFF2-40B4-BE49-F238E27FC236}">
+                <a16:creationId xmlns:a16="http://schemas.microsoft.com/office/drawing/2014/main" id="{9A25CD09-B261-46CD-BDC6-98290B43E2B0}"/>
+              </a:ext>
+            </a:extLst>
+          </p:cNvPr>
+          <p:cNvSpPr>
+            <a:spLocks noGrp="1"/>
+          </p:cNvSpPr>
+          <p:nvPr>
+            <p:ph type="dt" sz="half" idx="10"/>
+          </p:nvPr>
+        </p:nvSpPr>
+        <p:spPr/>
+        <p:txBody>
+          <a:bodyPr/>
+          <a:lstStyle/>
+          <a:p>
+            <a:r>
+              <a:rPr lang="ru-RU"/>
+              <a:t>2023</a:t>
+            </a:r>
+          </a:p>
+        </p:txBody>
+      </p:sp>
+      <p:sp>
+        <p:nvSpPr>
+          <p:cNvPr id="6" name="Нижний колонтитул 5">
+            <a:extLst>
+              <a:ext uri="{FF2B5EF4-FFF2-40B4-BE49-F238E27FC236}">
+                <a16:creationId xmlns:a16="http://schemas.microsoft.com/office/drawing/2014/main" id="{17E3D693-E049-45BF-9486-C3F2622EEFF4}"/>
+              </a:ext>
+            </a:extLst>
+          </p:cNvPr>
+          <p:cNvSpPr>
+            <a:spLocks noGrp="1"/>
+          </p:cNvSpPr>
+          <p:nvPr>
+            <p:ph type="ftr" sz="quarter" idx="11"/>
+          </p:nvPr>
+        </p:nvSpPr>
+        <p:spPr/>
+        <p:txBody>
+          <a:bodyPr/>
+          <a:lstStyle/>
+          <a:p>
+            <a:r>
+              <a:rPr lang="ru-RU"/>
+              <a:t>Борик Р. Д</a:t>
+            </a:r>
+          </a:p>
+        </p:txBody>
+      </p:sp>
       <p:pic>
         <p:nvPicPr>
-          <p:cNvPr id="13" name="Объект 12">
-            <a:extLst>
-              <a:ext uri="{FF2B5EF4-FFF2-40B4-BE49-F238E27FC236}">
-                <a16:creationId xmlns:a16="http://schemas.microsoft.com/office/drawing/2014/main" id="{35C254AD-988B-459B-AADD-A114F9C3811F}"/>
+          <p:cNvPr id="9" name="Объект 8">
+            <a:extLst>
+              <a:ext uri="{FF2B5EF4-FFF2-40B4-BE49-F238E27FC236}">
+                <a16:creationId xmlns:a16="http://schemas.microsoft.com/office/drawing/2014/main" id="{784EAAC8-A5F5-46E6-ADE0-5D87AB58AF6E}"/>
               </a:ext>
             </a:extLst>
           </p:cNvPr>
@@ -5982,662 +5204,44 @@
         </p:blipFill>
         <p:spPr>
           <a:xfrm>
-            <a:off x="5355771" y="533857"/>
-            <a:ext cx="6680719" cy="5889132"/>
+            <a:off x="6172200" y="2058194"/>
+            <a:ext cx="5181600" cy="3886200"/>
           </a:xfrm>
         </p:spPr>
       </p:pic>
       <p:sp>
         <p:nvSpPr>
-          <p:cNvPr id="2" name="Заголовок 1">
-            <a:extLst>
-              <a:ext uri="{FF2B5EF4-FFF2-40B4-BE49-F238E27FC236}">
-                <a16:creationId xmlns:a16="http://schemas.microsoft.com/office/drawing/2014/main" id="{0135C256-3003-4F17-80D3-FDD39BD72DE4}"/>
-              </a:ext>
-            </a:extLst>
-          </p:cNvPr>
-          <p:cNvSpPr>
-            <a:spLocks noGrp="1"/>
-          </p:cNvSpPr>
-          <p:nvPr>
-            <p:ph type="title"/>
-          </p:nvPr>
-        </p:nvSpPr>
-        <p:spPr/>
-        <p:txBody>
-          <a:bodyPr/>
-          <a:lstStyle/>
-          <a:p>
-            <a:r>
-              <a:rPr lang="en-US" dirty="0">
-                <a:latin typeface="Arial Black" panose="020B0A04020102020204" pitchFamily="34" charset="0"/>
-              </a:rPr>
-              <a:t>Predecessor (</a:t>
-            </a:r>
-            <a:r>
-              <a:rPr lang="ru-RU" dirty="0">
-                <a:latin typeface="Arial Black" panose="020B0A04020102020204" pitchFamily="34" charset="0"/>
-              </a:rPr>
-              <a:t>предок</a:t>
-            </a:r>
-            <a:r>
-              <a:rPr lang="en-US" dirty="0">
-                <a:latin typeface="Arial Black" panose="020B0A04020102020204" pitchFamily="34" charset="0"/>
-              </a:rPr>
-              <a:t>)</a:t>
-            </a:r>
-            <a:endParaRPr lang="ru-RU" dirty="0"/>
-          </a:p>
-        </p:txBody>
-      </p:sp>
-      <p:sp>
-        <p:nvSpPr>
-          <p:cNvPr id="10" name="Объект 9">
-            <a:extLst>
-              <a:ext uri="{FF2B5EF4-FFF2-40B4-BE49-F238E27FC236}">
-                <a16:creationId xmlns:a16="http://schemas.microsoft.com/office/drawing/2014/main" id="{836C02EF-1BDF-403B-96E5-7CA5A5D48122}"/>
-              </a:ext>
-            </a:extLst>
-          </p:cNvPr>
-          <p:cNvSpPr>
-            <a:spLocks noGrp="1"/>
-          </p:cNvSpPr>
-          <p:nvPr>
-            <p:ph sz="half" idx="1"/>
-          </p:nvPr>
-        </p:nvSpPr>
-        <p:spPr>
-          <a:xfrm>
-            <a:off x="838200" y="1825625"/>
-            <a:ext cx="5637245" cy="4351338"/>
-          </a:xfrm>
-        </p:spPr>
-        <p:txBody>
-          <a:bodyPr>
-            <a:normAutofit fontScale="55000" lnSpcReduction="20000"/>
-          </a:bodyPr>
-          <a:lstStyle/>
-          <a:p>
-            <a:pPr marL="0" indent="0">
-              <a:buNone/>
-            </a:pPr>
-            <a:r>
-              <a:rPr lang="ru-RU" dirty="0">
-                <a:latin typeface="Arial" panose="020B0604020202020204" pitchFamily="34" charset="0"/>
-                <a:cs typeface="Arial" panose="020B0604020202020204" pitchFamily="34" charset="0"/>
-              </a:rPr>
-              <a:t>На вход подается число Х</a:t>
-            </a:r>
-            <a:endParaRPr lang="en-US" b="1" dirty="0">
-              <a:latin typeface="Arial" panose="020B0604020202020204" pitchFamily="34" charset="0"/>
-              <a:cs typeface="Arial" panose="020B0604020202020204" pitchFamily="34" charset="0"/>
-            </a:endParaRPr>
-          </a:p>
-          <a:p>
-            <a:pPr marL="0" indent="0">
-              <a:buNone/>
-            </a:pPr>
-            <a:br>
-              <a:rPr lang="ru-RU" b="1" dirty="0">
-                <a:latin typeface="Arial" panose="020B0604020202020204" pitchFamily="34" charset="0"/>
-                <a:cs typeface="Arial" panose="020B0604020202020204" pitchFamily="34" charset="0"/>
-              </a:rPr>
-            </a:br>
-            <a:r>
-              <a:rPr lang="en-US" b="1" dirty="0">
-                <a:latin typeface="Arial" panose="020B0604020202020204" pitchFamily="34" charset="0"/>
-                <a:cs typeface="Arial" panose="020B0604020202020204" pitchFamily="34" charset="0"/>
-              </a:rPr>
-              <a:t>if </a:t>
-            </a:r>
-            <a:r>
-              <a:rPr lang="en-US" dirty="0" err="1">
-                <a:latin typeface="Arial" panose="020B0604020202020204" pitchFamily="34" charset="0"/>
-                <a:cs typeface="Arial" panose="020B0604020202020204" pitchFamily="34" charset="0"/>
-              </a:rPr>
-              <a:t>universeSize</a:t>
-            </a:r>
-            <a:r>
-              <a:rPr lang="en-US" dirty="0">
-                <a:latin typeface="Arial" panose="020B0604020202020204" pitchFamily="34" charset="0"/>
-                <a:cs typeface="Arial" panose="020B0604020202020204" pitchFamily="34" charset="0"/>
-              </a:rPr>
-              <a:t> = 2</a:t>
-            </a:r>
-            <a:br>
-              <a:rPr lang="en-US" b="1" dirty="0">
-                <a:latin typeface="Arial" panose="020B0604020202020204" pitchFamily="34" charset="0"/>
-                <a:cs typeface="Arial" panose="020B0604020202020204" pitchFamily="34" charset="0"/>
-              </a:rPr>
-            </a:br>
-            <a:r>
-              <a:rPr lang="en-US" b="1" dirty="0">
-                <a:latin typeface="Arial" panose="020B0604020202020204" pitchFamily="34" charset="0"/>
-                <a:cs typeface="Arial" panose="020B0604020202020204" pitchFamily="34" charset="0"/>
-              </a:rPr>
-              <a:t>    if </a:t>
-            </a:r>
-            <a:r>
-              <a:rPr lang="en-US" dirty="0">
-                <a:latin typeface="Arial" panose="020B0604020202020204" pitchFamily="34" charset="0"/>
-                <a:cs typeface="Arial" panose="020B0604020202020204" pitchFamily="34" charset="0"/>
-              </a:rPr>
-              <a:t>X == 1 </a:t>
-            </a:r>
-            <a:r>
-              <a:rPr lang="en-US" b="1" dirty="0">
-                <a:latin typeface="Arial" panose="020B0604020202020204" pitchFamily="34" charset="0"/>
-                <a:cs typeface="Arial" panose="020B0604020202020204" pitchFamily="34" charset="0"/>
-              </a:rPr>
-              <a:t>and </a:t>
-            </a:r>
-            <a:r>
-              <a:rPr lang="en-US" dirty="0">
-                <a:latin typeface="Arial" panose="020B0604020202020204" pitchFamily="34" charset="0"/>
-                <a:cs typeface="Arial" panose="020B0604020202020204" pitchFamily="34" charset="0"/>
-              </a:rPr>
-              <a:t>min == 0</a:t>
-            </a:r>
-            <a:br>
-              <a:rPr lang="en-US" b="1" dirty="0">
-                <a:latin typeface="Arial" panose="020B0604020202020204" pitchFamily="34" charset="0"/>
-                <a:cs typeface="Arial" panose="020B0604020202020204" pitchFamily="34" charset="0"/>
-              </a:rPr>
-            </a:br>
-            <a:r>
-              <a:rPr lang="en-US" b="1" dirty="0">
-                <a:latin typeface="Arial" panose="020B0604020202020204" pitchFamily="34" charset="0"/>
-                <a:cs typeface="Arial" panose="020B0604020202020204" pitchFamily="34" charset="0"/>
-              </a:rPr>
-              <a:t>        return </a:t>
-            </a:r>
-            <a:r>
-              <a:rPr lang="en-US" dirty="0">
-                <a:latin typeface="Arial" panose="020B0604020202020204" pitchFamily="34" charset="0"/>
-                <a:cs typeface="Arial" panose="020B0604020202020204" pitchFamily="34" charset="0"/>
-              </a:rPr>
-              <a:t>0</a:t>
-            </a:r>
-            <a:br>
-              <a:rPr lang="en-US" b="1" dirty="0">
-                <a:latin typeface="Arial" panose="020B0604020202020204" pitchFamily="34" charset="0"/>
-                <a:cs typeface="Arial" panose="020B0604020202020204" pitchFamily="34" charset="0"/>
-              </a:rPr>
-            </a:br>
-            <a:r>
-              <a:rPr lang="en-US" b="1" dirty="0">
-                <a:latin typeface="Arial" panose="020B0604020202020204" pitchFamily="34" charset="0"/>
-                <a:cs typeface="Arial" panose="020B0604020202020204" pitchFamily="34" charset="0"/>
-              </a:rPr>
-              <a:t>    else</a:t>
-            </a:r>
-            <a:br>
-              <a:rPr lang="en-US" b="1" dirty="0">
-                <a:latin typeface="Arial" panose="020B0604020202020204" pitchFamily="34" charset="0"/>
-                <a:cs typeface="Arial" panose="020B0604020202020204" pitchFamily="34" charset="0"/>
-              </a:rPr>
-            </a:br>
-            <a:r>
-              <a:rPr lang="en-US" b="1" dirty="0">
-                <a:latin typeface="Arial" panose="020B0604020202020204" pitchFamily="34" charset="0"/>
-                <a:cs typeface="Arial" panose="020B0604020202020204" pitchFamily="34" charset="0"/>
-              </a:rPr>
-              <a:t>        return </a:t>
-            </a:r>
-            <a:r>
-              <a:rPr lang="en-US" dirty="0">
-                <a:latin typeface="Arial" panose="020B0604020202020204" pitchFamily="34" charset="0"/>
-                <a:cs typeface="Arial" panose="020B0604020202020204" pitchFamily="34" charset="0"/>
-              </a:rPr>
-              <a:t>null</a:t>
-            </a:r>
-            <a:br>
-              <a:rPr lang="en-US" b="1" dirty="0">
-                <a:latin typeface="Arial" panose="020B0604020202020204" pitchFamily="34" charset="0"/>
-                <a:cs typeface="Arial" panose="020B0604020202020204" pitchFamily="34" charset="0"/>
-              </a:rPr>
-            </a:br>
-            <a:r>
-              <a:rPr lang="en-US" b="1" dirty="0">
-                <a:latin typeface="Arial" panose="020B0604020202020204" pitchFamily="34" charset="0"/>
-                <a:cs typeface="Arial" panose="020B0604020202020204" pitchFamily="34" charset="0"/>
-              </a:rPr>
-              <a:t>if </a:t>
-            </a:r>
-            <a:r>
-              <a:rPr lang="en-US" dirty="0">
-                <a:latin typeface="Arial" panose="020B0604020202020204" pitchFamily="34" charset="0"/>
-                <a:cs typeface="Arial" panose="020B0604020202020204" pitchFamily="34" charset="0"/>
-              </a:rPr>
-              <a:t>max != null </a:t>
-            </a:r>
-            <a:r>
-              <a:rPr lang="en-US" b="1" dirty="0">
-                <a:latin typeface="Arial" panose="020B0604020202020204" pitchFamily="34" charset="0"/>
-                <a:cs typeface="Arial" panose="020B0604020202020204" pitchFamily="34" charset="0"/>
-              </a:rPr>
-              <a:t>and </a:t>
-            </a:r>
-            <a:r>
-              <a:rPr lang="ru-RU" dirty="0">
-                <a:latin typeface="Arial" panose="020B0604020202020204" pitchFamily="34" charset="0"/>
-                <a:cs typeface="Arial" panose="020B0604020202020204" pitchFamily="34" charset="0"/>
-              </a:rPr>
-              <a:t>Х</a:t>
-            </a:r>
-            <a:r>
-              <a:rPr lang="en-US" dirty="0">
-                <a:latin typeface="Arial" panose="020B0604020202020204" pitchFamily="34" charset="0"/>
-                <a:cs typeface="Arial" panose="020B0604020202020204" pitchFamily="34" charset="0"/>
-              </a:rPr>
-              <a:t> &gt; max</a:t>
-            </a:r>
-            <a:br>
-              <a:rPr lang="en-US" b="1" dirty="0">
-                <a:latin typeface="Arial" panose="020B0604020202020204" pitchFamily="34" charset="0"/>
-                <a:cs typeface="Arial" panose="020B0604020202020204" pitchFamily="34" charset="0"/>
-              </a:rPr>
-            </a:br>
-            <a:r>
-              <a:rPr lang="en-US" b="1" dirty="0">
-                <a:latin typeface="Arial" panose="020B0604020202020204" pitchFamily="34" charset="0"/>
-                <a:cs typeface="Arial" panose="020B0604020202020204" pitchFamily="34" charset="0"/>
-              </a:rPr>
-              <a:t>    return </a:t>
-            </a:r>
-            <a:r>
-              <a:rPr lang="en-US" dirty="0">
-                <a:latin typeface="Arial" panose="020B0604020202020204" pitchFamily="34" charset="0"/>
-                <a:cs typeface="Arial" panose="020B0604020202020204" pitchFamily="34" charset="0"/>
-              </a:rPr>
-              <a:t>max</a:t>
-            </a:r>
-            <a:br>
-              <a:rPr lang="en-US" dirty="0">
-                <a:latin typeface="Arial" panose="020B0604020202020204" pitchFamily="34" charset="0"/>
-                <a:cs typeface="Arial" panose="020B0604020202020204" pitchFamily="34" charset="0"/>
-              </a:rPr>
-            </a:br>
-            <a:r>
-              <a:rPr lang="en-US" b="1" dirty="0">
-                <a:latin typeface="Arial" panose="020B0604020202020204" pitchFamily="34" charset="0"/>
-                <a:cs typeface="Arial" panose="020B0604020202020204" pitchFamily="34" charset="0"/>
-              </a:rPr>
-              <a:t>else</a:t>
-            </a:r>
-            <a:br>
-              <a:rPr lang="en-US" b="1" dirty="0">
-                <a:latin typeface="Arial" panose="020B0604020202020204" pitchFamily="34" charset="0"/>
-                <a:cs typeface="Arial" panose="020B0604020202020204" pitchFamily="34" charset="0"/>
-              </a:rPr>
-            </a:br>
-            <a:r>
-              <a:rPr lang="en-US" b="1" dirty="0">
-                <a:latin typeface="Arial" panose="020B0604020202020204" pitchFamily="34" charset="0"/>
-                <a:cs typeface="Arial" panose="020B0604020202020204" pitchFamily="34" charset="0"/>
-              </a:rPr>
-              <a:t>    </a:t>
-            </a:r>
-            <a:r>
-              <a:rPr lang="en-US" dirty="0">
-                <a:latin typeface="Arial" panose="020B0604020202020204" pitchFamily="34" charset="0"/>
-                <a:cs typeface="Arial" panose="020B0604020202020204" pitchFamily="34" charset="0"/>
-              </a:rPr>
-              <a:t>temp = cluster[High(X)].min</a:t>
-            </a:r>
-            <a:br>
-              <a:rPr lang="en-US" b="1" dirty="0">
-                <a:latin typeface="Arial" panose="020B0604020202020204" pitchFamily="34" charset="0"/>
-                <a:cs typeface="Arial" panose="020B0604020202020204" pitchFamily="34" charset="0"/>
-              </a:rPr>
-            </a:br>
-            <a:r>
-              <a:rPr lang="en-US" b="1" dirty="0">
-                <a:latin typeface="Arial" panose="020B0604020202020204" pitchFamily="34" charset="0"/>
-                <a:cs typeface="Arial" panose="020B0604020202020204" pitchFamily="34" charset="0"/>
-              </a:rPr>
-              <a:t>    if </a:t>
-            </a:r>
-            <a:r>
-              <a:rPr lang="en-US" dirty="0">
-                <a:latin typeface="Arial" panose="020B0604020202020204" pitchFamily="34" charset="0"/>
-                <a:cs typeface="Arial" panose="020B0604020202020204" pitchFamily="34" charset="0"/>
-              </a:rPr>
-              <a:t>max != null </a:t>
-            </a:r>
-            <a:r>
-              <a:rPr lang="en-US" b="1" dirty="0">
-                <a:latin typeface="Arial" panose="020B0604020202020204" pitchFamily="34" charset="0"/>
-                <a:cs typeface="Arial" panose="020B0604020202020204" pitchFamily="34" charset="0"/>
-              </a:rPr>
-              <a:t>and </a:t>
-            </a:r>
-            <a:r>
-              <a:rPr lang="en-US" dirty="0">
-                <a:latin typeface="Arial" panose="020B0604020202020204" pitchFamily="34" charset="0"/>
-                <a:cs typeface="Arial" panose="020B0604020202020204" pitchFamily="34" charset="0"/>
-              </a:rPr>
-              <a:t>Low(X) &gt; temp</a:t>
-            </a:r>
-            <a:br>
-              <a:rPr lang="en-US" b="1" dirty="0">
-                <a:latin typeface="Arial" panose="020B0604020202020204" pitchFamily="34" charset="0"/>
-                <a:cs typeface="Arial" panose="020B0604020202020204" pitchFamily="34" charset="0"/>
-              </a:rPr>
-            </a:br>
-            <a:r>
-              <a:rPr lang="en-US" b="1" dirty="0">
-                <a:latin typeface="Arial" panose="020B0604020202020204" pitchFamily="34" charset="0"/>
-                <a:cs typeface="Arial" panose="020B0604020202020204" pitchFamily="34" charset="0"/>
-              </a:rPr>
-              <a:t>        </a:t>
-            </a:r>
-            <a:r>
-              <a:rPr lang="en-US" dirty="0">
-                <a:latin typeface="Arial" panose="020B0604020202020204" pitchFamily="34" charset="0"/>
-                <a:cs typeface="Arial" panose="020B0604020202020204" pitchFamily="34" charset="0"/>
-              </a:rPr>
-              <a:t>temp = cluster[High(X)].Predecessor(Low(X))</a:t>
-            </a:r>
-            <a:br>
-              <a:rPr lang="en-US" dirty="0">
-                <a:latin typeface="Arial" panose="020B0604020202020204" pitchFamily="34" charset="0"/>
-                <a:cs typeface="Arial" panose="020B0604020202020204" pitchFamily="34" charset="0"/>
-              </a:rPr>
-            </a:br>
-            <a:r>
-              <a:rPr lang="en-US" dirty="0">
-                <a:latin typeface="Arial" panose="020B0604020202020204" pitchFamily="34" charset="0"/>
-                <a:cs typeface="Arial" panose="020B0604020202020204" pitchFamily="34" charset="0"/>
-              </a:rPr>
-              <a:t>        </a:t>
-            </a:r>
-            <a:r>
-              <a:rPr lang="en-US" dirty="0" err="1">
-                <a:latin typeface="Arial" panose="020B0604020202020204" pitchFamily="34" charset="0"/>
-                <a:cs typeface="Arial" panose="020B0604020202020204" pitchFamily="34" charset="0"/>
-              </a:rPr>
-              <a:t>GenerateIndex</a:t>
-            </a:r>
-            <a:r>
-              <a:rPr lang="en-US" dirty="0">
-                <a:latin typeface="Arial" panose="020B0604020202020204" pitchFamily="34" charset="0"/>
-                <a:cs typeface="Arial" panose="020B0604020202020204" pitchFamily="34" charset="0"/>
-              </a:rPr>
-              <a:t>(High(X), temp)</a:t>
-            </a:r>
-            <a:br>
-              <a:rPr lang="en-US" dirty="0">
-                <a:latin typeface="Arial" panose="020B0604020202020204" pitchFamily="34" charset="0"/>
-                <a:cs typeface="Arial" panose="020B0604020202020204" pitchFamily="34" charset="0"/>
-              </a:rPr>
-            </a:br>
-            <a:r>
-              <a:rPr lang="en-US" dirty="0">
-                <a:latin typeface="Arial" panose="020B0604020202020204" pitchFamily="34" charset="0"/>
-                <a:cs typeface="Arial" panose="020B0604020202020204" pitchFamily="34" charset="0"/>
-              </a:rPr>
-              <a:t>    </a:t>
-            </a:r>
-            <a:r>
-              <a:rPr lang="en-US" b="1" dirty="0">
-                <a:latin typeface="Arial" panose="020B0604020202020204" pitchFamily="34" charset="0"/>
-                <a:cs typeface="Arial" panose="020B0604020202020204" pitchFamily="34" charset="0"/>
-              </a:rPr>
-              <a:t>else</a:t>
-            </a:r>
-            <a:br>
-              <a:rPr lang="en-US" b="1" dirty="0">
-                <a:latin typeface="Arial" panose="020B0604020202020204" pitchFamily="34" charset="0"/>
-                <a:cs typeface="Arial" panose="020B0604020202020204" pitchFamily="34" charset="0"/>
-              </a:rPr>
-            </a:br>
-            <a:r>
-              <a:rPr lang="en-US" dirty="0">
-                <a:latin typeface="Arial" panose="020B0604020202020204" pitchFamily="34" charset="0"/>
-                <a:cs typeface="Arial" panose="020B0604020202020204" pitchFamily="34" charset="0"/>
-              </a:rPr>
-              <a:t>        temp = </a:t>
-            </a:r>
-            <a:r>
-              <a:rPr lang="en-US" dirty="0" err="1">
-                <a:latin typeface="Arial" panose="020B0604020202020204" pitchFamily="34" charset="0"/>
-                <a:cs typeface="Arial" panose="020B0604020202020204" pitchFamily="34" charset="0"/>
-              </a:rPr>
-              <a:t>summary.Predecessor</a:t>
-            </a:r>
-            <a:r>
-              <a:rPr lang="en-US" dirty="0">
-                <a:latin typeface="Arial" panose="020B0604020202020204" pitchFamily="34" charset="0"/>
-                <a:cs typeface="Arial" panose="020B0604020202020204" pitchFamily="34" charset="0"/>
-              </a:rPr>
-              <a:t>(High(X))</a:t>
-            </a:r>
-            <a:br>
-              <a:rPr lang="en-US" dirty="0">
-                <a:latin typeface="Arial" panose="020B0604020202020204" pitchFamily="34" charset="0"/>
-                <a:cs typeface="Arial" panose="020B0604020202020204" pitchFamily="34" charset="0"/>
-              </a:rPr>
-            </a:br>
-            <a:r>
-              <a:rPr lang="en-US" dirty="0">
-                <a:latin typeface="Arial" panose="020B0604020202020204" pitchFamily="34" charset="0"/>
-                <a:cs typeface="Arial" panose="020B0604020202020204" pitchFamily="34" charset="0"/>
-              </a:rPr>
-              <a:t>        </a:t>
-            </a:r>
-            <a:r>
-              <a:rPr lang="en-US" b="1" dirty="0">
-                <a:latin typeface="Arial" panose="020B0604020202020204" pitchFamily="34" charset="0"/>
-                <a:cs typeface="Arial" panose="020B0604020202020204" pitchFamily="34" charset="0"/>
-              </a:rPr>
-              <a:t>If </a:t>
-            </a:r>
-            <a:r>
-              <a:rPr lang="en-US" dirty="0">
-                <a:latin typeface="Arial" panose="020B0604020202020204" pitchFamily="34" charset="0"/>
-                <a:cs typeface="Arial" panose="020B0604020202020204" pitchFamily="34" charset="0"/>
-              </a:rPr>
-              <a:t>temp == null</a:t>
-            </a:r>
-            <a:br>
-              <a:rPr lang="en-US" b="1" dirty="0">
-                <a:latin typeface="Arial" panose="020B0604020202020204" pitchFamily="34" charset="0"/>
-                <a:cs typeface="Arial" panose="020B0604020202020204" pitchFamily="34" charset="0"/>
-              </a:rPr>
-            </a:br>
-            <a:r>
-              <a:rPr lang="en-US" b="1" dirty="0">
-                <a:latin typeface="Arial" panose="020B0604020202020204" pitchFamily="34" charset="0"/>
-                <a:cs typeface="Arial" panose="020B0604020202020204" pitchFamily="34" charset="0"/>
-              </a:rPr>
-              <a:t>            if </a:t>
-            </a:r>
-            <a:r>
-              <a:rPr lang="en-US" dirty="0">
-                <a:latin typeface="Arial" panose="020B0604020202020204" pitchFamily="34" charset="0"/>
-                <a:cs typeface="Arial" panose="020B0604020202020204" pitchFamily="34" charset="0"/>
-              </a:rPr>
-              <a:t>min != null </a:t>
-            </a:r>
-            <a:r>
-              <a:rPr lang="en-US" b="1" dirty="0">
-                <a:latin typeface="Arial" panose="020B0604020202020204" pitchFamily="34" charset="0"/>
-                <a:cs typeface="Arial" panose="020B0604020202020204" pitchFamily="34" charset="0"/>
-              </a:rPr>
-              <a:t>and </a:t>
-            </a:r>
-            <a:r>
-              <a:rPr lang="ru-RU" dirty="0">
-                <a:latin typeface="Arial" panose="020B0604020202020204" pitchFamily="34" charset="0"/>
-                <a:cs typeface="Arial" panose="020B0604020202020204" pitchFamily="34" charset="0"/>
-              </a:rPr>
-              <a:t>Х</a:t>
-            </a:r>
-            <a:r>
-              <a:rPr lang="en-US" dirty="0">
-                <a:latin typeface="Arial" panose="020B0604020202020204" pitchFamily="34" charset="0"/>
-                <a:cs typeface="Arial" panose="020B0604020202020204" pitchFamily="34" charset="0"/>
-              </a:rPr>
-              <a:t> &gt; min</a:t>
-            </a:r>
-            <a:br>
-              <a:rPr lang="en-US" b="1" dirty="0">
-                <a:latin typeface="Arial" panose="020B0604020202020204" pitchFamily="34" charset="0"/>
-                <a:cs typeface="Arial" panose="020B0604020202020204" pitchFamily="34" charset="0"/>
-              </a:rPr>
-            </a:br>
-            <a:r>
-              <a:rPr lang="en-US" b="1" dirty="0">
-                <a:latin typeface="Arial" panose="020B0604020202020204" pitchFamily="34" charset="0"/>
-                <a:cs typeface="Arial" panose="020B0604020202020204" pitchFamily="34" charset="0"/>
-              </a:rPr>
-              <a:t>                return </a:t>
-            </a:r>
-            <a:r>
-              <a:rPr lang="en-US" dirty="0">
-                <a:latin typeface="Arial" panose="020B0604020202020204" pitchFamily="34" charset="0"/>
-                <a:cs typeface="Arial" panose="020B0604020202020204" pitchFamily="34" charset="0"/>
-              </a:rPr>
-              <a:t>min</a:t>
-            </a:r>
-            <a:r>
-              <a:rPr lang="en-US" b="1" dirty="0">
-                <a:latin typeface="Arial" panose="020B0604020202020204" pitchFamily="34" charset="0"/>
-                <a:cs typeface="Arial" panose="020B0604020202020204" pitchFamily="34" charset="0"/>
-              </a:rPr>
-              <a:t>            </a:t>
-            </a:r>
-            <a:br>
-              <a:rPr lang="en-US" b="1" dirty="0">
-                <a:latin typeface="Arial" panose="020B0604020202020204" pitchFamily="34" charset="0"/>
-                <a:cs typeface="Arial" panose="020B0604020202020204" pitchFamily="34" charset="0"/>
-              </a:rPr>
-            </a:br>
-            <a:r>
-              <a:rPr lang="en-US" b="1" dirty="0">
-                <a:latin typeface="Arial" panose="020B0604020202020204" pitchFamily="34" charset="0"/>
-                <a:cs typeface="Arial" panose="020B0604020202020204" pitchFamily="34" charset="0"/>
-              </a:rPr>
-              <a:t>            return </a:t>
-            </a:r>
-            <a:r>
-              <a:rPr lang="en-US" dirty="0">
-                <a:latin typeface="Arial" panose="020B0604020202020204" pitchFamily="34" charset="0"/>
-                <a:cs typeface="Arial" panose="020B0604020202020204" pitchFamily="34" charset="0"/>
-              </a:rPr>
-              <a:t>null</a:t>
-            </a:r>
-            <a:br>
-              <a:rPr lang="en-US" b="1" dirty="0">
-                <a:latin typeface="Arial" panose="020B0604020202020204" pitchFamily="34" charset="0"/>
-                <a:cs typeface="Arial" panose="020B0604020202020204" pitchFamily="34" charset="0"/>
-              </a:rPr>
-            </a:br>
-            <a:r>
-              <a:rPr lang="en-US" b="1" dirty="0">
-                <a:latin typeface="Arial" panose="020B0604020202020204" pitchFamily="34" charset="0"/>
-                <a:cs typeface="Arial" panose="020B0604020202020204" pitchFamily="34" charset="0"/>
-              </a:rPr>
-              <a:t>        else</a:t>
-            </a:r>
-            <a:br>
-              <a:rPr lang="en-US" b="1" dirty="0">
-                <a:latin typeface="Arial" panose="020B0604020202020204" pitchFamily="34" charset="0"/>
-                <a:cs typeface="Arial" panose="020B0604020202020204" pitchFamily="34" charset="0"/>
-              </a:rPr>
-            </a:br>
-            <a:r>
-              <a:rPr lang="en-US" dirty="0">
-                <a:latin typeface="Arial" panose="020B0604020202020204" pitchFamily="34" charset="0"/>
-                <a:cs typeface="Arial" panose="020B0604020202020204" pitchFamily="34" charset="0"/>
-              </a:rPr>
-              <a:t>            </a:t>
-            </a:r>
-            <a:r>
-              <a:rPr lang="en-US" dirty="0" err="1">
-                <a:latin typeface="Arial" panose="020B0604020202020204" pitchFamily="34" charset="0"/>
-                <a:cs typeface="Arial" panose="020B0604020202020204" pitchFamily="34" charset="0"/>
-              </a:rPr>
-              <a:t>GenerateIndex</a:t>
-            </a:r>
-            <a:r>
-              <a:rPr lang="en-US" dirty="0">
-                <a:latin typeface="Arial" panose="020B0604020202020204" pitchFamily="34" charset="0"/>
-                <a:cs typeface="Arial" panose="020B0604020202020204" pitchFamily="34" charset="0"/>
-              </a:rPr>
-              <a:t>(temp, cluster[temp].max)</a:t>
-            </a:r>
-            <a:endParaRPr lang="ru-RU" dirty="0">
-              <a:latin typeface="Arial" panose="020B0604020202020204" pitchFamily="34" charset="0"/>
-              <a:cs typeface="Arial" panose="020B0604020202020204" pitchFamily="34" charset="0"/>
-            </a:endParaRPr>
-          </a:p>
-          <a:p>
-            <a:endParaRPr lang="ru-RU" dirty="0"/>
-          </a:p>
-        </p:txBody>
-      </p:sp>
-      <p:sp>
-        <p:nvSpPr>
-          <p:cNvPr id="4" name="Дата 3">
-            <a:extLst>
-              <a:ext uri="{FF2B5EF4-FFF2-40B4-BE49-F238E27FC236}">
-                <a16:creationId xmlns:a16="http://schemas.microsoft.com/office/drawing/2014/main" id="{DAEB77EF-BADA-4F40-BC5B-07FBEFEC79B1}"/>
-              </a:ext>
-            </a:extLst>
-          </p:cNvPr>
-          <p:cNvSpPr>
-            <a:spLocks noGrp="1"/>
-          </p:cNvSpPr>
-          <p:nvPr>
-            <p:ph type="dt" sz="half" idx="10"/>
-          </p:nvPr>
-        </p:nvSpPr>
-        <p:spPr/>
-        <p:txBody>
-          <a:bodyPr/>
-          <a:lstStyle/>
-          <a:p>
-            <a:r>
-              <a:rPr lang="ru-RU"/>
-              <a:t>2023</a:t>
-            </a:r>
-          </a:p>
-        </p:txBody>
-      </p:sp>
-      <p:sp>
-        <p:nvSpPr>
-          <p:cNvPr id="5" name="Нижний колонтитул 4">
-            <a:extLst>
-              <a:ext uri="{FF2B5EF4-FFF2-40B4-BE49-F238E27FC236}">
-                <a16:creationId xmlns:a16="http://schemas.microsoft.com/office/drawing/2014/main" id="{0968CC94-DE6C-4B47-A3E5-57861D1EDE1D}"/>
-              </a:ext>
-            </a:extLst>
-          </p:cNvPr>
-          <p:cNvSpPr>
-            <a:spLocks noGrp="1"/>
-          </p:cNvSpPr>
-          <p:nvPr>
-            <p:ph type="ftr" sz="quarter" idx="11"/>
-          </p:nvPr>
-        </p:nvSpPr>
-        <p:spPr/>
-        <p:txBody>
-          <a:bodyPr/>
-          <a:lstStyle/>
-          <a:p>
-            <a:r>
-              <a:rPr lang="ru-RU"/>
-              <a:t>Борик Р. Д</a:t>
-            </a:r>
+          <p:cNvPr id="7" name="Номер слайда 6">
+            <a:extLst>
+              <a:ext uri="{FF2B5EF4-FFF2-40B4-BE49-F238E27FC236}">
+                <a16:creationId xmlns:a16="http://schemas.microsoft.com/office/drawing/2014/main" id="{43DE05D7-9ABC-4040-87CD-21981F2B4D46}"/>
+              </a:ext>
+            </a:extLst>
+          </p:cNvPr>
+          <p:cNvSpPr>
+            <a:spLocks noGrp="1"/>
+          </p:cNvSpPr>
+          <p:nvPr>
+            <p:ph type="sldNum" sz="quarter" idx="12"/>
+          </p:nvPr>
+        </p:nvSpPr>
+        <p:spPr/>
+        <p:txBody>
+          <a:bodyPr/>
+          <a:lstStyle/>
+          <a:p>
+            <a:fld id="{F5F7BD9D-D9F0-4178-8503-A05219E63A73}" type="slidenum">
+              <a:rPr lang="ru-RU" sz="4400" smtClean="0"/>
+              <a:t>13</a:t>
+            </a:fld>
+            <a:endParaRPr lang="ru-RU" sz="4400" dirty="0"/>
           </a:p>
         </p:txBody>
       </p:sp>
     </p:spTree>
     <p:extLst>
       <p:ext uri="{BB962C8B-B14F-4D97-AF65-F5344CB8AC3E}">
-        <p14:creationId xmlns:p14="http://schemas.microsoft.com/office/powerpoint/2010/main" val="703508920"/>
+        <p14:creationId xmlns:p14="http://schemas.microsoft.com/office/powerpoint/2010/main" val="3189327898"/>
       </p:ext>
     </p:extLst>
   </p:cSld>
@@ -6672,7 +5276,7 @@
           <p:cNvPr id="2" name="Заголовок 1">
             <a:extLst>
               <a:ext uri="{FF2B5EF4-FFF2-40B4-BE49-F238E27FC236}">
-                <a16:creationId xmlns:a16="http://schemas.microsoft.com/office/drawing/2014/main" id="{4F4B03A9-7E7F-4361-A823-CEBFDD4C4E52}"/>
+                <a16:creationId xmlns:a16="http://schemas.microsoft.com/office/drawing/2014/main" id="{B05F751F-40AA-4812-A0F8-C26BAD1CE54D}"/>
               </a:ext>
             </a:extLst>
           </p:cNvPr>
@@ -6683,146 +5287,120 @@
             <p:ph type="title"/>
           </p:nvPr>
         </p:nvSpPr>
-        <p:spPr/>
-        <p:txBody>
-          <a:bodyPr/>
-          <a:lstStyle/>
-          <a:p>
-            <a:r>
-              <a:rPr lang="ru-RU" dirty="0">
+        <p:spPr>
+          <a:xfrm>
+            <a:off x="838200" y="365125"/>
+            <a:ext cx="10588691" cy="1325563"/>
+          </a:xfrm>
+        </p:spPr>
+        <p:txBody>
+          <a:bodyPr/>
+          <a:lstStyle/>
+          <a:p>
+            <a:r>
+              <a:rPr lang="en-US" dirty="0">
                 <a:latin typeface="Arial Black" panose="020B0A04020102020204" pitchFamily="34" charset="0"/>
               </a:rPr>
-              <a:t>Тестирование производительности</a:t>
-            </a:r>
-          </a:p>
-        </p:txBody>
-      </p:sp>
-      <p:sp>
-        <p:nvSpPr>
-          <p:cNvPr id="7" name="Объект 6">
-            <a:extLst>
-              <a:ext uri="{FF2B5EF4-FFF2-40B4-BE49-F238E27FC236}">
-                <a16:creationId xmlns:a16="http://schemas.microsoft.com/office/drawing/2014/main" id="{CF86A473-A3FD-40D5-94EF-F3AC57EFD281}"/>
-              </a:ext>
-            </a:extLst>
-          </p:cNvPr>
-          <p:cNvSpPr>
-            <a:spLocks noGrp="1"/>
-          </p:cNvSpPr>
-          <p:nvPr>
-            <p:ph idx="1"/>
-          </p:nvPr>
-        </p:nvSpPr>
-        <p:spPr/>
+              <a:t>Successor</a:t>
+            </a:r>
+            <a:endParaRPr lang="ru-RU" dirty="0">
+              <a:latin typeface="Arial Black" panose="020B0A04020102020204" pitchFamily="34" charset="0"/>
+            </a:endParaRPr>
+          </a:p>
+        </p:txBody>
+      </p:sp>
+      <p:sp>
+        <p:nvSpPr>
+          <p:cNvPr id="3" name="Объект 2">
+            <a:extLst>
+              <a:ext uri="{FF2B5EF4-FFF2-40B4-BE49-F238E27FC236}">
+                <a16:creationId xmlns:a16="http://schemas.microsoft.com/office/drawing/2014/main" id="{02E7EC0C-6B15-49F9-9F93-DB24A3CE0A58}"/>
+              </a:ext>
+            </a:extLst>
+          </p:cNvPr>
+          <p:cNvSpPr>
+            <a:spLocks noGrp="1"/>
+          </p:cNvSpPr>
+          <p:nvPr>
+            <p:ph sz="half" idx="1"/>
+          </p:nvPr>
+        </p:nvSpPr>
+        <p:spPr>
+          <a:xfrm>
+            <a:off x="838200" y="2290763"/>
+            <a:ext cx="5181600" cy="3886200"/>
+          </a:xfrm>
+        </p:spPr>
         <p:txBody>
           <a:bodyPr/>
           <a:lstStyle/>
           <a:p>
             <a:pPr marL="0" indent="0">
-              <a:lnSpc>
-                <a:spcPct val="150000"/>
-              </a:lnSpc>
               <a:buNone/>
             </a:pPr>
             <a:r>
-              <a:rPr lang="ru-RU" altLang="ru-RU" dirty="0"/>
-              <a:t>Для сравнения использовались контейнеры </a:t>
-            </a:r>
-          </a:p>
-          <a:p>
-            <a:pPr marL="0" indent="0">
-              <a:lnSpc>
-                <a:spcPct val="150000"/>
-              </a:lnSpc>
-              <a:buNone/>
-            </a:pPr>
-            <a:r>
-              <a:rPr lang="ru-RU" altLang="ru-RU" b="1" dirty="0"/>
-              <a:t>	</a:t>
-            </a:r>
-            <a:r>
-              <a:rPr lang="ru-RU" altLang="ru-RU" b="1" dirty="0" err="1"/>
+              <a:rPr lang="en-US" b="1" dirty="0">
+                <a:solidFill>
+                  <a:srgbClr val="006CB5"/>
+                </a:solidFill>
+                <a:latin typeface="Arial" panose="020B0604020202020204" pitchFamily="34" charset="0"/>
+                <a:cs typeface="Arial" panose="020B0604020202020204" pitchFamily="34" charset="0"/>
+              </a:rPr>
+              <a:t>VEB</a:t>
+            </a:r>
+            <a:r>
+              <a:rPr lang="en-US" dirty="0">
+                <a:latin typeface="Arial" panose="020B0604020202020204" pitchFamily="34" charset="0"/>
+                <a:cs typeface="Arial" panose="020B0604020202020204" pitchFamily="34" charset="0"/>
+              </a:rPr>
+              <a:t> </a:t>
+            </a:r>
+            <a:r>
+              <a:rPr lang="ru-RU" b="1" dirty="0">
+                <a:latin typeface="Arial" panose="020B0604020202020204" pitchFamily="34" charset="0"/>
+                <a:cs typeface="Arial" panose="020B0604020202020204" pitchFamily="34" charset="0"/>
+              </a:rPr>
+              <a:t>дерево </a:t>
+            </a:r>
+            <a:r>
+              <a:rPr lang="ru-RU" dirty="0">
+                <a:latin typeface="Arial" panose="020B0604020202020204" pitchFamily="34" charset="0"/>
+                <a:cs typeface="Arial" panose="020B0604020202020204" pitchFamily="34" charset="0"/>
+              </a:rPr>
+              <a:t>проигрывает в скорости </a:t>
+            </a:r>
+            <a:r>
+              <a:rPr lang="ru-RU" altLang="ru-RU" b="1" dirty="0" err="1">
+                <a:latin typeface="Arial" panose="020B0604020202020204" pitchFamily="34" charset="0"/>
+                <a:cs typeface="Arial" panose="020B0604020202020204" pitchFamily="34" charset="0"/>
+              </a:rPr>
               <a:t>std</a:t>
             </a:r>
             <a:r>
-              <a:rPr lang="ru-RU" altLang="ru-RU" b="1" dirty="0"/>
+              <a:rPr lang="ru-RU" altLang="ru-RU" b="1" dirty="0">
+                <a:latin typeface="Arial" panose="020B0604020202020204" pitchFamily="34" charset="0"/>
+                <a:cs typeface="Arial" panose="020B0604020202020204" pitchFamily="34" charset="0"/>
+              </a:rPr>
               <a:t>::</a:t>
             </a:r>
             <a:r>
-              <a:rPr lang="ru-RU" altLang="ru-RU" b="1" dirty="0" err="1"/>
+              <a:rPr lang="ru-RU" altLang="ru-RU" b="1" dirty="0" err="1">
+                <a:latin typeface="Arial" panose="020B0604020202020204" pitchFamily="34" charset="0"/>
+                <a:cs typeface="Arial" panose="020B0604020202020204" pitchFamily="34" charset="0"/>
+              </a:rPr>
               <a:t>set</a:t>
             </a:r>
             <a:r>
-              <a:rPr lang="ru-RU" altLang="ru-RU" b="1" dirty="0"/>
-              <a:t> </a:t>
-            </a:r>
-            <a:r>
-              <a:rPr lang="ru-RU" altLang="ru-RU" dirty="0"/>
-              <a:t>и </a:t>
-            </a:r>
-            <a:r>
-              <a:rPr lang="ru-RU" altLang="ru-RU" b="1" dirty="0" err="1"/>
-              <a:t>std</a:t>
-            </a:r>
-            <a:r>
-              <a:rPr lang="ru-RU" altLang="ru-RU" b="1" dirty="0"/>
-              <a:t>::</a:t>
-            </a:r>
-            <a:r>
-              <a:rPr lang="ru-RU" altLang="ru-RU" b="1" dirty="0" err="1"/>
-              <a:t>unordered_set</a:t>
-            </a:r>
-            <a:r>
-              <a:rPr lang="ru-RU" altLang="ru-RU" b="1" dirty="0"/>
-              <a:t> </a:t>
-            </a:r>
-          </a:p>
-          <a:p>
-            <a:pPr marL="0" indent="0">
-              <a:lnSpc>
-                <a:spcPct val="150000"/>
-              </a:lnSpc>
-              <a:buNone/>
-            </a:pPr>
-            <a:r>
-              <a:rPr lang="ru-RU" altLang="ru-RU" dirty="0"/>
-              <a:t>		стандартной библиотеки шаблонов </a:t>
-            </a:r>
-            <a:r>
-              <a:rPr lang="ru-RU" altLang="ru-RU" b="1" dirty="0"/>
-              <a:t>STL</a:t>
-            </a:r>
-          </a:p>
-          <a:p>
-            <a:pPr marL="0" indent="0">
-              <a:lnSpc>
-                <a:spcPct val="150000"/>
-              </a:lnSpc>
-              <a:buNone/>
-            </a:pPr>
-            <a:r>
-              <a:rPr lang="ru-RU" altLang="ru-RU" dirty="0"/>
-              <a:t>			и аналогичные функции</a:t>
-            </a:r>
-            <a:r>
-              <a:rPr lang="ru-RU" altLang="ru-RU" b="1" dirty="0"/>
-              <a:t> </a:t>
-            </a:r>
-            <a:r>
-              <a:rPr lang="ru-RU" altLang="ru-RU" b="1" dirty="0" err="1"/>
-              <a:t>vEB</a:t>
-            </a:r>
-            <a:r>
-              <a:rPr lang="ru-RU" altLang="ru-RU" b="1" dirty="0"/>
-              <a:t> дерева</a:t>
-            </a:r>
-            <a:r>
-              <a:rPr lang="ru-RU" altLang="ru-RU" dirty="0"/>
+              <a:rPr lang="en-US" altLang="ru-RU" b="1" dirty="0">
+                <a:latin typeface="Arial" panose="020B0604020202020204" pitchFamily="34" charset="0"/>
+                <a:cs typeface="Arial" panose="020B0604020202020204" pitchFamily="34" charset="0"/>
+              </a:rPr>
               <a:t>.</a:t>
             </a:r>
-          </a:p>
-          <a:p>
-            <a:endParaRPr lang="ru-RU" dirty="0"/>
+            <a:endParaRPr lang="ru-RU" dirty="0">
+              <a:latin typeface="Arial" panose="020B0604020202020204" pitchFamily="34" charset="0"/>
+              <a:cs typeface="Arial" panose="020B0604020202020204" pitchFamily="34" charset="0"/>
+            </a:endParaRPr>
           </a:p>
         </p:txBody>
       </p:sp>
@@ -6831,7 +5409,7 @@
           <p:cNvPr id="5" name="Дата 4">
             <a:extLst>
               <a:ext uri="{FF2B5EF4-FFF2-40B4-BE49-F238E27FC236}">
-                <a16:creationId xmlns:a16="http://schemas.microsoft.com/office/drawing/2014/main" id="{BCE7333E-CB56-4EF6-B4DE-4F0A79521411}"/>
+                <a16:creationId xmlns:a16="http://schemas.microsoft.com/office/drawing/2014/main" id="{9A25CD09-B261-46CD-BDC6-98290B43E2B0}"/>
               </a:ext>
             </a:extLst>
           </p:cNvPr>
@@ -6859,7 +5437,7 @@
           <p:cNvPr id="6" name="Нижний колонтитул 5">
             <a:extLst>
               <a:ext uri="{FF2B5EF4-FFF2-40B4-BE49-F238E27FC236}">
-                <a16:creationId xmlns:a16="http://schemas.microsoft.com/office/drawing/2014/main" id="{335ADC19-66E6-4C03-BCF6-0706E8203EE7}"/>
+                <a16:creationId xmlns:a16="http://schemas.microsoft.com/office/drawing/2014/main" id="{17E3D693-E049-45BF-9486-C3F2622EEFF4}"/>
               </a:ext>
             </a:extLst>
           </p:cNvPr>
@@ -6879,13 +5457,77 @@
               <a:rPr lang="ru-RU"/>
               <a:t>Борик Р. Д</a:t>
             </a:r>
+          </a:p>
+        </p:txBody>
+      </p:sp>
+      <p:pic>
+        <p:nvPicPr>
+          <p:cNvPr id="9" name="Объект 8">
+            <a:extLst>
+              <a:ext uri="{FF2B5EF4-FFF2-40B4-BE49-F238E27FC236}">
+                <a16:creationId xmlns:a16="http://schemas.microsoft.com/office/drawing/2014/main" id="{33422C9C-C3E4-4184-99CF-5CA9A13DA7DE}"/>
+              </a:ext>
+            </a:extLst>
+          </p:cNvPr>
+          <p:cNvPicPr>
+            <a:picLocks noGrp="1" noChangeAspect="1"/>
+          </p:cNvPicPr>
+          <p:nvPr>
+            <p:ph sz="half" idx="2"/>
+          </p:nvPr>
+        </p:nvPicPr>
+        <p:blipFill>
+          <a:blip r:embed="rId2">
+            <a:extLst>
+              <a:ext uri="{28A0092B-C50C-407E-A947-70E740481C1C}">
+                <a14:useLocalDpi xmlns:a14="http://schemas.microsoft.com/office/drawing/2010/main" val="0"/>
+              </a:ext>
+            </a:extLst>
+          </a:blip>
+          <a:stretch>
+            <a:fillRect/>
+          </a:stretch>
+        </p:blipFill>
+        <p:spPr>
+          <a:xfrm>
+            <a:off x="6172200" y="2058194"/>
+            <a:ext cx="5181600" cy="3886200"/>
+          </a:xfrm>
+        </p:spPr>
+      </p:pic>
+      <p:sp>
+        <p:nvSpPr>
+          <p:cNvPr id="7" name="Номер слайда 6">
+            <a:extLst>
+              <a:ext uri="{FF2B5EF4-FFF2-40B4-BE49-F238E27FC236}">
+                <a16:creationId xmlns:a16="http://schemas.microsoft.com/office/drawing/2014/main" id="{0AF16D0A-D244-4109-89F8-E90370BFA31B}"/>
+              </a:ext>
+            </a:extLst>
+          </p:cNvPr>
+          <p:cNvSpPr>
+            <a:spLocks noGrp="1"/>
+          </p:cNvSpPr>
+          <p:nvPr>
+            <p:ph type="sldNum" sz="quarter" idx="12"/>
+          </p:nvPr>
+        </p:nvSpPr>
+        <p:spPr/>
+        <p:txBody>
+          <a:bodyPr/>
+          <a:lstStyle/>
+          <a:p>
+            <a:fld id="{F5F7BD9D-D9F0-4178-8503-A05219E63A73}" type="slidenum">
+              <a:rPr lang="ru-RU" sz="4400" smtClean="0"/>
+              <a:t>14</a:t>
+            </a:fld>
+            <a:endParaRPr lang="ru-RU" sz="4400" dirty="0"/>
           </a:p>
         </p:txBody>
       </p:sp>
     </p:spTree>
     <p:extLst>
       <p:ext uri="{BB962C8B-B14F-4D97-AF65-F5344CB8AC3E}">
-        <p14:creationId xmlns:p14="http://schemas.microsoft.com/office/powerpoint/2010/main" val="2438200188"/>
+        <p14:creationId xmlns:p14="http://schemas.microsoft.com/office/powerpoint/2010/main" val="4103837345"/>
       </p:ext>
     </p:extLst>
   </p:cSld>
@@ -6945,7 +5587,7 @@
               <a:rPr lang="en-US" dirty="0">
                 <a:latin typeface="Arial Black" panose="020B0A04020102020204" pitchFamily="34" charset="0"/>
               </a:rPr>
-              <a:t>Find</a:t>
+              <a:t>Predecessor</a:t>
             </a:r>
             <a:endParaRPr lang="ru-RU" dirty="0">
               <a:latin typeface="Arial Black" panose="020B0A04020102020204" pitchFamily="34" charset="0"/>
@@ -6969,164 +5611,83 @@
             <p:ph sz="half" idx="1"/>
           </p:nvPr>
         </p:nvSpPr>
-        <p:spPr/>
-        <p:txBody>
-          <a:bodyPr>
-            <a:normAutofit/>
-          </a:bodyPr>
+        <p:spPr>
+          <a:xfrm>
+            <a:off x="838200" y="2290763"/>
+            <a:ext cx="5181600" cy="3886200"/>
+          </a:xfrm>
+        </p:spPr>
+        <p:txBody>
+          <a:bodyPr/>
           <a:lstStyle/>
           <a:p>
             <a:pPr marL="0" indent="0">
               <a:buNone/>
             </a:pPr>
             <a:r>
+              <a:rPr lang="en-US" b="1" dirty="0">
+                <a:solidFill>
+                  <a:srgbClr val="006CB5"/>
+                </a:solidFill>
+                <a:latin typeface="Arial" panose="020B0604020202020204" pitchFamily="34" charset="0"/>
+                <a:cs typeface="Arial" panose="020B0604020202020204" pitchFamily="34" charset="0"/>
+              </a:rPr>
+              <a:t>VEB</a:t>
+            </a:r>
+            <a:r>
+              <a:rPr lang="en-US" dirty="0">
+                <a:latin typeface="Arial" panose="020B0604020202020204" pitchFamily="34" charset="0"/>
+                <a:cs typeface="Arial" panose="020B0604020202020204" pitchFamily="34" charset="0"/>
+              </a:rPr>
+              <a:t> </a:t>
+            </a:r>
+            <a:r>
+              <a:rPr lang="ru-RU" b="1" dirty="0">
+                <a:latin typeface="Arial" panose="020B0604020202020204" pitchFamily="34" charset="0"/>
+                <a:cs typeface="Arial" panose="020B0604020202020204" pitchFamily="34" charset="0"/>
+              </a:rPr>
+              <a:t>дерево </a:t>
+            </a:r>
+            <a:r>
               <a:rPr lang="ru-RU" dirty="0">
                 <a:latin typeface="Arial" panose="020B0604020202020204" pitchFamily="34" charset="0"/>
                 <a:cs typeface="Arial" panose="020B0604020202020204" pitchFamily="34" charset="0"/>
               </a:rPr>
-              <a:t>На вход подаётся набор значений в случайном порядке сгенерированный с помощью </a:t>
-            </a:r>
-            <a:r>
-              <a:rPr lang="ru-RU" b="1" dirty="0">
-                <a:latin typeface="Arial" panose="020B0604020202020204" pitchFamily="34" charset="0"/>
-                <a:cs typeface="Arial" panose="020B0604020202020204" pitchFamily="34" charset="0"/>
-              </a:rPr>
-              <a:t>алгоритма Фишера-Йетса</a:t>
-            </a:r>
-            <a:r>
-              <a:rPr lang="ru-RU" dirty="0">
+              <a:t>проигрывает в скорости </a:t>
+            </a:r>
+            <a:r>
+              <a:rPr lang="ru-RU" altLang="ru-RU" b="1" dirty="0" err="1">
+                <a:latin typeface="Arial" panose="020B0604020202020204" pitchFamily="34" charset="0"/>
+                <a:cs typeface="Arial" panose="020B0604020202020204" pitchFamily="34" charset="0"/>
+              </a:rPr>
+              <a:t>std</a:t>
+            </a:r>
+            <a:r>
+              <a:rPr lang="ru-RU" altLang="ru-RU" b="1" dirty="0">
+                <a:latin typeface="Arial" panose="020B0604020202020204" pitchFamily="34" charset="0"/>
+                <a:cs typeface="Arial" panose="020B0604020202020204" pitchFamily="34" charset="0"/>
+              </a:rPr>
+              <a:t>::</a:t>
+            </a:r>
+            <a:r>
+              <a:rPr lang="ru-RU" altLang="ru-RU" b="1" dirty="0" err="1">
+                <a:latin typeface="Arial" panose="020B0604020202020204" pitchFamily="34" charset="0"/>
+                <a:cs typeface="Arial" panose="020B0604020202020204" pitchFamily="34" charset="0"/>
+              </a:rPr>
+              <a:t>set</a:t>
+            </a:r>
+            <a:r>
+              <a:rPr lang="en-US" altLang="ru-RU" b="1" dirty="0">
                 <a:latin typeface="Arial" panose="020B0604020202020204" pitchFamily="34" charset="0"/>
                 <a:cs typeface="Arial" panose="020B0604020202020204" pitchFamily="34" charset="0"/>
               </a:rPr>
               <a:t>.</a:t>
             </a:r>
-          </a:p>
-          <a:p>
-            <a:pPr marL="0" indent="0">
-              <a:buNone/>
-            </a:pPr>
             <a:endParaRPr lang="ru-RU" dirty="0">
               <a:latin typeface="Arial" panose="020B0604020202020204" pitchFamily="34" charset="0"/>
               <a:cs typeface="Arial" panose="020B0604020202020204" pitchFamily="34" charset="0"/>
             </a:endParaRPr>
           </a:p>
-          <a:p>
-            <a:pPr marL="0" indent="0">
-              <a:buNone/>
-            </a:pPr>
-            <a:r>
-              <a:rPr lang="en-US" b="1" dirty="0">
-                <a:latin typeface="Arial" panose="020B0604020202020204" pitchFamily="34" charset="0"/>
-                <a:cs typeface="Arial" panose="020B0604020202020204" pitchFamily="34" charset="0"/>
-              </a:rPr>
-              <a:t>VEB</a:t>
-            </a:r>
-            <a:r>
-              <a:rPr lang="ru-RU" b="1" dirty="0">
-                <a:latin typeface="Arial" panose="020B0604020202020204" pitchFamily="34" charset="0"/>
-                <a:cs typeface="Arial" panose="020B0604020202020204" pitchFamily="34" charset="0"/>
-              </a:rPr>
-              <a:t> дерево </a:t>
-            </a:r>
-            <a:r>
-              <a:rPr lang="ru-RU" dirty="0">
-                <a:latin typeface="Arial" panose="020B0604020202020204" pitchFamily="34" charset="0"/>
-                <a:cs typeface="Arial" panose="020B0604020202020204" pitchFamily="34" charset="0"/>
-              </a:rPr>
-              <a:t>обгоняет</a:t>
-            </a:r>
-            <a:r>
-              <a:rPr lang="ru-RU" b="1" dirty="0">
-                <a:latin typeface="Arial" panose="020B0604020202020204" pitchFamily="34" charset="0"/>
-                <a:cs typeface="Arial" panose="020B0604020202020204" pitchFamily="34" charset="0"/>
-              </a:rPr>
-              <a:t> </a:t>
-            </a:r>
-            <a:r>
-              <a:rPr lang="ru-RU" altLang="ru-RU" b="1" dirty="0">
-                <a:latin typeface="Arial" panose="020B0604020202020204" pitchFamily="34" charset="0"/>
-                <a:cs typeface="Arial" panose="020B0604020202020204" pitchFamily="34" charset="0"/>
-              </a:rPr>
-              <a:t> </a:t>
-            </a:r>
-            <a:r>
-              <a:rPr lang="ru-RU" altLang="ru-RU" b="1" dirty="0" err="1">
-                <a:latin typeface="Arial" panose="020B0604020202020204" pitchFamily="34" charset="0"/>
-                <a:cs typeface="Arial" panose="020B0604020202020204" pitchFamily="34" charset="0"/>
-              </a:rPr>
-              <a:t>std</a:t>
-            </a:r>
-            <a:r>
-              <a:rPr lang="ru-RU" altLang="ru-RU" b="1" dirty="0">
-                <a:latin typeface="Arial" panose="020B0604020202020204" pitchFamily="34" charset="0"/>
-                <a:cs typeface="Arial" panose="020B0604020202020204" pitchFamily="34" charset="0"/>
-              </a:rPr>
-              <a:t>::</a:t>
-            </a:r>
-            <a:r>
-              <a:rPr lang="ru-RU" altLang="ru-RU" b="1" dirty="0" err="1">
-                <a:latin typeface="Arial" panose="020B0604020202020204" pitchFamily="34" charset="0"/>
-                <a:cs typeface="Arial" panose="020B0604020202020204" pitchFamily="34" charset="0"/>
-              </a:rPr>
-              <a:t>set</a:t>
-            </a:r>
-            <a:r>
-              <a:rPr lang="ru-RU" altLang="ru-RU" dirty="0">
-                <a:latin typeface="Arial" panose="020B0604020202020204" pitchFamily="34" charset="0"/>
-                <a:cs typeface="Arial" panose="020B0604020202020204" pitchFamily="34" charset="0"/>
-              </a:rPr>
-              <a:t>, но</a:t>
-            </a:r>
-            <a:r>
-              <a:rPr lang="en-US" dirty="0">
-                <a:latin typeface="Arial" panose="020B0604020202020204" pitchFamily="34" charset="0"/>
-                <a:cs typeface="Arial" panose="020B0604020202020204" pitchFamily="34" charset="0"/>
-              </a:rPr>
-              <a:t> </a:t>
-            </a:r>
-            <a:r>
-              <a:rPr lang="ru-RU" dirty="0">
-                <a:latin typeface="Arial" panose="020B0604020202020204" pitchFamily="34" charset="0"/>
-                <a:cs typeface="Arial" panose="020B0604020202020204" pitchFamily="34" charset="0"/>
-              </a:rPr>
-              <a:t>проигрывает в скорости </a:t>
-            </a:r>
-            <a:r>
-              <a:rPr lang="ru-RU" altLang="ru-RU" b="1" dirty="0" err="1">
-                <a:latin typeface="Arial" panose="020B0604020202020204" pitchFamily="34" charset="0"/>
-                <a:cs typeface="Arial" panose="020B0604020202020204" pitchFamily="34" charset="0"/>
-              </a:rPr>
-              <a:t>std</a:t>
-            </a:r>
-            <a:r>
-              <a:rPr lang="ru-RU" altLang="ru-RU" b="1" dirty="0">
-                <a:latin typeface="Arial" panose="020B0604020202020204" pitchFamily="34" charset="0"/>
-                <a:cs typeface="Arial" panose="020B0604020202020204" pitchFamily="34" charset="0"/>
-              </a:rPr>
-              <a:t>::</a:t>
-            </a:r>
-            <a:r>
-              <a:rPr lang="ru-RU" altLang="ru-RU" b="1" dirty="0" err="1">
-                <a:latin typeface="Arial" panose="020B0604020202020204" pitchFamily="34" charset="0"/>
-                <a:cs typeface="Arial" panose="020B0604020202020204" pitchFamily="34" charset="0"/>
-              </a:rPr>
-              <a:t>unordered_set</a:t>
-            </a:r>
-            <a:r>
-              <a:rPr lang="en-US" dirty="0">
-                <a:latin typeface="Arial" panose="020B0604020202020204" pitchFamily="34" charset="0"/>
-                <a:cs typeface="Arial" panose="020B0604020202020204" pitchFamily="34" charset="0"/>
-              </a:rPr>
-              <a:t> </a:t>
-            </a:r>
-            <a:r>
-              <a:rPr lang="ru-RU" dirty="0">
-                <a:latin typeface="Arial" panose="020B0604020202020204" pitchFamily="34" charset="0"/>
-                <a:cs typeface="Arial" panose="020B0604020202020204" pitchFamily="34" charset="0"/>
-              </a:rPr>
-              <a:t>при больших значениях.</a:t>
-            </a:r>
-          </a:p>
         </p:txBody>
       </p:sp>
       <p:sp>
@@ -7190,7 +5751,7 @@
           <p:cNvPr id="10" name="Объект 9">
             <a:extLst>
               <a:ext uri="{FF2B5EF4-FFF2-40B4-BE49-F238E27FC236}">
-                <a16:creationId xmlns:a16="http://schemas.microsoft.com/office/drawing/2014/main" id="{5D092FBB-5E42-47C4-B14B-122BA7C05056}"/>
+                <a16:creationId xmlns:a16="http://schemas.microsoft.com/office/drawing/2014/main" id="{5D8896C0-AF0D-42D0-9694-56ADFAEF5EB8}"/>
               </a:ext>
             </a:extLst>
           </p:cNvPr>
@@ -7220,10 +5781,39 @@
           </a:xfrm>
         </p:spPr>
       </p:pic>
+      <p:sp>
+        <p:nvSpPr>
+          <p:cNvPr id="7" name="Номер слайда 6">
+            <a:extLst>
+              <a:ext uri="{FF2B5EF4-FFF2-40B4-BE49-F238E27FC236}">
+                <a16:creationId xmlns:a16="http://schemas.microsoft.com/office/drawing/2014/main" id="{BDF51005-C328-43F8-A1EF-F08CD4BC1D6A}"/>
+              </a:ext>
+            </a:extLst>
+          </p:cNvPr>
+          <p:cNvSpPr>
+            <a:spLocks noGrp="1"/>
+          </p:cNvSpPr>
+          <p:nvPr>
+            <p:ph type="sldNum" sz="quarter" idx="12"/>
+          </p:nvPr>
+        </p:nvSpPr>
+        <p:spPr/>
+        <p:txBody>
+          <a:bodyPr/>
+          <a:lstStyle/>
+          <a:p>
+            <a:fld id="{F5F7BD9D-D9F0-4178-8503-A05219E63A73}" type="slidenum">
+              <a:rPr lang="ru-RU" sz="4400" smtClean="0"/>
+              <a:t>15</a:t>
+            </a:fld>
+            <a:endParaRPr lang="ru-RU" sz="4400" dirty="0"/>
+          </a:p>
+        </p:txBody>
+      </p:sp>
     </p:spTree>
     <p:extLst>
       <p:ext uri="{BB962C8B-B14F-4D97-AF65-F5344CB8AC3E}">
-        <p14:creationId xmlns:p14="http://schemas.microsoft.com/office/powerpoint/2010/main" val="920721266"/>
+        <p14:creationId xmlns:p14="http://schemas.microsoft.com/office/powerpoint/2010/main" val="2567857491"/>
       </p:ext>
     </p:extLst>
   </p:cSld>
@@ -7255,10 +5845,10 @@
       </p:grpSpPr>
       <p:sp>
         <p:nvSpPr>
-          <p:cNvPr id="2" name="Заголовок 1">
-            <a:extLst>
-              <a:ext uri="{FF2B5EF4-FFF2-40B4-BE49-F238E27FC236}">
-                <a16:creationId xmlns:a16="http://schemas.microsoft.com/office/drawing/2014/main" id="{B05F751F-40AA-4812-A0F8-C26BAD1CE54D}"/>
+          <p:cNvPr id="7" name="Заголовок 6">
+            <a:extLst>
+              <a:ext uri="{FF2B5EF4-FFF2-40B4-BE49-F238E27FC236}">
+                <a16:creationId xmlns:a16="http://schemas.microsoft.com/office/drawing/2014/main" id="{F985232A-2BD8-48D7-BC8C-0550B33E9BF1}"/>
               </a:ext>
             </a:extLst>
           </p:cNvPr>
@@ -7269,201 +5859,221 @@
             <p:ph type="title"/>
           </p:nvPr>
         </p:nvSpPr>
-        <p:spPr>
-          <a:xfrm>
-            <a:off x="838200" y="365125"/>
-            <a:ext cx="10588691" cy="1325563"/>
-          </a:xfrm>
-        </p:spPr>
-        <p:txBody>
-          <a:bodyPr/>
-          <a:lstStyle/>
-          <a:p>
-            <a:r>
-              <a:rPr lang="en-US" dirty="0">
+        <p:spPr/>
+        <p:txBody>
+          <a:bodyPr/>
+          <a:lstStyle/>
+          <a:p>
+            <a:r>
+              <a:rPr lang="ru-RU" dirty="0">
                 <a:latin typeface="Arial Black" panose="020B0A04020102020204" pitchFamily="34" charset="0"/>
               </a:rPr>
-              <a:t>Insert</a:t>
-            </a:r>
-            <a:endParaRPr lang="ru-RU" dirty="0">
-              <a:latin typeface="Arial Black" panose="020B0A04020102020204" pitchFamily="34" charset="0"/>
-            </a:endParaRPr>
-          </a:p>
-        </p:txBody>
-      </p:sp>
-      <p:sp>
-        <p:nvSpPr>
-          <p:cNvPr id="3" name="Объект 2">
-            <a:extLst>
-              <a:ext uri="{FF2B5EF4-FFF2-40B4-BE49-F238E27FC236}">
-                <a16:creationId xmlns:a16="http://schemas.microsoft.com/office/drawing/2014/main" id="{02E7EC0C-6B15-49F9-9F93-DB24A3CE0A58}"/>
-              </a:ext>
-            </a:extLst>
-          </p:cNvPr>
-          <p:cNvSpPr>
-            <a:spLocks noGrp="1"/>
-          </p:cNvSpPr>
-          <p:nvPr>
-            <p:ph sz="half" idx="1"/>
-          </p:nvPr>
-        </p:nvSpPr>
-        <p:spPr/>
-        <p:txBody>
-          <a:bodyPr>
-            <a:normAutofit/>
-          </a:bodyPr>
+              <a:t>Итоги тестирования</a:t>
+            </a:r>
+          </a:p>
+        </p:txBody>
+      </p:sp>
+      <p:sp>
+        <p:nvSpPr>
+          <p:cNvPr id="8" name="Объект 7">
+            <a:extLst>
+              <a:ext uri="{FF2B5EF4-FFF2-40B4-BE49-F238E27FC236}">
+                <a16:creationId xmlns:a16="http://schemas.microsoft.com/office/drawing/2014/main" id="{1D9BCEA8-01F9-4B24-A3AB-F37F8DCF0E51}"/>
+              </a:ext>
+            </a:extLst>
+          </p:cNvPr>
+          <p:cNvSpPr>
+            <a:spLocks noGrp="1"/>
+          </p:cNvSpPr>
+          <p:nvPr>
+            <p:ph idx="1"/>
+          </p:nvPr>
+        </p:nvSpPr>
+        <p:spPr/>
+        <p:txBody>
+          <a:bodyPr/>
           <a:lstStyle/>
           <a:p>
             <a:pPr marL="0" indent="0">
               <a:buNone/>
             </a:pPr>
             <a:r>
-              <a:rPr lang="ru-RU" dirty="0">
-                <a:latin typeface="Arial" panose="020B0604020202020204" pitchFamily="34" charset="0"/>
-                <a:cs typeface="Arial" panose="020B0604020202020204" pitchFamily="34" charset="0"/>
-              </a:rPr>
-              <a:t>На вход подаётся набор значений в случайном порядке сгенерированный с помощью </a:t>
-            </a:r>
-            <a:r>
-              <a:rPr lang="ru-RU" b="1" dirty="0">
-                <a:latin typeface="Arial" panose="020B0604020202020204" pitchFamily="34" charset="0"/>
-                <a:cs typeface="Arial" panose="020B0604020202020204" pitchFamily="34" charset="0"/>
-              </a:rPr>
-              <a:t>алгоритма Фишера-Йетса</a:t>
-            </a:r>
-            <a:r>
-              <a:rPr lang="ru-RU" dirty="0">
-                <a:latin typeface="Arial" panose="020B0604020202020204" pitchFamily="34" charset="0"/>
-                <a:cs typeface="Arial" panose="020B0604020202020204" pitchFamily="34" charset="0"/>
-              </a:rPr>
-              <a:t>.</a:t>
+              <a:rPr lang="ru-RU" b="1" dirty="0"/>
+              <a:t>Алгоритм дерево </a:t>
+            </a:r>
+            <a:r>
+              <a:rPr lang="ru-RU" b="1" dirty="0" err="1"/>
+              <a:t>ван</a:t>
+            </a:r>
+            <a:r>
+              <a:rPr lang="ru-RU" b="1" dirty="0"/>
+              <a:t> </a:t>
+            </a:r>
+            <a:r>
+              <a:rPr lang="ru-RU" b="1" dirty="0" err="1"/>
+              <a:t>Эмде</a:t>
+            </a:r>
+            <a:r>
+              <a:rPr lang="ru-RU" b="1" dirty="0"/>
+              <a:t> </a:t>
+            </a:r>
+            <a:r>
+              <a:rPr lang="ru-RU" b="1" dirty="0" err="1"/>
+              <a:t>Боаса</a:t>
+            </a:r>
+            <a:r>
+              <a:rPr lang="ru-RU" b="1" dirty="0"/>
+              <a:t> </a:t>
+            </a:r>
+            <a:r>
+              <a:rPr lang="ru-RU" dirty="0"/>
+              <a:t>показывает отличные результаты.</a:t>
             </a:r>
           </a:p>
           <a:p>
             <a:pPr marL="0" indent="0">
               <a:buNone/>
             </a:pPr>
-            <a:endParaRPr lang="ru-RU" dirty="0">
-              <a:latin typeface="Arial" panose="020B0604020202020204" pitchFamily="34" charset="0"/>
-              <a:cs typeface="Arial" panose="020B0604020202020204" pitchFamily="34" charset="0"/>
-            </a:endParaRPr>
+            <a:r>
+              <a:rPr lang="ru-RU" dirty="0"/>
+              <a:t>Он обгоняет контейнер </a:t>
+            </a:r>
+            <a:r>
+              <a:rPr lang="ru-RU" altLang="ru-RU" b="1" dirty="0" err="1">
+                <a:latin typeface="Arial" panose="020B0604020202020204" pitchFamily="34" charset="0"/>
+                <a:cs typeface="Arial" panose="020B0604020202020204" pitchFamily="34" charset="0"/>
+              </a:rPr>
+              <a:t>std</a:t>
+            </a:r>
+            <a:r>
+              <a:rPr lang="ru-RU" altLang="ru-RU" b="1" dirty="0">
+                <a:latin typeface="Arial" panose="020B0604020202020204" pitchFamily="34" charset="0"/>
+                <a:cs typeface="Arial" panose="020B0604020202020204" pitchFamily="34" charset="0"/>
+              </a:rPr>
+              <a:t>::</a:t>
+            </a:r>
+            <a:r>
+              <a:rPr lang="ru-RU" altLang="ru-RU" b="1" dirty="0" err="1">
+                <a:latin typeface="Arial" panose="020B0604020202020204" pitchFamily="34" charset="0"/>
+                <a:cs typeface="Arial" panose="020B0604020202020204" pitchFamily="34" charset="0"/>
+              </a:rPr>
+              <a:t>set</a:t>
+            </a:r>
+            <a:r>
+              <a:rPr lang="ru-RU" altLang="ru-RU" dirty="0">
+                <a:latin typeface="Arial" panose="020B0604020202020204" pitchFamily="34" charset="0"/>
+                <a:cs typeface="Arial" panose="020B0604020202020204" pitchFamily="34" charset="0"/>
+              </a:rPr>
+              <a:t>, который является деревом поиска</a:t>
+            </a:r>
+            <a:r>
+              <a:rPr lang="en-US" altLang="ru-RU" dirty="0">
+                <a:latin typeface="Arial" panose="020B0604020202020204" pitchFamily="34" charset="0"/>
+                <a:cs typeface="Arial" panose="020B0604020202020204" pitchFamily="34" charset="0"/>
+              </a:rPr>
+              <a:t>,</a:t>
+            </a:r>
+            <a:r>
+              <a:rPr lang="ru-RU" altLang="ru-RU" dirty="0">
+                <a:latin typeface="Arial" panose="020B0604020202020204" pitchFamily="34" charset="0"/>
+                <a:cs typeface="Arial" panose="020B0604020202020204" pitchFamily="34" charset="0"/>
+              </a:rPr>
+              <a:t> по всем операциях, кроме </a:t>
+            </a:r>
+            <a:r>
+              <a:rPr lang="en-US" altLang="ru-RU" b="1" dirty="0">
+                <a:latin typeface="Arial" panose="020B0604020202020204" pitchFamily="34" charset="0"/>
+                <a:cs typeface="Arial" panose="020B0604020202020204" pitchFamily="34" charset="0"/>
+              </a:rPr>
+              <a:t>Successor</a:t>
+            </a:r>
+            <a:r>
+              <a:rPr lang="en-US" altLang="ru-RU" dirty="0">
+                <a:latin typeface="Arial" panose="020B0604020202020204" pitchFamily="34" charset="0"/>
+                <a:cs typeface="Arial" panose="020B0604020202020204" pitchFamily="34" charset="0"/>
+              </a:rPr>
+              <a:t> </a:t>
+            </a:r>
+            <a:r>
+              <a:rPr lang="ru-RU" altLang="ru-RU" dirty="0">
+                <a:latin typeface="Arial" panose="020B0604020202020204" pitchFamily="34" charset="0"/>
+                <a:cs typeface="Arial" panose="020B0604020202020204" pitchFamily="34" charset="0"/>
+              </a:rPr>
+              <a:t>и</a:t>
+            </a:r>
+            <a:r>
+              <a:rPr lang="en-US" altLang="ru-RU" dirty="0">
+                <a:latin typeface="Arial" panose="020B0604020202020204" pitchFamily="34" charset="0"/>
+                <a:cs typeface="Arial" panose="020B0604020202020204" pitchFamily="34" charset="0"/>
+              </a:rPr>
+              <a:t> </a:t>
+            </a:r>
+            <a:r>
+              <a:rPr lang="en-US" altLang="ru-RU" b="1" dirty="0">
+                <a:latin typeface="Arial" panose="020B0604020202020204" pitchFamily="34" charset="0"/>
+                <a:cs typeface="Arial" panose="020B0604020202020204" pitchFamily="34" charset="0"/>
+              </a:rPr>
+              <a:t>Predecessor</a:t>
+            </a:r>
+            <a:r>
+              <a:rPr lang="ru-RU" altLang="ru-RU" dirty="0">
+                <a:latin typeface="Arial" panose="020B0604020202020204" pitchFamily="34" charset="0"/>
+                <a:cs typeface="Arial" panose="020B0604020202020204" pitchFamily="34" charset="0"/>
+              </a:rPr>
+              <a:t>.</a:t>
+            </a:r>
           </a:p>
           <a:p>
             <a:pPr marL="0" indent="0">
               <a:buNone/>
             </a:pPr>
             <a:r>
-              <a:rPr lang="en-US" b="1" dirty="0" err="1">
-                <a:latin typeface="Arial" panose="020B0604020202020204" pitchFamily="34" charset="0"/>
-                <a:cs typeface="Arial" panose="020B0604020202020204" pitchFamily="34" charset="0"/>
-              </a:rPr>
-              <a:t>vEB</a:t>
-            </a:r>
-            <a:r>
-              <a:rPr lang="ru-RU" b="1" dirty="0">
-                <a:latin typeface="Arial" panose="020B0604020202020204" pitchFamily="34" charset="0"/>
-                <a:cs typeface="Arial" panose="020B0604020202020204" pitchFamily="34" charset="0"/>
-              </a:rPr>
-              <a:t> дерево </a:t>
-            </a:r>
-            <a:r>
               <a:rPr lang="ru-RU" dirty="0">
                 <a:latin typeface="Arial" panose="020B0604020202020204" pitchFamily="34" charset="0"/>
                 <a:cs typeface="Arial" panose="020B0604020202020204" pitchFamily="34" charset="0"/>
               </a:rPr>
-              <a:t>обгоняет</a:t>
-            </a:r>
-            <a:r>
-              <a:rPr lang="ru-RU" b="1" dirty="0">
+              <a:t>И в некоторых случаях обгоняет </a:t>
+            </a:r>
+            <a:r>
+              <a:rPr lang="ru-RU" dirty="0"/>
+              <a:t>контейнер</a:t>
+            </a:r>
+            <a:r>
+              <a:rPr lang="ru-RU" dirty="0">
                 <a:latin typeface="Arial" panose="020B0604020202020204" pitchFamily="34" charset="0"/>
                 <a:cs typeface="Arial" panose="020B0604020202020204" pitchFamily="34" charset="0"/>
               </a:rPr>
               <a:t> </a:t>
             </a:r>
             <a:r>
+              <a:rPr lang="ru-RU" altLang="ru-RU" b="1" dirty="0" err="1">
+                <a:latin typeface="Arial" panose="020B0604020202020204" pitchFamily="34" charset="0"/>
+                <a:cs typeface="Arial" panose="020B0604020202020204" pitchFamily="34" charset="0"/>
+              </a:rPr>
+              <a:t>std</a:t>
+            </a:r>
+            <a:r>
               <a:rPr lang="ru-RU" altLang="ru-RU" b="1" dirty="0">
                 <a:latin typeface="Arial" panose="020B0604020202020204" pitchFamily="34" charset="0"/>
                 <a:cs typeface="Arial" panose="020B0604020202020204" pitchFamily="34" charset="0"/>
               </a:rPr>
-              <a:t> </a:t>
+              <a:t>::</a:t>
             </a:r>
             <a:r>
               <a:rPr lang="ru-RU" altLang="ru-RU" b="1" dirty="0" err="1">
                 <a:latin typeface="Arial" panose="020B0604020202020204" pitchFamily="34" charset="0"/>
                 <a:cs typeface="Arial" panose="020B0604020202020204" pitchFamily="34" charset="0"/>
               </a:rPr>
-              <a:t>std</a:t>
-            </a:r>
-            <a:r>
-              <a:rPr lang="ru-RU" altLang="ru-RU" b="1" dirty="0">
-                <a:latin typeface="Arial" panose="020B0604020202020204" pitchFamily="34" charset="0"/>
-                <a:cs typeface="Arial" panose="020B0604020202020204" pitchFamily="34" charset="0"/>
-              </a:rPr>
-              <a:t>::</a:t>
-            </a:r>
-            <a:r>
-              <a:rPr lang="ru-RU" altLang="ru-RU" b="1" dirty="0" err="1">
-                <a:latin typeface="Arial" panose="020B0604020202020204" pitchFamily="34" charset="0"/>
-                <a:cs typeface="Arial" panose="020B0604020202020204" pitchFamily="34" charset="0"/>
-              </a:rPr>
-              <a:t>set</a:t>
+              <a:t>unordered_set</a:t>
             </a:r>
             <a:r>
               <a:rPr lang="ru-RU" altLang="ru-RU" dirty="0">
                 <a:latin typeface="Arial" panose="020B0604020202020204" pitchFamily="34" charset="0"/>
                 <a:cs typeface="Arial" panose="020B0604020202020204" pitchFamily="34" charset="0"/>
               </a:rPr>
-              <a:t>, но</a:t>
-            </a:r>
-            <a:r>
-              <a:rPr lang="en-US" dirty="0">
-                <a:latin typeface="Arial" panose="020B0604020202020204" pitchFamily="34" charset="0"/>
-                <a:cs typeface="Arial" panose="020B0604020202020204" pitchFamily="34" charset="0"/>
-              </a:rPr>
-              <a:t> </a:t>
-            </a:r>
-            <a:r>
-              <a:rPr lang="ru-RU" dirty="0">
-                <a:latin typeface="Arial" panose="020B0604020202020204" pitchFamily="34" charset="0"/>
-                <a:cs typeface="Arial" panose="020B0604020202020204" pitchFamily="34" charset="0"/>
-              </a:rPr>
-              <a:t>проигрывает в скорости </a:t>
-            </a:r>
-            <a:r>
-              <a:rPr lang="ru-RU" altLang="ru-RU" b="1" dirty="0" err="1">
-                <a:latin typeface="Arial" panose="020B0604020202020204" pitchFamily="34" charset="0"/>
-                <a:cs typeface="Arial" panose="020B0604020202020204" pitchFamily="34" charset="0"/>
-              </a:rPr>
-              <a:t>std</a:t>
-            </a:r>
-            <a:r>
-              <a:rPr lang="ru-RU" altLang="ru-RU" b="1" dirty="0">
-                <a:latin typeface="Arial" panose="020B0604020202020204" pitchFamily="34" charset="0"/>
-                <a:cs typeface="Arial" panose="020B0604020202020204" pitchFamily="34" charset="0"/>
-              </a:rPr>
-              <a:t>::</a:t>
-            </a:r>
-            <a:r>
-              <a:rPr lang="ru-RU" altLang="ru-RU" b="1" dirty="0" err="1">
-                <a:latin typeface="Arial" panose="020B0604020202020204" pitchFamily="34" charset="0"/>
-                <a:cs typeface="Arial" panose="020B0604020202020204" pitchFamily="34" charset="0"/>
-              </a:rPr>
-              <a:t>unordered_set</a:t>
-            </a:r>
-            <a:r>
-              <a:rPr lang="en-US" dirty="0">
-                <a:latin typeface="Arial" panose="020B0604020202020204" pitchFamily="34" charset="0"/>
-                <a:cs typeface="Arial" panose="020B0604020202020204" pitchFamily="34" charset="0"/>
-              </a:rPr>
-              <a:t> </a:t>
-            </a:r>
-            <a:r>
-              <a:rPr lang="ru-RU" dirty="0">
-                <a:latin typeface="Arial" panose="020B0604020202020204" pitchFamily="34" charset="0"/>
-                <a:cs typeface="Arial" panose="020B0604020202020204" pitchFamily="34" charset="0"/>
-              </a:rPr>
-              <a:t>при больших значениях.</a:t>
-            </a:r>
+              <a:t>, который является хэш-таблицей.</a:t>
+            </a:r>
+            <a:endParaRPr lang="ru-RU" dirty="0"/>
           </a:p>
         </p:txBody>
       </p:sp>
@@ -7472,7 +6082,7 @@
           <p:cNvPr id="5" name="Дата 4">
             <a:extLst>
               <a:ext uri="{FF2B5EF4-FFF2-40B4-BE49-F238E27FC236}">
-                <a16:creationId xmlns:a16="http://schemas.microsoft.com/office/drawing/2014/main" id="{9A25CD09-B261-46CD-BDC6-98290B43E2B0}"/>
+                <a16:creationId xmlns:a16="http://schemas.microsoft.com/office/drawing/2014/main" id="{B6BEA351-9B9B-49E0-94B6-6F0ED09FD281}"/>
               </a:ext>
             </a:extLst>
           </p:cNvPr>
@@ -7500,7 +6110,7 @@
           <p:cNvPr id="6" name="Нижний колонтитул 5">
             <a:extLst>
               <a:ext uri="{FF2B5EF4-FFF2-40B4-BE49-F238E27FC236}">
-                <a16:creationId xmlns:a16="http://schemas.microsoft.com/office/drawing/2014/main" id="{17E3D693-E049-45BF-9486-C3F2622EEFF4}"/>
+                <a16:creationId xmlns:a16="http://schemas.microsoft.com/office/drawing/2014/main" id="{64570A44-08BD-428E-BB47-77F79515BBAC}"/>
               </a:ext>
             </a:extLst>
           </p:cNvPr>
@@ -7523,45 +6133,39 @@
           </a:p>
         </p:txBody>
       </p:sp>
-      <p:pic>
-        <p:nvPicPr>
-          <p:cNvPr id="10" name="Объект 9">
-            <a:extLst>
-              <a:ext uri="{FF2B5EF4-FFF2-40B4-BE49-F238E27FC236}">
-                <a16:creationId xmlns:a16="http://schemas.microsoft.com/office/drawing/2014/main" id="{E4ABA10B-F95A-4925-885C-82E4CD03708C}"/>
-              </a:ext>
-            </a:extLst>
-          </p:cNvPr>
-          <p:cNvPicPr>
-            <a:picLocks noGrp="1" noChangeAspect="1"/>
-          </p:cNvPicPr>
-          <p:nvPr>
-            <p:ph sz="half" idx="2"/>
-          </p:nvPr>
-        </p:nvPicPr>
-        <p:blipFill>
-          <a:blip r:embed="rId2">
-            <a:extLst>
-              <a:ext uri="{28A0092B-C50C-407E-A947-70E740481C1C}">
-                <a14:useLocalDpi xmlns:a14="http://schemas.microsoft.com/office/drawing/2010/main" val="0"/>
-              </a:ext>
-            </a:extLst>
-          </a:blip>
-          <a:stretch>
-            <a:fillRect/>
-          </a:stretch>
-        </p:blipFill>
-        <p:spPr>
-          <a:xfrm>
-            <a:off x="6172200" y="2058194"/>
-            <a:ext cx="5181600" cy="3886200"/>
-          </a:xfrm>
-        </p:spPr>
-      </p:pic>
+      <p:sp>
+        <p:nvSpPr>
+          <p:cNvPr id="3" name="Номер слайда 2">
+            <a:extLst>
+              <a:ext uri="{FF2B5EF4-FFF2-40B4-BE49-F238E27FC236}">
+                <a16:creationId xmlns:a16="http://schemas.microsoft.com/office/drawing/2014/main" id="{B64A0CA5-7F3A-432A-8640-199A1CD46866}"/>
+              </a:ext>
+            </a:extLst>
+          </p:cNvPr>
+          <p:cNvSpPr>
+            <a:spLocks noGrp="1"/>
+          </p:cNvSpPr>
+          <p:nvPr>
+            <p:ph type="sldNum" sz="quarter" idx="12"/>
+          </p:nvPr>
+        </p:nvSpPr>
+        <p:spPr/>
+        <p:txBody>
+          <a:bodyPr/>
+          <a:lstStyle/>
+          <a:p>
+            <a:fld id="{F5F7BD9D-D9F0-4178-8503-A05219E63A73}" type="slidenum">
+              <a:rPr lang="ru-RU" sz="4400" smtClean="0"/>
+              <a:t>16</a:t>
+            </a:fld>
+            <a:endParaRPr lang="ru-RU" sz="4400" dirty="0"/>
+          </a:p>
+        </p:txBody>
+      </p:sp>
     </p:spTree>
     <p:extLst>
       <p:ext uri="{BB962C8B-B14F-4D97-AF65-F5344CB8AC3E}">
-        <p14:creationId xmlns:p14="http://schemas.microsoft.com/office/powerpoint/2010/main" val="2086087306"/>
+        <p14:creationId xmlns:p14="http://schemas.microsoft.com/office/powerpoint/2010/main" val="3069485588"/>
       </p:ext>
     </p:extLst>
   </p:cSld>
@@ -7593,10 +6197,10 @@
       </p:grpSpPr>
       <p:sp>
         <p:nvSpPr>
-          <p:cNvPr id="2" name="Заголовок 1">
-            <a:extLst>
-              <a:ext uri="{FF2B5EF4-FFF2-40B4-BE49-F238E27FC236}">
-                <a16:creationId xmlns:a16="http://schemas.microsoft.com/office/drawing/2014/main" id="{B05F751F-40AA-4812-A0F8-C26BAD1CE54D}"/>
+          <p:cNvPr id="11" name="Заголовок 10">
+            <a:extLst>
+              <a:ext uri="{FF2B5EF4-FFF2-40B4-BE49-F238E27FC236}">
+                <a16:creationId xmlns:a16="http://schemas.microsoft.com/office/drawing/2014/main" id="{7445D3B5-035C-4CBB-96C0-4BD4F9FE8BAF}"/>
               </a:ext>
             </a:extLst>
           </p:cNvPr>
@@ -7607,21 +6211,22 @@
             <p:ph type="title"/>
           </p:nvPr>
         </p:nvSpPr>
-        <p:spPr>
-          <a:xfrm>
-            <a:off x="838200" y="365125"/>
-            <a:ext cx="10588691" cy="1325563"/>
-          </a:xfrm>
-        </p:spPr>
-        <p:txBody>
-          <a:bodyPr/>
-          <a:lstStyle/>
-          <a:p>
-            <a:r>
-              <a:rPr lang="en-US" dirty="0">
+        <p:spPr/>
+        <p:txBody>
+          <a:bodyPr/>
+          <a:lstStyle/>
+          <a:p>
+            <a:r>
+              <a:rPr lang="ru-RU" dirty="0">
                 <a:latin typeface="Arial Black" panose="020B0A04020102020204" pitchFamily="34" charset="0"/>
               </a:rPr>
-              <a:t>Remove</a:t>
+              <a:t>Репозиторий </a:t>
+            </a:r>
+            <a:r>
+              <a:rPr lang="en-US" dirty="0" err="1">
+                <a:latin typeface="Arial Black" panose="020B0A04020102020204" pitchFamily="34" charset="0"/>
+              </a:rPr>
+              <a:t>github</a:t>
             </a:r>
             <a:endParaRPr lang="ru-RU" dirty="0">
               <a:latin typeface="Arial Black" panose="020B0A04020102020204" pitchFamily="34" charset="0"/>
@@ -7631,10 +6236,10 @@
       </p:sp>
       <p:sp>
         <p:nvSpPr>
-          <p:cNvPr id="3" name="Объект 2">
-            <a:extLst>
-              <a:ext uri="{FF2B5EF4-FFF2-40B4-BE49-F238E27FC236}">
-                <a16:creationId xmlns:a16="http://schemas.microsoft.com/office/drawing/2014/main" id="{02E7EC0C-6B15-49F9-9F93-DB24A3CE0A58}"/>
+          <p:cNvPr id="12" name="Объект 11">
+            <a:extLst>
+              <a:ext uri="{FF2B5EF4-FFF2-40B4-BE49-F238E27FC236}">
+                <a16:creationId xmlns:a16="http://schemas.microsoft.com/office/drawing/2014/main" id="{CB954815-F1D9-492D-89D6-8081646FA811}"/>
               </a:ext>
             </a:extLst>
           </p:cNvPr>
@@ -7647,10 +6252,15 @@
         </p:nvSpPr>
         <p:spPr/>
         <p:txBody>
-          <a:bodyPr/>
+          <a:bodyPr>
+            <a:normAutofit lnSpcReduction="10000"/>
+          </a:bodyPr>
           <a:lstStyle/>
           <a:p>
             <a:pPr marL="0" indent="0">
+              <a:lnSpc>
+                <a:spcPct val="150000"/>
+              </a:lnSpc>
               <a:buNone/>
             </a:pPr>
             <a:r>
@@ -7658,154 +6268,86 @@
                 <a:latin typeface="Arial" panose="020B0604020202020204" pitchFamily="34" charset="0"/>
                 <a:cs typeface="Arial" panose="020B0604020202020204" pitchFamily="34" charset="0"/>
               </a:rPr>
-              <a:t>На вход подаётся набор значений в случайном порядке сгенерированный с помощью </a:t>
-            </a:r>
-            <a:r>
-              <a:rPr lang="ru-RU" b="1" dirty="0">
-                <a:latin typeface="Arial" panose="020B0604020202020204" pitchFamily="34" charset="0"/>
-                <a:cs typeface="Arial" panose="020B0604020202020204" pitchFamily="34" charset="0"/>
-              </a:rPr>
-              <a:t>алгоритма Фишера-Йетса</a:t>
-            </a:r>
+              <a:t>Представлено по ссылке</a:t>
+            </a:r>
+            <a:r>
+              <a:rPr lang="en-US" dirty="0">
+                <a:latin typeface="Arial" panose="020B0604020202020204" pitchFamily="34" charset="0"/>
+                <a:cs typeface="Arial" panose="020B0604020202020204" pitchFamily="34" charset="0"/>
+              </a:rPr>
+              <a:t>:</a:t>
+            </a:r>
+          </a:p>
+          <a:p>
             <a:r>
               <a:rPr lang="ru-RU" dirty="0">
                 <a:latin typeface="Arial" panose="020B0604020202020204" pitchFamily="34" charset="0"/>
                 <a:cs typeface="Arial" panose="020B0604020202020204" pitchFamily="34" charset="0"/>
               </a:rPr>
-              <a:t>.</a:t>
-            </a:r>
-          </a:p>
-          <a:p>
-            <a:pPr marL="0" indent="0">
-              <a:buNone/>
-            </a:pPr>
-            <a:endParaRPr lang="ru-RU" dirty="0">
-              <a:latin typeface="Arial" panose="020B0604020202020204" pitchFamily="34" charset="0"/>
-              <a:cs typeface="Arial" panose="020B0604020202020204" pitchFamily="34" charset="0"/>
-            </a:endParaRPr>
-          </a:p>
-          <a:p>
-            <a:pPr marL="0" indent="0">
-              <a:buNone/>
-            </a:pPr>
-            <a:r>
-              <a:rPr lang="en-US" b="1" dirty="0">
-                <a:latin typeface="Arial" panose="020B0604020202020204" pitchFamily="34" charset="0"/>
-                <a:cs typeface="Arial" panose="020B0604020202020204" pitchFamily="34" charset="0"/>
-              </a:rPr>
-              <a:t>VEB</a:t>
-            </a:r>
-            <a:r>
-              <a:rPr lang="ru-RU" b="1" dirty="0">
-                <a:latin typeface="Arial" panose="020B0604020202020204" pitchFamily="34" charset="0"/>
-                <a:cs typeface="Arial" panose="020B0604020202020204" pitchFamily="34" charset="0"/>
-              </a:rPr>
-              <a:t> дерево </a:t>
-            </a:r>
+              <a:t>Описание алгоритма</a:t>
+            </a:r>
+          </a:p>
+          <a:p>
             <a:r>
               <a:rPr lang="ru-RU" dirty="0">
                 <a:latin typeface="Arial" panose="020B0604020202020204" pitchFamily="34" charset="0"/>
                 <a:cs typeface="Arial" panose="020B0604020202020204" pitchFamily="34" charset="0"/>
               </a:rPr>
-              <a:t>обгоняет</a:t>
-            </a:r>
-            <a:r>
-              <a:rPr lang="ru-RU" b="1" dirty="0">
-                <a:latin typeface="Arial" panose="020B0604020202020204" pitchFamily="34" charset="0"/>
-                <a:cs typeface="Arial" panose="020B0604020202020204" pitchFamily="34" charset="0"/>
-              </a:rPr>
-              <a:t> </a:t>
-            </a:r>
-            <a:r>
-              <a:rPr lang="ru-RU" altLang="ru-RU" b="1" dirty="0">
-                <a:latin typeface="Arial" panose="020B0604020202020204" pitchFamily="34" charset="0"/>
-                <a:cs typeface="Arial" panose="020B0604020202020204" pitchFamily="34" charset="0"/>
-              </a:rPr>
-              <a:t> </a:t>
-            </a:r>
-            <a:r>
-              <a:rPr lang="ru-RU" altLang="ru-RU" b="1" dirty="0" err="1">
-                <a:latin typeface="Arial" panose="020B0604020202020204" pitchFamily="34" charset="0"/>
-                <a:cs typeface="Arial" panose="020B0604020202020204" pitchFamily="34" charset="0"/>
-              </a:rPr>
-              <a:t>std</a:t>
-            </a:r>
-            <a:r>
-              <a:rPr lang="ru-RU" altLang="ru-RU" b="1" dirty="0">
-                <a:latin typeface="Arial" panose="020B0604020202020204" pitchFamily="34" charset="0"/>
-                <a:cs typeface="Arial" panose="020B0604020202020204" pitchFamily="34" charset="0"/>
-              </a:rPr>
-              <a:t>::</a:t>
-            </a:r>
-            <a:r>
-              <a:rPr lang="ru-RU" altLang="ru-RU" b="1" dirty="0" err="1">
-                <a:latin typeface="Arial" panose="020B0604020202020204" pitchFamily="34" charset="0"/>
-                <a:cs typeface="Arial" panose="020B0604020202020204" pitchFamily="34" charset="0"/>
-              </a:rPr>
-              <a:t>set</a:t>
-            </a:r>
-            <a:r>
-              <a:rPr lang="ru-RU" altLang="ru-RU" dirty="0">
-                <a:latin typeface="Arial" panose="020B0604020202020204" pitchFamily="34" charset="0"/>
-                <a:cs typeface="Arial" panose="020B0604020202020204" pitchFamily="34" charset="0"/>
-              </a:rPr>
-              <a:t>, но</a:t>
+              <a:t>Реализация алгоритма на </a:t>
             </a:r>
             <a:r>
               <a:rPr lang="en-US" dirty="0">
                 <a:latin typeface="Arial" panose="020B0604020202020204" pitchFamily="34" charset="0"/>
                 <a:cs typeface="Arial" panose="020B0604020202020204" pitchFamily="34" charset="0"/>
               </a:rPr>
-              <a:t> </a:t>
-            </a:r>
+              <a:t>C++</a:t>
+            </a:r>
+          </a:p>
+          <a:p>
             <a:r>
               <a:rPr lang="ru-RU" dirty="0">
                 <a:latin typeface="Arial" panose="020B0604020202020204" pitchFamily="34" charset="0"/>
                 <a:cs typeface="Arial" panose="020B0604020202020204" pitchFamily="34" charset="0"/>
               </a:rPr>
-              <a:t>проигрывает в скорости </a:t>
-            </a:r>
-            <a:r>
-              <a:rPr lang="ru-RU" altLang="ru-RU" b="1" dirty="0" err="1">
-                <a:latin typeface="Arial" panose="020B0604020202020204" pitchFamily="34" charset="0"/>
-                <a:cs typeface="Arial" panose="020B0604020202020204" pitchFamily="34" charset="0"/>
-              </a:rPr>
-              <a:t>std</a:t>
-            </a:r>
-            <a:r>
-              <a:rPr lang="ru-RU" altLang="ru-RU" b="1" dirty="0">
-                <a:latin typeface="Arial" panose="020B0604020202020204" pitchFamily="34" charset="0"/>
-                <a:cs typeface="Arial" panose="020B0604020202020204" pitchFamily="34" charset="0"/>
-              </a:rPr>
-              <a:t>::</a:t>
-            </a:r>
-            <a:r>
-              <a:rPr lang="ru-RU" altLang="ru-RU" b="1" dirty="0" err="1">
-                <a:latin typeface="Arial" panose="020B0604020202020204" pitchFamily="34" charset="0"/>
-                <a:cs typeface="Arial" panose="020B0604020202020204" pitchFamily="34" charset="0"/>
-              </a:rPr>
-              <a:t>unordered_set</a:t>
-            </a:r>
-            <a:r>
-              <a:rPr lang="ru-RU" altLang="ru-RU" dirty="0">
-                <a:latin typeface="Arial" panose="020B0604020202020204" pitchFamily="34" charset="0"/>
-                <a:cs typeface="Arial" panose="020B0604020202020204" pitchFamily="34" charset="0"/>
-              </a:rPr>
-              <a:t>.</a:t>
-            </a:r>
-            <a:endParaRPr lang="ru-RU" dirty="0">
-              <a:latin typeface="Arial" panose="020B0604020202020204" pitchFamily="34" charset="0"/>
-              <a:cs typeface="Arial" panose="020B0604020202020204" pitchFamily="34" charset="0"/>
-            </a:endParaRPr>
-          </a:p>
-        </p:txBody>
-      </p:sp>
-      <p:sp>
-        <p:nvSpPr>
-          <p:cNvPr id="5" name="Дата 4">
-            <a:extLst>
-              <a:ext uri="{FF2B5EF4-FFF2-40B4-BE49-F238E27FC236}">
-                <a16:creationId xmlns:a16="http://schemas.microsoft.com/office/drawing/2014/main" id="{9A25CD09-B261-46CD-BDC6-98290B43E2B0}"/>
+              <a:t>Презентация</a:t>
+            </a:r>
+          </a:p>
+          <a:p>
+            <a:r>
+              <a:rPr lang="ru-RU" dirty="0">
+                <a:latin typeface="Arial" panose="020B0604020202020204" pitchFamily="34" charset="0"/>
+                <a:cs typeface="Arial" panose="020B0604020202020204" pitchFamily="34" charset="0"/>
+              </a:rPr>
+              <a:t>Тестирующая система</a:t>
+            </a:r>
+          </a:p>
+          <a:p>
+            <a:pPr lvl="1"/>
+            <a:r>
+              <a:rPr lang="ru-RU" dirty="0">
+                <a:latin typeface="Arial" panose="020B0604020202020204" pitchFamily="34" charset="0"/>
+                <a:cs typeface="Arial" panose="020B0604020202020204" pitchFamily="34" charset="0"/>
+              </a:rPr>
+              <a:t>Набор тестов на корректность</a:t>
+            </a:r>
+          </a:p>
+          <a:p>
+            <a:r>
+              <a:rPr lang="ru-RU" dirty="0">
+                <a:latin typeface="Arial" panose="020B0604020202020204" pitchFamily="34" charset="0"/>
+                <a:cs typeface="Arial" panose="020B0604020202020204" pitchFamily="34" charset="0"/>
+              </a:rPr>
+              <a:t>Результаты анализа производительности</a:t>
+            </a:r>
+          </a:p>
+        </p:txBody>
+      </p:sp>
+      <p:sp>
+        <p:nvSpPr>
+          <p:cNvPr id="4" name="Дата 3">
+            <a:extLst>
+              <a:ext uri="{FF2B5EF4-FFF2-40B4-BE49-F238E27FC236}">
+                <a16:creationId xmlns:a16="http://schemas.microsoft.com/office/drawing/2014/main" id="{8BA701C6-DC52-45D9-8FB7-145760315121}"/>
               </a:ext>
             </a:extLst>
           </p:cNvPr>
@@ -7830,10 +6372,10 @@
       </p:sp>
       <p:sp>
         <p:nvSpPr>
-          <p:cNvPr id="6" name="Нижний колонтитул 5">
-            <a:extLst>
-              <a:ext uri="{FF2B5EF4-FFF2-40B4-BE49-F238E27FC236}">
-                <a16:creationId xmlns:a16="http://schemas.microsoft.com/office/drawing/2014/main" id="{17E3D693-E049-45BF-9486-C3F2622EEFF4}"/>
+          <p:cNvPr id="5" name="Нижний колонтитул 4">
+            <a:extLst>
+              <a:ext uri="{FF2B5EF4-FFF2-40B4-BE49-F238E27FC236}">
+                <a16:creationId xmlns:a16="http://schemas.microsoft.com/office/drawing/2014/main" id="{D66F3FF9-92A4-4AA1-A25F-FF71A8472B05}"/>
               </a:ext>
             </a:extLst>
           </p:cNvPr>
@@ -7858,15 +6400,15 @@
       </p:sp>
       <p:pic>
         <p:nvPicPr>
-          <p:cNvPr id="9" name="Объект 8">
-            <a:extLst>
-              <a:ext uri="{FF2B5EF4-FFF2-40B4-BE49-F238E27FC236}">
-                <a16:creationId xmlns:a16="http://schemas.microsoft.com/office/drawing/2014/main" id="{784EAAC8-A5F5-46E6-ADE0-5D87AB58AF6E}"/>
+          <p:cNvPr id="1026" name="Picture 2" descr="http://qrcoder.ru/code/?https%3A%2F%2Fgithub.com%2FRandomServant%2FVan-Emde-Boas-tree&amp;10&amp;0">
+            <a:extLst>
+              <a:ext uri="{FF2B5EF4-FFF2-40B4-BE49-F238E27FC236}">
+                <a16:creationId xmlns:a16="http://schemas.microsoft.com/office/drawing/2014/main" id="{9607B92C-2004-4DCD-82D4-C1A09E25F2F6}"/>
               </a:ext>
             </a:extLst>
           </p:cNvPr>
           <p:cNvPicPr>
-            <a:picLocks noGrp="1" noChangeAspect="1"/>
+            <a:picLocks noGrp="1" noChangeAspect="1" noChangeArrowheads="1"/>
           </p:cNvPicPr>
           <p:nvPr>
             <p:ph sz="half" idx="2"/>
@@ -7880,589 +6422,64 @@
               </a:ext>
             </a:extLst>
           </a:blip>
+          <a:srcRect/>
           <a:stretch>
             <a:fillRect/>
           </a:stretch>
         </p:blipFill>
-        <p:spPr>
+        <p:spPr bwMode="auto">
           <a:xfrm>
-            <a:off x="6172200" y="2058194"/>
-            <a:ext cx="5181600" cy="3886200"/>
+            <a:off x="6810375" y="2048669"/>
+            <a:ext cx="3905250" cy="3905250"/>
           </a:xfrm>
+          <a:prstGeom prst="rect">
+            <a:avLst/>
+          </a:prstGeom>
+          <a:noFill/>
+          <a:extLst>
+            <a:ext uri="{909E8E84-426E-40DD-AFC4-6F175D3DCCD1}">
+              <a14:hiddenFill xmlns:a14="http://schemas.microsoft.com/office/drawing/2010/main">
+                <a:solidFill>
+                  <a:srgbClr val="FFFFFF"/>
+                </a:solidFill>
+              </a14:hiddenFill>
+            </a:ext>
+          </a:extLst>
         </p:spPr>
       </p:pic>
+      <p:sp>
+        <p:nvSpPr>
+          <p:cNvPr id="3" name="Номер слайда 2">
+            <a:extLst>
+              <a:ext uri="{FF2B5EF4-FFF2-40B4-BE49-F238E27FC236}">
+                <a16:creationId xmlns:a16="http://schemas.microsoft.com/office/drawing/2014/main" id="{49924BE1-3F9C-493D-84F0-42630B7838D9}"/>
+              </a:ext>
+            </a:extLst>
+          </p:cNvPr>
+          <p:cNvSpPr>
+            <a:spLocks noGrp="1"/>
+          </p:cNvSpPr>
+          <p:nvPr>
+            <p:ph type="sldNum" sz="quarter" idx="12"/>
+          </p:nvPr>
+        </p:nvSpPr>
+        <p:spPr/>
+        <p:txBody>
+          <a:bodyPr/>
+          <a:lstStyle/>
+          <a:p>
+            <a:fld id="{F5F7BD9D-D9F0-4178-8503-A05219E63A73}" type="slidenum">
+              <a:rPr lang="ru-RU" sz="4400" smtClean="0"/>
+              <a:t>17</a:t>
+            </a:fld>
+            <a:endParaRPr lang="ru-RU" sz="4400" dirty="0"/>
+          </a:p>
+        </p:txBody>
+      </p:sp>
     </p:spTree>
     <p:extLst>
       <p:ext uri="{BB962C8B-B14F-4D97-AF65-F5344CB8AC3E}">
-        <p14:creationId xmlns:p14="http://schemas.microsoft.com/office/powerpoint/2010/main" val="3189327898"/>
-      </p:ext>
-    </p:extLst>
-  </p:cSld>
-  <p:clrMapOvr>
-    <a:masterClrMapping/>
-  </p:clrMapOvr>
-  <p:transition spd="slow">
-    <p:push dir="u"/>
-  </p:transition>
-</p:sld>
-</file>
-
-<file path=ppt/slides/slide18.xml><?xml version="1.0" encoding="utf-8"?>
-<p:sld xmlns:a="http://schemas.openxmlformats.org/drawingml/2006/main" xmlns:r="http://schemas.openxmlformats.org/officeDocument/2006/relationships" xmlns:p="http://schemas.openxmlformats.org/presentationml/2006/main">
-  <p:cSld>
-    <p:spTree>
-      <p:nvGrpSpPr>
-        <p:cNvPr id="1" name=""/>
-        <p:cNvGrpSpPr/>
-        <p:nvPr/>
-      </p:nvGrpSpPr>
-      <p:grpSpPr>
-        <a:xfrm>
-          <a:off x="0" y="0"/>
-          <a:ext cx="0" cy="0"/>
-          <a:chOff x="0" y="0"/>
-          <a:chExt cx="0" cy="0"/>
-        </a:xfrm>
-      </p:grpSpPr>
-      <p:sp>
-        <p:nvSpPr>
-          <p:cNvPr id="2" name="Заголовок 1">
-            <a:extLst>
-              <a:ext uri="{FF2B5EF4-FFF2-40B4-BE49-F238E27FC236}">
-                <a16:creationId xmlns:a16="http://schemas.microsoft.com/office/drawing/2014/main" id="{B05F751F-40AA-4812-A0F8-C26BAD1CE54D}"/>
-              </a:ext>
-            </a:extLst>
-          </p:cNvPr>
-          <p:cNvSpPr>
-            <a:spLocks noGrp="1"/>
-          </p:cNvSpPr>
-          <p:nvPr>
-            <p:ph type="title"/>
-          </p:nvPr>
-        </p:nvSpPr>
-        <p:spPr>
-          <a:xfrm>
-            <a:off x="838200" y="365125"/>
-            <a:ext cx="10588691" cy="1325563"/>
-          </a:xfrm>
-        </p:spPr>
-        <p:txBody>
-          <a:bodyPr/>
-          <a:lstStyle/>
-          <a:p>
-            <a:r>
-              <a:rPr lang="en-US" dirty="0">
-                <a:latin typeface="Arial Black" panose="020B0A04020102020204" pitchFamily="34" charset="0"/>
-              </a:rPr>
-              <a:t>Successor</a:t>
-            </a:r>
-            <a:endParaRPr lang="ru-RU" dirty="0">
-              <a:latin typeface="Arial Black" panose="020B0A04020102020204" pitchFamily="34" charset="0"/>
-            </a:endParaRPr>
-          </a:p>
-        </p:txBody>
-      </p:sp>
-      <p:sp>
-        <p:nvSpPr>
-          <p:cNvPr id="3" name="Объект 2">
-            <a:extLst>
-              <a:ext uri="{FF2B5EF4-FFF2-40B4-BE49-F238E27FC236}">
-                <a16:creationId xmlns:a16="http://schemas.microsoft.com/office/drawing/2014/main" id="{02E7EC0C-6B15-49F9-9F93-DB24A3CE0A58}"/>
-              </a:ext>
-            </a:extLst>
-          </p:cNvPr>
-          <p:cNvSpPr>
-            <a:spLocks noGrp="1"/>
-          </p:cNvSpPr>
-          <p:nvPr>
-            <p:ph sz="half" idx="1"/>
-          </p:nvPr>
-        </p:nvSpPr>
-        <p:spPr/>
-        <p:txBody>
-          <a:bodyPr/>
-          <a:lstStyle/>
-          <a:p>
-            <a:pPr marL="0" indent="0">
-              <a:buNone/>
-            </a:pPr>
-            <a:r>
-              <a:rPr lang="ru-RU" dirty="0">
-                <a:latin typeface="Arial" panose="020B0604020202020204" pitchFamily="34" charset="0"/>
-                <a:cs typeface="Arial" panose="020B0604020202020204" pitchFamily="34" charset="0"/>
-              </a:rPr>
-              <a:t>На вход подаётся набор значений в случайном порядке сгенерированный с помощью </a:t>
-            </a:r>
-            <a:r>
-              <a:rPr lang="ru-RU" b="1" dirty="0">
-                <a:latin typeface="Arial" panose="020B0604020202020204" pitchFamily="34" charset="0"/>
-                <a:cs typeface="Arial" panose="020B0604020202020204" pitchFamily="34" charset="0"/>
-              </a:rPr>
-              <a:t>алгоритма Фишера-Йетса</a:t>
-            </a:r>
-            <a:r>
-              <a:rPr lang="ru-RU" dirty="0">
-                <a:latin typeface="Arial" panose="020B0604020202020204" pitchFamily="34" charset="0"/>
-                <a:cs typeface="Arial" panose="020B0604020202020204" pitchFamily="34" charset="0"/>
-              </a:rPr>
-              <a:t>.</a:t>
-            </a:r>
-          </a:p>
-          <a:p>
-            <a:pPr marL="0" indent="0">
-              <a:buNone/>
-            </a:pPr>
-            <a:endParaRPr lang="ru-RU" dirty="0">
-              <a:latin typeface="Arial" panose="020B0604020202020204" pitchFamily="34" charset="0"/>
-              <a:cs typeface="Arial" panose="020B0604020202020204" pitchFamily="34" charset="0"/>
-            </a:endParaRPr>
-          </a:p>
-          <a:p>
-            <a:pPr marL="0" indent="0">
-              <a:buNone/>
-            </a:pPr>
-            <a:r>
-              <a:rPr lang="en-US" b="1" dirty="0">
-                <a:latin typeface="Arial" panose="020B0604020202020204" pitchFamily="34" charset="0"/>
-                <a:cs typeface="Arial" panose="020B0604020202020204" pitchFamily="34" charset="0"/>
-              </a:rPr>
-              <a:t>VEB</a:t>
-            </a:r>
-            <a:r>
-              <a:rPr lang="en-US" dirty="0">
-                <a:latin typeface="Arial" panose="020B0604020202020204" pitchFamily="34" charset="0"/>
-                <a:cs typeface="Arial" panose="020B0604020202020204" pitchFamily="34" charset="0"/>
-              </a:rPr>
-              <a:t> </a:t>
-            </a:r>
-            <a:r>
-              <a:rPr lang="ru-RU" b="1" dirty="0">
-                <a:latin typeface="Arial" panose="020B0604020202020204" pitchFamily="34" charset="0"/>
-                <a:cs typeface="Arial" panose="020B0604020202020204" pitchFamily="34" charset="0"/>
-              </a:rPr>
-              <a:t>дерево </a:t>
-            </a:r>
-            <a:r>
-              <a:rPr lang="ru-RU" dirty="0">
-                <a:latin typeface="Arial" panose="020B0604020202020204" pitchFamily="34" charset="0"/>
-                <a:cs typeface="Arial" panose="020B0604020202020204" pitchFamily="34" charset="0"/>
-              </a:rPr>
-              <a:t>проигрывает в скорости </a:t>
-            </a:r>
-            <a:r>
-              <a:rPr lang="ru-RU" altLang="ru-RU" b="1" dirty="0" err="1">
-                <a:latin typeface="Arial" panose="020B0604020202020204" pitchFamily="34" charset="0"/>
-                <a:cs typeface="Arial" panose="020B0604020202020204" pitchFamily="34" charset="0"/>
-              </a:rPr>
-              <a:t>std</a:t>
-            </a:r>
-            <a:r>
-              <a:rPr lang="ru-RU" altLang="ru-RU" b="1" dirty="0">
-                <a:latin typeface="Arial" panose="020B0604020202020204" pitchFamily="34" charset="0"/>
-                <a:cs typeface="Arial" panose="020B0604020202020204" pitchFamily="34" charset="0"/>
-              </a:rPr>
-              <a:t>::</a:t>
-            </a:r>
-            <a:r>
-              <a:rPr lang="ru-RU" altLang="ru-RU" b="1" dirty="0" err="1">
-                <a:latin typeface="Arial" panose="020B0604020202020204" pitchFamily="34" charset="0"/>
-                <a:cs typeface="Arial" panose="020B0604020202020204" pitchFamily="34" charset="0"/>
-              </a:rPr>
-              <a:t>set</a:t>
-            </a:r>
-            <a:r>
-              <a:rPr lang="en-US" altLang="ru-RU" b="1" dirty="0">
-                <a:latin typeface="Arial" panose="020B0604020202020204" pitchFamily="34" charset="0"/>
-                <a:cs typeface="Arial" panose="020B0604020202020204" pitchFamily="34" charset="0"/>
-              </a:rPr>
-              <a:t>.</a:t>
-            </a:r>
-            <a:endParaRPr lang="ru-RU" dirty="0">
-              <a:latin typeface="Arial" panose="020B0604020202020204" pitchFamily="34" charset="0"/>
-              <a:cs typeface="Arial" panose="020B0604020202020204" pitchFamily="34" charset="0"/>
-            </a:endParaRPr>
-          </a:p>
-        </p:txBody>
-      </p:sp>
-      <p:sp>
-        <p:nvSpPr>
-          <p:cNvPr id="5" name="Дата 4">
-            <a:extLst>
-              <a:ext uri="{FF2B5EF4-FFF2-40B4-BE49-F238E27FC236}">
-                <a16:creationId xmlns:a16="http://schemas.microsoft.com/office/drawing/2014/main" id="{9A25CD09-B261-46CD-BDC6-98290B43E2B0}"/>
-              </a:ext>
-            </a:extLst>
-          </p:cNvPr>
-          <p:cNvSpPr>
-            <a:spLocks noGrp="1"/>
-          </p:cNvSpPr>
-          <p:nvPr>
-            <p:ph type="dt" sz="half" idx="10"/>
-          </p:nvPr>
-        </p:nvSpPr>
-        <p:spPr/>
-        <p:txBody>
-          <a:bodyPr/>
-          <a:lstStyle/>
-          <a:p>
-            <a:r>
-              <a:rPr lang="ru-RU"/>
-              <a:t>2023</a:t>
-            </a:r>
-          </a:p>
-        </p:txBody>
-      </p:sp>
-      <p:sp>
-        <p:nvSpPr>
-          <p:cNvPr id="6" name="Нижний колонтитул 5">
-            <a:extLst>
-              <a:ext uri="{FF2B5EF4-FFF2-40B4-BE49-F238E27FC236}">
-                <a16:creationId xmlns:a16="http://schemas.microsoft.com/office/drawing/2014/main" id="{17E3D693-E049-45BF-9486-C3F2622EEFF4}"/>
-              </a:ext>
-            </a:extLst>
-          </p:cNvPr>
-          <p:cNvSpPr>
-            <a:spLocks noGrp="1"/>
-          </p:cNvSpPr>
-          <p:nvPr>
-            <p:ph type="ftr" sz="quarter" idx="11"/>
-          </p:nvPr>
-        </p:nvSpPr>
-        <p:spPr/>
-        <p:txBody>
-          <a:bodyPr/>
-          <a:lstStyle/>
-          <a:p>
-            <a:r>
-              <a:rPr lang="ru-RU"/>
-              <a:t>Борик Р. Д</a:t>
-            </a:r>
-          </a:p>
-        </p:txBody>
-      </p:sp>
-      <p:pic>
-        <p:nvPicPr>
-          <p:cNvPr id="9" name="Объект 8">
-            <a:extLst>
-              <a:ext uri="{FF2B5EF4-FFF2-40B4-BE49-F238E27FC236}">
-                <a16:creationId xmlns:a16="http://schemas.microsoft.com/office/drawing/2014/main" id="{33422C9C-C3E4-4184-99CF-5CA9A13DA7DE}"/>
-              </a:ext>
-            </a:extLst>
-          </p:cNvPr>
-          <p:cNvPicPr>
-            <a:picLocks noGrp="1" noChangeAspect="1"/>
-          </p:cNvPicPr>
-          <p:nvPr>
-            <p:ph sz="half" idx="2"/>
-          </p:nvPr>
-        </p:nvPicPr>
-        <p:blipFill>
-          <a:blip r:embed="rId2">
-            <a:extLst>
-              <a:ext uri="{28A0092B-C50C-407E-A947-70E740481C1C}">
-                <a14:useLocalDpi xmlns:a14="http://schemas.microsoft.com/office/drawing/2010/main" val="0"/>
-              </a:ext>
-            </a:extLst>
-          </a:blip>
-          <a:stretch>
-            <a:fillRect/>
-          </a:stretch>
-        </p:blipFill>
-        <p:spPr>
-          <a:xfrm>
-            <a:off x="6172200" y="2058194"/>
-            <a:ext cx="5181600" cy="3886200"/>
-          </a:xfrm>
-        </p:spPr>
-      </p:pic>
-    </p:spTree>
-    <p:extLst>
-      <p:ext uri="{BB962C8B-B14F-4D97-AF65-F5344CB8AC3E}">
-        <p14:creationId xmlns:p14="http://schemas.microsoft.com/office/powerpoint/2010/main" val="4103837345"/>
-      </p:ext>
-    </p:extLst>
-  </p:cSld>
-  <p:clrMapOvr>
-    <a:masterClrMapping/>
-  </p:clrMapOvr>
-  <p:transition spd="slow">
-    <p:push dir="u"/>
-  </p:transition>
-</p:sld>
-</file>
-
-<file path=ppt/slides/slide19.xml><?xml version="1.0" encoding="utf-8"?>
-<p:sld xmlns:a="http://schemas.openxmlformats.org/drawingml/2006/main" xmlns:r="http://schemas.openxmlformats.org/officeDocument/2006/relationships" xmlns:p="http://schemas.openxmlformats.org/presentationml/2006/main">
-  <p:cSld>
-    <p:spTree>
-      <p:nvGrpSpPr>
-        <p:cNvPr id="1" name=""/>
-        <p:cNvGrpSpPr/>
-        <p:nvPr/>
-      </p:nvGrpSpPr>
-      <p:grpSpPr>
-        <a:xfrm>
-          <a:off x="0" y="0"/>
-          <a:ext cx="0" cy="0"/>
-          <a:chOff x="0" y="0"/>
-          <a:chExt cx="0" cy="0"/>
-        </a:xfrm>
-      </p:grpSpPr>
-      <p:sp>
-        <p:nvSpPr>
-          <p:cNvPr id="2" name="Заголовок 1">
-            <a:extLst>
-              <a:ext uri="{FF2B5EF4-FFF2-40B4-BE49-F238E27FC236}">
-                <a16:creationId xmlns:a16="http://schemas.microsoft.com/office/drawing/2014/main" id="{B05F751F-40AA-4812-A0F8-C26BAD1CE54D}"/>
-              </a:ext>
-            </a:extLst>
-          </p:cNvPr>
-          <p:cNvSpPr>
-            <a:spLocks noGrp="1"/>
-          </p:cNvSpPr>
-          <p:nvPr>
-            <p:ph type="title"/>
-          </p:nvPr>
-        </p:nvSpPr>
-        <p:spPr>
-          <a:xfrm>
-            <a:off x="838200" y="365125"/>
-            <a:ext cx="10588691" cy="1325563"/>
-          </a:xfrm>
-        </p:spPr>
-        <p:txBody>
-          <a:bodyPr/>
-          <a:lstStyle/>
-          <a:p>
-            <a:r>
-              <a:rPr lang="en-US" dirty="0">
-                <a:latin typeface="Arial Black" panose="020B0A04020102020204" pitchFamily="34" charset="0"/>
-              </a:rPr>
-              <a:t>Predecessor</a:t>
-            </a:r>
-            <a:endParaRPr lang="ru-RU" dirty="0">
-              <a:latin typeface="Arial Black" panose="020B0A04020102020204" pitchFamily="34" charset="0"/>
-            </a:endParaRPr>
-          </a:p>
-        </p:txBody>
-      </p:sp>
-      <p:sp>
-        <p:nvSpPr>
-          <p:cNvPr id="3" name="Объект 2">
-            <a:extLst>
-              <a:ext uri="{FF2B5EF4-FFF2-40B4-BE49-F238E27FC236}">
-                <a16:creationId xmlns:a16="http://schemas.microsoft.com/office/drawing/2014/main" id="{02E7EC0C-6B15-49F9-9F93-DB24A3CE0A58}"/>
-              </a:ext>
-            </a:extLst>
-          </p:cNvPr>
-          <p:cNvSpPr>
-            <a:spLocks noGrp="1"/>
-          </p:cNvSpPr>
-          <p:nvPr>
-            <p:ph sz="half" idx="1"/>
-          </p:nvPr>
-        </p:nvSpPr>
-        <p:spPr/>
-        <p:txBody>
-          <a:bodyPr/>
-          <a:lstStyle/>
-          <a:p>
-            <a:pPr marL="0" indent="0">
-              <a:buNone/>
-            </a:pPr>
-            <a:r>
-              <a:rPr lang="ru-RU" dirty="0">
-                <a:latin typeface="Arial" panose="020B0604020202020204" pitchFamily="34" charset="0"/>
-                <a:cs typeface="Arial" panose="020B0604020202020204" pitchFamily="34" charset="0"/>
-              </a:rPr>
-              <a:t>На вход подаётся набор значений в случайном порядке сгенерированный с помощью </a:t>
-            </a:r>
-            <a:r>
-              <a:rPr lang="ru-RU" b="1" dirty="0">
-                <a:latin typeface="Arial" panose="020B0604020202020204" pitchFamily="34" charset="0"/>
-                <a:cs typeface="Arial" panose="020B0604020202020204" pitchFamily="34" charset="0"/>
-              </a:rPr>
-              <a:t>алгоритма Фишера-Йетса</a:t>
-            </a:r>
-            <a:r>
-              <a:rPr lang="ru-RU" dirty="0">
-                <a:latin typeface="Arial" panose="020B0604020202020204" pitchFamily="34" charset="0"/>
-                <a:cs typeface="Arial" panose="020B0604020202020204" pitchFamily="34" charset="0"/>
-              </a:rPr>
-              <a:t>.</a:t>
-            </a:r>
-          </a:p>
-          <a:p>
-            <a:pPr marL="0" indent="0">
-              <a:buNone/>
-            </a:pPr>
-            <a:endParaRPr lang="ru-RU" dirty="0">
-              <a:latin typeface="Arial" panose="020B0604020202020204" pitchFamily="34" charset="0"/>
-              <a:cs typeface="Arial" panose="020B0604020202020204" pitchFamily="34" charset="0"/>
-            </a:endParaRPr>
-          </a:p>
-          <a:p>
-            <a:pPr marL="0" indent="0">
-              <a:buNone/>
-            </a:pPr>
-            <a:r>
-              <a:rPr lang="en-US" b="1" dirty="0">
-                <a:latin typeface="Arial" panose="020B0604020202020204" pitchFamily="34" charset="0"/>
-                <a:cs typeface="Arial" panose="020B0604020202020204" pitchFamily="34" charset="0"/>
-              </a:rPr>
-              <a:t>VEB</a:t>
-            </a:r>
-            <a:r>
-              <a:rPr lang="en-US" dirty="0">
-                <a:latin typeface="Arial" panose="020B0604020202020204" pitchFamily="34" charset="0"/>
-                <a:cs typeface="Arial" panose="020B0604020202020204" pitchFamily="34" charset="0"/>
-              </a:rPr>
-              <a:t> </a:t>
-            </a:r>
-            <a:r>
-              <a:rPr lang="ru-RU" b="1" dirty="0">
-                <a:latin typeface="Arial" panose="020B0604020202020204" pitchFamily="34" charset="0"/>
-                <a:cs typeface="Arial" panose="020B0604020202020204" pitchFamily="34" charset="0"/>
-              </a:rPr>
-              <a:t>дерево </a:t>
-            </a:r>
-            <a:r>
-              <a:rPr lang="ru-RU" dirty="0">
-                <a:latin typeface="Arial" panose="020B0604020202020204" pitchFamily="34" charset="0"/>
-                <a:cs typeface="Arial" panose="020B0604020202020204" pitchFamily="34" charset="0"/>
-              </a:rPr>
-              <a:t>проигрывает в скорости </a:t>
-            </a:r>
-            <a:r>
-              <a:rPr lang="ru-RU" altLang="ru-RU" b="1" dirty="0" err="1">
-                <a:latin typeface="Arial" panose="020B0604020202020204" pitchFamily="34" charset="0"/>
-                <a:cs typeface="Arial" panose="020B0604020202020204" pitchFamily="34" charset="0"/>
-              </a:rPr>
-              <a:t>std</a:t>
-            </a:r>
-            <a:r>
-              <a:rPr lang="ru-RU" altLang="ru-RU" b="1" dirty="0">
-                <a:latin typeface="Arial" panose="020B0604020202020204" pitchFamily="34" charset="0"/>
-                <a:cs typeface="Arial" panose="020B0604020202020204" pitchFamily="34" charset="0"/>
-              </a:rPr>
-              <a:t>::</a:t>
-            </a:r>
-            <a:r>
-              <a:rPr lang="ru-RU" altLang="ru-RU" b="1" dirty="0" err="1">
-                <a:latin typeface="Arial" panose="020B0604020202020204" pitchFamily="34" charset="0"/>
-                <a:cs typeface="Arial" panose="020B0604020202020204" pitchFamily="34" charset="0"/>
-              </a:rPr>
-              <a:t>set</a:t>
-            </a:r>
-            <a:r>
-              <a:rPr lang="en-US" altLang="ru-RU" b="1" dirty="0">
-                <a:latin typeface="Arial" panose="020B0604020202020204" pitchFamily="34" charset="0"/>
-                <a:cs typeface="Arial" panose="020B0604020202020204" pitchFamily="34" charset="0"/>
-              </a:rPr>
-              <a:t>.</a:t>
-            </a:r>
-            <a:endParaRPr lang="ru-RU" dirty="0">
-              <a:latin typeface="Arial" panose="020B0604020202020204" pitchFamily="34" charset="0"/>
-              <a:cs typeface="Arial" panose="020B0604020202020204" pitchFamily="34" charset="0"/>
-            </a:endParaRPr>
-          </a:p>
-        </p:txBody>
-      </p:sp>
-      <p:sp>
-        <p:nvSpPr>
-          <p:cNvPr id="5" name="Дата 4">
-            <a:extLst>
-              <a:ext uri="{FF2B5EF4-FFF2-40B4-BE49-F238E27FC236}">
-                <a16:creationId xmlns:a16="http://schemas.microsoft.com/office/drawing/2014/main" id="{9A25CD09-B261-46CD-BDC6-98290B43E2B0}"/>
-              </a:ext>
-            </a:extLst>
-          </p:cNvPr>
-          <p:cNvSpPr>
-            <a:spLocks noGrp="1"/>
-          </p:cNvSpPr>
-          <p:nvPr>
-            <p:ph type="dt" sz="half" idx="10"/>
-          </p:nvPr>
-        </p:nvSpPr>
-        <p:spPr/>
-        <p:txBody>
-          <a:bodyPr/>
-          <a:lstStyle/>
-          <a:p>
-            <a:r>
-              <a:rPr lang="ru-RU"/>
-              <a:t>2023</a:t>
-            </a:r>
-          </a:p>
-        </p:txBody>
-      </p:sp>
-      <p:sp>
-        <p:nvSpPr>
-          <p:cNvPr id="6" name="Нижний колонтитул 5">
-            <a:extLst>
-              <a:ext uri="{FF2B5EF4-FFF2-40B4-BE49-F238E27FC236}">
-                <a16:creationId xmlns:a16="http://schemas.microsoft.com/office/drawing/2014/main" id="{17E3D693-E049-45BF-9486-C3F2622EEFF4}"/>
-              </a:ext>
-            </a:extLst>
-          </p:cNvPr>
-          <p:cNvSpPr>
-            <a:spLocks noGrp="1"/>
-          </p:cNvSpPr>
-          <p:nvPr>
-            <p:ph type="ftr" sz="quarter" idx="11"/>
-          </p:nvPr>
-        </p:nvSpPr>
-        <p:spPr/>
-        <p:txBody>
-          <a:bodyPr/>
-          <a:lstStyle/>
-          <a:p>
-            <a:r>
-              <a:rPr lang="ru-RU"/>
-              <a:t>Борик Р. Д</a:t>
-            </a:r>
-          </a:p>
-        </p:txBody>
-      </p:sp>
-      <p:pic>
-        <p:nvPicPr>
-          <p:cNvPr id="10" name="Объект 9">
-            <a:extLst>
-              <a:ext uri="{FF2B5EF4-FFF2-40B4-BE49-F238E27FC236}">
-                <a16:creationId xmlns:a16="http://schemas.microsoft.com/office/drawing/2014/main" id="{5D8896C0-AF0D-42D0-9694-56ADFAEF5EB8}"/>
-              </a:ext>
-            </a:extLst>
-          </p:cNvPr>
-          <p:cNvPicPr>
-            <a:picLocks noGrp="1" noChangeAspect="1"/>
-          </p:cNvPicPr>
-          <p:nvPr>
-            <p:ph sz="half" idx="2"/>
-          </p:nvPr>
-        </p:nvPicPr>
-        <p:blipFill>
-          <a:blip r:embed="rId2">
-            <a:extLst>
-              <a:ext uri="{28A0092B-C50C-407E-A947-70E740481C1C}">
-                <a14:useLocalDpi xmlns:a14="http://schemas.microsoft.com/office/drawing/2010/main" val="0"/>
-              </a:ext>
-            </a:extLst>
-          </a:blip>
-          <a:stretch>
-            <a:fillRect/>
-          </a:stretch>
-        </p:blipFill>
-        <p:spPr>
-          <a:xfrm>
-            <a:off x="6172200" y="2058194"/>
-            <a:ext cx="5181600" cy="3886200"/>
-          </a:xfrm>
-        </p:spPr>
-      </p:pic>
-    </p:spTree>
-    <p:extLst>
-      <p:ext uri="{BB962C8B-B14F-4D97-AF65-F5344CB8AC3E}">
-        <p14:creationId xmlns:p14="http://schemas.microsoft.com/office/powerpoint/2010/main" val="2567857491"/>
+        <p14:creationId xmlns:p14="http://schemas.microsoft.com/office/powerpoint/2010/main" val="4126813725"/>
       </p:ext>
     </p:extLst>
   </p:cSld>
@@ -8565,24 +6582,61 @@
             </a:r>
             <a:r>
               <a:rPr lang="en-US" b="1" dirty="0">
-                <a:latin typeface="Arial" panose="020B0604020202020204" pitchFamily="34" charset="0"/>
-                <a:cs typeface="Arial" panose="020B0604020202020204" pitchFamily="34" charset="0"/>
-              </a:rPr>
-              <a:t>van </a:t>
+                <a:solidFill>
+                  <a:srgbClr val="006CB5"/>
+                </a:solidFill>
+                <a:latin typeface="Arial" panose="020B0604020202020204" pitchFamily="34" charset="0"/>
+                <a:cs typeface="Arial" panose="020B0604020202020204" pitchFamily="34" charset="0"/>
+              </a:rPr>
+              <a:t>V</a:t>
+            </a:r>
+            <a:r>
+              <a:rPr lang="en-US" b="1" dirty="0">
+                <a:latin typeface="Arial" panose="020B0604020202020204" pitchFamily="34" charset="0"/>
+                <a:cs typeface="Arial" panose="020B0604020202020204" pitchFamily="34" charset="0"/>
+              </a:rPr>
+              <a:t>an </a:t>
             </a:r>
             <a:r>
               <a:rPr lang="en-US" b="1" dirty="0" err="1">
-                <a:latin typeface="Arial" panose="020B0604020202020204" pitchFamily="34" charset="0"/>
-                <a:cs typeface="Arial" panose="020B0604020202020204" pitchFamily="34" charset="0"/>
-              </a:rPr>
-              <a:t>Emde</a:t>
+                <a:solidFill>
+                  <a:srgbClr val="006CB5"/>
+                </a:solidFill>
+                <a:latin typeface="Arial" panose="020B0604020202020204" pitchFamily="34" charset="0"/>
+                <a:cs typeface="Arial" panose="020B0604020202020204" pitchFamily="34" charset="0"/>
+              </a:rPr>
+              <a:t>E</a:t>
+            </a:r>
+            <a:r>
+              <a:rPr lang="en-US" b="1" dirty="0" err="1">
+                <a:latin typeface="Arial" panose="020B0604020202020204" pitchFamily="34" charset="0"/>
+                <a:cs typeface="Arial" panose="020B0604020202020204" pitchFamily="34" charset="0"/>
+              </a:rPr>
+              <a:t>mde</a:t>
             </a:r>
             <a:r>
               <a:rPr lang="en-US" b="1" dirty="0">
                 <a:latin typeface="Arial" panose="020B0604020202020204" pitchFamily="34" charset="0"/>
                 <a:cs typeface="Arial" panose="020B0604020202020204" pitchFamily="34" charset="0"/>
               </a:rPr>
-              <a:t> Boas</a:t>
+              <a:t> </a:t>
+            </a:r>
+            <a:r>
+              <a:rPr lang="en-US" b="1" dirty="0">
+                <a:solidFill>
+                  <a:srgbClr val="006CB5"/>
+                </a:solidFill>
+                <a:latin typeface="Arial" panose="020B0604020202020204" pitchFamily="34" charset="0"/>
+                <a:cs typeface="Arial" panose="020B0604020202020204" pitchFamily="34" charset="0"/>
+              </a:rPr>
+              <a:t>B</a:t>
+            </a:r>
+            <a:r>
+              <a:rPr lang="en-US" b="1" dirty="0">
+                <a:latin typeface="Arial" panose="020B0604020202020204" pitchFamily="34" charset="0"/>
+                <a:cs typeface="Arial" panose="020B0604020202020204" pitchFamily="34" charset="0"/>
+              </a:rPr>
+              <a:t>oas</a:t>
             </a:r>
             <a:r>
               <a:rPr lang="ru-RU" dirty="0">
@@ -8621,24 +6675,61 @@
             </a:r>
             <a:r>
               <a:rPr lang="en-US" b="1" dirty="0">
-                <a:latin typeface="Arial" panose="020B0604020202020204" pitchFamily="34" charset="0"/>
-                <a:cs typeface="Arial" panose="020B0604020202020204" pitchFamily="34" charset="0"/>
-              </a:rPr>
-              <a:t>van </a:t>
+                <a:solidFill>
+                  <a:srgbClr val="006CB5"/>
+                </a:solidFill>
+                <a:latin typeface="Arial" panose="020B0604020202020204" pitchFamily="34" charset="0"/>
+                <a:cs typeface="Arial" panose="020B0604020202020204" pitchFamily="34" charset="0"/>
+              </a:rPr>
+              <a:t>V</a:t>
+            </a:r>
+            <a:r>
+              <a:rPr lang="en-US" b="1" dirty="0">
+                <a:latin typeface="Arial" panose="020B0604020202020204" pitchFamily="34" charset="0"/>
+                <a:cs typeface="Arial" panose="020B0604020202020204" pitchFamily="34" charset="0"/>
+              </a:rPr>
+              <a:t>an </a:t>
             </a:r>
             <a:r>
               <a:rPr lang="en-US" b="1" dirty="0" err="1">
-                <a:latin typeface="Arial" panose="020B0604020202020204" pitchFamily="34" charset="0"/>
-                <a:cs typeface="Arial" panose="020B0604020202020204" pitchFamily="34" charset="0"/>
-              </a:rPr>
-              <a:t>Emde</a:t>
+                <a:solidFill>
+                  <a:srgbClr val="006CB5"/>
+                </a:solidFill>
+                <a:latin typeface="Arial" panose="020B0604020202020204" pitchFamily="34" charset="0"/>
+                <a:cs typeface="Arial" panose="020B0604020202020204" pitchFamily="34" charset="0"/>
+              </a:rPr>
+              <a:t>E</a:t>
+            </a:r>
+            <a:r>
+              <a:rPr lang="en-US" b="1" dirty="0" err="1">
+                <a:latin typeface="Arial" panose="020B0604020202020204" pitchFamily="34" charset="0"/>
+                <a:cs typeface="Arial" panose="020B0604020202020204" pitchFamily="34" charset="0"/>
+              </a:rPr>
+              <a:t>mde</a:t>
             </a:r>
             <a:r>
               <a:rPr lang="en-US" b="1" dirty="0">
                 <a:latin typeface="Arial" panose="020B0604020202020204" pitchFamily="34" charset="0"/>
                 <a:cs typeface="Arial" panose="020B0604020202020204" pitchFamily="34" charset="0"/>
               </a:rPr>
-              <a:t> Boas</a:t>
+              <a:t> </a:t>
+            </a:r>
+            <a:r>
+              <a:rPr lang="en-US" b="1" dirty="0">
+                <a:solidFill>
+                  <a:srgbClr val="006CB5"/>
+                </a:solidFill>
+                <a:latin typeface="Arial" panose="020B0604020202020204" pitchFamily="34" charset="0"/>
+                <a:cs typeface="Arial" panose="020B0604020202020204" pitchFamily="34" charset="0"/>
+              </a:rPr>
+              <a:t>B</a:t>
+            </a:r>
+            <a:r>
+              <a:rPr lang="en-US" b="1" dirty="0">
+                <a:latin typeface="Arial" panose="020B0604020202020204" pitchFamily="34" charset="0"/>
+                <a:cs typeface="Arial" panose="020B0604020202020204" pitchFamily="34" charset="0"/>
+              </a:rPr>
+              <a:t>oas</a:t>
             </a:r>
             <a:r>
               <a:rPr lang="ru-RU" dirty="0">
@@ -8772,576 +6863,39 @@
           </a:p>
         </p:txBody>
       </p:sp>
+      <p:sp>
+        <p:nvSpPr>
+          <p:cNvPr id="7" name="Номер слайда 6">
+            <a:extLst>
+              <a:ext uri="{FF2B5EF4-FFF2-40B4-BE49-F238E27FC236}">
+                <a16:creationId xmlns:a16="http://schemas.microsoft.com/office/drawing/2014/main" id="{A9EC9E4D-F046-49EF-A868-355D85298D37}"/>
+              </a:ext>
+            </a:extLst>
+          </p:cNvPr>
+          <p:cNvSpPr>
+            <a:spLocks noGrp="1"/>
+          </p:cNvSpPr>
+          <p:nvPr>
+            <p:ph type="sldNum" sz="quarter" idx="12"/>
+          </p:nvPr>
+        </p:nvSpPr>
+        <p:spPr/>
+        <p:txBody>
+          <a:bodyPr/>
+          <a:lstStyle/>
+          <a:p>
+            <a:fld id="{F5F7BD9D-D9F0-4178-8503-A05219E63A73}" type="slidenum">
+              <a:rPr lang="ru-RU" sz="4400" b="1" smtClean="0"/>
+              <a:t>2</a:t>
+            </a:fld>
+            <a:endParaRPr lang="ru-RU" sz="4400" b="1" dirty="0"/>
+          </a:p>
+        </p:txBody>
+      </p:sp>
     </p:spTree>
     <p:extLst>
       <p:ext uri="{BB962C8B-B14F-4D97-AF65-F5344CB8AC3E}">
         <p14:creationId xmlns:p14="http://schemas.microsoft.com/office/powerpoint/2010/main" val="991272767"/>
-      </p:ext>
-    </p:extLst>
-  </p:cSld>
-  <p:clrMapOvr>
-    <a:masterClrMapping/>
-  </p:clrMapOvr>
-  <p:transition spd="slow">
-    <p:push dir="u"/>
-  </p:transition>
-</p:sld>
-</file>
-
-<file path=ppt/slides/slide20.xml><?xml version="1.0" encoding="utf-8"?>
-<p:sld xmlns:a="http://schemas.openxmlformats.org/drawingml/2006/main" xmlns:r="http://schemas.openxmlformats.org/officeDocument/2006/relationships" xmlns:p="http://schemas.openxmlformats.org/presentationml/2006/main">
-  <p:cSld>
-    <p:spTree>
-      <p:nvGrpSpPr>
-        <p:cNvPr id="1" name=""/>
-        <p:cNvGrpSpPr/>
-        <p:nvPr/>
-      </p:nvGrpSpPr>
-      <p:grpSpPr>
-        <a:xfrm>
-          <a:off x="0" y="0"/>
-          <a:ext cx="0" cy="0"/>
-          <a:chOff x="0" y="0"/>
-          <a:chExt cx="0" cy="0"/>
-        </a:xfrm>
-      </p:grpSpPr>
-      <p:sp>
-        <p:nvSpPr>
-          <p:cNvPr id="7" name="Заголовок 6">
-            <a:extLst>
-              <a:ext uri="{FF2B5EF4-FFF2-40B4-BE49-F238E27FC236}">
-                <a16:creationId xmlns:a16="http://schemas.microsoft.com/office/drawing/2014/main" id="{F985232A-2BD8-48D7-BC8C-0550B33E9BF1}"/>
-              </a:ext>
-            </a:extLst>
-          </p:cNvPr>
-          <p:cNvSpPr>
-            <a:spLocks noGrp="1"/>
-          </p:cNvSpPr>
-          <p:nvPr>
-            <p:ph type="title"/>
-          </p:nvPr>
-        </p:nvSpPr>
-        <p:spPr/>
-        <p:txBody>
-          <a:bodyPr/>
-          <a:lstStyle/>
-          <a:p>
-            <a:r>
-              <a:rPr lang="ru-RU" dirty="0">
-                <a:latin typeface="Arial Black" panose="020B0A04020102020204" pitchFamily="34" charset="0"/>
-              </a:rPr>
-              <a:t>Итоги тестирования</a:t>
-            </a:r>
-          </a:p>
-        </p:txBody>
-      </p:sp>
-      <p:sp>
-        <p:nvSpPr>
-          <p:cNvPr id="8" name="Объект 7">
-            <a:extLst>
-              <a:ext uri="{FF2B5EF4-FFF2-40B4-BE49-F238E27FC236}">
-                <a16:creationId xmlns:a16="http://schemas.microsoft.com/office/drawing/2014/main" id="{1D9BCEA8-01F9-4B24-A3AB-F37F8DCF0E51}"/>
-              </a:ext>
-            </a:extLst>
-          </p:cNvPr>
-          <p:cNvSpPr>
-            <a:spLocks noGrp="1"/>
-          </p:cNvSpPr>
-          <p:nvPr>
-            <p:ph idx="1"/>
-          </p:nvPr>
-        </p:nvSpPr>
-        <p:spPr/>
-        <p:txBody>
-          <a:bodyPr/>
-          <a:lstStyle/>
-          <a:p>
-            <a:pPr marL="0" indent="0">
-              <a:buNone/>
-            </a:pPr>
-            <a:r>
-              <a:rPr lang="ru-RU" dirty="0"/>
-              <a:t>Алгоритм дерево </a:t>
-            </a:r>
-            <a:r>
-              <a:rPr lang="ru-RU" dirty="0" err="1"/>
-              <a:t>ван</a:t>
-            </a:r>
-            <a:r>
-              <a:rPr lang="ru-RU" dirty="0"/>
-              <a:t> </a:t>
-            </a:r>
-            <a:r>
-              <a:rPr lang="ru-RU" dirty="0" err="1"/>
-              <a:t>Эмде</a:t>
-            </a:r>
-            <a:r>
-              <a:rPr lang="ru-RU" dirty="0"/>
-              <a:t> </a:t>
-            </a:r>
-            <a:r>
-              <a:rPr lang="ru-RU" dirty="0" err="1"/>
-              <a:t>Боаса</a:t>
-            </a:r>
-            <a:r>
-              <a:rPr lang="ru-RU" dirty="0"/>
-              <a:t> показывает отличные результаты.</a:t>
-            </a:r>
-          </a:p>
-          <a:p>
-            <a:pPr marL="0" indent="0">
-              <a:buNone/>
-            </a:pPr>
-            <a:r>
-              <a:rPr lang="ru-RU" dirty="0"/>
-              <a:t>Он обгоняет контейнер </a:t>
-            </a:r>
-            <a:r>
-              <a:rPr lang="ru-RU" altLang="ru-RU" b="1" dirty="0" err="1">
-                <a:latin typeface="Arial" panose="020B0604020202020204" pitchFamily="34" charset="0"/>
-                <a:cs typeface="Arial" panose="020B0604020202020204" pitchFamily="34" charset="0"/>
-              </a:rPr>
-              <a:t>std</a:t>
-            </a:r>
-            <a:r>
-              <a:rPr lang="ru-RU" altLang="ru-RU" b="1" dirty="0">
-                <a:latin typeface="Arial" panose="020B0604020202020204" pitchFamily="34" charset="0"/>
-                <a:cs typeface="Arial" panose="020B0604020202020204" pitchFamily="34" charset="0"/>
-              </a:rPr>
-              <a:t>::</a:t>
-            </a:r>
-            <a:r>
-              <a:rPr lang="ru-RU" altLang="ru-RU" b="1" dirty="0" err="1">
-                <a:latin typeface="Arial" panose="020B0604020202020204" pitchFamily="34" charset="0"/>
-                <a:cs typeface="Arial" panose="020B0604020202020204" pitchFamily="34" charset="0"/>
-              </a:rPr>
-              <a:t>set</a:t>
-            </a:r>
-            <a:r>
-              <a:rPr lang="ru-RU" altLang="ru-RU" dirty="0">
-                <a:latin typeface="Arial" panose="020B0604020202020204" pitchFamily="34" charset="0"/>
-                <a:cs typeface="Arial" panose="020B0604020202020204" pitchFamily="34" charset="0"/>
-              </a:rPr>
-              <a:t>, который является деревом поиска во всех операциях, кроме </a:t>
-            </a:r>
-            <a:r>
-              <a:rPr lang="en-US" altLang="ru-RU" b="1" dirty="0">
-                <a:latin typeface="Arial" panose="020B0604020202020204" pitchFamily="34" charset="0"/>
-                <a:cs typeface="Arial" panose="020B0604020202020204" pitchFamily="34" charset="0"/>
-              </a:rPr>
-              <a:t>Successor</a:t>
-            </a:r>
-            <a:r>
-              <a:rPr lang="en-US" altLang="ru-RU" dirty="0">
-                <a:latin typeface="Arial" panose="020B0604020202020204" pitchFamily="34" charset="0"/>
-                <a:cs typeface="Arial" panose="020B0604020202020204" pitchFamily="34" charset="0"/>
-              </a:rPr>
-              <a:t> </a:t>
-            </a:r>
-            <a:r>
-              <a:rPr lang="ru-RU" altLang="ru-RU" dirty="0">
-                <a:latin typeface="Arial" panose="020B0604020202020204" pitchFamily="34" charset="0"/>
-                <a:cs typeface="Arial" panose="020B0604020202020204" pitchFamily="34" charset="0"/>
-              </a:rPr>
-              <a:t>и</a:t>
-            </a:r>
-            <a:r>
-              <a:rPr lang="en-US" altLang="ru-RU" dirty="0">
-                <a:latin typeface="Arial" panose="020B0604020202020204" pitchFamily="34" charset="0"/>
-                <a:cs typeface="Arial" panose="020B0604020202020204" pitchFamily="34" charset="0"/>
-              </a:rPr>
-              <a:t> </a:t>
-            </a:r>
-            <a:r>
-              <a:rPr lang="en-US" altLang="ru-RU" b="1" dirty="0">
-                <a:latin typeface="Arial" panose="020B0604020202020204" pitchFamily="34" charset="0"/>
-                <a:cs typeface="Arial" panose="020B0604020202020204" pitchFamily="34" charset="0"/>
-              </a:rPr>
-              <a:t>Predecessor</a:t>
-            </a:r>
-            <a:r>
-              <a:rPr lang="ru-RU" altLang="ru-RU" dirty="0">
-                <a:latin typeface="Arial" panose="020B0604020202020204" pitchFamily="34" charset="0"/>
-                <a:cs typeface="Arial" panose="020B0604020202020204" pitchFamily="34" charset="0"/>
-              </a:rPr>
-              <a:t>.</a:t>
-            </a:r>
-          </a:p>
-          <a:p>
-            <a:pPr marL="0" indent="0">
-              <a:buNone/>
-            </a:pPr>
-            <a:r>
-              <a:rPr lang="ru-RU" dirty="0">
-                <a:latin typeface="Arial" panose="020B0604020202020204" pitchFamily="34" charset="0"/>
-                <a:cs typeface="Arial" panose="020B0604020202020204" pitchFamily="34" charset="0"/>
-              </a:rPr>
-              <a:t>И в некоторых случаях обгоняет </a:t>
-            </a:r>
-            <a:r>
-              <a:rPr lang="ru-RU" dirty="0"/>
-              <a:t>контейнер</a:t>
-            </a:r>
-            <a:r>
-              <a:rPr lang="ru-RU" dirty="0">
-                <a:latin typeface="Arial" panose="020B0604020202020204" pitchFamily="34" charset="0"/>
-                <a:cs typeface="Arial" panose="020B0604020202020204" pitchFamily="34" charset="0"/>
-              </a:rPr>
-              <a:t> </a:t>
-            </a:r>
-            <a:r>
-              <a:rPr lang="ru-RU" altLang="ru-RU" b="1" dirty="0" err="1">
-                <a:latin typeface="Arial" panose="020B0604020202020204" pitchFamily="34" charset="0"/>
-                <a:cs typeface="Arial" panose="020B0604020202020204" pitchFamily="34" charset="0"/>
-              </a:rPr>
-              <a:t>std</a:t>
-            </a:r>
-            <a:r>
-              <a:rPr lang="ru-RU" altLang="ru-RU" b="1" dirty="0">
-                <a:latin typeface="Arial" panose="020B0604020202020204" pitchFamily="34" charset="0"/>
-                <a:cs typeface="Arial" panose="020B0604020202020204" pitchFamily="34" charset="0"/>
-              </a:rPr>
-              <a:t>::</a:t>
-            </a:r>
-            <a:r>
-              <a:rPr lang="ru-RU" altLang="ru-RU" b="1" dirty="0" err="1">
-                <a:latin typeface="Arial" panose="020B0604020202020204" pitchFamily="34" charset="0"/>
-                <a:cs typeface="Arial" panose="020B0604020202020204" pitchFamily="34" charset="0"/>
-              </a:rPr>
-              <a:t>unordered_set</a:t>
-            </a:r>
-            <a:r>
-              <a:rPr lang="ru-RU" altLang="ru-RU" dirty="0">
-                <a:latin typeface="Arial" panose="020B0604020202020204" pitchFamily="34" charset="0"/>
-                <a:cs typeface="Arial" panose="020B0604020202020204" pitchFamily="34" charset="0"/>
-              </a:rPr>
-              <a:t>, который является хэш-таблицей.</a:t>
-            </a:r>
-            <a:endParaRPr lang="ru-RU" dirty="0"/>
-          </a:p>
-        </p:txBody>
-      </p:sp>
-      <p:sp>
-        <p:nvSpPr>
-          <p:cNvPr id="5" name="Дата 4">
-            <a:extLst>
-              <a:ext uri="{FF2B5EF4-FFF2-40B4-BE49-F238E27FC236}">
-                <a16:creationId xmlns:a16="http://schemas.microsoft.com/office/drawing/2014/main" id="{B6BEA351-9B9B-49E0-94B6-6F0ED09FD281}"/>
-              </a:ext>
-            </a:extLst>
-          </p:cNvPr>
-          <p:cNvSpPr>
-            <a:spLocks noGrp="1"/>
-          </p:cNvSpPr>
-          <p:nvPr>
-            <p:ph type="dt" sz="half" idx="10"/>
-          </p:nvPr>
-        </p:nvSpPr>
-        <p:spPr/>
-        <p:txBody>
-          <a:bodyPr/>
-          <a:lstStyle/>
-          <a:p>
-            <a:r>
-              <a:rPr lang="ru-RU"/>
-              <a:t>2023</a:t>
-            </a:r>
-          </a:p>
-        </p:txBody>
-      </p:sp>
-      <p:sp>
-        <p:nvSpPr>
-          <p:cNvPr id="6" name="Нижний колонтитул 5">
-            <a:extLst>
-              <a:ext uri="{FF2B5EF4-FFF2-40B4-BE49-F238E27FC236}">
-                <a16:creationId xmlns:a16="http://schemas.microsoft.com/office/drawing/2014/main" id="{64570A44-08BD-428E-BB47-77F79515BBAC}"/>
-              </a:ext>
-            </a:extLst>
-          </p:cNvPr>
-          <p:cNvSpPr>
-            <a:spLocks noGrp="1"/>
-          </p:cNvSpPr>
-          <p:nvPr>
-            <p:ph type="ftr" sz="quarter" idx="11"/>
-          </p:nvPr>
-        </p:nvSpPr>
-        <p:spPr/>
-        <p:txBody>
-          <a:bodyPr/>
-          <a:lstStyle/>
-          <a:p>
-            <a:r>
-              <a:rPr lang="ru-RU"/>
-              <a:t>Борик Р. Д</a:t>
-            </a:r>
-          </a:p>
-        </p:txBody>
-      </p:sp>
-    </p:spTree>
-    <p:extLst>
-      <p:ext uri="{BB962C8B-B14F-4D97-AF65-F5344CB8AC3E}">
-        <p14:creationId xmlns:p14="http://schemas.microsoft.com/office/powerpoint/2010/main" val="3069485588"/>
-      </p:ext>
-    </p:extLst>
-  </p:cSld>
-  <p:clrMapOvr>
-    <a:masterClrMapping/>
-  </p:clrMapOvr>
-  <p:transition spd="slow">
-    <p:push dir="u"/>
-  </p:transition>
-</p:sld>
-</file>
-
-<file path=ppt/slides/slide21.xml><?xml version="1.0" encoding="utf-8"?>
-<p:sld xmlns:a="http://schemas.openxmlformats.org/drawingml/2006/main" xmlns:r="http://schemas.openxmlformats.org/officeDocument/2006/relationships" xmlns:p="http://schemas.openxmlformats.org/presentationml/2006/main">
-  <p:cSld>
-    <p:spTree>
-      <p:nvGrpSpPr>
-        <p:cNvPr id="1" name=""/>
-        <p:cNvGrpSpPr/>
-        <p:nvPr/>
-      </p:nvGrpSpPr>
-      <p:grpSpPr>
-        <a:xfrm>
-          <a:off x="0" y="0"/>
-          <a:ext cx="0" cy="0"/>
-          <a:chOff x="0" y="0"/>
-          <a:chExt cx="0" cy="0"/>
-        </a:xfrm>
-      </p:grpSpPr>
-      <p:sp>
-        <p:nvSpPr>
-          <p:cNvPr id="11" name="Заголовок 10">
-            <a:extLst>
-              <a:ext uri="{FF2B5EF4-FFF2-40B4-BE49-F238E27FC236}">
-                <a16:creationId xmlns:a16="http://schemas.microsoft.com/office/drawing/2014/main" id="{7445D3B5-035C-4CBB-96C0-4BD4F9FE8BAF}"/>
-              </a:ext>
-            </a:extLst>
-          </p:cNvPr>
-          <p:cNvSpPr>
-            <a:spLocks noGrp="1"/>
-          </p:cNvSpPr>
-          <p:nvPr>
-            <p:ph type="title"/>
-          </p:nvPr>
-        </p:nvSpPr>
-        <p:spPr/>
-        <p:txBody>
-          <a:bodyPr/>
-          <a:lstStyle/>
-          <a:p>
-            <a:r>
-              <a:rPr lang="ru-RU" dirty="0">
-                <a:latin typeface="Arial Black" panose="020B0A04020102020204" pitchFamily="34" charset="0"/>
-              </a:rPr>
-              <a:t>Репозиторий </a:t>
-            </a:r>
-            <a:r>
-              <a:rPr lang="en-US" dirty="0" err="1">
-                <a:latin typeface="Arial Black" panose="020B0A04020102020204" pitchFamily="34" charset="0"/>
-              </a:rPr>
-              <a:t>github</a:t>
-            </a:r>
-            <a:endParaRPr lang="ru-RU" dirty="0">
-              <a:latin typeface="Arial Black" panose="020B0A04020102020204" pitchFamily="34" charset="0"/>
-            </a:endParaRPr>
-          </a:p>
-        </p:txBody>
-      </p:sp>
-      <p:sp>
-        <p:nvSpPr>
-          <p:cNvPr id="12" name="Объект 11">
-            <a:extLst>
-              <a:ext uri="{FF2B5EF4-FFF2-40B4-BE49-F238E27FC236}">
-                <a16:creationId xmlns:a16="http://schemas.microsoft.com/office/drawing/2014/main" id="{CB954815-F1D9-492D-89D6-8081646FA811}"/>
-              </a:ext>
-            </a:extLst>
-          </p:cNvPr>
-          <p:cNvSpPr>
-            <a:spLocks noGrp="1"/>
-          </p:cNvSpPr>
-          <p:nvPr>
-            <p:ph sz="half" idx="1"/>
-          </p:nvPr>
-        </p:nvSpPr>
-        <p:spPr/>
-        <p:txBody>
-          <a:bodyPr/>
-          <a:lstStyle/>
-          <a:p>
-            <a:pPr marL="0" indent="0">
-              <a:lnSpc>
-                <a:spcPct val="150000"/>
-              </a:lnSpc>
-              <a:buNone/>
-            </a:pPr>
-            <a:r>
-              <a:rPr lang="ru-RU" dirty="0"/>
-              <a:t>Представлено по ссылке</a:t>
-            </a:r>
-            <a:r>
-              <a:rPr lang="en-US" dirty="0"/>
-              <a:t>:</a:t>
-            </a:r>
-          </a:p>
-          <a:p>
-            <a:r>
-              <a:rPr lang="ru-RU" dirty="0"/>
-              <a:t>Описание алгоритма</a:t>
-            </a:r>
-          </a:p>
-          <a:p>
-            <a:r>
-              <a:rPr lang="ru-RU" dirty="0"/>
-              <a:t>Реализация алгоритма на </a:t>
-            </a:r>
-            <a:r>
-              <a:rPr lang="en-US" dirty="0"/>
-              <a:t>C++</a:t>
-            </a:r>
-          </a:p>
-          <a:p>
-            <a:r>
-              <a:rPr lang="ru-RU" dirty="0"/>
-              <a:t>Презентация</a:t>
-            </a:r>
-          </a:p>
-          <a:p>
-            <a:r>
-              <a:rPr lang="ru-RU" dirty="0"/>
-              <a:t>Тестирующая система</a:t>
-            </a:r>
-          </a:p>
-          <a:p>
-            <a:pPr lvl="1"/>
-            <a:r>
-              <a:rPr lang="ru-RU" dirty="0"/>
-              <a:t>Набор тестов </a:t>
-            </a:r>
-            <a:r>
-              <a:rPr lang="ru-RU"/>
-              <a:t>на корректность</a:t>
-            </a:r>
-            <a:endParaRPr lang="ru-RU" dirty="0"/>
-          </a:p>
-          <a:p>
-            <a:r>
-              <a:rPr lang="ru-RU" dirty="0"/>
-              <a:t>Результаты анализа производительности</a:t>
-            </a:r>
-          </a:p>
-        </p:txBody>
-      </p:sp>
-      <p:sp>
-        <p:nvSpPr>
-          <p:cNvPr id="4" name="Дата 3">
-            <a:extLst>
-              <a:ext uri="{FF2B5EF4-FFF2-40B4-BE49-F238E27FC236}">
-                <a16:creationId xmlns:a16="http://schemas.microsoft.com/office/drawing/2014/main" id="{8BA701C6-DC52-45D9-8FB7-145760315121}"/>
-              </a:ext>
-            </a:extLst>
-          </p:cNvPr>
-          <p:cNvSpPr>
-            <a:spLocks noGrp="1"/>
-          </p:cNvSpPr>
-          <p:nvPr>
-            <p:ph type="dt" sz="half" idx="10"/>
-          </p:nvPr>
-        </p:nvSpPr>
-        <p:spPr/>
-        <p:txBody>
-          <a:bodyPr/>
-          <a:lstStyle/>
-          <a:p>
-            <a:r>
-              <a:rPr lang="ru-RU"/>
-              <a:t>2023</a:t>
-            </a:r>
-          </a:p>
-        </p:txBody>
-      </p:sp>
-      <p:sp>
-        <p:nvSpPr>
-          <p:cNvPr id="5" name="Нижний колонтитул 4">
-            <a:extLst>
-              <a:ext uri="{FF2B5EF4-FFF2-40B4-BE49-F238E27FC236}">
-                <a16:creationId xmlns:a16="http://schemas.microsoft.com/office/drawing/2014/main" id="{D66F3FF9-92A4-4AA1-A25F-FF71A8472B05}"/>
-              </a:ext>
-            </a:extLst>
-          </p:cNvPr>
-          <p:cNvSpPr>
-            <a:spLocks noGrp="1"/>
-          </p:cNvSpPr>
-          <p:nvPr>
-            <p:ph type="ftr" sz="quarter" idx="11"/>
-          </p:nvPr>
-        </p:nvSpPr>
-        <p:spPr/>
-        <p:txBody>
-          <a:bodyPr/>
-          <a:lstStyle/>
-          <a:p>
-            <a:r>
-              <a:rPr lang="ru-RU"/>
-              <a:t>Борик Р. Д</a:t>
-            </a:r>
-          </a:p>
-        </p:txBody>
-      </p:sp>
-      <p:pic>
-        <p:nvPicPr>
-          <p:cNvPr id="1026" name="Picture 2" descr="http://qrcoder.ru/code/?https%3A%2F%2Fgithub.com%2FRandomServant%2FVan-Emde-Boas-tree&amp;10&amp;0">
-            <a:extLst>
-              <a:ext uri="{FF2B5EF4-FFF2-40B4-BE49-F238E27FC236}">
-                <a16:creationId xmlns:a16="http://schemas.microsoft.com/office/drawing/2014/main" id="{9607B92C-2004-4DCD-82D4-C1A09E25F2F6}"/>
-              </a:ext>
-            </a:extLst>
-          </p:cNvPr>
-          <p:cNvPicPr>
-            <a:picLocks noGrp="1" noChangeAspect="1" noChangeArrowheads="1"/>
-          </p:cNvPicPr>
-          <p:nvPr>
-            <p:ph sz="half" idx="2"/>
-          </p:nvPr>
-        </p:nvPicPr>
-        <p:blipFill>
-          <a:blip r:embed="rId2">
-            <a:extLst>
-              <a:ext uri="{28A0092B-C50C-407E-A947-70E740481C1C}">
-                <a14:useLocalDpi xmlns:a14="http://schemas.microsoft.com/office/drawing/2010/main" val="0"/>
-              </a:ext>
-            </a:extLst>
-          </a:blip>
-          <a:srcRect/>
-          <a:stretch>
-            <a:fillRect/>
-          </a:stretch>
-        </p:blipFill>
-        <p:spPr bwMode="auto">
-          <a:xfrm>
-            <a:off x="6810375" y="2048669"/>
-            <a:ext cx="3905250" cy="3905250"/>
-          </a:xfrm>
-          <a:prstGeom prst="rect">
-            <a:avLst/>
-          </a:prstGeom>
-          <a:noFill/>
-          <a:extLst>
-            <a:ext uri="{909E8E84-426E-40DD-AFC4-6F175D3DCCD1}">
-              <a14:hiddenFill xmlns:a14="http://schemas.microsoft.com/office/drawing/2010/main">
-                <a:solidFill>
-                  <a:srgbClr val="FFFFFF"/>
-                </a:solidFill>
-              </a14:hiddenFill>
-            </a:ext>
-          </a:extLst>
-        </p:spPr>
-      </p:pic>
-    </p:spTree>
-    <p:extLst>
-      <p:ext uri="{BB962C8B-B14F-4D97-AF65-F5344CB8AC3E}">
-        <p14:creationId xmlns:p14="http://schemas.microsoft.com/office/powerpoint/2010/main" val="4126813725"/>
       </p:ext>
     </p:extLst>
   </p:cSld>
@@ -9431,8 +6985,16 @@
               <a:buNone/>
             </a:pPr>
             <a:r>
+              <a:rPr lang="ru-RU" b="1" dirty="0">
+                <a:solidFill>
+                  <a:srgbClr val="006CB5"/>
+                </a:solidFill>
+              </a:rPr>
+              <a:t>VEB</a:t>
+            </a:r>
+            <a:r>
               <a:rPr lang="ru-RU" b="1" dirty="0"/>
-              <a:t>VEB дерево </a:t>
+              <a:t> дерево </a:t>
             </a:r>
             <a:r>
               <a:rPr lang="ru-RU" dirty="0"/>
@@ -9620,6 +7182,35 @@
           </a:extLst>
         </p:spPr>
       </p:pic>
+      <p:sp>
+        <p:nvSpPr>
+          <p:cNvPr id="7" name="Номер слайда 6">
+            <a:extLst>
+              <a:ext uri="{FF2B5EF4-FFF2-40B4-BE49-F238E27FC236}">
+                <a16:creationId xmlns:a16="http://schemas.microsoft.com/office/drawing/2014/main" id="{5C80A319-D780-4A65-A4EA-A7573B458140}"/>
+              </a:ext>
+            </a:extLst>
+          </p:cNvPr>
+          <p:cNvSpPr>
+            <a:spLocks noGrp="1"/>
+          </p:cNvSpPr>
+          <p:nvPr>
+            <p:ph type="sldNum" sz="quarter" idx="12"/>
+          </p:nvPr>
+        </p:nvSpPr>
+        <p:spPr/>
+        <p:txBody>
+          <a:bodyPr/>
+          <a:lstStyle/>
+          <a:p>
+            <a:fld id="{F5F7BD9D-D9F0-4178-8503-A05219E63A73}" type="slidenum">
+              <a:rPr lang="ru-RU" sz="4400" smtClean="0"/>
+              <a:t>3</a:t>
+            </a:fld>
+            <a:endParaRPr lang="ru-RU" sz="4400" dirty="0"/>
+          </a:p>
+        </p:txBody>
+      </p:sp>
     </p:spTree>
     <p:extLst>
       <p:ext uri="{BB962C8B-B14F-4D97-AF65-F5344CB8AC3E}">
@@ -9676,6 +7267,9 @@
           <a:p>
             <a:r>
               <a:rPr lang="en-US" dirty="0">
+                <a:solidFill>
+                  <a:srgbClr val="006CB5"/>
+                </a:solidFill>
                 <a:latin typeface="Arial Black" panose="020B0A04020102020204" pitchFamily="34" charset="0"/>
               </a:rPr>
               <a:t>VEB</a:t>
@@ -9696,8 +7290,8 @@
           </a:p>
         </p:txBody>
       </p:sp>
-      <mc:AlternateContent xmlns:mc="http://schemas.openxmlformats.org/markup-compatibility/2006" xmlns:a14="http://schemas.microsoft.com/office/drawing/2010/main">
-        <mc:Choice Requires="a14">
+      <mc:AlternateContent xmlns:mc="http://schemas.openxmlformats.org/markup-compatibility/2006">
+        <mc:Choice xmlns:a14="http://schemas.microsoft.com/office/drawing/2010/main" Requires="a14">
           <p:sp>
             <p:nvSpPr>
               <p:cNvPr id="3" name="Объект 2">
@@ -9753,7 +7347,7 @@
                         <a:latin typeface="Cambria Math" panose="02040503050406030204" pitchFamily="18" charset="0"/>
                         <a:cs typeface="Arial" panose="020B0604020202020204" pitchFamily="34" charset="0"/>
                       </a:rPr>
-                      <m:t>, </m:t>
+                      <m:t>,  </m:t>
                     </m:r>
                     <m:r>
                       <a:rPr lang="en-US" b="1" i="0" dirty="0" smtClean="0">
@@ -9761,6 +7355,20 @@
                         <a:cs typeface="Arial" panose="020B0604020202020204" pitchFamily="34" charset="0"/>
                       </a:rPr>
                       <m:t>𝐔</m:t>
+                    </m:r>
+                    <m:r>
+                      <a:rPr lang="en-US" b="1" i="0" dirty="0" smtClean="0">
+                        <a:latin typeface="Cambria Math" panose="02040503050406030204" pitchFamily="18" charset="0"/>
+                        <a:cs typeface="Arial" panose="020B0604020202020204" pitchFamily="34" charset="0"/>
+                      </a:rPr>
+                      <m:t>−</m:t>
+                    </m:r>
+                    <m:r>
+                      <a:rPr lang="en-US" b="1" i="0" dirty="0" smtClean="0">
+                        <a:latin typeface="Cambria Math" panose="02040503050406030204" pitchFamily="18" charset="0"/>
+                        <a:cs typeface="Arial" panose="020B0604020202020204" pitchFamily="34" charset="0"/>
+                      </a:rPr>
+                      <m:t>𝟏</m:t>
                     </m:r>
                     <m:r>
                       <a:rPr lang="en-US" b="1" i="0" dirty="0" smtClean="0">
@@ -9919,7 +7527,7 @@
             </p:txBody>
           </p:sp>
         </mc:Choice>
-        <mc:Fallback xmlns="">
+        <mc:Fallback>
           <p:sp>
             <p:nvSpPr>
               <p:cNvPr id="3" name="Объект 2">
@@ -10015,6 +7623,35 @@
           </a:p>
         </p:txBody>
       </p:sp>
+      <p:sp>
+        <p:nvSpPr>
+          <p:cNvPr id="7" name="Номер слайда 6">
+            <a:extLst>
+              <a:ext uri="{FF2B5EF4-FFF2-40B4-BE49-F238E27FC236}">
+                <a16:creationId xmlns:a16="http://schemas.microsoft.com/office/drawing/2014/main" id="{D48A52AA-D1F7-4DB2-81A1-8D8DA49E14B6}"/>
+              </a:ext>
+            </a:extLst>
+          </p:cNvPr>
+          <p:cNvSpPr>
+            <a:spLocks noGrp="1"/>
+          </p:cNvSpPr>
+          <p:nvPr>
+            <p:ph type="sldNum" sz="quarter" idx="12"/>
+          </p:nvPr>
+        </p:nvSpPr>
+        <p:spPr/>
+        <p:txBody>
+          <a:bodyPr/>
+          <a:lstStyle/>
+          <a:p>
+            <a:fld id="{F5F7BD9D-D9F0-4178-8503-A05219E63A73}" type="slidenum">
+              <a:rPr lang="ru-RU" sz="4400" smtClean="0"/>
+              <a:t>4</a:t>
+            </a:fld>
+            <a:endParaRPr lang="ru-RU" sz="4400" dirty="0"/>
+          </a:p>
+        </p:txBody>
+      </p:sp>
     </p:spTree>
     <p:extLst>
       <p:ext uri="{BB962C8B-B14F-4D97-AF65-F5344CB8AC3E}">
@@ -10168,7 +7805,7 @@
                 <a:latin typeface="Arial" panose="020B0604020202020204" pitchFamily="34" charset="0"/>
                 <a:cs typeface="Arial" panose="020B0604020202020204" pitchFamily="34" charset="0"/>
               </a:rPr>
-              <a:t> - минимальное значение.</a:t>
+              <a:t> - минимальное значение узла.</a:t>
             </a:r>
           </a:p>
           <a:p>
@@ -10195,7 +7832,7 @@
                 <a:latin typeface="Arial" panose="020B0604020202020204" pitchFamily="34" charset="0"/>
                 <a:cs typeface="Arial" panose="020B0604020202020204" pitchFamily="34" charset="0"/>
               </a:rPr>
-              <a:t> - максимальное значение.</a:t>
+              <a:t> - максимальное значение узла.</a:t>
             </a:r>
           </a:p>
           <a:p>
@@ -10222,7 +7859,7 @@
                 <a:latin typeface="Arial" panose="020B0604020202020204" pitchFamily="34" charset="0"/>
                 <a:cs typeface="Arial" panose="020B0604020202020204" pitchFamily="34" charset="0"/>
               </a:rPr>
-              <a:t> - вспомогательное дерево.</a:t>
+              <a:t> - ссылка на вспомогательное поддерево.</a:t>
             </a:r>
           </a:p>
           <a:p>
@@ -10249,7 +7886,7 @@
                 <a:latin typeface="Arial" panose="020B0604020202020204" pitchFamily="34" charset="0"/>
                 <a:cs typeface="Arial" panose="020B0604020202020204" pitchFamily="34" charset="0"/>
               </a:rPr>
-              <a:t> - массив поддеревьев.</a:t>
+              <a:t> - массив ссылок на поддеревья.</a:t>
             </a:r>
           </a:p>
           <a:p>
@@ -10307,9 +7944,38 @@
           <a:lstStyle/>
           <a:p>
             <a:r>
-              <a:rPr lang="ru-RU"/>
+              <a:rPr lang="ru-RU" dirty="0"/>
               <a:t>Борик Р. Д</a:t>
             </a:r>
+          </a:p>
+        </p:txBody>
+      </p:sp>
+      <p:sp>
+        <p:nvSpPr>
+          <p:cNvPr id="7" name="Номер слайда 6">
+            <a:extLst>
+              <a:ext uri="{FF2B5EF4-FFF2-40B4-BE49-F238E27FC236}">
+                <a16:creationId xmlns:a16="http://schemas.microsoft.com/office/drawing/2014/main" id="{90760B68-BB70-469C-A357-89BB8B3E9480}"/>
+              </a:ext>
+            </a:extLst>
+          </p:cNvPr>
+          <p:cNvSpPr>
+            <a:spLocks noGrp="1"/>
+          </p:cNvSpPr>
+          <p:nvPr>
+            <p:ph type="sldNum" sz="quarter" idx="12"/>
+          </p:nvPr>
+        </p:nvSpPr>
+        <p:spPr/>
+        <p:txBody>
+          <a:bodyPr/>
+          <a:lstStyle/>
+          <a:p>
+            <a:fld id="{F5F7BD9D-D9F0-4178-8503-A05219E63A73}" type="slidenum">
+              <a:rPr lang="ru-RU" sz="4400" smtClean="0"/>
+              <a:t>5</a:t>
+            </a:fld>
+            <a:endParaRPr lang="ru-RU" sz="4400" dirty="0"/>
           </a:p>
         </p:txBody>
       </p:sp>
@@ -10346,55 +8012,6 @@
           <a:chExt cx="0" cy="0"/>
         </a:xfrm>
       </p:grpSpPr>
-      <p:sp>
-        <p:nvSpPr>
-          <p:cNvPr id="2" name="Заголовок 1">
-            <a:extLst>
-              <a:ext uri="{FF2B5EF4-FFF2-40B4-BE49-F238E27FC236}">
-                <a16:creationId xmlns:a16="http://schemas.microsoft.com/office/drawing/2014/main" id="{1BE0F75F-DAD5-4F59-86EB-AF7F69FF2B22}"/>
-              </a:ext>
-            </a:extLst>
-          </p:cNvPr>
-          <p:cNvSpPr>
-            <a:spLocks noGrp="1"/>
-          </p:cNvSpPr>
-          <p:nvPr>
-            <p:ph type="title"/>
-          </p:nvPr>
-        </p:nvSpPr>
-        <p:spPr/>
-        <p:txBody>
-          <a:bodyPr/>
-          <a:lstStyle/>
-          <a:p>
-            <a:r>
-              <a:rPr lang="ru-RU" dirty="0">
-                <a:latin typeface="Arial Black" panose="020B0A04020102020204" pitchFamily="34" charset="0"/>
-              </a:rPr>
-              <a:t>Пример </a:t>
-            </a:r>
-            <a:r>
-              <a:rPr lang="en-US" dirty="0" err="1">
-                <a:latin typeface="Arial Black" panose="020B0A04020102020204" pitchFamily="34" charset="0"/>
-              </a:rPr>
-              <a:t>vEB</a:t>
-            </a:r>
-            <a:r>
-              <a:rPr lang="ru-RU" dirty="0">
-                <a:latin typeface="Arial Black" panose="020B0A04020102020204" pitchFamily="34" charset="0"/>
-              </a:rPr>
-              <a:t> дерева</a:t>
-            </a:r>
-            <a:r>
-              <a:rPr lang="en-US" dirty="0">
-                <a:latin typeface="Arial Black" panose="020B0A04020102020204" pitchFamily="34" charset="0"/>
-              </a:rPr>
-              <a:t> </a:t>
-            </a:r>
-            <a:endParaRPr lang="ru-RU" dirty="0"/>
-          </a:p>
-        </p:txBody>
-      </p:sp>
       <p:pic>
         <p:nvPicPr>
           <p:cNvPr id="13" name="Объект 12">
@@ -10425,11 +8042,60 @@
         </p:blipFill>
         <p:spPr>
           <a:xfrm>
-            <a:off x="80799" y="1354633"/>
-            <a:ext cx="6088225" cy="5366842"/>
+            <a:off x="261290" y="1333573"/>
+            <a:ext cx="5741471" cy="5061175"/>
           </a:xfrm>
         </p:spPr>
       </p:pic>
+      <p:sp>
+        <p:nvSpPr>
+          <p:cNvPr id="2" name="Заголовок 1">
+            <a:extLst>
+              <a:ext uri="{FF2B5EF4-FFF2-40B4-BE49-F238E27FC236}">
+                <a16:creationId xmlns:a16="http://schemas.microsoft.com/office/drawing/2014/main" id="{1BE0F75F-DAD5-4F59-86EB-AF7F69FF2B22}"/>
+              </a:ext>
+            </a:extLst>
+          </p:cNvPr>
+          <p:cNvSpPr>
+            <a:spLocks noGrp="1"/>
+          </p:cNvSpPr>
+          <p:nvPr>
+            <p:ph type="title"/>
+          </p:nvPr>
+        </p:nvSpPr>
+        <p:spPr/>
+        <p:txBody>
+          <a:bodyPr/>
+          <a:lstStyle/>
+          <a:p>
+            <a:r>
+              <a:rPr lang="ru-RU" dirty="0">
+                <a:latin typeface="Arial Black" panose="020B0A04020102020204" pitchFamily="34" charset="0"/>
+              </a:rPr>
+              <a:t>Пример </a:t>
+            </a:r>
+            <a:r>
+              <a:rPr lang="en-US" dirty="0" err="1">
+                <a:latin typeface="Arial Black" panose="020B0A04020102020204" pitchFamily="34" charset="0"/>
+              </a:rPr>
+              <a:t>vEB</a:t>
+            </a:r>
+            <a:r>
+              <a:rPr lang="ru-RU" dirty="0">
+                <a:latin typeface="Arial Black" panose="020B0A04020102020204" pitchFamily="34" charset="0"/>
+              </a:rPr>
+              <a:t> дерева</a:t>
+            </a:r>
+            <a:r>
+              <a:rPr lang="en-US" dirty="0">
+                <a:latin typeface="Arial Black" panose="020B0A04020102020204" pitchFamily="34" charset="0"/>
+              </a:rPr>
+              <a:t> </a:t>
+            </a:r>
+            <a:endParaRPr lang="ru-RU" dirty="0"/>
+          </a:p>
+        </p:txBody>
+      </p:sp>
       <p:sp>
         <p:nvSpPr>
           <p:cNvPr id="10" name="Текст 9">
@@ -10561,6 +8227,35 @@
           </a:xfrm>
         </p:spPr>
       </p:pic>
+      <p:sp>
+        <p:nvSpPr>
+          <p:cNvPr id="6" name="Номер слайда 5">
+            <a:extLst>
+              <a:ext uri="{FF2B5EF4-FFF2-40B4-BE49-F238E27FC236}">
+                <a16:creationId xmlns:a16="http://schemas.microsoft.com/office/drawing/2014/main" id="{9854BBFD-957B-4688-8890-CC56CC1A9939}"/>
+              </a:ext>
+            </a:extLst>
+          </p:cNvPr>
+          <p:cNvSpPr>
+            <a:spLocks noGrp="1"/>
+          </p:cNvSpPr>
+          <p:nvPr>
+            <p:ph type="sldNum" sz="quarter" idx="12"/>
+          </p:nvPr>
+        </p:nvSpPr>
+        <p:spPr/>
+        <p:txBody>
+          <a:bodyPr/>
+          <a:lstStyle/>
+          <a:p>
+            <a:fld id="{F5F7BD9D-D9F0-4178-8503-A05219E63A73}" type="slidenum">
+              <a:rPr lang="ru-RU" sz="4400" smtClean="0"/>
+              <a:t>6</a:t>
+            </a:fld>
+            <a:endParaRPr lang="ru-RU" sz="4400" dirty="0"/>
+          </a:p>
+        </p:txBody>
+      </p:sp>
     </p:spTree>
     <p:extLst>
       <p:ext uri="{BB962C8B-B14F-4D97-AF65-F5344CB8AC3E}">
@@ -10645,7 +8340,7 @@
           <a:bodyPr/>
           <a:lstStyle/>
           <a:p>
-            <a:pPr marL="0" lvl="0" indent="0" eaLnBrk="0" fontAlgn="base" hangingPunct="0">
+            <a:pPr eaLnBrk="0" fontAlgn="base" hangingPunct="0">
               <a:lnSpc>
                 <a:spcPct val="200000"/>
               </a:lnSpc>
@@ -10655,8 +8350,6 @@
               <a:spcAft>
                 <a:spcPct val="0"/>
               </a:spcAft>
-              <a:buFontTx/>
-              <a:buChar char="•"/>
             </a:pPr>
             <a:r>
               <a:rPr lang="ru-RU" altLang="ru-RU" b="1" dirty="0" err="1">
@@ -10688,7 +8381,7 @@
             </a:r>
           </a:p>
           <a:p>
-            <a:pPr marL="0" lvl="0" indent="0" eaLnBrk="0" fontAlgn="base" hangingPunct="0">
+            <a:pPr eaLnBrk="0" fontAlgn="base" hangingPunct="0">
               <a:lnSpc>
                 <a:spcPct val="200000"/>
               </a:lnSpc>
@@ -10698,8 +8391,6 @@
               <a:spcAft>
                 <a:spcPct val="0"/>
               </a:spcAft>
-              <a:buFontTx/>
-              <a:buChar char="•"/>
             </a:pPr>
             <a:r>
               <a:rPr lang="ru-RU" altLang="ru-RU" b="1" dirty="0" err="1">
@@ -10738,7 +8429,7 @@
             </a:r>
           </a:p>
           <a:p>
-            <a:pPr marL="0" lvl="0" indent="0" eaLnBrk="0" fontAlgn="base" hangingPunct="0">
+            <a:pPr eaLnBrk="0" fontAlgn="base" hangingPunct="0">
               <a:lnSpc>
                 <a:spcPct val="200000"/>
               </a:lnSpc>
@@ -10748,8 +8439,6 @@
               <a:spcAft>
                 <a:spcPct val="0"/>
               </a:spcAft>
-              <a:buFontTx/>
-              <a:buChar char="•"/>
             </a:pPr>
             <a:r>
               <a:rPr lang="ru-RU" altLang="ru-RU" b="1" dirty="0" err="1">
@@ -10780,18 +8469,11 @@
               <a:t> </a:t>
             </a:r>
             <a:r>
-              <a:rPr lang="ru-RU">
-                <a:latin typeface="Arial" panose="020B0604020202020204" pitchFamily="34" charset="0"/>
-                <a:cs typeface="Arial" panose="020B0604020202020204" pitchFamily="34" charset="0"/>
-              </a:rPr>
-              <a:t>позиция </a:t>
-            </a:r>
-            <a:r>
               <a:rPr lang="ru-RU" dirty="0">
                 <a:latin typeface="Arial" panose="020B0604020202020204" pitchFamily="34" charset="0"/>
                 <a:cs typeface="Arial" panose="020B0604020202020204" pitchFamily="34" charset="0"/>
               </a:rPr>
-              <a:t>ключа из его позиции в кластере </a:t>
+              <a:t>позиция ключа из его позиции в кластере </a:t>
             </a:r>
             <a:r>
               <a:rPr lang="en-US" b="1" dirty="0">
@@ -10877,6 +8559,35 @@
               <a:rPr lang="ru-RU"/>
               <a:t>Борик Р. Д</a:t>
             </a:r>
+          </a:p>
+        </p:txBody>
+      </p:sp>
+      <p:sp>
+        <p:nvSpPr>
+          <p:cNvPr id="3" name="Номер слайда 2">
+            <a:extLst>
+              <a:ext uri="{FF2B5EF4-FFF2-40B4-BE49-F238E27FC236}">
+                <a16:creationId xmlns:a16="http://schemas.microsoft.com/office/drawing/2014/main" id="{67EC54FA-C64E-4F1A-8A37-4CF08CAF4306}"/>
+              </a:ext>
+            </a:extLst>
+          </p:cNvPr>
+          <p:cNvSpPr>
+            <a:spLocks noGrp="1"/>
+          </p:cNvSpPr>
+          <p:nvPr>
+            <p:ph type="sldNum" sz="quarter" idx="12"/>
+          </p:nvPr>
+        </p:nvSpPr>
+        <p:spPr/>
+        <p:txBody>
+          <a:bodyPr/>
+          <a:lstStyle/>
+          <a:p>
+            <a:fld id="{F5F7BD9D-D9F0-4178-8503-A05219E63A73}" type="slidenum">
+              <a:rPr lang="ru-RU" sz="4400" smtClean="0"/>
+              <a:t>7</a:t>
+            </a:fld>
+            <a:endParaRPr lang="ru-RU" sz="4400" dirty="0"/>
           </a:p>
         </p:txBody>
       </p:sp>
@@ -10937,6 +8648,27 @@
               </a:rPr>
               <a:t>Операции</a:t>
             </a:r>
+            <a:r>
+              <a:rPr lang="en-US" dirty="0">
+                <a:latin typeface="Arial Black" panose="020B0A04020102020204" pitchFamily="34" charset="0"/>
+              </a:rPr>
+              <a:t> </a:t>
+            </a:r>
+            <a:r>
+              <a:rPr lang="ru-RU" dirty="0">
+                <a:latin typeface="Arial Black" panose="020B0A04020102020204" pitchFamily="34" charset="0"/>
+              </a:rPr>
+              <a:t>над деревом </a:t>
+            </a:r>
+            <a:r>
+              <a:rPr lang="en-US" dirty="0">
+                <a:latin typeface="Arial Black" panose="020B0A04020102020204" pitchFamily="34" charset="0"/>
+              </a:rPr>
+              <a:t>VEB</a:t>
+            </a:r>
+            <a:endParaRPr lang="ru-RU" dirty="0">
+              <a:latin typeface="Arial Black" panose="020B0A04020102020204" pitchFamily="34" charset="0"/>
+            </a:endParaRPr>
           </a:p>
         </p:txBody>
       </p:sp>
@@ -11113,6 +8845,35 @@
               <a:rPr lang="ru-RU"/>
               <a:t>2023</a:t>
             </a:r>
+          </a:p>
+        </p:txBody>
+      </p:sp>
+      <p:sp>
+        <p:nvSpPr>
+          <p:cNvPr id="7" name="Номер слайда 6">
+            <a:extLst>
+              <a:ext uri="{FF2B5EF4-FFF2-40B4-BE49-F238E27FC236}">
+                <a16:creationId xmlns:a16="http://schemas.microsoft.com/office/drawing/2014/main" id="{96E1C9C5-76C9-42C7-8202-08C7E43E3BEF}"/>
+              </a:ext>
+            </a:extLst>
+          </p:cNvPr>
+          <p:cNvSpPr>
+            <a:spLocks noGrp="1"/>
+          </p:cNvSpPr>
+          <p:nvPr>
+            <p:ph type="sldNum" sz="quarter" idx="12"/>
+          </p:nvPr>
+        </p:nvSpPr>
+        <p:spPr/>
+        <p:txBody>
+          <a:bodyPr/>
+          <a:lstStyle/>
+          <a:p>
+            <a:fld id="{F5F7BD9D-D9F0-4178-8503-A05219E63A73}" type="slidenum">
+              <a:rPr lang="ru-RU" sz="4400" smtClean="0"/>
+              <a:t>8</a:t>
+            </a:fld>
+            <a:endParaRPr lang="ru-RU" sz="4400" dirty="0"/>
           </a:p>
         </p:txBody>
       </p:sp>
@@ -11149,47 +8910,12 @@
           <a:chExt cx="0" cy="0"/>
         </a:xfrm>
       </p:grpSpPr>
-      <p:pic>
-        <p:nvPicPr>
-          <p:cNvPr id="13" name="Объект 12">
-            <a:extLst>
-              <a:ext uri="{FF2B5EF4-FFF2-40B4-BE49-F238E27FC236}">
-                <a16:creationId xmlns:a16="http://schemas.microsoft.com/office/drawing/2014/main" id="{35C254AD-988B-459B-AADD-A114F9C3811F}"/>
-              </a:ext>
-            </a:extLst>
-          </p:cNvPr>
-          <p:cNvPicPr>
-            <a:picLocks noGrp="1" noChangeAspect="1"/>
-          </p:cNvPicPr>
-          <p:nvPr>
-            <p:ph sz="half" idx="2"/>
-          </p:nvPr>
-        </p:nvPicPr>
-        <p:blipFill>
-          <a:blip r:embed="rId2">
-            <a:extLst>
-              <a:ext uri="{28A0092B-C50C-407E-A947-70E740481C1C}">
-                <a14:useLocalDpi xmlns:a14="http://schemas.microsoft.com/office/drawing/2010/main" val="0"/>
-              </a:ext>
-            </a:extLst>
-          </a:blip>
-          <a:stretch>
-            <a:fillRect/>
-          </a:stretch>
-        </p:blipFill>
-        <p:spPr>
-          <a:xfrm>
-            <a:off x="5355771" y="533857"/>
-            <a:ext cx="6680719" cy="5889132"/>
-          </a:xfrm>
-        </p:spPr>
-      </p:pic>
       <p:sp>
         <p:nvSpPr>
           <p:cNvPr id="2" name="Заголовок 1">
             <a:extLst>
               <a:ext uri="{FF2B5EF4-FFF2-40B4-BE49-F238E27FC236}">
-                <a16:creationId xmlns:a16="http://schemas.microsoft.com/office/drawing/2014/main" id="{0135C256-3003-4F17-80D3-FDD39BD72DE4}"/>
+                <a16:creationId xmlns:a16="http://schemas.microsoft.com/office/drawing/2014/main" id="{4F4B03A9-7E7F-4361-A823-CEBFDD4C4E52}"/>
               </a:ext>
             </a:extLst>
           </p:cNvPr>
@@ -11205,252 +8931,217 @@
           <a:bodyPr/>
           <a:lstStyle/>
           <a:p>
-            <a:r>
-              <a:rPr lang="en-US" dirty="0">
-                <a:latin typeface="Arial Black" panose="020B0A04020102020204" pitchFamily="34" charset="0"/>
-              </a:rPr>
-              <a:t>Find (</a:t>
-            </a:r>
             <a:r>
               <a:rPr lang="ru-RU" dirty="0">
                 <a:latin typeface="Arial Black" panose="020B0A04020102020204" pitchFamily="34" charset="0"/>
               </a:rPr>
-              <a:t>поиск</a:t>
-            </a:r>
-            <a:r>
-              <a:rPr lang="en-US" dirty="0">
-                <a:latin typeface="Arial Black" panose="020B0A04020102020204" pitchFamily="34" charset="0"/>
-              </a:rPr>
-              <a:t>)</a:t>
-            </a:r>
-            <a:endParaRPr lang="ru-RU" dirty="0"/>
-          </a:p>
-        </p:txBody>
-      </p:sp>
-      <p:sp>
-        <p:nvSpPr>
-          <p:cNvPr id="10" name="Объект 9">
-            <a:extLst>
-              <a:ext uri="{FF2B5EF4-FFF2-40B4-BE49-F238E27FC236}">
-                <a16:creationId xmlns:a16="http://schemas.microsoft.com/office/drawing/2014/main" id="{836C02EF-1BDF-403B-96E5-7CA5A5D48122}"/>
-              </a:ext>
-            </a:extLst>
-          </p:cNvPr>
-          <p:cNvSpPr>
-            <a:spLocks noGrp="1"/>
-          </p:cNvSpPr>
-          <p:nvPr>
-            <p:ph sz="half" idx="1"/>
-          </p:nvPr>
-        </p:nvSpPr>
-        <p:spPr>
-          <a:xfrm>
-            <a:off x="838200" y="1825625"/>
-            <a:ext cx="6075784" cy="4351338"/>
-          </a:xfrm>
-        </p:spPr>
-        <p:txBody>
-          <a:bodyPr>
-            <a:normAutofit/>
-          </a:bodyPr>
+              <a:t>Тестирование производительности</a:t>
+            </a:r>
+          </a:p>
+        </p:txBody>
+      </p:sp>
+      <p:sp>
+        <p:nvSpPr>
+          <p:cNvPr id="7" name="Объект 6">
+            <a:extLst>
+              <a:ext uri="{FF2B5EF4-FFF2-40B4-BE49-F238E27FC236}">
+                <a16:creationId xmlns:a16="http://schemas.microsoft.com/office/drawing/2014/main" id="{CF86A473-A3FD-40D5-94EF-F3AC57EFD281}"/>
+              </a:ext>
+            </a:extLst>
+          </p:cNvPr>
+          <p:cNvSpPr>
+            <a:spLocks noGrp="1"/>
+          </p:cNvSpPr>
+          <p:nvPr>
+            <p:ph idx="1"/>
+          </p:nvPr>
+        </p:nvSpPr>
+        <p:spPr/>
+        <p:txBody>
+          <a:bodyPr/>
           <a:lstStyle/>
           <a:p>
             <a:pPr marL="0" indent="0">
+              <a:lnSpc>
+                <a:spcPct val="150000"/>
+              </a:lnSpc>
               <a:buNone/>
             </a:pPr>
             <a:r>
-              <a:rPr lang="ru-RU" dirty="0">
-                <a:latin typeface="Arial" panose="020B0604020202020204" pitchFamily="34" charset="0"/>
-                <a:cs typeface="Arial" panose="020B0604020202020204" pitchFamily="34" charset="0"/>
-              </a:rPr>
-              <a:t>На вход подается число </a:t>
-            </a:r>
-            <a:r>
-              <a:rPr lang="en-US" dirty="0">
-                <a:latin typeface="Arial" panose="020B0604020202020204" pitchFamily="34" charset="0"/>
-                <a:cs typeface="Arial" panose="020B0604020202020204" pitchFamily="34" charset="0"/>
-              </a:rPr>
-              <a:t>X</a:t>
+              <a:rPr lang="ru-RU" altLang="ru-RU" dirty="0">
+                <a:latin typeface="Arial" panose="020B0604020202020204" pitchFamily="34" charset="0"/>
+                <a:cs typeface="Arial" panose="020B0604020202020204" pitchFamily="34" charset="0"/>
+              </a:rPr>
+              <a:t>Для сравнения использовались контейнеры </a:t>
             </a:r>
           </a:p>
           <a:p>
             <a:pPr marL="0" indent="0">
+              <a:lnSpc>
+                <a:spcPct val="150000"/>
+              </a:lnSpc>
               <a:buNone/>
             </a:pPr>
-            <a:br>
-              <a:rPr lang="en-US" dirty="0">
-                <a:latin typeface="Arial" panose="020B0604020202020204" pitchFamily="34" charset="0"/>
-                <a:cs typeface="Arial" panose="020B0604020202020204" pitchFamily="34" charset="0"/>
-              </a:rPr>
-            </a:br>
-            <a:r>
-              <a:rPr lang="en-US" b="1" dirty="0">
-                <a:latin typeface="Arial" panose="020B0604020202020204" pitchFamily="34" charset="0"/>
-                <a:cs typeface="Arial" panose="020B0604020202020204" pitchFamily="34" charset="0"/>
-              </a:rPr>
-              <a:t>If</a:t>
-            </a:r>
-            <a:r>
-              <a:rPr lang="en-US" dirty="0">
-                <a:latin typeface="Arial" panose="020B0604020202020204" pitchFamily="34" charset="0"/>
-                <a:cs typeface="Arial" panose="020B0604020202020204" pitchFamily="34" charset="0"/>
-              </a:rPr>
-              <a:t> min == null</a:t>
-            </a:r>
-            <a:br>
-              <a:rPr lang="en-US" dirty="0">
-                <a:latin typeface="Arial" panose="020B0604020202020204" pitchFamily="34" charset="0"/>
-                <a:cs typeface="Arial" panose="020B0604020202020204" pitchFamily="34" charset="0"/>
-              </a:rPr>
-            </a:br>
-            <a:r>
-              <a:rPr lang="en-US" dirty="0">
-                <a:latin typeface="Arial" panose="020B0604020202020204" pitchFamily="34" charset="0"/>
-                <a:cs typeface="Arial" panose="020B0604020202020204" pitchFamily="34" charset="0"/>
-              </a:rPr>
-              <a:t>    </a:t>
-            </a:r>
-            <a:r>
-              <a:rPr lang="en-US" b="1" dirty="0">
-                <a:latin typeface="Arial" panose="020B0604020202020204" pitchFamily="34" charset="0"/>
-                <a:cs typeface="Arial" panose="020B0604020202020204" pitchFamily="34" charset="0"/>
-              </a:rPr>
-              <a:t>return</a:t>
-            </a:r>
-            <a:r>
-              <a:rPr lang="en-US" dirty="0">
-                <a:latin typeface="Arial" panose="020B0604020202020204" pitchFamily="34" charset="0"/>
-                <a:cs typeface="Arial" panose="020B0604020202020204" pitchFamily="34" charset="0"/>
-              </a:rPr>
-              <a:t> false</a:t>
-            </a:r>
-            <a:br>
-              <a:rPr lang="en-US" dirty="0">
-                <a:latin typeface="Arial" panose="020B0604020202020204" pitchFamily="34" charset="0"/>
-                <a:cs typeface="Arial" panose="020B0604020202020204" pitchFamily="34" charset="0"/>
-              </a:rPr>
-            </a:br>
-            <a:r>
-              <a:rPr lang="en-US" b="1" dirty="0">
-                <a:latin typeface="Arial" panose="020B0604020202020204" pitchFamily="34" charset="0"/>
-                <a:cs typeface="Arial" panose="020B0604020202020204" pitchFamily="34" charset="0"/>
-              </a:rPr>
-              <a:t>If</a:t>
-            </a:r>
-            <a:r>
-              <a:rPr lang="en-US" dirty="0">
+            <a:r>
+              <a:rPr lang="ru-RU" altLang="ru-RU" b="1" dirty="0">
+                <a:latin typeface="Arial" panose="020B0604020202020204" pitchFamily="34" charset="0"/>
+                <a:cs typeface="Arial" panose="020B0604020202020204" pitchFamily="34" charset="0"/>
+              </a:rPr>
+              <a:t>	</a:t>
+            </a:r>
+            <a:r>
+              <a:rPr lang="ru-RU" altLang="ru-RU" b="1" dirty="0" err="1">
+                <a:latin typeface="Arial" panose="020B0604020202020204" pitchFamily="34" charset="0"/>
+                <a:cs typeface="Arial" panose="020B0604020202020204" pitchFamily="34" charset="0"/>
+              </a:rPr>
+              <a:t>std</a:t>
+            </a:r>
+            <a:r>
+              <a:rPr lang="ru-RU" altLang="ru-RU" b="1" dirty="0">
+                <a:latin typeface="Arial" panose="020B0604020202020204" pitchFamily="34" charset="0"/>
+                <a:cs typeface="Arial" panose="020B0604020202020204" pitchFamily="34" charset="0"/>
+              </a:rPr>
+              <a:t>::</a:t>
+            </a:r>
+            <a:r>
+              <a:rPr lang="ru-RU" altLang="ru-RU" b="1" dirty="0" err="1">
+                <a:latin typeface="Arial" panose="020B0604020202020204" pitchFamily="34" charset="0"/>
+                <a:cs typeface="Arial" panose="020B0604020202020204" pitchFamily="34" charset="0"/>
+              </a:rPr>
+              <a:t>set</a:t>
+            </a:r>
+            <a:r>
+              <a:rPr lang="ru-RU" altLang="ru-RU" b="1" dirty="0">
                 <a:latin typeface="Arial" panose="020B0604020202020204" pitchFamily="34" charset="0"/>
                 <a:cs typeface="Arial" panose="020B0604020202020204" pitchFamily="34" charset="0"/>
               </a:rPr>
               <a:t> </a:t>
             </a:r>
             <a:r>
-              <a:rPr lang="ru-RU" dirty="0">
-                <a:latin typeface="Arial" panose="020B0604020202020204" pitchFamily="34" charset="0"/>
-                <a:cs typeface="Arial" panose="020B0604020202020204" pitchFamily="34" charset="0"/>
-              </a:rPr>
-              <a:t>Х</a:t>
-            </a:r>
-            <a:r>
-              <a:rPr lang="en-US" dirty="0">
-                <a:latin typeface="Arial" panose="020B0604020202020204" pitchFamily="34" charset="0"/>
-                <a:cs typeface="Arial" panose="020B0604020202020204" pitchFamily="34" charset="0"/>
-              </a:rPr>
-              <a:t> == min </a:t>
-            </a:r>
-            <a:r>
-              <a:rPr lang="en-US" b="1" dirty="0">
-                <a:latin typeface="Arial" panose="020B0604020202020204" pitchFamily="34" charset="0"/>
-                <a:cs typeface="Arial" panose="020B0604020202020204" pitchFamily="34" charset="0"/>
-              </a:rPr>
-              <a:t>or</a:t>
-            </a:r>
-            <a:r>
-              <a:rPr lang="en-US" dirty="0">
+              <a:rPr lang="ru-RU" altLang="ru-RU" dirty="0">
+                <a:latin typeface="Arial" panose="020B0604020202020204" pitchFamily="34" charset="0"/>
+                <a:cs typeface="Arial" panose="020B0604020202020204" pitchFamily="34" charset="0"/>
+              </a:rPr>
+              <a:t>и </a:t>
+            </a:r>
+            <a:r>
+              <a:rPr lang="ru-RU" altLang="ru-RU" b="1" dirty="0" err="1">
+                <a:latin typeface="Arial" panose="020B0604020202020204" pitchFamily="34" charset="0"/>
+                <a:cs typeface="Arial" panose="020B0604020202020204" pitchFamily="34" charset="0"/>
+              </a:rPr>
+              <a:t>std</a:t>
+            </a:r>
+            <a:r>
+              <a:rPr lang="ru-RU" altLang="ru-RU" b="1" dirty="0">
+                <a:latin typeface="Arial" panose="020B0604020202020204" pitchFamily="34" charset="0"/>
+                <a:cs typeface="Arial" panose="020B0604020202020204" pitchFamily="34" charset="0"/>
+              </a:rPr>
+              <a:t>::</a:t>
+            </a:r>
+            <a:r>
+              <a:rPr lang="ru-RU" altLang="ru-RU" b="1" dirty="0" err="1">
+                <a:latin typeface="Arial" panose="020B0604020202020204" pitchFamily="34" charset="0"/>
+                <a:cs typeface="Arial" panose="020B0604020202020204" pitchFamily="34" charset="0"/>
+              </a:rPr>
+              <a:t>unordered_set</a:t>
+            </a:r>
+            <a:r>
+              <a:rPr lang="ru-RU" altLang="ru-RU" b="1" dirty="0">
                 <a:latin typeface="Arial" panose="020B0604020202020204" pitchFamily="34" charset="0"/>
                 <a:cs typeface="Arial" panose="020B0604020202020204" pitchFamily="34" charset="0"/>
               </a:rPr>
               <a:t> </a:t>
             </a:r>
-            <a:r>
-              <a:rPr lang="ru-RU" dirty="0">
-                <a:latin typeface="Arial" panose="020B0604020202020204" pitchFamily="34" charset="0"/>
-                <a:cs typeface="Arial" panose="020B0604020202020204" pitchFamily="34" charset="0"/>
-              </a:rPr>
-              <a:t>Х</a:t>
-            </a:r>
-            <a:r>
-              <a:rPr lang="en-US" dirty="0">
-                <a:latin typeface="Arial" panose="020B0604020202020204" pitchFamily="34" charset="0"/>
-                <a:cs typeface="Arial" panose="020B0604020202020204" pitchFamily="34" charset="0"/>
-              </a:rPr>
-              <a:t> == max</a:t>
-            </a:r>
-            <a:br>
-              <a:rPr lang="en-US" b="1" dirty="0">
-                <a:latin typeface="Arial" panose="020B0604020202020204" pitchFamily="34" charset="0"/>
-                <a:cs typeface="Arial" panose="020B0604020202020204" pitchFamily="34" charset="0"/>
-              </a:rPr>
-            </a:br>
-            <a:r>
-              <a:rPr lang="en-US" b="1" dirty="0">
-                <a:latin typeface="Arial" panose="020B0604020202020204" pitchFamily="34" charset="0"/>
-                <a:cs typeface="Arial" panose="020B0604020202020204" pitchFamily="34" charset="0"/>
-              </a:rPr>
-              <a:t>    return </a:t>
-            </a:r>
-            <a:r>
-              <a:rPr lang="en-US" dirty="0">
-                <a:latin typeface="Arial" panose="020B0604020202020204" pitchFamily="34" charset="0"/>
-                <a:cs typeface="Arial" panose="020B0604020202020204" pitchFamily="34" charset="0"/>
-              </a:rPr>
-              <a:t>true</a:t>
-            </a:r>
-            <a:br>
-              <a:rPr lang="en-US" dirty="0">
-                <a:latin typeface="Arial" panose="020B0604020202020204" pitchFamily="34" charset="0"/>
-                <a:cs typeface="Arial" panose="020B0604020202020204" pitchFamily="34" charset="0"/>
-              </a:rPr>
-            </a:br>
-            <a:r>
-              <a:rPr lang="en-US" b="1" dirty="0">
-                <a:latin typeface="Arial" panose="020B0604020202020204" pitchFamily="34" charset="0"/>
-                <a:cs typeface="Arial" panose="020B0604020202020204" pitchFamily="34" charset="0"/>
-              </a:rPr>
-              <a:t>return </a:t>
-            </a:r>
-            <a:r>
-              <a:rPr lang="en-US" dirty="0">
-                <a:latin typeface="Arial" panose="020B0604020202020204" pitchFamily="34" charset="0"/>
-                <a:cs typeface="Arial" panose="020B0604020202020204" pitchFamily="34" charset="0"/>
-              </a:rPr>
-              <a:t>cluster[High(X)].Find(Low(X))</a:t>
-            </a:r>
-            <a:endParaRPr lang="ru-RU" dirty="0">
-              <a:latin typeface="Arial" panose="020B0604020202020204" pitchFamily="34" charset="0"/>
-              <a:cs typeface="Arial" panose="020B0604020202020204" pitchFamily="34" charset="0"/>
-            </a:endParaRPr>
           </a:p>
           <a:p>
             <a:pPr marL="0" indent="0">
+              <a:lnSpc>
+                <a:spcPct val="150000"/>
+              </a:lnSpc>
               <a:buNone/>
             </a:pPr>
-            <a:endParaRPr lang="en-US" dirty="0"/>
+            <a:r>
+              <a:rPr lang="ru-RU" altLang="ru-RU" dirty="0">
+                <a:latin typeface="Arial" panose="020B0604020202020204" pitchFamily="34" charset="0"/>
+                <a:cs typeface="Arial" panose="020B0604020202020204" pitchFamily="34" charset="0"/>
+              </a:rPr>
+              <a:t>		стандартной библиотеки шаблонов </a:t>
+            </a:r>
+            <a:r>
+              <a:rPr lang="ru-RU" altLang="ru-RU" b="1" dirty="0">
+                <a:latin typeface="Arial" panose="020B0604020202020204" pitchFamily="34" charset="0"/>
+                <a:cs typeface="Arial" panose="020B0604020202020204" pitchFamily="34" charset="0"/>
+              </a:rPr>
+              <a:t>STL</a:t>
+            </a:r>
           </a:p>
           <a:p>
             <a:pPr marL="0" indent="0">
+              <a:lnSpc>
+                <a:spcPct val="150000"/>
+              </a:lnSpc>
               <a:buNone/>
             </a:pPr>
+            <a:r>
+              <a:rPr lang="ru-RU" altLang="ru-RU" dirty="0">
+                <a:latin typeface="Arial" panose="020B0604020202020204" pitchFamily="34" charset="0"/>
+                <a:cs typeface="Arial" panose="020B0604020202020204" pitchFamily="34" charset="0"/>
+              </a:rPr>
+              <a:t>			и аналогичные функции</a:t>
+            </a:r>
+            <a:r>
+              <a:rPr lang="ru-RU" altLang="ru-RU" b="1" dirty="0">
+                <a:latin typeface="Arial" panose="020B0604020202020204" pitchFamily="34" charset="0"/>
+                <a:cs typeface="Arial" panose="020B0604020202020204" pitchFamily="34" charset="0"/>
+              </a:rPr>
+              <a:t> </a:t>
+            </a:r>
+            <a:r>
+              <a:rPr lang="en-US" altLang="ru-RU" b="1" dirty="0">
+                <a:solidFill>
+                  <a:srgbClr val="006CB5"/>
+                </a:solidFill>
+                <a:latin typeface="Arial" panose="020B0604020202020204" pitchFamily="34" charset="0"/>
+                <a:cs typeface="Arial" panose="020B0604020202020204" pitchFamily="34" charset="0"/>
+              </a:rPr>
+              <a:t>V</a:t>
+            </a:r>
+            <a:r>
+              <a:rPr lang="ru-RU" altLang="ru-RU" b="1" dirty="0">
+                <a:solidFill>
+                  <a:srgbClr val="006CB5"/>
+                </a:solidFill>
+                <a:latin typeface="Arial" panose="020B0604020202020204" pitchFamily="34" charset="0"/>
+                <a:cs typeface="Arial" panose="020B0604020202020204" pitchFamily="34" charset="0"/>
+              </a:rPr>
+              <a:t>EB </a:t>
+            </a:r>
+            <a:r>
+              <a:rPr lang="ru-RU" altLang="ru-RU" b="1" dirty="0">
+                <a:latin typeface="Arial" panose="020B0604020202020204" pitchFamily="34" charset="0"/>
+                <a:cs typeface="Arial" panose="020B0604020202020204" pitchFamily="34" charset="0"/>
+              </a:rPr>
+              <a:t>дерева</a:t>
+            </a:r>
+            <a:r>
+              <a:rPr lang="ru-RU" altLang="ru-RU" dirty="0">
+                <a:latin typeface="Arial" panose="020B0604020202020204" pitchFamily="34" charset="0"/>
+                <a:cs typeface="Arial" panose="020B0604020202020204" pitchFamily="34" charset="0"/>
+              </a:rPr>
+              <a:t>.</a:t>
+            </a:r>
+          </a:p>
+          <a:p>
             <a:endParaRPr lang="ru-RU" dirty="0"/>
           </a:p>
         </p:txBody>
       </p:sp>
       <p:sp>
         <p:nvSpPr>
-          <p:cNvPr id="4" name="Дата 3">
-            <a:extLst>
-              <a:ext uri="{FF2B5EF4-FFF2-40B4-BE49-F238E27FC236}">
-                <a16:creationId xmlns:a16="http://schemas.microsoft.com/office/drawing/2014/main" id="{DAEB77EF-BADA-4F40-BC5B-07FBEFEC79B1}"/>
+          <p:cNvPr id="5" name="Дата 4">
+            <a:extLst>
+              <a:ext uri="{FF2B5EF4-FFF2-40B4-BE49-F238E27FC236}">
+                <a16:creationId xmlns:a16="http://schemas.microsoft.com/office/drawing/2014/main" id="{BCE7333E-CB56-4EF6-B4DE-4F0A79521411}"/>
               </a:ext>
             </a:extLst>
           </p:cNvPr>
@@ -11475,10 +9166,10 @@
       </p:sp>
       <p:sp>
         <p:nvSpPr>
-          <p:cNvPr id="5" name="Нижний колонтитул 4">
-            <a:extLst>
-              <a:ext uri="{FF2B5EF4-FFF2-40B4-BE49-F238E27FC236}">
-                <a16:creationId xmlns:a16="http://schemas.microsoft.com/office/drawing/2014/main" id="{0968CC94-DE6C-4B47-A3E5-57861D1EDE1D}"/>
+          <p:cNvPr id="6" name="Нижний колонтитул 5">
+            <a:extLst>
+              <a:ext uri="{FF2B5EF4-FFF2-40B4-BE49-F238E27FC236}">
+                <a16:creationId xmlns:a16="http://schemas.microsoft.com/office/drawing/2014/main" id="{335ADC19-66E6-4C03-BCF6-0706E8203EE7}"/>
               </a:ext>
             </a:extLst>
           </p:cNvPr>
@@ -11498,13 +9189,42 @@
               <a:rPr lang="ru-RU"/>
               <a:t>Борик Р. Д</a:t>
             </a:r>
+          </a:p>
+        </p:txBody>
+      </p:sp>
+      <p:sp>
+        <p:nvSpPr>
+          <p:cNvPr id="4" name="Номер слайда 3">
+            <a:extLst>
+              <a:ext uri="{FF2B5EF4-FFF2-40B4-BE49-F238E27FC236}">
+                <a16:creationId xmlns:a16="http://schemas.microsoft.com/office/drawing/2014/main" id="{910E4C7C-31A0-403F-90C6-B33B652FC92F}"/>
+              </a:ext>
+            </a:extLst>
+          </p:cNvPr>
+          <p:cNvSpPr>
+            <a:spLocks noGrp="1"/>
+          </p:cNvSpPr>
+          <p:nvPr>
+            <p:ph type="sldNum" sz="quarter" idx="12"/>
+          </p:nvPr>
+        </p:nvSpPr>
+        <p:spPr/>
+        <p:txBody>
+          <a:bodyPr/>
+          <a:lstStyle/>
+          <a:p>
+            <a:fld id="{F5F7BD9D-D9F0-4178-8503-A05219E63A73}" type="slidenum">
+              <a:rPr lang="ru-RU" sz="4400" smtClean="0"/>
+              <a:t>9</a:t>
+            </a:fld>
+            <a:endParaRPr lang="ru-RU" sz="4400" dirty="0"/>
           </a:p>
         </p:txBody>
       </p:sp>
     </p:spTree>
     <p:extLst>
       <p:ext uri="{BB962C8B-B14F-4D97-AF65-F5344CB8AC3E}">
-        <p14:creationId xmlns:p14="http://schemas.microsoft.com/office/powerpoint/2010/main" val="2694888960"/>
+        <p14:creationId xmlns:p14="http://schemas.microsoft.com/office/powerpoint/2010/main" val="2438200188"/>
       </p:ext>
     </p:extLst>
   </p:cSld>
